--- a/presentation/final-presentation.pptx
+++ b/presentation/final-presentation.pptx
@@ -113,13 +113,18 @@
       </a:defRPr>
     </a:lvl9pPr>
   </p:defaultTextStyle>
+  <p:extLst>
+    <p:ext uri="{EFAFB233-063F-42B5-8137-9DF3F51BA10A}">
+      <p15:sldGuideLst xmlns:p15="http://schemas.microsoft.com/office/powerpoint/2012/main"/>
+    </p:ext>
+  </p:extLst>
 </p:presentation>
 </file>
 
 <file path=ppt/revisionInfo.xml><?xml version="1.0" encoding="utf-8"?>
 <p1510:revInfo xmlns:a="http://schemas.openxmlformats.org/drawingml/2006/main" xmlns:r="http://schemas.openxmlformats.org/officeDocument/2006/relationships" xmlns:p1510="http://schemas.microsoft.com/office/powerpoint/2015/10/main">
   <p1510:revLst>
-    <p1510:client id="{98C76723-AA43-4380-8E4D-B8026509F880}" v="5" dt="2021-04-19T14:58:15.302"/>
+    <p1510:client id="{D5C3F0AF-4CDB-4F83-B89A-4FCD27EF4FE5}" v="1" dt="2021-04-20T14:49:41.392"/>
   </p1510:revLst>
 </p1510:revInfo>
 </file>
@@ -174,6 +179,107 @@
       </pc:sldChg>
     </pc:docChg>
   </pc:docChgLst>
+  <pc:docChgLst>
+    <pc:chgData name="Alison Kleffner" userId="0bed3509-e787-48f4-9a13-47afcd2529d5" providerId="ADAL" clId="{D5C3F0AF-4CDB-4F83-B89A-4FCD27EF4FE5}"/>
+    <pc:docChg chg="undo custSel modSld">
+      <pc:chgData name="Alison Kleffner" userId="0bed3509-e787-48f4-9a13-47afcd2529d5" providerId="ADAL" clId="{D5C3F0AF-4CDB-4F83-B89A-4FCD27EF4FE5}" dt="2021-04-20T15:03:11.375" v="143" actId="20577"/>
+      <pc:docMkLst>
+        <pc:docMk/>
+      </pc:docMkLst>
+      <pc:sldChg chg="modSp mod">
+        <pc:chgData name="Alison Kleffner" userId="0bed3509-e787-48f4-9a13-47afcd2529d5" providerId="ADAL" clId="{D5C3F0AF-4CDB-4F83-B89A-4FCD27EF4FE5}" dt="2021-04-20T15:03:11.375" v="143" actId="20577"/>
+        <pc:sldMkLst>
+          <pc:docMk/>
+          <pc:sldMk cId="3581702329" sldId="257"/>
+        </pc:sldMkLst>
+        <pc:spChg chg="mod">
+          <ac:chgData name="Alison Kleffner" userId="0bed3509-e787-48f4-9a13-47afcd2529d5" providerId="ADAL" clId="{D5C3F0AF-4CDB-4F83-B89A-4FCD27EF4FE5}" dt="2021-04-20T15:03:11.375" v="143" actId="20577"/>
+          <ac:spMkLst>
+            <pc:docMk/>
+            <pc:sldMk cId="3581702329" sldId="257"/>
+            <ac:spMk id="3" creationId="{1480425F-5ADD-42BD-A8E6-730F5E080DD7}"/>
+          </ac:spMkLst>
+        </pc:spChg>
+      </pc:sldChg>
+      <pc:sldChg chg="addSp delSp modSp mod modClrScheme chgLayout">
+        <pc:chgData name="Alison Kleffner" userId="0bed3509-e787-48f4-9a13-47afcd2529d5" providerId="ADAL" clId="{D5C3F0AF-4CDB-4F83-B89A-4FCD27EF4FE5}" dt="2021-04-20T14:50:56.874" v="47" actId="27636"/>
+        <pc:sldMkLst>
+          <pc:docMk/>
+          <pc:sldMk cId="3724156524" sldId="258"/>
+        </pc:sldMkLst>
+        <pc:spChg chg="mod ord">
+          <ac:chgData name="Alison Kleffner" userId="0bed3509-e787-48f4-9a13-47afcd2529d5" providerId="ADAL" clId="{D5C3F0AF-4CDB-4F83-B89A-4FCD27EF4FE5}" dt="2021-04-20T14:49:13.805" v="34" actId="700"/>
+          <ac:spMkLst>
+            <pc:docMk/>
+            <pc:sldMk cId="3724156524" sldId="258"/>
+            <ac:spMk id="2" creationId="{D0B5DB17-1A39-4AB5-9E1C-C0AAF30CFF19}"/>
+          </ac:spMkLst>
+        </pc:spChg>
+        <pc:spChg chg="del mod ord">
+          <ac:chgData name="Alison Kleffner" userId="0bed3509-e787-48f4-9a13-47afcd2529d5" providerId="ADAL" clId="{D5C3F0AF-4CDB-4F83-B89A-4FCD27EF4FE5}" dt="2021-04-20T14:49:13.805" v="34" actId="700"/>
+          <ac:spMkLst>
+            <pc:docMk/>
+            <pc:sldMk cId="3724156524" sldId="258"/>
+            <ac:spMk id="3" creationId="{B72FF929-445C-4AC7-8711-04ED034FC73E}"/>
+          </ac:spMkLst>
+        </pc:spChg>
+        <pc:spChg chg="add mod ord">
+          <ac:chgData name="Alison Kleffner" userId="0bed3509-e787-48f4-9a13-47afcd2529d5" providerId="ADAL" clId="{D5C3F0AF-4CDB-4F83-B89A-4FCD27EF4FE5}" dt="2021-04-20T14:50:56.874" v="47" actId="27636"/>
+          <ac:spMkLst>
+            <pc:docMk/>
+            <pc:sldMk cId="3724156524" sldId="258"/>
+            <ac:spMk id="4" creationId="{F8EF7BAF-2C73-49D5-9A95-EC13B95EAE9E}"/>
+          </ac:spMkLst>
+        </pc:spChg>
+        <pc:spChg chg="add del mod ord">
+          <ac:chgData name="Alison Kleffner" userId="0bed3509-e787-48f4-9a13-47afcd2529d5" providerId="ADAL" clId="{D5C3F0AF-4CDB-4F83-B89A-4FCD27EF4FE5}" dt="2021-04-20T14:49:41.392" v="35" actId="931"/>
+          <ac:spMkLst>
+            <pc:docMk/>
+            <pc:sldMk cId="3724156524" sldId="258"/>
+            <ac:spMk id="5" creationId="{0272C3D7-A782-4D7C-93FB-6AEDB9A4B0CA}"/>
+          </ac:spMkLst>
+        </pc:spChg>
+        <pc:picChg chg="add mod">
+          <ac:chgData name="Alison Kleffner" userId="0bed3509-e787-48f4-9a13-47afcd2529d5" providerId="ADAL" clId="{D5C3F0AF-4CDB-4F83-B89A-4FCD27EF4FE5}" dt="2021-04-20T14:49:52.005" v="39" actId="1076"/>
+          <ac:picMkLst>
+            <pc:docMk/>
+            <pc:sldMk cId="3724156524" sldId="258"/>
+            <ac:picMk id="7" creationId="{3D72E8C0-2C18-495A-AF28-C65AC3278036}"/>
+          </ac:picMkLst>
+        </pc:picChg>
+      </pc:sldChg>
+      <pc:sldChg chg="modSp mod">
+        <pc:chgData name="Alison Kleffner" userId="0bed3509-e787-48f4-9a13-47afcd2529d5" providerId="ADAL" clId="{D5C3F0AF-4CDB-4F83-B89A-4FCD27EF4FE5}" dt="2021-04-20T14:36:50.859" v="9" actId="20577"/>
+        <pc:sldMkLst>
+          <pc:docMk/>
+          <pc:sldMk cId="1939212565" sldId="259"/>
+        </pc:sldMkLst>
+        <pc:spChg chg="mod">
+          <ac:chgData name="Alison Kleffner" userId="0bed3509-e787-48f4-9a13-47afcd2529d5" providerId="ADAL" clId="{D5C3F0AF-4CDB-4F83-B89A-4FCD27EF4FE5}" dt="2021-04-20T14:36:50.859" v="9" actId="20577"/>
+          <ac:spMkLst>
+            <pc:docMk/>
+            <pc:sldMk cId="1939212565" sldId="259"/>
+            <ac:spMk id="3" creationId="{4B299CBA-9011-4FA0-AC76-4145A240B644}"/>
+          </ac:spMkLst>
+        </pc:spChg>
+      </pc:sldChg>
+      <pc:sldChg chg="modSp mod">
+        <pc:chgData name="Alison Kleffner" userId="0bed3509-e787-48f4-9a13-47afcd2529d5" providerId="ADAL" clId="{D5C3F0AF-4CDB-4F83-B89A-4FCD27EF4FE5}" dt="2021-04-20T14:46:39.794" v="33" actId="27636"/>
+        <pc:sldMkLst>
+          <pc:docMk/>
+          <pc:sldMk cId="3830608638" sldId="260"/>
+        </pc:sldMkLst>
+        <pc:spChg chg="mod">
+          <ac:chgData name="Alison Kleffner" userId="0bed3509-e787-48f4-9a13-47afcd2529d5" providerId="ADAL" clId="{D5C3F0AF-4CDB-4F83-B89A-4FCD27EF4FE5}" dt="2021-04-20T14:46:39.794" v="33" actId="27636"/>
+          <ac:spMkLst>
+            <pc:docMk/>
+            <pc:sldMk cId="3830608638" sldId="260"/>
+            <ac:spMk id="3" creationId="{B70B73B9-D1AE-41E2-9605-8F8142D92E88}"/>
+          </ac:spMkLst>
+        </pc:spChg>
+      </pc:sldChg>
+    </pc:docChg>
+  </pc:docChgLst>
 </pc:chgInfo>
 </file>
 
@@ -324,7 +430,7 @@
           <a:p>
             <a:fld id="{BE28CA74-5754-4493-A5C1-EEAF0C566310}" type="datetimeFigureOut">
               <a:rPr lang="en-US" smtClean="0"/>
-              <a:t>4/19/2021</a:t>
+              <a:t>4/20/2021</a:t>
             </a:fld>
             <a:endParaRPr lang="en-US"/>
           </a:p>
@@ -522,7 +628,7 @@
           <a:p>
             <a:fld id="{BE28CA74-5754-4493-A5C1-EEAF0C566310}" type="datetimeFigureOut">
               <a:rPr lang="en-US" smtClean="0"/>
-              <a:t>4/19/2021</a:t>
+              <a:t>4/20/2021</a:t>
             </a:fld>
             <a:endParaRPr lang="en-US"/>
           </a:p>
@@ -730,7 +836,7 @@
           <a:p>
             <a:fld id="{BE28CA74-5754-4493-A5C1-EEAF0C566310}" type="datetimeFigureOut">
               <a:rPr lang="en-US" smtClean="0"/>
-              <a:t>4/19/2021</a:t>
+              <a:t>4/20/2021</a:t>
             </a:fld>
             <a:endParaRPr lang="en-US"/>
           </a:p>
@@ -928,7 +1034,7 @@
           <a:p>
             <a:fld id="{BE28CA74-5754-4493-A5C1-EEAF0C566310}" type="datetimeFigureOut">
               <a:rPr lang="en-US" smtClean="0"/>
-              <a:t>4/19/2021</a:t>
+              <a:t>4/20/2021</a:t>
             </a:fld>
             <a:endParaRPr lang="en-US"/>
           </a:p>
@@ -1203,7 +1309,7 @@
           <a:p>
             <a:fld id="{BE28CA74-5754-4493-A5C1-EEAF0C566310}" type="datetimeFigureOut">
               <a:rPr lang="en-US" smtClean="0"/>
-              <a:t>4/19/2021</a:t>
+              <a:t>4/20/2021</a:t>
             </a:fld>
             <a:endParaRPr lang="en-US"/>
           </a:p>
@@ -1468,7 +1574,7 @@
           <a:p>
             <a:fld id="{BE28CA74-5754-4493-A5C1-EEAF0C566310}" type="datetimeFigureOut">
               <a:rPr lang="en-US" smtClean="0"/>
-              <a:t>4/19/2021</a:t>
+              <a:t>4/20/2021</a:t>
             </a:fld>
             <a:endParaRPr lang="en-US"/>
           </a:p>
@@ -1880,7 +1986,7 @@
           <a:p>
             <a:fld id="{BE28CA74-5754-4493-A5C1-EEAF0C566310}" type="datetimeFigureOut">
               <a:rPr lang="en-US" smtClean="0"/>
-              <a:t>4/19/2021</a:t>
+              <a:t>4/20/2021</a:t>
             </a:fld>
             <a:endParaRPr lang="en-US"/>
           </a:p>
@@ -2021,7 +2127,7 @@
           <a:p>
             <a:fld id="{BE28CA74-5754-4493-A5C1-EEAF0C566310}" type="datetimeFigureOut">
               <a:rPr lang="en-US" smtClean="0"/>
-              <a:t>4/19/2021</a:t>
+              <a:t>4/20/2021</a:t>
             </a:fld>
             <a:endParaRPr lang="en-US"/>
           </a:p>
@@ -2134,7 +2240,7 @@
           <a:p>
             <a:fld id="{BE28CA74-5754-4493-A5C1-EEAF0C566310}" type="datetimeFigureOut">
               <a:rPr lang="en-US" smtClean="0"/>
-              <a:t>4/19/2021</a:t>
+              <a:t>4/20/2021</a:t>
             </a:fld>
             <a:endParaRPr lang="en-US"/>
           </a:p>
@@ -2445,7 +2551,7 @@
           <a:p>
             <a:fld id="{BE28CA74-5754-4493-A5C1-EEAF0C566310}" type="datetimeFigureOut">
               <a:rPr lang="en-US" smtClean="0"/>
-              <a:t>4/19/2021</a:t>
+              <a:t>4/20/2021</a:t>
             </a:fld>
             <a:endParaRPr lang="en-US"/>
           </a:p>
@@ -2733,7 +2839,7 @@
           <a:p>
             <a:fld id="{BE28CA74-5754-4493-A5C1-EEAF0C566310}" type="datetimeFigureOut">
               <a:rPr lang="en-US" smtClean="0"/>
-              <a:t>4/19/2021</a:t>
+              <a:t>4/20/2021</a:t>
             </a:fld>
             <a:endParaRPr lang="en-US"/>
           </a:p>
@@ -2974,7 +3080,7 @@
           <a:p>
             <a:fld id="{BE28CA74-5754-4493-A5C1-EEAF0C566310}" type="datetimeFigureOut">
               <a:rPr lang="en-US" smtClean="0"/>
-              <a:t>4/19/2021</a:t>
+              <a:t>4/20/2021</a:t>
             </a:fld>
             <a:endParaRPr lang="en-US"/>
           </a:p>
@@ -4682,10 +4788,45 @@
         </p:nvSpPr>
         <p:spPr/>
         <p:txBody>
-          <a:bodyPr/>
-          <a:lstStyle/>
-          <a:p>
-            <a:endParaRPr lang="en-US"/>
+          <a:bodyPr>
+            <a:normAutofit fontScale="92500" lnSpcReduction="20000"/>
+          </a:bodyPr>
+          <a:lstStyle/>
+          <a:p>
+            <a:r>
+              <a:rPr lang="en-US" dirty="0"/>
+              <a:t>Successful marketing campaigns and productive selling strategies are directly linked to communication about key indicators of quality; hence, objective measurements of quality are essential</a:t>
+            </a:r>
+          </a:p>
+          <a:p>
+            <a:r>
+              <a:rPr lang="en-US" dirty="0"/>
+              <a:t>Within the wine industry, there are two types of quality assessment: physiochemical and sensory tests. Sensory tests require a human expert to assess the quality of wine based on visual, taste, and smell [Hu et al., 2016]</a:t>
+            </a:r>
+          </a:p>
+          <a:p>
+            <a:r>
+              <a:rPr lang="en-US"/>
+              <a:t>Unlike </a:t>
+            </a:r>
+            <a:r>
+              <a:rPr lang="en-US" dirty="0"/>
+              <a:t>sensory tests, laboratory tests for measuring the physiochemical characteristics of wine such as acidity and alcohol content do not require a human expert. The relationship between </a:t>
+            </a:r>
+            <a:r>
+              <a:rPr lang="en-US" dirty="0" err="1"/>
+              <a:t>physiochemcial</a:t>
+            </a:r>
+            <a:r>
+              <a:rPr lang="en-US" dirty="0"/>
+              <a:t> and sensory analysis is not well understood. Recently, research in the food industry has utilized statistical learning techniques to evaluate widely available characteristics of wine. </a:t>
+            </a:r>
+          </a:p>
+          <a:p>
+            <a:r>
+              <a:rPr lang="en-US" dirty="0"/>
+              <a:t>Classification can then be used as part of quality assessment process. </a:t>
+            </a:r>
           </a:p>
         </p:txBody>
       </p:sp>
@@ -4749,29 +4890,102 @@
       </p:sp>
       <p:sp>
         <p:nvSpPr>
-          <p:cNvPr id="3" name="Content Placeholder 2">
-            <a:extLst>
-              <a:ext uri="{FF2B5EF4-FFF2-40B4-BE49-F238E27FC236}">
-                <a16:creationId xmlns:a16="http://schemas.microsoft.com/office/drawing/2014/main" id="{B72FF929-445C-4AC7-8711-04ED034FC73E}"/>
-              </a:ext>
-            </a:extLst>
-          </p:cNvPr>
-          <p:cNvSpPr>
-            <a:spLocks noGrp="1"/>
-          </p:cNvSpPr>
-          <p:nvPr>
-            <p:ph idx="1"/>
-          </p:nvPr>
-        </p:nvSpPr>
-        <p:spPr/>
-        <p:txBody>
-          <a:bodyPr/>
-          <a:lstStyle/>
-          <a:p>
-            <a:endParaRPr lang="en-US"/>
-          </a:p>
-        </p:txBody>
-      </p:sp>
+          <p:cNvPr id="4" name="Content Placeholder 3">
+            <a:extLst>
+              <a:ext uri="{FF2B5EF4-FFF2-40B4-BE49-F238E27FC236}">
+                <a16:creationId xmlns:a16="http://schemas.microsoft.com/office/drawing/2014/main" id="{F8EF7BAF-2C73-49D5-9A95-EC13B95EAE9E}"/>
+              </a:ext>
+            </a:extLst>
+          </p:cNvPr>
+          <p:cNvSpPr>
+            <a:spLocks noGrp="1"/>
+          </p:cNvSpPr>
+          <p:nvPr>
+            <p:ph sz="half" idx="1"/>
+          </p:nvPr>
+        </p:nvSpPr>
+        <p:spPr>
+          <a:xfrm>
+            <a:off x="838199" y="1825624"/>
+            <a:ext cx="5921049" cy="4378227"/>
+          </a:xfrm>
+        </p:spPr>
+        <p:txBody>
+          <a:bodyPr>
+            <a:normAutofit fontScale="70000" lnSpcReduction="20000"/>
+          </a:bodyPr>
+          <a:lstStyle/>
+          <a:p>
+            <a:r>
+              <a:rPr lang="en-US" dirty="0"/>
+              <a:t>In this paper, we applied classification and resampling techniques to the “Wine Quality Data Set” found on the UCI Data Repository [UCI]. The data consist of information from samples of </a:t>
+            </a:r>
+            <a:r>
+              <a:rPr lang="en-US" dirty="0" err="1"/>
+              <a:t>Vinho</a:t>
+            </a:r>
+            <a:r>
+              <a:rPr lang="en-US" dirty="0"/>
+              <a:t> Verde, which is a product from the northwest region of Portugal</a:t>
+            </a:r>
+          </a:p>
+          <a:p>
+            <a:r>
+              <a:rPr lang="en-US" dirty="0"/>
+              <a:t>For each of the wines in the dataset, 11 physiochemical measurements were taken on it: </a:t>
+            </a:r>
+            <a:r>
+              <a:rPr lang="en-US" dirty="0" err="1"/>
+              <a:t>fxed</a:t>
+            </a:r>
+            <a:r>
+              <a:rPr lang="en-US" dirty="0"/>
+              <a:t> acidity, volatile acidity, citric acid, residual sugar, chlorides, free sulfur dioxide, total sulfur dioxide, density, pH, sulphates, and alcohol.</a:t>
+            </a:r>
+          </a:p>
+          <a:p>
+            <a:r>
+              <a:rPr lang="en-US" dirty="0"/>
+              <a:t>The response was measured as a quality rating based on a sensory test carried out by at least three sommeliers, where a 0 was considered very bad and a 10 was excellent Gupta [2018]. Following Hu et al. [2016], we separated the wine into three quality classes: Low Quality (≤ 4), Normal (5-7), and High quality (≥ 8)</a:t>
+            </a:r>
+          </a:p>
+        </p:txBody>
+      </p:sp>
+      <p:pic>
+        <p:nvPicPr>
+          <p:cNvPr id="7" name="Content Placeholder 6" descr="Chart, bar chart&#10;&#10;Description automatically generated">
+            <a:extLst>
+              <a:ext uri="{FF2B5EF4-FFF2-40B4-BE49-F238E27FC236}">
+                <a16:creationId xmlns:a16="http://schemas.microsoft.com/office/drawing/2014/main" id="{3D72E8C0-2C18-495A-AF28-C65AC3278036}"/>
+              </a:ext>
+            </a:extLst>
+          </p:cNvPr>
+          <p:cNvPicPr>
+            <a:picLocks noGrp="1" noChangeAspect="1"/>
+          </p:cNvPicPr>
+          <p:nvPr>
+            <p:ph sz="half" idx="2"/>
+          </p:nvPr>
+        </p:nvPicPr>
+        <p:blipFill>
+          <a:blip r:embed="rId2">
+            <a:extLst>
+              <a:ext uri="{28A0092B-C50C-407E-A947-70E740481C1C}">
+                <a14:useLocalDpi xmlns:a14="http://schemas.microsoft.com/office/drawing/2010/main" val="0"/>
+              </a:ext>
+            </a:extLst>
+          </a:blip>
+          <a:stretch>
+            <a:fillRect/>
+          </a:stretch>
+        </p:blipFill>
+        <p:spPr>
+          <a:xfrm>
+            <a:off x="6759249" y="1212239"/>
+            <a:ext cx="5020376" cy="2789055"/>
+          </a:xfrm>
+        </p:spPr>
+      </p:pic>
     </p:spTree>
     <p:extLst>
       <p:ext uri="{BB962C8B-B14F-4D97-AF65-F5344CB8AC3E}">
@@ -4848,10 +5062,61 @@
         </p:nvSpPr>
         <p:spPr/>
         <p:txBody>
-          <a:bodyPr/>
-          <a:lstStyle/>
-          <a:p>
-            <a:endParaRPr lang="en-US"/>
+          <a:bodyPr>
+            <a:normAutofit fontScale="85000" lnSpcReduction="20000"/>
+          </a:bodyPr>
+          <a:lstStyle/>
+          <a:p>
+            <a:r>
+              <a:rPr lang="en-US" dirty="0"/>
+              <a:t>The goal of this paper, following Hu et al. [2016] is to train a model that would work well to classify wines into three categories, which are: low quality, normal quality and high quality.</a:t>
+            </a:r>
+          </a:p>
+          <a:p>
+            <a:r>
+              <a:rPr lang="en-US" dirty="0"/>
+              <a:t>We evaluated two classification techniques, </a:t>
+            </a:r>
+            <a:r>
+              <a:rPr lang="en-US" dirty="0" err="1"/>
+              <a:t>eXtreme</a:t>
+            </a:r>
+            <a:r>
+              <a:rPr lang="en-US" dirty="0"/>
+              <a:t> Gradient Boosting (</a:t>
+            </a:r>
+            <a:r>
+              <a:rPr lang="en-US" dirty="0" err="1"/>
+              <a:t>XGBoost</a:t>
+            </a:r>
+            <a:r>
+              <a:rPr lang="en-US" dirty="0"/>
+              <a:t>) and Random Forest</a:t>
+            </a:r>
+          </a:p>
+          <a:p>
+            <a:r>
+              <a:rPr lang="en-US" dirty="0"/>
+              <a:t>The quality categorization poses a challenge of working with imbalanced classes as there are many more normal quality wines than low or high quality wines [Figure 1].</a:t>
+            </a:r>
+          </a:p>
+          <a:p>
+            <a:r>
+              <a:rPr lang="en-US" dirty="0"/>
+              <a:t> To address this, we will evaluate different resampling techniques in order to determine if resampling improves performance and to identify which resampling method is best. </a:t>
+            </a:r>
+          </a:p>
+          <a:p>
+            <a:r>
+              <a:rPr lang="en-US" dirty="0"/>
+              <a:t>Accuracy of each classification model applied in conjunction with each resampling method was compared. </a:t>
+            </a:r>
+          </a:p>
+          <a:p>
+            <a:r>
+              <a:rPr lang="en-US" dirty="0"/>
+              <a:t>Initially, we first evaluated the classifier performance with no resampling</a:t>
+            </a:r>
           </a:p>
         </p:txBody>
       </p:sp>
@@ -4931,10 +5196,61 @@
         </p:nvSpPr>
         <p:spPr/>
         <p:txBody>
-          <a:bodyPr/>
-          <a:lstStyle/>
-          <a:p>
-            <a:endParaRPr lang="en-US"/>
+          <a:bodyPr>
+            <a:normAutofit fontScale="62500" lnSpcReduction="20000"/>
+          </a:bodyPr>
+          <a:lstStyle/>
+          <a:p>
+            <a:r>
+              <a:rPr lang="en-US" dirty="0"/>
+              <a:t>Typical classifier algorithms assume a relatively balanced distribution across the classes, so with imbalanced data there tends to be bias towards the majority class [Sun et al., 2009]</a:t>
+            </a:r>
+          </a:p>
+          <a:p>
+            <a:r>
+              <a:rPr lang="en-US" dirty="0"/>
+              <a:t>Due to this imbalanced nature in the data, classifying algorithms will be biased towards classifying wines as “Normal,” causing poor predictions for the “Low” and “High” quality classes.</a:t>
+            </a:r>
+          </a:p>
+          <a:p>
+            <a:r>
+              <a:rPr lang="en-US" dirty="0"/>
+              <a:t>A method on how to lower the effects on working with an imbalanced data set is through resampling the original data set either by either oversampling the majority class, or undersampling the minority class. The goal with these methods is to create a data set that has close to a balanced class distribution, so the classifying algorithms will have better predictions due to being able to predict to the minority class more accurately [</a:t>
+            </a:r>
+            <a:r>
+              <a:rPr lang="en-US" dirty="0" err="1"/>
+              <a:t>Hoens</a:t>
+            </a:r>
+            <a:r>
+              <a:rPr lang="en-US" dirty="0"/>
+              <a:t> and Chawla, 2013].</a:t>
+            </a:r>
+          </a:p>
+          <a:p>
+            <a:r>
+              <a:rPr lang="en-US" dirty="0"/>
+              <a:t>We initially evaluated the classifier performance with the original imbalanced data set (without resampling), and hypothesized that it would be associated with low performance, however, we felt it provided an appropriate baseline</a:t>
+            </a:r>
+          </a:p>
+          <a:p>
+            <a:r>
+              <a:rPr lang="en-US" dirty="0"/>
+              <a:t>The undersampling method that we considered is random undersampling. In this method, instances of the majority class are discarded at random until reaches balanced with the minority class [</a:t>
+            </a:r>
+            <a:r>
+              <a:rPr lang="en-US" dirty="0" err="1"/>
+              <a:t>Hoens</a:t>
+            </a:r>
+            <a:r>
+              <a:rPr lang="en-US" dirty="0"/>
+              <a:t> and Chawla, 2013].</a:t>
+            </a:r>
+          </a:p>
+          <a:p>
+            <a:r>
+              <a:rPr lang="en-US" dirty="0"/>
+              <a:t>Next, we handled imbalanced data through resampling the original data set by oversampling the majority class using the SMOTE method, which is a technique that uses interpolation of the minority class to create synthetic data</a:t>
+            </a:r>
           </a:p>
         </p:txBody>
       </p:sp>

--- a/presentation/final-presentation.pptx
+++ b/presentation/final-presentation.pptx
@@ -4,17 +4,21 @@
   <p:sldMasterIdLst>
     <p:sldMasterId id="2147483648" r:id="rId1"/>
   </p:sldMasterIdLst>
+  <p:notesMasterIdLst>
+    <p:notesMasterId r:id="rId13"/>
+  </p:notesMasterIdLst>
   <p:sldIdLst>
     <p:sldId id="256" r:id="rId2"/>
     <p:sldId id="257" r:id="rId3"/>
-    <p:sldId id="258" r:id="rId4"/>
-    <p:sldId id="259" r:id="rId5"/>
+    <p:sldId id="259" r:id="rId4"/>
+    <p:sldId id="258" r:id="rId5"/>
     <p:sldId id="260" r:id="rId6"/>
     <p:sldId id="262" r:id="rId7"/>
     <p:sldId id="261" r:id="rId8"/>
     <p:sldId id="263" r:id="rId9"/>
     <p:sldId id="264" r:id="rId10"/>
     <p:sldId id="265" r:id="rId11"/>
+    <p:sldId id="266" r:id="rId12"/>
   </p:sldIdLst>
   <p:sldSz cx="12192000" cy="6858000"/>
   <p:notesSz cx="6858000" cy="9144000"/>
@@ -124,7 +128,7 @@
 <file path=ppt/revisionInfo.xml><?xml version="1.0" encoding="utf-8"?>
 <p1510:revInfo xmlns:a="http://schemas.openxmlformats.org/drawingml/2006/main" xmlns:r="http://schemas.openxmlformats.org/officeDocument/2006/relationships" xmlns:p1510="http://schemas.microsoft.com/office/powerpoint/2015/10/main">
   <p1510:revLst>
-    <p1510:client id="{D5C3F0AF-4CDB-4F83-B89A-4FCD27EF4FE5}" v="1" dt="2021-04-20T14:49:41.392"/>
+    <p1510:client id="{D5C3F0AF-4CDB-4F83-B89A-4FCD27EF4FE5}" v="8" dt="2021-04-20T20:01:00.694"/>
   </p1510:revLst>
 </p1510:revInfo>
 </file>
@@ -181,34 +185,58 @@
   </pc:docChgLst>
   <pc:docChgLst>
     <pc:chgData name="Alison Kleffner" userId="0bed3509-e787-48f4-9a13-47afcd2529d5" providerId="ADAL" clId="{D5C3F0AF-4CDB-4F83-B89A-4FCD27EF4FE5}"/>
-    <pc:docChg chg="undo custSel modSld">
-      <pc:chgData name="Alison Kleffner" userId="0bed3509-e787-48f4-9a13-47afcd2529d5" providerId="ADAL" clId="{D5C3F0AF-4CDB-4F83-B89A-4FCD27EF4FE5}" dt="2021-04-20T15:03:11.375" v="143" actId="20577"/>
+    <pc:docChg chg="undo custSel addSld modSld sldOrd">
+      <pc:chgData name="Alison Kleffner" userId="0bed3509-e787-48f4-9a13-47afcd2529d5" providerId="ADAL" clId="{D5C3F0AF-4CDB-4F83-B89A-4FCD27EF4FE5}" dt="2021-04-20T20:01:11.729" v="1015" actId="1076"/>
       <pc:docMkLst>
         <pc:docMk/>
       </pc:docMkLst>
-      <pc:sldChg chg="modSp mod">
-        <pc:chgData name="Alison Kleffner" userId="0bed3509-e787-48f4-9a13-47afcd2529d5" providerId="ADAL" clId="{D5C3F0AF-4CDB-4F83-B89A-4FCD27EF4FE5}" dt="2021-04-20T15:03:11.375" v="143" actId="20577"/>
+      <pc:sldChg chg="addSp modSp mod setBg">
+        <pc:chgData name="Alison Kleffner" userId="0bed3509-e787-48f4-9a13-47afcd2529d5" providerId="ADAL" clId="{D5C3F0AF-4CDB-4F83-B89A-4FCD27EF4FE5}" dt="2021-04-20T19:43:07.881" v="1003" actId="14"/>
         <pc:sldMkLst>
           <pc:docMk/>
           <pc:sldMk cId="3581702329" sldId="257"/>
         </pc:sldMkLst>
         <pc:spChg chg="mod">
-          <ac:chgData name="Alison Kleffner" userId="0bed3509-e787-48f4-9a13-47afcd2529d5" providerId="ADAL" clId="{D5C3F0AF-4CDB-4F83-B89A-4FCD27EF4FE5}" dt="2021-04-20T15:03:11.375" v="143" actId="20577"/>
+          <ac:chgData name="Alison Kleffner" userId="0bed3509-e787-48f4-9a13-47afcd2529d5" providerId="ADAL" clId="{D5C3F0AF-4CDB-4F83-B89A-4FCD27EF4FE5}" dt="2021-04-20T19:05:09.252" v="497" actId="26606"/>
+          <ac:spMkLst>
+            <pc:docMk/>
+            <pc:sldMk cId="3581702329" sldId="257"/>
+            <ac:spMk id="2" creationId="{B3510F56-085F-4CA2-BE5A-B1943A6F31A4}"/>
+          </ac:spMkLst>
+        </pc:spChg>
+        <pc:spChg chg="mod">
+          <ac:chgData name="Alison Kleffner" userId="0bed3509-e787-48f4-9a13-47afcd2529d5" providerId="ADAL" clId="{D5C3F0AF-4CDB-4F83-B89A-4FCD27EF4FE5}" dt="2021-04-20T19:43:07.881" v="1003" actId="14"/>
           <ac:spMkLst>
             <pc:docMk/>
             <pc:sldMk cId="3581702329" sldId="257"/>
             <ac:spMk id="3" creationId="{1480425F-5ADD-42BD-A8E6-730F5E080DD7}"/>
           </ac:spMkLst>
         </pc:spChg>
+        <pc:spChg chg="add">
+          <ac:chgData name="Alison Kleffner" userId="0bed3509-e787-48f4-9a13-47afcd2529d5" providerId="ADAL" clId="{D5C3F0AF-4CDB-4F83-B89A-4FCD27EF4FE5}" dt="2021-04-20T19:05:09.252" v="497" actId="26606"/>
+          <ac:spMkLst>
+            <pc:docMk/>
+            <pc:sldMk cId="3581702329" sldId="257"/>
+            <ac:spMk id="8" creationId="{100EDD19-6802-4EC3-95CE-CFFAB042CFD6}"/>
+          </ac:spMkLst>
+        </pc:spChg>
+        <pc:spChg chg="add">
+          <ac:chgData name="Alison Kleffner" userId="0bed3509-e787-48f4-9a13-47afcd2529d5" providerId="ADAL" clId="{D5C3F0AF-4CDB-4F83-B89A-4FCD27EF4FE5}" dt="2021-04-20T19:05:09.252" v="497" actId="26606"/>
+          <ac:spMkLst>
+            <pc:docMk/>
+            <pc:sldMk cId="3581702329" sldId="257"/>
+            <ac:spMk id="10" creationId="{DB17E863-922E-4C26-BD64-E8FD41D28661}"/>
+          </ac:spMkLst>
+        </pc:spChg>
       </pc:sldChg>
-      <pc:sldChg chg="addSp delSp modSp mod modClrScheme chgLayout">
-        <pc:chgData name="Alison Kleffner" userId="0bed3509-e787-48f4-9a13-47afcd2529d5" providerId="ADAL" clId="{D5C3F0AF-4CDB-4F83-B89A-4FCD27EF4FE5}" dt="2021-04-20T14:50:56.874" v="47" actId="27636"/>
+      <pc:sldChg chg="addSp delSp modSp mod setBg modClrScheme chgLayout">
+        <pc:chgData name="Alison Kleffner" userId="0bed3509-e787-48f4-9a13-47afcd2529d5" providerId="ADAL" clId="{D5C3F0AF-4CDB-4F83-B89A-4FCD27EF4FE5}" dt="2021-04-20T19:08:18.590" v="544" actId="20577"/>
         <pc:sldMkLst>
           <pc:docMk/>
           <pc:sldMk cId="3724156524" sldId="258"/>
         </pc:sldMkLst>
         <pc:spChg chg="mod ord">
-          <ac:chgData name="Alison Kleffner" userId="0bed3509-e787-48f4-9a13-47afcd2529d5" providerId="ADAL" clId="{D5C3F0AF-4CDB-4F83-B89A-4FCD27EF4FE5}" dt="2021-04-20T14:49:13.805" v="34" actId="700"/>
+          <ac:chgData name="Alison Kleffner" userId="0bed3509-e787-48f4-9a13-47afcd2529d5" providerId="ADAL" clId="{D5C3F0AF-4CDB-4F83-B89A-4FCD27EF4FE5}" dt="2021-04-20T18:58:40.484" v="470" actId="26606"/>
           <ac:spMkLst>
             <pc:docMk/>
             <pc:sldMk cId="3724156524" sldId="258"/>
@@ -224,7 +252,7 @@
           </ac:spMkLst>
         </pc:spChg>
         <pc:spChg chg="add mod ord">
-          <ac:chgData name="Alison Kleffner" userId="0bed3509-e787-48f4-9a13-47afcd2529d5" providerId="ADAL" clId="{D5C3F0AF-4CDB-4F83-B89A-4FCD27EF4FE5}" dt="2021-04-20T14:50:56.874" v="47" actId="27636"/>
+          <ac:chgData name="Alison Kleffner" userId="0bed3509-e787-48f4-9a13-47afcd2529d5" providerId="ADAL" clId="{D5C3F0AF-4CDB-4F83-B89A-4FCD27EF4FE5}" dt="2021-04-20T19:08:18.590" v="544" actId="20577"/>
           <ac:spMkLst>
             <pc:docMk/>
             <pc:sldMk cId="3724156524" sldId="258"/>
@@ -239,48 +267,775 @@
             <ac:spMk id="5" creationId="{0272C3D7-A782-4D7C-93FB-6AEDB9A4B0CA}"/>
           </ac:spMkLst>
         </pc:spChg>
-        <pc:picChg chg="add mod">
-          <ac:chgData name="Alison Kleffner" userId="0bed3509-e787-48f4-9a13-47afcd2529d5" providerId="ADAL" clId="{D5C3F0AF-4CDB-4F83-B89A-4FCD27EF4FE5}" dt="2021-04-20T14:49:52.005" v="39" actId="1076"/>
+        <pc:spChg chg="add del mod">
+          <ac:chgData name="Alison Kleffner" userId="0bed3509-e787-48f4-9a13-47afcd2529d5" providerId="ADAL" clId="{D5C3F0AF-4CDB-4F83-B89A-4FCD27EF4FE5}" dt="2021-04-20T18:51:16.404" v="149" actId="931"/>
+          <ac:spMkLst>
+            <pc:docMk/>
+            <pc:sldMk cId="3724156524" sldId="258"/>
+            <ac:spMk id="5" creationId="{86BF5346-F7D2-4806-9600-2DA5F743510E}"/>
+          </ac:spMkLst>
+        </pc:spChg>
+        <pc:spChg chg="add">
+          <ac:chgData name="Alison Kleffner" userId="0bed3509-e787-48f4-9a13-47afcd2529d5" providerId="ADAL" clId="{D5C3F0AF-4CDB-4F83-B89A-4FCD27EF4FE5}" dt="2021-04-20T18:58:40.484" v="470" actId="26606"/>
+          <ac:spMkLst>
+            <pc:docMk/>
+            <pc:sldMk cId="3724156524" sldId="258"/>
+            <ac:spMk id="10" creationId="{45D37F4E-DDB4-456B-97E0-9937730A039F}"/>
+          </ac:spMkLst>
+        </pc:spChg>
+        <pc:spChg chg="add">
+          <ac:chgData name="Alison Kleffner" userId="0bed3509-e787-48f4-9a13-47afcd2529d5" providerId="ADAL" clId="{D5C3F0AF-4CDB-4F83-B89A-4FCD27EF4FE5}" dt="2021-04-20T18:58:40.484" v="470" actId="26606"/>
+          <ac:spMkLst>
+            <pc:docMk/>
+            <pc:sldMk cId="3724156524" sldId="258"/>
+            <ac:spMk id="11" creationId="{B2DD41CD-8F47-4F56-AD12-4E2FF7696987}"/>
+          </ac:spMkLst>
+        </pc:spChg>
+        <pc:spChg chg="add del">
+          <ac:chgData name="Alison Kleffner" userId="0bed3509-e787-48f4-9a13-47afcd2529d5" providerId="ADAL" clId="{D5C3F0AF-4CDB-4F83-B89A-4FCD27EF4FE5}" dt="2021-04-20T18:57:16.209" v="463" actId="26606"/>
+          <ac:spMkLst>
+            <pc:docMk/>
+            <pc:sldMk cId="3724156524" sldId="258"/>
+            <ac:spMk id="13" creationId="{FF9B822F-893E-44C8-963C-64F50ACECBB2}"/>
+          </ac:spMkLst>
+        </pc:spChg>
+        <pc:spChg chg="add del">
+          <ac:chgData name="Alison Kleffner" userId="0bed3509-e787-48f4-9a13-47afcd2529d5" providerId="ADAL" clId="{D5C3F0AF-4CDB-4F83-B89A-4FCD27EF4FE5}" dt="2021-04-20T18:57:16.209" v="463" actId="26606"/>
+          <ac:spMkLst>
+            <pc:docMk/>
+            <pc:sldMk cId="3724156524" sldId="258"/>
+            <ac:spMk id="15" creationId="{EBF87945-A001-489F-9D9B-7D9435F0B9CA}"/>
+          </ac:spMkLst>
+        </pc:spChg>
+        <pc:picChg chg="add del mod">
+          <ac:chgData name="Alison Kleffner" userId="0bed3509-e787-48f4-9a13-47afcd2529d5" providerId="ADAL" clId="{D5C3F0AF-4CDB-4F83-B89A-4FCD27EF4FE5}" dt="2021-04-20T18:51:09.702" v="148" actId="478"/>
           <ac:picMkLst>
             <pc:docMk/>
             <pc:sldMk cId="3724156524" sldId="258"/>
             <ac:picMk id="7" creationId="{3D72E8C0-2C18-495A-AF28-C65AC3278036}"/>
           </ac:picMkLst>
         </pc:picChg>
+        <pc:picChg chg="add mod modCrop">
+          <ac:chgData name="Alison Kleffner" userId="0bed3509-e787-48f4-9a13-47afcd2529d5" providerId="ADAL" clId="{D5C3F0AF-4CDB-4F83-B89A-4FCD27EF4FE5}" dt="2021-04-20T18:59:29.686" v="481" actId="1076"/>
+          <ac:picMkLst>
+            <pc:docMk/>
+            <pc:sldMk cId="3724156524" sldId="258"/>
+            <ac:picMk id="8" creationId="{5F100F8E-5E78-45F0-869F-56D6D7FA6424}"/>
+          </ac:picMkLst>
+        </pc:picChg>
       </pc:sldChg>
-      <pc:sldChg chg="modSp mod">
-        <pc:chgData name="Alison Kleffner" userId="0bed3509-e787-48f4-9a13-47afcd2529d5" providerId="ADAL" clId="{D5C3F0AF-4CDB-4F83-B89A-4FCD27EF4FE5}" dt="2021-04-20T14:36:50.859" v="9" actId="20577"/>
+      <pc:sldChg chg="addSp delSp modSp mod ord setBg">
+        <pc:chgData name="Alison Kleffner" userId="0bed3509-e787-48f4-9a13-47afcd2529d5" providerId="ADAL" clId="{D5C3F0AF-4CDB-4F83-B89A-4FCD27EF4FE5}" dt="2021-04-20T20:01:11.729" v="1015" actId="1076"/>
         <pc:sldMkLst>
           <pc:docMk/>
           <pc:sldMk cId="1939212565" sldId="259"/>
         </pc:sldMkLst>
         <pc:spChg chg="mod">
-          <ac:chgData name="Alison Kleffner" userId="0bed3509-e787-48f4-9a13-47afcd2529d5" providerId="ADAL" clId="{D5C3F0AF-4CDB-4F83-B89A-4FCD27EF4FE5}" dt="2021-04-20T14:36:50.859" v="9" actId="20577"/>
+          <ac:chgData name="Alison Kleffner" userId="0bed3509-e787-48f4-9a13-47afcd2529d5" providerId="ADAL" clId="{D5C3F0AF-4CDB-4F83-B89A-4FCD27EF4FE5}" dt="2021-04-20T19:05:26.718" v="498" actId="26606"/>
+          <ac:spMkLst>
+            <pc:docMk/>
+            <pc:sldMk cId="1939212565" sldId="259"/>
+            <ac:spMk id="2" creationId="{5732BCC7-82D5-423F-9704-69CCF2DEEF0A}"/>
+          </ac:spMkLst>
+        </pc:spChg>
+        <pc:spChg chg="mod">
+          <ac:chgData name="Alison Kleffner" userId="0bed3509-e787-48f4-9a13-47afcd2529d5" providerId="ADAL" clId="{D5C3F0AF-4CDB-4F83-B89A-4FCD27EF4FE5}" dt="2021-04-20T19:45:47.951" v="1005" actId="14100"/>
           <ac:spMkLst>
             <pc:docMk/>
             <pc:sldMk cId="1939212565" sldId="259"/>
             <ac:spMk id="3" creationId="{4B299CBA-9011-4FA0-AC76-4145A240B644}"/>
           </ac:spMkLst>
         </pc:spChg>
+        <pc:spChg chg="add">
+          <ac:chgData name="Alison Kleffner" userId="0bed3509-e787-48f4-9a13-47afcd2529d5" providerId="ADAL" clId="{D5C3F0AF-4CDB-4F83-B89A-4FCD27EF4FE5}" dt="2021-04-20T19:05:26.718" v="498" actId="26606"/>
+          <ac:spMkLst>
+            <pc:docMk/>
+            <pc:sldMk cId="1939212565" sldId="259"/>
+            <ac:spMk id="9" creationId="{743AA782-23D1-4521-8CAD-47662984AA08}"/>
+          </ac:spMkLst>
+        </pc:spChg>
+        <pc:spChg chg="add">
+          <ac:chgData name="Alison Kleffner" userId="0bed3509-e787-48f4-9a13-47afcd2529d5" providerId="ADAL" clId="{D5C3F0AF-4CDB-4F83-B89A-4FCD27EF4FE5}" dt="2021-04-20T19:05:26.718" v="498" actId="26606"/>
+          <ac:spMkLst>
+            <pc:docMk/>
+            <pc:sldMk cId="1939212565" sldId="259"/>
+            <ac:spMk id="11" creationId="{71877DBC-BB60-40F0-AC93-2ACDBAAE60CE}"/>
+          </ac:spMkLst>
+        </pc:spChg>
+        <pc:picChg chg="add del mod">
+          <ac:chgData name="Alison Kleffner" userId="0bed3509-e787-48f4-9a13-47afcd2529d5" providerId="ADAL" clId="{D5C3F0AF-4CDB-4F83-B89A-4FCD27EF4FE5}" dt="2021-04-20T20:00:41.933" v="1006" actId="478"/>
+          <ac:picMkLst>
+            <pc:docMk/>
+            <pc:sldMk cId="1939212565" sldId="259"/>
+            <ac:picMk id="4" creationId="{0A03CBCB-6D53-48AC-B441-C202D68CDF09}"/>
+          </ac:picMkLst>
+        </pc:picChg>
+        <pc:picChg chg="add mod">
+          <ac:chgData name="Alison Kleffner" userId="0bed3509-e787-48f4-9a13-47afcd2529d5" providerId="ADAL" clId="{D5C3F0AF-4CDB-4F83-B89A-4FCD27EF4FE5}" dt="2021-04-20T20:01:11.729" v="1015" actId="1076"/>
+          <ac:picMkLst>
+            <pc:docMk/>
+            <pc:sldMk cId="1939212565" sldId="259"/>
+            <ac:picMk id="6" creationId="{A9A7D9C5-63E1-49B0-A1C8-01873567F0C9}"/>
+          </ac:picMkLst>
+        </pc:picChg>
       </pc:sldChg>
-      <pc:sldChg chg="modSp mod">
-        <pc:chgData name="Alison Kleffner" userId="0bed3509-e787-48f4-9a13-47afcd2529d5" providerId="ADAL" clId="{D5C3F0AF-4CDB-4F83-B89A-4FCD27EF4FE5}" dt="2021-04-20T14:46:39.794" v="33" actId="27636"/>
+      <pc:sldChg chg="addSp delSp modSp mod ord setBg">
+        <pc:chgData name="Alison Kleffner" userId="0bed3509-e787-48f4-9a13-47afcd2529d5" providerId="ADAL" clId="{D5C3F0AF-4CDB-4F83-B89A-4FCD27EF4FE5}" dt="2021-04-20T18:57:38.398" v="469" actId="26606"/>
         <pc:sldMkLst>
           <pc:docMk/>
           <pc:sldMk cId="3830608638" sldId="260"/>
         </pc:sldMkLst>
         <pc:spChg chg="mod">
-          <ac:chgData name="Alison Kleffner" userId="0bed3509-e787-48f4-9a13-47afcd2529d5" providerId="ADAL" clId="{D5C3F0AF-4CDB-4F83-B89A-4FCD27EF4FE5}" dt="2021-04-20T14:46:39.794" v="33" actId="27636"/>
+          <ac:chgData name="Alison Kleffner" userId="0bed3509-e787-48f4-9a13-47afcd2529d5" providerId="ADAL" clId="{D5C3F0AF-4CDB-4F83-B89A-4FCD27EF4FE5}" dt="2021-04-20T18:57:38.398" v="469" actId="26606"/>
+          <ac:spMkLst>
+            <pc:docMk/>
+            <pc:sldMk cId="3830608638" sldId="260"/>
+            <ac:spMk id="2" creationId="{CFEF8E2A-69F4-49FC-A538-64748356AC81}"/>
+          </ac:spMkLst>
+        </pc:spChg>
+        <pc:spChg chg="add del mod">
+          <ac:chgData name="Alison Kleffner" userId="0bed3509-e787-48f4-9a13-47afcd2529d5" providerId="ADAL" clId="{D5C3F0AF-4CDB-4F83-B89A-4FCD27EF4FE5}" dt="2021-04-20T18:57:38.398" v="469" actId="26606"/>
           <ac:spMkLst>
             <pc:docMk/>
             <pc:sldMk cId="3830608638" sldId="260"/>
             <ac:spMk id="3" creationId="{B70B73B9-D1AE-41E2-9605-8F8142D92E88}"/>
           </ac:spMkLst>
         </pc:spChg>
+        <pc:spChg chg="add del">
+          <ac:chgData name="Alison Kleffner" userId="0bed3509-e787-48f4-9a13-47afcd2529d5" providerId="ADAL" clId="{D5C3F0AF-4CDB-4F83-B89A-4FCD27EF4FE5}" dt="2021-04-20T18:57:37.336" v="466" actId="26606"/>
+          <ac:spMkLst>
+            <pc:docMk/>
+            <pc:sldMk cId="3830608638" sldId="260"/>
+            <ac:spMk id="6" creationId="{7CB4857B-ED7C-444D-9F04-2F885114A1C2}"/>
+          </ac:spMkLst>
+        </pc:spChg>
+        <pc:spChg chg="add del">
+          <ac:chgData name="Alison Kleffner" userId="0bed3509-e787-48f4-9a13-47afcd2529d5" providerId="ADAL" clId="{D5C3F0AF-4CDB-4F83-B89A-4FCD27EF4FE5}" dt="2021-04-20T18:56:47.636" v="460" actId="26606"/>
+          <ac:spMkLst>
+            <pc:docMk/>
+            <pc:sldMk cId="3830608638" sldId="260"/>
+            <ac:spMk id="8" creationId="{100EDD19-6802-4EC3-95CE-CFFAB042CFD6}"/>
+          </ac:spMkLst>
+        </pc:spChg>
+        <pc:spChg chg="add del">
+          <ac:chgData name="Alison Kleffner" userId="0bed3509-e787-48f4-9a13-47afcd2529d5" providerId="ADAL" clId="{D5C3F0AF-4CDB-4F83-B89A-4FCD27EF4FE5}" dt="2021-04-20T18:57:37.336" v="466" actId="26606"/>
+          <ac:spMkLst>
+            <pc:docMk/>
+            <pc:sldMk cId="3830608638" sldId="260"/>
+            <ac:spMk id="9" creationId="{D18046FB-44EA-4FD8-A585-EA09A319B2D0}"/>
+          </ac:spMkLst>
+        </pc:spChg>
+        <pc:spChg chg="add del">
+          <ac:chgData name="Alison Kleffner" userId="0bed3509-e787-48f4-9a13-47afcd2529d5" providerId="ADAL" clId="{D5C3F0AF-4CDB-4F83-B89A-4FCD27EF4FE5}" dt="2021-04-20T18:56:42.222" v="456" actId="26606"/>
+          <ac:spMkLst>
+            <pc:docMk/>
+            <pc:sldMk cId="3830608638" sldId="260"/>
+            <ac:spMk id="10" creationId="{AFA67CD3-AB4E-4A7A-BEB8-53C445D8C44E}"/>
+          </ac:spMkLst>
+        </pc:spChg>
+        <pc:spChg chg="add del">
+          <ac:chgData name="Alison Kleffner" userId="0bed3509-e787-48f4-9a13-47afcd2529d5" providerId="ADAL" clId="{D5C3F0AF-4CDB-4F83-B89A-4FCD27EF4FE5}" dt="2021-04-20T18:57:37.336" v="466" actId="26606"/>
+          <ac:spMkLst>
+            <pc:docMk/>
+            <pc:sldMk cId="3830608638" sldId="260"/>
+            <ac:spMk id="11" creationId="{479F5F2B-8B58-4140-AE6A-51F6C67B18D9}"/>
+          </ac:spMkLst>
+        </pc:spChg>
+        <pc:spChg chg="add del">
+          <ac:chgData name="Alison Kleffner" userId="0bed3509-e787-48f4-9a13-47afcd2529d5" providerId="ADAL" clId="{D5C3F0AF-4CDB-4F83-B89A-4FCD27EF4FE5}" dt="2021-04-20T18:57:38.380" v="468" actId="26606"/>
+          <ac:spMkLst>
+            <pc:docMk/>
+            <pc:sldMk cId="3830608638" sldId="260"/>
+            <ac:spMk id="13" creationId="{DE7FFD28-545C-4C88-A2E7-152FB234C92C}"/>
+          </ac:spMkLst>
+        </pc:spChg>
+        <pc:spChg chg="add del">
+          <ac:chgData name="Alison Kleffner" userId="0bed3509-e787-48f4-9a13-47afcd2529d5" providerId="ADAL" clId="{D5C3F0AF-4CDB-4F83-B89A-4FCD27EF4FE5}" dt="2021-04-20T18:56:42.222" v="456" actId="26606"/>
+          <ac:spMkLst>
+            <pc:docMk/>
+            <pc:sldMk cId="3830608638" sldId="260"/>
+            <ac:spMk id="14" creationId="{339C8D78-A644-462F-B674-F440635E5353}"/>
+          </ac:spMkLst>
+        </pc:spChg>
+        <pc:spChg chg="add">
+          <ac:chgData name="Alison Kleffner" userId="0bed3509-e787-48f4-9a13-47afcd2529d5" providerId="ADAL" clId="{D5C3F0AF-4CDB-4F83-B89A-4FCD27EF4FE5}" dt="2021-04-20T18:57:38.398" v="469" actId="26606"/>
+          <ac:spMkLst>
+            <pc:docMk/>
+            <pc:sldMk cId="3830608638" sldId="260"/>
+            <ac:spMk id="15" creationId="{100EDD19-6802-4EC3-95CE-CFFAB042CFD6}"/>
+          </ac:spMkLst>
+        </pc:spChg>
+        <pc:spChg chg="add del">
+          <ac:chgData name="Alison Kleffner" userId="0bed3509-e787-48f4-9a13-47afcd2529d5" providerId="ADAL" clId="{D5C3F0AF-4CDB-4F83-B89A-4FCD27EF4FE5}" dt="2021-04-20T18:56:44.141" v="458" actId="26606"/>
+          <ac:spMkLst>
+            <pc:docMk/>
+            <pc:sldMk cId="3830608638" sldId="260"/>
+            <ac:spMk id="16" creationId="{AFA67CD3-AB4E-4A7A-BEB8-53C445D8C44E}"/>
+          </ac:spMkLst>
+        </pc:spChg>
+        <pc:spChg chg="add del">
+          <ac:chgData name="Alison Kleffner" userId="0bed3509-e787-48f4-9a13-47afcd2529d5" providerId="ADAL" clId="{D5C3F0AF-4CDB-4F83-B89A-4FCD27EF4FE5}" dt="2021-04-20T18:56:44.141" v="458" actId="26606"/>
+          <ac:spMkLst>
+            <pc:docMk/>
+            <pc:sldMk cId="3830608638" sldId="260"/>
+            <ac:spMk id="18" creationId="{339C8D78-A644-462F-B674-F440635E5353}"/>
+          </ac:spMkLst>
+        </pc:spChg>
+        <pc:spChg chg="add">
+          <ac:chgData name="Alison Kleffner" userId="0bed3509-e787-48f4-9a13-47afcd2529d5" providerId="ADAL" clId="{D5C3F0AF-4CDB-4F83-B89A-4FCD27EF4FE5}" dt="2021-04-20T18:57:38.398" v="469" actId="26606"/>
+          <ac:spMkLst>
+            <pc:docMk/>
+            <pc:sldMk cId="3830608638" sldId="260"/>
+            <ac:spMk id="20" creationId="{DB17E863-922E-4C26-BD64-E8FD41D28661}"/>
+          </ac:spMkLst>
+        </pc:spChg>
+        <pc:spChg chg="add del">
+          <ac:chgData name="Alison Kleffner" userId="0bed3509-e787-48f4-9a13-47afcd2529d5" providerId="ADAL" clId="{D5C3F0AF-4CDB-4F83-B89A-4FCD27EF4FE5}" dt="2021-04-20T18:56:47.636" v="460" actId="26606"/>
+          <ac:spMkLst>
+            <pc:docMk/>
+            <pc:sldMk cId="3830608638" sldId="260"/>
+            <ac:spMk id="21" creationId="{DB17E863-922E-4C26-BD64-E8FD41D28661}"/>
+          </ac:spMkLst>
+        </pc:spChg>
+        <pc:graphicFrameChg chg="add del">
+          <ac:chgData name="Alison Kleffner" userId="0bed3509-e787-48f4-9a13-47afcd2529d5" providerId="ADAL" clId="{D5C3F0AF-4CDB-4F83-B89A-4FCD27EF4FE5}" dt="2021-04-20T18:57:17.203" v="464" actId="26606"/>
+          <ac:graphicFrameMkLst>
+            <pc:docMk/>
+            <pc:sldMk cId="3830608638" sldId="260"/>
+            <ac:graphicFrameMk id="5" creationId="{04367CA8-A02C-48B3-8578-9844CB848A49}"/>
+          </ac:graphicFrameMkLst>
+        </pc:graphicFrameChg>
+        <pc:picChg chg="add del">
+          <ac:chgData name="Alison Kleffner" userId="0bed3509-e787-48f4-9a13-47afcd2529d5" providerId="ADAL" clId="{D5C3F0AF-4CDB-4F83-B89A-4FCD27EF4FE5}" dt="2021-04-20T18:56:42.222" v="456" actId="26606"/>
+          <ac:picMkLst>
+            <pc:docMk/>
+            <pc:sldMk cId="3830608638" sldId="260"/>
+            <ac:picMk id="7" creationId="{F8BD1231-D6A4-4B08-A3DF-12845AE2CB5F}"/>
+          </ac:picMkLst>
+        </pc:picChg>
+        <pc:picChg chg="add del">
+          <ac:chgData name="Alison Kleffner" userId="0bed3509-e787-48f4-9a13-47afcd2529d5" providerId="ADAL" clId="{D5C3F0AF-4CDB-4F83-B89A-4FCD27EF4FE5}" dt="2021-04-20T18:56:42.222" v="456" actId="26606"/>
+          <ac:picMkLst>
+            <pc:docMk/>
+            <pc:sldMk cId="3830608638" sldId="260"/>
+            <ac:picMk id="12" creationId="{07CF545F-9C2E-4446-97CD-AD92990C2B68}"/>
+          </ac:picMkLst>
+        </pc:picChg>
+        <pc:picChg chg="add del">
+          <ac:chgData name="Alison Kleffner" userId="0bed3509-e787-48f4-9a13-47afcd2529d5" providerId="ADAL" clId="{D5C3F0AF-4CDB-4F83-B89A-4FCD27EF4FE5}" dt="2021-04-20T18:56:44.141" v="458" actId="26606"/>
+          <ac:picMkLst>
+            <pc:docMk/>
+            <pc:sldMk cId="3830608638" sldId="260"/>
+            <ac:picMk id="17" creationId="{07CF545F-9C2E-4446-97CD-AD92990C2B68}"/>
+          </ac:picMkLst>
+        </pc:picChg>
+        <pc:picChg chg="add del">
+          <ac:chgData name="Alison Kleffner" userId="0bed3509-e787-48f4-9a13-47afcd2529d5" providerId="ADAL" clId="{D5C3F0AF-4CDB-4F83-B89A-4FCD27EF4FE5}" dt="2021-04-20T18:56:44.141" v="458" actId="26606"/>
+          <ac:picMkLst>
+            <pc:docMk/>
+            <pc:sldMk cId="3830608638" sldId="260"/>
+            <ac:picMk id="19" creationId="{429633F3-1EDE-4650-9AA1-5DABB8DE75D9}"/>
+          </ac:picMkLst>
+        </pc:picChg>
+      </pc:sldChg>
+      <pc:sldChg chg="addSp modSp mod setBg">
+        <pc:chgData name="Alison Kleffner" userId="0bed3509-e787-48f4-9a13-47afcd2529d5" providerId="ADAL" clId="{D5C3F0AF-4CDB-4F83-B89A-4FCD27EF4FE5}" dt="2021-04-20T19:05:35.590" v="499" actId="26606"/>
+        <pc:sldMkLst>
+          <pc:docMk/>
+          <pc:sldMk cId="496717477" sldId="262"/>
+        </pc:sldMkLst>
+        <pc:spChg chg="mod">
+          <ac:chgData name="Alison Kleffner" userId="0bed3509-e787-48f4-9a13-47afcd2529d5" providerId="ADAL" clId="{D5C3F0AF-4CDB-4F83-B89A-4FCD27EF4FE5}" dt="2021-04-20T19:05:35.590" v="499" actId="26606"/>
+          <ac:spMkLst>
+            <pc:docMk/>
+            <pc:sldMk cId="496717477" sldId="262"/>
+            <ac:spMk id="2" creationId="{EABAB166-3C39-43D1-8F8B-9DB2DEE2352F}"/>
+          </ac:spMkLst>
+        </pc:spChg>
+        <pc:spChg chg="mod">
+          <ac:chgData name="Alison Kleffner" userId="0bed3509-e787-48f4-9a13-47afcd2529d5" providerId="ADAL" clId="{D5C3F0AF-4CDB-4F83-B89A-4FCD27EF4FE5}" dt="2021-04-20T19:05:35.590" v="499" actId="26606"/>
+          <ac:spMkLst>
+            <pc:docMk/>
+            <pc:sldMk cId="496717477" sldId="262"/>
+            <ac:spMk id="3" creationId="{D7815D9D-E40C-4413-A7F9-D929523D8BF6}"/>
+          </ac:spMkLst>
+        </pc:spChg>
+        <pc:spChg chg="add">
+          <ac:chgData name="Alison Kleffner" userId="0bed3509-e787-48f4-9a13-47afcd2529d5" providerId="ADAL" clId="{D5C3F0AF-4CDB-4F83-B89A-4FCD27EF4FE5}" dt="2021-04-20T19:05:35.590" v="499" actId="26606"/>
+          <ac:spMkLst>
+            <pc:docMk/>
+            <pc:sldMk cId="496717477" sldId="262"/>
+            <ac:spMk id="8" creationId="{100EDD19-6802-4EC3-95CE-CFFAB042CFD6}"/>
+          </ac:spMkLst>
+        </pc:spChg>
+        <pc:spChg chg="add">
+          <ac:chgData name="Alison Kleffner" userId="0bed3509-e787-48f4-9a13-47afcd2529d5" providerId="ADAL" clId="{D5C3F0AF-4CDB-4F83-B89A-4FCD27EF4FE5}" dt="2021-04-20T19:05:35.590" v="499" actId="26606"/>
+          <ac:spMkLst>
+            <pc:docMk/>
+            <pc:sldMk cId="496717477" sldId="262"/>
+            <ac:spMk id="10" creationId="{DB17E863-922E-4C26-BD64-E8FD41D28661}"/>
+          </ac:spMkLst>
+        </pc:spChg>
+      </pc:sldChg>
+      <pc:sldChg chg="modSp new mod ord">
+        <pc:chgData name="Alison Kleffner" userId="0bed3509-e787-48f4-9a13-47afcd2529d5" providerId="ADAL" clId="{D5C3F0AF-4CDB-4F83-B89A-4FCD27EF4FE5}" dt="2021-04-20T19:10:17.112" v="567" actId="20577"/>
+        <pc:sldMkLst>
+          <pc:docMk/>
+          <pc:sldMk cId="2060021222" sldId="266"/>
+        </pc:sldMkLst>
+        <pc:spChg chg="mod">
+          <ac:chgData name="Alison Kleffner" userId="0bed3509-e787-48f4-9a13-47afcd2529d5" providerId="ADAL" clId="{D5C3F0AF-4CDB-4F83-B89A-4FCD27EF4FE5}" dt="2021-04-20T19:03:00.055" v="495" actId="20577"/>
+          <ac:spMkLst>
+            <pc:docMk/>
+            <pc:sldMk cId="2060021222" sldId="266"/>
+            <ac:spMk id="2" creationId="{9F1E1F66-FA04-4041-9DF8-43E6DA72392A}"/>
+          </ac:spMkLst>
+        </pc:spChg>
+        <pc:spChg chg="mod">
+          <ac:chgData name="Alison Kleffner" userId="0bed3509-e787-48f4-9a13-47afcd2529d5" providerId="ADAL" clId="{D5C3F0AF-4CDB-4F83-B89A-4FCD27EF4FE5}" dt="2021-04-20T19:10:17.112" v="567" actId="20577"/>
+          <ac:spMkLst>
+            <pc:docMk/>
+            <pc:sldMk cId="2060021222" sldId="266"/>
+            <ac:spMk id="3" creationId="{E2B3C75C-9FE8-46E0-9054-7B159271A179}"/>
+          </ac:spMkLst>
+        </pc:spChg>
       </pc:sldChg>
     </pc:docChg>
   </pc:docChgLst>
 </pc:chgInfo>
+</file>
+
+<file path=ppt/notesMasters/notesMaster1.xml><?xml version="1.0" encoding="utf-8"?>
+<p:notesMaster xmlns:a="http://schemas.openxmlformats.org/drawingml/2006/main" xmlns:r="http://schemas.openxmlformats.org/officeDocument/2006/relationships" xmlns:p="http://schemas.openxmlformats.org/presentationml/2006/main">
+  <p:cSld>
+    <p:bg>
+      <p:bgRef idx="1001">
+        <a:schemeClr val="bg1"/>
+      </p:bgRef>
+    </p:bg>
+    <p:spTree>
+      <p:nvGrpSpPr>
+        <p:cNvPr id="1" name=""/>
+        <p:cNvGrpSpPr/>
+        <p:nvPr/>
+      </p:nvGrpSpPr>
+      <p:grpSpPr>
+        <a:xfrm>
+          <a:off x="0" y="0"/>
+          <a:ext cx="0" cy="0"/>
+          <a:chOff x="0" y="0"/>
+          <a:chExt cx="0" cy="0"/>
+        </a:xfrm>
+      </p:grpSpPr>
+      <p:sp>
+        <p:nvSpPr>
+          <p:cNvPr id="2" name="Header Placeholder 1"/>
+          <p:cNvSpPr>
+            <a:spLocks noGrp="1"/>
+          </p:cNvSpPr>
+          <p:nvPr>
+            <p:ph type="hdr" sz="quarter"/>
+          </p:nvPr>
+        </p:nvSpPr>
+        <p:spPr>
+          <a:xfrm>
+            <a:off x="0" y="0"/>
+            <a:ext cx="2971800" cy="458788"/>
+          </a:xfrm>
+          <a:prstGeom prst="rect">
+            <a:avLst/>
+          </a:prstGeom>
+        </p:spPr>
+        <p:txBody>
+          <a:bodyPr vert="horz" lIns="91440" tIns="45720" rIns="91440" bIns="45720" rtlCol="0"/>
+          <a:lstStyle>
+            <a:lvl1pPr algn="l">
+              <a:defRPr sz="1200"/>
+            </a:lvl1pPr>
+          </a:lstStyle>
+          <a:p>
+            <a:endParaRPr lang="en-US"/>
+          </a:p>
+        </p:txBody>
+      </p:sp>
+      <p:sp>
+        <p:nvSpPr>
+          <p:cNvPr id="3" name="Date Placeholder 2"/>
+          <p:cNvSpPr>
+            <a:spLocks noGrp="1"/>
+          </p:cNvSpPr>
+          <p:nvPr>
+            <p:ph type="dt" idx="1"/>
+          </p:nvPr>
+        </p:nvSpPr>
+        <p:spPr>
+          <a:xfrm>
+            <a:off x="3884613" y="0"/>
+            <a:ext cx="2971800" cy="458788"/>
+          </a:xfrm>
+          <a:prstGeom prst="rect">
+            <a:avLst/>
+          </a:prstGeom>
+        </p:spPr>
+        <p:txBody>
+          <a:bodyPr vert="horz" lIns="91440" tIns="45720" rIns="91440" bIns="45720" rtlCol="0"/>
+          <a:lstStyle>
+            <a:lvl1pPr algn="r">
+              <a:defRPr sz="1200"/>
+            </a:lvl1pPr>
+          </a:lstStyle>
+          <a:p>
+            <a:fld id="{045496D3-5D29-4587-BC4B-EFDC44CFD561}" type="datetimeFigureOut">
+              <a:rPr lang="en-US" smtClean="0"/>
+              <a:t>4/20/2021</a:t>
+            </a:fld>
+            <a:endParaRPr lang="en-US"/>
+          </a:p>
+        </p:txBody>
+      </p:sp>
+      <p:sp>
+        <p:nvSpPr>
+          <p:cNvPr id="4" name="Slide Image Placeholder 3"/>
+          <p:cNvSpPr>
+            <a:spLocks noGrp="1" noRot="1" noChangeAspect="1"/>
+          </p:cNvSpPr>
+          <p:nvPr>
+            <p:ph type="sldImg" idx="2"/>
+          </p:nvPr>
+        </p:nvSpPr>
+        <p:spPr>
+          <a:xfrm>
+            <a:off x="685800" y="1143000"/>
+            <a:ext cx="5486400" cy="3086100"/>
+          </a:xfrm>
+          <a:prstGeom prst="rect">
+            <a:avLst/>
+          </a:prstGeom>
+          <a:noFill/>
+          <a:ln w="12700">
+            <a:solidFill>
+              <a:prstClr val="black"/>
+            </a:solidFill>
+          </a:ln>
+        </p:spPr>
+        <p:txBody>
+          <a:bodyPr vert="horz" lIns="91440" tIns="45720" rIns="91440" bIns="45720" rtlCol="0" anchor="ctr"/>
+          <a:lstStyle/>
+          <a:p>
+            <a:endParaRPr lang="en-US"/>
+          </a:p>
+        </p:txBody>
+      </p:sp>
+      <p:sp>
+        <p:nvSpPr>
+          <p:cNvPr id="5" name="Notes Placeholder 4"/>
+          <p:cNvSpPr>
+            <a:spLocks noGrp="1"/>
+          </p:cNvSpPr>
+          <p:nvPr>
+            <p:ph type="body" sz="quarter" idx="3"/>
+          </p:nvPr>
+        </p:nvSpPr>
+        <p:spPr>
+          <a:xfrm>
+            <a:off x="685800" y="4400550"/>
+            <a:ext cx="5486400" cy="3600450"/>
+          </a:xfrm>
+          <a:prstGeom prst="rect">
+            <a:avLst/>
+          </a:prstGeom>
+        </p:spPr>
+        <p:txBody>
+          <a:bodyPr vert="horz" lIns="91440" tIns="45720" rIns="91440" bIns="45720" rtlCol="0"/>
+          <a:lstStyle/>
+          <a:p>
+            <a:pPr lvl="0"/>
+            <a:r>
+              <a:rPr lang="en-US"/>
+              <a:t>Click to edit Master text styles</a:t>
+            </a:r>
+          </a:p>
+          <a:p>
+            <a:pPr lvl="1"/>
+            <a:r>
+              <a:rPr lang="en-US"/>
+              <a:t>Second level</a:t>
+            </a:r>
+          </a:p>
+          <a:p>
+            <a:pPr lvl="2"/>
+            <a:r>
+              <a:rPr lang="en-US"/>
+              <a:t>Third level</a:t>
+            </a:r>
+          </a:p>
+          <a:p>
+            <a:pPr lvl="3"/>
+            <a:r>
+              <a:rPr lang="en-US"/>
+              <a:t>Fourth level</a:t>
+            </a:r>
+          </a:p>
+          <a:p>
+            <a:pPr lvl="4"/>
+            <a:r>
+              <a:rPr lang="en-US"/>
+              <a:t>Fifth level</a:t>
+            </a:r>
+          </a:p>
+        </p:txBody>
+      </p:sp>
+      <p:sp>
+        <p:nvSpPr>
+          <p:cNvPr id="6" name="Footer Placeholder 5"/>
+          <p:cNvSpPr>
+            <a:spLocks noGrp="1"/>
+          </p:cNvSpPr>
+          <p:nvPr>
+            <p:ph type="ftr" sz="quarter" idx="4"/>
+          </p:nvPr>
+        </p:nvSpPr>
+        <p:spPr>
+          <a:xfrm>
+            <a:off x="0" y="8685213"/>
+            <a:ext cx="2971800" cy="458787"/>
+          </a:xfrm>
+          <a:prstGeom prst="rect">
+            <a:avLst/>
+          </a:prstGeom>
+        </p:spPr>
+        <p:txBody>
+          <a:bodyPr vert="horz" lIns="91440" tIns="45720" rIns="91440" bIns="45720" rtlCol="0" anchor="b"/>
+          <a:lstStyle>
+            <a:lvl1pPr algn="l">
+              <a:defRPr sz="1200"/>
+            </a:lvl1pPr>
+          </a:lstStyle>
+          <a:p>
+            <a:endParaRPr lang="en-US"/>
+          </a:p>
+        </p:txBody>
+      </p:sp>
+      <p:sp>
+        <p:nvSpPr>
+          <p:cNvPr id="7" name="Slide Number Placeholder 6"/>
+          <p:cNvSpPr>
+            <a:spLocks noGrp="1"/>
+          </p:cNvSpPr>
+          <p:nvPr>
+            <p:ph type="sldNum" sz="quarter" idx="5"/>
+          </p:nvPr>
+        </p:nvSpPr>
+        <p:spPr>
+          <a:xfrm>
+            <a:off x="3884613" y="8685213"/>
+            <a:ext cx="2971800" cy="458787"/>
+          </a:xfrm>
+          <a:prstGeom prst="rect">
+            <a:avLst/>
+          </a:prstGeom>
+        </p:spPr>
+        <p:txBody>
+          <a:bodyPr vert="horz" lIns="91440" tIns="45720" rIns="91440" bIns="45720" rtlCol="0" anchor="b"/>
+          <a:lstStyle>
+            <a:lvl1pPr algn="r">
+              <a:defRPr sz="1200"/>
+            </a:lvl1pPr>
+          </a:lstStyle>
+          <a:p>
+            <a:fld id="{EED578F8-5C61-4F2D-A9E3-FDA016A0ABC4}" type="slidenum">
+              <a:rPr lang="en-US" smtClean="0"/>
+              <a:t>‹#›</a:t>
+            </a:fld>
+            <a:endParaRPr lang="en-US"/>
+          </a:p>
+        </p:txBody>
+      </p:sp>
+    </p:spTree>
+    <p:extLst>
+      <p:ext uri="{BB962C8B-B14F-4D97-AF65-F5344CB8AC3E}">
+        <p14:creationId xmlns:p14="http://schemas.microsoft.com/office/powerpoint/2010/main" val="3924099871"/>
+      </p:ext>
+    </p:extLst>
+  </p:cSld>
+  <p:clrMap bg1="lt1" tx1="dk1" bg2="lt2" tx2="dk2" accent1="accent1" accent2="accent2" accent3="accent3" accent4="accent4" accent5="accent5" accent6="accent6" hlink="hlink" folHlink="folHlink"/>
+  <p:notesStyle>
+    <a:lvl1pPr marL="0" algn="l" defTabSz="914400" rtl="0" eaLnBrk="1" latinLnBrk="0" hangingPunct="1">
+      <a:defRPr sz="1200" kern="1200">
+        <a:solidFill>
+          <a:schemeClr val="tx1"/>
+        </a:solidFill>
+        <a:latin typeface="+mn-lt"/>
+        <a:ea typeface="+mn-ea"/>
+        <a:cs typeface="+mn-cs"/>
+      </a:defRPr>
+    </a:lvl1pPr>
+    <a:lvl2pPr marL="457200" algn="l" defTabSz="914400" rtl="0" eaLnBrk="1" latinLnBrk="0" hangingPunct="1">
+      <a:defRPr sz="1200" kern="1200">
+        <a:solidFill>
+          <a:schemeClr val="tx1"/>
+        </a:solidFill>
+        <a:latin typeface="+mn-lt"/>
+        <a:ea typeface="+mn-ea"/>
+        <a:cs typeface="+mn-cs"/>
+      </a:defRPr>
+    </a:lvl2pPr>
+    <a:lvl3pPr marL="914400" algn="l" defTabSz="914400" rtl="0" eaLnBrk="1" latinLnBrk="0" hangingPunct="1">
+      <a:defRPr sz="1200" kern="1200">
+        <a:solidFill>
+          <a:schemeClr val="tx1"/>
+        </a:solidFill>
+        <a:latin typeface="+mn-lt"/>
+        <a:ea typeface="+mn-ea"/>
+        <a:cs typeface="+mn-cs"/>
+      </a:defRPr>
+    </a:lvl3pPr>
+    <a:lvl4pPr marL="1371600" algn="l" defTabSz="914400" rtl="0" eaLnBrk="1" latinLnBrk="0" hangingPunct="1">
+      <a:defRPr sz="1200" kern="1200">
+        <a:solidFill>
+          <a:schemeClr val="tx1"/>
+        </a:solidFill>
+        <a:latin typeface="+mn-lt"/>
+        <a:ea typeface="+mn-ea"/>
+        <a:cs typeface="+mn-cs"/>
+      </a:defRPr>
+    </a:lvl4pPr>
+    <a:lvl5pPr marL="1828800" algn="l" defTabSz="914400" rtl="0" eaLnBrk="1" latinLnBrk="0" hangingPunct="1">
+      <a:defRPr sz="1200" kern="1200">
+        <a:solidFill>
+          <a:schemeClr val="tx1"/>
+        </a:solidFill>
+        <a:latin typeface="+mn-lt"/>
+        <a:ea typeface="+mn-ea"/>
+        <a:cs typeface="+mn-cs"/>
+      </a:defRPr>
+    </a:lvl5pPr>
+    <a:lvl6pPr marL="2286000" algn="l" defTabSz="914400" rtl="0" eaLnBrk="1" latinLnBrk="0" hangingPunct="1">
+      <a:defRPr sz="1200" kern="1200">
+        <a:solidFill>
+          <a:schemeClr val="tx1"/>
+        </a:solidFill>
+        <a:latin typeface="+mn-lt"/>
+        <a:ea typeface="+mn-ea"/>
+        <a:cs typeface="+mn-cs"/>
+      </a:defRPr>
+    </a:lvl6pPr>
+    <a:lvl7pPr marL="2743200" algn="l" defTabSz="914400" rtl="0" eaLnBrk="1" latinLnBrk="0" hangingPunct="1">
+      <a:defRPr sz="1200" kern="1200">
+        <a:solidFill>
+          <a:schemeClr val="tx1"/>
+        </a:solidFill>
+        <a:latin typeface="+mn-lt"/>
+        <a:ea typeface="+mn-ea"/>
+        <a:cs typeface="+mn-cs"/>
+      </a:defRPr>
+    </a:lvl7pPr>
+    <a:lvl8pPr marL="3200400" algn="l" defTabSz="914400" rtl="0" eaLnBrk="1" latinLnBrk="0" hangingPunct="1">
+      <a:defRPr sz="1200" kern="1200">
+        <a:solidFill>
+          <a:schemeClr val="tx1"/>
+        </a:solidFill>
+        <a:latin typeface="+mn-lt"/>
+        <a:ea typeface="+mn-ea"/>
+        <a:cs typeface="+mn-cs"/>
+      </a:defRPr>
+    </a:lvl8pPr>
+    <a:lvl9pPr marL="3657600" algn="l" defTabSz="914400" rtl="0" eaLnBrk="1" latinLnBrk="0" hangingPunct="1">
+      <a:defRPr sz="1200" kern="1200">
+        <a:solidFill>
+          <a:schemeClr val="tx1"/>
+        </a:solidFill>
+        <a:latin typeface="+mn-lt"/>
+        <a:ea typeface="+mn-ea"/>
+        <a:cs typeface="+mn-cs"/>
+      </a:defRPr>
+    </a:lvl9pPr>
+  </p:notesStyle>
+</p:notesMaster>
+</file>
+
+<file path=ppt/notesSlides/notesSlide1.xml><?xml version="1.0" encoding="utf-8"?>
+<p:notes xmlns:a="http://schemas.openxmlformats.org/drawingml/2006/main" xmlns:r="http://schemas.openxmlformats.org/officeDocument/2006/relationships" xmlns:p="http://schemas.openxmlformats.org/presentationml/2006/main">
+  <p:cSld>
+    <p:spTree>
+      <p:nvGrpSpPr>
+        <p:cNvPr id="1" name=""/>
+        <p:cNvGrpSpPr/>
+        <p:nvPr/>
+      </p:nvGrpSpPr>
+      <p:grpSpPr>
+        <a:xfrm>
+          <a:off x="0" y="0"/>
+          <a:ext cx="0" cy="0"/>
+          <a:chOff x="0" y="0"/>
+          <a:chExt cx="0" cy="0"/>
+        </a:xfrm>
+      </p:grpSpPr>
+      <p:sp>
+        <p:nvSpPr>
+          <p:cNvPr id="2" name="Slide Image Placeholder 1"/>
+          <p:cNvSpPr>
+            <a:spLocks noGrp="1" noRot="1" noChangeAspect="1"/>
+          </p:cNvSpPr>
+          <p:nvPr>
+            <p:ph type="sldImg"/>
+          </p:nvPr>
+        </p:nvSpPr>
+        <p:spPr/>
+      </p:sp>
+      <p:sp>
+        <p:nvSpPr>
+          <p:cNvPr id="3" name="Notes Placeholder 2"/>
+          <p:cNvSpPr>
+            <a:spLocks noGrp="1"/>
+          </p:cNvSpPr>
+          <p:nvPr>
+            <p:ph type="body" idx="1"/>
+          </p:nvPr>
+        </p:nvSpPr>
+        <p:spPr/>
+        <p:txBody>
+          <a:bodyPr/>
+          <a:lstStyle/>
+          <a:p>
+            <a:endParaRPr lang="en-US" dirty="0"/>
+          </a:p>
+        </p:txBody>
+      </p:sp>
+      <p:sp>
+        <p:nvSpPr>
+          <p:cNvPr id="4" name="Slide Number Placeholder 3"/>
+          <p:cNvSpPr>
+            <a:spLocks noGrp="1"/>
+          </p:cNvSpPr>
+          <p:nvPr>
+            <p:ph type="sldNum" sz="quarter" idx="5"/>
+          </p:nvPr>
+        </p:nvSpPr>
+        <p:spPr/>
+        <p:txBody>
+          <a:bodyPr/>
+          <a:lstStyle/>
+          <a:p>
+            <a:fld id="{EED578F8-5C61-4F2D-A9E3-FDA016A0ABC4}" type="slidenum">
+              <a:rPr lang="en-US" smtClean="0"/>
+              <a:t>5</a:t>
+            </a:fld>
+            <a:endParaRPr lang="en-US"/>
+          </a:p>
+        </p:txBody>
+      </p:sp>
+    </p:spTree>
+    <p:extLst>
+      <p:ext uri="{BB962C8B-B14F-4D97-AF65-F5344CB8AC3E}">
+        <p14:creationId xmlns:p14="http://schemas.microsoft.com/office/powerpoint/2010/main" val="2221788280"/>
+      </p:ext>
+    </p:extLst>
+  </p:cSld>
+  <p:clrMapOvr>
+    <a:masterClrMapping/>
+  </p:clrMapOvr>
+</p:notes>
 </file>
 
 <file path=ppt/slideLayouts/slideLayout1.xml><?xml version="1.0" encoding="utf-8"?>
@@ -4725,7 +5480,7 @@
 </p:sld>
 </file>
 
-<file path=ppt/slides/slide2.xml><?xml version="1.0" encoding="utf-8"?>
+<file path=ppt/slides/slide11.xml><?xml version="1.0" encoding="utf-8"?>
 <p:sld xmlns:a="http://schemas.openxmlformats.org/drawingml/2006/main" xmlns:r="http://schemas.openxmlformats.org/officeDocument/2006/relationships" xmlns:p="http://schemas.openxmlformats.org/presentationml/2006/main">
   <p:cSld>
     <p:spTree>
@@ -4747,7 +5502,7 @@
           <p:cNvPr id="2" name="Title 1">
             <a:extLst>
               <a:ext uri="{FF2B5EF4-FFF2-40B4-BE49-F238E27FC236}">
-                <a16:creationId xmlns:a16="http://schemas.microsoft.com/office/drawing/2014/main" id="{B3510F56-085F-4CA2-BE5A-B1943A6F31A4}"/>
+                <a16:creationId xmlns:a16="http://schemas.microsoft.com/office/drawing/2014/main" id="{9F1E1F66-FA04-4041-9DF8-43E6DA72392A}"/>
               </a:ext>
             </a:extLst>
           </p:cNvPr>
@@ -4765,8 +5520,877 @@
           <a:p>
             <a:r>
               <a:rPr lang="en-US" dirty="0"/>
+              <a:t>References</a:t>
+            </a:r>
+          </a:p>
+        </p:txBody>
+      </p:sp>
+      <p:sp>
+        <p:nvSpPr>
+          <p:cNvPr id="3" name="Content Placeholder 2">
+            <a:extLst>
+              <a:ext uri="{FF2B5EF4-FFF2-40B4-BE49-F238E27FC236}">
+                <a16:creationId xmlns:a16="http://schemas.microsoft.com/office/drawing/2014/main" id="{E2B3C75C-9FE8-46E0-9054-7B159271A179}"/>
+              </a:ext>
+            </a:extLst>
+          </p:cNvPr>
+          <p:cNvSpPr>
+            <a:spLocks noGrp="1"/>
+          </p:cNvSpPr>
+          <p:nvPr>
+            <p:ph idx="1"/>
+          </p:nvPr>
+        </p:nvSpPr>
+        <p:spPr/>
+        <p:txBody>
+          <a:bodyPr>
+            <a:normAutofit fontScale="62500" lnSpcReduction="20000"/>
+          </a:bodyPr>
+          <a:lstStyle/>
+          <a:p>
+            <a:r>
+              <a:rPr lang="en-US" dirty="0"/>
+              <a:t>N. V. Chawla, K. W. Bowyer, L. O. Hall, and W. P. </a:t>
+            </a:r>
+            <a:r>
+              <a:rPr lang="en-US" dirty="0" err="1"/>
+              <a:t>Kegelmeyer</a:t>
+            </a:r>
+            <a:r>
+              <a:rPr lang="en-US" dirty="0"/>
+              <a:t>. Smote: synthetic minority over-sampling technique. Journal of artificial intelligence research, 16:321–357, 2002.</a:t>
+            </a:r>
+          </a:p>
+          <a:p>
+            <a:r>
+              <a:rPr lang="en-US" dirty="0"/>
+              <a:t>P. Cortez, J. Teixeira, A. </a:t>
+            </a:r>
+            <a:r>
+              <a:rPr lang="en-US" dirty="0" err="1"/>
+              <a:t>Cerdeira</a:t>
+            </a:r>
+            <a:r>
+              <a:rPr lang="en-US" dirty="0"/>
+              <a:t>, F. Almeida, T. Matos, and J. Reis. Using data mining for wine quality assessment. In International Conference on Discovery Science, pages 66–79. Springer, 2009. </a:t>
+            </a:r>
+          </a:p>
+          <a:p>
+            <a:r>
+              <a:rPr lang="en-US" dirty="0"/>
+              <a:t>Y. Gupta. Selection of important features and predicting wine quality using machine learning techniques. Procedia Computer Science, 125:305–312, 2018. </a:t>
+            </a:r>
+          </a:p>
+          <a:p>
+            <a:r>
+              <a:rPr lang="en-US" dirty="0"/>
+              <a:t>T. R. </a:t>
+            </a:r>
+            <a:r>
+              <a:rPr lang="en-US" dirty="0" err="1"/>
+              <a:t>Hoens</a:t>
+            </a:r>
+            <a:r>
+              <a:rPr lang="en-US" dirty="0"/>
+              <a:t> and N. V. Chawla. Imbalanced datasets: from sampling to classifiers. Imbalanced learning: Foundations, algorithms, and applications, pages 43–59, 2013. </a:t>
+            </a:r>
+          </a:p>
+          <a:p>
+            <a:r>
+              <a:rPr lang="en-US" dirty="0"/>
+              <a:t>G. Hu, T. Xi, F. Mohammed, and H. Miao. Classification of wine quality with imbalanced data. In 2016 IEEE International Conference on Industrial Technology (ICIT), pages 1712–1217. IEEE, 2016. 8A.</a:t>
+            </a:r>
+          </a:p>
+          <a:p>
+            <a:r>
+              <a:rPr lang="en-US" dirty="0"/>
+              <a:t>J. </a:t>
+            </a:r>
+            <a:r>
+              <a:rPr lang="en-US" dirty="0" err="1"/>
+              <a:t>Luengo</a:t>
+            </a:r>
+            <a:r>
+              <a:rPr lang="en-US" dirty="0"/>
+              <a:t>, A. Fernández, S. García, and F. Herrera. Addressing data complexity for imbalanced data sets: analysis of smote-based oversampling and evolutionary undersampling. Soft Computing, 15(10):1909–1936, 2011. </a:t>
+            </a:r>
+          </a:p>
+          <a:p>
+            <a:r>
+              <a:rPr lang="en-US" dirty="0"/>
+              <a:t>Y. Sun, A. K. Wong, and M. S. Kamel. Classification of imbalanced data: A review. International journal of pattern recognition and artificial intelligence, 23(04):687–719, 2009.</a:t>
+            </a:r>
+          </a:p>
+        </p:txBody>
+      </p:sp>
+    </p:spTree>
+    <p:extLst>
+      <p:ext uri="{BB962C8B-B14F-4D97-AF65-F5344CB8AC3E}">
+        <p14:creationId xmlns:p14="http://schemas.microsoft.com/office/powerpoint/2010/main" val="2060021222"/>
+      </p:ext>
+    </p:extLst>
+  </p:cSld>
+  <p:clrMapOvr>
+    <a:masterClrMapping/>
+  </p:clrMapOvr>
+</p:sld>
+</file>
+
+<file path=ppt/slides/slide2.xml><?xml version="1.0" encoding="utf-8"?>
+<p:sld xmlns:a="http://schemas.openxmlformats.org/drawingml/2006/main" xmlns:r="http://schemas.openxmlformats.org/officeDocument/2006/relationships" xmlns:p="http://schemas.openxmlformats.org/presentationml/2006/main">
+  <p:cSld>
+    <p:bg>
+      <p:bgPr>
+        <a:solidFill>
+          <a:schemeClr val="bg1"/>
+        </a:solidFill>
+        <a:effectLst/>
+      </p:bgPr>
+    </p:bg>
+    <p:spTree>
+      <p:nvGrpSpPr>
+        <p:cNvPr id="1" name=""/>
+        <p:cNvGrpSpPr/>
+        <p:nvPr/>
+      </p:nvGrpSpPr>
+      <p:grpSpPr>
+        <a:xfrm>
+          <a:off x="0" y="0"/>
+          <a:ext cx="0" cy="0"/>
+          <a:chOff x="0" y="0"/>
+          <a:chExt cx="0" cy="0"/>
+        </a:xfrm>
+      </p:grpSpPr>
+      <p:sp useBgFill="1">
+        <p:nvSpPr>
+          <p:cNvPr id="8" name="Rectangle 7">
+            <a:extLst>
+              <a:ext uri="{FF2B5EF4-FFF2-40B4-BE49-F238E27FC236}">
+                <a16:creationId xmlns:a16="http://schemas.microsoft.com/office/drawing/2014/main" id="{100EDD19-6802-4EC3-95CE-CFFAB042CFD6}"/>
+              </a:ext>
+              <a:ext uri="{C183D7F6-B498-43B3-948B-1728B52AA6E4}">
+                <adec:decorative xmlns:adec="http://schemas.microsoft.com/office/drawing/2017/decorative" val="1"/>
+              </a:ext>
+            </a:extLst>
+          </p:cNvPr>
+          <p:cNvSpPr>
+            <a:spLocks noGrp="1" noRot="1" noChangeAspect="1" noMove="1" noResize="1" noEditPoints="1" noAdjustHandles="1" noChangeArrowheads="1" noChangeShapeType="1" noTextEdit="1"/>
+          </p:cNvSpPr>
+          <p:nvPr>
+            <p:extLst>
+              <p:ext uri="{386F3935-93C4-4BCD-93E2-E3B085C9AB24}">
+                <p16:designElem xmlns:p16="http://schemas.microsoft.com/office/powerpoint/2015/main" val="1"/>
+              </p:ext>
+            </p:extLst>
+          </p:nvPr>
+        </p:nvSpPr>
+        <p:spPr>
+          <a:xfrm>
+            <a:off x="0" y="0"/>
+            <a:ext cx="12188952" cy="6858000"/>
+          </a:xfrm>
+          <a:prstGeom prst="rect">
+            <a:avLst/>
+          </a:prstGeom>
+          <a:ln>
+            <a:noFill/>
+          </a:ln>
+        </p:spPr>
+        <p:style>
+          <a:lnRef idx="2">
+            <a:schemeClr val="accent1">
+              <a:shade val="50000"/>
+            </a:schemeClr>
+          </a:lnRef>
+          <a:fillRef idx="1">
+            <a:schemeClr val="accent1"/>
+          </a:fillRef>
+          <a:effectRef idx="0">
+            <a:schemeClr val="accent1"/>
+          </a:effectRef>
+          <a:fontRef idx="minor">
+            <a:schemeClr val="lt1"/>
+          </a:fontRef>
+        </p:style>
+        <p:txBody>
+          <a:bodyPr rtlCol="0" anchor="ctr"/>
+          <a:lstStyle/>
+          <a:p>
+            <a:pPr algn="ctr"/>
+            <a:endParaRPr lang="en-US"/>
+          </a:p>
+        </p:txBody>
+      </p:sp>
+      <p:sp>
+        <p:nvSpPr>
+          <p:cNvPr id="2" name="Title 1">
+            <a:extLst>
+              <a:ext uri="{FF2B5EF4-FFF2-40B4-BE49-F238E27FC236}">
+                <a16:creationId xmlns:a16="http://schemas.microsoft.com/office/drawing/2014/main" id="{B3510F56-085F-4CA2-BE5A-B1943A6F31A4}"/>
+              </a:ext>
+            </a:extLst>
+          </p:cNvPr>
+          <p:cNvSpPr>
+            <a:spLocks noGrp="1"/>
+          </p:cNvSpPr>
+          <p:nvPr>
+            <p:ph type="title"/>
+          </p:nvPr>
+        </p:nvSpPr>
+        <p:spPr>
+          <a:xfrm>
+            <a:off x="838200" y="365125"/>
+            <a:ext cx="10515600" cy="1325563"/>
+          </a:xfrm>
+        </p:spPr>
+        <p:txBody>
+          <a:bodyPr>
+            <a:normAutofit/>
+          </a:bodyPr>
+          <a:lstStyle/>
+          <a:p>
+            <a:r>
+              <a:rPr lang="en-US" sz="5400"/>
               <a:t>Introduction (Alison/Sarah?)</a:t>
             </a:r>
+          </a:p>
+        </p:txBody>
+      </p:sp>
+      <p:sp>
+        <p:nvSpPr>
+          <p:cNvPr id="10" name="sketch line">
+            <a:extLst>
+              <a:ext uri="{FF2B5EF4-FFF2-40B4-BE49-F238E27FC236}">
+                <a16:creationId xmlns:a16="http://schemas.microsoft.com/office/drawing/2014/main" id="{DB17E863-922E-4C26-BD64-E8FD41D28661}"/>
+              </a:ext>
+              <a:ext uri="{C183D7F6-B498-43B3-948B-1728B52AA6E4}">
+                <adec:decorative xmlns:adec="http://schemas.microsoft.com/office/drawing/2017/decorative" val="1"/>
+              </a:ext>
+            </a:extLst>
+          </p:cNvPr>
+          <p:cNvSpPr>
+            <a:spLocks noGrp="1" noRot="1" noChangeAspect="1" noMove="1" noResize="1" noEditPoints="1" noAdjustHandles="1" noChangeArrowheads="1" noChangeShapeType="1" noTextEdit="1"/>
+          </p:cNvSpPr>
+          <p:nvPr>
+            <p:extLst>
+              <p:ext uri="{386F3935-93C4-4BCD-93E2-E3B085C9AB24}">
+                <p16:designElem xmlns:p16="http://schemas.microsoft.com/office/powerpoint/2015/main" val="1"/>
+              </p:ext>
+            </p:extLst>
+          </p:nvPr>
+        </p:nvSpPr>
+        <p:spPr>
+          <a:xfrm>
+            <a:off x="669036" y="1677373"/>
+            <a:ext cx="10853928" cy="18288"/>
+          </a:xfrm>
+          <a:custGeom>
+            <a:avLst/>
+            <a:gdLst>
+              <a:gd name="connsiteX0" fmla="*/ 0 w 10853928"/>
+              <a:gd name="connsiteY0" fmla="*/ 0 h 18288"/>
+              <a:gd name="connsiteX1" fmla="*/ 461292 w 10853928"/>
+              <a:gd name="connsiteY1" fmla="*/ 0 h 18288"/>
+              <a:gd name="connsiteX2" fmla="*/ 1139662 w 10853928"/>
+              <a:gd name="connsiteY2" fmla="*/ 0 h 18288"/>
+              <a:gd name="connsiteX3" fmla="*/ 1926572 w 10853928"/>
+              <a:gd name="connsiteY3" fmla="*/ 0 h 18288"/>
+              <a:gd name="connsiteX4" fmla="*/ 2279325 w 10853928"/>
+              <a:gd name="connsiteY4" fmla="*/ 0 h 18288"/>
+              <a:gd name="connsiteX5" fmla="*/ 2632078 w 10853928"/>
+              <a:gd name="connsiteY5" fmla="*/ 0 h 18288"/>
+              <a:gd name="connsiteX6" fmla="*/ 3527527 w 10853928"/>
+              <a:gd name="connsiteY6" fmla="*/ 0 h 18288"/>
+              <a:gd name="connsiteX7" fmla="*/ 4205897 w 10853928"/>
+              <a:gd name="connsiteY7" fmla="*/ 0 h 18288"/>
+              <a:gd name="connsiteX8" fmla="*/ 4558650 w 10853928"/>
+              <a:gd name="connsiteY8" fmla="*/ 0 h 18288"/>
+              <a:gd name="connsiteX9" fmla="*/ 5237020 w 10853928"/>
+              <a:gd name="connsiteY9" fmla="*/ 0 h 18288"/>
+              <a:gd name="connsiteX10" fmla="*/ 6132469 w 10853928"/>
+              <a:gd name="connsiteY10" fmla="*/ 0 h 18288"/>
+              <a:gd name="connsiteX11" fmla="*/ 6702301 w 10853928"/>
+              <a:gd name="connsiteY11" fmla="*/ 0 h 18288"/>
+              <a:gd name="connsiteX12" fmla="*/ 7272132 w 10853928"/>
+              <a:gd name="connsiteY12" fmla="*/ 0 h 18288"/>
+              <a:gd name="connsiteX13" fmla="*/ 7950502 w 10853928"/>
+              <a:gd name="connsiteY13" fmla="*/ 0 h 18288"/>
+              <a:gd name="connsiteX14" fmla="*/ 8737412 w 10853928"/>
+              <a:gd name="connsiteY14" fmla="*/ 0 h 18288"/>
+              <a:gd name="connsiteX15" fmla="*/ 9524322 w 10853928"/>
+              <a:gd name="connsiteY15" fmla="*/ 0 h 18288"/>
+              <a:gd name="connsiteX16" fmla="*/ 10853928 w 10853928"/>
+              <a:gd name="connsiteY16" fmla="*/ 0 h 18288"/>
+              <a:gd name="connsiteX17" fmla="*/ 10853928 w 10853928"/>
+              <a:gd name="connsiteY17" fmla="*/ 18288 h 18288"/>
+              <a:gd name="connsiteX18" fmla="*/ 10392636 w 10853928"/>
+              <a:gd name="connsiteY18" fmla="*/ 18288 h 18288"/>
+              <a:gd name="connsiteX19" fmla="*/ 9497187 w 10853928"/>
+              <a:gd name="connsiteY19" fmla="*/ 18288 h 18288"/>
+              <a:gd name="connsiteX20" fmla="*/ 8818817 w 10853928"/>
+              <a:gd name="connsiteY20" fmla="*/ 18288 h 18288"/>
+              <a:gd name="connsiteX21" fmla="*/ 8466064 w 10853928"/>
+              <a:gd name="connsiteY21" fmla="*/ 18288 h 18288"/>
+              <a:gd name="connsiteX22" fmla="*/ 7787693 w 10853928"/>
+              <a:gd name="connsiteY22" fmla="*/ 18288 h 18288"/>
+              <a:gd name="connsiteX23" fmla="*/ 7217862 w 10853928"/>
+              <a:gd name="connsiteY23" fmla="*/ 18288 h 18288"/>
+              <a:gd name="connsiteX24" fmla="*/ 6648031 w 10853928"/>
+              <a:gd name="connsiteY24" fmla="*/ 18288 h 18288"/>
+              <a:gd name="connsiteX25" fmla="*/ 6078200 w 10853928"/>
+              <a:gd name="connsiteY25" fmla="*/ 18288 h 18288"/>
+              <a:gd name="connsiteX26" fmla="*/ 5508368 w 10853928"/>
+              <a:gd name="connsiteY26" fmla="*/ 18288 h 18288"/>
+              <a:gd name="connsiteX27" fmla="*/ 4721459 w 10853928"/>
+              <a:gd name="connsiteY27" fmla="*/ 18288 h 18288"/>
+              <a:gd name="connsiteX28" fmla="*/ 4043088 w 10853928"/>
+              <a:gd name="connsiteY28" fmla="*/ 18288 h 18288"/>
+              <a:gd name="connsiteX29" fmla="*/ 3690336 w 10853928"/>
+              <a:gd name="connsiteY29" fmla="*/ 18288 h 18288"/>
+              <a:gd name="connsiteX30" fmla="*/ 3120504 w 10853928"/>
+              <a:gd name="connsiteY30" fmla="*/ 18288 h 18288"/>
+              <a:gd name="connsiteX31" fmla="*/ 2333595 w 10853928"/>
+              <a:gd name="connsiteY31" fmla="*/ 18288 h 18288"/>
+              <a:gd name="connsiteX32" fmla="*/ 1872303 w 10853928"/>
+              <a:gd name="connsiteY32" fmla="*/ 18288 h 18288"/>
+              <a:gd name="connsiteX33" fmla="*/ 976854 w 10853928"/>
+              <a:gd name="connsiteY33" fmla="*/ 18288 h 18288"/>
+              <a:gd name="connsiteX34" fmla="*/ 0 w 10853928"/>
+              <a:gd name="connsiteY34" fmla="*/ 18288 h 18288"/>
+              <a:gd name="connsiteX35" fmla="*/ 0 w 10853928"/>
+              <a:gd name="connsiteY35" fmla="*/ 0 h 18288"/>
+            </a:gdLst>
+            <a:ahLst/>
+            <a:cxnLst>
+              <a:cxn ang="0">
+                <a:pos x="connsiteX0" y="connsiteY0"/>
+              </a:cxn>
+              <a:cxn ang="0">
+                <a:pos x="connsiteX1" y="connsiteY1"/>
+              </a:cxn>
+              <a:cxn ang="0">
+                <a:pos x="connsiteX2" y="connsiteY2"/>
+              </a:cxn>
+              <a:cxn ang="0">
+                <a:pos x="connsiteX3" y="connsiteY3"/>
+              </a:cxn>
+              <a:cxn ang="0">
+                <a:pos x="connsiteX4" y="connsiteY4"/>
+              </a:cxn>
+              <a:cxn ang="0">
+                <a:pos x="connsiteX5" y="connsiteY5"/>
+              </a:cxn>
+              <a:cxn ang="0">
+                <a:pos x="connsiteX6" y="connsiteY6"/>
+              </a:cxn>
+              <a:cxn ang="0">
+                <a:pos x="connsiteX7" y="connsiteY7"/>
+              </a:cxn>
+              <a:cxn ang="0">
+                <a:pos x="connsiteX8" y="connsiteY8"/>
+              </a:cxn>
+              <a:cxn ang="0">
+                <a:pos x="connsiteX9" y="connsiteY9"/>
+              </a:cxn>
+              <a:cxn ang="0">
+                <a:pos x="connsiteX10" y="connsiteY10"/>
+              </a:cxn>
+              <a:cxn ang="0">
+                <a:pos x="connsiteX11" y="connsiteY11"/>
+              </a:cxn>
+              <a:cxn ang="0">
+                <a:pos x="connsiteX12" y="connsiteY12"/>
+              </a:cxn>
+              <a:cxn ang="0">
+                <a:pos x="connsiteX13" y="connsiteY13"/>
+              </a:cxn>
+              <a:cxn ang="0">
+                <a:pos x="connsiteX14" y="connsiteY14"/>
+              </a:cxn>
+              <a:cxn ang="0">
+                <a:pos x="connsiteX15" y="connsiteY15"/>
+              </a:cxn>
+              <a:cxn ang="0">
+                <a:pos x="connsiteX16" y="connsiteY16"/>
+              </a:cxn>
+              <a:cxn ang="0">
+                <a:pos x="connsiteX17" y="connsiteY17"/>
+              </a:cxn>
+              <a:cxn ang="0">
+                <a:pos x="connsiteX18" y="connsiteY18"/>
+              </a:cxn>
+              <a:cxn ang="0">
+                <a:pos x="connsiteX19" y="connsiteY19"/>
+              </a:cxn>
+              <a:cxn ang="0">
+                <a:pos x="connsiteX20" y="connsiteY20"/>
+              </a:cxn>
+              <a:cxn ang="0">
+                <a:pos x="connsiteX21" y="connsiteY21"/>
+              </a:cxn>
+              <a:cxn ang="0">
+                <a:pos x="connsiteX22" y="connsiteY22"/>
+              </a:cxn>
+              <a:cxn ang="0">
+                <a:pos x="connsiteX23" y="connsiteY23"/>
+              </a:cxn>
+              <a:cxn ang="0">
+                <a:pos x="connsiteX24" y="connsiteY24"/>
+              </a:cxn>
+              <a:cxn ang="0">
+                <a:pos x="connsiteX25" y="connsiteY25"/>
+              </a:cxn>
+              <a:cxn ang="0">
+                <a:pos x="connsiteX26" y="connsiteY26"/>
+              </a:cxn>
+              <a:cxn ang="0">
+                <a:pos x="connsiteX27" y="connsiteY27"/>
+              </a:cxn>
+              <a:cxn ang="0">
+                <a:pos x="connsiteX28" y="connsiteY28"/>
+              </a:cxn>
+              <a:cxn ang="0">
+                <a:pos x="connsiteX29" y="connsiteY29"/>
+              </a:cxn>
+              <a:cxn ang="0">
+                <a:pos x="connsiteX30" y="connsiteY30"/>
+              </a:cxn>
+              <a:cxn ang="0">
+                <a:pos x="connsiteX31" y="connsiteY31"/>
+              </a:cxn>
+              <a:cxn ang="0">
+                <a:pos x="connsiteX32" y="connsiteY32"/>
+              </a:cxn>
+              <a:cxn ang="0">
+                <a:pos x="connsiteX33" y="connsiteY33"/>
+              </a:cxn>
+              <a:cxn ang="0">
+                <a:pos x="connsiteX34" y="connsiteY34"/>
+              </a:cxn>
+              <a:cxn ang="0">
+                <a:pos x="connsiteX35" y="connsiteY35"/>
+              </a:cxn>
+            </a:cxnLst>
+            <a:rect l="l" t="t" r="r" b="b"/>
+            <a:pathLst>
+              <a:path w="10853928" h="18288" fill="none" extrusionOk="0">
+                <a:moveTo>
+                  <a:pt x="0" y="0"/>
+                </a:moveTo>
+                <a:cubicBezTo>
+                  <a:pt x="146993" y="-19076"/>
+                  <a:pt x="347684" y="-4790"/>
+                  <a:pt x="461292" y="0"/>
+                </a:cubicBezTo>
+                <a:cubicBezTo>
+                  <a:pt x="574900" y="4790"/>
+                  <a:pt x="808367" y="19821"/>
+                  <a:pt x="1139662" y="0"/>
+                </a:cubicBezTo>
+                <a:cubicBezTo>
+                  <a:pt x="1470957" y="-19821"/>
+                  <a:pt x="1627405" y="5721"/>
+                  <a:pt x="1926572" y="0"/>
+                </a:cubicBezTo>
+                <a:cubicBezTo>
+                  <a:pt x="2225739" y="-5721"/>
+                  <a:pt x="2137730" y="-3235"/>
+                  <a:pt x="2279325" y="0"/>
+                </a:cubicBezTo>
+                <a:cubicBezTo>
+                  <a:pt x="2420920" y="3235"/>
+                  <a:pt x="2456518" y="9685"/>
+                  <a:pt x="2632078" y="0"/>
+                </a:cubicBezTo>
+                <a:cubicBezTo>
+                  <a:pt x="2807638" y="-9685"/>
+                  <a:pt x="3211516" y="-43007"/>
+                  <a:pt x="3527527" y="0"/>
+                </a:cubicBezTo>
+                <a:cubicBezTo>
+                  <a:pt x="3843538" y="43007"/>
+                  <a:pt x="4058833" y="22042"/>
+                  <a:pt x="4205897" y="0"/>
+                </a:cubicBezTo>
+                <a:cubicBezTo>
+                  <a:pt x="4352961" y="-22042"/>
+                  <a:pt x="4474805" y="-11846"/>
+                  <a:pt x="4558650" y="0"/>
+                </a:cubicBezTo>
+                <a:cubicBezTo>
+                  <a:pt x="4642495" y="11846"/>
+                  <a:pt x="5041928" y="-6069"/>
+                  <a:pt x="5237020" y="0"/>
+                </a:cubicBezTo>
+                <a:cubicBezTo>
+                  <a:pt x="5432112" y="6069"/>
+                  <a:pt x="5943266" y="-17479"/>
+                  <a:pt x="6132469" y="0"/>
+                </a:cubicBezTo>
+                <a:cubicBezTo>
+                  <a:pt x="6321672" y="17479"/>
+                  <a:pt x="6483872" y="26234"/>
+                  <a:pt x="6702301" y="0"/>
+                </a:cubicBezTo>
+                <a:cubicBezTo>
+                  <a:pt x="6920730" y="-26234"/>
+                  <a:pt x="6991194" y="-15156"/>
+                  <a:pt x="7272132" y="0"/>
+                </a:cubicBezTo>
+                <a:cubicBezTo>
+                  <a:pt x="7553070" y="15156"/>
+                  <a:pt x="7684444" y="-32961"/>
+                  <a:pt x="7950502" y="0"/>
+                </a:cubicBezTo>
+                <a:cubicBezTo>
+                  <a:pt x="8216560" y="32961"/>
+                  <a:pt x="8493290" y="-10491"/>
+                  <a:pt x="8737412" y="0"/>
+                </a:cubicBezTo>
+                <a:cubicBezTo>
+                  <a:pt x="8981534" y="10491"/>
+                  <a:pt x="9191586" y="-13899"/>
+                  <a:pt x="9524322" y="0"/>
+                </a:cubicBezTo>
+                <a:cubicBezTo>
+                  <a:pt x="9857058" y="13899"/>
+                  <a:pt x="10297509" y="7485"/>
+                  <a:pt x="10853928" y="0"/>
+                </a:cubicBezTo>
+                <a:cubicBezTo>
+                  <a:pt x="10854574" y="4451"/>
+                  <a:pt x="10854418" y="9226"/>
+                  <a:pt x="10853928" y="18288"/>
+                </a:cubicBezTo>
+                <a:cubicBezTo>
+                  <a:pt x="10691638" y="28522"/>
+                  <a:pt x="10574319" y="29578"/>
+                  <a:pt x="10392636" y="18288"/>
+                </a:cubicBezTo>
+                <a:cubicBezTo>
+                  <a:pt x="10210953" y="6998"/>
+                  <a:pt x="9836277" y="-16742"/>
+                  <a:pt x="9497187" y="18288"/>
+                </a:cubicBezTo>
+                <a:cubicBezTo>
+                  <a:pt x="9158097" y="53318"/>
+                  <a:pt x="9119479" y="30714"/>
+                  <a:pt x="8818817" y="18288"/>
+                </a:cubicBezTo>
+                <a:cubicBezTo>
+                  <a:pt x="8518155" y="5863"/>
+                  <a:pt x="8640037" y="6483"/>
+                  <a:pt x="8466064" y="18288"/>
+                </a:cubicBezTo>
+                <a:cubicBezTo>
+                  <a:pt x="8292091" y="30093"/>
+                  <a:pt x="7997656" y="18914"/>
+                  <a:pt x="7787693" y="18288"/>
+                </a:cubicBezTo>
+                <a:cubicBezTo>
+                  <a:pt x="7577730" y="17662"/>
+                  <a:pt x="7412468" y="21416"/>
+                  <a:pt x="7217862" y="18288"/>
+                </a:cubicBezTo>
+                <a:cubicBezTo>
+                  <a:pt x="7023256" y="15160"/>
+                  <a:pt x="6898018" y="14824"/>
+                  <a:pt x="6648031" y="18288"/>
+                </a:cubicBezTo>
+                <a:cubicBezTo>
+                  <a:pt x="6398044" y="21752"/>
+                  <a:pt x="6254402" y="38625"/>
+                  <a:pt x="6078200" y="18288"/>
+                </a:cubicBezTo>
+                <a:cubicBezTo>
+                  <a:pt x="5901998" y="-2049"/>
+                  <a:pt x="5622886" y="3213"/>
+                  <a:pt x="5508368" y="18288"/>
+                </a:cubicBezTo>
+                <a:cubicBezTo>
+                  <a:pt x="5393850" y="33363"/>
+                  <a:pt x="5036260" y="26830"/>
+                  <a:pt x="4721459" y="18288"/>
+                </a:cubicBezTo>
+                <a:cubicBezTo>
+                  <a:pt x="4406658" y="9746"/>
+                  <a:pt x="4239221" y="41551"/>
+                  <a:pt x="4043088" y="18288"/>
+                </a:cubicBezTo>
+                <a:cubicBezTo>
+                  <a:pt x="3846955" y="-4975"/>
+                  <a:pt x="3818802" y="34658"/>
+                  <a:pt x="3690336" y="18288"/>
+                </a:cubicBezTo>
+                <a:cubicBezTo>
+                  <a:pt x="3561870" y="1918"/>
+                  <a:pt x="3265491" y="42194"/>
+                  <a:pt x="3120504" y="18288"/>
+                </a:cubicBezTo>
+                <a:cubicBezTo>
+                  <a:pt x="2975517" y="-5618"/>
+                  <a:pt x="2720254" y="36673"/>
+                  <a:pt x="2333595" y="18288"/>
+                </a:cubicBezTo>
+                <a:cubicBezTo>
+                  <a:pt x="1946936" y="-97"/>
+                  <a:pt x="2097241" y="5776"/>
+                  <a:pt x="1872303" y="18288"/>
+                </a:cubicBezTo>
+                <a:cubicBezTo>
+                  <a:pt x="1647365" y="30800"/>
+                  <a:pt x="1282708" y="45380"/>
+                  <a:pt x="976854" y="18288"/>
+                </a:cubicBezTo>
+                <a:cubicBezTo>
+                  <a:pt x="671000" y="-8804"/>
+                  <a:pt x="408401" y="-12775"/>
+                  <a:pt x="0" y="18288"/>
+                </a:cubicBezTo>
+                <a:cubicBezTo>
+                  <a:pt x="-213" y="9468"/>
+                  <a:pt x="187" y="4459"/>
+                  <a:pt x="0" y="0"/>
+                </a:cubicBezTo>
+                <a:close/>
+              </a:path>
+              <a:path w="10853928" h="18288" stroke="0" extrusionOk="0">
+                <a:moveTo>
+                  <a:pt x="0" y="0"/>
+                </a:moveTo>
+                <a:cubicBezTo>
+                  <a:pt x="267322" y="15284"/>
+                  <a:pt x="415388" y="-21048"/>
+                  <a:pt x="569831" y="0"/>
+                </a:cubicBezTo>
+                <a:cubicBezTo>
+                  <a:pt x="724274" y="21048"/>
+                  <a:pt x="769333" y="-2353"/>
+                  <a:pt x="922584" y="0"/>
+                </a:cubicBezTo>
+                <a:cubicBezTo>
+                  <a:pt x="1075835" y="2353"/>
+                  <a:pt x="1399490" y="-145"/>
+                  <a:pt x="1818033" y="0"/>
+                </a:cubicBezTo>
+                <a:cubicBezTo>
+                  <a:pt x="2236576" y="145"/>
+                  <a:pt x="2145330" y="5482"/>
+                  <a:pt x="2387864" y="0"/>
+                </a:cubicBezTo>
+                <a:cubicBezTo>
+                  <a:pt x="2630398" y="-5482"/>
+                  <a:pt x="2793207" y="18487"/>
+                  <a:pt x="2957695" y="0"/>
+                </a:cubicBezTo>
+                <a:cubicBezTo>
+                  <a:pt x="3122183" y="-18487"/>
+                  <a:pt x="3579141" y="19003"/>
+                  <a:pt x="3853144" y="0"/>
+                </a:cubicBezTo>
+                <a:cubicBezTo>
+                  <a:pt x="4127147" y="-19003"/>
+                  <a:pt x="4209857" y="12211"/>
+                  <a:pt x="4314436" y="0"/>
+                </a:cubicBezTo>
+                <a:cubicBezTo>
+                  <a:pt x="4419015" y="-12211"/>
+                  <a:pt x="4762459" y="-17220"/>
+                  <a:pt x="5209885" y="0"/>
+                </a:cubicBezTo>
+                <a:cubicBezTo>
+                  <a:pt x="5657311" y="17220"/>
+                  <a:pt x="5692663" y="-3290"/>
+                  <a:pt x="6105335" y="0"/>
+                </a:cubicBezTo>
+                <a:cubicBezTo>
+                  <a:pt x="6518007" y="3290"/>
+                  <a:pt x="6455516" y="-5124"/>
+                  <a:pt x="6783705" y="0"/>
+                </a:cubicBezTo>
+                <a:cubicBezTo>
+                  <a:pt x="7111894" y="5124"/>
+                  <a:pt x="7441941" y="-17829"/>
+                  <a:pt x="7679154" y="0"/>
+                </a:cubicBezTo>
+                <a:cubicBezTo>
+                  <a:pt x="7916367" y="17829"/>
+                  <a:pt x="8102967" y="-24363"/>
+                  <a:pt x="8248985" y="0"/>
+                </a:cubicBezTo>
+                <a:cubicBezTo>
+                  <a:pt x="8395003" y="24363"/>
+                  <a:pt x="8552393" y="25505"/>
+                  <a:pt x="8818817" y="0"/>
+                </a:cubicBezTo>
+                <a:cubicBezTo>
+                  <a:pt x="9085241" y="-25505"/>
+                  <a:pt x="9411308" y="38000"/>
+                  <a:pt x="9605726" y="0"/>
+                </a:cubicBezTo>
+                <a:cubicBezTo>
+                  <a:pt x="9800144" y="-38000"/>
+                  <a:pt x="10006468" y="-25741"/>
+                  <a:pt x="10175558" y="0"/>
+                </a:cubicBezTo>
+                <a:cubicBezTo>
+                  <a:pt x="10344648" y="25741"/>
+                  <a:pt x="10696282" y="695"/>
+                  <a:pt x="10853928" y="0"/>
+                </a:cubicBezTo>
+                <a:cubicBezTo>
+                  <a:pt x="10853521" y="8690"/>
+                  <a:pt x="10853774" y="14141"/>
+                  <a:pt x="10853928" y="18288"/>
+                </a:cubicBezTo>
+                <a:cubicBezTo>
+                  <a:pt x="10608124" y="24255"/>
+                  <a:pt x="10343415" y="22307"/>
+                  <a:pt x="10067018" y="18288"/>
+                </a:cubicBezTo>
+                <a:cubicBezTo>
+                  <a:pt x="9790621" y="14270"/>
+                  <a:pt x="9843266" y="3564"/>
+                  <a:pt x="9714266" y="18288"/>
+                </a:cubicBezTo>
+                <a:cubicBezTo>
+                  <a:pt x="9585266" y="33012"/>
+                  <a:pt x="9379484" y="1875"/>
+                  <a:pt x="9252974" y="18288"/>
+                </a:cubicBezTo>
+                <a:cubicBezTo>
+                  <a:pt x="9126464" y="34701"/>
+                  <a:pt x="8580678" y="-4904"/>
+                  <a:pt x="8357525" y="18288"/>
+                </a:cubicBezTo>
+                <a:cubicBezTo>
+                  <a:pt x="8134372" y="41480"/>
+                  <a:pt x="7903199" y="26458"/>
+                  <a:pt x="7679154" y="18288"/>
+                </a:cubicBezTo>
+                <a:cubicBezTo>
+                  <a:pt x="7455109" y="10118"/>
+                  <a:pt x="7435944" y="27109"/>
+                  <a:pt x="7217862" y="18288"/>
+                </a:cubicBezTo>
+                <a:cubicBezTo>
+                  <a:pt x="6999780" y="9467"/>
+                  <a:pt x="6680409" y="18985"/>
+                  <a:pt x="6539492" y="18288"/>
+                </a:cubicBezTo>
+                <a:cubicBezTo>
+                  <a:pt x="6398575" y="17592"/>
+                  <a:pt x="6312077" y="33018"/>
+                  <a:pt x="6186739" y="18288"/>
+                </a:cubicBezTo>
+                <a:cubicBezTo>
+                  <a:pt x="6061401" y="3558"/>
+                  <a:pt x="5947033" y="12075"/>
+                  <a:pt x="5833986" y="18288"/>
+                </a:cubicBezTo>
+                <a:cubicBezTo>
+                  <a:pt x="5720939" y="24501"/>
+                  <a:pt x="5482226" y="8586"/>
+                  <a:pt x="5155616" y="18288"/>
+                </a:cubicBezTo>
+                <a:cubicBezTo>
+                  <a:pt x="4829006" y="27991"/>
+                  <a:pt x="4841274" y="29316"/>
+                  <a:pt x="4694324" y="18288"/>
+                </a:cubicBezTo>
+                <a:cubicBezTo>
+                  <a:pt x="4547374" y="7260"/>
+                  <a:pt x="4077675" y="7013"/>
+                  <a:pt x="3907414" y="18288"/>
+                </a:cubicBezTo>
+                <a:cubicBezTo>
+                  <a:pt x="3737153" y="29564"/>
+                  <a:pt x="3538393" y="21630"/>
+                  <a:pt x="3446122" y="18288"/>
+                </a:cubicBezTo>
+                <a:cubicBezTo>
+                  <a:pt x="3353851" y="14946"/>
+                  <a:pt x="2990320" y="-8091"/>
+                  <a:pt x="2659212" y="18288"/>
+                </a:cubicBezTo>
+                <a:cubicBezTo>
+                  <a:pt x="2328104" y="44667"/>
+                  <a:pt x="2427653" y="9607"/>
+                  <a:pt x="2306460" y="18288"/>
+                </a:cubicBezTo>
+                <a:cubicBezTo>
+                  <a:pt x="2185267" y="26969"/>
+                  <a:pt x="1719763" y="3717"/>
+                  <a:pt x="1519550" y="18288"/>
+                </a:cubicBezTo>
+                <a:cubicBezTo>
+                  <a:pt x="1319337" y="32860"/>
+                  <a:pt x="1167371" y="17040"/>
+                  <a:pt x="1058258" y="18288"/>
+                </a:cubicBezTo>
+                <a:cubicBezTo>
+                  <a:pt x="949145" y="19536"/>
+                  <a:pt x="780234" y="31447"/>
+                  <a:pt x="705505" y="18288"/>
+                </a:cubicBezTo>
+                <a:cubicBezTo>
+                  <a:pt x="630776" y="5129"/>
+                  <a:pt x="215796" y="30056"/>
+                  <a:pt x="0" y="18288"/>
+                </a:cubicBezTo>
+                <a:cubicBezTo>
+                  <a:pt x="-53" y="11301"/>
+                  <a:pt x="-649" y="7756"/>
+                  <a:pt x="0" y="0"/>
+                </a:cubicBezTo>
+                <a:close/>
+              </a:path>
+            </a:pathLst>
+          </a:custGeom>
+          <a:solidFill>
+            <a:schemeClr val="accent2"/>
+          </a:solidFill>
+          <a:ln w="41275" cap="rnd">
+            <a:solidFill>
+              <a:schemeClr val="accent2"/>
+            </a:solidFill>
+            <a:round/>
+            <a:extLst>
+              <a:ext uri="{C807C97D-BFC1-408E-A445-0C87EB9F89A2}">
+                <ask:lineSketchStyleProps xmlns:ask="http://schemas.microsoft.com/office/drawing/2018/sketchyshapes" sd="1219033472">
+                  <a:prstGeom prst="rect">
+                    <a:avLst/>
+                  </a:prstGeom>
+                  <ask:type>
+                    <ask:lineSketchFreehand/>
+                  </ask:type>
+                </ask:lineSketchStyleProps>
+              </a:ext>
+            </a:extLst>
+          </a:ln>
+        </p:spPr>
+        <p:style>
+          <a:lnRef idx="2">
+            <a:schemeClr val="accent1">
+              <a:shade val="50000"/>
+            </a:schemeClr>
+          </a:lnRef>
+          <a:fillRef idx="1">
+            <a:schemeClr val="accent1"/>
+          </a:fillRef>
+          <a:effectRef idx="0">
+            <a:schemeClr val="accent1"/>
+          </a:effectRef>
+          <a:fontRef idx="minor">
+            <a:schemeClr val="lt1"/>
+          </a:fontRef>
+        </p:style>
+        <p:txBody>
+          <a:bodyPr rtlCol="0" anchor="ctr"/>
+          <a:lstStyle/>
+          <a:p>
+            <a:pPr algn="ctr"/>
+            <a:endParaRPr lang="en-US"/>
           </a:p>
         </p:txBody>
       </p:sp>
@@ -4786,45 +6410,59 @@
             <p:ph idx="1"/>
           </p:nvPr>
         </p:nvSpPr>
-        <p:spPr/>
+        <p:spPr>
+          <a:xfrm>
+            <a:off x="838200" y="1929384"/>
+            <a:ext cx="10515600" cy="4251960"/>
+          </a:xfrm>
+        </p:spPr>
         <p:txBody>
           <a:bodyPr>
-            <a:normAutofit fontScale="92500" lnSpcReduction="20000"/>
+            <a:normAutofit/>
           </a:bodyPr>
           <a:lstStyle/>
           <a:p>
             <a:r>
-              <a:rPr lang="en-US" dirty="0"/>
-              <a:t>Successful marketing campaigns and productive selling strategies are directly linked to communication about key indicators of quality; hence, objective measurements of quality are essential</a:t>
-            </a:r>
-          </a:p>
-          <a:p>
-            <a:r>
-              <a:rPr lang="en-US" dirty="0"/>
-              <a:t>Within the wine industry, there are two types of quality assessment: physiochemical and sensory tests. Sensory tests require a human expert to assess the quality of wine based on visual, taste, and smell [Hu et al., 2016]</a:t>
-            </a:r>
-          </a:p>
-          <a:p>
-            <a:r>
-              <a:rPr lang="en-US"/>
-              <a:t>Unlike </a:t>
-            </a:r>
-            <a:r>
-              <a:rPr lang="en-US" dirty="0"/>
-              <a:t>sensory tests, laboratory tests for measuring the physiochemical characteristics of wine such as acidity and alcohol content do not require a human expert. The relationship between </a:t>
-            </a:r>
-            <a:r>
-              <a:rPr lang="en-US" dirty="0" err="1"/>
-              <a:t>physiochemcial</a:t>
-            </a:r>
-            <a:r>
-              <a:rPr lang="en-US" dirty="0"/>
-              <a:t> and sensory analysis is not well understood. Recently, research in the food industry has utilized statistical learning techniques to evaluate widely available characteristics of wine. </a:t>
-            </a:r>
-          </a:p>
-          <a:p>
-            <a:r>
-              <a:rPr lang="en-US" dirty="0"/>
+              <a:rPr lang="en-US" sz="2200" dirty="0"/>
+              <a:t>Marketing campaigns are linked to the communication of quality, so the measurement of this quality is essential</a:t>
+            </a:r>
+          </a:p>
+          <a:p>
+            <a:r>
+              <a:rPr lang="en-US" sz="2200" dirty="0"/>
+              <a:t>Within the wine industry, there are two types of quality assessment: physiochemical and sensory tests. </a:t>
+            </a:r>
+          </a:p>
+          <a:p>
+            <a:pPr lvl="1"/>
+            <a:r>
+              <a:rPr lang="en-US" sz="1800" dirty="0"/>
+              <a:t>Sensory tests require a human expert to assess the quality of wine based on visual, taste, and smell </a:t>
+            </a:r>
+            <a:r>
+              <a:rPr lang="en-US" sz="1800" dirty="0">
+                <a:hlinkClick r:id="rId2" action="ppaction://hlinksldjump"/>
+              </a:rPr>
+              <a:t>[Hu et al., 2016]</a:t>
+            </a:r>
+            <a:endParaRPr lang="en-US" sz="1800" dirty="0"/>
+          </a:p>
+          <a:p>
+            <a:pPr lvl="1"/>
+            <a:r>
+              <a:rPr lang="en-US" sz="1800" dirty="0"/>
+              <a:t>Unlike sensory tests, laboratory tests for measuring the physiochemical characteristics of wine such as acidity and alcohol content do not require a human expert. </a:t>
+            </a:r>
+          </a:p>
+          <a:p>
+            <a:r>
+              <a:rPr lang="en-US" sz="2200" dirty="0"/>
+              <a:t>Recently, research in the food industry has utilized statistical learning techniques to evaluate widely available characteristics of wine. </a:t>
+            </a:r>
+          </a:p>
+          <a:p>
+            <a:r>
+              <a:rPr lang="en-US" sz="2200" dirty="0"/>
               <a:t>Classification can then be used as part of quality assessment process. </a:t>
             </a:r>
           </a:p>
@@ -4846,6 +6484,14 @@
 <file path=ppt/slides/slide3.xml><?xml version="1.0" encoding="utf-8"?>
 <p:sld xmlns:a="http://schemas.openxmlformats.org/drawingml/2006/main" xmlns:r="http://schemas.openxmlformats.org/officeDocument/2006/relationships" xmlns:p="http://schemas.openxmlformats.org/presentationml/2006/main">
   <p:cSld>
+    <p:bg>
+      <p:bgPr>
+        <a:solidFill>
+          <a:schemeClr val="bg1"/>
+        </a:solidFill>
+        <a:effectLst/>
+      </p:bgPr>
+    </p:bg>
     <p:spTree>
       <p:nvGrpSpPr>
         <p:cNvPr id="1" name=""/>
@@ -4860,112 +6506,477 @@
           <a:chExt cx="0" cy="0"/>
         </a:xfrm>
       </p:grpSpPr>
-      <p:sp>
-        <p:nvSpPr>
-          <p:cNvPr id="2" name="Title 1">
+      <p:sp useBgFill="1">
+        <p:nvSpPr>
+          <p:cNvPr id="9" name="Rectangle 8">
             <a:extLst>
               <a:ext uri="{FF2B5EF4-FFF2-40B4-BE49-F238E27FC236}">
-                <a16:creationId xmlns:a16="http://schemas.microsoft.com/office/drawing/2014/main" id="{D0B5DB17-1A39-4AB5-9E1C-C0AAF30CFF19}"/>
+                <a16:creationId xmlns:a16="http://schemas.microsoft.com/office/drawing/2014/main" id="{743AA782-23D1-4521-8CAD-47662984AA08}"/>
+              </a:ext>
+              <a:ext uri="{C183D7F6-B498-43B3-948B-1728B52AA6E4}">
+                <adec:decorative xmlns:adec="http://schemas.microsoft.com/office/drawing/2017/decorative" val="1"/>
               </a:ext>
             </a:extLst>
           </p:cNvPr>
           <p:cNvSpPr>
-            <a:spLocks noGrp="1"/>
-          </p:cNvSpPr>
-          <p:nvPr>
-            <p:ph type="title"/>
-          </p:nvPr>
-        </p:nvSpPr>
-        <p:spPr/>
-        <p:txBody>
-          <a:bodyPr/>
-          <a:lstStyle/>
-          <a:p>
-            <a:r>
-              <a:rPr lang="en-US" dirty="0"/>
-              <a:t>Data Exploration (Alison)</a:t>
-            </a:r>
-          </a:p>
-        </p:txBody>
-      </p:sp>
-      <p:sp>
-        <p:nvSpPr>
-          <p:cNvPr id="4" name="Content Placeholder 3">
-            <a:extLst>
-              <a:ext uri="{FF2B5EF4-FFF2-40B4-BE49-F238E27FC236}">
-                <a16:creationId xmlns:a16="http://schemas.microsoft.com/office/drawing/2014/main" id="{F8EF7BAF-2C73-49D5-9A95-EC13B95EAE9E}"/>
-              </a:ext>
-            </a:extLst>
-          </p:cNvPr>
-          <p:cNvSpPr>
-            <a:spLocks noGrp="1"/>
-          </p:cNvSpPr>
-          <p:nvPr>
-            <p:ph sz="half" idx="1"/>
+            <a:spLocks noGrp="1" noRot="1" noChangeAspect="1" noMove="1" noResize="1" noEditPoints="1" noAdjustHandles="1" noChangeArrowheads="1" noChangeShapeType="1" noTextEdit="1"/>
+          </p:cNvSpPr>
+          <p:nvPr>
+            <p:extLst>
+              <p:ext uri="{386F3935-93C4-4BCD-93E2-E3B085C9AB24}">
+                <p16:designElem xmlns:p16="http://schemas.microsoft.com/office/powerpoint/2015/main" val="1"/>
+              </p:ext>
+            </p:extLst>
           </p:nvPr>
         </p:nvSpPr>
         <p:spPr>
           <a:xfrm>
-            <a:off x="838199" y="1825624"/>
-            <a:ext cx="5921049" cy="4378227"/>
+            <a:off x="0" y="0"/>
+            <a:ext cx="12192000" cy="6858000"/>
+          </a:xfrm>
+          <a:prstGeom prst="rect">
+            <a:avLst/>
+          </a:prstGeom>
+          <a:ln>
+            <a:noFill/>
+          </a:ln>
+        </p:spPr>
+        <p:style>
+          <a:lnRef idx="2">
+            <a:schemeClr val="accent1">
+              <a:shade val="50000"/>
+            </a:schemeClr>
+          </a:lnRef>
+          <a:fillRef idx="1">
+            <a:schemeClr val="accent1"/>
+          </a:fillRef>
+          <a:effectRef idx="0">
+            <a:schemeClr val="accent1"/>
+          </a:effectRef>
+          <a:fontRef idx="minor">
+            <a:schemeClr val="lt1"/>
+          </a:fontRef>
+        </p:style>
+        <p:txBody>
+          <a:bodyPr rtlCol="0" anchor="ctr"/>
+          <a:lstStyle/>
+          <a:p>
+            <a:pPr algn="ctr"/>
+            <a:endParaRPr lang="en-US"/>
+          </a:p>
+        </p:txBody>
+      </p:sp>
+      <p:sp>
+        <p:nvSpPr>
+          <p:cNvPr id="2" name="Title 1">
+            <a:extLst>
+              <a:ext uri="{FF2B5EF4-FFF2-40B4-BE49-F238E27FC236}">
+                <a16:creationId xmlns:a16="http://schemas.microsoft.com/office/drawing/2014/main" id="{5732BCC7-82D5-423F-9704-69CCF2DEEF0A}"/>
+              </a:ext>
+            </a:extLst>
+          </p:cNvPr>
+          <p:cNvSpPr>
+            <a:spLocks noGrp="1"/>
+          </p:cNvSpPr>
+          <p:nvPr>
+            <p:ph type="title"/>
+          </p:nvPr>
+        </p:nvSpPr>
+        <p:spPr>
+          <a:xfrm>
+            <a:off x="630936" y="640080"/>
+            <a:ext cx="4818888" cy="1481328"/>
           </a:xfrm>
         </p:spPr>
         <p:txBody>
-          <a:bodyPr>
-            <a:normAutofit fontScale="70000" lnSpcReduction="20000"/>
+          <a:bodyPr anchor="b">
+            <a:normAutofit/>
           </a:bodyPr>
           <a:lstStyle/>
           <a:p>
             <a:r>
-              <a:rPr lang="en-US" dirty="0"/>
-              <a:t>In this paper, we applied classification and resampling techniques to the “Wine Quality Data Set” found on the UCI Data Repository [UCI]. The data consist of information from samples of </a:t>
-            </a:r>
-            <a:r>
-              <a:rPr lang="en-US" dirty="0" err="1"/>
-              <a:t>Vinho</a:t>
-            </a:r>
-            <a:r>
-              <a:rPr lang="en-US" dirty="0"/>
-              <a:t> Verde, which is a product from the northwest region of Portugal</a:t>
-            </a:r>
-          </a:p>
-          <a:p>
-            <a:r>
-              <a:rPr lang="en-US" dirty="0"/>
-              <a:t>For each of the wines in the dataset, 11 physiochemical measurements were taken on it: </a:t>
-            </a:r>
-            <a:r>
-              <a:rPr lang="en-US" dirty="0" err="1"/>
-              <a:t>fxed</a:t>
-            </a:r>
-            <a:r>
-              <a:rPr lang="en-US" dirty="0"/>
-              <a:t> acidity, volatile acidity, citric acid, residual sugar, chlorides, free sulfur dioxide, total sulfur dioxide, density, pH, sulphates, and alcohol.</a:t>
-            </a:r>
-          </a:p>
-          <a:p>
-            <a:r>
-              <a:rPr lang="en-US" dirty="0"/>
-              <a:t>The response was measured as a quality rating based on a sensory test carried out by at least three sommeliers, where a 0 was considered very bad and a 10 was excellent Gupta [2018]. Following Hu et al. [2016], we separated the wine into three quality classes: Low Quality (≤ 4), Normal (5-7), and High quality (≥ 8)</a:t>
+              <a:rPr lang="en-US" sz="5000"/>
+              <a:t>Goals/Problem (Alison)</a:t>
+            </a:r>
+          </a:p>
+        </p:txBody>
+      </p:sp>
+      <p:sp>
+        <p:nvSpPr>
+          <p:cNvPr id="11" name="sketch line">
+            <a:extLst>
+              <a:ext uri="{FF2B5EF4-FFF2-40B4-BE49-F238E27FC236}">
+                <a16:creationId xmlns:a16="http://schemas.microsoft.com/office/drawing/2014/main" id="{71877DBC-BB60-40F0-AC93-2ACDBAAE60CE}"/>
+              </a:ext>
+              <a:ext uri="{C183D7F6-B498-43B3-948B-1728B52AA6E4}">
+                <adec:decorative xmlns:adec="http://schemas.microsoft.com/office/drawing/2017/decorative" val="1"/>
+              </a:ext>
+            </a:extLst>
+          </p:cNvPr>
+          <p:cNvSpPr>
+            <a:spLocks noGrp="1" noRot="1" noChangeAspect="1" noMove="1" noResize="1" noEditPoints="1" noAdjustHandles="1" noChangeArrowheads="1" noChangeShapeType="1" noTextEdit="1"/>
+          </p:cNvSpPr>
+          <p:nvPr>
+            <p:extLst>
+              <p:ext uri="{386F3935-93C4-4BCD-93E2-E3B085C9AB24}">
+                <p16:designElem xmlns:p16="http://schemas.microsoft.com/office/powerpoint/2015/main" val="1"/>
+              </p:ext>
+            </p:extLst>
+          </p:nvPr>
+        </p:nvSpPr>
+        <p:spPr>
+          <a:xfrm>
+            <a:off x="643278" y="2372868"/>
+            <a:ext cx="3255095" cy="18288"/>
+          </a:xfrm>
+          <a:custGeom>
+            <a:avLst/>
+            <a:gdLst>
+              <a:gd name="connsiteX0" fmla="*/ 0 w 3255095"/>
+              <a:gd name="connsiteY0" fmla="*/ 0 h 18288"/>
+              <a:gd name="connsiteX1" fmla="*/ 618468 w 3255095"/>
+              <a:gd name="connsiteY1" fmla="*/ 0 h 18288"/>
+              <a:gd name="connsiteX2" fmla="*/ 1269487 w 3255095"/>
+              <a:gd name="connsiteY2" fmla="*/ 0 h 18288"/>
+              <a:gd name="connsiteX3" fmla="*/ 1953057 w 3255095"/>
+              <a:gd name="connsiteY3" fmla="*/ 0 h 18288"/>
+              <a:gd name="connsiteX4" fmla="*/ 2636627 w 3255095"/>
+              <a:gd name="connsiteY4" fmla="*/ 0 h 18288"/>
+              <a:gd name="connsiteX5" fmla="*/ 3255095 w 3255095"/>
+              <a:gd name="connsiteY5" fmla="*/ 0 h 18288"/>
+              <a:gd name="connsiteX6" fmla="*/ 3255095 w 3255095"/>
+              <a:gd name="connsiteY6" fmla="*/ 18288 h 18288"/>
+              <a:gd name="connsiteX7" fmla="*/ 2538974 w 3255095"/>
+              <a:gd name="connsiteY7" fmla="*/ 18288 h 18288"/>
+              <a:gd name="connsiteX8" fmla="*/ 1822853 w 3255095"/>
+              <a:gd name="connsiteY8" fmla="*/ 18288 h 18288"/>
+              <a:gd name="connsiteX9" fmla="*/ 1171834 w 3255095"/>
+              <a:gd name="connsiteY9" fmla="*/ 18288 h 18288"/>
+              <a:gd name="connsiteX10" fmla="*/ 0 w 3255095"/>
+              <a:gd name="connsiteY10" fmla="*/ 18288 h 18288"/>
+              <a:gd name="connsiteX11" fmla="*/ 0 w 3255095"/>
+              <a:gd name="connsiteY11" fmla="*/ 0 h 18288"/>
+            </a:gdLst>
+            <a:ahLst/>
+            <a:cxnLst>
+              <a:cxn ang="0">
+                <a:pos x="connsiteX0" y="connsiteY0"/>
+              </a:cxn>
+              <a:cxn ang="0">
+                <a:pos x="connsiteX1" y="connsiteY1"/>
+              </a:cxn>
+              <a:cxn ang="0">
+                <a:pos x="connsiteX2" y="connsiteY2"/>
+              </a:cxn>
+              <a:cxn ang="0">
+                <a:pos x="connsiteX3" y="connsiteY3"/>
+              </a:cxn>
+              <a:cxn ang="0">
+                <a:pos x="connsiteX4" y="connsiteY4"/>
+              </a:cxn>
+              <a:cxn ang="0">
+                <a:pos x="connsiteX5" y="connsiteY5"/>
+              </a:cxn>
+              <a:cxn ang="0">
+                <a:pos x="connsiteX6" y="connsiteY6"/>
+              </a:cxn>
+              <a:cxn ang="0">
+                <a:pos x="connsiteX7" y="connsiteY7"/>
+              </a:cxn>
+              <a:cxn ang="0">
+                <a:pos x="connsiteX8" y="connsiteY8"/>
+              </a:cxn>
+              <a:cxn ang="0">
+                <a:pos x="connsiteX9" y="connsiteY9"/>
+              </a:cxn>
+              <a:cxn ang="0">
+                <a:pos x="connsiteX10" y="connsiteY10"/>
+              </a:cxn>
+              <a:cxn ang="0">
+                <a:pos x="connsiteX11" y="connsiteY11"/>
+              </a:cxn>
+            </a:cxnLst>
+            <a:rect l="l" t="t" r="r" b="b"/>
+            <a:pathLst>
+              <a:path w="3255095" h="18288" fill="none" extrusionOk="0">
+                <a:moveTo>
+                  <a:pt x="0" y="0"/>
+                </a:moveTo>
+                <a:cubicBezTo>
+                  <a:pt x="240201" y="-22123"/>
+                  <a:pt x="462021" y="-19623"/>
+                  <a:pt x="618468" y="0"/>
+                </a:cubicBezTo>
+                <a:cubicBezTo>
+                  <a:pt x="774915" y="19623"/>
+                  <a:pt x="974734" y="2035"/>
+                  <a:pt x="1269487" y="0"/>
+                </a:cubicBezTo>
+                <a:cubicBezTo>
+                  <a:pt x="1564240" y="-2035"/>
+                  <a:pt x="1733579" y="10639"/>
+                  <a:pt x="1953057" y="0"/>
+                </a:cubicBezTo>
+                <a:cubicBezTo>
+                  <a:pt x="2172535" y="-10639"/>
+                  <a:pt x="2453962" y="14018"/>
+                  <a:pt x="2636627" y="0"/>
+                </a:cubicBezTo>
+                <a:cubicBezTo>
+                  <a:pt x="2819292" y="-14018"/>
+                  <a:pt x="3121375" y="5399"/>
+                  <a:pt x="3255095" y="0"/>
+                </a:cubicBezTo>
+                <a:cubicBezTo>
+                  <a:pt x="3254386" y="8157"/>
+                  <a:pt x="3254682" y="12125"/>
+                  <a:pt x="3255095" y="18288"/>
+                </a:cubicBezTo>
+                <a:cubicBezTo>
+                  <a:pt x="3088545" y="23203"/>
+                  <a:pt x="2687475" y="7419"/>
+                  <a:pt x="2538974" y="18288"/>
+                </a:cubicBezTo>
+                <a:cubicBezTo>
+                  <a:pt x="2390473" y="29157"/>
+                  <a:pt x="2137381" y="-8959"/>
+                  <a:pt x="1822853" y="18288"/>
+                </a:cubicBezTo>
+                <a:cubicBezTo>
+                  <a:pt x="1508325" y="45535"/>
+                  <a:pt x="1466437" y="20385"/>
+                  <a:pt x="1171834" y="18288"/>
+                </a:cubicBezTo>
+                <a:cubicBezTo>
+                  <a:pt x="877231" y="16191"/>
+                  <a:pt x="561097" y="37643"/>
+                  <a:pt x="0" y="18288"/>
+                </a:cubicBezTo>
+                <a:cubicBezTo>
+                  <a:pt x="-46" y="12483"/>
+                  <a:pt x="-203" y="6491"/>
+                  <a:pt x="0" y="0"/>
+                </a:cubicBezTo>
+                <a:close/>
+              </a:path>
+              <a:path w="3255095" h="18288" stroke="0" extrusionOk="0">
+                <a:moveTo>
+                  <a:pt x="0" y="0"/>
+                </a:moveTo>
+                <a:cubicBezTo>
+                  <a:pt x="291965" y="19429"/>
+                  <a:pt x="363155" y="8568"/>
+                  <a:pt x="618468" y="0"/>
+                </a:cubicBezTo>
+                <a:cubicBezTo>
+                  <a:pt x="873781" y="-8568"/>
+                  <a:pt x="904459" y="-19505"/>
+                  <a:pt x="1171834" y="0"/>
+                </a:cubicBezTo>
+                <a:cubicBezTo>
+                  <a:pt x="1439209" y="19505"/>
+                  <a:pt x="1744369" y="9790"/>
+                  <a:pt x="1887955" y="0"/>
+                </a:cubicBezTo>
+                <a:cubicBezTo>
+                  <a:pt x="2031541" y="-9790"/>
+                  <a:pt x="2346378" y="21240"/>
+                  <a:pt x="2506423" y="0"/>
+                </a:cubicBezTo>
+                <a:cubicBezTo>
+                  <a:pt x="2666468" y="-21240"/>
+                  <a:pt x="2990257" y="30414"/>
+                  <a:pt x="3255095" y="0"/>
+                </a:cubicBezTo>
+                <a:cubicBezTo>
+                  <a:pt x="3254831" y="4493"/>
+                  <a:pt x="3255479" y="9472"/>
+                  <a:pt x="3255095" y="18288"/>
+                </a:cubicBezTo>
+                <a:cubicBezTo>
+                  <a:pt x="3120743" y="16690"/>
+                  <a:pt x="2759628" y="42462"/>
+                  <a:pt x="2604076" y="18288"/>
+                </a:cubicBezTo>
+                <a:cubicBezTo>
+                  <a:pt x="2448524" y="-5886"/>
+                  <a:pt x="2184336" y="19599"/>
+                  <a:pt x="1887955" y="18288"/>
+                </a:cubicBezTo>
+                <a:cubicBezTo>
+                  <a:pt x="1591574" y="16977"/>
+                  <a:pt x="1548845" y="6870"/>
+                  <a:pt x="1334589" y="18288"/>
+                </a:cubicBezTo>
+                <a:cubicBezTo>
+                  <a:pt x="1120333" y="29706"/>
+                  <a:pt x="996014" y="9662"/>
+                  <a:pt x="683570" y="18288"/>
+                </a:cubicBezTo>
+                <a:cubicBezTo>
+                  <a:pt x="371126" y="26914"/>
+                  <a:pt x="198687" y="16167"/>
+                  <a:pt x="0" y="18288"/>
+                </a:cubicBezTo>
+                <a:cubicBezTo>
+                  <a:pt x="843" y="9577"/>
+                  <a:pt x="371" y="6900"/>
+                  <a:pt x="0" y="0"/>
+                </a:cubicBezTo>
+                <a:close/>
+              </a:path>
+            </a:pathLst>
+          </a:custGeom>
+          <a:solidFill>
+            <a:schemeClr val="accent2"/>
+          </a:solidFill>
+          <a:ln w="38100" cap="rnd">
+            <a:solidFill>
+              <a:schemeClr val="accent2"/>
+            </a:solidFill>
+            <a:round/>
+            <a:extLst>
+              <a:ext uri="{C807C97D-BFC1-408E-A445-0C87EB9F89A2}">
+                <ask:lineSketchStyleProps xmlns:ask="http://schemas.microsoft.com/office/drawing/2018/sketchyshapes" sd="1219033472">
+                  <a:prstGeom prst="rect">
+                    <a:avLst/>
+                  </a:prstGeom>
+                  <ask:type>
+                    <ask:lineSketchFreehand/>
+                  </ask:type>
+                </ask:lineSketchStyleProps>
+              </a:ext>
+            </a:extLst>
+          </a:ln>
+        </p:spPr>
+        <p:style>
+          <a:lnRef idx="2">
+            <a:schemeClr val="accent1">
+              <a:shade val="50000"/>
+            </a:schemeClr>
+          </a:lnRef>
+          <a:fillRef idx="1">
+            <a:schemeClr val="accent1"/>
+          </a:fillRef>
+          <a:effectRef idx="0">
+            <a:schemeClr val="accent1"/>
+          </a:effectRef>
+          <a:fontRef idx="minor">
+            <a:schemeClr val="lt1"/>
+          </a:fontRef>
+        </p:style>
+        <p:txBody>
+          <a:bodyPr rtlCol="0" anchor="ctr"/>
+          <a:lstStyle/>
+          <a:p>
+            <a:pPr algn="ctr"/>
+            <a:endParaRPr lang="en-US"/>
+          </a:p>
+        </p:txBody>
+      </p:sp>
+      <p:sp>
+        <p:nvSpPr>
+          <p:cNvPr id="3" name="Content Placeholder 2">
+            <a:extLst>
+              <a:ext uri="{FF2B5EF4-FFF2-40B4-BE49-F238E27FC236}">
+                <a16:creationId xmlns:a16="http://schemas.microsoft.com/office/drawing/2014/main" id="{4B299CBA-9011-4FA0-AC76-4145A240B644}"/>
+              </a:ext>
+            </a:extLst>
+          </p:cNvPr>
+          <p:cNvSpPr>
+            <a:spLocks noGrp="1"/>
+          </p:cNvSpPr>
+          <p:nvPr>
+            <p:ph idx="1"/>
+          </p:nvPr>
+        </p:nvSpPr>
+        <p:spPr>
+          <a:xfrm>
+            <a:off x="630935" y="2660904"/>
+            <a:ext cx="5727661" cy="3547872"/>
+          </a:xfrm>
+        </p:spPr>
+        <p:txBody>
+          <a:bodyPr anchor="t">
+            <a:noAutofit/>
+          </a:bodyPr>
+          <a:lstStyle/>
+          <a:p>
+            <a:r>
+              <a:rPr lang="en-US" sz="1800" dirty="0"/>
+              <a:t>Want to train a model that would work well to classify wines into three categories; low quality, normal quality and high quality.</a:t>
+            </a:r>
+          </a:p>
+          <a:p>
+            <a:r>
+              <a:rPr lang="en-US" sz="1800" dirty="0"/>
+              <a:t>Classification techniques:</a:t>
+            </a:r>
+          </a:p>
+          <a:p>
+            <a:pPr lvl="1"/>
+            <a:r>
+              <a:rPr lang="en-US" sz="1800" dirty="0"/>
+              <a:t> </a:t>
+            </a:r>
+            <a:r>
+              <a:rPr lang="en-US" sz="1800" dirty="0" err="1"/>
+              <a:t>eXtreme</a:t>
+            </a:r>
+            <a:r>
+              <a:rPr lang="en-US" sz="1800" dirty="0"/>
+              <a:t> Gradient Boosting (</a:t>
+            </a:r>
+            <a:r>
+              <a:rPr lang="en-US" sz="1800" dirty="0" err="1"/>
+              <a:t>XGBoost</a:t>
+            </a:r>
+            <a:r>
+              <a:rPr lang="en-US" sz="1800" dirty="0"/>
+              <a:t>) </a:t>
+            </a:r>
+          </a:p>
+          <a:p>
+            <a:pPr lvl="1"/>
+            <a:r>
+              <a:rPr lang="en-US" sz="1800" dirty="0"/>
+              <a:t> Random Forest</a:t>
+            </a:r>
+          </a:p>
+          <a:p>
+            <a:r>
+              <a:rPr lang="en-US" sz="1800" dirty="0"/>
+              <a:t>Additional challenge – Imbalanced Data Set</a:t>
+            </a:r>
+          </a:p>
+          <a:p>
+            <a:pPr lvl="1"/>
+            <a:r>
+              <a:rPr lang="en-US" sz="1800" dirty="0"/>
+              <a:t>Evaluated different resampling techniques to see if this improves performance and to see which method is best.</a:t>
+            </a:r>
+          </a:p>
+          <a:p>
+            <a:r>
+              <a:rPr lang="en-US" sz="1800" dirty="0"/>
+              <a:t>Accuracy of each classification model applied in conjunction with each resampling method was compared. </a:t>
             </a:r>
           </a:p>
         </p:txBody>
       </p:sp>
       <p:pic>
         <p:nvPicPr>
-          <p:cNvPr id="7" name="Content Placeholder 6" descr="Chart, bar chart&#10;&#10;Description automatically generated">
+          <p:cNvPr id="6" name="Picture 5" descr="Chart, bar chart&#10;&#10;Description automatically generated">
             <a:extLst>
               <a:ext uri="{FF2B5EF4-FFF2-40B4-BE49-F238E27FC236}">
-                <a16:creationId xmlns:a16="http://schemas.microsoft.com/office/drawing/2014/main" id="{3D72E8C0-2C18-495A-AF28-C65AC3278036}"/>
+                <a16:creationId xmlns:a16="http://schemas.microsoft.com/office/drawing/2014/main" id="{A9A7D9C5-63E1-49B0-A1C8-01873567F0C9}"/>
               </a:ext>
             </a:extLst>
           </p:cNvPr>
           <p:cNvPicPr>
-            <a:picLocks noGrp="1" noChangeAspect="1"/>
+            <a:picLocks noChangeAspect="1"/>
           </p:cNvPicPr>
-          <p:nvPr>
-            <p:ph sz="half" idx="2"/>
-          </p:nvPr>
+          <p:nvPr/>
         </p:nvPicPr>
         <p:blipFill>
           <a:blip r:embed="rId2">
@@ -4981,9 +6992,930 @@
         </p:blipFill>
         <p:spPr>
           <a:xfrm>
-            <a:off x="6759249" y="1212239"/>
-            <a:ext cx="5020376" cy="2789055"/>
+            <a:off x="6335970" y="2039112"/>
+            <a:ext cx="5544269" cy="3106850"/>
           </a:xfrm>
+          <a:prstGeom prst="rect">
+            <a:avLst/>
+          </a:prstGeom>
+        </p:spPr>
+      </p:pic>
+    </p:spTree>
+    <p:extLst>
+      <p:ext uri="{BB962C8B-B14F-4D97-AF65-F5344CB8AC3E}">
+        <p14:creationId xmlns:p14="http://schemas.microsoft.com/office/powerpoint/2010/main" val="1939212565"/>
+      </p:ext>
+    </p:extLst>
+  </p:cSld>
+  <p:clrMapOvr>
+    <a:masterClrMapping/>
+  </p:clrMapOvr>
+</p:sld>
+</file>
+
+<file path=ppt/slides/slide4.xml><?xml version="1.0" encoding="utf-8"?>
+<p:sld xmlns:a="http://schemas.openxmlformats.org/drawingml/2006/main" xmlns:r="http://schemas.openxmlformats.org/officeDocument/2006/relationships" xmlns:p="http://schemas.openxmlformats.org/presentationml/2006/main">
+  <p:cSld>
+    <p:bg>
+      <p:bgPr>
+        <a:solidFill>
+          <a:schemeClr val="bg1"/>
+        </a:solidFill>
+        <a:effectLst/>
+      </p:bgPr>
+    </p:bg>
+    <p:spTree>
+      <p:nvGrpSpPr>
+        <p:cNvPr id="1" name=""/>
+        <p:cNvGrpSpPr/>
+        <p:nvPr/>
+      </p:nvGrpSpPr>
+      <p:grpSpPr>
+        <a:xfrm>
+          <a:off x="0" y="0"/>
+          <a:ext cx="0" cy="0"/>
+          <a:chOff x="0" y="0"/>
+          <a:chExt cx="0" cy="0"/>
+        </a:xfrm>
+      </p:grpSpPr>
+      <p:sp useBgFill="1">
+        <p:nvSpPr>
+          <p:cNvPr id="10" name="Rectangle 12">
+            <a:extLst>
+              <a:ext uri="{FF2B5EF4-FFF2-40B4-BE49-F238E27FC236}">
+                <a16:creationId xmlns:a16="http://schemas.microsoft.com/office/drawing/2014/main" id="{45D37F4E-DDB4-456B-97E0-9937730A039F}"/>
+              </a:ext>
+              <a:ext uri="{C183D7F6-B498-43B3-948B-1728B52AA6E4}">
+                <adec:decorative xmlns:adec="http://schemas.microsoft.com/office/drawing/2017/decorative" val="1"/>
+              </a:ext>
+            </a:extLst>
+          </p:cNvPr>
+          <p:cNvSpPr>
+            <a:spLocks noGrp="1" noRot="1" noChangeAspect="1" noMove="1" noResize="1" noEditPoints="1" noAdjustHandles="1" noChangeArrowheads="1" noChangeShapeType="1" noTextEdit="1"/>
+          </p:cNvSpPr>
+          <p:nvPr>
+            <p:extLst>
+              <p:ext uri="{386F3935-93C4-4BCD-93E2-E3B085C9AB24}">
+                <p16:designElem xmlns:p16="http://schemas.microsoft.com/office/powerpoint/2015/main" val="1"/>
+              </p:ext>
+            </p:extLst>
+          </p:nvPr>
+        </p:nvSpPr>
+        <p:spPr>
+          <a:xfrm>
+            <a:off x="0" y="0"/>
+            <a:ext cx="12188952" cy="6858000"/>
+          </a:xfrm>
+          <a:prstGeom prst="rect">
+            <a:avLst/>
+          </a:prstGeom>
+          <a:ln>
+            <a:noFill/>
+          </a:ln>
+        </p:spPr>
+        <p:style>
+          <a:lnRef idx="2">
+            <a:schemeClr val="accent1">
+              <a:shade val="50000"/>
+            </a:schemeClr>
+          </a:lnRef>
+          <a:fillRef idx="1">
+            <a:schemeClr val="accent1"/>
+          </a:fillRef>
+          <a:effectRef idx="0">
+            <a:schemeClr val="accent1"/>
+          </a:effectRef>
+          <a:fontRef idx="minor">
+            <a:schemeClr val="lt1"/>
+          </a:fontRef>
+        </p:style>
+        <p:txBody>
+          <a:bodyPr rtlCol="0" anchor="ctr"/>
+          <a:lstStyle/>
+          <a:p>
+            <a:pPr algn="ctr"/>
+            <a:endParaRPr lang="en-US"/>
+          </a:p>
+        </p:txBody>
+      </p:sp>
+      <p:sp>
+        <p:nvSpPr>
+          <p:cNvPr id="2" name="Title 1">
+            <a:extLst>
+              <a:ext uri="{FF2B5EF4-FFF2-40B4-BE49-F238E27FC236}">
+                <a16:creationId xmlns:a16="http://schemas.microsoft.com/office/drawing/2014/main" id="{D0B5DB17-1A39-4AB5-9E1C-C0AAF30CFF19}"/>
+              </a:ext>
+            </a:extLst>
+          </p:cNvPr>
+          <p:cNvSpPr>
+            <a:spLocks noGrp="1"/>
+          </p:cNvSpPr>
+          <p:nvPr>
+            <p:ph type="title"/>
+          </p:nvPr>
+        </p:nvSpPr>
+        <p:spPr>
+          <a:xfrm>
+            <a:off x="572493" y="238539"/>
+            <a:ext cx="11018520" cy="1434415"/>
+          </a:xfrm>
+        </p:spPr>
+        <p:txBody>
+          <a:bodyPr vert="horz" lIns="91440" tIns="45720" rIns="91440" bIns="45720" rtlCol="0" anchor="b">
+            <a:normAutofit/>
+          </a:bodyPr>
+          <a:lstStyle/>
+          <a:p>
+            <a:r>
+              <a:rPr lang="en-US" sz="5400"/>
+              <a:t>Data Exploration (Alison)</a:t>
+            </a:r>
+          </a:p>
+        </p:txBody>
+      </p:sp>
+      <p:sp>
+        <p:nvSpPr>
+          <p:cNvPr id="11" name="sketchy line">
+            <a:extLst>
+              <a:ext uri="{FF2B5EF4-FFF2-40B4-BE49-F238E27FC236}">
+                <a16:creationId xmlns:a16="http://schemas.microsoft.com/office/drawing/2014/main" id="{B2DD41CD-8F47-4F56-AD12-4E2FF7696987}"/>
+              </a:ext>
+              <a:ext uri="{C183D7F6-B498-43B3-948B-1728B52AA6E4}">
+                <adec:decorative xmlns:adec="http://schemas.microsoft.com/office/drawing/2017/decorative" val="1"/>
+              </a:ext>
+            </a:extLst>
+          </p:cNvPr>
+          <p:cNvSpPr>
+            <a:spLocks noGrp="1" noRot="1" noChangeAspect="1" noMove="1" noResize="1" noEditPoints="1" noAdjustHandles="1" noChangeArrowheads="1" noChangeShapeType="1" noTextEdit="1"/>
+          </p:cNvSpPr>
+          <p:nvPr>
+            <p:extLst>
+              <p:ext uri="{386F3935-93C4-4BCD-93E2-E3B085C9AB24}">
+                <p16:designElem xmlns:p16="http://schemas.microsoft.com/office/powerpoint/2015/main" val="1"/>
+              </p:ext>
+            </p:extLst>
+          </p:nvPr>
+        </p:nvSpPr>
+        <p:spPr>
+          <a:xfrm>
+            <a:off x="572493" y="1681544"/>
+            <a:ext cx="10972800" cy="18288"/>
+          </a:xfrm>
+          <a:custGeom>
+            <a:avLst/>
+            <a:gdLst>
+              <a:gd name="connsiteX0" fmla="*/ 0 w 10972800"/>
+              <a:gd name="connsiteY0" fmla="*/ 0 h 18288"/>
+              <a:gd name="connsiteX1" fmla="*/ 356616 w 10972800"/>
+              <a:gd name="connsiteY1" fmla="*/ 0 h 18288"/>
+              <a:gd name="connsiteX2" fmla="*/ 1042416 w 10972800"/>
+              <a:gd name="connsiteY2" fmla="*/ 0 h 18288"/>
+              <a:gd name="connsiteX3" fmla="*/ 1947672 w 10972800"/>
+              <a:gd name="connsiteY3" fmla="*/ 0 h 18288"/>
+              <a:gd name="connsiteX4" fmla="*/ 2633472 w 10972800"/>
+              <a:gd name="connsiteY4" fmla="*/ 0 h 18288"/>
+              <a:gd name="connsiteX5" fmla="*/ 2990088 w 10972800"/>
+              <a:gd name="connsiteY5" fmla="*/ 0 h 18288"/>
+              <a:gd name="connsiteX6" fmla="*/ 3456432 w 10972800"/>
+              <a:gd name="connsiteY6" fmla="*/ 0 h 18288"/>
+              <a:gd name="connsiteX7" fmla="*/ 4361688 w 10972800"/>
+              <a:gd name="connsiteY7" fmla="*/ 0 h 18288"/>
+              <a:gd name="connsiteX8" fmla="*/ 5266944 w 10972800"/>
+              <a:gd name="connsiteY8" fmla="*/ 0 h 18288"/>
+              <a:gd name="connsiteX9" fmla="*/ 6172200 w 10972800"/>
+              <a:gd name="connsiteY9" fmla="*/ 0 h 18288"/>
+              <a:gd name="connsiteX10" fmla="*/ 6528816 w 10972800"/>
+              <a:gd name="connsiteY10" fmla="*/ 0 h 18288"/>
+              <a:gd name="connsiteX11" fmla="*/ 7214616 w 10972800"/>
+              <a:gd name="connsiteY11" fmla="*/ 0 h 18288"/>
+              <a:gd name="connsiteX12" fmla="*/ 7790688 w 10972800"/>
+              <a:gd name="connsiteY12" fmla="*/ 0 h 18288"/>
+              <a:gd name="connsiteX13" fmla="*/ 8147304 w 10972800"/>
+              <a:gd name="connsiteY13" fmla="*/ 0 h 18288"/>
+              <a:gd name="connsiteX14" fmla="*/ 9052560 w 10972800"/>
+              <a:gd name="connsiteY14" fmla="*/ 0 h 18288"/>
+              <a:gd name="connsiteX15" fmla="*/ 9409176 w 10972800"/>
+              <a:gd name="connsiteY15" fmla="*/ 0 h 18288"/>
+              <a:gd name="connsiteX16" fmla="*/ 9765792 w 10972800"/>
+              <a:gd name="connsiteY16" fmla="*/ 0 h 18288"/>
+              <a:gd name="connsiteX17" fmla="*/ 10341864 w 10972800"/>
+              <a:gd name="connsiteY17" fmla="*/ 0 h 18288"/>
+              <a:gd name="connsiteX18" fmla="*/ 10972800 w 10972800"/>
+              <a:gd name="connsiteY18" fmla="*/ 0 h 18288"/>
+              <a:gd name="connsiteX19" fmla="*/ 10972800 w 10972800"/>
+              <a:gd name="connsiteY19" fmla="*/ 18288 h 18288"/>
+              <a:gd name="connsiteX20" fmla="*/ 10177272 w 10972800"/>
+              <a:gd name="connsiteY20" fmla="*/ 18288 h 18288"/>
+              <a:gd name="connsiteX21" fmla="*/ 9820656 w 10972800"/>
+              <a:gd name="connsiteY21" fmla="*/ 18288 h 18288"/>
+              <a:gd name="connsiteX22" fmla="*/ 9464040 w 10972800"/>
+              <a:gd name="connsiteY22" fmla="*/ 18288 h 18288"/>
+              <a:gd name="connsiteX23" fmla="*/ 8778240 w 10972800"/>
+              <a:gd name="connsiteY23" fmla="*/ 18288 h 18288"/>
+              <a:gd name="connsiteX24" fmla="*/ 8421624 w 10972800"/>
+              <a:gd name="connsiteY24" fmla="*/ 18288 h 18288"/>
+              <a:gd name="connsiteX25" fmla="*/ 7735824 w 10972800"/>
+              <a:gd name="connsiteY25" fmla="*/ 18288 h 18288"/>
+              <a:gd name="connsiteX26" fmla="*/ 6940296 w 10972800"/>
+              <a:gd name="connsiteY26" fmla="*/ 18288 h 18288"/>
+              <a:gd name="connsiteX27" fmla="*/ 6254496 w 10972800"/>
+              <a:gd name="connsiteY27" fmla="*/ 18288 h 18288"/>
+              <a:gd name="connsiteX28" fmla="*/ 5458968 w 10972800"/>
+              <a:gd name="connsiteY28" fmla="*/ 18288 h 18288"/>
+              <a:gd name="connsiteX29" fmla="*/ 4663440 w 10972800"/>
+              <a:gd name="connsiteY29" fmla="*/ 18288 h 18288"/>
+              <a:gd name="connsiteX30" fmla="*/ 4306824 w 10972800"/>
+              <a:gd name="connsiteY30" fmla="*/ 18288 h 18288"/>
+              <a:gd name="connsiteX31" fmla="*/ 3840480 w 10972800"/>
+              <a:gd name="connsiteY31" fmla="*/ 18288 h 18288"/>
+              <a:gd name="connsiteX32" fmla="*/ 3264408 w 10972800"/>
+              <a:gd name="connsiteY32" fmla="*/ 18288 h 18288"/>
+              <a:gd name="connsiteX33" fmla="*/ 2578608 w 10972800"/>
+              <a:gd name="connsiteY33" fmla="*/ 18288 h 18288"/>
+              <a:gd name="connsiteX34" fmla="*/ 1673352 w 10972800"/>
+              <a:gd name="connsiteY34" fmla="*/ 18288 h 18288"/>
+              <a:gd name="connsiteX35" fmla="*/ 877824 w 10972800"/>
+              <a:gd name="connsiteY35" fmla="*/ 18288 h 18288"/>
+              <a:gd name="connsiteX36" fmla="*/ 0 w 10972800"/>
+              <a:gd name="connsiteY36" fmla="*/ 18288 h 18288"/>
+              <a:gd name="connsiteX37" fmla="*/ 0 w 10972800"/>
+              <a:gd name="connsiteY37" fmla="*/ 0 h 18288"/>
+            </a:gdLst>
+            <a:ahLst/>
+            <a:cxnLst>
+              <a:cxn ang="0">
+                <a:pos x="connsiteX0" y="connsiteY0"/>
+              </a:cxn>
+              <a:cxn ang="0">
+                <a:pos x="connsiteX1" y="connsiteY1"/>
+              </a:cxn>
+              <a:cxn ang="0">
+                <a:pos x="connsiteX2" y="connsiteY2"/>
+              </a:cxn>
+              <a:cxn ang="0">
+                <a:pos x="connsiteX3" y="connsiteY3"/>
+              </a:cxn>
+              <a:cxn ang="0">
+                <a:pos x="connsiteX4" y="connsiteY4"/>
+              </a:cxn>
+              <a:cxn ang="0">
+                <a:pos x="connsiteX5" y="connsiteY5"/>
+              </a:cxn>
+              <a:cxn ang="0">
+                <a:pos x="connsiteX6" y="connsiteY6"/>
+              </a:cxn>
+              <a:cxn ang="0">
+                <a:pos x="connsiteX7" y="connsiteY7"/>
+              </a:cxn>
+              <a:cxn ang="0">
+                <a:pos x="connsiteX8" y="connsiteY8"/>
+              </a:cxn>
+              <a:cxn ang="0">
+                <a:pos x="connsiteX9" y="connsiteY9"/>
+              </a:cxn>
+              <a:cxn ang="0">
+                <a:pos x="connsiteX10" y="connsiteY10"/>
+              </a:cxn>
+              <a:cxn ang="0">
+                <a:pos x="connsiteX11" y="connsiteY11"/>
+              </a:cxn>
+              <a:cxn ang="0">
+                <a:pos x="connsiteX12" y="connsiteY12"/>
+              </a:cxn>
+              <a:cxn ang="0">
+                <a:pos x="connsiteX13" y="connsiteY13"/>
+              </a:cxn>
+              <a:cxn ang="0">
+                <a:pos x="connsiteX14" y="connsiteY14"/>
+              </a:cxn>
+              <a:cxn ang="0">
+                <a:pos x="connsiteX15" y="connsiteY15"/>
+              </a:cxn>
+              <a:cxn ang="0">
+                <a:pos x="connsiteX16" y="connsiteY16"/>
+              </a:cxn>
+              <a:cxn ang="0">
+                <a:pos x="connsiteX17" y="connsiteY17"/>
+              </a:cxn>
+              <a:cxn ang="0">
+                <a:pos x="connsiteX18" y="connsiteY18"/>
+              </a:cxn>
+              <a:cxn ang="0">
+                <a:pos x="connsiteX19" y="connsiteY19"/>
+              </a:cxn>
+              <a:cxn ang="0">
+                <a:pos x="connsiteX20" y="connsiteY20"/>
+              </a:cxn>
+              <a:cxn ang="0">
+                <a:pos x="connsiteX21" y="connsiteY21"/>
+              </a:cxn>
+              <a:cxn ang="0">
+                <a:pos x="connsiteX22" y="connsiteY22"/>
+              </a:cxn>
+              <a:cxn ang="0">
+                <a:pos x="connsiteX23" y="connsiteY23"/>
+              </a:cxn>
+              <a:cxn ang="0">
+                <a:pos x="connsiteX24" y="connsiteY24"/>
+              </a:cxn>
+              <a:cxn ang="0">
+                <a:pos x="connsiteX25" y="connsiteY25"/>
+              </a:cxn>
+              <a:cxn ang="0">
+                <a:pos x="connsiteX26" y="connsiteY26"/>
+              </a:cxn>
+              <a:cxn ang="0">
+                <a:pos x="connsiteX27" y="connsiteY27"/>
+              </a:cxn>
+              <a:cxn ang="0">
+                <a:pos x="connsiteX28" y="connsiteY28"/>
+              </a:cxn>
+              <a:cxn ang="0">
+                <a:pos x="connsiteX29" y="connsiteY29"/>
+              </a:cxn>
+              <a:cxn ang="0">
+                <a:pos x="connsiteX30" y="connsiteY30"/>
+              </a:cxn>
+              <a:cxn ang="0">
+                <a:pos x="connsiteX31" y="connsiteY31"/>
+              </a:cxn>
+              <a:cxn ang="0">
+                <a:pos x="connsiteX32" y="connsiteY32"/>
+              </a:cxn>
+              <a:cxn ang="0">
+                <a:pos x="connsiteX33" y="connsiteY33"/>
+              </a:cxn>
+              <a:cxn ang="0">
+                <a:pos x="connsiteX34" y="connsiteY34"/>
+              </a:cxn>
+              <a:cxn ang="0">
+                <a:pos x="connsiteX35" y="connsiteY35"/>
+              </a:cxn>
+              <a:cxn ang="0">
+                <a:pos x="connsiteX36" y="connsiteY36"/>
+              </a:cxn>
+              <a:cxn ang="0">
+                <a:pos x="connsiteX37" y="connsiteY37"/>
+              </a:cxn>
+            </a:cxnLst>
+            <a:rect l="l" t="t" r="r" b="b"/>
+            <a:pathLst>
+              <a:path w="10972800" h="18288" fill="none" extrusionOk="0">
+                <a:moveTo>
+                  <a:pt x="0" y="0"/>
+                </a:moveTo>
+                <a:cubicBezTo>
+                  <a:pt x="165916" y="-1866"/>
+                  <a:pt x="188720" y="13756"/>
+                  <a:pt x="356616" y="0"/>
+                </a:cubicBezTo>
+                <a:cubicBezTo>
+                  <a:pt x="524512" y="-13756"/>
+                  <a:pt x="734781" y="8922"/>
+                  <a:pt x="1042416" y="0"/>
+                </a:cubicBezTo>
+                <a:cubicBezTo>
+                  <a:pt x="1350051" y="-8922"/>
+                  <a:pt x="1595982" y="-26315"/>
+                  <a:pt x="1947672" y="0"/>
+                </a:cubicBezTo>
+                <a:cubicBezTo>
+                  <a:pt x="2299362" y="26315"/>
+                  <a:pt x="2292691" y="-19526"/>
+                  <a:pt x="2633472" y="0"/>
+                </a:cubicBezTo>
+                <a:cubicBezTo>
+                  <a:pt x="2974253" y="19526"/>
+                  <a:pt x="2857309" y="10773"/>
+                  <a:pt x="2990088" y="0"/>
+                </a:cubicBezTo>
+                <a:cubicBezTo>
+                  <a:pt x="3122867" y="-10773"/>
+                  <a:pt x="3359343" y="7194"/>
+                  <a:pt x="3456432" y="0"/>
+                </a:cubicBezTo>
+                <a:cubicBezTo>
+                  <a:pt x="3553521" y="-7194"/>
+                  <a:pt x="4136258" y="5108"/>
+                  <a:pt x="4361688" y="0"/>
+                </a:cubicBezTo>
+                <a:cubicBezTo>
+                  <a:pt x="4587118" y="-5108"/>
+                  <a:pt x="4992424" y="-42958"/>
+                  <a:pt x="5266944" y="0"/>
+                </a:cubicBezTo>
+                <a:cubicBezTo>
+                  <a:pt x="5541464" y="42958"/>
+                  <a:pt x="5882966" y="-3430"/>
+                  <a:pt x="6172200" y="0"/>
+                </a:cubicBezTo>
+                <a:cubicBezTo>
+                  <a:pt x="6461434" y="3430"/>
+                  <a:pt x="6432127" y="6688"/>
+                  <a:pt x="6528816" y="0"/>
+                </a:cubicBezTo>
+                <a:cubicBezTo>
+                  <a:pt x="6625505" y="-6688"/>
+                  <a:pt x="6916805" y="-436"/>
+                  <a:pt x="7214616" y="0"/>
+                </a:cubicBezTo>
+                <a:cubicBezTo>
+                  <a:pt x="7512427" y="436"/>
+                  <a:pt x="7626159" y="-6909"/>
+                  <a:pt x="7790688" y="0"/>
+                </a:cubicBezTo>
+                <a:cubicBezTo>
+                  <a:pt x="7955217" y="6909"/>
+                  <a:pt x="8048891" y="15307"/>
+                  <a:pt x="8147304" y="0"/>
+                </a:cubicBezTo>
+                <a:cubicBezTo>
+                  <a:pt x="8245717" y="-15307"/>
+                  <a:pt x="8645618" y="-11734"/>
+                  <a:pt x="9052560" y="0"/>
+                </a:cubicBezTo>
+                <a:cubicBezTo>
+                  <a:pt x="9459502" y="11734"/>
+                  <a:pt x="9320584" y="8388"/>
+                  <a:pt x="9409176" y="0"/>
+                </a:cubicBezTo>
+                <a:cubicBezTo>
+                  <a:pt x="9497768" y="-8388"/>
+                  <a:pt x="9644192" y="8379"/>
+                  <a:pt x="9765792" y="0"/>
+                </a:cubicBezTo>
+                <a:cubicBezTo>
+                  <a:pt x="9887392" y="-8379"/>
+                  <a:pt x="10105220" y="-12663"/>
+                  <a:pt x="10341864" y="0"/>
+                </a:cubicBezTo>
+                <a:cubicBezTo>
+                  <a:pt x="10578508" y="12663"/>
+                  <a:pt x="10773103" y="-5786"/>
+                  <a:pt x="10972800" y="0"/>
+                </a:cubicBezTo>
+                <a:cubicBezTo>
+                  <a:pt x="10972146" y="8818"/>
+                  <a:pt x="10972240" y="13823"/>
+                  <a:pt x="10972800" y="18288"/>
+                </a:cubicBezTo>
+                <a:cubicBezTo>
+                  <a:pt x="10588778" y="31598"/>
+                  <a:pt x="10543381" y="-12698"/>
+                  <a:pt x="10177272" y="18288"/>
+                </a:cubicBezTo>
+                <a:cubicBezTo>
+                  <a:pt x="9811163" y="49274"/>
+                  <a:pt x="9996817" y="25662"/>
+                  <a:pt x="9820656" y="18288"/>
+                </a:cubicBezTo>
+                <a:cubicBezTo>
+                  <a:pt x="9644495" y="10914"/>
+                  <a:pt x="9607007" y="31631"/>
+                  <a:pt x="9464040" y="18288"/>
+                </a:cubicBezTo>
+                <a:cubicBezTo>
+                  <a:pt x="9321073" y="4945"/>
+                  <a:pt x="9114189" y="28940"/>
+                  <a:pt x="8778240" y="18288"/>
+                </a:cubicBezTo>
+                <a:cubicBezTo>
+                  <a:pt x="8442291" y="7636"/>
+                  <a:pt x="8594763" y="987"/>
+                  <a:pt x="8421624" y="18288"/>
+                </a:cubicBezTo>
+                <a:cubicBezTo>
+                  <a:pt x="8248485" y="35589"/>
+                  <a:pt x="7929515" y="37573"/>
+                  <a:pt x="7735824" y="18288"/>
+                </a:cubicBezTo>
+                <a:cubicBezTo>
+                  <a:pt x="7542133" y="-997"/>
+                  <a:pt x="7252504" y="33858"/>
+                  <a:pt x="6940296" y="18288"/>
+                </a:cubicBezTo>
+                <a:cubicBezTo>
+                  <a:pt x="6628088" y="2718"/>
+                  <a:pt x="6528503" y="48389"/>
+                  <a:pt x="6254496" y="18288"/>
+                </a:cubicBezTo>
+                <a:cubicBezTo>
+                  <a:pt x="5980489" y="-11813"/>
+                  <a:pt x="5695784" y="-3740"/>
+                  <a:pt x="5458968" y="18288"/>
+                </a:cubicBezTo>
+                <a:cubicBezTo>
+                  <a:pt x="5222152" y="40316"/>
+                  <a:pt x="5010751" y="19095"/>
+                  <a:pt x="4663440" y="18288"/>
+                </a:cubicBezTo>
+                <a:cubicBezTo>
+                  <a:pt x="4316129" y="17481"/>
+                  <a:pt x="4425552" y="1606"/>
+                  <a:pt x="4306824" y="18288"/>
+                </a:cubicBezTo>
+                <a:cubicBezTo>
+                  <a:pt x="4188096" y="34970"/>
+                  <a:pt x="3941535" y="7481"/>
+                  <a:pt x="3840480" y="18288"/>
+                </a:cubicBezTo>
+                <a:cubicBezTo>
+                  <a:pt x="3739425" y="29095"/>
+                  <a:pt x="3402388" y="17641"/>
+                  <a:pt x="3264408" y="18288"/>
+                </a:cubicBezTo>
+                <a:cubicBezTo>
+                  <a:pt x="3126428" y="18935"/>
+                  <a:pt x="2776779" y="9983"/>
+                  <a:pt x="2578608" y="18288"/>
+                </a:cubicBezTo>
+                <a:cubicBezTo>
+                  <a:pt x="2380437" y="26593"/>
+                  <a:pt x="1909468" y="25818"/>
+                  <a:pt x="1673352" y="18288"/>
+                </a:cubicBezTo>
+                <a:cubicBezTo>
+                  <a:pt x="1437236" y="10758"/>
+                  <a:pt x="1131180" y="49884"/>
+                  <a:pt x="877824" y="18288"/>
+                </a:cubicBezTo>
+                <a:cubicBezTo>
+                  <a:pt x="624468" y="-13308"/>
+                  <a:pt x="206753" y="2195"/>
+                  <a:pt x="0" y="18288"/>
+                </a:cubicBezTo>
+                <a:cubicBezTo>
+                  <a:pt x="313" y="10654"/>
+                  <a:pt x="-263" y="4056"/>
+                  <a:pt x="0" y="0"/>
+                </a:cubicBezTo>
+                <a:close/>
+              </a:path>
+              <a:path w="10972800" h="18288" stroke="0" extrusionOk="0">
+                <a:moveTo>
+                  <a:pt x="0" y="0"/>
+                </a:moveTo>
+                <a:cubicBezTo>
+                  <a:pt x="164017" y="-17675"/>
+                  <a:pt x="309425" y="9913"/>
+                  <a:pt x="466344" y="0"/>
+                </a:cubicBezTo>
+                <a:cubicBezTo>
+                  <a:pt x="623263" y="-9913"/>
+                  <a:pt x="659300" y="-14524"/>
+                  <a:pt x="822960" y="0"/>
+                </a:cubicBezTo>
+                <a:cubicBezTo>
+                  <a:pt x="986620" y="14524"/>
+                  <a:pt x="1105222" y="-16481"/>
+                  <a:pt x="1289304" y="0"/>
+                </a:cubicBezTo>
+                <a:cubicBezTo>
+                  <a:pt x="1473386" y="16481"/>
+                  <a:pt x="1693223" y="26161"/>
+                  <a:pt x="1975104" y="0"/>
+                </a:cubicBezTo>
+                <a:cubicBezTo>
+                  <a:pt x="2256985" y="-26161"/>
+                  <a:pt x="2435781" y="23061"/>
+                  <a:pt x="2770632" y="0"/>
+                </a:cubicBezTo>
+                <a:cubicBezTo>
+                  <a:pt x="3105483" y="-23061"/>
+                  <a:pt x="3247479" y="-44011"/>
+                  <a:pt x="3675888" y="0"/>
+                </a:cubicBezTo>
+                <a:cubicBezTo>
+                  <a:pt x="4104297" y="44011"/>
+                  <a:pt x="4280918" y="4017"/>
+                  <a:pt x="4581144" y="0"/>
+                </a:cubicBezTo>
+                <a:cubicBezTo>
+                  <a:pt x="4881370" y="-4017"/>
+                  <a:pt x="5021699" y="-11889"/>
+                  <a:pt x="5157216" y="0"/>
+                </a:cubicBezTo>
+                <a:cubicBezTo>
+                  <a:pt x="5292733" y="11889"/>
+                  <a:pt x="5603398" y="-17698"/>
+                  <a:pt x="5952744" y="0"/>
+                </a:cubicBezTo>
+                <a:cubicBezTo>
+                  <a:pt x="6302090" y="17698"/>
+                  <a:pt x="6353093" y="-11909"/>
+                  <a:pt x="6638544" y="0"/>
+                </a:cubicBezTo>
+                <a:cubicBezTo>
+                  <a:pt x="6923995" y="11909"/>
+                  <a:pt x="7053404" y="21630"/>
+                  <a:pt x="7214616" y="0"/>
+                </a:cubicBezTo>
+                <a:cubicBezTo>
+                  <a:pt x="7375828" y="-21630"/>
+                  <a:pt x="7837963" y="3886"/>
+                  <a:pt x="8010144" y="0"/>
+                </a:cubicBezTo>
+                <a:cubicBezTo>
+                  <a:pt x="8182325" y="-3886"/>
+                  <a:pt x="8224183" y="16009"/>
+                  <a:pt x="8366760" y="0"/>
+                </a:cubicBezTo>
+                <a:cubicBezTo>
+                  <a:pt x="8509337" y="-16009"/>
+                  <a:pt x="8687920" y="-5720"/>
+                  <a:pt x="8942832" y="0"/>
+                </a:cubicBezTo>
+                <a:cubicBezTo>
+                  <a:pt x="9197744" y="5720"/>
+                  <a:pt x="9368437" y="20479"/>
+                  <a:pt x="9628632" y="0"/>
+                </a:cubicBezTo>
+                <a:cubicBezTo>
+                  <a:pt x="9888827" y="-20479"/>
+                  <a:pt x="10560858" y="-20746"/>
+                  <a:pt x="10972800" y="0"/>
+                </a:cubicBezTo>
+                <a:cubicBezTo>
+                  <a:pt x="10972186" y="5722"/>
+                  <a:pt x="10972980" y="12495"/>
+                  <a:pt x="10972800" y="18288"/>
+                </a:cubicBezTo>
+                <a:cubicBezTo>
+                  <a:pt x="10786146" y="12536"/>
+                  <a:pt x="10623717" y="14033"/>
+                  <a:pt x="10506456" y="18288"/>
+                </a:cubicBezTo>
+                <a:cubicBezTo>
+                  <a:pt x="10389195" y="22543"/>
+                  <a:pt x="10296178" y="20107"/>
+                  <a:pt x="10149840" y="18288"/>
+                </a:cubicBezTo>
+                <a:cubicBezTo>
+                  <a:pt x="10003502" y="16469"/>
+                  <a:pt x="9767530" y="28891"/>
+                  <a:pt x="9464040" y="18288"/>
+                </a:cubicBezTo>
+                <a:cubicBezTo>
+                  <a:pt x="9160550" y="7685"/>
+                  <a:pt x="9229050" y="2659"/>
+                  <a:pt x="8997696" y="18288"/>
+                </a:cubicBezTo>
+                <a:cubicBezTo>
+                  <a:pt x="8766342" y="33917"/>
+                  <a:pt x="8340136" y="34864"/>
+                  <a:pt x="8092440" y="18288"/>
+                </a:cubicBezTo>
+                <a:cubicBezTo>
+                  <a:pt x="7844744" y="1712"/>
+                  <a:pt x="7863720" y="27405"/>
+                  <a:pt x="7735824" y="18288"/>
+                </a:cubicBezTo>
+                <a:cubicBezTo>
+                  <a:pt x="7607928" y="9171"/>
+                  <a:pt x="7323619" y="461"/>
+                  <a:pt x="7050024" y="18288"/>
+                </a:cubicBezTo>
+                <a:cubicBezTo>
+                  <a:pt x="6776429" y="36115"/>
+                  <a:pt x="6787899" y="28206"/>
+                  <a:pt x="6693408" y="18288"/>
+                </a:cubicBezTo>
+                <a:cubicBezTo>
+                  <a:pt x="6598917" y="8370"/>
+                  <a:pt x="6395231" y="19114"/>
+                  <a:pt x="6227064" y="18288"/>
+                </a:cubicBezTo>
+                <a:cubicBezTo>
+                  <a:pt x="6058897" y="17462"/>
+                  <a:pt x="5618582" y="1091"/>
+                  <a:pt x="5431536" y="18288"/>
+                </a:cubicBezTo>
+                <a:cubicBezTo>
+                  <a:pt x="5244490" y="35485"/>
+                  <a:pt x="4729797" y="-9650"/>
+                  <a:pt x="4526280" y="18288"/>
+                </a:cubicBezTo>
+                <a:cubicBezTo>
+                  <a:pt x="4322763" y="46226"/>
+                  <a:pt x="4216797" y="756"/>
+                  <a:pt x="4059936" y="18288"/>
+                </a:cubicBezTo>
+                <a:cubicBezTo>
+                  <a:pt x="3903075" y="35820"/>
+                  <a:pt x="3537912" y="42098"/>
+                  <a:pt x="3374136" y="18288"/>
+                </a:cubicBezTo>
+                <a:cubicBezTo>
+                  <a:pt x="3210360" y="-5522"/>
+                  <a:pt x="3126842" y="39135"/>
+                  <a:pt x="2907792" y="18288"/>
+                </a:cubicBezTo>
+                <a:cubicBezTo>
+                  <a:pt x="2688742" y="-2559"/>
+                  <a:pt x="2490436" y="34100"/>
+                  <a:pt x="2112264" y="18288"/>
+                </a:cubicBezTo>
+                <a:cubicBezTo>
+                  <a:pt x="1734092" y="2476"/>
+                  <a:pt x="1744622" y="-7274"/>
+                  <a:pt x="1536192" y="18288"/>
+                </a:cubicBezTo>
+                <a:cubicBezTo>
+                  <a:pt x="1327762" y="43850"/>
+                  <a:pt x="1189025" y="6435"/>
+                  <a:pt x="1069848" y="18288"/>
+                </a:cubicBezTo>
+                <a:cubicBezTo>
+                  <a:pt x="950671" y="30141"/>
+                  <a:pt x="858345" y="33684"/>
+                  <a:pt x="713232" y="18288"/>
+                </a:cubicBezTo>
+                <a:cubicBezTo>
+                  <a:pt x="568119" y="2892"/>
+                  <a:pt x="250292" y="5410"/>
+                  <a:pt x="0" y="18288"/>
+                </a:cubicBezTo>
+                <a:cubicBezTo>
+                  <a:pt x="465" y="13062"/>
+                  <a:pt x="-894" y="9029"/>
+                  <a:pt x="0" y="0"/>
+                </a:cubicBezTo>
+                <a:close/>
+              </a:path>
+            </a:pathLst>
+          </a:custGeom>
+          <a:solidFill>
+            <a:schemeClr val="accent2">
+              <a:alpha val="75000"/>
+            </a:schemeClr>
+          </a:solidFill>
+          <a:ln w="44450" cap="rnd">
+            <a:solidFill>
+              <a:schemeClr val="accent2">
+                <a:alpha val="75000"/>
+              </a:schemeClr>
+            </a:solidFill>
+            <a:round/>
+            <a:extLst>
+              <a:ext uri="{C807C97D-BFC1-408E-A445-0C87EB9F89A2}">
+                <ask:lineSketchStyleProps xmlns:ask="http://schemas.microsoft.com/office/drawing/2018/sketchyshapes" sd="2727557108">
+                  <a:prstGeom prst="rect">
+                    <a:avLst/>
+                  </a:prstGeom>
+                  <ask:type>
+                    <ask:lineSketchFreehand/>
+                  </ask:type>
+                </ask:lineSketchStyleProps>
+              </a:ext>
+            </a:extLst>
+          </a:ln>
+        </p:spPr>
+        <p:style>
+          <a:lnRef idx="2">
+            <a:schemeClr val="accent1">
+              <a:shade val="50000"/>
+            </a:schemeClr>
+          </a:lnRef>
+          <a:fillRef idx="1">
+            <a:schemeClr val="accent1"/>
+          </a:fillRef>
+          <a:effectRef idx="0">
+            <a:schemeClr val="accent1"/>
+          </a:effectRef>
+          <a:fontRef idx="minor">
+            <a:schemeClr val="lt1"/>
+          </a:fontRef>
+        </p:style>
+        <p:txBody>
+          <a:bodyPr rtlCol="0" anchor="ctr"/>
+          <a:lstStyle/>
+          <a:p>
+            <a:pPr algn="ctr"/>
+            <a:endParaRPr lang="en-US"/>
+          </a:p>
+        </p:txBody>
+      </p:sp>
+      <p:sp>
+        <p:nvSpPr>
+          <p:cNvPr id="4" name="Content Placeholder 3">
+            <a:extLst>
+              <a:ext uri="{FF2B5EF4-FFF2-40B4-BE49-F238E27FC236}">
+                <a16:creationId xmlns:a16="http://schemas.microsoft.com/office/drawing/2014/main" id="{F8EF7BAF-2C73-49D5-9A95-EC13B95EAE9E}"/>
+              </a:ext>
+            </a:extLst>
+          </p:cNvPr>
+          <p:cNvSpPr>
+            <a:spLocks noGrp="1"/>
+          </p:cNvSpPr>
+          <p:nvPr>
+            <p:ph sz="half" idx="1"/>
+          </p:nvPr>
+        </p:nvSpPr>
+        <p:spPr>
+          <a:xfrm>
+            <a:off x="572492" y="2071315"/>
+            <a:ext cx="5523508" cy="4653041"/>
+          </a:xfrm>
+        </p:spPr>
+        <p:txBody>
+          <a:bodyPr vert="horz" lIns="91440" tIns="45720" rIns="91440" bIns="45720" rtlCol="0" anchor="t">
+            <a:normAutofit/>
+          </a:bodyPr>
+          <a:lstStyle/>
+          <a:p>
+            <a:r>
+              <a:rPr lang="en-US" sz="2000" dirty="0"/>
+              <a:t>Data set: “Wine Quality Data Set” found on the UCI Data Repository [UCI]. </a:t>
+            </a:r>
+          </a:p>
+          <a:p>
+            <a:pPr lvl="1"/>
+            <a:r>
+              <a:rPr lang="en-US" sz="2000" dirty="0"/>
+              <a:t>Samples of </a:t>
+            </a:r>
+            <a:r>
+              <a:rPr lang="en-US" sz="2000" dirty="0" err="1"/>
+              <a:t>Vinho</a:t>
+            </a:r>
+            <a:r>
+              <a:rPr lang="en-US" sz="2000" dirty="0"/>
+              <a:t> Verde, which is a product from the northwest region of Portugal</a:t>
+            </a:r>
+          </a:p>
+          <a:p>
+            <a:r>
+              <a:rPr lang="en-US" sz="2000" dirty="0"/>
+              <a:t>For each of the wines in the dataset, 11 physiochemical measurements were taken on it</a:t>
+            </a:r>
+          </a:p>
+          <a:p>
+            <a:r>
+              <a:rPr lang="en-US" sz="2000" dirty="0"/>
+              <a:t>The response was initially measured as a quality rating where a 0 was considered very bad and a 10 was excellent </a:t>
+            </a:r>
+            <a:r>
+              <a:rPr lang="en-US" sz="2000" dirty="0">
+                <a:hlinkClick r:id="rId2" action="ppaction://hlinksldjump"/>
+              </a:rPr>
+              <a:t>Gupta [2018]. </a:t>
+            </a:r>
+            <a:endParaRPr lang="en-US" sz="2000" dirty="0"/>
+          </a:p>
+          <a:p>
+            <a:pPr lvl="1"/>
+            <a:r>
+              <a:rPr lang="en-US" sz="2000" dirty="0"/>
+              <a:t>Following </a:t>
+            </a:r>
+            <a:r>
+              <a:rPr lang="en-US" sz="2000" dirty="0">
+                <a:hlinkClick r:id="rId2" action="ppaction://hlinksldjump"/>
+              </a:rPr>
+              <a:t>Hu et al. [2016], </a:t>
+            </a:r>
+            <a:r>
+              <a:rPr lang="en-US" sz="2000" dirty="0"/>
+              <a:t>we separated the wine into three quality classes: Low Quality (≤ 4), Normal (5-7), and High quality (≥ 8)</a:t>
+            </a:r>
+          </a:p>
+        </p:txBody>
+      </p:sp>
+      <p:pic>
+        <p:nvPicPr>
+          <p:cNvPr id="8" name="Content Placeholder 7" descr="A diagram of a computer&#10;&#10;Description automatically generated with low confidence">
+            <a:extLst>
+              <a:ext uri="{FF2B5EF4-FFF2-40B4-BE49-F238E27FC236}">
+                <a16:creationId xmlns:a16="http://schemas.microsoft.com/office/drawing/2014/main" id="{5F100F8E-5E78-45F0-869F-56D6D7FA6424}"/>
+              </a:ext>
+            </a:extLst>
+          </p:cNvPr>
+          <p:cNvPicPr>
+            <a:picLocks noGrp="1" noChangeAspect="1"/>
+          </p:cNvPicPr>
+          <p:nvPr>
+            <p:ph sz="half" idx="2"/>
+          </p:nvPr>
+        </p:nvPicPr>
+        <p:blipFill rotWithShape="1">
+          <a:blip r:embed="rId3">
+            <a:extLst>
+              <a:ext uri="{28A0092B-C50C-407E-A947-70E740481C1C}">
+                <a14:useLocalDpi xmlns:a14="http://schemas.microsoft.com/office/drawing/2010/main" val="0"/>
+              </a:ext>
+            </a:extLst>
+          </a:blip>
+          <a:srcRect l="2592" t="2028" r="7424" b="2734"/>
+          <a:stretch/>
+        </p:blipFill>
+        <p:spPr>
+          <a:xfrm>
+            <a:off x="6058893" y="2450320"/>
+            <a:ext cx="6059644" cy="2941317"/>
+          </a:xfrm>
+          <a:prstGeom prst="rect">
+            <a:avLst/>
+          </a:prstGeom>
         </p:spPr>
       </p:pic>
     </p:spTree>
@@ -4999,9 +7931,17 @@
 </p:sld>
 </file>
 
-<file path=ppt/slides/slide4.xml><?xml version="1.0" encoding="utf-8"?>
+<file path=ppt/slides/slide5.xml><?xml version="1.0" encoding="utf-8"?>
 <p:sld xmlns:a="http://schemas.openxmlformats.org/drawingml/2006/main" xmlns:r="http://schemas.openxmlformats.org/officeDocument/2006/relationships" xmlns:p="http://schemas.openxmlformats.org/presentationml/2006/main">
   <p:cSld>
+    <p:bg>
+      <p:bgPr>
+        <a:solidFill>
+          <a:schemeClr val="bg1"/>
+        </a:solidFill>
+        <a:effectLst/>
+      </p:bgPr>
+    </p:bg>
     <p:spTree>
       <p:nvGrpSpPr>
         <p:cNvPr id="1" name=""/>
@@ -5016,12 +7956,72 @@
           <a:chExt cx="0" cy="0"/>
         </a:xfrm>
       </p:grpSpPr>
+      <p:sp useBgFill="1">
+        <p:nvSpPr>
+          <p:cNvPr id="15" name="Rectangle 7">
+            <a:extLst>
+              <a:ext uri="{FF2B5EF4-FFF2-40B4-BE49-F238E27FC236}">
+                <a16:creationId xmlns:a16="http://schemas.microsoft.com/office/drawing/2014/main" id="{100EDD19-6802-4EC3-95CE-CFFAB042CFD6}"/>
+              </a:ext>
+              <a:ext uri="{C183D7F6-B498-43B3-948B-1728B52AA6E4}">
+                <adec:decorative xmlns:adec="http://schemas.microsoft.com/office/drawing/2017/decorative" val="1"/>
+              </a:ext>
+            </a:extLst>
+          </p:cNvPr>
+          <p:cNvSpPr>
+            <a:spLocks noGrp="1" noRot="1" noChangeAspect="1" noMove="1" noResize="1" noEditPoints="1" noAdjustHandles="1" noChangeArrowheads="1" noChangeShapeType="1" noTextEdit="1"/>
+          </p:cNvSpPr>
+          <p:nvPr>
+            <p:extLst>
+              <p:ext uri="{386F3935-93C4-4BCD-93E2-E3B085C9AB24}">
+                <p16:designElem xmlns:p16="http://schemas.microsoft.com/office/powerpoint/2015/main" val="1"/>
+              </p:ext>
+            </p:extLst>
+          </p:nvPr>
+        </p:nvSpPr>
+        <p:spPr>
+          <a:xfrm>
+            <a:off x="0" y="0"/>
+            <a:ext cx="12188952" cy="6858000"/>
+          </a:xfrm>
+          <a:prstGeom prst="rect">
+            <a:avLst/>
+          </a:prstGeom>
+          <a:ln>
+            <a:noFill/>
+          </a:ln>
+        </p:spPr>
+        <p:style>
+          <a:lnRef idx="2">
+            <a:schemeClr val="accent1">
+              <a:shade val="50000"/>
+            </a:schemeClr>
+          </a:lnRef>
+          <a:fillRef idx="1">
+            <a:schemeClr val="accent1"/>
+          </a:fillRef>
+          <a:effectRef idx="0">
+            <a:schemeClr val="accent1"/>
+          </a:effectRef>
+          <a:fontRef idx="minor">
+            <a:schemeClr val="lt1"/>
+          </a:fontRef>
+        </p:style>
+        <p:txBody>
+          <a:bodyPr rtlCol="0" anchor="ctr"/>
+          <a:lstStyle/>
+          <a:p>
+            <a:pPr algn="ctr"/>
+            <a:endParaRPr lang="en-US"/>
+          </a:p>
+        </p:txBody>
+      </p:sp>
       <p:sp>
         <p:nvSpPr>
           <p:cNvPr id="2" name="Title 1">
             <a:extLst>
               <a:ext uri="{FF2B5EF4-FFF2-40B4-BE49-F238E27FC236}">
-                <a16:creationId xmlns:a16="http://schemas.microsoft.com/office/drawing/2014/main" id="{5732BCC7-82D5-423F-9704-69CCF2DEEF0A}"/>
+                <a16:creationId xmlns:a16="http://schemas.microsoft.com/office/drawing/2014/main" id="{CFEF8E2A-69F4-49FC-A538-64748356AC81}"/>
               </a:ext>
             </a:extLst>
           </p:cNvPr>
@@ -5032,149 +8032,660 @@
             <p:ph type="title"/>
           </p:nvPr>
         </p:nvSpPr>
-        <p:spPr/>
-        <p:txBody>
-          <a:bodyPr/>
-          <a:lstStyle/>
-          <a:p>
-            <a:r>
-              <a:rPr lang="en-US" dirty="0"/>
-              <a:t>Goals/Problem (Alison)</a:t>
-            </a:r>
-          </a:p>
-        </p:txBody>
-      </p:sp>
-      <p:sp>
-        <p:nvSpPr>
-          <p:cNvPr id="3" name="Content Placeholder 2">
-            <a:extLst>
-              <a:ext uri="{FF2B5EF4-FFF2-40B4-BE49-F238E27FC236}">
-                <a16:creationId xmlns:a16="http://schemas.microsoft.com/office/drawing/2014/main" id="{4B299CBA-9011-4FA0-AC76-4145A240B644}"/>
-              </a:ext>
-            </a:extLst>
-          </p:cNvPr>
-          <p:cNvSpPr>
-            <a:spLocks noGrp="1"/>
-          </p:cNvSpPr>
-          <p:nvPr>
-            <p:ph idx="1"/>
-          </p:nvPr>
-        </p:nvSpPr>
-        <p:spPr/>
+        <p:spPr>
+          <a:xfrm>
+            <a:off x="838200" y="365125"/>
+            <a:ext cx="10515600" cy="1325563"/>
+          </a:xfrm>
+        </p:spPr>
         <p:txBody>
           <a:bodyPr>
-            <a:normAutofit fontScale="85000" lnSpcReduction="20000"/>
+            <a:normAutofit/>
           </a:bodyPr>
           <a:lstStyle/>
           <a:p>
             <a:r>
-              <a:rPr lang="en-US" dirty="0"/>
-              <a:t>The goal of this paper, following Hu et al. [2016] is to train a model that would work well to classify wines into three categories, which are: low quality, normal quality and high quality.</a:t>
-            </a:r>
-          </a:p>
-          <a:p>
-            <a:r>
-              <a:rPr lang="en-US" dirty="0"/>
-              <a:t>We evaluated two classification techniques, </a:t>
-            </a:r>
-            <a:r>
-              <a:rPr lang="en-US" dirty="0" err="1"/>
-              <a:t>eXtreme</a:t>
-            </a:r>
-            <a:r>
-              <a:rPr lang="en-US" dirty="0"/>
-              <a:t> Gradient Boosting (</a:t>
-            </a:r>
-            <a:r>
-              <a:rPr lang="en-US" dirty="0" err="1"/>
-              <a:t>XGBoost</a:t>
-            </a:r>
-            <a:r>
-              <a:rPr lang="en-US" dirty="0"/>
-              <a:t>) and Random Forest</a:t>
-            </a:r>
-          </a:p>
-          <a:p>
-            <a:r>
-              <a:rPr lang="en-US" dirty="0"/>
-              <a:t>The quality categorization poses a challenge of working with imbalanced classes as there are many more normal quality wines than low or high quality wines [Figure 1].</a:t>
-            </a:r>
-          </a:p>
-          <a:p>
-            <a:r>
-              <a:rPr lang="en-US" dirty="0"/>
-              <a:t> To address this, we will evaluate different resampling techniques in order to determine if resampling improves performance and to identify which resampling method is best. </a:t>
-            </a:r>
-          </a:p>
-          <a:p>
-            <a:r>
-              <a:rPr lang="en-US" dirty="0"/>
-              <a:t>Accuracy of each classification model applied in conjunction with each resampling method was compared. </a:t>
-            </a:r>
-          </a:p>
-          <a:p>
-            <a:r>
-              <a:rPr lang="en-US" dirty="0"/>
-              <a:t>Initially, we first evaluated the classifier performance with no resampling</a:t>
-            </a:r>
-          </a:p>
-        </p:txBody>
-      </p:sp>
-    </p:spTree>
-    <p:extLst>
-      <p:ext uri="{BB962C8B-B14F-4D97-AF65-F5344CB8AC3E}">
-        <p14:creationId xmlns:p14="http://schemas.microsoft.com/office/powerpoint/2010/main" val="1939212565"/>
-      </p:ext>
-    </p:extLst>
-  </p:cSld>
-  <p:clrMapOvr>
-    <a:masterClrMapping/>
-  </p:clrMapOvr>
-</p:sld>
-</file>
-
-<file path=ppt/slides/slide5.xml><?xml version="1.0" encoding="utf-8"?>
-<p:sld xmlns:a="http://schemas.openxmlformats.org/drawingml/2006/main" xmlns:r="http://schemas.openxmlformats.org/officeDocument/2006/relationships" xmlns:p="http://schemas.openxmlformats.org/presentationml/2006/main">
-  <p:cSld>
-    <p:spTree>
-      <p:nvGrpSpPr>
-        <p:cNvPr id="1" name=""/>
-        <p:cNvGrpSpPr/>
-        <p:nvPr/>
-      </p:nvGrpSpPr>
-      <p:grpSpPr>
-        <a:xfrm>
-          <a:off x="0" y="0"/>
-          <a:ext cx="0" cy="0"/>
-          <a:chOff x="0" y="0"/>
-          <a:chExt cx="0" cy="0"/>
-        </a:xfrm>
-      </p:grpSpPr>
+              <a:rPr lang="en-US" sz="5400"/>
+              <a:t>Methodology: Resampling (Alison)</a:t>
+            </a:r>
+          </a:p>
+        </p:txBody>
+      </p:sp>
       <p:sp>
         <p:nvSpPr>
-          <p:cNvPr id="2" name="Title 1">
+          <p:cNvPr id="20" name="sketch line">
             <a:extLst>
               <a:ext uri="{FF2B5EF4-FFF2-40B4-BE49-F238E27FC236}">
-                <a16:creationId xmlns:a16="http://schemas.microsoft.com/office/drawing/2014/main" id="{CFEF8E2A-69F4-49FC-A538-64748356AC81}"/>
+                <a16:creationId xmlns:a16="http://schemas.microsoft.com/office/drawing/2014/main" id="{DB17E863-922E-4C26-BD64-E8FD41D28661}"/>
+              </a:ext>
+              <a:ext uri="{C183D7F6-B498-43B3-948B-1728B52AA6E4}">
+                <adec:decorative xmlns:adec="http://schemas.microsoft.com/office/drawing/2017/decorative" val="1"/>
               </a:ext>
             </a:extLst>
           </p:cNvPr>
           <p:cNvSpPr>
-            <a:spLocks noGrp="1"/>
-          </p:cNvSpPr>
-          <p:nvPr>
-            <p:ph type="title"/>
-          </p:nvPr>
-        </p:nvSpPr>
-        <p:spPr/>
-        <p:txBody>
-          <a:bodyPr/>
+            <a:spLocks noGrp="1" noRot="1" noChangeAspect="1" noMove="1" noResize="1" noEditPoints="1" noAdjustHandles="1" noChangeArrowheads="1" noChangeShapeType="1" noTextEdit="1"/>
+          </p:cNvSpPr>
+          <p:nvPr>
+            <p:extLst>
+              <p:ext uri="{386F3935-93C4-4BCD-93E2-E3B085C9AB24}">
+                <p16:designElem xmlns:p16="http://schemas.microsoft.com/office/powerpoint/2015/main" val="1"/>
+              </p:ext>
+            </p:extLst>
+          </p:nvPr>
+        </p:nvSpPr>
+        <p:spPr>
+          <a:xfrm>
+            <a:off x="669036" y="1677373"/>
+            <a:ext cx="10853928" cy="18288"/>
+          </a:xfrm>
+          <a:custGeom>
+            <a:avLst/>
+            <a:gdLst>
+              <a:gd name="connsiteX0" fmla="*/ 0 w 10853928"/>
+              <a:gd name="connsiteY0" fmla="*/ 0 h 18288"/>
+              <a:gd name="connsiteX1" fmla="*/ 461292 w 10853928"/>
+              <a:gd name="connsiteY1" fmla="*/ 0 h 18288"/>
+              <a:gd name="connsiteX2" fmla="*/ 1139662 w 10853928"/>
+              <a:gd name="connsiteY2" fmla="*/ 0 h 18288"/>
+              <a:gd name="connsiteX3" fmla="*/ 1926572 w 10853928"/>
+              <a:gd name="connsiteY3" fmla="*/ 0 h 18288"/>
+              <a:gd name="connsiteX4" fmla="*/ 2279325 w 10853928"/>
+              <a:gd name="connsiteY4" fmla="*/ 0 h 18288"/>
+              <a:gd name="connsiteX5" fmla="*/ 2632078 w 10853928"/>
+              <a:gd name="connsiteY5" fmla="*/ 0 h 18288"/>
+              <a:gd name="connsiteX6" fmla="*/ 3527527 w 10853928"/>
+              <a:gd name="connsiteY6" fmla="*/ 0 h 18288"/>
+              <a:gd name="connsiteX7" fmla="*/ 4205897 w 10853928"/>
+              <a:gd name="connsiteY7" fmla="*/ 0 h 18288"/>
+              <a:gd name="connsiteX8" fmla="*/ 4558650 w 10853928"/>
+              <a:gd name="connsiteY8" fmla="*/ 0 h 18288"/>
+              <a:gd name="connsiteX9" fmla="*/ 5237020 w 10853928"/>
+              <a:gd name="connsiteY9" fmla="*/ 0 h 18288"/>
+              <a:gd name="connsiteX10" fmla="*/ 6132469 w 10853928"/>
+              <a:gd name="connsiteY10" fmla="*/ 0 h 18288"/>
+              <a:gd name="connsiteX11" fmla="*/ 6702301 w 10853928"/>
+              <a:gd name="connsiteY11" fmla="*/ 0 h 18288"/>
+              <a:gd name="connsiteX12" fmla="*/ 7272132 w 10853928"/>
+              <a:gd name="connsiteY12" fmla="*/ 0 h 18288"/>
+              <a:gd name="connsiteX13" fmla="*/ 7950502 w 10853928"/>
+              <a:gd name="connsiteY13" fmla="*/ 0 h 18288"/>
+              <a:gd name="connsiteX14" fmla="*/ 8737412 w 10853928"/>
+              <a:gd name="connsiteY14" fmla="*/ 0 h 18288"/>
+              <a:gd name="connsiteX15" fmla="*/ 9524322 w 10853928"/>
+              <a:gd name="connsiteY15" fmla="*/ 0 h 18288"/>
+              <a:gd name="connsiteX16" fmla="*/ 10853928 w 10853928"/>
+              <a:gd name="connsiteY16" fmla="*/ 0 h 18288"/>
+              <a:gd name="connsiteX17" fmla="*/ 10853928 w 10853928"/>
+              <a:gd name="connsiteY17" fmla="*/ 18288 h 18288"/>
+              <a:gd name="connsiteX18" fmla="*/ 10392636 w 10853928"/>
+              <a:gd name="connsiteY18" fmla="*/ 18288 h 18288"/>
+              <a:gd name="connsiteX19" fmla="*/ 9497187 w 10853928"/>
+              <a:gd name="connsiteY19" fmla="*/ 18288 h 18288"/>
+              <a:gd name="connsiteX20" fmla="*/ 8818817 w 10853928"/>
+              <a:gd name="connsiteY20" fmla="*/ 18288 h 18288"/>
+              <a:gd name="connsiteX21" fmla="*/ 8466064 w 10853928"/>
+              <a:gd name="connsiteY21" fmla="*/ 18288 h 18288"/>
+              <a:gd name="connsiteX22" fmla="*/ 7787693 w 10853928"/>
+              <a:gd name="connsiteY22" fmla="*/ 18288 h 18288"/>
+              <a:gd name="connsiteX23" fmla="*/ 7217862 w 10853928"/>
+              <a:gd name="connsiteY23" fmla="*/ 18288 h 18288"/>
+              <a:gd name="connsiteX24" fmla="*/ 6648031 w 10853928"/>
+              <a:gd name="connsiteY24" fmla="*/ 18288 h 18288"/>
+              <a:gd name="connsiteX25" fmla="*/ 6078200 w 10853928"/>
+              <a:gd name="connsiteY25" fmla="*/ 18288 h 18288"/>
+              <a:gd name="connsiteX26" fmla="*/ 5508368 w 10853928"/>
+              <a:gd name="connsiteY26" fmla="*/ 18288 h 18288"/>
+              <a:gd name="connsiteX27" fmla="*/ 4721459 w 10853928"/>
+              <a:gd name="connsiteY27" fmla="*/ 18288 h 18288"/>
+              <a:gd name="connsiteX28" fmla="*/ 4043088 w 10853928"/>
+              <a:gd name="connsiteY28" fmla="*/ 18288 h 18288"/>
+              <a:gd name="connsiteX29" fmla="*/ 3690336 w 10853928"/>
+              <a:gd name="connsiteY29" fmla="*/ 18288 h 18288"/>
+              <a:gd name="connsiteX30" fmla="*/ 3120504 w 10853928"/>
+              <a:gd name="connsiteY30" fmla="*/ 18288 h 18288"/>
+              <a:gd name="connsiteX31" fmla="*/ 2333595 w 10853928"/>
+              <a:gd name="connsiteY31" fmla="*/ 18288 h 18288"/>
+              <a:gd name="connsiteX32" fmla="*/ 1872303 w 10853928"/>
+              <a:gd name="connsiteY32" fmla="*/ 18288 h 18288"/>
+              <a:gd name="connsiteX33" fmla="*/ 976854 w 10853928"/>
+              <a:gd name="connsiteY33" fmla="*/ 18288 h 18288"/>
+              <a:gd name="connsiteX34" fmla="*/ 0 w 10853928"/>
+              <a:gd name="connsiteY34" fmla="*/ 18288 h 18288"/>
+              <a:gd name="connsiteX35" fmla="*/ 0 w 10853928"/>
+              <a:gd name="connsiteY35" fmla="*/ 0 h 18288"/>
+            </a:gdLst>
+            <a:ahLst/>
+            <a:cxnLst>
+              <a:cxn ang="0">
+                <a:pos x="connsiteX0" y="connsiteY0"/>
+              </a:cxn>
+              <a:cxn ang="0">
+                <a:pos x="connsiteX1" y="connsiteY1"/>
+              </a:cxn>
+              <a:cxn ang="0">
+                <a:pos x="connsiteX2" y="connsiteY2"/>
+              </a:cxn>
+              <a:cxn ang="0">
+                <a:pos x="connsiteX3" y="connsiteY3"/>
+              </a:cxn>
+              <a:cxn ang="0">
+                <a:pos x="connsiteX4" y="connsiteY4"/>
+              </a:cxn>
+              <a:cxn ang="0">
+                <a:pos x="connsiteX5" y="connsiteY5"/>
+              </a:cxn>
+              <a:cxn ang="0">
+                <a:pos x="connsiteX6" y="connsiteY6"/>
+              </a:cxn>
+              <a:cxn ang="0">
+                <a:pos x="connsiteX7" y="connsiteY7"/>
+              </a:cxn>
+              <a:cxn ang="0">
+                <a:pos x="connsiteX8" y="connsiteY8"/>
+              </a:cxn>
+              <a:cxn ang="0">
+                <a:pos x="connsiteX9" y="connsiteY9"/>
+              </a:cxn>
+              <a:cxn ang="0">
+                <a:pos x="connsiteX10" y="connsiteY10"/>
+              </a:cxn>
+              <a:cxn ang="0">
+                <a:pos x="connsiteX11" y="connsiteY11"/>
+              </a:cxn>
+              <a:cxn ang="0">
+                <a:pos x="connsiteX12" y="connsiteY12"/>
+              </a:cxn>
+              <a:cxn ang="0">
+                <a:pos x="connsiteX13" y="connsiteY13"/>
+              </a:cxn>
+              <a:cxn ang="0">
+                <a:pos x="connsiteX14" y="connsiteY14"/>
+              </a:cxn>
+              <a:cxn ang="0">
+                <a:pos x="connsiteX15" y="connsiteY15"/>
+              </a:cxn>
+              <a:cxn ang="0">
+                <a:pos x="connsiteX16" y="connsiteY16"/>
+              </a:cxn>
+              <a:cxn ang="0">
+                <a:pos x="connsiteX17" y="connsiteY17"/>
+              </a:cxn>
+              <a:cxn ang="0">
+                <a:pos x="connsiteX18" y="connsiteY18"/>
+              </a:cxn>
+              <a:cxn ang="0">
+                <a:pos x="connsiteX19" y="connsiteY19"/>
+              </a:cxn>
+              <a:cxn ang="0">
+                <a:pos x="connsiteX20" y="connsiteY20"/>
+              </a:cxn>
+              <a:cxn ang="0">
+                <a:pos x="connsiteX21" y="connsiteY21"/>
+              </a:cxn>
+              <a:cxn ang="0">
+                <a:pos x="connsiteX22" y="connsiteY22"/>
+              </a:cxn>
+              <a:cxn ang="0">
+                <a:pos x="connsiteX23" y="connsiteY23"/>
+              </a:cxn>
+              <a:cxn ang="0">
+                <a:pos x="connsiteX24" y="connsiteY24"/>
+              </a:cxn>
+              <a:cxn ang="0">
+                <a:pos x="connsiteX25" y="connsiteY25"/>
+              </a:cxn>
+              <a:cxn ang="0">
+                <a:pos x="connsiteX26" y="connsiteY26"/>
+              </a:cxn>
+              <a:cxn ang="0">
+                <a:pos x="connsiteX27" y="connsiteY27"/>
+              </a:cxn>
+              <a:cxn ang="0">
+                <a:pos x="connsiteX28" y="connsiteY28"/>
+              </a:cxn>
+              <a:cxn ang="0">
+                <a:pos x="connsiteX29" y="connsiteY29"/>
+              </a:cxn>
+              <a:cxn ang="0">
+                <a:pos x="connsiteX30" y="connsiteY30"/>
+              </a:cxn>
+              <a:cxn ang="0">
+                <a:pos x="connsiteX31" y="connsiteY31"/>
+              </a:cxn>
+              <a:cxn ang="0">
+                <a:pos x="connsiteX32" y="connsiteY32"/>
+              </a:cxn>
+              <a:cxn ang="0">
+                <a:pos x="connsiteX33" y="connsiteY33"/>
+              </a:cxn>
+              <a:cxn ang="0">
+                <a:pos x="connsiteX34" y="connsiteY34"/>
+              </a:cxn>
+              <a:cxn ang="0">
+                <a:pos x="connsiteX35" y="connsiteY35"/>
+              </a:cxn>
+            </a:cxnLst>
+            <a:rect l="l" t="t" r="r" b="b"/>
+            <a:pathLst>
+              <a:path w="10853928" h="18288" fill="none" extrusionOk="0">
+                <a:moveTo>
+                  <a:pt x="0" y="0"/>
+                </a:moveTo>
+                <a:cubicBezTo>
+                  <a:pt x="146993" y="-19076"/>
+                  <a:pt x="347684" y="-4790"/>
+                  <a:pt x="461292" y="0"/>
+                </a:cubicBezTo>
+                <a:cubicBezTo>
+                  <a:pt x="574900" y="4790"/>
+                  <a:pt x="808367" y="19821"/>
+                  <a:pt x="1139662" y="0"/>
+                </a:cubicBezTo>
+                <a:cubicBezTo>
+                  <a:pt x="1470957" y="-19821"/>
+                  <a:pt x="1627405" y="5721"/>
+                  <a:pt x="1926572" y="0"/>
+                </a:cubicBezTo>
+                <a:cubicBezTo>
+                  <a:pt x="2225739" y="-5721"/>
+                  <a:pt x="2137730" y="-3235"/>
+                  <a:pt x="2279325" y="0"/>
+                </a:cubicBezTo>
+                <a:cubicBezTo>
+                  <a:pt x="2420920" y="3235"/>
+                  <a:pt x="2456518" y="9685"/>
+                  <a:pt x="2632078" y="0"/>
+                </a:cubicBezTo>
+                <a:cubicBezTo>
+                  <a:pt x="2807638" y="-9685"/>
+                  <a:pt x="3211516" y="-43007"/>
+                  <a:pt x="3527527" y="0"/>
+                </a:cubicBezTo>
+                <a:cubicBezTo>
+                  <a:pt x="3843538" y="43007"/>
+                  <a:pt x="4058833" y="22042"/>
+                  <a:pt x="4205897" y="0"/>
+                </a:cubicBezTo>
+                <a:cubicBezTo>
+                  <a:pt x="4352961" y="-22042"/>
+                  <a:pt x="4474805" y="-11846"/>
+                  <a:pt x="4558650" y="0"/>
+                </a:cubicBezTo>
+                <a:cubicBezTo>
+                  <a:pt x="4642495" y="11846"/>
+                  <a:pt x="5041928" y="-6069"/>
+                  <a:pt x="5237020" y="0"/>
+                </a:cubicBezTo>
+                <a:cubicBezTo>
+                  <a:pt x="5432112" y="6069"/>
+                  <a:pt x="5943266" y="-17479"/>
+                  <a:pt x="6132469" y="0"/>
+                </a:cubicBezTo>
+                <a:cubicBezTo>
+                  <a:pt x="6321672" y="17479"/>
+                  <a:pt x="6483872" y="26234"/>
+                  <a:pt x="6702301" y="0"/>
+                </a:cubicBezTo>
+                <a:cubicBezTo>
+                  <a:pt x="6920730" y="-26234"/>
+                  <a:pt x="6991194" y="-15156"/>
+                  <a:pt x="7272132" y="0"/>
+                </a:cubicBezTo>
+                <a:cubicBezTo>
+                  <a:pt x="7553070" y="15156"/>
+                  <a:pt x="7684444" y="-32961"/>
+                  <a:pt x="7950502" y="0"/>
+                </a:cubicBezTo>
+                <a:cubicBezTo>
+                  <a:pt x="8216560" y="32961"/>
+                  <a:pt x="8493290" y="-10491"/>
+                  <a:pt x="8737412" y="0"/>
+                </a:cubicBezTo>
+                <a:cubicBezTo>
+                  <a:pt x="8981534" y="10491"/>
+                  <a:pt x="9191586" y="-13899"/>
+                  <a:pt x="9524322" y="0"/>
+                </a:cubicBezTo>
+                <a:cubicBezTo>
+                  <a:pt x="9857058" y="13899"/>
+                  <a:pt x="10297509" y="7485"/>
+                  <a:pt x="10853928" y="0"/>
+                </a:cubicBezTo>
+                <a:cubicBezTo>
+                  <a:pt x="10854574" y="4451"/>
+                  <a:pt x="10854418" y="9226"/>
+                  <a:pt x="10853928" y="18288"/>
+                </a:cubicBezTo>
+                <a:cubicBezTo>
+                  <a:pt x="10691638" y="28522"/>
+                  <a:pt x="10574319" y="29578"/>
+                  <a:pt x="10392636" y="18288"/>
+                </a:cubicBezTo>
+                <a:cubicBezTo>
+                  <a:pt x="10210953" y="6998"/>
+                  <a:pt x="9836277" y="-16742"/>
+                  <a:pt x="9497187" y="18288"/>
+                </a:cubicBezTo>
+                <a:cubicBezTo>
+                  <a:pt x="9158097" y="53318"/>
+                  <a:pt x="9119479" y="30714"/>
+                  <a:pt x="8818817" y="18288"/>
+                </a:cubicBezTo>
+                <a:cubicBezTo>
+                  <a:pt x="8518155" y="5863"/>
+                  <a:pt x="8640037" y="6483"/>
+                  <a:pt x="8466064" y="18288"/>
+                </a:cubicBezTo>
+                <a:cubicBezTo>
+                  <a:pt x="8292091" y="30093"/>
+                  <a:pt x="7997656" y="18914"/>
+                  <a:pt x="7787693" y="18288"/>
+                </a:cubicBezTo>
+                <a:cubicBezTo>
+                  <a:pt x="7577730" y="17662"/>
+                  <a:pt x="7412468" y="21416"/>
+                  <a:pt x="7217862" y="18288"/>
+                </a:cubicBezTo>
+                <a:cubicBezTo>
+                  <a:pt x="7023256" y="15160"/>
+                  <a:pt x="6898018" y="14824"/>
+                  <a:pt x="6648031" y="18288"/>
+                </a:cubicBezTo>
+                <a:cubicBezTo>
+                  <a:pt x="6398044" y="21752"/>
+                  <a:pt x="6254402" y="38625"/>
+                  <a:pt x="6078200" y="18288"/>
+                </a:cubicBezTo>
+                <a:cubicBezTo>
+                  <a:pt x="5901998" y="-2049"/>
+                  <a:pt x="5622886" y="3213"/>
+                  <a:pt x="5508368" y="18288"/>
+                </a:cubicBezTo>
+                <a:cubicBezTo>
+                  <a:pt x="5393850" y="33363"/>
+                  <a:pt x="5036260" y="26830"/>
+                  <a:pt x="4721459" y="18288"/>
+                </a:cubicBezTo>
+                <a:cubicBezTo>
+                  <a:pt x="4406658" y="9746"/>
+                  <a:pt x="4239221" y="41551"/>
+                  <a:pt x="4043088" y="18288"/>
+                </a:cubicBezTo>
+                <a:cubicBezTo>
+                  <a:pt x="3846955" y="-4975"/>
+                  <a:pt x="3818802" y="34658"/>
+                  <a:pt x="3690336" y="18288"/>
+                </a:cubicBezTo>
+                <a:cubicBezTo>
+                  <a:pt x="3561870" y="1918"/>
+                  <a:pt x="3265491" y="42194"/>
+                  <a:pt x="3120504" y="18288"/>
+                </a:cubicBezTo>
+                <a:cubicBezTo>
+                  <a:pt x="2975517" y="-5618"/>
+                  <a:pt x="2720254" y="36673"/>
+                  <a:pt x="2333595" y="18288"/>
+                </a:cubicBezTo>
+                <a:cubicBezTo>
+                  <a:pt x="1946936" y="-97"/>
+                  <a:pt x="2097241" y="5776"/>
+                  <a:pt x="1872303" y="18288"/>
+                </a:cubicBezTo>
+                <a:cubicBezTo>
+                  <a:pt x="1647365" y="30800"/>
+                  <a:pt x="1282708" y="45380"/>
+                  <a:pt x="976854" y="18288"/>
+                </a:cubicBezTo>
+                <a:cubicBezTo>
+                  <a:pt x="671000" y="-8804"/>
+                  <a:pt x="408401" y="-12775"/>
+                  <a:pt x="0" y="18288"/>
+                </a:cubicBezTo>
+                <a:cubicBezTo>
+                  <a:pt x="-213" y="9468"/>
+                  <a:pt x="187" y="4459"/>
+                  <a:pt x="0" y="0"/>
+                </a:cubicBezTo>
+                <a:close/>
+              </a:path>
+              <a:path w="10853928" h="18288" stroke="0" extrusionOk="0">
+                <a:moveTo>
+                  <a:pt x="0" y="0"/>
+                </a:moveTo>
+                <a:cubicBezTo>
+                  <a:pt x="267322" y="15284"/>
+                  <a:pt x="415388" y="-21048"/>
+                  <a:pt x="569831" y="0"/>
+                </a:cubicBezTo>
+                <a:cubicBezTo>
+                  <a:pt x="724274" y="21048"/>
+                  <a:pt x="769333" y="-2353"/>
+                  <a:pt x="922584" y="0"/>
+                </a:cubicBezTo>
+                <a:cubicBezTo>
+                  <a:pt x="1075835" y="2353"/>
+                  <a:pt x="1399490" y="-145"/>
+                  <a:pt x="1818033" y="0"/>
+                </a:cubicBezTo>
+                <a:cubicBezTo>
+                  <a:pt x="2236576" y="145"/>
+                  <a:pt x="2145330" y="5482"/>
+                  <a:pt x="2387864" y="0"/>
+                </a:cubicBezTo>
+                <a:cubicBezTo>
+                  <a:pt x="2630398" y="-5482"/>
+                  <a:pt x="2793207" y="18487"/>
+                  <a:pt x="2957695" y="0"/>
+                </a:cubicBezTo>
+                <a:cubicBezTo>
+                  <a:pt x="3122183" y="-18487"/>
+                  <a:pt x="3579141" y="19003"/>
+                  <a:pt x="3853144" y="0"/>
+                </a:cubicBezTo>
+                <a:cubicBezTo>
+                  <a:pt x="4127147" y="-19003"/>
+                  <a:pt x="4209857" y="12211"/>
+                  <a:pt x="4314436" y="0"/>
+                </a:cubicBezTo>
+                <a:cubicBezTo>
+                  <a:pt x="4419015" y="-12211"/>
+                  <a:pt x="4762459" y="-17220"/>
+                  <a:pt x="5209885" y="0"/>
+                </a:cubicBezTo>
+                <a:cubicBezTo>
+                  <a:pt x="5657311" y="17220"/>
+                  <a:pt x="5692663" y="-3290"/>
+                  <a:pt x="6105335" y="0"/>
+                </a:cubicBezTo>
+                <a:cubicBezTo>
+                  <a:pt x="6518007" y="3290"/>
+                  <a:pt x="6455516" y="-5124"/>
+                  <a:pt x="6783705" y="0"/>
+                </a:cubicBezTo>
+                <a:cubicBezTo>
+                  <a:pt x="7111894" y="5124"/>
+                  <a:pt x="7441941" y="-17829"/>
+                  <a:pt x="7679154" y="0"/>
+                </a:cubicBezTo>
+                <a:cubicBezTo>
+                  <a:pt x="7916367" y="17829"/>
+                  <a:pt x="8102967" y="-24363"/>
+                  <a:pt x="8248985" y="0"/>
+                </a:cubicBezTo>
+                <a:cubicBezTo>
+                  <a:pt x="8395003" y="24363"/>
+                  <a:pt x="8552393" y="25505"/>
+                  <a:pt x="8818817" y="0"/>
+                </a:cubicBezTo>
+                <a:cubicBezTo>
+                  <a:pt x="9085241" y="-25505"/>
+                  <a:pt x="9411308" y="38000"/>
+                  <a:pt x="9605726" y="0"/>
+                </a:cubicBezTo>
+                <a:cubicBezTo>
+                  <a:pt x="9800144" y="-38000"/>
+                  <a:pt x="10006468" y="-25741"/>
+                  <a:pt x="10175558" y="0"/>
+                </a:cubicBezTo>
+                <a:cubicBezTo>
+                  <a:pt x="10344648" y="25741"/>
+                  <a:pt x="10696282" y="695"/>
+                  <a:pt x="10853928" y="0"/>
+                </a:cubicBezTo>
+                <a:cubicBezTo>
+                  <a:pt x="10853521" y="8690"/>
+                  <a:pt x="10853774" y="14141"/>
+                  <a:pt x="10853928" y="18288"/>
+                </a:cubicBezTo>
+                <a:cubicBezTo>
+                  <a:pt x="10608124" y="24255"/>
+                  <a:pt x="10343415" y="22307"/>
+                  <a:pt x="10067018" y="18288"/>
+                </a:cubicBezTo>
+                <a:cubicBezTo>
+                  <a:pt x="9790621" y="14270"/>
+                  <a:pt x="9843266" y="3564"/>
+                  <a:pt x="9714266" y="18288"/>
+                </a:cubicBezTo>
+                <a:cubicBezTo>
+                  <a:pt x="9585266" y="33012"/>
+                  <a:pt x="9379484" y="1875"/>
+                  <a:pt x="9252974" y="18288"/>
+                </a:cubicBezTo>
+                <a:cubicBezTo>
+                  <a:pt x="9126464" y="34701"/>
+                  <a:pt x="8580678" y="-4904"/>
+                  <a:pt x="8357525" y="18288"/>
+                </a:cubicBezTo>
+                <a:cubicBezTo>
+                  <a:pt x="8134372" y="41480"/>
+                  <a:pt x="7903199" y="26458"/>
+                  <a:pt x="7679154" y="18288"/>
+                </a:cubicBezTo>
+                <a:cubicBezTo>
+                  <a:pt x="7455109" y="10118"/>
+                  <a:pt x="7435944" y="27109"/>
+                  <a:pt x="7217862" y="18288"/>
+                </a:cubicBezTo>
+                <a:cubicBezTo>
+                  <a:pt x="6999780" y="9467"/>
+                  <a:pt x="6680409" y="18985"/>
+                  <a:pt x="6539492" y="18288"/>
+                </a:cubicBezTo>
+                <a:cubicBezTo>
+                  <a:pt x="6398575" y="17592"/>
+                  <a:pt x="6312077" y="33018"/>
+                  <a:pt x="6186739" y="18288"/>
+                </a:cubicBezTo>
+                <a:cubicBezTo>
+                  <a:pt x="6061401" y="3558"/>
+                  <a:pt x="5947033" y="12075"/>
+                  <a:pt x="5833986" y="18288"/>
+                </a:cubicBezTo>
+                <a:cubicBezTo>
+                  <a:pt x="5720939" y="24501"/>
+                  <a:pt x="5482226" y="8586"/>
+                  <a:pt x="5155616" y="18288"/>
+                </a:cubicBezTo>
+                <a:cubicBezTo>
+                  <a:pt x="4829006" y="27991"/>
+                  <a:pt x="4841274" y="29316"/>
+                  <a:pt x="4694324" y="18288"/>
+                </a:cubicBezTo>
+                <a:cubicBezTo>
+                  <a:pt x="4547374" y="7260"/>
+                  <a:pt x="4077675" y="7013"/>
+                  <a:pt x="3907414" y="18288"/>
+                </a:cubicBezTo>
+                <a:cubicBezTo>
+                  <a:pt x="3737153" y="29564"/>
+                  <a:pt x="3538393" y="21630"/>
+                  <a:pt x="3446122" y="18288"/>
+                </a:cubicBezTo>
+                <a:cubicBezTo>
+                  <a:pt x="3353851" y="14946"/>
+                  <a:pt x="2990320" y="-8091"/>
+                  <a:pt x="2659212" y="18288"/>
+                </a:cubicBezTo>
+                <a:cubicBezTo>
+                  <a:pt x="2328104" y="44667"/>
+                  <a:pt x="2427653" y="9607"/>
+                  <a:pt x="2306460" y="18288"/>
+                </a:cubicBezTo>
+                <a:cubicBezTo>
+                  <a:pt x="2185267" y="26969"/>
+                  <a:pt x="1719763" y="3717"/>
+                  <a:pt x="1519550" y="18288"/>
+                </a:cubicBezTo>
+                <a:cubicBezTo>
+                  <a:pt x="1319337" y="32860"/>
+                  <a:pt x="1167371" y="17040"/>
+                  <a:pt x="1058258" y="18288"/>
+                </a:cubicBezTo>
+                <a:cubicBezTo>
+                  <a:pt x="949145" y="19536"/>
+                  <a:pt x="780234" y="31447"/>
+                  <a:pt x="705505" y="18288"/>
+                </a:cubicBezTo>
+                <a:cubicBezTo>
+                  <a:pt x="630776" y="5129"/>
+                  <a:pt x="215796" y="30056"/>
+                  <a:pt x="0" y="18288"/>
+                </a:cubicBezTo>
+                <a:cubicBezTo>
+                  <a:pt x="-53" y="11301"/>
+                  <a:pt x="-649" y="7756"/>
+                  <a:pt x="0" y="0"/>
+                </a:cubicBezTo>
+                <a:close/>
+              </a:path>
+            </a:pathLst>
+          </a:custGeom>
+          <a:solidFill>
+            <a:schemeClr val="accent2"/>
+          </a:solidFill>
+          <a:ln w="41275" cap="rnd">
+            <a:solidFill>
+              <a:schemeClr val="accent2"/>
+            </a:solidFill>
+            <a:round/>
+            <a:extLst>
+              <a:ext uri="{C807C97D-BFC1-408E-A445-0C87EB9F89A2}">
+                <ask:lineSketchStyleProps xmlns:ask="http://schemas.microsoft.com/office/drawing/2018/sketchyshapes" sd="1219033472">
+                  <a:prstGeom prst="rect">
+                    <a:avLst/>
+                  </a:prstGeom>
+                  <ask:type>
+                    <ask:lineSketchFreehand/>
+                  </ask:type>
+                </ask:lineSketchStyleProps>
+              </a:ext>
+            </a:extLst>
+          </a:ln>
+        </p:spPr>
+        <p:style>
+          <a:lnRef idx="2">
+            <a:schemeClr val="accent1">
+              <a:shade val="50000"/>
+            </a:schemeClr>
+          </a:lnRef>
+          <a:fillRef idx="1">
+            <a:schemeClr val="accent1"/>
+          </a:fillRef>
+          <a:effectRef idx="0">
+            <a:schemeClr val="accent1"/>
+          </a:effectRef>
+          <a:fontRef idx="minor">
+            <a:schemeClr val="lt1"/>
+          </a:fontRef>
+        </p:style>
+        <p:txBody>
+          <a:bodyPr rtlCol="0" anchor="ctr"/>
           <a:lstStyle/>
           <a:p>
-            <a:r>
-              <a:rPr lang="en-US" dirty="0"/>
-              <a:t>Methodology: Resampling (Alison)</a:t>
-            </a:r>
+            <a:pPr algn="ctr"/>
+            <a:endParaRPr lang="en-US"/>
           </a:p>
         </p:txBody>
       </p:sp>
@@ -5194,62 +8705,82 @@
             <p:ph idx="1"/>
           </p:nvPr>
         </p:nvSpPr>
-        <p:spPr/>
+        <p:spPr>
+          <a:xfrm>
+            <a:off x="838200" y="1929384"/>
+            <a:ext cx="10515600" cy="4251960"/>
+          </a:xfrm>
+        </p:spPr>
         <p:txBody>
           <a:bodyPr>
-            <a:normAutofit fontScale="62500" lnSpcReduction="20000"/>
+            <a:normAutofit/>
           </a:bodyPr>
           <a:lstStyle/>
           <a:p>
             <a:r>
-              <a:rPr lang="en-US" dirty="0"/>
-              <a:t>Typical classifier algorithms assume a relatively balanced distribution across the classes, so with imbalanced data there tends to be bias towards the majority class [Sun et al., 2009]</a:t>
-            </a:r>
-          </a:p>
-          <a:p>
-            <a:r>
-              <a:rPr lang="en-US" dirty="0"/>
-              <a:t>Due to this imbalanced nature in the data, classifying algorithms will be biased towards classifying wines as “Normal,” causing poor predictions for the “Low” and “High” quality classes.</a:t>
-            </a:r>
-          </a:p>
-          <a:p>
-            <a:r>
-              <a:rPr lang="en-US" dirty="0"/>
-              <a:t>A method on how to lower the effects on working with an imbalanced data set is through resampling the original data set either by either oversampling the majority class, or undersampling the minority class. The goal with these methods is to create a data set that has close to a balanced class distribution, so the classifying algorithms will have better predictions due to being able to predict to the minority class more accurately [</a:t>
-            </a:r>
-            <a:r>
-              <a:rPr lang="en-US" dirty="0" err="1"/>
-              <a:t>Hoens</a:t>
-            </a:r>
-            <a:r>
-              <a:rPr lang="en-US" dirty="0"/>
-              <a:t> and Chawla, 2013].</a:t>
-            </a:r>
-          </a:p>
-          <a:p>
-            <a:r>
-              <a:rPr lang="en-US" dirty="0"/>
-              <a:t>We initially evaluated the classifier performance with the original imbalanced data set (without resampling), and hypothesized that it would be associated with low performance, however, we felt it provided an appropriate baseline</a:t>
-            </a:r>
-          </a:p>
-          <a:p>
-            <a:r>
-              <a:rPr lang="en-US" dirty="0"/>
-              <a:t>The undersampling method that we considered is random undersampling. In this method, instances of the majority class are discarded at random until reaches balanced with the minority class [</a:t>
-            </a:r>
-            <a:r>
-              <a:rPr lang="en-US" dirty="0" err="1"/>
-              <a:t>Hoens</a:t>
-            </a:r>
-            <a:r>
-              <a:rPr lang="en-US" dirty="0"/>
-              <a:t> and Chawla, 2013].</a:t>
-            </a:r>
-          </a:p>
-          <a:p>
-            <a:r>
-              <a:rPr lang="en-US" dirty="0"/>
-              <a:t>Next, we handled imbalanced data through resampling the original data set by oversampling the majority class using the SMOTE method, which is a technique that uses interpolation of the minority class to create synthetic data</a:t>
+              <a:rPr lang="en-US" sz="2200" dirty="0"/>
+              <a:t>Typical classifier algorithms assume a relatively balanced distribution across the classes, </a:t>
+            </a:r>
+          </a:p>
+          <a:p>
+            <a:pPr lvl="1"/>
+            <a:r>
+              <a:rPr lang="en-US" sz="2200" dirty="0"/>
+              <a:t>So, with imbalanced data there tends to be bias towards the majority class </a:t>
+            </a:r>
+            <a:r>
+              <a:rPr lang="en-US" sz="2200" dirty="0">
+                <a:hlinkClick r:id="rId3" action="ppaction://hlinksldjump"/>
+              </a:rPr>
+              <a:t>[Sun et al., 2009]</a:t>
+            </a:r>
+            <a:endParaRPr lang="en-US" sz="2200" dirty="0"/>
+          </a:p>
+          <a:p>
+            <a:r>
+              <a:rPr lang="en-US" sz="2200" dirty="0"/>
+              <a:t>A method on how to lower the effects on working with an imbalanced data set is through resampling the original data set, by either</a:t>
+            </a:r>
+          </a:p>
+          <a:p>
+            <a:pPr lvl="1"/>
+            <a:r>
+              <a:rPr lang="en-US" sz="2200" dirty="0"/>
+              <a:t>Oversampling the minority class</a:t>
+            </a:r>
+          </a:p>
+          <a:p>
+            <a:pPr lvl="1"/>
+            <a:r>
+              <a:rPr lang="en-US" sz="2200" dirty="0"/>
+              <a:t>Undersampling the majority class</a:t>
+            </a:r>
+          </a:p>
+          <a:p>
+            <a:r>
+              <a:rPr lang="en-US" sz="2200" dirty="0"/>
+              <a:t>Our methods:</a:t>
+            </a:r>
+          </a:p>
+          <a:p>
+            <a:pPr lvl="1"/>
+            <a:r>
+              <a:rPr lang="en-US" sz="2200" dirty="0"/>
+              <a:t>Original imbalanced data set to provide a baseline</a:t>
+            </a:r>
+          </a:p>
+          <a:p>
+            <a:pPr lvl="1"/>
+            <a:r>
+              <a:rPr lang="en-US" sz="2200" dirty="0"/>
+              <a:t>Random Undersampling</a:t>
+            </a:r>
+          </a:p>
+          <a:p>
+            <a:pPr lvl="1"/>
+            <a:r>
+              <a:rPr lang="en-US" sz="2200" dirty="0"/>
+              <a:t>SMOTE (Synthetic Minority Oversampling Technique</a:t>
             </a:r>
           </a:p>
         </p:txBody>
@@ -5270,6 +8801,14 @@
 <file path=ppt/slides/slide6.xml><?xml version="1.0" encoding="utf-8"?>
 <p:sld xmlns:a="http://schemas.openxmlformats.org/drawingml/2006/main" xmlns:r="http://schemas.openxmlformats.org/officeDocument/2006/relationships" xmlns:p="http://schemas.openxmlformats.org/presentationml/2006/main">
   <p:cSld>
+    <p:bg>
+      <p:bgPr>
+        <a:solidFill>
+          <a:schemeClr val="bg1"/>
+        </a:solidFill>
+        <a:effectLst/>
+      </p:bgPr>
+    </p:bg>
     <p:spTree>
       <p:nvGrpSpPr>
         <p:cNvPr id="1" name=""/>
@@ -5284,6 +8823,66 @@
           <a:chExt cx="0" cy="0"/>
         </a:xfrm>
       </p:grpSpPr>
+      <p:sp useBgFill="1">
+        <p:nvSpPr>
+          <p:cNvPr id="8" name="Rectangle 7">
+            <a:extLst>
+              <a:ext uri="{FF2B5EF4-FFF2-40B4-BE49-F238E27FC236}">
+                <a16:creationId xmlns:a16="http://schemas.microsoft.com/office/drawing/2014/main" id="{100EDD19-6802-4EC3-95CE-CFFAB042CFD6}"/>
+              </a:ext>
+              <a:ext uri="{C183D7F6-B498-43B3-948B-1728B52AA6E4}">
+                <adec:decorative xmlns:adec="http://schemas.microsoft.com/office/drawing/2017/decorative" val="1"/>
+              </a:ext>
+            </a:extLst>
+          </p:cNvPr>
+          <p:cNvSpPr>
+            <a:spLocks noGrp="1" noRot="1" noChangeAspect="1" noMove="1" noResize="1" noEditPoints="1" noAdjustHandles="1" noChangeArrowheads="1" noChangeShapeType="1" noTextEdit="1"/>
+          </p:cNvSpPr>
+          <p:nvPr>
+            <p:extLst>
+              <p:ext uri="{386F3935-93C4-4BCD-93E2-E3B085C9AB24}">
+                <p16:designElem xmlns:p16="http://schemas.microsoft.com/office/powerpoint/2015/main" val="1"/>
+              </p:ext>
+            </p:extLst>
+          </p:nvPr>
+        </p:nvSpPr>
+        <p:spPr>
+          <a:xfrm>
+            <a:off x="0" y="0"/>
+            <a:ext cx="12188952" cy="6858000"/>
+          </a:xfrm>
+          <a:prstGeom prst="rect">
+            <a:avLst/>
+          </a:prstGeom>
+          <a:ln>
+            <a:noFill/>
+          </a:ln>
+        </p:spPr>
+        <p:style>
+          <a:lnRef idx="2">
+            <a:schemeClr val="accent1">
+              <a:shade val="50000"/>
+            </a:schemeClr>
+          </a:lnRef>
+          <a:fillRef idx="1">
+            <a:schemeClr val="accent1"/>
+          </a:fillRef>
+          <a:effectRef idx="0">
+            <a:schemeClr val="accent1"/>
+          </a:effectRef>
+          <a:fontRef idx="minor">
+            <a:schemeClr val="lt1"/>
+          </a:fontRef>
+        </p:style>
+        <p:txBody>
+          <a:bodyPr rtlCol="0" anchor="ctr"/>
+          <a:lstStyle/>
+          <a:p>
+            <a:pPr algn="ctr"/>
+            <a:endParaRPr lang="en-US"/>
+          </a:p>
+        </p:txBody>
+      </p:sp>
       <p:sp>
         <p:nvSpPr>
           <p:cNvPr id="2" name="Title 1">
@@ -5300,15 +8899,660 @@
             <p:ph type="title"/>
           </p:nvPr>
         </p:nvSpPr>
-        <p:spPr/>
-        <p:txBody>
-          <a:bodyPr/>
+        <p:spPr>
+          <a:xfrm>
+            <a:off x="838200" y="365125"/>
+            <a:ext cx="10515600" cy="1325563"/>
+          </a:xfrm>
+        </p:spPr>
+        <p:txBody>
+          <a:bodyPr>
+            <a:normAutofit/>
+          </a:bodyPr>
           <a:lstStyle/>
           <a:p>
             <a:r>
-              <a:rPr lang="en-US" dirty="0"/>
+              <a:rPr lang="en-US" sz="5000"/>
               <a:t>Methodology: Cross Validation (Emily)</a:t>
             </a:r>
+          </a:p>
+        </p:txBody>
+      </p:sp>
+      <p:sp>
+        <p:nvSpPr>
+          <p:cNvPr id="10" name="sketch line">
+            <a:extLst>
+              <a:ext uri="{FF2B5EF4-FFF2-40B4-BE49-F238E27FC236}">
+                <a16:creationId xmlns:a16="http://schemas.microsoft.com/office/drawing/2014/main" id="{DB17E863-922E-4C26-BD64-E8FD41D28661}"/>
+              </a:ext>
+              <a:ext uri="{C183D7F6-B498-43B3-948B-1728B52AA6E4}">
+                <adec:decorative xmlns:adec="http://schemas.microsoft.com/office/drawing/2017/decorative" val="1"/>
+              </a:ext>
+            </a:extLst>
+          </p:cNvPr>
+          <p:cNvSpPr>
+            <a:spLocks noGrp="1" noRot="1" noChangeAspect="1" noMove="1" noResize="1" noEditPoints="1" noAdjustHandles="1" noChangeArrowheads="1" noChangeShapeType="1" noTextEdit="1"/>
+          </p:cNvSpPr>
+          <p:nvPr>
+            <p:extLst>
+              <p:ext uri="{386F3935-93C4-4BCD-93E2-E3B085C9AB24}">
+                <p16:designElem xmlns:p16="http://schemas.microsoft.com/office/powerpoint/2015/main" val="1"/>
+              </p:ext>
+            </p:extLst>
+          </p:nvPr>
+        </p:nvSpPr>
+        <p:spPr>
+          <a:xfrm>
+            <a:off x="669036" y="1677373"/>
+            <a:ext cx="10853928" cy="18288"/>
+          </a:xfrm>
+          <a:custGeom>
+            <a:avLst/>
+            <a:gdLst>
+              <a:gd name="connsiteX0" fmla="*/ 0 w 10853928"/>
+              <a:gd name="connsiteY0" fmla="*/ 0 h 18288"/>
+              <a:gd name="connsiteX1" fmla="*/ 461292 w 10853928"/>
+              <a:gd name="connsiteY1" fmla="*/ 0 h 18288"/>
+              <a:gd name="connsiteX2" fmla="*/ 1139662 w 10853928"/>
+              <a:gd name="connsiteY2" fmla="*/ 0 h 18288"/>
+              <a:gd name="connsiteX3" fmla="*/ 1926572 w 10853928"/>
+              <a:gd name="connsiteY3" fmla="*/ 0 h 18288"/>
+              <a:gd name="connsiteX4" fmla="*/ 2279325 w 10853928"/>
+              <a:gd name="connsiteY4" fmla="*/ 0 h 18288"/>
+              <a:gd name="connsiteX5" fmla="*/ 2632078 w 10853928"/>
+              <a:gd name="connsiteY5" fmla="*/ 0 h 18288"/>
+              <a:gd name="connsiteX6" fmla="*/ 3527527 w 10853928"/>
+              <a:gd name="connsiteY6" fmla="*/ 0 h 18288"/>
+              <a:gd name="connsiteX7" fmla="*/ 4205897 w 10853928"/>
+              <a:gd name="connsiteY7" fmla="*/ 0 h 18288"/>
+              <a:gd name="connsiteX8" fmla="*/ 4558650 w 10853928"/>
+              <a:gd name="connsiteY8" fmla="*/ 0 h 18288"/>
+              <a:gd name="connsiteX9" fmla="*/ 5237020 w 10853928"/>
+              <a:gd name="connsiteY9" fmla="*/ 0 h 18288"/>
+              <a:gd name="connsiteX10" fmla="*/ 6132469 w 10853928"/>
+              <a:gd name="connsiteY10" fmla="*/ 0 h 18288"/>
+              <a:gd name="connsiteX11" fmla="*/ 6702301 w 10853928"/>
+              <a:gd name="connsiteY11" fmla="*/ 0 h 18288"/>
+              <a:gd name="connsiteX12" fmla="*/ 7272132 w 10853928"/>
+              <a:gd name="connsiteY12" fmla="*/ 0 h 18288"/>
+              <a:gd name="connsiteX13" fmla="*/ 7950502 w 10853928"/>
+              <a:gd name="connsiteY13" fmla="*/ 0 h 18288"/>
+              <a:gd name="connsiteX14" fmla="*/ 8737412 w 10853928"/>
+              <a:gd name="connsiteY14" fmla="*/ 0 h 18288"/>
+              <a:gd name="connsiteX15" fmla="*/ 9524322 w 10853928"/>
+              <a:gd name="connsiteY15" fmla="*/ 0 h 18288"/>
+              <a:gd name="connsiteX16" fmla="*/ 10853928 w 10853928"/>
+              <a:gd name="connsiteY16" fmla="*/ 0 h 18288"/>
+              <a:gd name="connsiteX17" fmla="*/ 10853928 w 10853928"/>
+              <a:gd name="connsiteY17" fmla="*/ 18288 h 18288"/>
+              <a:gd name="connsiteX18" fmla="*/ 10392636 w 10853928"/>
+              <a:gd name="connsiteY18" fmla="*/ 18288 h 18288"/>
+              <a:gd name="connsiteX19" fmla="*/ 9497187 w 10853928"/>
+              <a:gd name="connsiteY19" fmla="*/ 18288 h 18288"/>
+              <a:gd name="connsiteX20" fmla="*/ 8818817 w 10853928"/>
+              <a:gd name="connsiteY20" fmla="*/ 18288 h 18288"/>
+              <a:gd name="connsiteX21" fmla="*/ 8466064 w 10853928"/>
+              <a:gd name="connsiteY21" fmla="*/ 18288 h 18288"/>
+              <a:gd name="connsiteX22" fmla="*/ 7787693 w 10853928"/>
+              <a:gd name="connsiteY22" fmla="*/ 18288 h 18288"/>
+              <a:gd name="connsiteX23" fmla="*/ 7217862 w 10853928"/>
+              <a:gd name="connsiteY23" fmla="*/ 18288 h 18288"/>
+              <a:gd name="connsiteX24" fmla="*/ 6648031 w 10853928"/>
+              <a:gd name="connsiteY24" fmla="*/ 18288 h 18288"/>
+              <a:gd name="connsiteX25" fmla="*/ 6078200 w 10853928"/>
+              <a:gd name="connsiteY25" fmla="*/ 18288 h 18288"/>
+              <a:gd name="connsiteX26" fmla="*/ 5508368 w 10853928"/>
+              <a:gd name="connsiteY26" fmla="*/ 18288 h 18288"/>
+              <a:gd name="connsiteX27" fmla="*/ 4721459 w 10853928"/>
+              <a:gd name="connsiteY27" fmla="*/ 18288 h 18288"/>
+              <a:gd name="connsiteX28" fmla="*/ 4043088 w 10853928"/>
+              <a:gd name="connsiteY28" fmla="*/ 18288 h 18288"/>
+              <a:gd name="connsiteX29" fmla="*/ 3690336 w 10853928"/>
+              <a:gd name="connsiteY29" fmla="*/ 18288 h 18288"/>
+              <a:gd name="connsiteX30" fmla="*/ 3120504 w 10853928"/>
+              <a:gd name="connsiteY30" fmla="*/ 18288 h 18288"/>
+              <a:gd name="connsiteX31" fmla="*/ 2333595 w 10853928"/>
+              <a:gd name="connsiteY31" fmla="*/ 18288 h 18288"/>
+              <a:gd name="connsiteX32" fmla="*/ 1872303 w 10853928"/>
+              <a:gd name="connsiteY32" fmla="*/ 18288 h 18288"/>
+              <a:gd name="connsiteX33" fmla="*/ 976854 w 10853928"/>
+              <a:gd name="connsiteY33" fmla="*/ 18288 h 18288"/>
+              <a:gd name="connsiteX34" fmla="*/ 0 w 10853928"/>
+              <a:gd name="connsiteY34" fmla="*/ 18288 h 18288"/>
+              <a:gd name="connsiteX35" fmla="*/ 0 w 10853928"/>
+              <a:gd name="connsiteY35" fmla="*/ 0 h 18288"/>
+            </a:gdLst>
+            <a:ahLst/>
+            <a:cxnLst>
+              <a:cxn ang="0">
+                <a:pos x="connsiteX0" y="connsiteY0"/>
+              </a:cxn>
+              <a:cxn ang="0">
+                <a:pos x="connsiteX1" y="connsiteY1"/>
+              </a:cxn>
+              <a:cxn ang="0">
+                <a:pos x="connsiteX2" y="connsiteY2"/>
+              </a:cxn>
+              <a:cxn ang="0">
+                <a:pos x="connsiteX3" y="connsiteY3"/>
+              </a:cxn>
+              <a:cxn ang="0">
+                <a:pos x="connsiteX4" y="connsiteY4"/>
+              </a:cxn>
+              <a:cxn ang="0">
+                <a:pos x="connsiteX5" y="connsiteY5"/>
+              </a:cxn>
+              <a:cxn ang="0">
+                <a:pos x="connsiteX6" y="connsiteY6"/>
+              </a:cxn>
+              <a:cxn ang="0">
+                <a:pos x="connsiteX7" y="connsiteY7"/>
+              </a:cxn>
+              <a:cxn ang="0">
+                <a:pos x="connsiteX8" y="connsiteY8"/>
+              </a:cxn>
+              <a:cxn ang="0">
+                <a:pos x="connsiteX9" y="connsiteY9"/>
+              </a:cxn>
+              <a:cxn ang="0">
+                <a:pos x="connsiteX10" y="connsiteY10"/>
+              </a:cxn>
+              <a:cxn ang="0">
+                <a:pos x="connsiteX11" y="connsiteY11"/>
+              </a:cxn>
+              <a:cxn ang="0">
+                <a:pos x="connsiteX12" y="connsiteY12"/>
+              </a:cxn>
+              <a:cxn ang="0">
+                <a:pos x="connsiteX13" y="connsiteY13"/>
+              </a:cxn>
+              <a:cxn ang="0">
+                <a:pos x="connsiteX14" y="connsiteY14"/>
+              </a:cxn>
+              <a:cxn ang="0">
+                <a:pos x="connsiteX15" y="connsiteY15"/>
+              </a:cxn>
+              <a:cxn ang="0">
+                <a:pos x="connsiteX16" y="connsiteY16"/>
+              </a:cxn>
+              <a:cxn ang="0">
+                <a:pos x="connsiteX17" y="connsiteY17"/>
+              </a:cxn>
+              <a:cxn ang="0">
+                <a:pos x="connsiteX18" y="connsiteY18"/>
+              </a:cxn>
+              <a:cxn ang="0">
+                <a:pos x="connsiteX19" y="connsiteY19"/>
+              </a:cxn>
+              <a:cxn ang="0">
+                <a:pos x="connsiteX20" y="connsiteY20"/>
+              </a:cxn>
+              <a:cxn ang="0">
+                <a:pos x="connsiteX21" y="connsiteY21"/>
+              </a:cxn>
+              <a:cxn ang="0">
+                <a:pos x="connsiteX22" y="connsiteY22"/>
+              </a:cxn>
+              <a:cxn ang="0">
+                <a:pos x="connsiteX23" y="connsiteY23"/>
+              </a:cxn>
+              <a:cxn ang="0">
+                <a:pos x="connsiteX24" y="connsiteY24"/>
+              </a:cxn>
+              <a:cxn ang="0">
+                <a:pos x="connsiteX25" y="connsiteY25"/>
+              </a:cxn>
+              <a:cxn ang="0">
+                <a:pos x="connsiteX26" y="connsiteY26"/>
+              </a:cxn>
+              <a:cxn ang="0">
+                <a:pos x="connsiteX27" y="connsiteY27"/>
+              </a:cxn>
+              <a:cxn ang="0">
+                <a:pos x="connsiteX28" y="connsiteY28"/>
+              </a:cxn>
+              <a:cxn ang="0">
+                <a:pos x="connsiteX29" y="connsiteY29"/>
+              </a:cxn>
+              <a:cxn ang="0">
+                <a:pos x="connsiteX30" y="connsiteY30"/>
+              </a:cxn>
+              <a:cxn ang="0">
+                <a:pos x="connsiteX31" y="connsiteY31"/>
+              </a:cxn>
+              <a:cxn ang="0">
+                <a:pos x="connsiteX32" y="connsiteY32"/>
+              </a:cxn>
+              <a:cxn ang="0">
+                <a:pos x="connsiteX33" y="connsiteY33"/>
+              </a:cxn>
+              <a:cxn ang="0">
+                <a:pos x="connsiteX34" y="connsiteY34"/>
+              </a:cxn>
+              <a:cxn ang="0">
+                <a:pos x="connsiteX35" y="connsiteY35"/>
+              </a:cxn>
+            </a:cxnLst>
+            <a:rect l="l" t="t" r="r" b="b"/>
+            <a:pathLst>
+              <a:path w="10853928" h="18288" fill="none" extrusionOk="0">
+                <a:moveTo>
+                  <a:pt x="0" y="0"/>
+                </a:moveTo>
+                <a:cubicBezTo>
+                  <a:pt x="146993" y="-19076"/>
+                  <a:pt x="347684" y="-4790"/>
+                  <a:pt x="461292" y="0"/>
+                </a:cubicBezTo>
+                <a:cubicBezTo>
+                  <a:pt x="574900" y="4790"/>
+                  <a:pt x="808367" y="19821"/>
+                  <a:pt x="1139662" y="0"/>
+                </a:cubicBezTo>
+                <a:cubicBezTo>
+                  <a:pt x="1470957" y="-19821"/>
+                  <a:pt x="1627405" y="5721"/>
+                  <a:pt x="1926572" y="0"/>
+                </a:cubicBezTo>
+                <a:cubicBezTo>
+                  <a:pt x="2225739" y="-5721"/>
+                  <a:pt x="2137730" y="-3235"/>
+                  <a:pt x="2279325" y="0"/>
+                </a:cubicBezTo>
+                <a:cubicBezTo>
+                  <a:pt x="2420920" y="3235"/>
+                  <a:pt x="2456518" y="9685"/>
+                  <a:pt x="2632078" y="0"/>
+                </a:cubicBezTo>
+                <a:cubicBezTo>
+                  <a:pt x="2807638" y="-9685"/>
+                  <a:pt x="3211516" y="-43007"/>
+                  <a:pt x="3527527" y="0"/>
+                </a:cubicBezTo>
+                <a:cubicBezTo>
+                  <a:pt x="3843538" y="43007"/>
+                  <a:pt x="4058833" y="22042"/>
+                  <a:pt x="4205897" y="0"/>
+                </a:cubicBezTo>
+                <a:cubicBezTo>
+                  <a:pt x="4352961" y="-22042"/>
+                  <a:pt x="4474805" y="-11846"/>
+                  <a:pt x="4558650" y="0"/>
+                </a:cubicBezTo>
+                <a:cubicBezTo>
+                  <a:pt x="4642495" y="11846"/>
+                  <a:pt x="5041928" y="-6069"/>
+                  <a:pt x="5237020" y="0"/>
+                </a:cubicBezTo>
+                <a:cubicBezTo>
+                  <a:pt x="5432112" y="6069"/>
+                  <a:pt x="5943266" y="-17479"/>
+                  <a:pt x="6132469" y="0"/>
+                </a:cubicBezTo>
+                <a:cubicBezTo>
+                  <a:pt x="6321672" y="17479"/>
+                  <a:pt x="6483872" y="26234"/>
+                  <a:pt x="6702301" y="0"/>
+                </a:cubicBezTo>
+                <a:cubicBezTo>
+                  <a:pt x="6920730" y="-26234"/>
+                  <a:pt x="6991194" y="-15156"/>
+                  <a:pt x="7272132" y="0"/>
+                </a:cubicBezTo>
+                <a:cubicBezTo>
+                  <a:pt x="7553070" y="15156"/>
+                  <a:pt x="7684444" y="-32961"/>
+                  <a:pt x="7950502" y="0"/>
+                </a:cubicBezTo>
+                <a:cubicBezTo>
+                  <a:pt x="8216560" y="32961"/>
+                  <a:pt x="8493290" y="-10491"/>
+                  <a:pt x="8737412" y="0"/>
+                </a:cubicBezTo>
+                <a:cubicBezTo>
+                  <a:pt x="8981534" y="10491"/>
+                  <a:pt x="9191586" y="-13899"/>
+                  <a:pt x="9524322" y="0"/>
+                </a:cubicBezTo>
+                <a:cubicBezTo>
+                  <a:pt x="9857058" y="13899"/>
+                  <a:pt x="10297509" y="7485"/>
+                  <a:pt x="10853928" y="0"/>
+                </a:cubicBezTo>
+                <a:cubicBezTo>
+                  <a:pt x="10854574" y="4451"/>
+                  <a:pt x="10854418" y="9226"/>
+                  <a:pt x="10853928" y="18288"/>
+                </a:cubicBezTo>
+                <a:cubicBezTo>
+                  <a:pt x="10691638" y="28522"/>
+                  <a:pt x="10574319" y="29578"/>
+                  <a:pt x="10392636" y="18288"/>
+                </a:cubicBezTo>
+                <a:cubicBezTo>
+                  <a:pt x="10210953" y="6998"/>
+                  <a:pt x="9836277" y="-16742"/>
+                  <a:pt x="9497187" y="18288"/>
+                </a:cubicBezTo>
+                <a:cubicBezTo>
+                  <a:pt x="9158097" y="53318"/>
+                  <a:pt x="9119479" y="30714"/>
+                  <a:pt x="8818817" y="18288"/>
+                </a:cubicBezTo>
+                <a:cubicBezTo>
+                  <a:pt x="8518155" y="5863"/>
+                  <a:pt x="8640037" y="6483"/>
+                  <a:pt x="8466064" y="18288"/>
+                </a:cubicBezTo>
+                <a:cubicBezTo>
+                  <a:pt x="8292091" y="30093"/>
+                  <a:pt x="7997656" y="18914"/>
+                  <a:pt x="7787693" y="18288"/>
+                </a:cubicBezTo>
+                <a:cubicBezTo>
+                  <a:pt x="7577730" y="17662"/>
+                  <a:pt x="7412468" y="21416"/>
+                  <a:pt x="7217862" y="18288"/>
+                </a:cubicBezTo>
+                <a:cubicBezTo>
+                  <a:pt x="7023256" y="15160"/>
+                  <a:pt x="6898018" y="14824"/>
+                  <a:pt x="6648031" y="18288"/>
+                </a:cubicBezTo>
+                <a:cubicBezTo>
+                  <a:pt x="6398044" y="21752"/>
+                  <a:pt x="6254402" y="38625"/>
+                  <a:pt x="6078200" y="18288"/>
+                </a:cubicBezTo>
+                <a:cubicBezTo>
+                  <a:pt x="5901998" y="-2049"/>
+                  <a:pt x="5622886" y="3213"/>
+                  <a:pt x="5508368" y="18288"/>
+                </a:cubicBezTo>
+                <a:cubicBezTo>
+                  <a:pt x="5393850" y="33363"/>
+                  <a:pt x="5036260" y="26830"/>
+                  <a:pt x="4721459" y="18288"/>
+                </a:cubicBezTo>
+                <a:cubicBezTo>
+                  <a:pt x="4406658" y="9746"/>
+                  <a:pt x="4239221" y="41551"/>
+                  <a:pt x="4043088" y="18288"/>
+                </a:cubicBezTo>
+                <a:cubicBezTo>
+                  <a:pt x="3846955" y="-4975"/>
+                  <a:pt x="3818802" y="34658"/>
+                  <a:pt x="3690336" y="18288"/>
+                </a:cubicBezTo>
+                <a:cubicBezTo>
+                  <a:pt x="3561870" y="1918"/>
+                  <a:pt x="3265491" y="42194"/>
+                  <a:pt x="3120504" y="18288"/>
+                </a:cubicBezTo>
+                <a:cubicBezTo>
+                  <a:pt x="2975517" y="-5618"/>
+                  <a:pt x="2720254" y="36673"/>
+                  <a:pt x="2333595" y="18288"/>
+                </a:cubicBezTo>
+                <a:cubicBezTo>
+                  <a:pt x="1946936" y="-97"/>
+                  <a:pt x="2097241" y="5776"/>
+                  <a:pt x="1872303" y="18288"/>
+                </a:cubicBezTo>
+                <a:cubicBezTo>
+                  <a:pt x="1647365" y="30800"/>
+                  <a:pt x="1282708" y="45380"/>
+                  <a:pt x="976854" y="18288"/>
+                </a:cubicBezTo>
+                <a:cubicBezTo>
+                  <a:pt x="671000" y="-8804"/>
+                  <a:pt x="408401" y="-12775"/>
+                  <a:pt x="0" y="18288"/>
+                </a:cubicBezTo>
+                <a:cubicBezTo>
+                  <a:pt x="-213" y="9468"/>
+                  <a:pt x="187" y="4459"/>
+                  <a:pt x="0" y="0"/>
+                </a:cubicBezTo>
+                <a:close/>
+              </a:path>
+              <a:path w="10853928" h="18288" stroke="0" extrusionOk="0">
+                <a:moveTo>
+                  <a:pt x="0" y="0"/>
+                </a:moveTo>
+                <a:cubicBezTo>
+                  <a:pt x="267322" y="15284"/>
+                  <a:pt x="415388" y="-21048"/>
+                  <a:pt x="569831" y="0"/>
+                </a:cubicBezTo>
+                <a:cubicBezTo>
+                  <a:pt x="724274" y="21048"/>
+                  <a:pt x="769333" y="-2353"/>
+                  <a:pt x="922584" y="0"/>
+                </a:cubicBezTo>
+                <a:cubicBezTo>
+                  <a:pt x="1075835" y="2353"/>
+                  <a:pt x="1399490" y="-145"/>
+                  <a:pt x="1818033" y="0"/>
+                </a:cubicBezTo>
+                <a:cubicBezTo>
+                  <a:pt x="2236576" y="145"/>
+                  <a:pt x="2145330" y="5482"/>
+                  <a:pt x="2387864" y="0"/>
+                </a:cubicBezTo>
+                <a:cubicBezTo>
+                  <a:pt x="2630398" y="-5482"/>
+                  <a:pt x="2793207" y="18487"/>
+                  <a:pt x="2957695" y="0"/>
+                </a:cubicBezTo>
+                <a:cubicBezTo>
+                  <a:pt x="3122183" y="-18487"/>
+                  <a:pt x="3579141" y="19003"/>
+                  <a:pt x="3853144" y="0"/>
+                </a:cubicBezTo>
+                <a:cubicBezTo>
+                  <a:pt x="4127147" y="-19003"/>
+                  <a:pt x="4209857" y="12211"/>
+                  <a:pt x="4314436" y="0"/>
+                </a:cubicBezTo>
+                <a:cubicBezTo>
+                  <a:pt x="4419015" y="-12211"/>
+                  <a:pt x="4762459" y="-17220"/>
+                  <a:pt x="5209885" y="0"/>
+                </a:cubicBezTo>
+                <a:cubicBezTo>
+                  <a:pt x="5657311" y="17220"/>
+                  <a:pt x="5692663" y="-3290"/>
+                  <a:pt x="6105335" y="0"/>
+                </a:cubicBezTo>
+                <a:cubicBezTo>
+                  <a:pt x="6518007" y="3290"/>
+                  <a:pt x="6455516" y="-5124"/>
+                  <a:pt x="6783705" y="0"/>
+                </a:cubicBezTo>
+                <a:cubicBezTo>
+                  <a:pt x="7111894" y="5124"/>
+                  <a:pt x="7441941" y="-17829"/>
+                  <a:pt x="7679154" y="0"/>
+                </a:cubicBezTo>
+                <a:cubicBezTo>
+                  <a:pt x="7916367" y="17829"/>
+                  <a:pt x="8102967" y="-24363"/>
+                  <a:pt x="8248985" y="0"/>
+                </a:cubicBezTo>
+                <a:cubicBezTo>
+                  <a:pt x="8395003" y="24363"/>
+                  <a:pt x="8552393" y="25505"/>
+                  <a:pt x="8818817" y="0"/>
+                </a:cubicBezTo>
+                <a:cubicBezTo>
+                  <a:pt x="9085241" y="-25505"/>
+                  <a:pt x="9411308" y="38000"/>
+                  <a:pt x="9605726" y="0"/>
+                </a:cubicBezTo>
+                <a:cubicBezTo>
+                  <a:pt x="9800144" y="-38000"/>
+                  <a:pt x="10006468" y="-25741"/>
+                  <a:pt x="10175558" y="0"/>
+                </a:cubicBezTo>
+                <a:cubicBezTo>
+                  <a:pt x="10344648" y="25741"/>
+                  <a:pt x="10696282" y="695"/>
+                  <a:pt x="10853928" y="0"/>
+                </a:cubicBezTo>
+                <a:cubicBezTo>
+                  <a:pt x="10853521" y="8690"/>
+                  <a:pt x="10853774" y="14141"/>
+                  <a:pt x="10853928" y="18288"/>
+                </a:cubicBezTo>
+                <a:cubicBezTo>
+                  <a:pt x="10608124" y="24255"/>
+                  <a:pt x="10343415" y="22307"/>
+                  <a:pt x="10067018" y="18288"/>
+                </a:cubicBezTo>
+                <a:cubicBezTo>
+                  <a:pt x="9790621" y="14270"/>
+                  <a:pt x="9843266" y="3564"/>
+                  <a:pt x="9714266" y="18288"/>
+                </a:cubicBezTo>
+                <a:cubicBezTo>
+                  <a:pt x="9585266" y="33012"/>
+                  <a:pt x="9379484" y="1875"/>
+                  <a:pt x="9252974" y="18288"/>
+                </a:cubicBezTo>
+                <a:cubicBezTo>
+                  <a:pt x="9126464" y="34701"/>
+                  <a:pt x="8580678" y="-4904"/>
+                  <a:pt x="8357525" y="18288"/>
+                </a:cubicBezTo>
+                <a:cubicBezTo>
+                  <a:pt x="8134372" y="41480"/>
+                  <a:pt x="7903199" y="26458"/>
+                  <a:pt x="7679154" y="18288"/>
+                </a:cubicBezTo>
+                <a:cubicBezTo>
+                  <a:pt x="7455109" y="10118"/>
+                  <a:pt x="7435944" y="27109"/>
+                  <a:pt x="7217862" y="18288"/>
+                </a:cubicBezTo>
+                <a:cubicBezTo>
+                  <a:pt x="6999780" y="9467"/>
+                  <a:pt x="6680409" y="18985"/>
+                  <a:pt x="6539492" y="18288"/>
+                </a:cubicBezTo>
+                <a:cubicBezTo>
+                  <a:pt x="6398575" y="17592"/>
+                  <a:pt x="6312077" y="33018"/>
+                  <a:pt x="6186739" y="18288"/>
+                </a:cubicBezTo>
+                <a:cubicBezTo>
+                  <a:pt x="6061401" y="3558"/>
+                  <a:pt x="5947033" y="12075"/>
+                  <a:pt x="5833986" y="18288"/>
+                </a:cubicBezTo>
+                <a:cubicBezTo>
+                  <a:pt x="5720939" y="24501"/>
+                  <a:pt x="5482226" y="8586"/>
+                  <a:pt x="5155616" y="18288"/>
+                </a:cubicBezTo>
+                <a:cubicBezTo>
+                  <a:pt x="4829006" y="27991"/>
+                  <a:pt x="4841274" y="29316"/>
+                  <a:pt x="4694324" y="18288"/>
+                </a:cubicBezTo>
+                <a:cubicBezTo>
+                  <a:pt x="4547374" y="7260"/>
+                  <a:pt x="4077675" y="7013"/>
+                  <a:pt x="3907414" y="18288"/>
+                </a:cubicBezTo>
+                <a:cubicBezTo>
+                  <a:pt x="3737153" y="29564"/>
+                  <a:pt x="3538393" y="21630"/>
+                  <a:pt x="3446122" y="18288"/>
+                </a:cubicBezTo>
+                <a:cubicBezTo>
+                  <a:pt x="3353851" y="14946"/>
+                  <a:pt x="2990320" y="-8091"/>
+                  <a:pt x="2659212" y="18288"/>
+                </a:cubicBezTo>
+                <a:cubicBezTo>
+                  <a:pt x="2328104" y="44667"/>
+                  <a:pt x="2427653" y="9607"/>
+                  <a:pt x="2306460" y="18288"/>
+                </a:cubicBezTo>
+                <a:cubicBezTo>
+                  <a:pt x="2185267" y="26969"/>
+                  <a:pt x="1719763" y="3717"/>
+                  <a:pt x="1519550" y="18288"/>
+                </a:cubicBezTo>
+                <a:cubicBezTo>
+                  <a:pt x="1319337" y="32860"/>
+                  <a:pt x="1167371" y="17040"/>
+                  <a:pt x="1058258" y="18288"/>
+                </a:cubicBezTo>
+                <a:cubicBezTo>
+                  <a:pt x="949145" y="19536"/>
+                  <a:pt x="780234" y="31447"/>
+                  <a:pt x="705505" y="18288"/>
+                </a:cubicBezTo>
+                <a:cubicBezTo>
+                  <a:pt x="630776" y="5129"/>
+                  <a:pt x="215796" y="30056"/>
+                  <a:pt x="0" y="18288"/>
+                </a:cubicBezTo>
+                <a:cubicBezTo>
+                  <a:pt x="-53" y="11301"/>
+                  <a:pt x="-649" y="7756"/>
+                  <a:pt x="0" y="0"/>
+                </a:cubicBezTo>
+                <a:close/>
+              </a:path>
+            </a:pathLst>
+          </a:custGeom>
+          <a:solidFill>
+            <a:schemeClr val="accent2"/>
+          </a:solidFill>
+          <a:ln w="41275" cap="rnd">
+            <a:solidFill>
+              <a:schemeClr val="accent2"/>
+            </a:solidFill>
+            <a:round/>
+            <a:extLst>
+              <a:ext uri="{C807C97D-BFC1-408E-A445-0C87EB9F89A2}">
+                <ask:lineSketchStyleProps xmlns:ask="http://schemas.microsoft.com/office/drawing/2018/sketchyshapes" sd="1219033472">
+                  <a:prstGeom prst="rect">
+                    <a:avLst/>
+                  </a:prstGeom>
+                  <ask:type>
+                    <ask:lineSketchFreehand/>
+                  </ask:type>
+                </ask:lineSketchStyleProps>
+              </a:ext>
+            </a:extLst>
+          </a:ln>
+        </p:spPr>
+        <p:style>
+          <a:lnRef idx="2">
+            <a:schemeClr val="accent1">
+              <a:shade val="50000"/>
+            </a:schemeClr>
+          </a:lnRef>
+          <a:fillRef idx="1">
+            <a:schemeClr val="accent1"/>
+          </a:fillRef>
+          <a:effectRef idx="0">
+            <a:schemeClr val="accent1"/>
+          </a:effectRef>
+          <a:fontRef idx="minor">
+            <a:schemeClr val="lt1"/>
+          </a:fontRef>
+        </p:style>
+        <p:txBody>
+          <a:bodyPr rtlCol="0" anchor="ctr"/>
+          <a:lstStyle/>
+          <a:p>
+            <a:pPr algn="ctr"/>
+            <a:endParaRPr lang="en-US"/>
           </a:p>
         </p:txBody>
       </p:sp>
@@ -5328,12 +9572,19 @@
             <p:ph idx="1"/>
           </p:nvPr>
         </p:nvSpPr>
-        <p:spPr/>
-        <p:txBody>
-          <a:bodyPr/>
+        <p:spPr>
+          <a:xfrm>
+            <a:off x="838200" y="1929384"/>
+            <a:ext cx="10515600" cy="4251960"/>
+          </a:xfrm>
+        </p:spPr>
+        <p:txBody>
+          <a:bodyPr>
+            <a:normAutofit/>
+          </a:bodyPr>
           <a:lstStyle/>
           <a:p>
-            <a:endParaRPr lang="en-US"/>
+            <a:endParaRPr lang="en-US" sz="2200"/>
           </a:p>
         </p:txBody>
       </p:sp>
@@ -5941,4 +10192,299 @@
     </a:ext>
   </a:extLst>
 </a:theme>
+</file>
+
+<file path=ppt/theme/theme2.xml><?xml version="1.0" encoding="utf-8"?>
+<a:theme xmlns:a="http://schemas.openxmlformats.org/drawingml/2006/main" name="Office Theme">
+  <a:themeElements>
+    <a:clrScheme name="Office">
+      <a:dk1>
+        <a:sysClr val="windowText" lastClr="000000"/>
+      </a:dk1>
+      <a:lt1>
+        <a:sysClr val="window" lastClr="FFFFFF"/>
+      </a:lt1>
+      <a:dk2>
+        <a:srgbClr val="44546A"/>
+      </a:dk2>
+      <a:lt2>
+        <a:srgbClr val="E7E6E6"/>
+      </a:lt2>
+      <a:accent1>
+        <a:srgbClr val="4472C4"/>
+      </a:accent1>
+      <a:accent2>
+        <a:srgbClr val="ED7D31"/>
+      </a:accent2>
+      <a:accent3>
+        <a:srgbClr val="A5A5A5"/>
+      </a:accent3>
+      <a:accent4>
+        <a:srgbClr val="FFC000"/>
+      </a:accent4>
+      <a:accent5>
+        <a:srgbClr val="5B9BD5"/>
+      </a:accent5>
+      <a:accent6>
+        <a:srgbClr val="70AD47"/>
+      </a:accent6>
+      <a:hlink>
+        <a:srgbClr val="0563C1"/>
+      </a:hlink>
+      <a:folHlink>
+        <a:srgbClr val="954F72"/>
+      </a:folHlink>
+    </a:clrScheme>
+    <a:fontScheme name="Office">
+      <a:majorFont>
+        <a:latin typeface="Calibri Light" panose="020F0302020204030204"/>
+        <a:ea typeface=""/>
+        <a:cs typeface=""/>
+        <a:font script="Jpan" typeface="游ゴシック Light"/>
+        <a:font script="Hang" typeface="맑은 고딕"/>
+        <a:font script="Hans" typeface="等线 Light"/>
+        <a:font script="Hant" typeface="新細明體"/>
+        <a:font script="Arab" typeface="Times New Roman"/>
+        <a:font script="Hebr" typeface="Times New Roman"/>
+        <a:font script="Thai" typeface="Angsana New"/>
+        <a:font script="Ethi" typeface="Nyala"/>
+        <a:font script="Beng" typeface="Vrinda"/>
+        <a:font script="Gujr" typeface="Shruti"/>
+        <a:font script="Khmr" typeface="MoolBoran"/>
+        <a:font script="Knda" typeface="Tunga"/>
+        <a:font script="Guru" typeface="Raavi"/>
+        <a:font script="Cans" typeface="Euphemia"/>
+        <a:font script="Cher" typeface="Plantagenet Cherokee"/>
+        <a:font script="Yiii" typeface="Microsoft Yi Baiti"/>
+        <a:font script="Tibt" typeface="Microsoft Himalaya"/>
+        <a:font script="Thaa" typeface="MV Boli"/>
+        <a:font script="Deva" typeface="Mangal"/>
+        <a:font script="Telu" typeface="Gautami"/>
+        <a:font script="Taml" typeface="Latha"/>
+        <a:font script="Syrc" typeface="Estrangelo Edessa"/>
+        <a:font script="Orya" typeface="Kalinga"/>
+        <a:font script="Mlym" typeface="Kartika"/>
+        <a:font script="Laoo" typeface="DokChampa"/>
+        <a:font script="Sinh" typeface="Iskoola Pota"/>
+        <a:font script="Mong" typeface="Mongolian Baiti"/>
+        <a:font script="Viet" typeface="Times New Roman"/>
+        <a:font script="Uigh" typeface="Microsoft Uighur"/>
+        <a:font script="Geor" typeface="Sylfaen"/>
+        <a:font script="Armn" typeface="Arial"/>
+        <a:font script="Bugi" typeface="Leelawadee UI"/>
+        <a:font script="Bopo" typeface="Microsoft JhengHei"/>
+        <a:font script="Java" typeface="Javanese Text"/>
+        <a:font script="Lisu" typeface="Segoe UI"/>
+        <a:font script="Mymr" typeface="Myanmar Text"/>
+        <a:font script="Nkoo" typeface="Ebrima"/>
+        <a:font script="Olck" typeface="Nirmala UI"/>
+        <a:font script="Osma" typeface="Ebrima"/>
+        <a:font script="Phag" typeface="Phagspa"/>
+        <a:font script="Syrn" typeface="Estrangelo Edessa"/>
+        <a:font script="Syrj" typeface="Estrangelo Edessa"/>
+        <a:font script="Syre" typeface="Estrangelo Edessa"/>
+        <a:font script="Sora" typeface="Nirmala UI"/>
+        <a:font script="Tale" typeface="Microsoft Tai Le"/>
+        <a:font script="Talu" typeface="Microsoft New Tai Lue"/>
+        <a:font script="Tfng" typeface="Ebrima"/>
+      </a:majorFont>
+      <a:minorFont>
+        <a:latin typeface="Calibri" panose="020F0502020204030204"/>
+        <a:ea typeface=""/>
+        <a:cs typeface=""/>
+        <a:font script="Jpan" typeface="游ゴシック"/>
+        <a:font script="Hang" typeface="맑은 고딕"/>
+        <a:font script="Hans" typeface="等线"/>
+        <a:font script="Hant" typeface="新細明體"/>
+        <a:font script="Arab" typeface="Arial"/>
+        <a:font script="Hebr" typeface="Arial"/>
+        <a:font script="Thai" typeface="Cordia New"/>
+        <a:font script="Ethi" typeface="Nyala"/>
+        <a:font script="Beng" typeface="Vrinda"/>
+        <a:font script="Gujr" typeface="Shruti"/>
+        <a:font script="Khmr" typeface="DaunPenh"/>
+        <a:font script="Knda" typeface="Tunga"/>
+        <a:font script="Guru" typeface="Raavi"/>
+        <a:font script="Cans" typeface="Euphemia"/>
+        <a:font script="Cher" typeface="Plantagenet Cherokee"/>
+        <a:font script="Yiii" typeface="Microsoft Yi Baiti"/>
+        <a:font script="Tibt" typeface="Microsoft Himalaya"/>
+        <a:font script="Thaa" typeface="MV Boli"/>
+        <a:font script="Deva" typeface="Mangal"/>
+        <a:font script="Telu" typeface="Gautami"/>
+        <a:font script="Taml" typeface="Latha"/>
+        <a:font script="Syrc" typeface="Estrangelo Edessa"/>
+        <a:font script="Orya" typeface="Kalinga"/>
+        <a:font script="Mlym" typeface="Kartika"/>
+        <a:font script="Laoo" typeface="DokChampa"/>
+        <a:font script="Sinh" typeface="Iskoola Pota"/>
+        <a:font script="Mong" typeface="Mongolian Baiti"/>
+        <a:font script="Viet" typeface="Arial"/>
+        <a:font script="Uigh" typeface="Microsoft Uighur"/>
+        <a:font script="Geor" typeface="Sylfaen"/>
+        <a:font script="Armn" typeface="Arial"/>
+        <a:font script="Bugi" typeface="Leelawadee UI"/>
+        <a:font script="Bopo" typeface="Microsoft JhengHei"/>
+        <a:font script="Java" typeface="Javanese Text"/>
+        <a:font script="Lisu" typeface="Segoe UI"/>
+        <a:font script="Mymr" typeface="Myanmar Text"/>
+        <a:font script="Nkoo" typeface="Ebrima"/>
+        <a:font script="Olck" typeface="Nirmala UI"/>
+        <a:font script="Osma" typeface="Ebrima"/>
+        <a:font script="Phag" typeface="Phagspa"/>
+        <a:font script="Syrn" typeface="Estrangelo Edessa"/>
+        <a:font script="Syrj" typeface="Estrangelo Edessa"/>
+        <a:font script="Syre" typeface="Estrangelo Edessa"/>
+        <a:font script="Sora" typeface="Nirmala UI"/>
+        <a:font script="Tale" typeface="Microsoft Tai Le"/>
+        <a:font script="Talu" typeface="Microsoft New Tai Lue"/>
+        <a:font script="Tfng" typeface="Ebrima"/>
+      </a:minorFont>
+    </a:fontScheme>
+    <a:fmtScheme name="Office">
+      <a:fillStyleLst>
+        <a:solidFill>
+          <a:schemeClr val="phClr"/>
+        </a:solidFill>
+        <a:gradFill rotWithShape="1">
+          <a:gsLst>
+            <a:gs pos="0">
+              <a:schemeClr val="phClr">
+                <a:lumMod val="110000"/>
+                <a:satMod val="105000"/>
+                <a:tint val="67000"/>
+              </a:schemeClr>
+            </a:gs>
+            <a:gs pos="50000">
+              <a:schemeClr val="phClr">
+                <a:lumMod val="105000"/>
+                <a:satMod val="103000"/>
+                <a:tint val="73000"/>
+              </a:schemeClr>
+            </a:gs>
+            <a:gs pos="100000">
+              <a:schemeClr val="phClr">
+                <a:lumMod val="105000"/>
+                <a:satMod val="109000"/>
+                <a:tint val="81000"/>
+              </a:schemeClr>
+            </a:gs>
+          </a:gsLst>
+          <a:lin ang="5400000" scaled="0"/>
+        </a:gradFill>
+        <a:gradFill rotWithShape="1">
+          <a:gsLst>
+            <a:gs pos="0">
+              <a:schemeClr val="phClr">
+                <a:satMod val="103000"/>
+                <a:lumMod val="102000"/>
+                <a:tint val="94000"/>
+              </a:schemeClr>
+            </a:gs>
+            <a:gs pos="50000">
+              <a:schemeClr val="phClr">
+                <a:satMod val="110000"/>
+                <a:lumMod val="100000"/>
+                <a:shade val="100000"/>
+              </a:schemeClr>
+            </a:gs>
+            <a:gs pos="100000">
+              <a:schemeClr val="phClr">
+                <a:lumMod val="99000"/>
+                <a:satMod val="120000"/>
+                <a:shade val="78000"/>
+              </a:schemeClr>
+            </a:gs>
+          </a:gsLst>
+          <a:lin ang="5400000" scaled="0"/>
+        </a:gradFill>
+      </a:fillStyleLst>
+      <a:lnStyleLst>
+        <a:ln w="6350" cap="flat" cmpd="sng" algn="ctr">
+          <a:solidFill>
+            <a:schemeClr val="phClr"/>
+          </a:solidFill>
+          <a:prstDash val="solid"/>
+          <a:miter lim="800000"/>
+        </a:ln>
+        <a:ln w="12700" cap="flat" cmpd="sng" algn="ctr">
+          <a:solidFill>
+            <a:schemeClr val="phClr"/>
+          </a:solidFill>
+          <a:prstDash val="solid"/>
+          <a:miter lim="800000"/>
+        </a:ln>
+        <a:ln w="19050" cap="flat" cmpd="sng" algn="ctr">
+          <a:solidFill>
+            <a:schemeClr val="phClr"/>
+          </a:solidFill>
+          <a:prstDash val="solid"/>
+          <a:miter lim="800000"/>
+        </a:ln>
+      </a:lnStyleLst>
+      <a:effectStyleLst>
+        <a:effectStyle>
+          <a:effectLst/>
+        </a:effectStyle>
+        <a:effectStyle>
+          <a:effectLst/>
+        </a:effectStyle>
+        <a:effectStyle>
+          <a:effectLst>
+            <a:outerShdw blurRad="57150" dist="19050" dir="5400000" algn="ctr" rotWithShape="0">
+              <a:srgbClr val="000000">
+                <a:alpha val="63000"/>
+              </a:srgbClr>
+            </a:outerShdw>
+          </a:effectLst>
+        </a:effectStyle>
+      </a:effectStyleLst>
+      <a:bgFillStyleLst>
+        <a:solidFill>
+          <a:schemeClr val="phClr"/>
+        </a:solidFill>
+        <a:solidFill>
+          <a:schemeClr val="phClr">
+            <a:tint val="95000"/>
+            <a:satMod val="170000"/>
+          </a:schemeClr>
+        </a:solidFill>
+        <a:gradFill rotWithShape="1">
+          <a:gsLst>
+            <a:gs pos="0">
+              <a:schemeClr val="phClr">
+                <a:tint val="93000"/>
+                <a:satMod val="150000"/>
+                <a:shade val="98000"/>
+                <a:lumMod val="102000"/>
+              </a:schemeClr>
+            </a:gs>
+            <a:gs pos="50000">
+              <a:schemeClr val="phClr">
+                <a:tint val="98000"/>
+                <a:satMod val="130000"/>
+                <a:shade val="90000"/>
+                <a:lumMod val="103000"/>
+              </a:schemeClr>
+            </a:gs>
+            <a:gs pos="100000">
+              <a:schemeClr val="phClr">
+                <a:shade val="63000"/>
+                <a:satMod val="120000"/>
+              </a:schemeClr>
+            </a:gs>
+          </a:gsLst>
+          <a:lin ang="5400000" scaled="0"/>
+        </a:gradFill>
+      </a:bgFillStyleLst>
+    </a:fmtScheme>
+  </a:themeElements>
+  <a:objectDefaults/>
+  <a:extraClrSchemeLst/>
+  <a:extLst>
+    <a:ext uri="{05A4C25C-085E-4340-85A3-A5531E510DB2}">
+      <thm15:themeFamily xmlns:thm15="http://schemas.microsoft.com/office/thememl/2012/main" name="Office Theme" id="{62F939B6-93AF-4DB8-9C6B-D6C7DFDC589F}" vid="{4A3C46E8-61CC-4603-A589-7422A47A8E4A}"/>
+    </a:ext>
+  </a:extLst>
+</a:theme>
 </file>
--- a/presentation/final-presentation.pptx
+++ b/presentation/final-presentation.pptx
@@ -5,7 +5,7 @@
     <p:sldMasterId id="2147483648" r:id="rId1"/>
   </p:sldMasterIdLst>
   <p:notesMasterIdLst>
-    <p:notesMasterId r:id="rId13"/>
+    <p:notesMasterId r:id="rId14"/>
   </p:notesMasterIdLst>
   <p:sldIdLst>
     <p:sldId id="256" r:id="rId2"/>
@@ -15,10 +15,11 @@
     <p:sldId id="260" r:id="rId6"/>
     <p:sldId id="262" r:id="rId7"/>
     <p:sldId id="261" r:id="rId8"/>
-    <p:sldId id="263" r:id="rId9"/>
+    <p:sldId id="267" r:id="rId9"/>
     <p:sldId id="264" r:id="rId10"/>
     <p:sldId id="265" r:id="rId11"/>
     <p:sldId id="266" r:id="rId12"/>
+    <p:sldId id="269" r:id="rId13"/>
   </p:sldIdLst>
   <p:sldSz cx="12192000" cy="6858000"/>
   <p:notesSz cx="6858000" cy="9144000"/>
@@ -128,6 +129,7 @@
 <file path=ppt/revisionInfo.xml><?xml version="1.0" encoding="utf-8"?>
 <p1510:revInfo xmlns:a="http://schemas.openxmlformats.org/drawingml/2006/main" xmlns:r="http://schemas.openxmlformats.org/officeDocument/2006/relationships" xmlns:p1510="http://schemas.microsoft.com/office/powerpoint/2015/10/main">
   <p1510:revLst>
+    <p1510:client id="{98C76723-AA43-4380-8E4D-B8026509F880}" v="14" dt="2021-04-21T18:47:20.938"/>
     <p1510:client id="{D5C3F0AF-4CDB-4F83-B89A-4FCD27EF4FE5}" v="8" dt="2021-04-20T20:01:00.694"/>
   </p1510:revLst>
 </p1510:revInfo>
@@ -137,11 +139,951 @@
 <pc:chgInfo xmlns:a="http://schemas.openxmlformats.org/drawingml/2006/main" xmlns:r="http://schemas.openxmlformats.org/officeDocument/2006/relationships" xmlns:ac="http://schemas.microsoft.com/office/drawing/2013/main/command" xmlns:pc="http://schemas.microsoft.com/office/powerpoint/2013/main/command">
   <pc:docChgLst>
     <pc:chgData name="Emily Robinson" userId="a9fcd774-4f33-423d-80dd-0db627157868" providerId="ADAL" clId="{98C76723-AA43-4380-8E4D-B8026509F880}"/>
-    <pc:docChg chg="undo custSel modSld">
-      <pc:chgData name="Emily Robinson" userId="a9fcd774-4f33-423d-80dd-0db627157868" providerId="ADAL" clId="{98C76723-AA43-4380-8E4D-B8026509F880}" dt="2021-04-19T14:58:22.251" v="31" actId="20577"/>
+    <pc:docChg chg="undo custSel addSld delSld modSld">
+      <pc:chgData name="Emily Robinson" userId="a9fcd774-4f33-423d-80dd-0db627157868" providerId="ADAL" clId="{98C76723-AA43-4380-8E4D-B8026509F880}" dt="2021-04-21T18:54:26.359" v="1738" actId="26606"/>
       <pc:docMkLst>
         <pc:docMk/>
       </pc:docMkLst>
+      <pc:sldChg chg="modSp mod">
+        <pc:chgData name="Emily Robinson" userId="a9fcd774-4f33-423d-80dd-0db627157868" providerId="ADAL" clId="{98C76723-AA43-4380-8E4D-B8026509F880}" dt="2021-04-21T18:46:15.516" v="1393" actId="255"/>
+        <pc:sldMkLst>
+          <pc:docMk/>
+          <pc:sldMk cId="3830608638" sldId="260"/>
+        </pc:sldMkLst>
+        <pc:spChg chg="mod">
+          <ac:chgData name="Emily Robinson" userId="a9fcd774-4f33-423d-80dd-0db627157868" providerId="ADAL" clId="{98C76723-AA43-4380-8E4D-B8026509F880}" dt="2021-04-21T18:46:15.516" v="1393" actId="255"/>
+          <ac:spMkLst>
+            <pc:docMk/>
+            <pc:sldMk cId="3830608638" sldId="260"/>
+            <ac:spMk id="2" creationId="{CFEF8E2A-69F4-49FC-A538-64748356AC81}"/>
+          </ac:spMkLst>
+        </pc:spChg>
+      </pc:sldChg>
+      <pc:sldChg chg="addSp delSp modSp mod setBg">
+        <pc:chgData name="Emily Robinson" userId="a9fcd774-4f33-423d-80dd-0db627157868" providerId="ADAL" clId="{98C76723-AA43-4380-8E4D-B8026509F880}" dt="2021-04-21T18:53:50.849" v="1732" actId="26606"/>
+        <pc:sldMkLst>
+          <pc:docMk/>
+          <pc:sldMk cId="3557540284" sldId="261"/>
+        </pc:sldMkLst>
+        <pc:spChg chg="mod">
+          <ac:chgData name="Emily Robinson" userId="a9fcd774-4f33-423d-80dd-0db627157868" providerId="ADAL" clId="{98C76723-AA43-4380-8E4D-B8026509F880}" dt="2021-04-21T18:53:50.849" v="1732" actId="26606"/>
+          <ac:spMkLst>
+            <pc:docMk/>
+            <pc:sldMk cId="3557540284" sldId="261"/>
+            <ac:spMk id="2" creationId="{398FDB74-7664-4E05-8C76-A40DFFC6537C}"/>
+          </ac:spMkLst>
+        </pc:spChg>
+        <pc:spChg chg="mod">
+          <ac:chgData name="Emily Robinson" userId="a9fcd774-4f33-423d-80dd-0db627157868" providerId="ADAL" clId="{98C76723-AA43-4380-8E4D-B8026509F880}" dt="2021-04-21T18:53:50.849" v="1732" actId="26606"/>
+          <ac:spMkLst>
+            <pc:docMk/>
+            <pc:sldMk cId="3557540284" sldId="261"/>
+            <ac:spMk id="3" creationId="{D92525E3-7382-4B87-A88E-C5FF91C69EB3}"/>
+          </ac:spMkLst>
+        </pc:spChg>
+        <pc:spChg chg="add">
+          <ac:chgData name="Emily Robinson" userId="a9fcd774-4f33-423d-80dd-0db627157868" providerId="ADAL" clId="{98C76723-AA43-4380-8E4D-B8026509F880}" dt="2021-04-21T18:53:50.849" v="1732" actId="26606"/>
+          <ac:spMkLst>
+            <pc:docMk/>
+            <pc:sldMk cId="3557540284" sldId="261"/>
+            <ac:spMk id="8" creationId="{100EDD19-6802-4EC3-95CE-CFFAB042CFD6}"/>
+          </ac:spMkLst>
+        </pc:spChg>
+        <pc:spChg chg="add">
+          <ac:chgData name="Emily Robinson" userId="a9fcd774-4f33-423d-80dd-0db627157868" providerId="ADAL" clId="{98C76723-AA43-4380-8E4D-B8026509F880}" dt="2021-04-21T18:53:50.849" v="1732" actId="26606"/>
+          <ac:spMkLst>
+            <pc:docMk/>
+            <pc:sldMk cId="3557540284" sldId="261"/>
+            <ac:spMk id="10" creationId="{DB17E863-922E-4C26-BD64-E8FD41D28661}"/>
+          </ac:spMkLst>
+        </pc:spChg>
+        <pc:graphicFrameChg chg="add del mod">
+          <ac:chgData name="Emily Robinson" userId="a9fcd774-4f33-423d-80dd-0db627157868" providerId="ADAL" clId="{98C76723-AA43-4380-8E4D-B8026509F880}" dt="2021-04-21T18:44:19.239" v="1381" actId="478"/>
+          <ac:graphicFrameMkLst>
+            <pc:docMk/>
+            <pc:sldMk cId="3557540284" sldId="261"/>
+            <ac:graphicFrameMk id="4" creationId="{2A285E89-C950-42FD-9570-9B29B3952290}"/>
+          </ac:graphicFrameMkLst>
+        </pc:graphicFrameChg>
+      </pc:sldChg>
+      <pc:sldChg chg="addSp delSp modSp mod">
+        <pc:chgData name="Emily Robinson" userId="a9fcd774-4f33-423d-80dd-0db627157868" providerId="ADAL" clId="{98C76723-AA43-4380-8E4D-B8026509F880}" dt="2021-04-21T18:54:26.359" v="1738" actId="26606"/>
+        <pc:sldMkLst>
+          <pc:docMk/>
+          <pc:sldMk cId="496717477" sldId="262"/>
+        </pc:sldMkLst>
+        <pc:spChg chg="mod">
+          <ac:chgData name="Emily Robinson" userId="a9fcd774-4f33-423d-80dd-0db627157868" providerId="ADAL" clId="{98C76723-AA43-4380-8E4D-B8026509F880}" dt="2021-04-21T18:46:19.432" v="1394" actId="255"/>
+          <ac:spMkLst>
+            <pc:docMk/>
+            <pc:sldMk cId="496717477" sldId="262"/>
+            <ac:spMk id="2" creationId="{EABAB166-3C39-43D1-8F8B-9DB2DEE2352F}"/>
+          </ac:spMkLst>
+        </pc:spChg>
+        <pc:spChg chg="mod">
+          <ac:chgData name="Emily Robinson" userId="a9fcd774-4f33-423d-80dd-0db627157868" providerId="ADAL" clId="{98C76723-AA43-4380-8E4D-B8026509F880}" dt="2021-04-21T18:54:26.359" v="1738" actId="26606"/>
+          <ac:spMkLst>
+            <pc:docMk/>
+            <pc:sldMk cId="496717477" sldId="262"/>
+            <ac:spMk id="3" creationId="{D7815D9D-E40C-4413-A7F9-D929523D8BF6}"/>
+          </ac:spMkLst>
+        </pc:spChg>
+        <pc:spChg chg="add del">
+          <ac:chgData name="Emily Robinson" userId="a9fcd774-4f33-423d-80dd-0db627157868" providerId="ADAL" clId="{98C76723-AA43-4380-8E4D-B8026509F880}" dt="2021-04-21T18:54:26.359" v="1738" actId="26606"/>
+          <ac:spMkLst>
+            <pc:docMk/>
+            <pc:sldMk cId="496717477" sldId="262"/>
+            <ac:spMk id="8" creationId="{100EDD19-6802-4EC3-95CE-CFFAB042CFD6}"/>
+          </ac:spMkLst>
+        </pc:spChg>
+        <pc:spChg chg="add del">
+          <ac:chgData name="Emily Robinson" userId="a9fcd774-4f33-423d-80dd-0db627157868" providerId="ADAL" clId="{98C76723-AA43-4380-8E4D-B8026509F880}" dt="2021-04-21T18:54:26.359" v="1738" actId="26606"/>
+          <ac:spMkLst>
+            <pc:docMk/>
+            <pc:sldMk cId="496717477" sldId="262"/>
+            <ac:spMk id="10" creationId="{DB17E863-922E-4C26-BD64-E8FD41D28661}"/>
+          </ac:spMkLst>
+        </pc:spChg>
+        <pc:spChg chg="add del">
+          <ac:chgData name="Emily Robinson" userId="a9fcd774-4f33-423d-80dd-0db627157868" providerId="ADAL" clId="{98C76723-AA43-4380-8E4D-B8026509F880}" dt="2021-04-21T18:54:25.577" v="1737" actId="26606"/>
+          <ac:spMkLst>
+            <pc:docMk/>
+            <pc:sldMk cId="496717477" sldId="262"/>
+            <ac:spMk id="12" creationId="{100EDD19-6802-4EC3-95CE-CFFAB042CFD6}"/>
+          </ac:spMkLst>
+        </pc:spChg>
+        <pc:spChg chg="add del">
+          <ac:chgData name="Emily Robinson" userId="a9fcd774-4f33-423d-80dd-0db627157868" providerId="ADAL" clId="{98C76723-AA43-4380-8E4D-B8026509F880}" dt="2021-04-21T18:54:25.577" v="1737" actId="26606"/>
+          <ac:spMkLst>
+            <pc:docMk/>
+            <pc:sldMk cId="496717477" sldId="262"/>
+            <ac:spMk id="13" creationId="{DB17E863-922E-4C26-BD64-E8FD41D28661}"/>
+          </ac:spMkLst>
+        </pc:spChg>
+        <pc:spChg chg="add">
+          <ac:chgData name="Emily Robinson" userId="a9fcd774-4f33-423d-80dd-0db627157868" providerId="ADAL" clId="{98C76723-AA43-4380-8E4D-B8026509F880}" dt="2021-04-21T18:54:26.359" v="1738" actId="26606"/>
+          <ac:spMkLst>
+            <pc:docMk/>
+            <pc:sldMk cId="496717477" sldId="262"/>
+            <ac:spMk id="14" creationId="{100EDD19-6802-4EC3-95CE-CFFAB042CFD6}"/>
+          </ac:spMkLst>
+        </pc:spChg>
+        <pc:spChg chg="add del">
+          <ac:chgData name="Emily Robinson" userId="a9fcd774-4f33-423d-80dd-0db627157868" providerId="ADAL" clId="{98C76723-AA43-4380-8E4D-B8026509F880}" dt="2021-04-21T18:54:23.488" v="1735" actId="26606"/>
+          <ac:spMkLst>
+            <pc:docMk/>
+            <pc:sldMk cId="496717477" sldId="262"/>
+            <ac:spMk id="15" creationId="{100EDD19-6802-4EC3-95CE-CFFAB042CFD6}"/>
+          </ac:spMkLst>
+        </pc:spChg>
+        <pc:spChg chg="add">
+          <ac:chgData name="Emily Robinson" userId="a9fcd774-4f33-423d-80dd-0db627157868" providerId="ADAL" clId="{98C76723-AA43-4380-8E4D-B8026509F880}" dt="2021-04-21T18:54:26.359" v="1738" actId="26606"/>
+          <ac:spMkLst>
+            <pc:docMk/>
+            <pc:sldMk cId="496717477" sldId="262"/>
+            <ac:spMk id="16" creationId="{DB17E863-922E-4C26-BD64-E8FD41D28661}"/>
+          </ac:spMkLst>
+        </pc:spChg>
+        <pc:spChg chg="add del">
+          <ac:chgData name="Emily Robinson" userId="a9fcd774-4f33-423d-80dd-0db627157868" providerId="ADAL" clId="{98C76723-AA43-4380-8E4D-B8026509F880}" dt="2021-04-21T18:54:23.488" v="1735" actId="26606"/>
+          <ac:spMkLst>
+            <pc:docMk/>
+            <pc:sldMk cId="496717477" sldId="262"/>
+            <ac:spMk id="17" creationId="{DB17E863-922E-4C26-BD64-E8FD41D28661}"/>
+          </ac:spMkLst>
+        </pc:spChg>
+      </pc:sldChg>
+      <pc:sldChg chg="addSp delSp modSp del mod setBg modNotesTx">
+        <pc:chgData name="Emily Robinson" userId="a9fcd774-4f33-423d-80dd-0db627157868" providerId="ADAL" clId="{98C76723-AA43-4380-8E4D-B8026509F880}" dt="2021-04-21T18:20:04.699" v="631" actId="47"/>
+        <pc:sldMkLst>
+          <pc:docMk/>
+          <pc:sldMk cId="3235232816" sldId="263"/>
+        </pc:sldMkLst>
+        <pc:spChg chg="mod">
+          <ac:chgData name="Emily Robinson" userId="a9fcd774-4f33-423d-80dd-0db627157868" providerId="ADAL" clId="{98C76723-AA43-4380-8E4D-B8026509F880}" dt="2021-04-21T18:18:54.331" v="572" actId="26606"/>
+          <ac:spMkLst>
+            <pc:docMk/>
+            <pc:sldMk cId="3235232816" sldId="263"/>
+            <ac:spMk id="2" creationId="{BC11F3E9-DDE4-4C7C-8979-F4583826ABF0}"/>
+          </ac:spMkLst>
+        </pc:spChg>
+        <pc:spChg chg="mod">
+          <ac:chgData name="Emily Robinson" userId="a9fcd774-4f33-423d-80dd-0db627157868" providerId="ADAL" clId="{98C76723-AA43-4380-8E4D-B8026509F880}" dt="2021-04-21T18:18:54.331" v="572" actId="26606"/>
+          <ac:spMkLst>
+            <pc:docMk/>
+            <pc:sldMk cId="3235232816" sldId="263"/>
+            <ac:spMk id="3" creationId="{AD8D74C1-4BD4-4EB9-ACB0-769400DA2867}"/>
+          </ac:spMkLst>
+        </pc:spChg>
+        <pc:spChg chg="add del">
+          <ac:chgData name="Emily Robinson" userId="a9fcd774-4f33-423d-80dd-0db627157868" providerId="ADAL" clId="{98C76723-AA43-4380-8E4D-B8026509F880}" dt="2021-04-21T18:04:35.661" v="404" actId="26606"/>
+          <ac:spMkLst>
+            <pc:docMk/>
+            <pc:sldMk cId="3235232816" sldId="263"/>
+            <ac:spMk id="7" creationId="{2B566528-1B12-4246-9431-5C2D7D081168}"/>
+          </ac:spMkLst>
+        </pc:spChg>
+        <pc:spChg chg="add del">
+          <ac:chgData name="Emily Robinson" userId="a9fcd774-4f33-423d-80dd-0db627157868" providerId="ADAL" clId="{98C76723-AA43-4380-8E4D-B8026509F880}" dt="2021-04-21T18:04:19.479" v="394" actId="26606"/>
+          <ac:spMkLst>
+            <pc:docMk/>
+            <pc:sldMk cId="3235232816" sldId="263"/>
+            <ac:spMk id="10" creationId="{201CC55D-ED54-4C5C-95E6-10947BD1103B}"/>
+          </ac:spMkLst>
+        </pc:spChg>
+        <pc:spChg chg="add del">
+          <ac:chgData name="Emily Robinson" userId="a9fcd774-4f33-423d-80dd-0db627157868" providerId="ADAL" clId="{98C76723-AA43-4380-8E4D-B8026509F880}" dt="2021-04-21T18:17:52.207" v="533" actId="26606"/>
+          <ac:spMkLst>
+            <pc:docMk/>
+            <pc:sldMk cId="3235232816" sldId="263"/>
+            <ac:spMk id="11" creationId="{058A14AF-9FB5-4CC7-BA35-E8E85D3EDF0E}"/>
+          </ac:spMkLst>
+        </pc:spChg>
+        <pc:spChg chg="add del">
+          <ac:chgData name="Emily Robinson" userId="a9fcd774-4f33-423d-80dd-0db627157868" providerId="ADAL" clId="{98C76723-AA43-4380-8E4D-B8026509F880}" dt="2021-04-21T18:17:52.207" v="533" actId="26606"/>
+          <ac:spMkLst>
+            <pc:docMk/>
+            <pc:sldMk cId="3235232816" sldId="263"/>
+            <ac:spMk id="13" creationId="{3A9A4357-BD1D-4622-A4FE-766E6AB8DE84}"/>
+          </ac:spMkLst>
+        </pc:spChg>
+        <pc:spChg chg="add del">
+          <ac:chgData name="Emily Robinson" userId="a9fcd774-4f33-423d-80dd-0db627157868" providerId="ADAL" clId="{98C76723-AA43-4380-8E4D-B8026509F880}" dt="2021-04-21T18:04:45.974" v="408" actId="26606"/>
+          <ac:spMkLst>
+            <pc:docMk/>
+            <pc:sldMk cId="3235232816" sldId="263"/>
+            <ac:spMk id="14" creationId="{2711A8FB-68FC-45FC-B01E-38F809E2D439}"/>
+          </ac:spMkLst>
+        </pc:spChg>
+        <pc:spChg chg="add del">
+          <ac:chgData name="Emily Robinson" userId="a9fcd774-4f33-423d-80dd-0db627157868" providerId="ADAL" clId="{98C76723-AA43-4380-8E4D-B8026509F880}" dt="2021-04-21T18:17:52.207" v="533" actId="26606"/>
+          <ac:spMkLst>
+            <pc:docMk/>
+            <pc:sldMk cId="3235232816" sldId="263"/>
+            <ac:spMk id="15" creationId="{E659831F-0D9A-4C63-9EBB-8435B85A440F}"/>
+          </ac:spMkLst>
+        </pc:spChg>
+        <pc:spChg chg="add del">
+          <ac:chgData name="Emily Robinson" userId="a9fcd774-4f33-423d-80dd-0db627157868" providerId="ADAL" clId="{98C76723-AA43-4380-8E4D-B8026509F880}" dt="2021-04-21T18:04:19.479" v="394" actId="26606"/>
+          <ac:spMkLst>
+            <pc:docMk/>
+            <pc:sldMk cId="3235232816" sldId="263"/>
+            <ac:spMk id="16" creationId="{3873B707-463F-40B0-8227-E8CC6C67EB25}"/>
+          </ac:spMkLst>
+        </pc:spChg>
+        <pc:spChg chg="add del">
+          <ac:chgData name="Emily Robinson" userId="a9fcd774-4f33-423d-80dd-0db627157868" providerId="ADAL" clId="{98C76723-AA43-4380-8E4D-B8026509F880}" dt="2021-04-21T18:17:52.207" v="533" actId="26606"/>
+          <ac:spMkLst>
+            <pc:docMk/>
+            <pc:sldMk cId="3235232816" sldId="263"/>
+            <ac:spMk id="17" creationId="{E6995CE5-F890-4ABA-82A2-26507CE8D2A3}"/>
+          </ac:spMkLst>
+        </pc:spChg>
+        <pc:spChg chg="add del">
+          <ac:chgData name="Emily Robinson" userId="a9fcd774-4f33-423d-80dd-0db627157868" providerId="ADAL" clId="{98C76723-AA43-4380-8E4D-B8026509F880}" dt="2021-04-21T18:04:19.479" v="394" actId="26606"/>
+          <ac:spMkLst>
+            <pc:docMk/>
+            <pc:sldMk cId="3235232816" sldId="263"/>
+            <ac:spMk id="18" creationId="{C13237C8-E62C-4F0D-A318-BD6FB6C2D138}"/>
+          </ac:spMkLst>
+        </pc:spChg>
+        <pc:spChg chg="add del">
+          <ac:chgData name="Emily Robinson" userId="a9fcd774-4f33-423d-80dd-0db627157868" providerId="ADAL" clId="{98C76723-AA43-4380-8E4D-B8026509F880}" dt="2021-04-21T18:04:44.533" v="406" actId="26606"/>
+          <ac:spMkLst>
+            <pc:docMk/>
+            <pc:sldMk cId="3235232816" sldId="263"/>
+            <ac:spMk id="19" creationId="{201CC55D-ED54-4C5C-95E6-10947BD1103B}"/>
+          </ac:spMkLst>
+        </pc:spChg>
+        <pc:spChg chg="add del">
+          <ac:chgData name="Emily Robinson" userId="a9fcd774-4f33-423d-80dd-0db627157868" providerId="ADAL" clId="{98C76723-AA43-4380-8E4D-B8026509F880}" dt="2021-04-21T18:04:19.479" v="394" actId="26606"/>
+          <ac:spMkLst>
+            <pc:docMk/>
+            <pc:sldMk cId="3235232816" sldId="263"/>
+            <ac:spMk id="20" creationId="{19C9EAEA-39D0-4B0E-A0EB-51E7B26740B1}"/>
+          </ac:spMkLst>
+        </pc:spChg>
+        <pc:spChg chg="add del">
+          <ac:chgData name="Emily Robinson" userId="a9fcd774-4f33-423d-80dd-0db627157868" providerId="ADAL" clId="{98C76723-AA43-4380-8E4D-B8026509F880}" dt="2021-04-21T18:04:22.303" v="396" actId="26606"/>
+          <ac:spMkLst>
+            <pc:docMk/>
+            <pc:sldMk cId="3235232816" sldId="263"/>
+            <ac:spMk id="22" creationId="{1ECAB1E8-8195-4748-BE71-FF806D86892E}"/>
+          </ac:spMkLst>
+        </pc:spChg>
+        <pc:spChg chg="add del">
+          <ac:chgData name="Emily Robinson" userId="a9fcd774-4f33-423d-80dd-0db627157868" providerId="ADAL" clId="{98C76723-AA43-4380-8E4D-B8026509F880}" dt="2021-04-21T18:04:22.303" v="396" actId="26606"/>
+          <ac:spMkLst>
+            <pc:docMk/>
+            <pc:sldMk cId="3235232816" sldId="263"/>
+            <ac:spMk id="23" creationId="{57F6BDD4-E066-4008-8011-6CC31AEB4556}"/>
+          </ac:spMkLst>
+        </pc:spChg>
+        <pc:spChg chg="add del">
+          <ac:chgData name="Emily Robinson" userId="a9fcd774-4f33-423d-80dd-0db627157868" providerId="ADAL" clId="{98C76723-AA43-4380-8E4D-B8026509F880}" dt="2021-04-21T18:04:22.303" v="396" actId="26606"/>
+          <ac:spMkLst>
+            <pc:docMk/>
+            <pc:sldMk cId="3235232816" sldId="263"/>
+            <ac:spMk id="24" creationId="{2711A8FB-68FC-45FC-B01E-38F809E2D439}"/>
+          </ac:spMkLst>
+        </pc:spChg>
+        <pc:spChg chg="add del">
+          <ac:chgData name="Emily Robinson" userId="a9fcd774-4f33-423d-80dd-0db627157868" providerId="ADAL" clId="{98C76723-AA43-4380-8E4D-B8026509F880}" dt="2021-04-21T18:04:22.303" v="396" actId="26606"/>
+          <ac:spMkLst>
+            <pc:docMk/>
+            <pc:sldMk cId="3235232816" sldId="263"/>
+            <ac:spMk id="25" creationId="{2A865FE3-5FC9-4049-87CF-30019C46C0F5}"/>
+          </ac:spMkLst>
+        </pc:spChg>
+        <pc:spChg chg="add del">
+          <ac:chgData name="Emily Robinson" userId="a9fcd774-4f33-423d-80dd-0db627157868" providerId="ADAL" clId="{98C76723-AA43-4380-8E4D-B8026509F880}" dt="2021-04-21T18:17:54.753" v="535" actId="26606"/>
+          <ac:spMkLst>
+            <pc:docMk/>
+            <pc:sldMk cId="3235232816" sldId="263"/>
+            <ac:spMk id="26" creationId="{28D31E1B-0407-4223-9642-0B642CBF57D9}"/>
+          </ac:spMkLst>
+        </pc:spChg>
+        <pc:spChg chg="add del">
+          <ac:chgData name="Emily Robinson" userId="a9fcd774-4f33-423d-80dd-0db627157868" providerId="ADAL" clId="{98C76723-AA43-4380-8E4D-B8026509F880}" dt="2021-04-21T18:04:24.406" v="398" actId="26606"/>
+          <ac:spMkLst>
+            <pc:docMk/>
+            <pc:sldMk cId="3235232816" sldId="263"/>
+            <ac:spMk id="27" creationId="{724AC2FE-8DC8-4E92-BD6E-A4102042E40D}"/>
+          </ac:spMkLst>
+        </pc:spChg>
+        <pc:spChg chg="add del">
+          <ac:chgData name="Emily Robinson" userId="a9fcd774-4f33-423d-80dd-0db627157868" providerId="ADAL" clId="{98C76723-AA43-4380-8E4D-B8026509F880}" dt="2021-04-21T18:04:31.428" v="400" actId="26606"/>
+          <ac:spMkLst>
+            <pc:docMk/>
+            <pc:sldMk cId="3235232816" sldId="263"/>
+            <ac:spMk id="29" creationId="{5E39A796-BE83-48B1-B33F-35C4A32AAB57}"/>
+          </ac:spMkLst>
+        </pc:spChg>
+        <pc:spChg chg="add del">
+          <ac:chgData name="Emily Robinson" userId="a9fcd774-4f33-423d-80dd-0db627157868" providerId="ADAL" clId="{98C76723-AA43-4380-8E4D-B8026509F880}" dt="2021-04-21T18:04:31.428" v="400" actId="26606"/>
+          <ac:spMkLst>
+            <pc:docMk/>
+            <pc:sldMk cId="3235232816" sldId="263"/>
+            <ac:spMk id="30" creationId="{72F84B47-E267-4194-8194-831DB7B5547F}"/>
+          </ac:spMkLst>
+        </pc:spChg>
+        <pc:spChg chg="add del">
+          <ac:chgData name="Emily Robinson" userId="a9fcd774-4f33-423d-80dd-0db627157868" providerId="ADAL" clId="{98C76723-AA43-4380-8E4D-B8026509F880}" dt="2021-04-21T18:04:44.533" v="406" actId="26606"/>
+          <ac:spMkLst>
+            <pc:docMk/>
+            <pc:sldMk cId="3235232816" sldId="263"/>
+            <ac:spMk id="31" creationId="{3873B707-463F-40B0-8227-E8CC6C67EB25}"/>
+          </ac:spMkLst>
+        </pc:spChg>
+        <pc:spChg chg="add del">
+          <ac:chgData name="Emily Robinson" userId="a9fcd774-4f33-423d-80dd-0db627157868" providerId="ADAL" clId="{98C76723-AA43-4380-8E4D-B8026509F880}" dt="2021-04-21T18:04:44.533" v="406" actId="26606"/>
+          <ac:spMkLst>
+            <pc:docMk/>
+            <pc:sldMk cId="3235232816" sldId="263"/>
+            <ac:spMk id="32" creationId="{C13237C8-E62C-4F0D-A318-BD6FB6C2D138}"/>
+          </ac:spMkLst>
+        </pc:spChg>
+        <pc:spChg chg="add del">
+          <ac:chgData name="Emily Robinson" userId="a9fcd774-4f33-423d-80dd-0db627157868" providerId="ADAL" clId="{98C76723-AA43-4380-8E4D-B8026509F880}" dt="2021-04-21T18:04:44.533" v="406" actId="26606"/>
+          <ac:spMkLst>
+            <pc:docMk/>
+            <pc:sldMk cId="3235232816" sldId="263"/>
+            <ac:spMk id="33" creationId="{19C9EAEA-39D0-4B0E-A0EB-51E7B26740B1}"/>
+          </ac:spMkLst>
+        </pc:spChg>
+        <pc:spChg chg="add del">
+          <ac:chgData name="Emily Robinson" userId="a9fcd774-4f33-423d-80dd-0db627157868" providerId="ADAL" clId="{98C76723-AA43-4380-8E4D-B8026509F880}" dt="2021-04-21T18:04:45.974" v="408" actId="26606"/>
+          <ac:spMkLst>
+            <pc:docMk/>
+            <pc:sldMk cId="3235232816" sldId="263"/>
+            <ac:spMk id="35" creationId="{1ECAB1E8-8195-4748-BE71-FF806D86892E}"/>
+          </ac:spMkLst>
+        </pc:spChg>
+        <pc:spChg chg="add del">
+          <ac:chgData name="Emily Robinson" userId="a9fcd774-4f33-423d-80dd-0db627157868" providerId="ADAL" clId="{98C76723-AA43-4380-8E4D-B8026509F880}" dt="2021-04-21T18:04:45.974" v="408" actId="26606"/>
+          <ac:spMkLst>
+            <pc:docMk/>
+            <pc:sldMk cId="3235232816" sldId="263"/>
+            <ac:spMk id="36" creationId="{57F6BDD4-E066-4008-8011-6CC31AEB4556}"/>
+          </ac:spMkLst>
+        </pc:spChg>
+        <pc:spChg chg="add del">
+          <ac:chgData name="Emily Robinson" userId="a9fcd774-4f33-423d-80dd-0db627157868" providerId="ADAL" clId="{98C76723-AA43-4380-8E4D-B8026509F880}" dt="2021-04-21T18:04:45.974" v="408" actId="26606"/>
+          <ac:spMkLst>
+            <pc:docMk/>
+            <pc:sldMk cId="3235232816" sldId="263"/>
+            <ac:spMk id="37" creationId="{2A865FE3-5FC9-4049-87CF-30019C46C0F5}"/>
+          </ac:spMkLst>
+        </pc:spChg>
+        <pc:spChg chg="add del">
+          <ac:chgData name="Emily Robinson" userId="a9fcd774-4f33-423d-80dd-0db627157868" providerId="ADAL" clId="{98C76723-AA43-4380-8E4D-B8026509F880}" dt="2021-04-21T18:04:49.412" v="410" actId="26606"/>
+          <ac:spMkLst>
+            <pc:docMk/>
+            <pc:sldMk cId="3235232816" sldId="263"/>
+            <ac:spMk id="39" creationId="{724AC2FE-8DC8-4E92-BD6E-A4102042E40D}"/>
+          </ac:spMkLst>
+        </pc:spChg>
+        <pc:spChg chg="add del">
+          <ac:chgData name="Emily Robinson" userId="a9fcd774-4f33-423d-80dd-0db627157868" providerId="ADAL" clId="{98C76723-AA43-4380-8E4D-B8026509F880}" dt="2021-04-21T18:06:03.432" v="450" actId="26606"/>
+          <ac:spMkLst>
+            <pc:docMk/>
+            <pc:sldMk cId="3235232816" sldId="263"/>
+            <ac:spMk id="41" creationId="{5E39A796-BE83-48B1-B33F-35C4A32AAB57}"/>
+          </ac:spMkLst>
+        </pc:spChg>
+        <pc:spChg chg="add del">
+          <ac:chgData name="Emily Robinson" userId="a9fcd774-4f33-423d-80dd-0db627157868" providerId="ADAL" clId="{98C76723-AA43-4380-8E4D-B8026509F880}" dt="2021-04-21T18:06:03.432" v="450" actId="26606"/>
+          <ac:spMkLst>
+            <pc:docMk/>
+            <pc:sldMk cId="3235232816" sldId="263"/>
+            <ac:spMk id="42" creationId="{72F84B47-E267-4194-8194-831DB7B5547F}"/>
+          </ac:spMkLst>
+        </pc:spChg>
+        <pc:spChg chg="add del">
+          <ac:chgData name="Emily Robinson" userId="a9fcd774-4f33-423d-80dd-0db627157868" providerId="ADAL" clId="{98C76723-AA43-4380-8E4D-B8026509F880}" dt="2021-04-21T18:17:54.753" v="535" actId="26606"/>
+          <ac:spMkLst>
+            <pc:docMk/>
+            <pc:sldMk cId="3235232816" sldId="263"/>
+            <ac:spMk id="43" creationId="{D5B0017B-2ECA-49AF-B397-DC140825DF8D}"/>
+          </ac:spMkLst>
+        </pc:spChg>
+        <pc:spChg chg="add del">
+          <ac:chgData name="Emily Robinson" userId="a9fcd774-4f33-423d-80dd-0db627157868" providerId="ADAL" clId="{98C76723-AA43-4380-8E4D-B8026509F880}" dt="2021-04-21T18:17:54.753" v="535" actId="26606"/>
+          <ac:spMkLst>
+            <pc:docMk/>
+            <pc:sldMk cId="3235232816" sldId="263"/>
+            <ac:spMk id="44" creationId="{70E96339-907C-46C3-99AC-31179B6F0EBD}"/>
+          </ac:spMkLst>
+        </pc:spChg>
+        <pc:spChg chg="add del">
+          <ac:chgData name="Emily Robinson" userId="a9fcd774-4f33-423d-80dd-0db627157868" providerId="ADAL" clId="{98C76723-AA43-4380-8E4D-B8026509F880}" dt="2021-04-21T18:18:06.740" v="537" actId="26606"/>
+          <ac:spMkLst>
+            <pc:docMk/>
+            <pc:sldMk cId="3235232816" sldId="263"/>
+            <ac:spMk id="46" creationId="{058A14AF-9FB5-4CC7-BA35-E8E85D3EDF0E}"/>
+          </ac:spMkLst>
+        </pc:spChg>
+        <pc:spChg chg="add del">
+          <ac:chgData name="Emily Robinson" userId="a9fcd774-4f33-423d-80dd-0db627157868" providerId="ADAL" clId="{98C76723-AA43-4380-8E4D-B8026509F880}" dt="2021-04-21T18:05:25.906" v="426" actId="26606"/>
+          <ac:spMkLst>
+            <pc:docMk/>
+            <pc:sldMk cId="3235232816" sldId="263"/>
+            <ac:spMk id="47" creationId="{46F7435D-E3DB-47B1-BA61-B00ACC83A9DE}"/>
+          </ac:spMkLst>
+        </pc:spChg>
+        <pc:spChg chg="add del">
+          <ac:chgData name="Emily Robinson" userId="a9fcd774-4f33-423d-80dd-0db627157868" providerId="ADAL" clId="{98C76723-AA43-4380-8E4D-B8026509F880}" dt="2021-04-21T18:18:06.740" v="537" actId="26606"/>
+          <ac:spMkLst>
+            <pc:docMk/>
+            <pc:sldMk cId="3235232816" sldId="263"/>
+            <ac:spMk id="48" creationId="{3A9A4357-BD1D-4622-A4FE-766E6AB8DE84}"/>
+          </ac:spMkLst>
+        </pc:spChg>
+        <pc:spChg chg="add del">
+          <ac:chgData name="Emily Robinson" userId="a9fcd774-4f33-423d-80dd-0db627157868" providerId="ADAL" clId="{98C76723-AA43-4380-8E4D-B8026509F880}" dt="2021-04-21T18:05:25.906" v="426" actId="26606"/>
+          <ac:spMkLst>
+            <pc:docMk/>
+            <pc:sldMk cId="3235232816" sldId="263"/>
+            <ac:spMk id="49" creationId="{F263A0B5-F8C4-4116-809F-78A768EA79A6}"/>
+          </ac:spMkLst>
+        </pc:spChg>
+        <pc:spChg chg="add del">
+          <ac:chgData name="Emily Robinson" userId="a9fcd774-4f33-423d-80dd-0db627157868" providerId="ADAL" clId="{98C76723-AA43-4380-8E4D-B8026509F880}" dt="2021-04-21T18:18:06.740" v="537" actId="26606"/>
+          <ac:spMkLst>
+            <pc:docMk/>
+            <pc:sldMk cId="3235232816" sldId="263"/>
+            <ac:spMk id="50" creationId="{E659831F-0D9A-4C63-9EBB-8435B85A440F}"/>
+          </ac:spMkLst>
+        </pc:spChg>
+        <pc:spChg chg="add del">
+          <ac:chgData name="Emily Robinson" userId="a9fcd774-4f33-423d-80dd-0db627157868" providerId="ADAL" clId="{98C76723-AA43-4380-8E4D-B8026509F880}" dt="2021-04-21T18:05:27.983" v="428" actId="26606"/>
+          <ac:spMkLst>
+            <pc:docMk/>
+            <pc:sldMk cId="3235232816" sldId="263"/>
+            <ac:spMk id="51" creationId="{04812C46-200A-4DEB-A05E-3ED6C68C2387}"/>
+          </ac:spMkLst>
+        </pc:spChg>
+        <pc:spChg chg="add del">
+          <ac:chgData name="Emily Robinson" userId="a9fcd774-4f33-423d-80dd-0db627157868" providerId="ADAL" clId="{98C76723-AA43-4380-8E4D-B8026509F880}" dt="2021-04-21T18:05:27.983" v="428" actId="26606"/>
+          <ac:spMkLst>
+            <pc:docMk/>
+            <pc:sldMk cId="3235232816" sldId="263"/>
+            <ac:spMk id="52" creationId="{16BF4F81-CE79-4A24-860D-9959FF7162FB}"/>
+          </ac:spMkLst>
+        </pc:spChg>
+        <pc:spChg chg="add del">
+          <ac:chgData name="Emily Robinson" userId="a9fcd774-4f33-423d-80dd-0db627157868" providerId="ADAL" clId="{98C76723-AA43-4380-8E4D-B8026509F880}" dt="2021-04-21T18:18:06.740" v="537" actId="26606"/>
+          <ac:spMkLst>
+            <pc:docMk/>
+            <pc:sldMk cId="3235232816" sldId="263"/>
+            <ac:spMk id="53" creationId="{E6995CE5-F890-4ABA-82A2-26507CE8D2A3}"/>
+          </ac:spMkLst>
+        </pc:spChg>
+        <pc:spChg chg="add del">
+          <ac:chgData name="Emily Robinson" userId="a9fcd774-4f33-423d-80dd-0db627157868" providerId="ADAL" clId="{98C76723-AA43-4380-8E4D-B8026509F880}" dt="2021-04-21T18:05:56.864" v="441" actId="26606"/>
+          <ac:spMkLst>
+            <pc:docMk/>
+            <pc:sldMk cId="3235232816" sldId="263"/>
+            <ac:spMk id="54" creationId="{46F7435D-E3DB-47B1-BA61-B00ACC83A9DE}"/>
+          </ac:spMkLst>
+        </pc:spChg>
+        <pc:spChg chg="add del">
+          <ac:chgData name="Emily Robinson" userId="a9fcd774-4f33-423d-80dd-0db627157868" providerId="ADAL" clId="{98C76723-AA43-4380-8E4D-B8026509F880}" dt="2021-04-21T18:05:56.864" v="441" actId="26606"/>
+          <ac:spMkLst>
+            <pc:docMk/>
+            <pc:sldMk cId="3235232816" sldId="263"/>
+            <ac:spMk id="55" creationId="{F263A0B5-F8C4-4116-809F-78A768EA79A6}"/>
+          </ac:spMkLst>
+        </pc:spChg>
+        <pc:spChg chg="add del">
+          <ac:chgData name="Emily Robinson" userId="a9fcd774-4f33-423d-80dd-0db627157868" providerId="ADAL" clId="{98C76723-AA43-4380-8E4D-B8026509F880}" dt="2021-04-21T18:18:10.783" v="539" actId="26606"/>
+          <ac:spMkLst>
+            <pc:docMk/>
+            <pc:sldMk cId="3235232816" sldId="263"/>
+            <ac:spMk id="56" creationId="{28D31E1B-0407-4223-9642-0B642CBF57D9}"/>
+          </ac:spMkLst>
+        </pc:spChg>
+        <pc:spChg chg="add del">
+          <ac:chgData name="Emily Robinson" userId="a9fcd774-4f33-423d-80dd-0db627157868" providerId="ADAL" clId="{98C76723-AA43-4380-8E4D-B8026509F880}" dt="2021-04-21T18:18:10.783" v="539" actId="26606"/>
+          <ac:spMkLst>
+            <pc:docMk/>
+            <pc:sldMk cId="3235232816" sldId="263"/>
+            <ac:spMk id="61" creationId="{D5B0017B-2ECA-49AF-B397-DC140825DF8D}"/>
+          </ac:spMkLst>
+        </pc:spChg>
+        <pc:spChg chg="add del">
+          <ac:chgData name="Emily Robinson" userId="a9fcd774-4f33-423d-80dd-0db627157868" providerId="ADAL" clId="{98C76723-AA43-4380-8E4D-B8026509F880}" dt="2021-04-21T18:18:10.783" v="539" actId="26606"/>
+          <ac:spMkLst>
+            <pc:docMk/>
+            <pc:sldMk cId="3235232816" sldId="263"/>
+            <ac:spMk id="62" creationId="{70E96339-907C-46C3-99AC-31179B6F0EBD}"/>
+          </ac:spMkLst>
+        </pc:spChg>
+        <pc:spChg chg="add del">
+          <ac:chgData name="Emily Robinson" userId="a9fcd774-4f33-423d-80dd-0db627157868" providerId="ADAL" clId="{98C76723-AA43-4380-8E4D-B8026509F880}" dt="2021-04-21T18:18:13.157" v="541" actId="26606"/>
+          <ac:spMkLst>
+            <pc:docMk/>
+            <pc:sldMk cId="3235232816" sldId="263"/>
+            <ac:spMk id="65" creationId="{CEB41C5C-0F34-4DDA-9D7C-5E717F35F60C}"/>
+          </ac:spMkLst>
+        </pc:spChg>
+        <pc:spChg chg="add del">
+          <ac:chgData name="Emily Robinson" userId="a9fcd774-4f33-423d-80dd-0db627157868" providerId="ADAL" clId="{98C76723-AA43-4380-8E4D-B8026509F880}" dt="2021-04-21T18:18:14.412" v="543" actId="26606"/>
+          <ac:spMkLst>
+            <pc:docMk/>
+            <pc:sldMk cId="3235232816" sldId="263"/>
+            <ac:spMk id="68" creationId="{2B566528-1B12-4246-9431-5C2D7D081168}"/>
+          </ac:spMkLst>
+        </pc:spChg>
+        <pc:spChg chg="add">
+          <ac:chgData name="Emily Robinson" userId="a9fcd774-4f33-423d-80dd-0db627157868" providerId="ADAL" clId="{98C76723-AA43-4380-8E4D-B8026509F880}" dt="2021-04-21T18:18:54.331" v="572" actId="26606"/>
+          <ac:spMkLst>
+            <pc:docMk/>
+            <pc:sldMk cId="3235232816" sldId="263"/>
+            <ac:spMk id="71" creationId="{46F7435D-E3DB-47B1-BA61-B00ACC83A9DE}"/>
+          </ac:spMkLst>
+        </pc:spChg>
+        <pc:spChg chg="add">
+          <ac:chgData name="Emily Robinson" userId="a9fcd774-4f33-423d-80dd-0db627157868" providerId="ADAL" clId="{98C76723-AA43-4380-8E4D-B8026509F880}" dt="2021-04-21T18:18:54.331" v="572" actId="26606"/>
+          <ac:spMkLst>
+            <pc:docMk/>
+            <pc:sldMk cId="3235232816" sldId="263"/>
+            <ac:spMk id="73" creationId="{F263A0B5-F8C4-4116-809F-78A768EA79A6}"/>
+          </ac:spMkLst>
+        </pc:spChg>
+        <pc:spChg chg="add del">
+          <ac:chgData name="Emily Robinson" userId="a9fcd774-4f33-423d-80dd-0db627157868" providerId="ADAL" clId="{98C76723-AA43-4380-8E4D-B8026509F880}" dt="2021-04-21T18:18:15.448" v="545" actId="26606"/>
+          <ac:spMkLst>
+            <pc:docMk/>
+            <pc:sldMk cId="3235232816" sldId="263"/>
+            <ac:spMk id="76" creationId="{2B566528-1B12-4246-9431-5C2D7D081168}"/>
+          </ac:spMkLst>
+        </pc:spChg>
+        <pc:spChg chg="add del">
+          <ac:chgData name="Emily Robinson" userId="a9fcd774-4f33-423d-80dd-0db627157868" providerId="ADAL" clId="{98C76723-AA43-4380-8E4D-B8026509F880}" dt="2021-04-21T18:18:16.621" v="547" actId="26606"/>
+          <ac:spMkLst>
+            <pc:docMk/>
+            <pc:sldMk cId="3235232816" sldId="263"/>
+            <ac:spMk id="84" creationId="{73C994B4-9721-4148-9EEC-6793CECDE8DD}"/>
+          </ac:spMkLst>
+        </pc:spChg>
+        <pc:spChg chg="add del">
+          <ac:chgData name="Emily Robinson" userId="a9fcd774-4f33-423d-80dd-0db627157868" providerId="ADAL" clId="{98C76723-AA43-4380-8E4D-B8026509F880}" dt="2021-04-21T18:18:16.621" v="547" actId="26606"/>
+          <ac:spMkLst>
+            <pc:docMk/>
+            <pc:sldMk cId="3235232816" sldId="263"/>
+            <ac:spMk id="85" creationId="{F9D95E49-763A-4886-B038-82F734740554}"/>
+          </ac:spMkLst>
+        </pc:spChg>
+        <pc:spChg chg="add del">
+          <ac:chgData name="Emily Robinson" userId="a9fcd774-4f33-423d-80dd-0db627157868" providerId="ADAL" clId="{98C76723-AA43-4380-8E4D-B8026509F880}" dt="2021-04-21T18:18:16.621" v="547" actId="26606"/>
+          <ac:spMkLst>
+            <pc:docMk/>
+            <pc:sldMk cId="3235232816" sldId="263"/>
+            <ac:spMk id="86" creationId="{C4BBF182-F88E-4160-9D7C-A47A761320CF}"/>
+          </ac:spMkLst>
+        </pc:spChg>
+        <pc:spChg chg="add del">
+          <ac:chgData name="Emily Robinson" userId="a9fcd774-4f33-423d-80dd-0db627157868" providerId="ADAL" clId="{98C76723-AA43-4380-8E4D-B8026509F880}" dt="2021-04-21T18:18:17.461" v="549" actId="26606"/>
+          <ac:spMkLst>
+            <pc:docMk/>
+            <pc:sldMk cId="3235232816" sldId="263"/>
+            <ac:spMk id="90" creationId="{19B50CE4-2957-4107-A03B-0C316BDA91AC}"/>
+          </ac:spMkLst>
+        </pc:spChg>
+        <pc:spChg chg="add del">
+          <ac:chgData name="Emily Robinson" userId="a9fcd774-4f33-423d-80dd-0db627157868" providerId="ADAL" clId="{98C76723-AA43-4380-8E4D-B8026509F880}" dt="2021-04-21T18:18:17.461" v="549" actId="26606"/>
+          <ac:spMkLst>
+            <pc:docMk/>
+            <pc:sldMk cId="3235232816" sldId="263"/>
+            <ac:spMk id="91" creationId="{CB249F6D-244F-494A-98B9-5CC7413C4FB9}"/>
+          </ac:spMkLst>
+        </pc:spChg>
+        <pc:spChg chg="add del">
+          <ac:chgData name="Emily Robinson" userId="a9fcd774-4f33-423d-80dd-0db627157868" providerId="ADAL" clId="{98C76723-AA43-4380-8E4D-B8026509F880}" dt="2021-04-21T18:18:17.461" v="549" actId="26606"/>
+          <ac:spMkLst>
+            <pc:docMk/>
+            <pc:sldMk cId="3235232816" sldId="263"/>
+            <ac:spMk id="92" creationId="{506C536E-6ECA-4211-AF8C-A2671C484DA7}"/>
+          </ac:spMkLst>
+        </pc:spChg>
+        <pc:spChg chg="add del">
+          <ac:chgData name="Emily Robinson" userId="a9fcd774-4f33-423d-80dd-0db627157868" providerId="ADAL" clId="{98C76723-AA43-4380-8E4D-B8026509F880}" dt="2021-04-21T18:18:17.461" v="549" actId="26606"/>
+          <ac:spMkLst>
+            <pc:docMk/>
+            <pc:sldMk cId="3235232816" sldId="263"/>
+            <ac:spMk id="93" creationId="{AEAA70EA-2201-4F5D-AF08-58CFF851CCCD}"/>
+          </ac:spMkLst>
+        </pc:spChg>
+        <pc:spChg chg="add del">
+          <ac:chgData name="Emily Robinson" userId="a9fcd774-4f33-423d-80dd-0db627157868" providerId="ADAL" clId="{98C76723-AA43-4380-8E4D-B8026509F880}" dt="2021-04-21T18:18:19.184" v="551" actId="26606"/>
+          <ac:spMkLst>
+            <pc:docMk/>
+            <pc:sldMk cId="3235232816" sldId="263"/>
+            <ac:spMk id="95" creationId="{8B3A2D1A-45FC-4F95-B150-1C13EF2F6D09}"/>
+          </ac:spMkLst>
+        </pc:spChg>
+        <pc:spChg chg="add del">
+          <ac:chgData name="Emily Robinson" userId="a9fcd774-4f33-423d-80dd-0db627157868" providerId="ADAL" clId="{98C76723-AA43-4380-8E4D-B8026509F880}" dt="2021-04-21T18:18:19.184" v="551" actId="26606"/>
+          <ac:spMkLst>
+            <pc:docMk/>
+            <pc:sldMk cId="3235232816" sldId="263"/>
+            <ac:spMk id="96" creationId="{5C27D684-2832-41BD-AC29-838243B8039B}"/>
+          </ac:spMkLst>
+        </pc:spChg>
+        <pc:spChg chg="add del">
+          <ac:chgData name="Emily Robinson" userId="a9fcd774-4f33-423d-80dd-0db627157868" providerId="ADAL" clId="{98C76723-AA43-4380-8E4D-B8026509F880}" dt="2021-04-21T18:18:19.184" v="551" actId="26606"/>
+          <ac:spMkLst>
+            <pc:docMk/>
+            <pc:sldMk cId="3235232816" sldId="263"/>
+            <ac:spMk id="97" creationId="{5ABDA325-4B50-4FFB-81B9-95576831FB06}"/>
+          </ac:spMkLst>
+        </pc:spChg>
+        <pc:spChg chg="add del">
+          <ac:chgData name="Emily Robinson" userId="a9fcd774-4f33-423d-80dd-0db627157868" providerId="ADAL" clId="{98C76723-AA43-4380-8E4D-B8026509F880}" dt="2021-04-21T18:18:19.184" v="551" actId="26606"/>
+          <ac:spMkLst>
+            <pc:docMk/>
+            <pc:sldMk cId="3235232816" sldId="263"/>
+            <ac:spMk id="98" creationId="{F2A49241-8E10-49A1-B30C-2A0230F6ABEC}"/>
+          </ac:spMkLst>
+        </pc:spChg>
+        <pc:spChg chg="add del">
+          <ac:chgData name="Emily Robinson" userId="a9fcd774-4f33-423d-80dd-0db627157868" providerId="ADAL" clId="{98C76723-AA43-4380-8E4D-B8026509F880}" dt="2021-04-21T18:18:20.224" v="553" actId="26606"/>
+          <ac:spMkLst>
+            <pc:docMk/>
+            <pc:sldMk cId="3235232816" sldId="263"/>
+            <ac:spMk id="100" creationId="{2EB492CD-616E-47F8-933B-5E2D952A0593}"/>
+          </ac:spMkLst>
+        </pc:spChg>
+        <pc:spChg chg="add del">
+          <ac:chgData name="Emily Robinson" userId="a9fcd774-4f33-423d-80dd-0db627157868" providerId="ADAL" clId="{98C76723-AA43-4380-8E4D-B8026509F880}" dt="2021-04-21T18:18:20.224" v="553" actId="26606"/>
+          <ac:spMkLst>
+            <pc:docMk/>
+            <pc:sldMk cId="3235232816" sldId="263"/>
+            <ac:spMk id="101" creationId="{59383CF9-23B5-4335-9B21-1791C4CF1C75}"/>
+          </ac:spMkLst>
+        </pc:spChg>
+        <pc:spChg chg="add del">
+          <ac:chgData name="Emily Robinson" userId="a9fcd774-4f33-423d-80dd-0db627157868" providerId="ADAL" clId="{98C76723-AA43-4380-8E4D-B8026509F880}" dt="2021-04-21T18:18:20.224" v="553" actId="26606"/>
+          <ac:spMkLst>
+            <pc:docMk/>
+            <pc:sldMk cId="3235232816" sldId="263"/>
+            <ac:spMk id="102" creationId="{0007FE00-9498-4706-B255-6437B0252C02}"/>
+          </ac:spMkLst>
+        </pc:spChg>
+        <pc:spChg chg="add del">
+          <ac:chgData name="Emily Robinson" userId="a9fcd774-4f33-423d-80dd-0db627157868" providerId="ADAL" clId="{98C76723-AA43-4380-8E4D-B8026509F880}" dt="2021-04-21T18:18:21.548" v="555" actId="26606"/>
+          <ac:spMkLst>
+            <pc:docMk/>
+            <pc:sldMk cId="3235232816" sldId="263"/>
+            <ac:spMk id="104" creationId="{131BAD53-4E89-4F62-BBB7-26359763ED39}"/>
+          </ac:spMkLst>
+        </pc:spChg>
+        <pc:spChg chg="add del">
+          <ac:chgData name="Emily Robinson" userId="a9fcd774-4f33-423d-80dd-0db627157868" providerId="ADAL" clId="{98C76723-AA43-4380-8E4D-B8026509F880}" dt="2021-04-21T18:18:21.548" v="555" actId="26606"/>
+          <ac:spMkLst>
+            <pc:docMk/>
+            <pc:sldMk cId="3235232816" sldId="263"/>
+            <ac:spMk id="105" creationId="{62756DA2-40EB-4C6F-B962-5822FFB54FB6}"/>
+          </ac:spMkLst>
+        </pc:spChg>
+        <pc:spChg chg="add del">
+          <ac:chgData name="Emily Robinson" userId="a9fcd774-4f33-423d-80dd-0db627157868" providerId="ADAL" clId="{98C76723-AA43-4380-8E4D-B8026509F880}" dt="2021-04-21T18:18:23.056" v="557" actId="26606"/>
+          <ac:spMkLst>
+            <pc:docMk/>
+            <pc:sldMk cId="3235232816" sldId="263"/>
+            <ac:spMk id="107" creationId="{577D1452-F0B7-431E-9A24-D3F7103D8510}"/>
+          </ac:spMkLst>
+        </pc:spChg>
+        <pc:spChg chg="add del">
+          <ac:chgData name="Emily Robinson" userId="a9fcd774-4f33-423d-80dd-0db627157868" providerId="ADAL" clId="{98C76723-AA43-4380-8E4D-B8026509F880}" dt="2021-04-21T18:18:23.056" v="557" actId="26606"/>
+          <ac:spMkLst>
+            <pc:docMk/>
+            <pc:sldMk cId="3235232816" sldId="263"/>
+            <ac:spMk id="108" creationId="{A660F4F9-5DF5-4F15-BE6A-CD8648BB1148}"/>
+          </ac:spMkLst>
+        </pc:spChg>
+        <pc:spChg chg="add del">
+          <ac:chgData name="Emily Robinson" userId="a9fcd774-4f33-423d-80dd-0db627157868" providerId="ADAL" clId="{98C76723-AA43-4380-8E4D-B8026509F880}" dt="2021-04-21T18:18:24.073" v="560" actId="26606"/>
+          <ac:spMkLst>
+            <pc:docMk/>
+            <pc:sldMk cId="3235232816" sldId="263"/>
+            <ac:spMk id="110" creationId="{73C994B4-9721-4148-9EEC-6793CECDE8DD}"/>
+          </ac:spMkLst>
+        </pc:spChg>
+        <pc:spChg chg="add del">
+          <ac:chgData name="Emily Robinson" userId="a9fcd774-4f33-423d-80dd-0db627157868" providerId="ADAL" clId="{98C76723-AA43-4380-8E4D-B8026509F880}" dt="2021-04-21T18:18:24.073" v="560" actId="26606"/>
+          <ac:spMkLst>
+            <pc:docMk/>
+            <pc:sldMk cId="3235232816" sldId="263"/>
+            <ac:spMk id="111" creationId="{F9D95E49-763A-4886-B038-82F734740554}"/>
+          </ac:spMkLst>
+        </pc:spChg>
+        <pc:spChg chg="add del">
+          <ac:chgData name="Emily Robinson" userId="a9fcd774-4f33-423d-80dd-0db627157868" providerId="ADAL" clId="{98C76723-AA43-4380-8E4D-B8026509F880}" dt="2021-04-21T18:18:24.073" v="560" actId="26606"/>
+          <ac:spMkLst>
+            <pc:docMk/>
+            <pc:sldMk cId="3235232816" sldId="263"/>
+            <ac:spMk id="112" creationId="{7072C7DA-0D16-473C-B416-D84445D8A1AD}"/>
+          </ac:spMkLst>
+        </pc:spChg>
+        <pc:spChg chg="add del">
+          <ac:chgData name="Emily Robinson" userId="a9fcd774-4f33-423d-80dd-0db627157868" providerId="ADAL" clId="{98C76723-AA43-4380-8E4D-B8026509F880}" dt="2021-04-21T18:18:24.073" v="560" actId="26606"/>
+          <ac:spMkLst>
+            <pc:docMk/>
+            <pc:sldMk cId="3235232816" sldId="263"/>
+            <ac:spMk id="113" creationId="{79712DE8-94E0-4F45-81D9-37AF7A32F4D6}"/>
+          </ac:spMkLst>
+        </pc:spChg>
+        <pc:spChg chg="add del">
+          <ac:chgData name="Emily Robinson" userId="a9fcd774-4f33-423d-80dd-0db627157868" providerId="ADAL" clId="{98C76723-AA43-4380-8E4D-B8026509F880}" dt="2021-04-21T18:18:25.409" v="562" actId="26606"/>
+          <ac:spMkLst>
+            <pc:docMk/>
+            <pc:sldMk cId="3235232816" sldId="263"/>
+            <ac:spMk id="117" creationId="{F821940F-7A1D-4ACC-85B4-A932898ABB37}"/>
+          </ac:spMkLst>
+        </pc:spChg>
+        <pc:spChg chg="add del">
+          <ac:chgData name="Emily Robinson" userId="a9fcd774-4f33-423d-80dd-0db627157868" providerId="ADAL" clId="{98C76723-AA43-4380-8E4D-B8026509F880}" dt="2021-04-21T18:18:25.409" v="562" actId="26606"/>
+          <ac:spMkLst>
+            <pc:docMk/>
+            <pc:sldMk cId="3235232816" sldId="263"/>
+            <ac:spMk id="118" creationId="{16674508-81D3-48CF-96BF-7FC60EAA572A}"/>
+          </ac:spMkLst>
+        </pc:spChg>
+        <pc:spChg chg="add del">
+          <ac:chgData name="Emily Robinson" userId="a9fcd774-4f33-423d-80dd-0db627157868" providerId="ADAL" clId="{98C76723-AA43-4380-8E4D-B8026509F880}" dt="2021-04-21T18:18:26.459" v="564" actId="26606"/>
+          <ac:spMkLst>
+            <pc:docMk/>
+            <pc:sldMk cId="3235232816" sldId="263"/>
+            <ac:spMk id="120" creationId="{8ED08A1D-4632-47AB-8832-C17BA008697E}"/>
+          </ac:spMkLst>
+        </pc:spChg>
+        <pc:spChg chg="add del">
+          <ac:chgData name="Emily Robinson" userId="a9fcd774-4f33-423d-80dd-0db627157868" providerId="ADAL" clId="{98C76723-AA43-4380-8E4D-B8026509F880}" dt="2021-04-21T18:18:28.092" v="566" actId="26606"/>
+          <ac:spMkLst>
+            <pc:docMk/>
+            <pc:sldMk cId="3235232816" sldId="263"/>
+            <ac:spMk id="125" creationId="{8ED08A1D-4632-47AB-8832-C17BA008697E}"/>
+          </ac:spMkLst>
+        </pc:spChg>
+        <pc:spChg chg="add del">
+          <ac:chgData name="Emily Robinson" userId="a9fcd774-4f33-423d-80dd-0db627157868" providerId="ADAL" clId="{98C76723-AA43-4380-8E4D-B8026509F880}" dt="2021-04-21T18:18:54.331" v="572" actId="26606"/>
+          <ac:spMkLst>
+            <pc:docMk/>
+            <pc:sldMk cId="3235232816" sldId="263"/>
+            <ac:spMk id="130" creationId="{1A95671B-3CC6-4792-9114-B74FAEA224E6}"/>
+          </ac:spMkLst>
+        </pc:spChg>
+        <pc:grpChg chg="add del">
+          <ac:chgData name="Emily Robinson" userId="a9fcd774-4f33-423d-80dd-0db627157868" providerId="ADAL" clId="{98C76723-AA43-4380-8E4D-B8026509F880}" dt="2021-04-21T18:04:35.661" v="404" actId="26606"/>
+          <ac:grpSpMkLst>
+            <pc:docMk/>
+            <pc:sldMk cId="3235232816" sldId="263"/>
+            <ac:grpSpMk id="8" creationId="{828A5161-06F1-46CF-8AD7-844680A59E13}"/>
+          </ac:grpSpMkLst>
+        </pc:grpChg>
+        <pc:grpChg chg="add del">
+          <ac:chgData name="Emily Robinson" userId="a9fcd774-4f33-423d-80dd-0db627157868" providerId="ADAL" clId="{98C76723-AA43-4380-8E4D-B8026509F880}" dt="2021-04-21T18:04:35.661" v="404" actId="26606"/>
+          <ac:grpSpMkLst>
+            <pc:docMk/>
+            <pc:sldMk cId="3235232816" sldId="263"/>
+            <ac:grpSpMk id="9" creationId="{5995D10D-E9C9-47DB-AE7E-801FEF38F5C9}"/>
+          </ac:grpSpMkLst>
+        </pc:grpChg>
+        <pc:grpChg chg="add del">
+          <ac:chgData name="Emily Robinson" userId="a9fcd774-4f33-423d-80dd-0db627157868" providerId="ADAL" clId="{98C76723-AA43-4380-8E4D-B8026509F880}" dt="2021-04-21T18:04:19.479" v="394" actId="26606"/>
+          <ac:grpSpMkLst>
+            <pc:docMk/>
+            <pc:sldMk cId="3235232816" sldId="263"/>
+            <ac:grpSpMk id="12" creationId="{1DE889C7-FAD6-4397-98E2-05D503484459}"/>
+          </ac:grpSpMkLst>
+        </pc:grpChg>
+        <pc:grpChg chg="add del">
+          <ac:chgData name="Emily Robinson" userId="a9fcd774-4f33-423d-80dd-0db627157868" providerId="ADAL" clId="{98C76723-AA43-4380-8E4D-B8026509F880}" dt="2021-04-21T18:04:44.533" v="406" actId="26606"/>
+          <ac:grpSpMkLst>
+            <pc:docMk/>
+            <pc:sldMk cId="3235232816" sldId="263"/>
+            <ac:grpSpMk id="21" creationId="{1DE889C7-FAD6-4397-98E2-05D503484459}"/>
+          </ac:grpSpMkLst>
+        </pc:grpChg>
+        <pc:grpChg chg="add del">
+          <ac:chgData name="Emily Robinson" userId="a9fcd774-4f33-423d-80dd-0db627157868" providerId="ADAL" clId="{98C76723-AA43-4380-8E4D-B8026509F880}" dt="2021-04-21T18:17:54.753" v="535" actId="26606"/>
+          <ac:grpSpMkLst>
+            <pc:docMk/>
+            <pc:sldMk cId="3235232816" sldId="263"/>
+            <ac:grpSpMk id="28" creationId="{AE1C45F0-260A-458C-96ED-C1F6D2151219}"/>
+          </ac:grpSpMkLst>
+        </pc:grpChg>
+        <pc:grpChg chg="add del">
+          <ac:chgData name="Emily Robinson" userId="a9fcd774-4f33-423d-80dd-0db627157868" providerId="ADAL" clId="{98C76723-AA43-4380-8E4D-B8026509F880}" dt="2021-04-21T18:18:10.783" v="539" actId="26606"/>
+          <ac:grpSpMkLst>
+            <pc:docMk/>
+            <pc:sldMk cId="3235232816" sldId="263"/>
+            <ac:grpSpMk id="57" creationId="{AE1C45F0-260A-458C-96ED-C1F6D2151219}"/>
+          </ac:grpSpMkLst>
+        </pc:grpChg>
+        <pc:grpChg chg="add del">
+          <ac:chgData name="Emily Robinson" userId="a9fcd774-4f33-423d-80dd-0db627157868" providerId="ADAL" clId="{98C76723-AA43-4380-8E4D-B8026509F880}" dt="2021-04-21T18:18:14.412" v="543" actId="26606"/>
+          <ac:grpSpMkLst>
+            <pc:docMk/>
+            <pc:sldMk cId="3235232816" sldId="263"/>
+            <ac:grpSpMk id="69" creationId="{828A5161-06F1-46CF-8AD7-844680A59E13}"/>
+          </ac:grpSpMkLst>
+        </pc:grpChg>
+        <pc:grpChg chg="add del">
+          <ac:chgData name="Emily Robinson" userId="a9fcd774-4f33-423d-80dd-0db627157868" providerId="ADAL" clId="{98C76723-AA43-4380-8E4D-B8026509F880}" dt="2021-04-21T18:18:14.412" v="543" actId="26606"/>
+          <ac:grpSpMkLst>
+            <pc:docMk/>
+            <pc:sldMk cId="3235232816" sldId="263"/>
+            <ac:grpSpMk id="72" creationId="{5995D10D-E9C9-47DB-AE7E-801FEF38F5C9}"/>
+          </ac:grpSpMkLst>
+        </pc:grpChg>
+        <pc:grpChg chg="add del">
+          <ac:chgData name="Emily Robinson" userId="a9fcd774-4f33-423d-80dd-0db627157868" providerId="ADAL" clId="{98C76723-AA43-4380-8E4D-B8026509F880}" dt="2021-04-21T18:18:15.448" v="545" actId="26606"/>
+          <ac:grpSpMkLst>
+            <pc:docMk/>
+            <pc:sldMk cId="3235232816" sldId="263"/>
+            <ac:grpSpMk id="77" creationId="{828A5161-06F1-46CF-8AD7-844680A59E13}"/>
+          </ac:grpSpMkLst>
+        </pc:grpChg>
+        <pc:grpChg chg="add del">
+          <ac:chgData name="Emily Robinson" userId="a9fcd774-4f33-423d-80dd-0db627157868" providerId="ADAL" clId="{98C76723-AA43-4380-8E4D-B8026509F880}" dt="2021-04-21T18:18:15.448" v="545" actId="26606"/>
+          <ac:grpSpMkLst>
+            <pc:docMk/>
+            <pc:sldMk cId="3235232816" sldId="263"/>
+            <ac:grpSpMk id="80" creationId="{5995D10D-E9C9-47DB-AE7E-801FEF38F5C9}"/>
+          </ac:grpSpMkLst>
+        </pc:grpChg>
+        <pc:grpChg chg="add del">
+          <ac:chgData name="Emily Robinson" userId="a9fcd774-4f33-423d-80dd-0db627157868" providerId="ADAL" clId="{98C76723-AA43-4380-8E4D-B8026509F880}" dt="2021-04-21T18:18:26.459" v="564" actId="26606"/>
+          <ac:grpSpMkLst>
+            <pc:docMk/>
+            <pc:sldMk cId="3235232816" sldId="263"/>
+            <ac:grpSpMk id="121" creationId="{0075437B-93A1-4A73-812B-C5030CC2FFCD}"/>
+          </ac:grpSpMkLst>
+        </pc:grpChg>
+        <pc:grpChg chg="add del">
+          <ac:chgData name="Emily Robinson" userId="a9fcd774-4f33-423d-80dd-0db627157868" providerId="ADAL" clId="{98C76723-AA43-4380-8E4D-B8026509F880}" dt="2021-04-21T18:18:28.092" v="566" actId="26606"/>
+          <ac:grpSpMkLst>
+            <pc:docMk/>
+            <pc:sldMk cId="3235232816" sldId="263"/>
+            <ac:grpSpMk id="126" creationId="{0075437B-93A1-4A73-812B-C5030CC2FFCD}"/>
+          </ac:grpSpMkLst>
+        </pc:grpChg>
+        <pc:graphicFrameChg chg="add mod modGraphic">
+          <ac:chgData name="Emily Robinson" userId="a9fcd774-4f33-423d-80dd-0db627157868" providerId="ADAL" clId="{98C76723-AA43-4380-8E4D-B8026509F880}" dt="2021-04-21T18:18:54.331" v="572" actId="26606"/>
+          <ac:graphicFrameMkLst>
+            <pc:docMk/>
+            <pc:sldMk cId="3235232816" sldId="263"/>
+            <ac:graphicFrameMk id="6" creationId="{94693571-1C2E-4BEA-BFB3-E008ED8413A6}"/>
+          </ac:graphicFrameMkLst>
+        </pc:graphicFrameChg>
+        <pc:picChg chg="add del mod">
+          <ac:chgData name="Emily Robinson" userId="a9fcd774-4f33-423d-80dd-0db627157868" providerId="ADAL" clId="{98C76723-AA43-4380-8E4D-B8026509F880}" dt="2021-04-21T18:06:05.452" v="452"/>
+          <ac:picMkLst>
+            <pc:docMk/>
+            <pc:sldMk cId="3235232816" sldId="263"/>
+            <ac:picMk id="5" creationId="{029C2EAA-7BE1-40FE-B271-1EE800B4749E}"/>
+          </ac:picMkLst>
+        </pc:picChg>
+        <pc:cxnChg chg="add del">
+          <ac:chgData name="Emily Robinson" userId="a9fcd774-4f33-423d-80dd-0db627157868" providerId="ADAL" clId="{98C76723-AA43-4380-8E4D-B8026509F880}" dt="2021-04-21T18:17:54.753" v="535" actId="26606"/>
+          <ac:cxnSpMkLst>
+            <pc:docMk/>
+            <pc:sldMk cId="3235232816" sldId="263"/>
+            <ac:cxnSpMk id="45" creationId="{6CF1BAF6-AD41-4082-B212-8A1F9A2E8779}"/>
+          </ac:cxnSpMkLst>
+        </pc:cxnChg>
+        <pc:cxnChg chg="add del">
+          <ac:chgData name="Emily Robinson" userId="a9fcd774-4f33-423d-80dd-0db627157868" providerId="ADAL" clId="{98C76723-AA43-4380-8E4D-B8026509F880}" dt="2021-04-21T18:18:10.783" v="539" actId="26606"/>
+          <ac:cxnSpMkLst>
+            <pc:docMk/>
+            <pc:sldMk cId="3235232816" sldId="263"/>
+            <ac:cxnSpMk id="63" creationId="{6CF1BAF6-AD41-4082-B212-8A1F9A2E8779}"/>
+          </ac:cxnSpMkLst>
+        </pc:cxnChg>
+        <pc:cxnChg chg="add del">
+          <ac:chgData name="Emily Robinson" userId="a9fcd774-4f33-423d-80dd-0db627157868" providerId="ADAL" clId="{98C76723-AA43-4380-8E4D-B8026509F880}" dt="2021-04-21T18:18:13.157" v="541" actId="26606"/>
+          <ac:cxnSpMkLst>
+            <pc:docMk/>
+            <pc:sldMk cId="3235232816" sldId="263"/>
+            <ac:cxnSpMk id="66" creationId="{57E1E5E6-F385-4E9C-B201-BA5BDE5CAD52}"/>
+          </ac:cxnSpMkLst>
+        </pc:cxnChg>
+        <pc:cxnChg chg="add del">
+          <ac:chgData name="Emily Robinson" userId="a9fcd774-4f33-423d-80dd-0db627157868" providerId="ADAL" clId="{98C76723-AA43-4380-8E4D-B8026509F880}" dt="2021-04-21T18:18:16.621" v="547" actId="26606"/>
+          <ac:cxnSpMkLst>
+            <pc:docMk/>
+            <pc:sldMk cId="3235232816" sldId="263"/>
+            <ac:cxnSpMk id="87" creationId="{BA0504EE-683F-4FE2-A169-83C71FAA35CB}"/>
+          </ac:cxnSpMkLst>
+        </pc:cxnChg>
+        <pc:cxnChg chg="add del">
+          <ac:chgData name="Emily Robinson" userId="a9fcd774-4f33-423d-80dd-0db627157868" providerId="ADAL" clId="{98C76723-AA43-4380-8E4D-B8026509F880}" dt="2021-04-21T18:18:16.621" v="547" actId="26606"/>
+          <ac:cxnSpMkLst>
+            <pc:docMk/>
+            <pc:sldMk cId="3235232816" sldId="263"/>
+            <ac:cxnSpMk id="88" creationId="{80A61CFF-0E76-478B-B02B-73692D891E7C}"/>
+          </ac:cxnSpMkLst>
+        </pc:cxnChg>
+        <pc:cxnChg chg="add del">
+          <ac:chgData name="Emily Robinson" userId="a9fcd774-4f33-423d-80dd-0db627157868" providerId="ADAL" clId="{98C76723-AA43-4380-8E4D-B8026509F880}" dt="2021-04-21T18:18:24.073" v="560" actId="26606"/>
+          <ac:cxnSpMkLst>
+            <pc:docMk/>
+            <pc:sldMk cId="3235232816" sldId="263"/>
+            <ac:cxnSpMk id="114" creationId="{BA0504EE-683F-4FE2-A169-83C71FAA35CB}"/>
+          </ac:cxnSpMkLst>
+        </pc:cxnChg>
+        <pc:cxnChg chg="add del">
+          <ac:chgData name="Emily Robinson" userId="a9fcd774-4f33-423d-80dd-0db627157868" providerId="ADAL" clId="{98C76723-AA43-4380-8E4D-B8026509F880}" dt="2021-04-21T18:18:24.073" v="560" actId="26606"/>
+          <ac:cxnSpMkLst>
+            <pc:docMk/>
+            <pc:sldMk cId="3235232816" sldId="263"/>
+            <ac:cxnSpMk id="115" creationId="{80A61CFF-0E76-478B-B02B-73692D891E7C}"/>
+          </ac:cxnSpMkLst>
+        </pc:cxnChg>
+      </pc:sldChg>
       <pc:sldChg chg="addSp delSp modSp mod">
         <pc:chgData name="Emily Robinson" userId="a9fcd774-4f33-423d-80dd-0db627157868" providerId="ADAL" clId="{98C76723-AA43-4380-8E4D-B8026509F880}" dt="2021-04-19T14:58:22.251" v="31" actId="20577"/>
         <pc:sldMkLst>
@@ -180,6 +1122,386 @@
             <ac:picMk id="9" creationId="{7B2C2ABD-90EA-4599-8D56-1F74BB9E0F77}"/>
           </ac:picMkLst>
         </pc:picChg>
+      </pc:sldChg>
+      <pc:sldChg chg="modSp mod">
+        <pc:chgData name="Emily Robinson" userId="a9fcd774-4f33-423d-80dd-0db627157868" providerId="ADAL" clId="{98C76723-AA43-4380-8E4D-B8026509F880}" dt="2021-04-21T18:43:05.221" v="1373"/>
+        <pc:sldMkLst>
+          <pc:docMk/>
+          <pc:sldMk cId="2060021222" sldId="266"/>
+        </pc:sldMkLst>
+        <pc:spChg chg="mod">
+          <ac:chgData name="Emily Robinson" userId="a9fcd774-4f33-423d-80dd-0db627157868" providerId="ADAL" clId="{98C76723-AA43-4380-8E4D-B8026509F880}" dt="2021-04-21T18:43:05.221" v="1373"/>
+          <ac:spMkLst>
+            <pc:docMk/>
+            <pc:sldMk cId="2060021222" sldId="266"/>
+            <ac:spMk id="3" creationId="{E2B3C75C-9FE8-46E0-9054-7B159271A179}"/>
+          </ac:spMkLst>
+        </pc:spChg>
+      </pc:sldChg>
+      <pc:sldChg chg="addSp delSp modSp add mod setBg delDesignElem modNotesTx">
+        <pc:chgData name="Emily Robinson" userId="a9fcd774-4f33-423d-80dd-0db627157868" providerId="ADAL" clId="{98C76723-AA43-4380-8E4D-B8026509F880}" dt="2021-04-21T18:54:08.729" v="1733" actId="26606"/>
+        <pc:sldMkLst>
+          <pc:docMk/>
+          <pc:sldMk cId="2439084018" sldId="267"/>
+        </pc:sldMkLst>
+        <pc:spChg chg="mod">
+          <ac:chgData name="Emily Robinson" userId="a9fcd774-4f33-423d-80dd-0db627157868" providerId="ADAL" clId="{98C76723-AA43-4380-8E4D-B8026509F880}" dt="2021-04-21T18:54:08.729" v="1733" actId="26606"/>
+          <ac:spMkLst>
+            <pc:docMk/>
+            <pc:sldMk cId="2439084018" sldId="267"/>
+            <ac:spMk id="2" creationId="{EABAB166-3C39-43D1-8F8B-9DB2DEE2352F}"/>
+          </ac:spMkLst>
+        </pc:spChg>
+        <pc:spChg chg="mod">
+          <ac:chgData name="Emily Robinson" userId="a9fcd774-4f33-423d-80dd-0db627157868" providerId="ADAL" clId="{98C76723-AA43-4380-8E4D-B8026509F880}" dt="2021-04-21T18:54:08.729" v="1733" actId="26606"/>
+          <ac:spMkLst>
+            <pc:docMk/>
+            <pc:sldMk cId="2439084018" sldId="267"/>
+            <ac:spMk id="3" creationId="{D7815D9D-E40C-4413-A7F9-D929523D8BF6}"/>
+          </ac:spMkLst>
+        </pc:spChg>
+        <pc:spChg chg="add del">
+          <ac:chgData name="Emily Robinson" userId="a9fcd774-4f33-423d-80dd-0db627157868" providerId="ADAL" clId="{98C76723-AA43-4380-8E4D-B8026509F880}" dt="2021-04-21T18:54:08.729" v="1733" actId="26606"/>
+          <ac:spMkLst>
+            <pc:docMk/>
+            <pc:sldMk cId="2439084018" sldId="267"/>
+            <ac:spMk id="5" creationId="{100EDD19-6802-4EC3-95CE-CFFAB042CFD6}"/>
+          </ac:spMkLst>
+        </pc:spChg>
+        <pc:spChg chg="add del">
+          <ac:chgData name="Emily Robinson" userId="a9fcd774-4f33-423d-80dd-0db627157868" providerId="ADAL" clId="{98C76723-AA43-4380-8E4D-B8026509F880}" dt="2021-04-21T18:54:08.729" v="1733" actId="26606"/>
+          <ac:spMkLst>
+            <pc:docMk/>
+            <pc:sldMk cId="2439084018" sldId="267"/>
+            <ac:spMk id="6" creationId="{DB17E863-922E-4C26-BD64-E8FD41D28661}"/>
+          </ac:spMkLst>
+        </pc:spChg>
+        <pc:spChg chg="del">
+          <ac:chgData name="Emily Robinson" userId="a9fcd774-4f33-423d-80dd-0db627157868" providerId="ADAL" clId="{98C76723-AA43-4380-8E4D-B8026509F880}" dt="2021-04-21T18:18:33.357" v="570"/>
+          <ac:spMkLst>
+            <pc:docMk/>
+            <pc:sldMk cId="2439084018" sldId="267"/>
+            <ac:spMk id="8" creationId="{100EDD19-6802-4EC3-95CE-CFFAB042CFD6}"/>
+          </ac:spMkLst>
+        </pc:spChg>
+        <pc:spChg chg="del">
+          <ac:chgData name="Emily Robinson" userId="a9fcd774-4f33-423d-80dd-0db627157868" providerId="ADAL" clId="{98C76723-AA43-4380-8E4D-B8026509F880}" dt="2021-04-21T18:18:33.357" v="570"/>
+          <ac:spMkLst>
+            <pc:docMk/>
+            <pc:sldMk cId="2439084018" sldId="267"/>
+            <ac:spMk id="10" creationId="{DB17E863-922E-4C26-BD64-E8FD41D28661}"/>
+          </ac:spMkLst>
+        </pc:spChg>
+        <pc:spChg chg="add">
+          <ac:chgData name="Emily Robinson" userId="a9fcd774-4f33-423d-80dd-0db627157868" providerId="ADAL" clId="{98C76723-AA43-4380-8E4D-B8026509F880}" dt="2021-04-21T18:54:08.729" v="1733" actId="26606"/>
+          <ac:spMkLst>
+            <pc:docMk/>
+            <pc:sldMk cId="2439084018" sldId="267"/>
+            <ac:spMk id="11" creationId="{100EDD19-6802-4EC3-95CE-CFFAB042CFD6}"/>
+          </ac:spMkLst>
+        </pc:spChg>
+        <pc:spChg chg="add">
+          <ac:chgData name="Emily Robinson" userId="a9fcd774-4f33-423d-80dd-0db627157868" providerId="ADAL" clId="{98C76723-AA43-4380-8E4D-B8026509F880}" dt="2021-04-21T18:54:08.729" v="1733" actId="26606"/>
+          <ac:spMkLst>
+            <pc:docMk/>
+            <pc:sldMk cId="2439084018" sldId="267"/>
+            <ac:spMk id="13" creationId="{DB17E863-922E-4C26-BD64-E8FD41D28661}"/>
+          </ac:spMkLst>
+        </pc:spChg>
+      </pc:sldChg>
+      <pc:sldChg chg="addSp delSp modSp new del mod setBg setClrOvrMap">
+        <pc:chgData name="Emily Robinson" userId="a9fcd774-4f33-423d-80dd-0db627157868" providerId="ADAL" clId="{98C76723-AA43-4380-8E4D-B8026509F880}" dt="2021-04-21T18:32:33.305" v="974" actId="47"/>
+        <pc:sldMkLst>
+          <pc:docMk/>
+          <pc:sldMk cId="2125685930" sldId="268"/>
+        </pc:sldMkLst>
+        <pc:spChg chg="mod">
+          <ac:chgData name="Emily Robinson" userId="a9fcd774-4f33-423d-80dd-0db627157868" providerId="ADAL" clId="{98C76723-AA43-4380-8E4D-B8026509F880}" dt="2021-04-21T18:27:18.644" v="798" actId="26606"/>
+          <ac:spMkLst>
+            <pc:docMk/>
+            <pc:sldMk cId="2125685930" sldId="268"/>
+            <ac:spMk id="2" creationId="{751D4545-6CDC-4EC5-8BCB-A1AE2E5D04DA}"/>
+          </ac:spMkLst>
+        </pc:spChg>
+        <pc:spChg chg="del">
+          <ac:chgData name="Emily Robinson" userId="a9fcd774-4f33-423d-80dd-0db627157868" providerId="ADAL" clId="{98C76723-AA43-4380-8E4D-B8026509F880}" dt="2021-04-21T18:20:31.420" v="696"/>
+          <ac:spMkLst>
+            <pc:docMk/>
+            <pc:sldMk cId="2125685930" sldId="268"/>
+            <ac:spMk id="3" creationId="{7B96F756-A257-48C4-817D-3B91245A147F}"/>
+          </ac:spMkLst>
+        </pc:spChg>
+        <pc:spChg chg="add del">
+          <ac:chgData name="Emily Robinson" userId="a9fcd774-4f33-423d-80dd-0db627157868" providerId="ADAL" clId="{98C76723-AA43-4380-8E4D-B8026509F880}" dt="2021-04-21T18:21:05" v="711" actId="26606"/>
+          <ac:spMkLst>
+            <pc:docMk/>
+            <pc:sldMk cId="2125685930" sldId="268"/>
+            <ac:spMk id="7" creationId="{4281BC32-FF58-4898-A6B5-7B3D059BCEB0}"/>
+          </ac:spMkLst>
+        </pc:spChg>
+        <pc:spChg chg="add del">
+          <ac:chgData name="Emily Robinson" userId="a9fcd774-4f33-423d-80dd-0db627157868" providerId="ADAL" clId="{98C76723-AA43-4380-8E4D-B8026509F880}" dt="2021-04-21T18:21:05" v="711" actId="26606"/>
+          <ac:spMkLst>
+            <pc:docMk/>
+            <pc:sldMk cId="2125685930" sldId="268"/>
+            <ac:spMk id="8" creationId="{0D614406-135F-4875-9C87-53822CB19ABB}"/>
+          </ac:spMkLst>
+        </pc:spChg>
+        <pc:spChg chg="add del">
+          <ac:chgData name="Emily Robinson" userId="a9fcd774-4f33-423d-80dd-0db627157868" providerId="ADAL" clId="{98C76723-AA43-4380-8E4D-B8026509F880}" dt="2021-04-21T18:21:05" v="711" actId="26606"/>
+          <ac:spMkLst>
+            <pc:docMk/>
+            <pc:sldMk cId="2125685930" sldId="268"/>
+            <ac:spMk id="9" creationId="{A47020BD-3785-4628-8C5E-A4011B43EF88}"/>
+          </ac:spMkLst>
+        </pc:spChg>
+        <pc:spChg chg="add del">
+          <ac:chgData name="Emily Robinson" userId="a9fcd774-4f33-423d-80dd-0db627157868" providerId="ADAL" clId="{98C76723-AA43-4380-8E4D-B8026509F880}" dt="2021-04-21T18:20:45.881" v="699" actId="26606"/>
+          <ac:spMkLst>
+            <pc:docMk/>
+            <pc:sldMk cId="2125685930" sldId="268"/>
+            <ac:spMk id="10" creationId="{E8D41CF8-5232-42BC-8D05-AFEDE215398E}"/>
+          </ac:spMkLst>
+        </pc:spChg>
+        <pc:spChg chg="add del">
+          <ac:chgData name="Emily Robinson" userId="a9fcd774-4f33-423d-80dd-0db627157868" providerId="ADAL" clId="{98C76723-AA43-4380-8E4D-B8026509F880}" dt="2021-04-21T18:25:03.128" v="761" actId="26606"/>
+          <ac:spMkLst>
+            <pc:docMk/>
+            <pc:sldMk cId="2125685930" sldId="268"/>
+            <ac:spMk id="11" creationId="{A4AC5506-6312-4701-8D3C-40187889A947}"/>
+          </ac:spMkLst>
+        </pc:spChg>
+        <pc:spChg chg="add del">
+          <ac:chgData name="Emily Robinson" userId="a9fcd774-4f33-423d-80dd-0db627157868" providerId="ADAL" clId="{98C76723-AA43-4380-8E4D-B8026509F880}" dt="2021-04-21T18:20:45.881" v="699" actId="26606"/>
+          <ac:spMkLst>
+            <pc:docMk/>
+            <pc:sldMk cId="2125685930" sldId="268"/>
+            <ac:spMk id="12" creationId="{49237091-E62C-4878-AA4C-0B9995ADB28F}"/>
+          </ac:spMkLst>
+        </pc:spChg>
+        <pc:spChg chg="add del">
+          <ac:chgData name="Emily Robinson" userId="a9fcd774-4f33-423d-80dd-0db627157868" providerId="ADAL" clId="{98C76723-AA43-4380-8E4D-B8026509F880}" dt="2021-04-21T18:27:07.469" v="794" actId="26606"/>
+          <ac:spMkLst>
+            <pc:docMk/>
+            <pc:sldMk cId="2125685930" sldId="268"/>
+            <ac:spMk id="13" creationId="{96918796-2918-40D6-BE3A-4600C47FCD42}"/>
+          </ac:spMkLst>
+        </pc:spChg>
+        <pc:spChg chg="add del">
+          <ac:chgData name="Emily Robinson" userId="a9fcd774-4f33-423d-80dd-0db627157868" providerId="ADAL" clId="{98C76723-AA43-4380-8E4D-B8026509F880}" dt="2021-04-21T18:20:46.561" v="701" actId="26606"/>
+          <ac:spMkLst>
+            <pc:docMk/>
+            <pc:sldMk cId="2125685930" sldId="268"/>
+            <ac:spMk id="14" creationId="{0D614406-135F-4875-9C87-53822CB19ABB}"/>
+          </ac:spMkLst>
+        </pc:spChg>
+        <pc:spChg chg="add del">
+          <ac:chgData name="Emily Robinson" userId="a9fcd774-4f33-423d-80dd-0db627157868" providerId="ADAL" clId="{98C76723-AA43-4380-8E4D-B8026509F880}" dt="2021-04-21T18:27:14.337" v="796" actId="26606"/>
+          <ac:spMkLst>
+            <pc:docMk/>
+            <pc:sldMk cId="2125685930" sldId="268"/>
+            <ac:spMk id="16" creationId="{3B0DF90E-6BAD-4E82-8FDF-717C9A357378}"/>
+          </ac:spMkLst>
+        </pc:spChg>
+        <pc:spChg chg="add del">
+          <ac:chgData name="Emily Robinson" userId="a9fcd774-4f33-423d-80dd-0db627157868" providerId="ADAL" clId="{98C76723-AA43-4380-8E4D-B8026509F880}" dt="2021-04-21T18:20:49.964" v="703" actId="26606"/>
+          <ac:spMkLst>
+            <pc:docMk/>
+            <pc:sldMk cId="2125685930" sldId="268"/>
+            <ac:spMk id="17" creationId="{60D05D2D-CB6A-431B-BE4A-2A7FCC9FA23B}"/>
+          </ac:spMkLst>
+        </pc:spChg>
+        <pc:spChg chg="add del">
+          <ac:chgData name="Emily Robinson" userId="a9fcd774-4f33-423d-80dd-0db627157868" providerId="ADAL" clId="{98C76723-AA43-4380-8E4D-B8026509F880}" dt="2021-04-21T18:20:49.964" v="703" actId="26606"/>
+          <ac:spMkLst>
+            <pc:docMk/>
+            <pc:sldMk cId="2125685930" sldId="268"/>
+            <ac:spMk id="18" creationId="{E84CD6E5-269B-4A44-867D-78DBB4DFF778}"/>
+          </ac:spMkLst>
+        </pc:spChg>
+        <pc:spChg chg="add del">
+          <ac:chgData name="Emily Robinson" userId="a9fcd774-4f33-423d-80dd-0db627157868" providerId="ADAL" clId="{98C76723-AA43-4380-8E4D-B8026509F880}" dt="2021-04-21T18:27:14.337" v="796" actId="26606"/>
+          <ac:spMkLst>
+            <pc:docMk/>
+            <pc:sldMk cId="2125685930" sldId="268"/>
+            <ac:spMk id="19" creationId="{13DCC859-0434-4BB8-B6C5-09C88AE698FB}"/>
+          </ac:spMkLst>
+        </pc:spChg>
+        <pc:spChg chg="add del">
+          <ac:chgData name="Emily Robinson" userId="a9fcd774-4f33-423d-80dd-0db627157868" providerId="ADAL" clId="{98C76723-AA43-4380-8E4D-B8026509F880}" dt="2021-04-21T18:20:50.806" v="705" actId="26606"/>
+          <ac:spMkLst>
+            <pc:docMk/>
+            <pc:sldMk cId="2125685930" sldId="268"/>
+            <ac:spMk id="20" creationId="{4281BC32-FF58-4898-A6B5-7B3D059BCEB0}"/>
+          </ac:spMkLst>
+        </pc:spChg>
+        <pc:spChg chg="add del">
+          <ac:chgData name="Emily Robinson" userId="a9fcd774-4f33-423d-80dd-0db627157868" providerId="ADAL" clId="{98C76723-AA43-4380-8E4D-B8026509F880}" dt="2021-04-21T18:20:50.806" v="705" actId="26606"/>
+          <ac:spMkLst>
+            <pc:docMk/>
+            <pc:sldMk cId="2125685930" sldId="268"/>
+            <ac:spMk id="21" creationId="{0D614406-135F-4875-9C87-53822CB19ABB}"/>
+          </ac:spMkLst>
+        </pc:spChg>
+        <pc:spChg chg="add del">
+          <ac:chgData name="Emily Robinson" userId="a9fcd774-4f33-423d-80dd-0db627157868" providerId="ADAL" clId="{98C76723-AA43-4380-8E4D-B8026509F880}" dt="2021-04-21T18:20:50.806" v="705" actId="26606"/>
+          <ac:spMkLst>
+            <pc:docMk/>
+            <pc:sldMk cId="2125685930" sldId="268"/>
+            <ac:spMk id="22" creationId="{A47020BD-3785-4628-8C5E-A4011B43EF88}"/>
+          </ac:spMkLst>
+        </pc:spChg>
+        <pc:spChg chg="add del">
+          <ac:chgData name="Emily Robinson" userId="a9fcd774-4f33-423d-80dd-0db627157868" providerId="ADAL" clId="{98C76723-AA43-4380-8E4D-B8026509F880}" dt="2021-04-21T18:27:14.337" v="796" actId="26606"/>
+          <ac:spMkLst>
+            <pc:docMk/>
+            <pc:sldMk cId="2125685930" sldId="268"/>
+            <ac:spMk id="23" creationId="{08E7ACFB-B791-4C23-8B17-013FEDC09A89}"/>
+          </ac:spMkLst>
+        </pc:spChg>
+        <pc:spChg chg="add del">
+          <ac:chgData name="Emily Robinson" userId="a9fcd774-4f33-423d-80dd-0db627157868" providerId="ADAL" clId="{98C76723-AA43-4380-8E4D-B8026509F880}" dt="2021-04-21T18:20:55.881" v="707" actId="26606"/>
+          <ac:spMkLst>
+            <pc:docMk/>
+            <pc:sldMk cId="2125685930" sldId="268"/>
+            <ac:spMk id="24" creationId="{53F29798-D584-4792-9B62-3F5F5C36D619}"/>
+          </ac:spMkLst>
+        </pc:spChg>
+        <pc:spChg chg="add del">
+          <ac:chgData name="Emily Robinson" userId="a9fcd774-4f33-423d-80dd-0db627157868" providerId="ADAL" clId="{98C76723-AA43-4380-8E4D-B8026509F880}" dt="2021-04-21T18:27:18.644" v="798" actId="26606"/>
+          <ac:spMkLst>
+            <pc:docMk/>
+            <pc:sldMk cId="2125685930" sldId="268"/>
+            <ac:spMk id="25" creationId="{42A5316D-ED2F-4F89-B4B4-8D9240B1A348}"/>
+          </ac:spMkLst>
+        </pc:spChg>
+        <pc:graphicFrameChg chg="add mod modGraphic">
+          <ac:chgData name="Emily Robinson" userId="a9fcd774-4f33-423d-80dd-0db627157868" providerId="ADAL" clId="{98C76723-AA43-4380-8E4D-B8026509F880}" dt="2021-04-21T18:27:28.412" v="801" actId="14100"/>
+          <ac:graphicFrameMkLst>
+            <pc:docMk/>
+            <pc:sldMk cId="2125685930" sldId="268"/>
+            <ac:graphicFrameMk id="4" creationId="{0D648124-684D-4EAF-BAA6-7296F8A4687B}"/>
+          </ac:graphicFrameMkLst>
+        </pc:graphicFrameChg>
+        <pc:graphicFrameChg chg="add mod ord modGraphic">
+          <ac:chgData name="Emily Robinson" userId="a9fcd774-4f33-423d-80dd-0db627157868" providerId="ADAL" clId="{98C76723-AA43-4380-8E4D-B8026509F880}" dt="2021-04-21T18:27:33.858" v="803" actId="14100"/>
+          <ac:graphicFrameMkLst>
+            <pc:docMk/>
+            <pc:sldMk cId="2125685930" sldId="268"/>
+            <ac:graphicFrameMk id="5" creationId="{3CD6EC01-7298-4802-B99F-FA987B142805}"/>
+          </ac:graphicFrameMkLst>
+        </pc:graphicFrameChg>
+        <pc:cxnChg chg="add del">
+          <ac:chgData name="Emily Robinson" userId="a9fcd774-4f33-423d-80dd-0db627157868" providerId="ADAL" clId="{98C76723-AA43-4380-8E4D-B8026509F880}" dt="2021-04-21T18:20:46.561" v="701" actId="26606"/>
+          <ac:cxnSpMkLst>
+            <pc:docMk/>
+            <pc:sldMk cId="2125685930" sldId="268"/>
+            <ac:cxnSpMk id="15" creationId="{C6C21149-7D17-44C2-AFB6-4D931DC55FB1}"/>
+          </ac:cxnSpMkLst>
+        </pc:cxnChg>
+      </pc:sldChg>
+      <pc:sldChg chg="addSp delSp modSp add mod setBg delDesignElem">
+        <pc:chgData name="Emily Robinson" userId="a9fcd774-4f33-423d-80dd-0db627157868" providerId="ADAL" clId="{98C76723-AA43-4380-8E4D-B8026509F880}" dt="2021-04-21T18:32:29.054" v="973" actId="1035"/>
+        <pc:sldMkLst>
+          <pc:docMk/>
+          <pc:sldMk cId="1805798837" sldId="269"/>
+        </pc:sldMkLst>
+        <pc:spChg chg="mod">
+          <ac:chgData name="Emily Robinson" userId="a9fcd774-4f33-423d-80dd-0db627157868" providerId="ADAL" clId="{98C76723-AA43-4380-8E4D-B8026509F880}" dt="2021-04-21T18:27:58.485" v="862" actId="6549"/>
+          <ac:spMkLst>
+            <pc:docMk/>
+            <pc:sldMk cId="1805798837" sldId="269"/>
+            <ac:spMk id="2" creationId="{EABAB166-3C39-43D1-8F8B-9DB2DEE2352F}"/>
+          </ac:spMkLst>
+        </pc:spChg>
+        <pc:spChg chg="del mod">
+          <ac:chgData name="Emily Robinson" userId="a9fcd774-4f33-423d-80dd-0db627157868" providerId="ADAL" clId="{98C76723-AA43-4380-8E4D-B8026509F880}" dt="2021-04-21T18:29:02.478" v="901" actId="478"/>
+          <ac:spMkLst>
+            <pc:docMk/>
+            <pc:sldMk cId="1805798837" sldId="269"/>
+            <ac:spMk id="3" creationId="{D7815D9D-E40C-4413-A7F9-D929523D8BF6}"/>
+          </ac:spMkLst>
+        </pc:spChg>
+        <pc:spChg chg="del">
+          <ac:chgData name="Emily Robinson" userId="a9fcd774-4f33-423d-80dd-0db627157868" providerId="ADAL" clId="{98C76723-AA43-4380-8E4D-B8026509F880}" dt="2021-04-21T18:27:39.117" v="805"/>
+          <ac:spMkLst>
+            <pc:docMk/>
+            <pc:sldMk cId="1805798837" sldId="269"/>
+            <ac:spMk id="5" creationId="{100EDD19-6802-4EC3-95CE-CFFAB042CFD6}"/>
+          </ac:spMkLst>
+        </pc:spChg>
+        <pc:spChg chg="del">
+          <ac:chgData name="Emily Robinson" userId="a9fcd774-4f33-423d-80dd-0db627157868" providerId="ADAL" clId="{98C76723-AA43-4380-8E4D-B8026509F880}" dt="2021-04-21T18:27:39.117" v="805"/>
+          <ac:spMkLst>
+            <pc:docMk/>
+            <pc:sldMk cId="1805798837" sldId="269"/>
+            <ac:spMk id="6" creationId="{DB17E863-922E-4C26-BD64-E8FD41D28661}"/>
+          </ac:spMkLst>
+        </pc:spChg>
+        <pc:spChg chg="add del mod">
+          <ac:chgData name="Emily Robinson" userId="a9fcd774-4f33-423d-80dd-0db627157868" providerId="ADAL" clId="{98C76723-AA43-4380-8E4D-B8026509F880}" dt="2021-04-21T18:29:05.556" v="902" actId="478"/>
+          <ac:spMkLst>
+            <pc:docMk/>
+            <pc:sldMk cId="1805798837" sldId="269"/>
+            <ac:spMk id="7" creationId="{CD4627E3-E27D-4465-9A6E-BFCA00E8806D}"/>
+          </ac:spMkLst>
+        </pc:spChg>
+        <pc:spChg chg="add">
+          <ac:chgData name="Emily Robinson" userId="a9fcd774-4f33-423d-80dd-0db627157868" providerId="ADAL" clId="{98C76723-AA43-4380-8E4D-B8026509F880}" dt="2021-04-21T18:27:43.945" v="806" actId="26606"/>
+          <ac:spMkLst>
+            <pc:docMk/>
+            <pc:sldMk cId="1805798837" sldId="269"/>
+            <ac:spMk id="8" creationId="{100EDD19-6802-4EC3-95CE-CFFAB042CFD6}"/>
+          </ac:spMkLst>
+        </pc:spChg>
+        <pc:spChg chg="add del mod">
+          <ac:chgData name="Emily Robinson" userId="a9fcd774-4f33-423d-80dd-0db627157868" providerId="ADAL" clId="{98C76723-AA43-4380-8E4D-B8026509F880}" dt="2021-04-21T18:29:00.963" v="900" actId="478"/>
+          <ac:spMkLst>
+            <pc:docMk/>
+            <pc:sldMk cId="1805798837" sldId="269"/>
+            <ac:spMk id="9" creationId="{7B3AEFC0-06F9-42B5-9CC5-CC4AB7B0CA11}"/>
+          </ac:spMkLst>
+        </pc:spChg>
+        <pc:spChg chg="add">
+          <ac:chgData name="Emily Robinson" userId="a9fcd774-4f33-423d-80dd-0db627157868" providerId="ADAL" clId="{98C76723-AA43-4380-8E4D-B8026509F880}" dt="2021-04-21T18:27:43.945" v="806" actId="26606"/>
+          <ac:spMkLst>
+            <pc:docMk/>
+            <pc:sldMk cId="1805798837" sldId="269"/>
+            <ac:spMk id="10" creationId="{DB17E863-922E-4C26-BD64-E8FD41D28661}"/>
+          </ac:spMkLst>
+        </pc:spChg>
+        <pc:graphicFrameChg chg="add del mod">
+          <ac:chgData name="Emily Robinson" userId="a9fcd774-4f33-423d-80dd-0db627157868" providerId="ADAL" clId="{98C76723-AA43-4380-8E4D-B8026509F880}" dt="2021-04-21T18:29:46.972" v="909" actId="478"/>
+          <ac:graphicFrameMkLst>
+            <pc:docMk/>
+            <pc:sldMk cId="1805798837" sldId="269"/>
+            <ac:graphicFrameMk id="11" creationId="{F42F3ED7-ACF8-402D-A828-A790B35ED866}"/>
+          </ac:graphicFrameMkLst>
+        </pc:graphicFrameChg>
+        <pc:graphicFrameChg chg="add del mod modGraphic">
+          <ac:chgData name="Emily Robinson" userId="a9fcd774-4f33-423d-80dd-0db627157868" providerId="ADAL" clId="{98C76723-AA43-4380-8E4D-B8026509F880}" dt="2021-04-21T18:30:02.267" v="911" actId="478"/>
+          <ac:graphicFrameMkLst>
+            <pc:docMk/>
+            <pc:sldMk cId="1805798837" sldId="269"/>
+            <ac:graphicFrameMk id="12" creationId="{990BA2E0-8F92-4819-834B-BDD62DAB97BC}"/>
+          </ac:graphicFrameMkLst>
+        </pc:graphicFrameChg>
+        <pc:graphicFrameChg chg="add mod modGraphic">
+          <ac:chgData name="Emily Robinson" userId="a9fcd774-4f33-423d-80dd-0db627157868" providerId="ADAL" clId="{98C76723-AA43-4380-8E4D-B8026509F880}" dt="2021-04-21T18:32:29.054" v="973" actId="1035"/>
+          <ac:graphicFrameMkLst>
+            <pc:docMk/>
+            <pc:sldMk cId="1805798837" sldId="269"/>
+            <ac:graphicFrameMk id="13" creationId="{4E651DAB-13FA-4DC6-AB00-0DF957FDF064}"/>
+          </ac:graphicFrameMkLst>
+        </pc:graphicFrameChg>
+        <pc:graphicFrameChg chg="add mod modGraphic">
+          <ac:chgData name="Emily Robinson" userId="a9fcd774-4f33-423d-80dd-0db627157868" providerId="ADAL" clId="{98C76723-AA43-4380-8E4D-B8026509F880}" dt="2021-04-21T18:32:25.771" v="957" actId="1036"/>
+          <ac:graphicFrameMkLst>
+            <pc:docMk/>
+            <pc:sldMk cId="1805798837" sldId="269"/>
+            <ac:graphicFrameMk id="14" creationId="{A309EB79-E944-4DAA-A8B7-DF0E5DE28952}"/>
+          </ac:graphicFrameMkLst>
+        </pc:graphicFrameChg>
       </pc:sldChg>
     </pc:docChg>
   </pc:docChgLst>
@@ -687,7 +2009,7 @@
           <a:p>
             <a:fld id="{045496D3-5D29-4587-BC4B-EFDC44CFD561}" type="datetimeFigureOut">
               <a:rPr lang="en-US" smtClean="0"/>
-              <a:t>4/20/2021</a:t>
+              <a:t>4/21/2021</a:t>
             </a:fld>
             <a:endParaRPr lang="en-US"/>
           </a:p>
@@ -1038,6 +2360,107 @@
 </p:notes>
 </file>
 
+<file path=ppt/notesSlides/notesSlide2.xml><?xml version="1.0" encoding="utf-8"?>
+<p:notes xmlns:a="http://schemas.openxmlformats.org/drawingml/2006/main" xmlns:r="http://schemas.openxmlformats.org/officeDocument/2006/relationships" xmlns:p="http://schemas.openxmlformats.org/presentationml/2006/main">
+  <p:cSld>
+    <p:spTree>
+      <p:nvGrpSpPr>
+        <p:cNvPr id="1" name=""/>
+        <p:cNvGrpSpPr/>
+        <p:nvPr/>
+      </p:nvGrpSpPr>
+      <p:grpSpPr>
+        <a:xfrm>
+          <a:off x="0" y="0"/>
+          <a:ext cx="0" cy="0"/>
+          <a:chOff x="0" y="0"/>
+          <a:chExt cx="0" cy="0"/>
+        </a:xfrm>
+      </p:grpSpPr>
+      <p:sp>
+        <p:nvSpPr>
+          <p:cNvPr id="2" name="Slide Image Placeholder 1"/>
+          <p:cNvSpPr>
+            <a:spLocks noGrp="1" noRot="1" noChangeAspect="1"/>
+          </p:cNvSpPr>
+          <p:nvPr>
+            <p:ph type="sldImg"/>
+          </p:nvPr>
+        </p:nvSpPr>
+        <p:spPr/>
+      </p:sp>
+      <p:sp>
+        <p:nvSpPr>
+          <p:cNvPr id="3" name="Notes Placeholder 2"/>
+          <p:cNvSpPr>
+            <a:spLocks noGrp="1"/>
+          </p:cNvSpPr>
+          <p:nvPr>
+            <p:ph type="body" idx="1"/>
+          </p:nvPr>
+        </p:nvSpPr>
+        <p:spPr/>
+        <p:txBody>
+          <a:bodyPr/>
+          <a:lstStyle/>
+          <a:p>
+            <a:r>
+              <a:rPr lang="en-US" dirty="0"/>
+              <a:t>- In repeated optimization, a weak classifier is fit on the original data set with each observation having equal weight, the weight is then calculated for the current model based on the error rate and observations are assigned new weights used to fit the next weak classifier</a:t>
+            </a:r>
+          </a:p>
+          <a:p>
+            <a:r>
+              <a:rPr lang="en-US" dirty="0"/>
+              <a:t>- </a:t>
+            </a:r>
+            <a:r>
+              <a:rPr lang="en-US" dirty="0" err="1"/>
+              <a:t>XGBoost</a:t>
+            </a:r>
+            <a:r>
+              <a:rPr lang="en-US" dirty="0"/>
+              <a:t> allows for a variety of evaluation metrics providing a benefit over other boosting methods</a:t>
+            </a:r>
+          </a:p>
+        </p:txBody>
+      </p:sp>
+      <p:sp>
+        <p:nvSpPr>
+          <p:cNvPr id="4" name="Slide Number Placeholder 3"/>
+          <p:cNvSpPr>
+            <a:spLocks noGrp="1"/>
+          </p:cNvSpPr>
+          <p:nvPr>
+            <p:ph type="sldNum" sz="quarter" idx="5"/>
+          </p:nvPr>
+        </p:nvSpPr>
+        <p:spPr/>
+        <p:txBody>
+          <a:bodyPr/>
+          <a:lstStyle/>
+          <a:p>
+            <a:fld id="{EED578F8-5C61-4F2D-A9E3-FDA016A0ABC4}" type="slidenum">
+              <a:rPr lang="en-US" smtClean="0"/>
+              <a:t>8</a:t>
+            </a:fld>
+            <a:endParaRPr lang="en-US"/>
+          </a:p>
+        </p:txBody>
+      </p:sp>
+    </p:spTree>
+    <p:extLst>
+      <p:ext uri="{BB962C8B-B14F-4D97-AF65-F5344CB8AC3E}">
+        <p14:creationId xmlns:p14="http://schemas.microsoft.com/office/powerpoint/2010/main" val="3174983462"/>
+      </p:ext>
+    </p:extLst>
+  </p:cSld>
+  <p:clrMapOvr>
+    <a:masterClrMapping/>
+  </p:clrMapOvr>
+</p:notes>
+</file>
+
 <file path=ppt/slideLayouts/slideLayout1.xml><?xml version="1.0" encoding="utf-8"?>
 <p:sldLayout xmlns:a="http://schemas.openxmlformats.org/drawingml/2006/main" xmlns:r="http://schemas.openxmlformats.org/officeDocument/2006/relationships" xmlns:p="http://schemas.openxmlformats.org/presentationml/2006/main" type="title" preserve="1">
   <p:cSld name="Title Slide">
@@ -1185,7 +2608,7 @@
           <a:p>
             <a:fld id="{BE28CA74-5754-4493-A5C1-EEAF0C566310}" type="datetimeFigureOut">
               <a:rPr lang="en-US" smtClean="0"/>
-              <a:t>4/20/2021</a:t>
+              <a:t>4/21/2021</a:t>
             </a:fld>
             <a:endParaRPr lang="en-US"/>
           </a:p>
@@ -1383,7 +2806,7 @@
           <a:p>
             <a:fld id="{BE28CA74-5754-4493-A5C1-EEAF0C566310}" type="datetimeFigureOut">
               <a:rPr lang="en-US" smtClean="0"/>
-              <a:t>4/20/2021</a:t>
+              <a:t>4/21/2021</a:t>
             </a:fld>
             <a:endParaRPr lang="en-US"/>
           </a:p>
@@ -1591,7 +3014,7 @@
           <a:p>
             <a:fld id="{BE28CA74-5754-4493-A5C1-EEAF0C566310}" type="datetimeFigureOut">
               <a:rPr lang="en-US" smtClean="0"/>
-              <a:t>4/20/2021</a:t>
+              <a:t>4/21/2021</a:t>
             </a:fld>
             <a:endParaRPr lang="en-US"/>
           </a:p>
@@ -1789,7 +3212,7 @@
           <a:p>
             <a:fld id="{BE28CA74-5754-4493-A5C1-EEAF0C566310}" type="datetimeFigureOut">
               <a:rPr lang="en-US" smtClean="0"/>
-              <a:t>4/20/2021</a:t>
+              <a:t>4/21/2021</a:t>
             </a:fld>
             <a:endParaRPr lang="en-US"/>
           </a:p>
@@ -2064,7 +3487,7 @@
           <a:p>
             <a:fld id="{BE28CA74-5754-4493-A5C1-EEAF0C566310}" type="datetimeFigureOut">
               <a:rPr lang="en-US" smtClean="0"/>
-              <a:t>4/20/2021</a:t>
+              <a:t>4/21/2021</a:t>
             </a:fld>
             <a:endParaRPr lang="en-US"/>
           </a:p>
@@ -2329,7 +3752,7 @@
           <a:p>
             <a:fld id="{BE28CA74-5754-4493-A5C1-EEAF0C566310}" type="datetimeFigureOut">
               <a:rPr lang="en-US" smtClean="0"/>
-              <a:t>4/20/2021</a:t>
+              <a:t>4/21/2021</a:t>
             </a:fld>
             <a:endParaRPr lang="en-US"/>
           </a:p>
@@ -2741,7 +4164,7 @@
           <a:p>
             <a:fld id="{BE28CA74-5754-4493-A5C1-EEAF0C566310}" type="datetimeFigureOut">
               <a:rPr lang="en-US" smtClean="0"/>
-              <a:t>4/20/2021</a:t>
+              <a:t>4/21/2021</a:t>
             </a:fld>
             <a:endParaRPr lang="en-US"/>
           </a:p>
@@ -2882,7 +4305,7 @@
           <a:p>
             <a:fld id="{BE28CA74-5754-4493-A5C1-EEAF0C566310}" type="datetimeFigureOut">
               <a:rPr lang="en-US" smtClean="0"/>
-              <a:t>4/20/2021</a:t>
+              <a:t>4/21/2021</a:t>
             </a:fld>
             <a:endParaRPr lang="en-US"/>
           </a:p>
@@ -2995,7 +4418,7 @@
           <a:p>
             <a:fld id="{BE28CA74-5754-4493-A5C1-EEAF0C566310}" type="datetimeFigureOut">
               <a:rPr lang="en-US" smtClean="0"/>
-              <a:t>4/20/2021</a:t>
+              <a:t>4/21/2021</a:t>
             </a:fld>
             <a:endParaRPr lang="en-US"/>
           </a:p>
@@ -3306,7 +4729,7 @@
           <a:p>
             <a:fld id="{BE28CA74-5754-4493-A5C1-EEAF0C566310}" type="datetimeFigureOut">
               <a:rPr lang="en-US" smtClean="0"/>
-              <a:t>4/20/2021</a:t>
+              <a:t>4/21/2021</a:t>
             </a:fld>
             <a:endParaRPr lang="en-US"/>
           </a:p>
@@ -3594,7 +5017,7 @@
           <a:p>
             <a:fld id="{BE28CA74-5754-4493-A5C1-EEAF0C566310}" type="datetimeFigureOut">
               <a:rPr lang="en-US" smtClean="0"/>
-              <a:t>4/20/2021</a:t>
+              <a:t>4/21/2021</a:t>
             </a:fld>
             <a:endParaRPr lang="en-US"/>
           </a:p>
@@ -3835,7 +5258,7 @@
           <a:p>
             <a:fld id="{BE28CA74-5754-4493-A5C1-EEAF0C566310}" type="datetimeFigureOut">
               <a:rPr lang="en-US" smtClean="0"/>
-              <a:t>4/20/2021</a:t>
+              <a:t>4/21/2021</a:t>
             </a:fld>
             <a:endParaRPr lang="en-US"/>
           </a:p>
@@ -5544,11 +6967,26 @@
         <p:spPr/>
         <p:txBody>
           <a:bodyPr>
-            <a:normAutofit fontScale="62500" lnSpcReduction="20000"/>
+            <a:normAutofit fontScale="55000" lnSpcReduction="20000"/>
           </a:bodyPr>
           <a:lstStyle/>
           <a:p>
             <a:r>
+              <a:rPr lang="en-US" dirty="0" err="1"/>
+              <a:t>Uci</a:t>
+            </a:r>
+            <a:r>
+              <a:rPr lang="en-US" dirty="0"/>
+              <a:t> machine learning repository: Wine quality data set. URL https://archive.ics.uci.edu/ml/datasets/Wine+Qua </a:t>
+            </a:r>
+            <a:r>
+              <a:rPr lang="en-US" dirty="0" err="1"/>
+              <a:t>lity</a:t>
+            </a:r>
+            <a:endParaRPr lang="en-US" dirty="0"/>
+          </a:p>
+          <a:p>
+            <a:r>
               <a:rPr lang="en-US" dirty="0"/>
               <a:t>N. V. Chawla, K. W. Bowyer, L. O. Hall, and W. P. </a:t>
             </a:r>
@@ -5564,6 +7002,68 @@
           <a:p>
             <a:r>
               <a:rPr lang="en-US" dirty="0"/>
+              <a:t>T. Chen, T. He, M. </a:t>
+            </a:r>
+            <a:r>
+              <a:rPr lang="en-US" dirty="0" err="1"/>
+              <a:t>Benesty</a:t>
+            </a:r>
+            <a:r>
+              <a:rPr lang="en-US" dirty="0"/>
+              <a:t>, V. </a:t>
+            </a:r>
+            <a:r>
+              <a:rPr lang="en-US" dirty="0" err="1"/>
+              <a:t>Khotilovich</a:t>
+            </a:r>
+            <a:r>
+              <a:rPr lang="en-US" dirty="0"/>
+              <a:t>, Y. Tang, H. Cho, K. Chen, R. Mitchell, I. Cano, T. Zhou, M. Li, J. </a:t>
+            </a:r>
+            <a:r>
+              <a:rPr lang="en-US" dirty="0" err="1"/>
+              <a:t>Xie</a:t>
+            </a:r>
+            <a:r>
+              <a:rPr lang="en-US" dirty="0"/>
+              <a:t>, M. Lin, Y. </a:t>
+            </a:r>
+            <a:r>
+              <a:rPr lang="en-US" dirty="0" err="1"/>
+              <a:t>Geng</a:t>
+            </a:r>
+            <a:r>
+              <a:rPr lang="en-US" dirty="0"/>
+              <a:t>, and Y. Li. </a:t>
+            </a:r>
+            <a:r>
+              <a:rPr lang="en-US" dirty="0" err="1"/>
+              <a:t>xgboost</a:t>
+            </a:r>
+            <a:r>
+              <a:rPr lang="en-US" dirty="0"/>
+              <a:t>: Extreme Gradient Boosting, 2021. URL https://CRAN.R-project.o </a:t>
+            </a:r>
+            <a:r>
+              <a:rPr lang="en-US" dirty="0" err="1"/>
+              <a:t>rg</a:t>
+            </a:r>
+            <a:r>
+              <a:rPr lang="en-US" dirty="0"/>
+              <a:t>/package=</a:t>
+            </a:r>
+            <a:r>
+              <a:rPr lang="en-US" dirty="0" err="1"/>
+              <a:t>xgboost</a:t>
+            </a:r>
+            <a:r>
+              <a:rPr lang="en-US" dirty="0"/>
+              <a:t>. R package version 1.3.2.1.</a:t>
+            </a:r>
+          </a:p>
+          <a:p>
+            <a:r>
+              <a:rPr lang="en-US" dirty="0"/>
               <a:t>P. Cortez, J. Teixeira, A. </a:t>
             </a:r>
             <a:r>
@@ -5619,6 +7119,36 @@
             <a:r>
               <a:rPr lang="en-US" dirty="0"/>
               <a:t>Y. Sun, A. K. Wong, and M. S. Kamel. Classification of imbalanced data: A review. International journal of pattern recognition and artificial intelligence, 23(04):687–719, 2009.</a:t>
+            </a:r>
+          </a:p>
+          <a:p>
+            <a:r>
+              <a:rPr lang="en-US" dirty="0"/>
+              <a:t>D. Vaughan and M. </a:t>
+            </a:r>
+            <a:r>
+              <a:rPr lang="en-US" dirty="0" err="1"/>
+              <a:t>Dancho</a:t>
+            </a:r>
+            <a:r>
+              <a:rPr lang="en-US" dirty="0"/>
+              <a:t>. </a:t>
+            </a:r>
+            <a:r>
+              <a:rPr lang="en-US" dirty="0" err="1"/>
+              <a:t>furrr</a:t>
+            </a:r>
+            <a:r>
+              <a:rPr lang="en-US" dirty="0"/>
+              <a:t>: Apply Mapping Functions in Parallel using Futures, 2021. URL https: //CRAN.R-project.org/package=</a:t>
+            </a:r>
+            <a:r>
+              <a:rPr lang="en-US" dirty="0" err="1"/>
+              <a:t>furrr</a:t>
+            </a:r>
+            <a:r>
+              <a:rPr lang="en-US" dirty="0"/>
+              <a:t>. R package version 0.2.2. </a:t>
             </a:r>
           </a:p>
         </p:txBody>
@@ -5627,6 +7157,1970 @@
     <p:extLst>
       <p:ext uri="{BB962C8B-B14F-4D97-AF65-F5344CB8AC3E}">
         <p14:creationId xmlns:p14="http://schemas.microsoft.com/office/powerpoint/2010/main" val="2060021222"/>
+      </p:ext>
+    </p:extLst>
+  </p:cSld>
+  <p:clrMapOvr>
+    <a:masterClrMapping/>
+  </p:clrMapOvr>
+</p:sld>
+</file>
+
+<file path=ppt/slides/slide12.xml><?xml version="1.0" encoding="utf-8"?>
+<p:sld xmlns:a="http://schemas.openxmlformats.org/drawingml/2006/main" xmlns:r="http://schemas.openxmlformats.org/officeDocument/2006/relationships" xmlns:p="http://schemas.openxmlformats.org/presentationml/2006/main">
+  <p:cSld>
+    <p:bg>
+      <p:bgPr>
+        <a:solidFill>
+          <a:schemeClr val="bg1"/>
+        </a:solidFill>
+        <a:effectLst/>
+      </p:bgPr>
+    </p:bg>
+    <p:spTree>
+      <p:nvGrpSpPr>
+        <p:cNvPr id="1" name=""/>
+        <p:cNvGrpSpPr/>
+        <p:nvPr/>
+      </p:nvGrpSpPr>
+      <p:grpSpPr>
+        <a:xfrm>
+          <a:off x="0" y="0"/>
+          <a:ext cx="0" cy="0"/>
+          <a:chOff x="0" y="0"/>
+          <a:chExt cx="0" cy="0"/>
+        </a:xfrm>
+      </p:grpSpPr>
+      <p:sp useBgFill="1">
+        <p:nvSpPr>
+          <p:cNvPr id="8" name="Rectangle 7">
+            <a:extLst>
+              <a:ext uri="{FF2B5EF4-FFF2-40B4-BE49-F238E27FC236}">
+                <a16:creationId xmlns:a16="http://schemas.microsoft.com/office/drawing/2014/main" id="{100EDD19-6802-4EC3-95CE-CFFAB042CFD6}"/>
+              </a:ext>
+              <a:ext uri="{C183D7F6-B498-43B3-948B-1728B52AA6E4}">
+                <adec:decorative xmlns:adec="http://schemas.microsoft.com/office/drawing/2017/decorative" val="1"/>
+              </a:ext>
+            </a:extLst>
+          </p:cNvPr>
+          <p:cNvSpPr>
+            <a:spLocks noGrp="1" noRot="1" noChangeAspect="1" noMove="1" noResize="1" noEditPoints="1" noAdjustHandles="1" noChangeArrowheads="1" noChangeShapeType="1" noTextEdit="1"/>
+          </p:cNvSpPr>
+          <p:nvPr>
+            <p:extLst>
+              <p:ext uri="{386F3935-93C4-4BCD-93E2-E3B085C9AB24}">
+                <p16:designElem xmlns:p16="http://schemas.microsoft.com/office/powerpoint/2015/main" val="1"/>
+              </p:ext>
+            </p:extLst>
+          </p:nvPr>
+        </p:nvSpPr>
+        <p:spPr>
+          <a:xfrm>
+            <a:off x="0" y="0"/>
+            <a:ext cx="12188952" cy="6858000"/>
+          </a:xfrm>
+          <a:prstGeom prst="rect">
+            <a:avLst/>
+          </a:prstGeom>
+          <a:ln>
+            <a:noFill/>
+          </a:ln>
+        </p:spPr>
+        <p:style>
+          <a:lnRef idx="2">
+            <a:schemeClr val="accent1">
+              <a:shade val="50000"/>
+            </a:schemeClr>
+          </a:lnRef>
+          <a:fillRef idx="1">
+            <a:schemeClr val="accent1"/>
+          </a:fillRef>
+          <a:effectRef idx="0">
+            <a:schemeClr val="accent1"/>
+          </a:effectRef>
+          <a:fontRef idx="minor">
+            <a:schemeClr val="lt1"/>
+          </a:fontRef>
+        </p:style>
+        <p:txBody>
+          <a:bodyPr rtlCol="0" anchor="ctr"/>
+          <a:lstStyle/>
+          <a:p>
+            <a:pPr algn="ctr"/>
+            <a:endParaRPr lang="en-US"/>
+          </a:p>
+        </p:txBody>
+      </p:sp>
+      <p:sp>
+        <p:nvSpPr>
+          <p:cNvPr id="2" name="Title 1">
+            <a:extLst>
+              <a:ext uri="{FF2B5EF4-FFF2-40B4-BE49-F238E27FC236}">
+                <a16:creationId xmlns:a16="http://schemas.microsoft.com/office/drawing/2014/main" id="{EABAB166-3C39-43D1-8F8B-9DB2DEE2352F}"/>
+              </a:ext>
+            </a:extLst>
+          </p:cNvPr>
+          <p:cNvSpPr>
+            <a:spLocks noGrp="1"/>
+          </p:cNvSpPr>
+          <p:nvPr>
+            <p:ph type="title"/>
+          </p:nvPr>
+        </p:nvSpPr>
+        <p:spPr>
+          <a:xfrm>
+            <a:off x="838200" y="365125"/>
+            <a:ext cx="10515600" cy="1325563"/>
+          </a:xfrm>
+        </p:spPr>
+        <p:txBody>
+          <a:bodyPr>
+            <a:normAutofit/>
+          </a:bodyPr>
+          <a:lstStyle/>
+          <a:p>
+            <a:r>
+              <a:rPr lang="en-US" sz="5400" dirty="0"/>
+              <a:t>Final Tuning Parameters</a:t>
+            </a:r>
+          </a:p>
+        </p:txBody>
+      </p:sp>
+      <p:sp>
+        <p:nvSpPr>
+          <p:cNvPr id="10" name="sketch line">
+            <a:extLst>
+              <a:ext uri="{FF2B5EF4-FFF2-40B4-BE49-F238E27FC236}">
+                <a16:creationId xmlns:a16="http://schemas.microsoft.com/office/drawing/2014/main" id="{DB17E863-922E-4C26-BD64-E8FD41D28661}"/>
+              </a:ext>
+              <a:ext uri="{C183D7F6-B498-43B3-948B-1728B52AA6E4}">
+                <adec:decorative xmlns:adec="http://schemas.microsoft.com/office/drawing/2017/decorative" val="1"/>
+              </a:ext>
+            </a:extLst>
+          </p:cNvPr>
+          <p:cNvSpPr>
+            <a:spLocks noGrp="1" noRot="1" noChangeAspect="1" noMove="1" noResize="1" noEditPoints="1" noAdjustHandles="1" noChangeArrowheads="1" noChangeShapeType="1" noTextEdit="1"/>
+          </p:cNvSpPr>
+          <p:nvPr>
+            <p:extLst>
+              <p:ext uri="{386F3935-93C4-4BCD-93E2-E3B085C9AB24}">
+                <p16:designElem xmlns:p16="http://schemas.microsoft.com/office/powerpoint/2015/main" val="1"/>
+              </p:ext>
+            </p:extLst>
+          </p:nvPr>
+        </p:nvSpPr>
+        <p:spPr>
+          <a:xfrm>
+            <a:off x="669036" y="1677373"/>
+            <a:ext cx="10853928" cy="18288"/>
+          </a:xfrm>
+          <a:custGeom>
+            <a:avLst/>
+            <a:gdLst>
+              <a:gd name="connsiteX0" fmla="*/ 0 w 10853928"/>
+              <a:gd name="connsiteY0" fmla="*/ 0 h 18288"/>
+              <a:gd name="connsiteX1" fmla="*/ 461292 w 10853928"/>
+              <a:gd name="connsiteY1" fmla="*/ 0 h 18288"/>
+              <a:gd name="connsiteX2" fmla="*/ 1139662 w 10853928"/>
+              <a:gd name="connsiteY2" fmla="*/ 0 h 18288"/>
+              <a:gd name="connsiteX3" fmla="*/ 1926572 w 10853928"/>
+              <a:gd name="connsiteY3" fmla="*/ 0 h 18288"/>
+              <a:gd name="connsiteX4" fmla="*/ 2279325 w 10853928"/>
+              <a:gd name="connsiteY4" fmla="*/ 0 h 18288"/>
+              <a:gd name="connsiteX5" fmla="*/ 2632078 w 10853928"/>
+              <a:gd name="connsiteY5" fmla="*/ 0 h 18288"/>
+              <a:gd name="connsiteX6" fmla="*/ 3527527 w 10853928"/>
+              <a:gd name="connsiteY6" fmla="*/ 0 h 18288"/>
+              <a:gd name="connsiteX7" fmla="*/ 4205897 w 10853928"/>
+              <a:gd name="connsiteY7" fmla="*/ 0 h 18288"/>
+              <a:gd name="connsiteX8" fmla="*/ 4558650 w 10853928"/>
+              <a:gd name="connsiteY8" fmla="*/ 0 h 18288"/>
+              <a:gd name="connsiteX9" fmla="*/ 5237020 w 10853928"/>
+              <a:gd name="connsiteY9" fmla="*/ 0 h 18288"/>
+              <a:gd name="connsiteX10" fmla="*/ 6132469 w 10853928"/>
+              <a:gd name="connsiteY10" fmla="*/ 0 h 18288"/>
+              <a:gd name="connsiteX11" fmla="*/ 6702301 w 10853928"/>
+              <a:gd name="connsiteY11" fmla="*/ 0 h 18288"/>
+              <a:gd name="connsiteX12" fmla="*/ 7272132 w 10853928"/>
+              <a:gd name="connsiteY12" fmla="*/ 0 h 18288"/>
+              <a:gd name="connsiteX13" fmla="*/ 7950502 w 10853928"/>
+              <a:gd name="connsiteY13" fmla="*/ 0 h 18288"/>
+              <a:gd name="connsiteX14" fmla="*/ 8737412 w 10853928"/>
+              <a:gd name="connsiteY14" fmla="*/ 0 h 18288"/>
+              <a:gd name="connsiteX15" fmla="*/ 9524322 w 10853928"/>
+              <a:gd name="connsiteY15" fmla="*/ 0 h 18288"/>
+              <a:gd name="connsiteX16" fmla="*/ 10853928 w 10853928"/>
+              <a:gd name="connsiteY16" fmla="*/ 0 h 18288"/>
+              <a:gd name="connsiteX17" fmla="*/ 10853928 w 10853928"/>
+              <a:gd name="connsiteY17" fmla="*/ 18288 h 18288"/>
+              <a:gd name="connsiteX18" fmla="*/ 10392636 w 10853928"/>
+              <a:gd name="connsiteY18" fmla="*/ 18288 h 18288"/>
+              <a:gd name="connsiteX19" fmla="*/ 9497187 w 10853928"/>
+              <a:gd name="connsiteY19" fmla="*/ 18288 h 18288"/>
+              <a:gd name="connsiteX20" fmla="*/ 8818817 w 10853928"/>
+              <a:gd name="connsiteY20" fmla="*/ 18288 h 18288"/>
+              <a:gd name="connsiteX21" fmla="*/ 8466064 w 10853928"/>
+              <a:gd name="connsiteY21" fmla="*/ 18288 h 18288"/>
+              <a:gd name="connsiteX22" fmla="*/ 7787693 w 10853928"/>
+              <a:gd name="connsiteY22" fmla="*/ 18288 h 18288"/>
+              <a:gd name="connsiteX23" fmla="*/ 7217862 w 10853928"/>
+              <a:gd name="connsiteY23" fmla="*/ 18288 h 18288"/>
+              <a:gd name="connsiteX24" fmla="*/ 6648031 w 10853928"/>
+              <a:gd name="connsiteY24" fmla="*/ 18288 h 18288"/>
+              <a:gd name="connsiteX25" fmla="*/ 6078200 w 10853928"/>
+              <a:gd name="connsiteY25" fmla="*/ 18288 h 18288"/>
+              <a:gd name="connsiteX26" fmla="*/ 5508368 w 10853928"/>
+              <a:gd name="connsiteY26" fmla="*/ 18288 h 18288"/>
+              <a:gd name="connsiteX27" fmla="*/ 4721459 w 10853928"/>
+              <a:gd name="connsiteY27" fmla="*/ 18288 h 18288"/>
+              <a:gd name="connsiteX28" fmla="*/ 4043088 w 10853928"/>
+              <a:gd name="connsiteY28" fmla="*/ 18288 h 18288"/>
+              <a:gd name="connsiteX29" fmla="*/ 3690336 w 10853928"/>
+              <a:gd name="connsiteY29" fmla="*/ 18288 h 18288"/>
+              <a:gd name="connsiteX30" fmla="*/ 3120504 w 10853928"/>
+              <a:gd name="connsiteY30" fmla="*/ 18288 h 18288"/>
+              <a:gd name="connsiteX31" fmla="*/ 2333595 w 10853928"/>
+              <a:gd name="connsiteY31" fmla="*/ 18288 h 18288"/>
+              <a:gd name="connsiteX32" fmla="*/ 1872303 w 10853928"/>
+              <a:gd name="connsiteY32" fmla="*/ 18288 h 18288"/>
+              <a:gd name="connsiteX33" fmla="*/ 976854 w 10853928"/>
+              <a:gd name="connsiteY33" fmla="*/ 18288 h 18288"/>
+              <a:gd name="connsiteX34" fmla="*/ 0 w 10853928"/>
+              <a:gd name="connsiteY34" fmla="*/ 18288 h 18288"/>
+              <a:gd name="connsiteX35" fmla="*/ 0 w 10853928"/>
+              <a:gd name="connsiteY35" fmla="*/ 0 h 18288"/>
+            </a:gdLst>
+            <a:ahLst/>
+            <a:cxnLst>
+              <a:cxn ang="0">
+                <a:pos x="connsiteX0" y="connsiteY0"/>
+              </a:cxn>
+              <a:cxn ang="0">
+                <a:pos x="connsiteX1" y="connsiteY1"/>
+              </a:cxn>
+              <a:cxn ang="0">
+                <a:pos x="connsiteX2" y="connsiteY2"/>
+              </a:cxn>
+              <a:cxn ang="0">
+                <a:pos x="connsiteX3" y="connsiteY3"/>
+              </a:cxn>
+              <a:cxn ang="0">
+                <a:pos x="connsiteX4" y="connsiteY4"/>
+              </a:cxn>
+              <a:cxn ang="0">
+                <a:pos x="connsiteX5" y="connsiteY5"/>
+              </a:cxn>
+              <a:cxn ang="0">
+                <a:pos x="connsiteX6" y="connsiteY6"/>
+              </a:cxn>
+              <a:cxn ang="0">
+                <a:pos x="connsiteX7" y="connsiteY7"/>
+              </a:cxn>
+              <a:cxn ang="0">
+                <a:pos x="connsiteX8" y="connsiteY8"/>
+              </a:cxn>
+              <a:cxn ang="0">
+                <a:pos x="connsiteX9" y="connsiteY9"/>
+              </a:cxn>
+              <a:cxn ang="0">
+                <a:pos x="connsiteX10" y="connsiteY10"/>
+              </a:cxn>
+              <a:cxn ang="0">
+                <a:pos x="connsiteX11" y="connsiteY11"/>
+              </a:cxn>
+              <a:cxn ang="0">
+                <a:pos x="connsiteX12" y="connsiteY12"/>
+              </a:cxn>
+              <a:cxn ang="0">
+                <a:pos x="connsiteX13" y="connsiteY13"/>
+              </a:cxn>
+              <a:cxn ang="0">
+                <a:pos x="connsiteX14" y="connsiteY14"/>
+              </a:cxn>
+              <a:cxn ang="0">
+                <a:pos x="connsiteX15" y="connsiteY15"/>
+              </a:cxn>
+              <a:cxn ang="0">
+                <a:pos x="connsiteX16" y="connsiteY16"/>
+              </a:cxn>
+              <a:cxn ang="0">
+                <a:pos x="connsiteX17" y="connsiteY17"/>
+              </a:cxn>
+              <a:cxn ang="0">
+                <a:pos x="connsiteX18" y="connsiteY18"/>
+              </a:cxn>
+              <a:cxn ang="0">
+                <a:pos x="connsiteX19" y="connsiteY19"/>
+              </a:cxn>
+              <a:cxn ang="0">
+                <a:pos x="connsiteX20" y="connsiteY20"/>
+              </a:cxn>
+              <a:cxn ang="0">
+                <a:pos x="connsiteX21" y="connsiteY21"/>
+              </a:cxn>
+              <a:cxn ang="0">
+                <a:pos x="connsiteX22" y="connsiteY22"/>
+              </a:cxn>
+              <a:cxn ang="0">
+                <a:pos x="connsiteX23" y="connsiteY23"/>
+              </a:cxn>
+              <a:cxn ang="0">
+                <a:pos x="connsiteX24" y="connsiteY24"/>
+              </a:cxn>
+              <a:cxn ang="0">
+                <a:pos x="connsiteX25" y="connsiteY25"/>
+              </a:cxn>
+              <a:cxn ang="0">
+                <a:pos x="connsiteX26" y="connsiteY26"/>
+              </a:cxn>
+              <a:cxn ang="0">
+                <a:pos x="connsiteX27" y="connsiteY27"/>
+              </a:cxn>
+              <a:cxn ang="0">
+                <a:pos x="connsiteX28" y="connsiteY28"/>
+              </a:cxn>
+              <a:cxn ang="0">
+                <a:pos x="connsiteX29" y="connsiteY29"/>
+              </a:cxn>
+              <a:cxn ang="0">
+                <a:pos x="connsiteX30" y="connsiteY30"/>
+              </a:cxn>
+              <a:cxn ang="0">
+                <a:pos x="connsiteX31" y="connsiteY31"/>
+              </a:cxn>
+              <a:cxn ang="0">
+                <a:pos x="connsiteX32" y="connsiteY32"/>
+              </a:cxn>
+              <a:cxn ang="0">
+                <a:pos x="connsiteX33" y="connsiteY33"/>
+              </a:cxn>
+              <a:cxn ang="0">
+                <a:pos x="connsiteX34" y="connsiteY34"/>
+              </a:cxn>
+              <a:cxn ang="0">
+                <a:pos x="connsiteX35" y="connsiteY35"/>
+              </a:cxn>
+            </a:cxnLst>
+            <a:rect l="l" t="t" r="r" b="b"/>
+            <a:pathLst>
+              <a:path w="10853928" h="18288" fill="none" extrusionOk="0">
+                <a:moveTo>
+                  <a:pt x="0" y="0"/>
+                </a:moveTo>
+                <a:cubicBezTo>
+                  <a:pt x="146993" y="-19076"/>
+                  <a:pt x="347684" y="-4790"/>
+                  <a:pt x="461292" y="0"/>
+                </a:cubicBezTo>
+                <a:cubicBezTo>
+                  <a:pt x="574900" y="4790"/>
+                  <a:pt x="808367" y="19821"/>
+                  <a:pt x="1139662" y="0"/>
+                </a:cubicBezTo>
+                <a:cubicBezTo>
+                  <a:pt x="1470957" y="-19821"/>
+                  <a:pt x="1627405" y="5721"/>
+                  <a:pt x="1926572" y="0"/>
+                </a:cubicBezTo>
+                <a:cubicBezTo>
+                  <a:pt x="2225739" y="-5721"/>
+                  <a:pt x="2137730" y="-3235"/>
+                  <a:pt x="2279325" y="0"/>
+                </a:cubicBezTo>
+                <a:cubicBezTo>
+                  <a:pt x="2420920" y="3235"/>
+                  <a:pt x="2456518" y="9685"/>
+                  <a:pt x="2632078" y="0"/>
+                </a:cubicBezTo>
+                <a:cubicBezTo>
+                  <a:pt x="2807638" y="-9685"/>
+                  <a:pt x="3211516" y="-43007"/>
+                  <a:pt x="3527527" y="0"/>
+                </a:cubicBezTo>
+                <a:cubicBezTo>
+                  <a:pt x="3843538" y="43007"/>
+                  <a:pt x="4058833" y="22042"/>
+                  <a:pt x="4205897" y="0"/>
+                </a:cubicBezTo>
+                <a:cubicBezTo>
+                  <a:pt x="4352961" y="-22042"/>
+                  <a:pt x="4474805" y="-11846"/>
+                  <a:pt x="4558650" y="0"/>
+                </a:cubicBezTo>
+                <a:cubicBezTo>
+                  <a:pt x="4642495" y="11846"/>
+                  <a:pt x="5041928" y="-6069"/>
+                  <a:pt x="5237020" y="0"/>
+                </a:cubicBezTo>
+                <a:cubicBezTo>
+                  <a:pt x="5432112" y="6069"/>
+                  <a:pt x="5943266" y="-17479"/>
+                  <a:pt x="6132469" y="0"/>
+                </a:cubicBezTo>
+                <a:cubicBezTo>
+                  <a:pt x="6321672" y="17479"/>
+                  <a:pt x="6483872" y="26234"/>
+                  <a:pt x="6702301" y="0"/>
+                </a:cubicBezTo>
+                <a:cubicBezTo>
+                  <a:pt x="6920730" y="-26234"/>
+                  <a:pt x="6991194" y="-15156"/>
+                  <a:pt x="7272132" y="0"/>
+                </a:cubicBezTo>
+                <a:cubicBezTo>
+                  <a:pt x="7553070" y="15156"/>
+                  <a:pt x="7684444" y="-32961"/>
+                  <a:pt x="7950502" y="0"/>
+                </a:cubicBezTo>
+                <a:cubicBezTo>
+                  <a:pt x="8216560" y="32961"/>
+                  <a:pt x="8493290" y="-10491"/>
+                  <a:pt x="8737412" y="0"/>
+                </a:cubicBezTo>
+                <a:cubicBezTo>
+                  <a:pt x="8981534" y="10491"/>
+                  <a:pt x="9191586" y="-13899"/>
+                  <a:pt x="9524322" y="0"/>
+                </a:cubicBezTo>
+                <a:cubicBezTo>
+                  <a:pt x="9857058" y="13899"/>
+                  <a:pt x="10297509" y="7485"/>
+                  <a:pt x="10853928" y="0"/>
+                </a:cubicBezTo>
+                <a:cubicBezTo>
+                  <a:pt x="10854574" y="4451"/>
+                  <a:pt x="10854418" y="9226"/>
+                  <a:pt x="10853928" y="18288"/>
+                </a:cubicBezTo>
+                <a:cubicBezTo>
+                  <a:pt x="10691638" y="28522"/>
+                  <a:pt x="10574319" y="29578"/>
+                  <a:pt x="10392636" y="18288"/>
+                </a:cubicBezTo>
+                <a:cubicBezTo>
+                  <a:pt x="10210953" y="6998"/>
+                  <a:pt x="9836277" y="-16742"/>
+                  <a:pt x="9497187" y="18288"/>
+                </a:cubicBezTo>
+                <a:cubicBezTo>
+                  <a:pt x="9158097" y="53318"/>
+                  <a:pt x="9119479" y="30714"/>
+                  <a:pt x="8818817" y="18288"/>
+                </a:cubicBezTo>
+                <a:cubicBezTo>
+                  <a:pt x="8518155" y="5863"/>
+                  <a:pt x="8640037" y="6483"/>
+                  <a:pt x="8466064" y="18288"/>
+                </a:cubicBezTo>
+                <a:cubicBezTo>
+                  <a:pt x="8292091" y="30093"/>
+                  <a:pt x="7997656" y="18914"/>
+                  <a:pt x="7787693" y="18288"/>
+                </a:cubicBezTo>
+                <a:cubicBezTo>
+                  <a:pt x="7577730" y="17662"/>
+                  <a:pt x="7412468" y="21416"/>
+                  <a:pt x="7217862" y="18288"/>
+                </a:cubicBezTo>
+                <a:cubicBezTo>
+                  <a:pt x="7023256" y="15160"/>
+                  <a:pt x="6898018" y="14824"/>
+                  <a:pt x="6648031" y="18288"/>
+                </a:cubicBezTo>
+                <a:cubicBezTo>
+                  <a:pt x="6398044" y="21752"/>
+                  <a:pt x="6254402" y="38625"/>
+                  <a:pt x="6078200" y="18288"/>
+                </a:cubicBezTo>
+                <a:cubicBezTo>
+                  <a:pt x="5901998" y="-2049"/>
+                  <a:pt x="5622886" y="3213"/>
+                  <a:pt x="5508368" y="18288"/>
+                </a:cubicBezTo>
+                <a:cubicBezTo>
+                  <a:pt x="5393850" y="33363"/>
+                  <a:pt x="5036260" y="26830"/>
+                  <a:pt x="4721459" y="18288"/>
+                </a:cubicBezTo>
+                <a:cubicBezTo>
+                  <a:pt x="4406658" y="9746"/>
+                  <a:pt x="4239221" y="41551"/>
+                  <a:pt x="4043088" y="18288"/>
+                </a:cubicBezTo>
+                <a:cubicBezTo>
+                  <a:pt x="3846955" y="-4975"/>
+                  <a:pt x="3818802" y="34658"/>
+                  <a:pt x="3690336" y="18288"/>
+                </a:cubicBezTo>
+                <a:cubicBezTo>
+                  <a:pt x="3561870" y="1918"/>
+                  <a:pt x="3265491" y="42194"/>
+                  <a:pt x="3120504" y="18288"/>
+                </a:cubicBezTo>
+                <a:cubicBezTo>
+                  <a:pt x="2975517" y="-5618"/>
+                  <a:pt x="2720254" y="36673"/>
+                  <a:pt x="2333595" y="18288"/>
+                </a:cubicBezTo>
+                <a:cubicBezTo>
+                  <a:pt x="1946936" y="-97"/>
+                  <a:pt x="2097241" y="5776"/>
+                  <a:pt x="1872303" y="18288"/>
+                </a:cubicBezTo>
+                <a:cubicBezTo>
+                  <a:pt x="1647365" y="30800"/>
+                  <a:pt x="1282708" y="45380"/>
+                  <a:pt x="976854" y="18288"/>
+                </a:cubicBezTo>
+                <a:cubicBezTo>
+                  <a:pt x="671000" y="-8804"/>
+                  <a:pt x="408401" y="-12775"/>
+                  <a:pt x="0" y="18288"/>
+                </a:cubicBezTo>
+                <a:cubicBezTo>
+                  <a:pt x="-213" y="9468"/>
+                  <a:pt x="187" y="4459"/>
+                  <a:pt x="0" y="0"/>
+                </a:cubicBezTo>
+                <a:close/>
+              </a:path>
+              <a:path w="10853928" h="18288" stroke="0" extrusionOk="0">
+                <a:moveTo>
+                  <a:pt x="0" y="0"/>
+                </a:moveTo>
+                <a:cubicBezTo>
+                  <a:pt x="267322" y="15284"/>
+                  <a:pt x="415388" y="-21048"/>
+                  <a:pt x="569831" y="0"/>
+                </a:cubicBezTo>
+                <a:cubicBezTo>
+                  <a:pt x="724274" y="21048"/>
+                  <a:pt x="769333" y="-2353"/>
+                  <a:pt x="922584" y="0"/>
+                </a:cubicBezTo>
+                <a:cubicBezTo>
+                  <a:pt x="1075835" y="2353"/>
+                  <a:pt x="1399490" y="-145"/>
+                  <a:pt x="1818033" y="0"/>
+                </a:cubicBezTo>
+                <a:cubicBezTo>
+                  <a:pt x="2236576" y="145"/>
+                  <a:pt x="2145330" y="5482"/>
+                  <a:pt x="2387864" y="0"/>
+                </a:cubicBezTo>
+                <a:cubicBezTo>
+                  <a:pt x="2630398" y="-5482"/>
+                  <a:pt x="2793207" y="18487"/>
+                  <a:pt x="2957695" y="0"/>
+                </a:cubicBezTo>
+                <a:cubicBezTo>
+                  <a:pt x="3122183" y="-18487"/>
+                  <a:pt x="3579141" y="19003"/>
+                  <a:pt x="3853144" y="0"/>
+                </a:cubicBezTo>
+                <a:cubicBezTo>
+                  <a:pt x="4127147" y="-19003"/>
+                  <a:pt x="4209857" y="12211"/>
+                  <a:pt x="4314436" y="0"/>
+                </a:cubicBezTo>
+                <a:cubicBezTo>
+                  <a:pt x="4419015" y="-12211"/>
+                  <a:pt x="4762459" y="-17220"/>
+                  <a:pt x="5209885" y="0"/>
+                </a:cubicBezTo>
+                <a:cubicBezTo>
+                  <a:pt x="5657311" y="17220"/>
+                  <a:pt x="5692663" y="-3290"/>
+                  <a:pt x="6105335" y="0"/>
+                </a:cubicBezTo>
+                <a:cubicBezTo>
+                  <a:pt x="6518007" y="3290"/>
+                  <a:pt x="6455516" y="-5124"/>
+                  <a:pt x="6783705" y="0"/>
+                </a:cubicBezTo>
+                <a:cubicBezTo>
+                  <a:pt x="7111894" y="5124"/>
+                  <a:pt x="7441941" y="-17829"/>
+                  <a:pt x="7679154" y="0"/>
+                </a:cubicBezTo>
+                <a:cubicBezTo>
+                  <a:pt x="7916367" y="17829"/>
+                  <a:pt x="8102967" y="-24363"/>
+                  <a:pt x="8248985" y="0"/>
+                </a:cubicBezTo>
+                <a:cubicBezTo>
+                  <a:pt x="8395003" y="24363"/>
+                  <a:pt x="8552393" y="25505"/>
+                  <a:pt x="8818817" y="0"/>
+                </a:cubicBezTo>
+                <a:cubicBezTo>
+                  <a:pt x="9085241" y="-25505"/>
+                  <a:pt x="9411308" y="38000"/>
+                  <a:pt x="9605726" y="0"/>
+                </a:cubicBezTo>
+                <a:cubicBezTo>
+                  <a:pt x="9800144" y="-38000"/>
+                  <a:pt x="10006468" y="-25741"/>
+                  <a:pt x="10175558" y="0"/>
+                </a:cubicBezTo>
+                <a:cubicBezTo>
+                  <a:pt x="10344648" y="25741"/>
+                  <a:pt x="10696282" y="695"/>
+                  <a:pt x="10853928" y="0"/>
+                </a:cubicBezTo>
+                <a:cubicBezTo>
+                  <a:pt x="10853521" y="8690"/>
+                  <a:pt x="10853774" y="14141"/>
+                  <a:pt x="10853928" y="18288"/>
+                </a:cubicBezTo>
+                <a:cubicBezTo>
+                  <a:pt x="10608124" y="24255"/>
+                  <a:pt x="10343415" y="22307"/>
+                  <a:pt x="10067018" y="18288"/>
+                </a:cubicBezTo>
+                <a:cubicBezTo>
+                  <a:pt x="9790621" y="14270"/>
+                  <a:pt x="9843266" y="3564"/>
+                  <a:pt x="9714266" y="18288"/>
+                </a:cubicBezTo>
+                <a:cubicBezTo>
+                  <a:pt x="9585266" y="33012"/>
+                  <a:pt x="9379484" y="1875"/>
+                  <a:pt x="9252974" y="18288"/>
+                </a:cubicBezTo>
+                <a:cubicBezTo>
+                  <a:pt x="9126464" y="34701"/>
+                  <a:pt x="8580678" y="-4904"/>
+                  <a:pt x="8357525" y="18288"/>
+                </a:cubicBezTo>
+                <a:cubicBezTo>
+                  <a:pt x="8134372" y="41480"/>
+                  <a:pt x="7903199" y="26458"/>
+                  <a:pt x="7679154" y="18288"/>
+                </a:cubicBezTo>
+                <a:cubicBezTo>
+                  <a:pt x="7455109" y="10118"/>
+                  <a:pt x="7435944" y="27109"/>
+                  <a:pt x="7217862" y="18288"/>
+                </a:cubicBezTo>
+                <a:cubicBezTo>
+                  <a:pt x="6999780" y="9467"/>
+                  <a:pt x="6680409" y="18985"/>
+                  <a:pt x="6539492" y="18288"/>
+                </a:cubicBezTo>
+                <a:cubicBezTo>
+                  <a:pt x="6398575" y="17592"/>
+                  <a:pt x="6312077" y="33018"/>
+                  <a:pt x="6186739" y="18288"/>
+                </a:cubicBezTo>
+                <a:cubicBezTo>
+                  <a:pt x="6061401" y="3558"/>
+                  <a:pt x="5947033" y="12075"/>
+                  <a:pt x="5833986" y="18288"/>
+                </a:cubicBezTo>
+                <a:cubicBezTo>
+                  <a:pt x="5720939" y="24501"/>
+                  <a:pt x="5482226" y="8586"/>
+                  <a:pt x="5155616" y="18288"/>
+                </a:cubicBezTo>
+                <a:cubicBezTo>
+                  <a:pt x="4829006" y="27991"/>
+                  <a:pt x="4841274" y="29316"/>
+                  <a:pt x="4694324" y="18288"/>
+                </a:cubicBezTo>
+                <a:cubicBezTo>
+                  <a:pt x="4547374" y="7260"/>
+                  <a:pt x="4077675" y="7013"/>
+                  <a:pt x="3907414" y="18288"/>
+                </a:cubicBezTo>
+                <a:cubicBezTo>
+                  <a:pt x="3737153" y="29564"/>
+                  <a:pt x="3538393" y="21630"/>
+                  <a:pt x="3446122" y="18288"/>
+                </a:cubicBezTo>
+                <a:cubicBezTo>
+                  <a:pt x="3353851" y="14946"/>
+                  <a:pt x="2990320" y="-8091"/>
+                  <a:pt x="2659212" y="18288"/>
+                </a:cubicBezTo>
+                <a:cubicBezTo>
+                  <a:pt x="2328104" y="44667"/>
+                  <a:pt x="2427653" y="9607"/>
+                  <a:pt x="2306460" y="18288"/>
+                </a:cubicBezTo>
+                <a:cubicBezTo>
+                  <a:pt x="2185267" y="26969"/>
+                  <a:pt x="1719763" y="3717"/>
+                  <a:pt x="1519550" y="18288"/>
+                </a:cubicBezTo>
+                <a:cubicBezTo>
+                  <a:pt x="1319337" y="32860"/>
+                  <a:pt x="1167371" y="17040"/>
+                  <a:pt x="1058258" y="18288"/>
+                </a:cubicBezTo>
+                <a:cubicBezTo>
+                  <a:pt x="949145" y="19536"/>
+                  <a:pt x="780234" y="31447"/>
+                  <a:pt x="705505" y="18288"/>
+                </a:cubicBezTo>
+                <a:cubicBezTo>
+                  <a:pt x="630776" y="5129"/>
+                  <a:pt x="215796" y="30056"/>
+                  <a:pt x="0" y="18288"/>
+                </a:cubicBezTo>
+                <a:cubicBezTo>
+                  <a:pt x="-53" y="11301"/>
+                  <a:pt x="-649" y="7756"/>
+                  <a:pt x="0" y="0"/>
+                </a:cubicBezTo>
+                <a:close/>
+              </a:path>
+            </a:pathLst>
+          </a:custGeom>
+          <a:solidFill>
+            <a:schemeClr val="accent2"/>
+          </a:solidFill>
+          <a:ln w="41275" cap="rnd">
+            <a:solidFill>
+              <a:schemeClr val="accent2"/>
+            </a:solidFill>
+            <a:round/>
+            <a:extLst>
+              <a:ext uri="{C807C97D-BFC1-408E-A445-0C87EB9F89A2}">
+                <ask:lineSketchStyleProps xmlns:ask="http://schemas.microsoft.com/office/drawing/2018/sketchyshapes" sd="1219033472">
+                  <a:prstGeom prst="rect">
+                    <a:avLst/>
+                  </a:prstGeom>
+                  <ask:type>
+                    <ask:lineSketchFreehand/>
+                  </ask:type>
+                </ask:lineSketchStyleProps>
+              </a:ext>
+            </a:extLst>
+          </a:ln>
+        </p:spPr>
+        <p:style>
+          <a:lnRef idx="2">
+            <a:schemeClr val="accent1">
+              <a:shade val="50000"/>
+            </a:schemeClr>
+          </a:lnRef>
+          <a:fillRef idx="1">
+            <a:schemeClr val="accent1"/>
+          </a:fillRef>
+          <a:effectRef idx="0">
+            <a:schemeClr val="accent1"/>
+          </a:effectRef>
+          <a:fontRef idx="minor">
+            <a:schemeClr val="lt1"/>
+          </a:fontRef>
+        </p:style>
+        <p:txBody>
+          <a:bodyPr rtlCol="0" anchor="ctr"/>
+          <a:lstStyle/>
+          <a:p>
+            <a:pPr algn="ctr"/>
+            <a:endParaRPr lang="en-US"/>
+          </a:p>
+        </p:txBody>
+      </p:sp>
+      <p:graphicFrame>
+        <p:nvGraphicFramePr>
+          <p:cNvPr id="13" name="Table 12">
+            <a:extLst>
+              <a:ext uri="{FF2B5EF4-FFF2-40B4-BE49-F238E27FC236}">
+                <a16:creationId xmlns:a16="http://schemas.microsoft.com/office/drawing/2014/main" id="{4E651DAB-13FA-4DC6-AB00-0DF957FDF064}"/>
+              </a:ext>
+            </a:extLst>
+          </p:cNvPr>
+          <p:cNvGraphicFramePr>
+            <a:graphicFrameLocks noGrp="1"/>
+          </p:cNvGraphicFramePr>
+          <p:nvPr>
+            <p:extLst>
+              <p:ext uri="{D42A27DB-BD31-4B8C-83A1-F6EECF244321}">
+                <p14:modId xmlns:p14="http://schemas.microsoft.com/office/powerpoint/2010/main" val="1595284119"/>
+              </p:ext>
+            </p:extLst>
+          </p:nvPr>
+        </p:nvGraphicFramePr>
+        <p:xfrm>
+          <a:off x="1552575" y="2224247"/>
+          <a:ext cx="8937623" cy="1537799"/>
+        </p:xfrm>
+        <a:graphic>
+          <a:graphicData uri="http://schemas.openxmlformats.org/drawingml/2006/table">
+            <a:tbl>
+              <a:tblPr>
+                <a:tableStyleId>{9D7B26C5-4107-4FEC-AEDC-1716B250A1EF}</a:tableStyleId>
+              </a:tblPr>
+              <a:tblGrid>
+                <a:gridCol w="2519098">
+                  <a:extLst>
+                    <a:ext uri="{9D8B030D-6E8A-4147-A177-3AD203B41FA5}">
+                      <a16:colId xmlns:a16="http://schemas.microsoft.com/office/drawing/2014/main" val="1251176754"/>
+                    </a:ext>
+                  </a:extLst>
+                </a:gridCol>
+                <a:gridCol w="4071967">
+                  <a:extLst>
+                    <a:ext uri="{9D8B030D-6E8A-4147-A177-3AD203B41FA5}">
+                      <a16:colId xmlns:a16="http://schemas.microsoft.com/office/drawing/2014/main" val="179766435"/>
+                    </a:ext>
+                  </a:extLst>
+                </a:gridCol>
+                <a:gridCol w="1449344">
+                  <a:extLst>
+                    <a:ext uri="{9D8B030D-6E8A-4147-A177-3AD203B41FA5}">
+                      <a16:colId xmlns:a16="http://schemas.microsoft.com/office/drawing/2014/main" val="2957384425"/>
+                    </a:ext>
+                  </a:extLst>
+                </a:gridCol>
+                <a:gridCol w="897214">
+                  <a:extLst>
+                    <a:ext uri="{9D8B030D-6E8A-4147-A177-3AD203B41FA5}">
+                      <a16:colId xmlns:a16="http://schemas.microsoft.com/office/drawing/2014/main" val="176544276"/>
+                    </a:ext>
+                  </a:extLst>
+                </a:gridCol>
+              </a:tblGrid>
+              <a:tr h="380671">
+                <a:tc>
+                  <a:txBody>
+                    <a:bodyPr/>
+                    <a:lstStyle/>
+                    <a:p>
+                      <a:pPr algn="l" fontAlgn="b"/>
+                      <a:endParaRPr lang="en-US" sz="2200" b="0" i="0" u="none" strike="noStrike">
+                        <a:solidFill>
+                          <a:srgbClr val="000000"/>
+                        </a:solidFill>
+                        <a:effectLst/>
+                        <a:latin typeface="Calibri" panose="020F0502020204030204" pitchFamily="34" charset="0"/>
+                      </a:endParaRPr>
+                    </a:p>
+                  </a:txBody>
+                  <a:tcPr marL="7620" marR="7620" marT="7620" marB="0" anchor="b"/>
+                </a:tc>
+                <a:tc>
+                  <a:txBody>
+                    <a:bodyPr/>
+                    <a:lstStyle/>
+                    <a:p>
+                      <a:pPr algn="l" fontAlgn="b"/>
+                      <a:r>
+                        <a:rPr lang="en-US" sz="2200" b="1" u="none" strike="noStrike">
+                          <a:solidFill>
+                            <a:srgbClr val="000000"/>
+                          </a:solidFill>
+                          <a:effectLst/>
+                        </a:rPr>
+                        <a:t>Resampling</a:t>
+                      </a:r>
+                      <a:endParaRPr lang="en-US" sz="2200" b="1" i="0" u="none" strike="noStrike">
+                        <a:solidFill>
+                          <a:srgbClr val="000000"/>
+                        </a:solidFill>
+                        <a:effectLst/>
+                        <a:latin typeface="Calibri" panose="020F0502020204030204" pitchFamily="34" charset="0"/>
+                      </a:endParaRPr>
+                    </a:p>
+                  </a:txBody>
+                  <a:tcPr marL="7620" marR="7620" marT="7620" marB="0" anchor="b"/>
+                </a:tc>
+                <a:tc>
+                  <a:txBody>
+                    <a:bodyPr/>
+                    <a:lstStyle/>
+                    <a:p>
+                      <a:pPr algn="l" fontAlgn="b"/>
+                      <a:r>
+                        <a:rPr lang="en-US" sz="2200" b="1" u="none" strike="noStrike">
+                          <a:solidFill>
+                            <a:srgbClr val="000000"/>
+                          </a:solidFill>
+                          <a:effectLst/>
+                        </a:rPr>
+                        <a:t>N. Trees</a:t>
+                      </a:r>
+                      <a:endParaRPr lang="en-US" sz="2200" b="1" i="0" u="none" strike="noStrike">
+                        <a:solidFill>
+                          <a:srgbClr val="000000"/>
+                        </a:solidFill>
+                        <a:effectLst/>
+                        <a:latin typeface="Calibri" panose="020F0502020204030204" pitchFamily="34" charset="0"/>
+                      </a:endParaRPr>
+                    </a:p>
+                  </a:txBody>
+                  <a:tcPr marL="7620" marR="7620" marT="7620" marB="0" anchor="b"/>
+                </a:tc>
+                <a:tc>
+                  <a:txBody>
+                    <a:bodyPr/>
+                    <a:lstStyle/>
+                    <a:p>
+                      <a:pPr algn="l" fontAlgn="b"/>
+                      <a:r>
+                        <a:rPr lang="en-US" sz="2200" b="1" u="none" strike="noStrike" dirty="0" err="1">
+                          <a:solidFill>
+                            <a:srgbClr val="000000"/>
+                          </a:solidFill>
+                          <a:effectLst/>
+                        </a:rPr>
+                        <a:t>Mtry</a:t>
+                      </a:r>
+                      <a:endParaRPr lang="en-US" sz="2200" b="1" i="0" u="none" strike="noStrike" dirty="0">
+                        <a:solidFill>
+                          <a:srgbClr val="000000"/>
+                        </a:solidFill>
+                        <a:effectLst/>
+                        <a:latin typeface="Calibri" panose="020F0502020204030204" pitchFamily="34" charset="0"/>
+                      </a:endParaRPr>
+                    </a:p>
+                  </a:txBody>
+                  <a:tcPr marL="7620" marR="7620" marT="7620" marB="0" anchor="b"/>
+                </a:tc>
+                <a:extLst>
+                  <a:ext uri="{0D108BD9-81ED-4DB2-BD59-A6C34878D82A}">
+                    <a16:rowId xmlns:a16="http://schemas.microsoft.com/office/drawing/2014/main" val="2623503809"/>
+                  </a:ext>
+                </a:extLst>
+              </a:tr>
+              <a:tr h="366882">
+                <a:tc>
+                  <a:txBody>
+                    <a:bodyPr/>
+                    <a:lstStyle/>
+                    <a:p>
+                      <a:pPr algn="l" fontAlgn="b"/>
+                      <a:r>
+                        <a:rPr lang="en-US" sz="2200" b="1" u="none" strike="noStrike" dirty="0">
+                          <a:solidFill>
+                            <a:srgbClr val="000000"/>
+                          </a:solidFill>
+                          <a:effectLst/>
+                        </a:rPr>
+                        <a:t>Random Forest</a:t>
+                      </a:r>
+                      <a:endParaRPr lang="en-US" sz="2200" b="1" i="0" u="none" strike="noStrike" dirty="0">
+                        <a:solidFill>
+                          <a:srgbClr val="000000"/>
+                        </a:solidFill>
+                        <a:effectLst/>
+                        <a:latin typeface="Calibri" panose="020F0502020204030204" pitchFamily="34" charset="0"/>
+                      </a:endParaRPr>
+                    </a:p>
+                  </a:txBody>
+                  <a:tcPr marL="7620" marR="7620" marT="7620" marB="0" anchor="b"/>
+                </a:tc>
+                <a:tc>
+                  <a:txBody>
+                    <a:bodyPr/>
+                    <a:lstStyle/>
+                    <a:p>
+                      <a:pPr algn="l" fontAlgn="b"/>
+                      <a:r>
+                        <a:rPr lang="en-US" sz="2200" b="0" u="none" strike="noStrike">
+                          <a:solidFill>
+                            <a:srgbClr val="000000"/>
+                          </a:solidFill>
+                          <a:effectLst/>
+                        </a:rPr>
+                        <a:t>No Resampling</a:t>
+                      </a:r>
+                      <a:endParaRPr lang="en-US" sz="2200" b="0" i="0" u="none" strike="noStrike">
+                        <a:solidFill>
+                          <a:srgbClr val="000000"/>
+                        </a:solidFill>
+                        <a:effectLst/>
+                        <a:latin typeface="Calibri" panose="020F0502020204030204" pitchFamily="34" charset="0"/>
+                      </a:endParaRPr>
+                    </a:p>
+                  </a:txBody>
+                  <a:tcPr marL="7620" marR="7620" marT="7620" marB="0" anchor="b"/>
+                </a:tc>
+                <a:tc>
+                  <a:txBody>
+                    <a:bodyPr/>
+                    <a:lstStyle/>
+                    <a:p>
+                      <a:pPr algn="r" fontAlgn="b"/>
+                      <a:r>
+                        <a:rPr lang="en-US" sz="2200" b="0" u="none" strike="noStrike">
+                          <a:solidFill>
+                            <a:srgbClr val="000000"/>
+                          </a:solidFill>
+                          <a:effectLst/>
+                        </a:rPr>
+                        <a:t>200</a:t>
+                      </a:r>
+                      <a:endParaRPr lang="en-US" sz="2200" b="0" i="0" u="none" strike="noStrike">
+                        <a:solidFill>
+                          <a:srgbClr val="000000"/>
+                        </a:solidFill>
+                        <a:effectLst/>
+                        <a:latin typeface="Calibri" panose="020F0502020204030204" pitchFamily="34" charset="0"/>
+                      </a:endParaRPr>
+                    </a:p>
+                  </a:txBody>
+                  <a:tcPr marL="7620" marR="7620" marT="7620" marB="0" anchor="b"/>
+                </a:tc>
+                <a:tc>
+                  <a:txBody>
+                    <a:bodyPr/>
+                    <a:lstStyle/>
+                    <a:p>
+                      <a:pPr algn="r" fontAlgn="b"/>
+                      <a:r>
+                        <a:rPr lang="en-US" sz="2200" b="0" u="none" strike="noStrike">
+                          <a:solidFill>
+                            <a:srgbClr val="000000"/>
+                          </a:solidFill>
+                          <a:effectLst/>
+                        </a:rPr>
+                        <a:t>2</a:t>
+                      </a:r>
+                      <a:endParaRPr lang="en-US" sz="2200" b="0" i="0" u="none" strike="noStrike">
+                        <a:solidFill>
+                          <a:srgbClr val="000000"/>
+                        </a:solidFill>
+                        <a:effectLst/>
+                        <a:latin typeface="Calibri" panose="020F0502020204030204" pitchFamily="34" charset="0"/>
+                      </a:endParaRPr>
+                    </a:p>
+                  </a:txBody>
+                  <a:tcPr marL="7620" marR="7620" marT="7620" marB="0" anchor="b"/>
+                </a:tc>
+                <a:extLst>
+                  <a:ext uri="{0D108BD9-81ED-4DB2-BD59-A6C34878D82A}">
+                    <a16:rowId xmlns:a16="http://schemas.microsoft.com/office/drawing/2014/main" val="2657872341"/>
+                  </a:ext>
+                </a:extLst>
+              </a:tr>
+              <a:tr h="409575">
+                <a:tc>
+                  <a:txBody>
+                    <a:bodyPr/>
+                    <a:lstStyle/>
+                    <a:p>
+                      <a:pPr algn="l" fontAlgn="b"/>
+                      <a:endParaRPr lang="en-US" sz="2200" b="0" i="0" u="none" strike="noStrike" dirty="0">
+                        <a:solidFill>
+                          <a:srgbClr val="000000"/>
+                        </a:solidFill>
+                        <a:effectLst/>
+                        <a:latin typeface="Calibri" panose="020F0502020204030204" pitchFamily="34" charset="0"/>
+                      </a:endParaRPr>
+                    </a:p>
+                  </a:txBody>
+                  <a:tcPr marL="7620" marR="7620" marT="7620" marB="0" anchor="b"/>
+                </a:tc>
+                <a:tc>
+                  <a:txBody>
+                    <a:bodyPr/>
+                    <a:lstStyle/>
+                    <a:p>
+                      <a:pPr algn="l" fontAlgn="b"/>
+                      <a:r>
+                        <a:rPr lang="en-US" sz="2200" b="0" u="none" strike="noStrike" dirty="0" err="1">
+                          <a:solidFill>
+                            <a:srgbClr val="000000"/>
+                          </a:solidFill>
+                          <a:effectLst/>
+                        </a:rPr>
+                        <a:t>Undersampling</a:t>
+                      </a:r>
+                      <a:r>
+                        <a:rPr lang="en-US" sz="2200" b="0" u="none" strike="noStrike" dirty="0">
+                          <a:solidFill>
+                            <a:srgbClr val="000000"/>
+                          </a:solidFill>
+                          <a:effectLst/>
+                        </a:rPr>
+                        <a:t> (n = 2000)</a:t>
+                      </a:r>
+                      <a:endParaRPr lang="en-US" sz="2200" b="0" i="0" u="none" strike="noStrike" dirty="0">
+                        <a:solidFill>
+                          <a:srgbClr val="000000"/>
+                        </a:solidFill>
+                        <a:effectLst/>
+                        <a:latin typeface="Calibri" panose="020F0502020204030204" pitchFamily="34" charset="0"/>
+                      </a:endParaRPr>
+                    </a:p>
+                  </a:txBody>
+                  <a:tcPr marL="7620" marR="7620" marT="7620" marB="0" anchor="b"/>
+                </a:tc>
+                <a:tc>
+                  <a:txBody>
+                    <a:bodyPr/>
+                    <a:lstStyle/>
+                    <a:p>
+                      <a:pPr algn="r" fontAlgn="b"/>
+                      <a:r>
+                        <a:rPr lang="en-US" sz="2200" b="0" u="none" strike="noStrike">
+                          <a:solidFill>
+                            <a:srgbClr val="000000"/>
+                          </a:solidFill>
+                          <a:effectLst/>
+                        </a:rPr>
+                        <a:t>800</a:t>
+                      </a:r>
+                      <a:endParaRPr lang="en-US" sz="2200" b="0" i="0" u="none" strike="noStrike">
+                        <a:solidFill>
+                          <a:srgbClr val="000000"/>
+                        </a:solidFill>
+                        <a:effectLst/>
+                        <a:latin typeface="Calibri" panose="020F0502020204030204" pitchFamily="34" charset="0"/>
+                      </a:endParaRPr>
+                    </a:p>
+                  </a:txBody>
+                  <a:tcPr marL="7620" marR="7620" marT="7620" marB="0" anchor="b"/>
+                </a:tc>
+                <a:tc>
+                  <a:txBody>
+                    <a:bodyPr/>
+                    <a:lstStyle/>
+                    <a:p>
+                      <a:pPr algn="r" fontAlgn="b"/>
+                      <a:r>
+                        <a:rPr lang="en-US" sz="2200" b="0" u="none" strike="noStrike">
+                          <a:solidFill>
+                            <a:srgbClr val="000000"/>
+                          </a:solidFill>
+                          <a:effectLst/>
+                        </a:rPr>
+                        <a:t>2</a:t>
+                      </a:r>
+                      <a:endParaRPr lang="en-US" sz="2200" b="0" i="0" u="none" strike="noStrike">
+                        <a:solidFill>
+                          <a:srgbClr val="000000"/>
+                        </a:solidFill>
+                        <a:effectLst/>
+                        <a:latin typeface="Calibri" panose="020F0502020204030204" pitchFamily="34" charset="0"/>
+                      </a:endParaRPr>
+                    </a:p>
+                  </a:txBody>
+                  <a:tcPr marL="7620" marR="7620" marT="7620" marB="0" anchor="b"/>
+                </a:tc>
+                <a:extLst>
+                  <a:ext uri="{0D108BD9-81ED-4DB2-BD59-A6C34878D82A}">
+                    <a16:rowId xmlns:a16="http://schemas.microsoft.com/office/drawing/2014/main" val="983178728"/>
+                  </a:ext>
+                </a:extLst>
+              </a:tr>
+              <a:tr h="380671">
+                <a:tc>
+                  <a:txBody>
+                    <a:bodyPr/>
+                    <a:lstStyle/>
+                    <a:p>
+                      <a:pPr algn="l" fontAlgn="b"/>
+                      <a:endParaRPr lang="en-US" sz="2200" b="0" i="0" u="none" strike="noStrike">
+                        <a:solidFill>
+                          <a:srgbClr val="000000"/>
+                        </a:solidFill>
+                        <a:effectLst/>
+                        <a:latin typeface="Calibri" panose="020F0502020204030204" pitchFamily="34" charset="0"/>
+                      </a:endParaRPr>
+                    </a:p>
+                  </a:txBody>
+                  <a:tcPr marL="7620" marR="7620" marT="7620" marB="0" anchor="b"/>
+                </a:tc>
+                <a:tc>
+                  <a:txBody>
+                    <a:bodyPr/>
+                    <a:lstStyle/>
+                    <a:p>
+                      <a:pPr algn="l" fontAlgn="b"/>
+                      <a:r>
+                        <a:rPr lang="en-US" sz="2200" b="0" u="none" strike="noStrike" dirty="0">
+                          <a:solidFill>
+                            <a:srgbClr val="000000"/>
+                          </a:solidFill>
+                          <a:effectLst/>
+                        </a:rPr>
+                        <a:t>Oversampling (k = 3)</a:t>
+                      </a:r>
+                      <a:endParaRPr lang="en-US" sz="2200" b="0" i="0" u="none" strike="noStrike" dirty="0">
+                        <a:solidFill>
+                          <a:srgbClr val="000000"/>
+                        </a:solidFill>
+                        <a:effectLst/>
+                        <a:latin typeface="Calibri" panose="020F0502020204030204" pitchFamily="34" charset="0"/>
+                      </a:endParaRPr>
+                    </a:p>
+                  </a:txBody>
+                  <a:tcPr marL="7620" marR="7620" marT="7620" marB="0" anchor="b"/>
+                </a:tc>
+                <a:tc>
+                  <a:txBody>
+                    <a:bodyPr/>
+                    <a:lstStyle/>
+                    <a:p>
+                      <a:pPr algn="r" fontAlgn="b"/>
+                      <a:r>
+                        <a:rPr lang="en-US" sz="2200" b="0" u="none" strike="noStrike">
+                          <a:solidFill>
+                            <a:srgbClr val="000000"/>
+                          </a:solidFill>
+                          <a:effectLst/>
+                        </a:rPr>
+                        <a:t>200</a:t>
+                      </a:r>
+                      <a:endParaRPr lang="en-US" sz="2200" b="0" i="0" u="none" strike="noStrike">
+                        <a:solidFill>
+                          <a:srgbClr val="000000"/>
+                        </a:solidFill>
+                        <a:effectLst/>
+                        <a:latin typeface="Calibri" panose="020F0502020204030204" pitchFamily="34" charset="0"/>
+                      </a:endParaRPr>
+                    </a:p>
+                  </a:txBody>
+                  <a:tcPr marL="7620" marR="7620" marT="7620" marB="0" anchor="b"/>
+                </a:tc>
+                <a:tc>
+                  <a:txBody>
+                    <a:bodyPr/>
+                    <a:lstStyle/>
+                    <a:p>
+                      <a:pPr algn="r" fontAlgn="b"/>
+                      <a:r>
+                        <a:rPr lang="en-US" sz="2200" b="0" u="none" strike="noStrike" dirty="0">
+                          <a:solidFill>
+                            <a:srgbClr val="000000"/>
+                          </a:solidFill>
+                          <a:effectLst/>
+                        </a:rPr>
+                        <a:t>2</a:t>
+                      </a:r>
+                      <a:endParaRPr lang="en-US" sz="2200" b="0" i="0" u="none" strike="noStrike" dirty="0">
+                        <a:solidFill>
+                          <a:srgbClr val="000000"/>
+                        </a:solidFill>
+                        <a:effectLst/>
+                        <a:latin typeface="Calibri" panose="020F0502020204030204" pitchFamily="34" charset="0"/>
+                      </a:endParaRPr>
+                    </a:p>
+                  </a:txBody>
+                  <a:tcPr marL="7620" marR="7620" marT="7620" marB="0" anchor="b"/>
+                </a:tc>
+                <a:extLst>
+                  <a:ext uri="{0D108BD9-81ED-4DB2-BD59-A6C34878D82A}">
+                    <a16:rowId xmlns:a16="http://schemas.microsoft.com/office/drawing/2014/main" val="1150824391"/>
+                  </a:ext>
+                </a:extLst>
+              </a:tr>
+            </a:tbl>
+          </a:graphicData>
+        </a:graphic>
+      </p:graphicFrame>
+      <p:graphicFrame>
+        <p:nvGraphicFramePr>
+          <p:cNvPr id="14" name="Table 13">
+            <a:extLst>
+              <a:ext uri="{FF2B5EF4-FFF2-40B4-BE49-F238E27FC236}">
+                <a16:creationId xmlns:a16="http://schemas.microsoft.com/office/drawing/2014/main" id="{A309EB79-E944-4DAA-A8B7-DF0E5DE28952}"/>
+              </a:ext>
+            </a:extLst>
+          </p:cNvPr>
+          <p:cNvGraphicFramePr>
+            <a:graphicFrameLocks noGrp="1"/>
+          </p:cNvGraphicFramePr>
+          <p:nvPr>
+            <p:extLst>
+              <p:ext uri="{D42A27DB-BD31-4B8C-83A1-F6EECF244321}">
+                <p14:modId xmlns:p14="http://schemas.microsoft.com/office/powerpoint/2010/main" val="1252883710"/>
+              </p:ext>
+            </p:extLst>
+          </p:nvPr>
+        </p:nvGraphicFramePr>
+        <p:xfrm>
+          <a:off x="1552575" y="4127130"/>
+          <a:ext cx="8963025" cy="1759320"/>
+        </p:xfrm>
+        <a:graphic>
+          <a:graphicData uri="http://schemas.openxmlformats.org/drawingml/2006/table">
+            <a:tbl>
+              <a:tblPr>
+                <a:tableStyleId>{9D7B26C5-4107-4FEC-AEDC-1716B250A1EF}</a:tableStyleId>
+              </a:tblPr>
+              <a:tblGrid>
+                <a:gridCol w="1186204">
+                  <a:extLst>
+                    <a:ext uri="{9D8B030D-6E8A-4147-A177-3AD203B41FA5}">
+                      <a16:colId xmlns:a16="http://schemas.microsoft.com/office/drawing/2014/main" val="493560491"/>
+                    </a:ext>
+                  </a:extLst>
+                </a:gridCol>
+                <a:gridCol w="3324873">
+                  <a:extLst>
+                    <a:ext uri="{9D8B030D-6E8A-4147-A177-3AD203B41FA5}">
+                      <a16:colId xmlns:a16="http://schemas.microsoft.com/office/drawing/2014/main" val="669246533"/>
+                    </a:ext>
+                  </a:extLst>
+                </a:gridCol>
+                <a:gridCol w="1493375">
+                  <a:extLst>
+                    <a:ext uri="{9D8B030D-6E8A-4147-A177-3AD203B41FA5}">
+                      <a16:colId xmlns:a16="http://schemas.microsoft.com/office/drawing/2014/main" val="3642216522"/>
+                    </a:ext>
+                  </a:extLst>
+                </a:gridCol>
+                <a:gridCol w="760776">
+                  <a:extLst>
+                    <a:ext uri="{9D8B030D-6E8A-4147-A177-3AD203B41FA5}">
+                      <a16:colId xmlns:a16="http://schemas.microsoft.com/office/drawing/2014/main" val="2025151790"/>
+                    </a:ext>
+                  </a:extLst>
+                </a:gridCol>
+                <a:gridCol w="1070722">
+                  <a:extLst>
+                    <a:ext uri="{9D8B030D-6E8A-4147-A177-3AD203B41FA5}">
+                      <a16:colId xmlns:a16="http://schemas.microsoft.com/office/drawing/2014/main" val="2575489049"/>
+                    </a:ext>
+                  </a:extLst>
+                </a:gridCol>
+                <a:gridCol w="1127075">
+                  <a:extLst>
+                    <a:ext uri="{9D8B030D-6E8A-4147-A177-3AD203B41FA5}">
+                      <a16:colId xmlns:a16="http://schemas.microsoft.com/office/drawing/2014/main" val="3759569625"/>
+                    </a:ext>
+                  </a:extLst>
+                </a:gridCol>
+              </a:tblGrid>
+              <a:tr h="439830">
+                <a:tc>
+                  <a:txBody>
+                    <a:bodyPr/>
+                    <a:lstStyle/>
+                    <a:p>
+                      <a:pPr algn="l" fontAlgn="b"/>
+                      <a:endParaRPr lang="en-US" sz="2200" b="0" i="0" u="none" strike="noStrike">
+                        <a:solidFill>
+                          <a:srgbClr val="000000"/>
+                        </a:solidFill>
+                        <a:effectLst/>
+                        <a:latin typeface="Calibri" panose="020F0502020204030204" pitchFamily="34" charset="0"/>
+                      </a:endParaRPr>
+                    </a:p>
+                  </a:txBody>
+                  <a:tcPr marL="7620" marR="7620" marT="7620" marB="0" anchor="b"/>
+                </a:tc>
+                <a:tc>
+                  <a:txBody>
+                    <a:bodyPr/>
+                    <a:lstStyle/>
+                    <a:p>
+                      <a:pPr algn="l" fontAlgn="b"/>
+                      <a:r>
+                        <a:rPr lang="en-US" sz="2200" b="1" u="none" strike="noStrike">
+                          <a:solidFill>
+                            <a:srgbClr val="000000"/>
+                          </a:solidFill>
+                          <a:effectLst/>
+                        </a:rPr>
+                        <a:t>Resampling</a:t>
+                      </a:r>
+                      <a:endParaRPr lang="en-US" sz="2200" b="1" i="0" u="none" strike="noStrike">
+                        <a:solidFill>
+                          <a:srgbClr val="000000"/>
+                        </a:solidFill>
+                        <a:effectLst/>
+                        <a:latin typeface="Calibri" panose="020F0502020204030204" pitchFamily="34" charset="0"/>
+                      </a:endParaRPr>
+                    </a:p>
+                  </a:txBody>
+                  <a:tcPr marL="7620" marR="7620" marT="7620" marB="0" anchor="b"/>
+                </a:tc>
+                <a:tc>
+                  <a:txBody>
+                    <a:bodyPr/>
+                    <a:lstStyle/>
+                    <a:p>
+                      <a:pPr algn="l" fontAlgn="b"/>
+                      <a:r>
+                        <a:rPr lang="en-US" sz="2200" b="1" u="none" strike="noStrike">
+                          <a:solidFill>
+                            <a:srgbClr val="000000"/>
+                          </a:solidFill>
+                          <a:effectLst/>
+                        </a:rPr>
+                        <a:t>Max Depth</a:t>
+                      </a:r>
+                      <a:endParaRPr lang="en-US" sz="2200" b="1" i="0" u="none" strike="noStrike">
+                        <a:solidFill>
+                          <a:srgbClr val="000000"/>
+                        </a:solidFill>
+                        <a:effectLst/>
+                        <a:latin typeface="Calibri" panose="020F0502020204030204" pitchFamily="34" charset="0"/>
+                      </a:endParaRPr>
+                    </a:p>
+                  </a:txBody>
+                  <a:tcPr marL="7620" marR="7620" marT="7620" marB="0" anchor="b"/>
+                </a:tc>
+                <a:tc>
+                  <a:txBody>
+                    <a:bodyPr/>
+                    <a:lstStyle/>
+                    <a:p>
+                      <a:pPr algn="l" fontAlgn="b"/>
+                      <a:r>
+                        <a:rPr lang="en-US" sz="2200" b="1" u="none" strike="noStrike">
+                          <a:solidFill>
+                            <a:srgbClr val="000000"/>
+                          </a:solidFill>
+                          <a:effectLst/>
+                        </a:rPr>
+                        <a:t>Eta</a:t>
+                      </a:r>
+                      <a:endParaRPr lang="en-US" sz="2200" b="1" i="0" u="none" strike="noStrike">
+                        <a:solidFill>
+                          <a:srgbClr val="000000"/>
+                        </a:solidFill>
+                        <a:effectLst/>
+                        <a:latin typeface="Calibri" panose="020F0502020204030204" pitchFamily="34" charset="0"/>
+                      </a:endParaRPr>
+                    </a:p>
+                  </a:txBody>
+                  <a:tcPr marL="7620" marR="7620" marT="7620" marB="0" anchor="b"/>
+                </a:tc>
+                <a:tc>
+                  <a:txBody>
+                    <a:bodyPr/>
+                    <a:lstStyle/>
+                    <a:p>
+                      <a:pPr algn="l" fontAlgn="b"/>
+                      <a:r>
+                        <a:rPr lang="en-US" sz="2200" b="1" u="none" strike="noStrike">
+                          <a:solidFill>
+                            <a:srgbClr val="000000"/>
+                          </a:solidFill>
+                          <a:effectLst/>
+                        </a:rPr>
+                        <a:t>Rounds</a:t>
+                      </a:r>
+                      <a:endParaRPr lang="en-US" sz="2200" b="1" i="0" u="none" strike="noStrike">
+                        <a:solidFill>
+                          <a:srgbClr val="000000"/>
+                        </a:solidFill>
+                        <a:effectLst/>
+                        <a:latin typeface="Calibri" panose="020F0502020204030204" pitchFamily="34" charset="0"/>
+                      </a:endParaRPr>
+                    </a:p>
+                  </a:txBody>
+                  <a:tcPr marL="7620" marR="7620" marT="7620" marB="0" anchor="b"/>
+                </a:tc>
+                <a:tc>
+                  <a:txBody>
+                    <a:bodyPr/>
+                    <a:lstStyle/>
+                    <a:p>
+                      <a:pPr algn="l" fontAlgn="b"/>
+                      <a:r>
+                        <a:rPr lang="en-US" sz="2200" b="1" u="none" strike="noStrike">
+                          <a:solidFill>
+                            <a:srgbClr val="000000"/>
+                          </a:solidFill>
+                          <a:effectLst/>
+                        </a:rPr>
+                        <a:t>Threads</a:t>
+                      </a:r>
+                      <a:endParaRPr lang="en-US" sz="2200" b="1" i="0" u="none" strike="noStrike">
+                        <a:solidFill>
+                          <a:srgbClr val="000000"/>
+                        </a:solidFill>
+                        <a:effectLst/>
+                        <a:latin typeface="Calibri" panose="020F0502020204030204" pitchFamily="34" charset="0"/>
+                      </a:endParaRPr>
+                    </a:p>
+                  </a:txBody>
+                  <a:tcPr marL="7620" marR="7620" marT="7620" marB="0" anchor="b"/>
+                </a:tc>
+                <a:extLst>
+                  <a:ext uri="{0D108BD9-81ED-4DB2-BD59-A6C34878D82A}">
+                    <a16:rowId xmlns:a16="http://schemas.microsoft.com/office/drawing/2014/main" val="586982416"/>
+                  </a:ext>
+                </a:extLst>
+              </a:tr>
+              <a:tr h="439830">
+                <a:tc>
+                  <a:txBody>
+                    <a:bodyPr/>
+                    <a:lstStyle/>
+                    <a:p>
+                      <a:pPr algn="l" fontAlgn="b"/>
+                      <a:r>
+                        <a:rPr lang="en-US" sz="2200" b="1" u="none" strike="noStrike">
+                          <a:solidFill>
+                            <a:srgbClr val="000000"/>
+                          </a:solidFill>
+                          <a:effectLst/>
+                        </a:rPr>
+                        <a:t>XGBoost</a:t>
+                      </a:r>
+                      <a:endParaRPr lang="en-US" sz="2200" b="1" i="0" u="none" strike="noStrike">
+                        <a:solidFill>
+                          <a:srgbClr val="000000"/>
+                        </a:solidFill>
+                        <a:effectLst/>
+                        <a:latin typeface="Calibri" panose="020F0502020204030204" pitchFamily="34" charset="0"/>
+                      </a:endParaRPr>
+                    </a:p>
+                  </a:txBody>
+                  <a:tcPr marL="7620" marR="7620" marT="7620" marB="0" anchor="b"/>
+                </a:tc>
+                <a:tc>
+                  <a:txBody>
+                    <a:bodyPr/>
+                    <a:lstStyle/>
+                    <a:p>
+                      <a:pPr algn="l" fontAlgn="b"/>
+                      <a:r>
+                        <a:rPr lang="en-US" sz="2200" b="0" u="none" strike="noStrike">
+                          <a:solidFill>
+                            <a:srgbClr val="000000"/>
+                          </a:solidFill>
+                          <a:effectLst/>
+                        </a:rPr>
+                        <a:t>No Resampling</a:t>
+                      </a:r>
+                      <a:endParaRPr lang="en-US" sz="2200" b="0" i="0" u="none" strike="noStrike">
+                        <a:solidFill>
+                          <a:srgbClr val="000000"/>
+                        </a:solidFill>
+                        <a:effectLst/>
+                        <a:latin typeface="Calibri" panose="020F0502020204030204" pitchFamily="34" charset="0"/>
+                      </a:endParaRPr>
+                    </a:p>
+                  </a:txBody>
+                  <a:tcPr marL="7620" marR="7620" marT="7620" marB="0" anchor="b"/>
+                </a:tc>
+                <a:tc>
+                  <a:txBody>
+                    <a:bodyPr/>
+                    <a:lstStyle/>
+                    <a:p>
+                      <a:pPr algn="r" fontAlgn="b"/>
+                      <a:r>
+                        <a:rPr lang="en-US" sz="2200" b="0" u="none" strike="noStrike">
+                          <a:solidFill>
+                            <a:srgbClr val="000000"/>
+                          </a:solidFill>
+                          <a:effectLst/>
+                        </a:rPr>
+                        <a:t>50</a:t>
+                      </a:r>
+                      <a:endParaRPr lang="en-US" sz="2200" b="0" i="0" u="none" strike="noStrike">
+                        <a:solidFill>
+                          <a:srgbClr val="000000"/>
+                        </a:solidFill>
+                        <a:effectLst/>
+                        <a:latin typeface="Calibri" panose="020F0502020204030204" pitchFamily="34" charset="0"/>
+                      </a:endParaRPr>
+                    </a:p>
+                  </a:txBody>
+                  <a:tcPr marL="7620" marR="7620" marT="7620" marB="0" anchor="b"/>
+                </a:tc>
+                <a:tc>
+                  <a:txBody>
+                    <a:bodyPr/>
+                    <a:lstStyle/>
+                    <a:p>
+                      <a:pPr algn="r" fontAlgn="b"/>
+                      <a:r>
+                        <a:rPr lang="en-US" sz="2200" b="0" u="none" strike="noStrike">
+                          <a:solidFill>
+                            <a:srgbClr val="000000"/>
+                          </a:solidFill>
+                          <a:effectLst/>
+                        </a:rPr>
+                        <a:t>0.75</a:t>
+                      </a:r>
+                      <a:endParaRPr lang="en-US" sz="2200" b="0" i="0" u="none" strike="noStrike">
+                        <a:solidFill>
+                          <a:srgbClr val="000000"/>
+                        </a:solidFill>
+                        <a:effectLst/>
+                        <a:latin typeface="Calibri" panose="020F0502020204030204" pitchFamily="34" charset="0"/>
+                      </a:endParaRPr>
+                    </a:p>
+                  </a:txBody>
+                  <a:tcPr marL="7620" marR="7620" marT="7620" marB="0" anchor="b"/>
+                </a:tc>
+                <a:tc>
+                  <a:txBody>
+                    <a:bodyPr/>
+                    <a:lstStyle/>
+                    <a:p>
+                      <a:pPr algn="r" fontAlgn="b"/>
+                      <a:r>
+                        <a:rPr lang="en-US" sz="2200" b="0" u="none" strike="noStrike">
+                          <a:solidFill>
+                            <a:srgbClr val="000000"/>
+                          </a:solidFill>
+                          <a:effectLst/>
+                        </a:rPr>
+                        <a:t>12</a:t>
+                      </a:r>
+                      <a:endParaRPr lang="en-US" sz="2200" b="0" i="0" u="none" strike="noStrike">
+                        <a:solidFill>
+                          <a:srgbClr val="000000"/>
+                        </a:solidFill>
+                        <a:effectLst/>
+                        <a:latin typeface="Calibri" panose="020F0502020204030204" pitchFamily="34" charset="0"/>
+                      </a:endParaRPr>
+                    </a:p>
+                  </a:txBody>
+                  <a:tcPr marL="7620" marR="7620" marT="7620" marB="0" anchor="b"/>
+                </a:tc>
+                <a:tc>
+                  <a:txBody>
+                    <a:bodyPr/>
+                    <a:lstStyle/>
+                    <a:p>
+                      <a:pPr algn="r" fontAlgn="b"/>
+                      <a:r>
+                        <a:rPr lang="en-US" sz="2200" b="0" u="none" strike="noStrike">
+                          <a:solidFill>
+                            <a:srgbClr val="000000"/>
+                          </a:solidFill>
+                          <a:effectLst/>
+                        </a:rPr>
+                        <a:t>8</a:t>
+                      </a:r>
+                      <a:endParaRPr lang="en-US" sz="2200" b="0" i="0" u="none" strike="noStrike">
+                        <a:solidFill>
+                          <a:srgbClr val="000000"/>
+                        </a:solidFill>
+                        <a:effectLst/>
+                        <a:latin typeface="Calibri" panose="020F0502020204030204" pitchFamily="34" charset="0"/>
+                      </a:endParaRPr>
+                    </a:p>
+                  </a:txBody>
+                  <a:tcPr marL="7620" marR="7620" marT="7620" marB="0" anchor="b"/>
+                </a:tc>
+                <a:extLst>
+                  <a:ext uri="{0D108BD9-81ED-4DB2-BD59-A6C34878D82A}">
+                    <a16:rowId xmlns:a16="http://schemas.microsoft.com/office/drawing/2014/main" val="2850357953"/>
+                  </a:ext>
+                </a:extLst>
+              </a:tr>
+              <a:tr h="439830">
+                <a:tc>
+                  <a:txBody>
+                    <a:bodyPr/>
+                    <a:lstStyle/>
+                    <a:p>
+                      <a:pPr algn="l" fontAlgn="b"/>
+                      <a:endParaRPr lang="en-US" sz="2200" b="0" i="0" u="none" strike="noStrike">
+                        <a:solidFill>
+                          <a:srgbClr val="000000"/>
+                        </a:solidFill>
+                        <a:effectLst/>
+                        <a:latin typeface="Calibri" panose="020F0502020204030204" pitchFamily="34" charset="0"/>
+                      </a:endParaRPr>
+                    </a:p>
+                  </a:txBody>
+                  <a:tcPr marL="7620" marR="7620" marT="7620" marB="0" anchor="b"/>
+                </a:tc>
+                <a:tc>
+                  <a:txBody>
+                    <a:bodyPr/>
+                    <a:lstStyle/>
+                    <a:p>
+                      <a:pPr algn="l" fontAlgn="b"/>
+                      <a:r>
+                        <a:rPr lang="en-US" sz="2200" b="0" u="none" strike="noStrike">
+                          <a:solidFill>
+                            <a:srgbClr val="000000"/>
+                          </a:solidFill>
+                          <a:effectLst/>
+                        </a:rPr>
+                        <a:t>Undersampling (n = 2000)</a:t>
+                      </a:r>
+                      <a:endParaRPr lang="en-US" sz="2200" b="0" i="0" u="none" strike="noStrike">
+                        <a:solidFill>
+                          <a:srgbClr val="000000"/>
+                        </a:solidFill>
+                        <a:effectLst/>
+                        <a:latin typeface="Calibri" panose="020F0502020204030204" pitchFamily="34" charset="0"/>
+                      </a:endParaRPr>
+                    </a:p>
+                  </a:txBody>
+                  <a:tcPr marL="7620" marR="7620" marT="7620" marB="0" anchor="b"/>
+                </a:tc>
+                <a:tc>
+                  <a:txBody>
+                    <a:bodyPr/>
+                    <a:lstStyle/>
+                    <a:p>
+                      <a:pPr algn="r" fontAlgn="b"/>
+                      <a:r>
+                        <a:rPr lang="en-US" sz="2200" b="0" u="none" strike="noStrike">
+                          <a:solidFill>
+                            <a:srgbClr val="000000"/>
+                          </a:solidFill>
+                          <a:effectLst/>
+                        </a:rPr>
+                        <a:t>50</a:t>
+                      </a:r>
+                      <a:endParaRPr lang="en-US" sz="2200" b="0" i="0" u="none" strike="noStrike">
+                        <a:solidFill>
+                          <a:srgbClr val="000000"/>
+                        </a:solidFill>
+                        <a:effectLst/>
+                        <a:latin typeface="Calibri" panose="020F0502020204030204" pitchFamily="34" charset="0"/>
+                      </a:endParaRPr>
+                    </a:p>
+                  </a:txBody>
+                  <a:tcPr marL="7620" marR="7620" marT="7620" marB="0" anchor="b"/>
+                </a:tc>
+                <a:tc>
+                  <a:txBody>
+                    <a:bodyPr/>
+                    <a:lstStyle/>
+                    <a:p>
+                      <a:pPr algn="r" fontAlgn="b"/>
+                      <a:r>
+                        <a:rPr lang="en-US" sz="2200" b="0" u="none" strike="noStrike">
+                          <a:solidFill>
+                            <a:srgbClr val="000000"/>
+                          </a:solidFill>
+                          <a:effectLst/>
+                        </a:rPr>
+                        <a:t>0.5</a:t>
+                      </a:r>
+                      <a:endParaRPr lang="en-US" sz="2200" b="0" i="0" u="none" strike="noStrike">
+                        <a:solidFill>
+                          <a:srgbClr val="000000"/>
+                        </a:solidFill>
+                        <a:effectLst/>
+                        <a:latin typeface="Calibri" panose="020F0502020204030204" pitchFamily="34" charset="0"/>
+                      </a:endParaRPr>
+                    </a:p>
+                  </a:txBody>
+                  <a:tcPr marL="7620" marR="7620" marT="7620" marB="0" anchor="b"/>
+                </a:tc>
+                <a:tc>
+                  <a:txBody>
+                    <a:bodyPr/>
+                    <a:lstStyle/>
+                    <a:p>
+                      <a:pPr algn="r" fontAlgn="b"/>
+                      <a:r>
+                        <a:rPr lang="en-US" sz="2200" b="0" u="none" strike="noStrike" dirty="0">
+                          <a:solidFill>
+                            <a:srgbClr val="000000"/>
+                          </a:solidFill>
+                          <a:effectLst/>
+                        </a:rPr>
+                        <a:t>12</a:t>
+                      </a:r>
+                      <a:endParaRPr lang="en-US" sz="2200" b="0" i="0" u="none" strike="noStrike" dirty="0">
+                        <a:solidFill>
+                          <a:srgbClr val="000000"/>
+                        </a:solidFill>
+                        <a:effectLst/>
+                        <a:latin typeface="Calibri" panose="020F0502020204030204" pitchFamily="34" charset="0"/>
+                      </a:endParaRPr>
+                    </a:p>
+                  </a:txBody>
+                  <a:tcPr marL="7620" marR="7620" marT="7620" marB="0" anchor="b"/>
+                </a:tc>
+                <a:tc>
+                  <a:txBody>
+                    <a:bodyPr/>
+                    <a:lstStyle/>
+                    <a:p>
+                      <a:pPr algn="r" fontAlgn="b"/>
+                      <a:r>
+                        <a:rPr lang="en-US" sz="2200" b="0" u="none" strike="noStrike">
+                          <a:solidFill>
+                            <a:srgbClr val="000000"/>
+                          </a:solidFill>
+                          <a:effectLst/>
+                        </a:rPr>
+                        <a:t>12</a:t>
+                      </a:r>
+                      <a:endParaRPr lang="en-US" sz="2200" b="0" i="0" u="none" strike="noStrike">
+                        <a:solidFill>
+                          <a:srgbClr val="000000"/>
+                        </a:solidFill>
+                        <a:effectLst/>
+                        <a:latin typeface="Calibri" panose="020F0502020204030204" pitchFamily="34" charset="0"/>
+                      </a:endParaRPr>
+                    </a:p>
+                  </a:txBody>
+                  <a:tcPr marL="7620" marR="7620" marT="7620" marB="0" anchor="b"/>
+                </a:tc>
+                <a:extLst>
+                  <a:ext uri="{0D108BD9-81ED-4DB2-BD59-A6C34878D82A}">
+                    <a16:rowId xmlns:a16="http://schemas.microsoft.com/office/drawing/2014/main" val="1132577284"/>
+                  </a:ext>
+                </a:extLst>
+              </a:tr>
+              <a:tr h="439830">
+                <a:tc>
+                  <a:txBody>
+                    <a:bodyPr/>
+                    <a:lstStyle/>
+                    <a:p>
+                      <a:pPr algn="l" fontAlgn="b"/>
+                      <a:endParaRPr lang="en-US" sz="2200" b="0" i="0" u="none" strike="noStrike">
+                        <a:solidFill>
+                          <a:srgbClr val="000000"/>
+                        </a:solidFill>
+                        <a:effectLst/>
+                        <a:latin typeface="Calibri" panose="020F0502020204030204" pitchFamily="34" charset="0"/>
+                      </a:endParaRPr>
+                    </a:p>
+                  </a:txBody>
+                  <a:tcPr marL="7620" marR="7620" marT="7620" marB="0" anchor="b"/>
+                </a:tc>
+                <a:tc>
+                  <a:txBody>
+                    <a:bodyPr/>
+                    <a:lstStyle/>
+                    <a:p>
+                      <a:pPr algn="l" fontAlgn="b"/>
+                      <a:r>
+                        <a:rPr lang="en-US" sz="2200" b="0" u="none" strike="noStrike">
+                          <a:solidFill>
+                            <a:srgbClr val="000000"/>
+                          </a:solidFill>
+                          <a:effectLst/>
+                        </a:rPr>
+                        <a:t>Oversampling (k = 3)</a:t>
+                      </a:r>
+                      <a:endParaRPr lang="en-US" sz="2200" b="0" i="0" u="none" strike="noStrike">
+                        <a:solidFill>
+                          <a:srgbClr val="000000"/>
+                        </a:solidFill>
+                        <a:effectLst/>
+                        <a:latin typeface="Calibri" panose="020F0502020204030204" pitchFamily="34" charset="0"/>
+                      </a:endParaRPr>
+                    </a:p>
+                  </a:txBody>
+                  <a:tcPr marL="7620" marR="7620" marT="7620" marB="0" anchor="b"/>
+                </a:tc>
+                <a:tc>
+                  <a:txBody>
+                    <a:bodyPr/>
+                    <a:lstStyle/>
+                    <a:p>
+                      <a:pPr algn="r" fontAlgn="b"/>
+                      <a:r>
+                        <a:rPr lang="en-US" sz="2200" b="0" u="none" strike="noStrike">
+                          <a:solidFill>
+                            <a:srgbClr val="000000"/>
+                          </a:solidFill>
+                          <a:effectLst/>
+                        </a:rPr>
+                        <a:t>50</a:t>
+                      </a:r>
+                      <a:endParaRPr lang="en-US" sz="2200" b="0" i="0" u="none" strike="noStrike">
+                        <a:solidFill>
+                          <a:srgbClr val="000000"/>
+                        </a:solidFill>
+                        <a:effectLst/>
+                        <a:latin typeface="Calibri" panose="020F0502020204030204" pitchFamily="34" charset="0"/>
+                      </a:endParaRPr>
+                    </a:p>
+                  </a:txBody>
+                  <a:tcPr marL="7620" marR="7620" marT="7620" marB="0" anchor="b"/>
+                </a:tc>
+                <a:tc>
+                  <a:txBody>
+                    <a:bodyPr/>
+                    <a:lstStyle/>
+                    <a:p>
+                      <a:pPr algn="r" fontAlgn="b"/>
+                      <a:r>
+                        <a:rPr lang="en-US" sz="2200" b="0" u="none" strike="noStrike">
+                          <a:solidFill>
+                            <a:srgbClr val="000000"/>
+                          </a:solidFill>
+                          <a:effectLst/>
+                        </a:rPr>
+                        <a:t>0.5</a:t>
+                      </a:r>
+                      <a:endParaRPr lang="en-US" sz="2200" b="0" i="0" u="none" strike="noStrike">
+                        <a:solidFill>
+                          <a:srgbClr val="000000"/>
+                        </a:solidFill>
+                        <a:effectLst/>
+                        <a:latin typeface="Calibri" panose="020F0502020204030204" pitchFamily="34" charset="0"/>
+                      </a:endParaRPr>
+                    </a:p>
+                  </a:txBody>
+                  <a:tcPr marL="7620" marR="7620" marT="7620" marB="0" anchor="b"/>
+                </a:tc>
+                <a:tc>
+                  <a:txBody>
+                    <a:bodyPr/>
+                    <a:lstStyle/>
+                    <a:p>
+                      <a:pPr algn="r" fontAlgn="b"/>
+                      <a:r>
+                        <a:rPr lang="en-US" sz="2200" b="0" u="none" strike="noStrike">
+                          <a:solidFill>
+                            <a:srgbClr val="000000"/>
+                          </a:solidFill>
+                          <a:effectLst/>
+                        </a:rPr>
+                        <a:t>10</a:t>
+                      </a:r>
+                      <a:endParaRPr lang="en-US" sz="2200" b="0" i="0" u="none" strike="noStrike">
+                        <a:solidFill>
+                          <a:srgbClr val="000000"/>
+                        </a:solidFill>
+                        <a:effectLst/>
+                        <a:latin typeface="Calibri" panose="020F0502020204030204" pitchFamily="34" charset="0"/>
+                      </a:endParaRPr>
+                    </a:p>
+                  </a:txBody>
+                  <a:tcPr marL="7620" marR="7620" marT="7620" marB="0" anchor="b"/>
+                </a:tc>
+                <a:tc>
+                  <a:txBody>
+                    <a:bodyPr/>
+                    <a:lstStyle/>
+                    <a:p>
+                      <a:pPr algn="r" fontAlgn="b"/>
+                      <a:r>
+                        <a:rPr lang="en-US" sz="2200" b="0" u="none" strike="noStrike" dirty="0">
+                          <a:solidFill>
+                            <a:srgbClr val="000000"/>
+                          </a:solidFill>
+                          <a:effectLst/>
+                        </a:rPr>
+                        <a:t>2</a:t>
+                      </a:r>
+                      <a:endParaRPr lang="en-US" sz="2200" b="0" i="0" u="none" strike="noStrike" dirty="0">
+                        <a:solidFill>
+                          <a:srgbClr val="000000"/>
+                        </a:solidFill>
+                        <a:effectLst/>
+                        <a:latin typeface="Calibri" panose="020F0502020204030204" pitchFamily="34" charset="0"/>
+                      </a:endParaRPr>
+                    </a:p>
+                  </a:txBody>
+                  <a:tcPr marL="7620" marR="7620" marT="7620" marB="0" anchor="b"/>
+                </a:tc>
+                <a:extLst>
+                  <a:ext uri="{0D108BD9-81ED-4DB2-BD59-A6C34878D82A}">
+                    <a16:rowId xmlns:a16="http://schemas.microsoft.com/office/drawing/2014/main" val="2641478304"/>
+                  </a:ext>
+                </a:extLst>
+              </a:tr>
+            </a:tbl>
+          </a:graphicData>
+        </a:graphic>
+      </p:graphicFrame>
+    </p:spTree>
+    <p:extLst>
+      <p:ext uri="{BB962C8B-B14F-4D97-AF65-F5344CB8AC3E}">
+        <p14:creationId xmlns:p14="http://schemas.microsoft.com/office/powerpoint/2010/main" val="1805798837"/>
       </p:ext>
     </p:extLst>
   </p:cSld>
@@ -7127,7 +10621,7 @@
           <a:lstStyle/>
           <a:p>
             <a:r>
-              <a:rPr lang="en-US" sz="5400"/>
+              <a:rPr lang="en-US" sz="5400" dirty="0"/>
               <a:t>Data Exploration (Alison)</a:t>
             </a:r>
           </a:p>
@@ -8045,7 +11539,7 @@
           <a:lstStyle/>
           <a:p>
             <a:r>
-              <a:rPr lang="en-US" sz="5400"/>
+              <a:rPr lang="en-US" sz="5400" dirty="0"/>
               <a:t>Methodology: Resampling (Alison)</a:t>
             </a:r>
           </a:p>
@@ -8825,6 +12319,885 @@
       </p:grpSpPr>
       <p:sp useBgFill="1">
         <p:nvSpPr>
+          <p:cNvPr id="14" name="Rectangle 14">
+            <a:extLst>
+              <a:ext uri="{FF2B5EF4-FFF2-40B4-BE49-F238E27FC236}">
+                <a16:creationId xmlns:a16="http://schemas.microsoft.com/office/drawing/2014/main" id="{100EDD19-6802-4EC3-95CE-CFFAB042CFD6}"/>
+              </a:ext>
+              <a:ext uri="{C183D7F6-B498-43B3-948B-1728B52AA6E4}">
+                <adec:decorative xmlns:adec="http://schemas.microsoft.com/office/drawing/2017/decorative" val="1"/>
+              </a:ext>
+            </a:extLst>
+          </p:cNvPr>
+          <p:cNvSpPr>
+            <a:spLocks noGrp="1" noRot="1" noChangeAspect="1" noMove="1" noResize="1" noEditPoints="1" noAdjustHandles="1" noChangeArrowheads="1" noChangeShapeType="1" noTextEdit="1"/>
+          </p:cNvSpPr>
+          <p:nvPr>
+            <p:extLst>
+              <p:ext uri="{386F3935-93C4-4BCD-93E2-E3B085C9AB24}">
+                <p16:designElem xmlns:p16="http://schemas.microsoft.com/office/powerpoint/2015/main" val="1"/>
+              </p:ext>
+            </p:extLst>
+          </p:nvPr>
+        </p:nvSpPr>
+        <p:spPr>
+          <a:xfrm>
+            <a:off x="0" y="0"/>
+            <a:ext cx="12188952" cy="6858000"/>
+          </a:xfrm>
+          <a:prstGeom prst="rect">
+            <a:avLst/>
+          </a:prstGeom>
+          <a:ln>
+            <a:noFill/>
+          </a:ln>
+        </p:spPr>
+        <p:style>
+          <a:lnRef idx="2">
+            <a:schemeClr val="accent1">
+              <a:shade val="50000"/>
+            </a:schemeClr>
+          </a:lnRef>
+          <a:fillRef idx="1">
+            <a:schemeClr val="accent1"/>
+          </a:fillRef>
+          <a:effectRef idx="0">
+            <a:schemeClr val="accent1"/>
+          </a:effectRef>
+          <a:fontRef idx="minor">
+            <a:schemeClr val="lt1"/>
+          </a:fontRef>
+        </p:style>
+        <p:txBody>
+          <a:bodyPr rtlCol="0" anchor="ctr"/>
+          <a:lstStyle/>
+          <a:p>
+            <a:pPr algn="ctr"/>
+            <a:endParaRPr lang="en-US"/>
+          </a:p>
+        </p:txBody>
+      </p:sp>
+      <p:sp>
+        <p:nvSpPr>
+          <p:cNvPr id="2" name="Title 1">
+            <a:extLst>
+              <a:ext uri="{FF2B5EF4-FFF2-40B4-BE49-F238E27FC236}">
+                <a16:creationId xmlns:a16="http://schemas.microsoft.com/office/drawing/2014/main" id="{EABAB166-3C39-43D1-8F8B-9DB2DEE2352F}"/>
+              </a:ext>
+            </a:extLst>
+          </p:cNvPr>
+          <p:cNvSpPr>
+            <a:spLocks noGrp="1"/>
+          </p:cNvSpPr>
+          <p:nvPr>
+            <p:ph type="title"/>
+          </p:nvPr>
+        </p:nvSpPr>
+        <p:spPr>
+          <a:xfrm>
+            <a:off x="838200" y="365125"/>
+            <a:ext cx="10515600" cy="1325563"/>
+          </a:xfrm>
+        </p:spPr>
+        <p:txBody>
+          <a:bodyPr>
+            <a:normAutofit/>
+          </a:bodyPr>
+          <a:lstStyle/>
+          <a:p>
+            <a:r>
+              <a:rPr lang="en-US" sz="5400" dirty="0"/>
+              <a:t>Accuracy &amp; Cross-Validation (Emily)</a:t>
+            </a:r>
+          </a:p>
+        </p:txBody>
+      </p:sp>
+      <p:sp>
+        <p:nvSpPr>
+          <p:cNvPr id="16" name="sketch line">
+            <a:extLst>
+              <a:ext uri="{FF2B5EF4-FFF2-40B4-BE49-F238E27FC236}">
+                <a16:creationId xmlns:a16="http://schemas.microsoft.com/office/drawing/2014/main" id="{DB17E863-922E-4C26-BD64-E8FD41D28661}"/>
+              </a:ext>
+              <a:ext uri="{C183D7F6-B498-43B3-948B-1728B52AA6E4}">
+                <adec:decorative xmlns:adec="http://schemas.microsoft.com/office/drawing/2017/decorative" val="1"/>
+              </a:ext>
+            </a:extLst>
+          </p:cNvPr>
+          <p:cNvSpPr>
+            <a:spLocks noGrp="1" noRot="1" noChangeAspect="1" noMove="1" noResize="1" noEditPoints="1" noAdjustHandles="1" noChangeArrowheads="1" noChangeShapeType="1" noTextEdit="1"/>
+          </p:cNvSpPr>
+          <p:nvPr>
+            <p:extLst>
+              <p:ext uri="{386F3935-93C4-4BCD-93E2-E3B085C9AB24}">
+                <p16:designElem xmlns:p16="http://schemas.microsoft.com/office/powerpoint/2015/main" val="1"/>
+              </p:ext>
+            </p:extLst>
+          </p:nvPr>
+        </p:nvSpPr>
+        <p:spPr>
+          <a:xfrm>
+            <a:off x="669036" y="1677373"/>
+            <a:ext cx="10853928" cy="18288"/>
+          </a:xfrm>
+          <a:custGeom>
+            <a:avLst/>
+            <a:gdLst>
+              <a:gd name="connsiteX0" fmla="*/ 0 w 10853928"/>
+              <a:gd name="connsiteY0" fmla="*/ 0 h 18288"/>
+              <a:gd name="connsiteX1" fmla="*/ 461292 w 10853928"/>
+              <a:gd name="connsiteY1" fmla="*/ 0 h 18288"/>
+              <a:gd name="connsiteX2" fmla="*/ 1139662 w 10853928"/>
+              <a:gd name="connsiteY2" fmla="*/ 0 h 18288"/>
+              <a:gd name="connsiteX3" fmla="*/ 1926572 w 10853928"/>
+              <a:gd name="connsiteY3" fmla="*/ 0 h 18288"/>
+              <a:gd name="connsiteX4" fmla="*/ 2279325 w 10853928"/>
+              <a:gd name="connsiteY4" fmla="*/ 0 h 18288"/>
+              <a:gd name="connsiteX5" fmla="*/ 2632078 w 10853928"/>
+              <a:gd name="connsiteY5" fmla="*/ 0 h 18288"/>
+              <a:gd name="connsiteX6" fmla="*/ 3527527 w 10853928"/>
+              <a:gd name="connsiteY6" fmla="*/ 0 h 18288"/>
+              <a:gd name="connsiteX7" fmla="*/ 4205897 w 10853928"/>
+              <a:gd name="connsiteY7" fmla="*/ 0 h 18288"/>
+              <a:gd name="connsiteX8" fmla="*/ 4558650 w 10853928"/>
+              <a:gd name="connsiteY8" fmla="*/ 0 h 18288"/>
+              <a:gd name="connsiteX9" fmla="*/ 5237020 w 10853928"/>
+              <a:gd name="connsiteY9" fmla="*/ 0 h 18288"/>
+              <a:gd name="connsiteX10" fmla="*/ 6132469 w 10853928"/>
+              <a:gd name="connsiteY10" fmla="*/ 0 h 18288"/>
+              <a:gd name="connsiteX11" fmla="*/ 6702301 w 10853928"/>
+              <a:gd name="connsiteY11" fmla="*/ 0 h 18288"/>
+              <a:gd name="connsiteX12" fmla="*/ 7272132 w 10853928"/>
+              <a:gd name="connsiteY12" fmla="*/ 0 h 18288"/>
+              <a:gd name="connsiteX13" fmla="*/ 7950502 w 10853928"/>
+              <a:gd name="connsiteY13" fmla="*/ 0 h 18288"/>
+              <a:gd name="connsiteX14" fmla="*/ 8737412 w 10853928"/>
+              <a:gd name="connsiteY14" fmla="*/ 0 h 18288"/>
+              <a:gd name="connsiteX15" fmla="*/ 9524322 w 10853928"/>
+              <a:gd name="connsiteY15" fmla="*/ 0 h 18288"/>
+              <a:gd name="connsiteX16" fmla="*/ 10853928 w 10853928"/>
+              <a:gd name="connsiteY16" fmla="*/ 0 h 18288"/>
+              <a:gd name="connsiteX17" fmla="*/ 10853928 w 10853928"/>
+              <a:gd name="connsiteY17" fmla="*/ 18288 h 18288"/>
+              <a:gd name="connsiteX18" fmla="*/ 10392636 w 10853928"/>
+              <a:gd name="connsiteY18" fmla="*/ 18288 h 18288"/>
+              <a:gd name="connsiteX19" fmla="*/ 9497187 w 10853928"/>
+              <a:gd name="connsiteY19" fmla="*/ 18288 h 18288"/>
+              <a:gd name="connsiteX20" fmla="*/ 8818817 w 10853928"/>
+              <a:gd name="connsiteY20" fmla="*/ 18288 h 18288"/>
+              <a:gd name="connsiteX21" fmla="*/ 8466064 w 10853928"/>
+              <a:gd name="connsiteY21" fmla="*/ 18288 h 18288"/>
+              <a:gd name="connsiteX22" fmla="*/ 7787693 w 10853928"/>
+              <a:gd name="connsiteY22" fmla="*/ 18288 h 18288"/>
+              <a:gd name="connsiteX23" fmla="*/ 7217862 w 10853928"/>
+              <a:gd name="connsiteY23" fmla="*/ 18288 h 18288"/>
+              <a:gd name="connsiteX24" fmla="*/ 6648031 w 10853928"/>
+              <a:gd name="connsiteY24" fmla="*/ 18288 h 18288"/>
+              <a:gd name="connsiteX25" fmla="*/ 6078200 w 10853928"/>
+              <a:gd name="connsiteY25" fmla="*/ 18288 h 18288"/>
+              <a:gd name="connsiteX26" fmla="*/ 5508368 w 10853928"/>
+              <a:gd name="connsiteY26" fmla="*/ 18288 h 18288"/>
+              <a:gd name="connsiteX27" fmla="*/ 4721459 w 10853928"/>
+              <a:gd name="connsiteY27" fmla="*/ 18288 h 18288"/>
+              <a:gd name="connsiteX28" fmla="*/ 4043088 w 10853928"/>
+              <a:gd name="connsiteY28" fmla="*/ 18288 h 18288"/>
+              <a:gd name="connsiteX29" fmla="*/ 3690336 w 10853928"/>
+              <a:gd name="connsiteY29" fmla="*/ 18288 h 18288"/>
+              <a:gd name="connsiteX30" fmla="*/ 3120504 w 10853928"/>
+              <a:gd name="connsiteY30" fmla="*/ 18288 h 18288"/>
+              <a:gd name="connsiteX31" fmla="*/ 2333595 w 10853928"/>
+              <a:gd name="connsiteY31" fmla="*/ 18288 h 18288"/>
+              <a:gd name="connsiteX32" fmla="*/ 1872303 w 10853928"/>
+              <a:gd name="connsiteY32" fmla="*/ 18288 h 18288"/>
+              <a:gd name="connsiteX33" fmla="*/ 976854 w 10853928"/>
+              <a:gd name="connsiteY33" fmla="*/ 18288 h 18288"/>
+              <a:gd name="connsiteX34" fmla="*/ 0 w 10853928"/>
+              <a:gd name="connsiteY34" fmla="*/ 18288 h 18288"/>
+              <a:gd name="connsiteX35" fmla="*/ 0 w 10853928"/>
+              <a:gd name="connsiteY35" fmla="*/ 0 h 18288"/>
+            </a:gdLst>
+            <a:ahLst/>
+            <a:cxnLst>
+              <a:cxn ang="0">
+                <a:pos x="connsiteX0" y="connsiteY0"/>
+              </a:cxn>
+              <a:cxn ang="0">
+                <a:pos x="connsiteX1" y="connsiteY1"/>
+              </a:cxn>
+              <a:cxn ang="0">
+                <a:pos x="connsiteX2" y="connsiteY2"/>
+              </a:cxn>
+              <a:cxn ang="0">
+                <a:pos x="connsiteX3" y="connsiteY3"/>
+              </a:cxn>
+              <a:cxn ang="0">
+                <a:pos x="connsiteX4" y="connsiteY4"/>
+              </a:cxn>
+              <a:cxn ang="0">
+                <a:pos x="connsiteX5" y="connsiteY5"/>
+              </a:cxn>
+              <a:cxn ang="0">
+                <a:pos x="connsiteX6" y="connsiteY6"/>
+              </a:cxn>
+              <a:cxn ang="0">
+                <a:pos x="connsiteX7" y="connsiteY7"/>
+              </a:cxn>
+              <a:cxn ang="0">
+                <a:pos x="connsiteX8" y="connsiteY8"/>
+              </a:cxn>
+              <a:cxn ang="0">
+                <a:pos x="connsiteX9" y="connsiteY9"/>
+              </a:cxn>
+              <a:cxn ang="0">
+                <a:pos x="connsiteX10" y="connsiteY10"/>
+              </a:cxn>
+              <a:cxn ang="0">
+                <a:pos x="connsiteX11" y="connsiteY11"/>
+              </a:cxn>
+              <a:cxn ang="0">
+                <a:pos x="connsiteX12" y="connsiteY12"/>
+              </a:cxn>
+              <a:cxn ang="0">
+                <a:pos x="connsiteX13" y="connsiteY13"/>
+              </a:cxn>
+              <a:cxn ang="0">
+                <a:pos x="connsiteX14" y="connsiteY14"/>
+              </a:cxn>
+              <a:cxn ang="0">
+                <a:pos x="connsiteX15" y="connsiteY15"/>
+              </a:cxn>
+              <a:cxn ang="0">
+                <a:pos x="connsiteX16" y="connsiteY16"/>
+              </a:cxn>
+              <a:cxn ang="0">
+                <a:pos x="connsiteX17" y="connsiteY17"/>
+              </a:cxn>
+              <a:cxn ang="0">
+                <a:pos x="connsiteX18" y="connsiteY18"/>
+              </a:cxn>
+              <a:cxn ang="0">
+                <a:pos x="connsiteX19" y="connsiteY19"/>
+              </a:cxn>
+              <a:cxn ang="0">
+                <a:pos x="connsiteX20" y="connsiteY20"/>
+              </a:cxn>
+              <a:cxn ang="0">
+                <a:pos x="connsiteX21" y="connsiteY21"/>
+              </a:cxn>
+              <a:cxn ang="0">
+                <a:pos x="connsiteX22" y="connsiteY22"/>
+              </a:cxn>
+              <a:cxn ang="0">
+                <a:pos x="connsiteX23" y="connsiteY23"/>
+              </a:cxn>
+              <a:cxn ang="0">
+                <a:pos x="connsiteX24" y="connsiteY24"/>
+              </a:cxn>
+              <a:cxn ang="0">
+                <a:pos x="connsiteX25" y="connsiteY25"/>
+              </a:cxn>
+              <a:cxn ang="0">
+                <a:pos x="connsiteX26" y="connsiteY26"/>
+              </a:cxn>
+              <a:cxn ang="0">
+                <a:pos x="connsiteX27" y="connsiteY27"/>
+              </a:cxn>
+              <a:cxn ang="0">
+                <a:pos x="connsiteX28" y="connsiteY28"/>
+              </a:cxn>
+              <a:cxn ang="0">
+                <a:pos x="connsiteX29" y="connsiteY29"/>
+              </a:cxn>
+              <a:cxn ang="0">
+                <a:pos x="connsiteX30" y="connsiteY30"/>
+              </a:cxn>
+              <a:cxn ang="0">
+                <a:pos x="connsiteX31" y="connsiteY31"/>
+              </a:cxn>
+              <a:cxn ang="0">
+                <a:pos x="connsiteX32" y="connsiteY32"/>
+              </a:cxn>
+              <a:cxn ang="0">
+                <a:pos x="connsiteX33" y="connsiteY33"/>
+              </a:cxn>
+              <a:cxn ang="0">
+                <a:pos x="connsiteX34" y="connsiteY34"/>
+              </a:cxn>
+              <a:cxn ang="0">
+                <a:pos x="connsiteX35" y="connsiteY35"/>
+              </a:cxn>
+            </a:cxnLst>
+            <a:rect l="l" t="t" r="r" b="b"/>
+            <a:pathLst>
+              <a:path w="10853928" h="18288" fill="none" extrusionOk="0">
+                <a:moveTo>
+                  <a:pt x="0" y="0"/>
+                </a:moveTo>
+                <a:cubicBezTo>
+                  <a:pt x="146993" y="-19076"/>
+                  <a:pt x="347684" y="-4790"/>
+                  <a:pt x="461292" y="0"/>
+                </a:cubicBezTo>
+                <a:cubicBezTo>
+                  <a:pt x="574900" y="4790"/>
+                  <a:pt x="808367" y="19821"/>
+                  <a:pt x="1139662" y="0"/>
+                </a:cubicBezTo>
+                <a:cubicBezTo>
+                  <a:pt x="1470957" y="-19821"/>
+                  <a:pt x="1627405" y="5721"/>
+                  <a:pt x="1926572" y="0"/>
+                </a:cubicBezTo>
+                <a:cubicBezTo>
+                  <a:pt x="2225739" y="-5721"/>
+                  <a:pt x="2137730" y="-3235"/>
+                  <a:pt x="2279325" y="0"/>
+                </a:cubicBezTo>
+                <a:cubicBezTo>
+                  <a:pt x="2420920" y="3235"/>
+                  <a:pt x="2456518" y="9685"/>
+                  <a:pt x="2632078" y="0"/>
+                </a:cubicBezTo>
+                <a:cubicBezTo>
+                  <a:pt x="2807638" y="-9685"/>
+                  <a:pt x="3211516" y="-43007"/>
+                  <a:pt x="3527527" y="0"/>
+                </a:cubicBezTo>
+                <a:cubicBezTo>
+                  <a:pt x="3843538" y="43007"/>
+                  <a:pt x="4058833" y="22042"/>
+                  <a:pt x="4205897" y="0"/>
+                </a:cubicBezTo>
+                <a:cubicBezTo>
+                  <a:pt x="4352961" y="-22042"/>
+                  <a:pt x="4474805" y="-11846"/>
+                  <a:pt x="4558650" y="0"/>
+                </a:cubicBezTo>
+                <a:cubicBezTo>
+                  <a:pt x="4642495" y="11846"/>
+                  <a:pt x="5041928" y="-6069"/>
+                  <a:pt x="5237020" y="0"/>
+                </a:cubicBezTo>
+                <a:cubicBezTo>
+                  <a:pt x="5432112" y="6069"/>
+                  <a:pt x="5943266" y="-17479"/>
+                  <a:pt x="6132469" y="0"/>
+                </a:cubicBezTo>
+                <a:cubicBezTo>
+                  <a:pt x="6321672" y="17479"/>
+                  <a:pt x="6483872" y="26234"/>
+                  <a:pt x="6702301" y="0"/>
+                </a:cubicBezTo>
+                <a:cubicBezTo>
+                  <a:pt x="6920730" y="-26234"/>
+                  <a:pt x="6991194" y="-15156"/>
+                  <a:pt x="7272132" y="0"/>
+                </a:cubicBezTo>
+                <a:cubicBezTo>
+                  <a:pt x="7553070" y="15156"/>
+                  <a:pt x="7684444" y="-32961"/>
+                  <a:pt x="7950502" y="0"/>
+                </a:cubicBezTo>
+                <a:cubicBezTo>
+                  <a:pt x="8216560" y="32961"/>
+                  <a:pt x="8493290" y="-10491"/>
+                  <a:pt x="8737412" y="0"/>
+                </a:cubicBezTo>
+                <a:cubicBezTo>
+                  <a:pt x="8981534" y="10491"/>
+                  <a:pt x="9191586" y="-13899"/>
+                  <a:pt x="9524322" y="0"/>
+                </a:cubicBezTo>
+                <a:cubicBezTo>
+                  <a:pt x="9857058" y="13899"/>
+                  <a:pt x="10297509" y="7485"/>
+                  <a:pt x="10853928" y="0"/>
+                </a:cubicBezTo>
+                <a:cubicBezTo>
+                  <a:pt x="10854574" y="4451"/>
+                  <a:pt x="10854418" y="9226"/>
+                  <a:pt x="10853928" y="18288"/>
+                </a:cubicBezTo>
+                <a:cubicBezTo>
+                  <a:pt x="10691638" y="28522"/>
+                  <a:pt x="10574319" y="29578"/>
+                  <a:pt x="10392636" y="18288"/>
+                </a:cubicBezTo>
+                <a:cubicBezTo>
+                  <a:pt x="10210953" y="6998"/>
+                  <a:pt x="9836277" y="-16742"/>
+                  <a:pt x="9497187" y="18288"/>
+                </a:cubicBezTo>
+                <a:cubicBezTo>
+                  <a:pt x="9158097" y="53318"/>
+                  <a:pt x="9119479" y="30714"/>
+                  <a:pt x="8818817" y="18288"/>
+                </a:cubicBezTo>
+                <a:cubicBezTo>
+                  <a:pt x="8518155" y="5863"/>
+                  <a:pt x="8640037" y="6483"/>
+                  <a:pt x="8466064" y="18288"/>
+                </a:cubicBezTo>
+                <a:cubicBezTo>
+                  <a:pt x="8292091" y="30093"/>
+                  <a:pt x="7997656" y="18914"/>
+                  <a:pt x="7787693" y="18288"/>
+                </a:cubicBezTo>
+                <a:cubicBezTo>
+                  <a:pt x="7577730" y="17662"/>
+                  <a:pt x="7412468" y="21416"/>
+                  <a:pt x="7217862" y="18288"/>
+                </a:cubicBezTo>
+                <a:cubicBezTo>
+                  <a:pt x="7023256" y="15160"/>
+                  <a:pt x="6898018" y="14824"/>
+                  <a:pt x="6648031" y="18288"/>
+                </a:cubicBezTo>
+                <a:cubicBezTo>
+                  <a:pt x="6398044" y="21752"/>
+                  <a:pt x="6254402" y="38625"/>
+                  <a:pt x="6078200" y="18288"/>
+                </a:cubicBezTo>
+                <a:cubicBezTo>
+                  <a:pt x="5901998" y="-2049"/>
+                  <a:pt x="5622886" y="3213"/>
+                  <a:pt x="5508368" y="18288"/>
+                </a:cubicBezTo>
+                <a:cubicBezTo>
+                  <a:pt x="5393850" y="33363"/>
+                  <a:pt x="5036260" y="26830"/>
+                  <a:pt x="4721459" y="18288"/>
+                </a:cubicBezTo>
+                <a:cubicBezTo>
+                  <a:pt x="4406658" y="9746"/>
+                  <a:pt x="4239221" y="41551"/>
+                  <a:pt x="4043088" y="18288"/>
+                </a:cubicBezTo>
+                <a:cubicBezTo>
+                  <a:pt x="3846955" y="-4975"/>
+                  <a:pt x="3818802" y="34658"/>
+                  <a:pt x="3690336" y="18288"/>
+                </a:cubicBezTo>
+                <a:cubicBezTo>
+                  <a:pt x="3561870" y="1918"/>
+                  <a:pt x="3265491" y="42194"/>
+                  <a:pt x="3120504" y="18288"/>
+                </a:cubicBezTo>
+                <a:cubicBezTo>
+                  <a:pt x="2975517" y="-5618"/>
+                  <a:pt x="2720254" y="36673"/>
+                  <a:pt x="2333595" y="18288"/>
+                </a:cubicBezTo>
+                <a:cubicBezTo>
+                  <a:pt x="1946936" y="-97"/>
+                  <a:pt x="2097241" y="5776"/>
+                  <a:pt x="1872303" y="18288"/>
+                </a:cubicBezTo>
+                <a:cubicBezTo>
+                  <a:pt x="1647365" y="30800"/>
+                  <a:pt x="1282708" y="45380"/>
+                  <a:pt x="976854" y="18288"/>
+                </a:cubicBezTo>
+                <a:cubicBezTo>
+                  <a:pt x="671000" y="-8804"/>
+                  <a:pt x="408401" y="-12775"/>
+                  <a:pt x="0" y="18288"/>
+                </a:cubicBezTo>
+                <a:cubicBezTo>
+                  <a:pt x="-213" y="9468"/>
+                  <a:pt x="187" y="4459"/>
+                  <a:pt x="0" y="0"/>
+                </a:cubicBezTo>
+                <a:close/>
+              </a:path>
+              <a:path w="10853928" h="18288" stroke="0" extrusionOk="0">
+                <a:moveTo>
+                  <a:pt x="0" y="0"/>
+                </a:moveTo>
+                <a:cubicBezTo>
+                  <a:pt x="267322" y="15284"/>
+                  <a:pt x="415388" y="-21048"/>
+                  <a:pt x="569831" y="0"/>
+                </a:cubicBezTo>
+                <a:cubicBezTo>
+                  <a:pt x="724274" y="21048"/>
+                  <a:pt x="769333" y="-2353"/>
+                  <a:pt x="922584" y="0"/>
+                </a:cubicBezTo>
+                <a:cubicBezTo>
+                  <a:pt x="1075835" y="2353"/>
+                  <a:pt x="1399490" y="-145"/>
+                  <a:pt x="1818033" y="0"/>
+                </a:cubicBezTo>
+                <a:cubicBezTo>
+                  <a:pt x="2236576" y="145"/>
+                  <a:pt x="2145330" y="5482"/>
+                  <a:pt x="2387864" y="0"/>
+                </a:cubicBezTo>
+                <a:cubicBezTo>
+                  <a:pt x="2630398" y="-5482"/>
+                  <a:pt x="2793207" y="18487"/>
+                  <a:pt x="2957695" y="0"/>
+                </a:cubicBezTo>
+                <a:cubicBezTo>
+                  <a:pt x="3122183" y="-18487"/>
+                  <a:pt x="3579141" y="19003"/>
+                  <a:pt x="3853144" y="0"/>
+                </a:cubicBezTo>
+                <a:cubicBezTo>
+                  <a:pt x="4127147" y="-19003"/>
+                  <a:pt x="4209857" y="12211"/>
+                  <a:pt x="4314436" y="0"/>
+                </a:cubicBezTo>
+                <a:cubicBezTo>
+                  <a:pt x="4419015" y="-12211"/>
+                  <a:pt x="4762459" y="-17220"/>
+                  <a:pt x="5209885" y="0"/>
+                </a:cubicBezTo>
+                <a:cubicBezTo>
+                  <a:pt x="5657311" y="17220"/>
+                  <a:pt x="5692663" y="-3290"/>
+                  <a:pt x="6105335" y="0"/>
+                </a:cubicBezTo>
+                <a:cubicBezTo>
+                  <a:pt x="6518007" y="3290"/>
+                  <a:pt x="6455516" y="-5124"/>
+                  <a:pt x="6783705" y="0"/>
+                </a:cubicBezTo>
+                <a:cubicBezTo>
+                  <a:pt x="7111894" y="5124"/>
+                  <a:pt x="7441941" y="-17829"/>
+                  <a:pt x="7679154" y="0"/>
+                </a:cubicBezTo>
+                <a:cubicBezTo>
+                  <a:pt x="7916367" y="17829"/>
+                  <a:pt x="8102967" y="-24363"/>
+                  <a:pt x="8248985" y="0"/>
+                </a:cubicBezTo>
+                <a:cubicBezTo>
+                  <a:pt x="8395003" y="24363"/>
+                  <a:pt x="8552393" y="25505"/>
+                  <a:pt x="8818817" y="0"/>
+                </a:cubicBezTo>
+                <a:cubicBezTo>
+                  <a:pt x="9085241" y="-25505"/>
+                  <a:pt x="9411308" y="38000"/>
+                  <a:pt x="9605726" y="0"/>
+                </a:cubicBezTo>
+                <a:cubicBezTo>
+                  <a:pt x="9800144" y="-38000"/>
+                  <a:pt x="10006468" y="-25741"/>
+                  <a:pt x="10175558" y="0"/>
+                </a:cubicBezTo>
+                <a:cubicBezTo>
+                  <a:pt x="10344648" y="25741"/>
+                  <a:pt x="10696282" y="695"/>
+                  <a:pt x="10853928" y="0"/>
+                </a:cubicBezTo>
+                <a:cubicBezTo>
+                  <a:pt x="10853521" y="8690"/>
+                  <a:pt x="10853774" y="14141"/>
+                  <a:pt x="10853928" y="18288"/>
+                </a:cubicBezTo>
+                <a:cubicBezTo>
+                  <a:pt x="10608124" y="24255"/>
+                  <a:pt x="10343415" y="22307"/>
+                  <a:pt x="10067018" y="18288"/>
+                </a:cubicBezTo>
+                <a:cubicBezTo>
+                  <a:pt x="9790621" y="14270"/>
+                  <a:pt x="9843266" y="3564"/>
+                  <a:pt x="9714266" y="18288"/>
+                </a:cubicBezTo>
+                <a:cubicBezTo>
+                  <a:pt x="9585266" y="33012"/>
+                  <a:pt x="9379484" y="1875"/>
+                  <a:pt x="9252974" y="18288"/>
+                </a:cubicBezTo>
+                <a:cubicBezTo>
+                  <a:pt x="9126464" y="34701"/>
+                  <a:pt x="8580678" y="-4904"/>
+                  <a:pt x="8357525" y="18288"/>
+                </a:cubicBezTo>
+                <a:cubicBezTo>
+                  <a:pt x="8134372" y="41480"/>
+                  <a:pt x="7903199" y="26458"/>
+                  <a:pt x="7679154" y="18288"/>
+                </a:cubicBezTo>
+                <a:cubicBezTo>
+                  <a:pt x="7455109" y="10118"/>
+                  <a:pt x="7435944" y="27109"/>
+                  <a:pt x="7217862" y="18288"/>
+                </a:cubicBezTo>
+                <a:cubicBezTo>
+                  <a:pt x="6999780" y="9467"/>
+                  <a:pt x="6680409" y="18985"/>
+                  <a:pt x="6539492" y="18288"/>
+                </a:cubicBezTo>
+                <a:cubicBezTo>
+                  <a:pt x="6398575" y="17592"/>
+                  <a:pt x="6312077" y="33018"/>
+                  <a:pt x="6186739" y="18288"/>
+                </a:cubicBezTo>
+                <a:cubicBezTo>
+                  <a:pt x="6061401" y="3558"/>
+                  <a:pt x="5947033" y="12075"/>
+                  <a:pt x="5833986" y="18288"/>
+                </a:cubicBezTo>
+                <a:cubicBezTo>
+                  <a:pt x="5720939" y="24501"/>
+                  <a:pt x="5482226" y="8586"/>
+                  <a:pt x="5155616" y="18288"/>
+                </a:cubicBezTo>
+                <a:cubicBezTo>
+                  <a:pt x="4829006" y="27991"/>
+                  <a:pt x="4841274" y="29316"/>
+                  <a:pt x="4694324" y="18288"/>
+                </a:cubicBezTo>
+                <a:cubicBezTo>
+                  <a:pt x="4547374" y="7260"/>
+                  <a:pt x="4077675" y="7013"/>
+                  <a:pt x="3907414" y="18288"/>
+                </a:cubicBezTo>
+                <a:cubicBezTo>
+                  <a:pt x="3737153" y="29564"/>
+                  <a:pt x="3538393" y="21630"/>
+                  <a:pt x="3446122" y="18288"/>
+                </a:cubicBezTo>
+                <a:cubicBezTo>
+                  <a:pt x="3353851" y="14946"/>
+                  <a:pt x="2990320" y="-8091"/>
+                  <a:pt x="2659212" y="18288"/>
+                </a:cubicBezTo>
+                <a:cubicBezTo>
+                  <a:pt x="2328104" y="44667"/>
+                  <a:pt x="2427653" y="9607"/>
+                  <a:pt x="2306460" y="18288"/>
+                </a:cubicBezTo>
+                <a:cubicBezTo>
+                  <a:pt x="2185267" y="26969"/>
+                  <a:pt x="1719763" y="3717"/>
+                  <a:pt x="1519550" y="18288"/>
+                </a:cubicBezTo>
+                <a:cubicBezTo>
+                  <a:pt x="1319337" y="32860"/>
+                  <a:pt x="1167371" y="17040"/>
+                  <a:pt x="1058258" y="18288"/>
+                </a:cubicBezTo>
+                <a:cubicBezTo>
+                  <a:pt x="949145" y="19536"/>
+                  <a:pt x="780234" y="31447"/>
+                  <a:pt x="705505" y="18288"/>
+                </a:cubicBezTo>
+                <a:cubicBezTo>
+                  <a:pt x="630776" y="5129"/>
+                  <a:pt x="215796" y="30056"/>
+                  <a:pt x="0" y="18288"/>
+                </a:cubicBezTo>
+                <a:cubicBezTo>
+                  <a:pt x="-53" y="11301"/>
+                  <a:pt x="-649" y="7756"/>
+                  <a:pt x="0" y="0"/>
+                </a:cubicBezTo>
+                <a:close/>
+              </a:path>
+            </a:pathLst>
+          </a:custGeom>
+          <a:solidFill>
+            <a:schemeClr val="accent2"/>
+          </a:solidFill>
+          <a:ln w="41275" cap="rnd">
+            <a:solidFill>
+              <a:schemeClr val="accent2"/>
+            </a:solidFill>
+            <a:round/>
+            <a:extLst>
+              <a:ext uri="{C807C97D-BFC1-408E-A445-0C87EB9F89A2}">
+                <ask:lineSketchStyleProps xmlns:ask="http://schemas.microsoft.com/office/drawing/2018/sketchyshapes" sd="1219033472">
+                  <a:prstGeom prst="rect">
+                    <a:avLst/>
+                  </a:prstGeom>
+                  <ask:type>
+                    <ask:lineSketchFreehand/>
+                  </ask:type>
+                </ask:lineSketchStyleProps>
+              </a:ext>
+            </a:extLst>
+          </a:ln>
+        </p:spPr>
+        <p:style>
+          <a:lnRef idx="2">
+            <a:schemeClr val="accent1">
+              <a:shade val="50000"/>
+            </a:schemeClr>
+          </a:lnRef>
+          <a:fillRef idx="1">
+            <a:schemeClr val="accent1"/>
+          </a:fillRef>
+          <a:effectRef idx="0">
+            <a:schemeClr val="accent1"/>
+          </a:effectRef>
+          <a:fontRef idx="minor">
+            <a:schemeClr val="lt1"/>
+          </a:fontRef>
+        </p:style>
+        <p:txBody>
+          <a:bodyPr rtlCol="0" anchor="ctr"/>
+          <a:lstStyle/>
+          <a:p>
+            <a:pPr algn="ctr"/>
+            <a:endParaRPr lang="en-US"/>
+          </a:p>
+        </p:txBody>
+      </p:sp>
+      <p:sp>
+        <p:nvSpPr>
+          <p:cNvPr id="3" name="Content Placeholder 2">
+            <a:extLst>
+              <a:ext uri="{FF2B5EF4-FFF2-40B4-BE49-F238E27FC236}">
+                <a16:creationId xmlns:a16="http://schemas.microsoft.com/office/drawing/2014/main" id="{D7815D9D-E40C-4413-A7F9-D929523D8BF6}"/>
+              </a:ext>
+            </a:extLst>
+          </p:cNvPr>
+          <p:cNvSpPr>
+            <a:spLocks noGrp="1"/>
+          </p:cNvSpPr>
+          <p:nvPr>
+            <p:ph idx="1"/>
+          </p:nvPr>
+        </p:nvSpPr>
+        <p:spPr>
+          <a:xfrm>
+            <a:off x="838200" y="1929384"/>
+            <a:ext cx="10515600" cy="4251960"/>
+          </a:xfrm>
+        </p:spPr>
+        <p:txBody>
+          <a:bodyPr>
+            <a:normAutofit/>
+          </a:bodyPr>
+          <a:lstStyle/>
+          <a:p>
+            <a:r>
+              <a:rPr lang="en-US" sz="1900"/>
+              <a:t>Accuracy metrics</a:t>
+            </a:r>
+          </a:p>
+          <a:p>
+            <a:pPr lvl="1"/>
+            <a:r>
+              <a:rPr lang="en-US" sz="1900"/>
+              <a:t>Overall correct classification rate</a:t>
+            </a:r>
+          </a:p>
+          <a:p>
+            <a:pPr lvl="1"/>
+            <a:r>
+              <a:rPr lang="en-US" sz="1900"/>
+              <a:t>Individual group (low quality, normal quality, and high quality) correct classification rate</a:t>
+            </a:r>
+          </a:p>
+          <a:p>
+            <a:r>
+              <a:rPr lang="en-US" sz="1900"/>
+              <a:t>Monte Carlo Cross-Validation (MCMC) </a:t>
+            </a:r>
+          </a:p>
+          <a:p>
+            <a:pPr lvl="1"/>
+            <a:r>
+              <a:rPr lang="en-US" sz="1900"/>
+              <a:t>B = 50 for model tuning; B = 100 for final model comparison</a:t>
+            </a:r>
+          </a:p>
+          <a:p>
+            <a:pPr lvl="1"/>
+            <a:r>
+              <a:rPr lang="en-US" sz="1900"/>
+              <a:t>70% training; 30% testing </a:t>
+            </a:r>
+          </a:p>
+          <a:p>
+            <a:pPr lvl="1"/>
+            <a:r>
+              <a:rPr lang="en-US" sz="1900"/>
+              <a:t>For each split, the final resampled training data set is used to build the model; then accuracy is evaluated on the corresponding testing data set. </a:t>
+            </a:r>
+          </a:p>
+          <a:p>
+            <a:pPr lvl="1"/>
+            <a:r>
+              <a:rPr lang="en-US" sz="1900"/>
+              <a:t>The mean, 5th-quantile, and 95th-quantile of the correct classification rates are used to evaluate performance over the B splits. </a:t>
+            </a:r>
+          </a:p>
+          <a:p>
+            <a:r>
+              <a:rPr lang="en-US" sz="1900"/>
+              <a:t>Both classification methods were tuned by conducting a hyperparameter grid search with MCMC to minimize the overall accuracy. </a:t>
+            </a:r>
+          </a:p>
+          <a:p>
+            <a:r>
+              <a:rPr lang="en-US" sz="1900"/>
+              <a:t>The </a:t>
+            </a:r>
+            <a:r>
+              <a:rPr lang="en-US" sz="1900" b="1">
+                <a:latin typeface="Abadi Extra Light" panose="020B0204020104020204" pitchFamily="34" charset="0"/>
+              </a:rPr>
+              <a:t>furrr</a:t>
+            </a:r>
+            <a:r>
+              <a:rPr lang="en-US" sz="1900"/>
+              <a:t> package was used to minimize computing time [Vaughan and Dancho, 2021].</a:t>
+            </a:r>
+          </a:p>
+          <a:p>
+            <a:endParaRPr lang="en-US" sz="1900"/>
+          </a:p>
+        </p:txBody>
+      </p:sp>
+    </p:spTree>
+    <p:extLst>
+      <p:ext uri="{BB962C8B-B14F-4D97-AF65-F5344CB8AC3E}">
+        <p14:creationId xmlns:p14="http://schemas.microsoft.com/office/powerpoint/2010/main" val="496717477"/>
+      </p:ext>
+    </p:extLst>
+  </p:cSld>
+  <p:clrMapOvr>
+    <a:masterClrMapping/>
+  </p:clrMapOvr>
+</p:sld>
+</file>
+
+<file path=ppt/slides/slide7.xml><?xml version="1.0" encoding="utf-8"?>
+<p:sld xmlns:a="http://schemas.openxmlformats.org/drawingml/2006/main" xmlns:r="http://schemas.openxmlformats.org/officeDocument/2006/relationships" xmlns:p="http://schemas.openxmlformats.org/presentationml/2006/main">
+  <p:cSld>
+    <p:bg>
+      <p:bgPr>
+        <a:solidFill>
+          <a:schemeClr val="bg1"/>
+        </a:solidFill>
+        <a:effectLst/>
+      </p:bgPr>
+    </p:bg>
+    <p:spTree>
+      <p:nvGrpSpPr>
+        <p:cNvPr id="1" name=""/>
+        <p:cNvGrpSpPr/>
+        <p:nvPr/>
+      </p:nvGrpSpPr>
+      <p:grpSpPr>
+        <a:xfrm>
+          <a:off x="0" y="0"/>
+          <a:ext cx="0" cy="0"/>
+          <a:chOff x="0" y="0"/>
+          <a:chExt cx="0" cy="0"/>
+        </a:xfrm>
+      </p:grpSpPr>
+      <p:sp useBgFill="1">
+        <p:nvSpPr>
           <p:cNvPr id="8" name="Rectangle 7">
             <a:extLst>
               <a:ext uri="{FF2B5EF4-FFF2-40B4-BE49-F238E27FC236}">
@@ -8888,7 +13261,7 @@
           <p:cNvPr id="2" name="Title 1">
             <a:extLst>
               <a:ext uri="{FF2B5EF4-FFF2-40B4-BE49-F238E27FC236}">
-                <a16:creationId xmlns:a16="http://schemas.microsoft.com/office/drawing/2014/main" id="{EABAB166-3C39-43D1-8F8B-9DB2DEE2352F}"/>
+                <a16:creationId xmlns:a16="http://schemas.microsoft.com/office/drawing/2014/main" id="{398FDB74-7664-4E05-8C76-A40DFFC6537C}"/>
               </a:ext>
             </a:extLst>
           </p:cNvPr>
@@ -8912,8 +13285,8 @@
           <a:lstStyle/>
           <a:p>
             <a:r>
-              <a:rPr lang="en-US" sz="5000"/>
-              <a:t>Methodology: Cross Validation (Emily)</a:t>
+              <a:rPr lang="en-US" sz="5400"/>
+              <a:t>Random Forest (Emily)</a:t>
             </a:r>
           </a:p>
         </p:txBody>
@@ -9561,6 +13934,889 @@
           <p:cNvPr id="3" name="Content Placeholder 2">
             <a:extLst>
               <a:ext uri="{FF2B5EF4-FFF2-40B4-BE49-F238E27FC236}">
+                <a16:creationId xmlns:a16="http://schemas.microsoft.com/office/drawing/2014/main" id="{D92525E3-7382-4B87-A88E-C5FF91C69EB3}"/>
+              </a:ext>
+            </a:extLst>
+          </p:cNvPr>
+          <p:cNvSpPr>
+            <a:spLocks noGrp="1"/>
+          </p:cNvSpPr>
+          <p:nvPr>
+            <p:ph idx="1"/>
+          </p:nvPr>
+        </p:nvSpPr>
+        <p:spPr>
+          <a:xfrm>
+            <a:off x="838200" y="1929384"/>
+            <a:ext cx="10515600" cy="4251960"/>
+          </a:xfrm>
+        </p:spPr>
+        <p:txBody>
+          <a:bodyPr>
+            <a:normAutofit/>
+          </a:bodyPr>
+          <a:lstStyle/>
+          <a:p>
+            <a:r>
+              <a:rPr lang="en-US" sz="1700" b="1">
+                <a:latin typeface="Abadi Extra Light" panose="020B0204020104020204" pitchFamily="34" charset="0"/>
+              </a:rPr>
+              <a:t>randomForest</a:t>
+            </a:r>
+            <a:r>
+              <a:rPr lang="en-US" sz="1700"/>
+              <a:t> package [Liaw and Wiener, 2002]</a:t>
+            </a:r>
+          </a:p>
+          <a:p>
+            <a:r>
+              <a:rPr lang="en-US" sz="1700"/>
+              <a:t>Generates many classification trees, which are each grown through recursive partitioning of independent variable space then aggregates the predictions made by each tree. </a:t>
+            </a:r>
+          </a:p>
+          <a:p>
+            <a:r>
+              <a:rPr lang="en-US" sz="1700"/>
+              <a:t>Growth: </a:t>
+            </a:r>
+          </a:p>
+          <a:p>
+            <a:pPr lvl="1"/>
+            <a:r>
+              <a:rPr lang="en-US" sz="1700"/>
+              <a:t>Split points of variable space are investigated to maximize the reduction of heterogeneity, which is measured with the Gini impurity index.</a:t>
+            </a:r>
+          </a:p>
+          <a:p>
+            <a:pPr lvl="1"/>
+            <a:r>
+              <a:rPr lang="en-US" sz="1700"/>
+              <a:t>Grown to a phase where node(s) represent a delineation of data per split point of each variable, and leaves are the terminal points that represent the final classification of data.</a:t>
+            </a:r>
+          </a:p>
+          <a:p>
+            <a:r>
+              <a:rPr lang="en-US" sz="1700"/>
+              <a:t>Pruning:</a:t>
+            </a:r>
+          </a:p>
+          <a:p>
+            <a:pPr lvl="1"/>
+            <a:r>
+              <a:rPr lang="en-US" sz="1700"/>
+              <a:t>A leaf is potentially pruned back to a node to maximize the trade-off between complexity and rate of misclassification. </a:t>
+            </a:r>
+          </a:p>
+          <a:p>
+            <a:r>
+              <a:rPr lang="en-US" sz="1700"/>
+              <a:t>Hyperparameter grid search</a:t>
+            </a:r>
+          </a:p>
+          <a:p>
+            <a:pPr lvl="1"/>
+            <a:r>
+              <a:rPr lang="en-US" sz="1700"/>
+              <a:t>Number of trees (ntrees: 200 – 800 by 200)</a:t>
+            </a:r>
+          </a:p>
+          <a:p>
+            <a:pPr lvl="1"/>
+            <a:r>
+              <a:rPr lang="en-US" sz="1700"/>
+              <a:t>Number of variables to be randomly sampled from to generate a split point at each node (mtry: 2 – 10 by 2)</a:t>
+            </a:r>
+          </a:p>
+        </p:txBody>
+      </p:sp>
+    </p:spTree>
+    <p:extLst>
+      <p:ext uri="{BB962C8B-B14F-4D97-AF65-F5344CB8AC3E}">
+        <p14:creationId xmlns:p14="http://schemas.microsoft.com/office/powerpoint/2010/main" val="3557540284"/>
+      </p:ext>
+    </p:extLst>
+  </p:cSld>
+  <p:clrMapOvr>
+    <a:masterClrMapping/>
+  </p:clrMapOvr>
+</p:sld>
+</file>
+
+<file path=ppt/slides/slide8.xml><?xml version="1.0" encoding="utf-8"?>
+<p:sld xmlns:a="http://schemas.openxmlformats.org/drawingml/2006/main" xmlns:r="http://schemas.openxmlformats.org/officeDocument/2006/relationships" xmlns:p="http://schemas.openxmlformats.org/presentationml/2006/main">
+  <p:cSld>
+    <p:bg>
+      <p:bgPr>
+        <a:solidFill>
+          <a:schemeClr val="bg1"/>
+        </a:solidFill>
+        <a:effectLst/>
+      </p:bgPr>
+    </p:bg>
+    <p:spTree>
+      <p:nvGrpSpPr>
+        <p:cNvPr id="1" name=""/>
+        <p:cNvGrpSpPr/>
+        <p:nvPr/>
+      </p:nvGrpSpPr>
+      <p:grpSpPr>
+        <a:xfrm>
+          <a:off x="0" y="0"/>
+          <a:ext cx="0" cy="0"/>
+          <a:chOff x="0" y="0"/>
+          <a:chExt cx="0" cy="0"/>
+        </a:xfrm>
+      </p:grpSpPr>
+      <p:sp useBgFill="1">
+        <p:nvSpPr>
+          <p:cNvPr id="11" name="Rectangle 10">
+            <a:extLst>
+              <a:ext uri="{FF2B5EF4-FFF2-40B4-BE49-F238E27FC236}">
+                <a16:creationId xmlns:a16="http://schemas.microsoft.com/office/drawing/2014/main" id="{100EDD19-6802-4EC3-95CE-CFFAB042CFD6}"/>
+              </a:ext>
+              <a:ext uri="{C183D7F6-B498-43B3-948B-1728B52AA6E4}">
+                <adec:decorative xmlns:adec="http://schemas.microsoft.com/office/drawing/2017/decorative" val="1"/>
+              </a:ext>
+            </a:extLst>
+          </p:cNvPr>
+          <p:cNvSpPr>
+            <a:spLocks noGrp="1" noRot="1" noChangeAspect="1" noMove="1" noResize="1" noEditPoints="1" noAdjustHandles="1" noChangeArrowheads="1" noChangeShapeType="1" noTextEdit="1"/>
+          </p:cNvSpPr>
+          <p:nvPr>
+            <p:extLst>
+              <p:ext uri="{386F3935-93C4-4BCD-93E2-E3B085C9AB24}">
+                <p16:designElem xmlns:p16="http://schemas.microsoft.com/office/powerpoint/2015/main" val="1"/>
+              </p:ext>
+            </p:extLst>
+          </p:nvPr>
+        </p:nvSpPr>
+        <p:spPr>
+          <a:xfrm>
+            <a:off x="0" y="0"/>
+            <a:ext cx="12188952" cy="6858000"/>
+          </a:xfrm>
+          <a:prstGeom prst="rect">
+            <a:avLst/>
+          </a:prstGeom>
+          <a:ln>
+            <a:noFill/>
+          </a:ln>
+        </p:spPr>
+        <p:style>
+          <a:lnRef idx="2">
+            <a:schemeClr val="accent1">
+              <a:shade val="50000"/>
+            </a:schemeClr>
+          </a:lnRef>
+          <a:fillRef idx="1">
+            <a:schemeClr val="accent1"/>
+          </a:fillRef>
+          <a:effectRef idx="0">
+            <a:schemeClr val="accent1"/>
+          </a:effectRef>
+          <a:fontRef idx="minor">
+            <a:schemeClr val="lt1"/>
+          </a:fontRef>
+        </p:style>
+        <p:txBody>
+          <a:bodyPr rtlCol="0" anchor="ctr"/>
+          <a:lstStyle/>
+          <a:p>
+            <a:pPr algn="ctr"/>
+            <a:endParaRPr lang="en-US"/>
+          </a:p>
+        </p:txBody>
+      </p:sp>
+      <p:sp>
+        <p:nvSpPr>
+          <p:cNvPr id="2" name="Title 1">
+            <a:extLst>
+              <a:ext uri="{FF2B5EF4-FFF2-40B4-BE49-F238E27FC236}">
+                <a16:creationId xmlns:a16="http://schemas.microsoft.com/office/drawing/2014/main" id="{EABAB166-3C39-43D1-8F8B-9DB2DEE2352F}"/>
+              </a:ext>
+            </a:extLst>
+          </p:cNvPr>
+          <p:cNvSpPr>
+            <a:spLocks noGrp="1"/>
+          </p:cNvSpPr>
+          <p:nvPr>
+            <p:ph type="title"/>
+          </p:nvPr>
+        </p:nvSpPr>
+        <p:spPr>
+          <a:xfrm>
+            <a:off x="838200" y="365125"/>
+            <a:ext cx="10515600" cy="1325563"/>
+          </a:xfrm>
+        </p:spPr>
+        <p:txBody>
+          <a:bodyPr>
+            <a:normAutofit/>
+          </a:bodyPr>
+          <a:lstStyle/>
+          <a:p>
+            <a:r>
+              <a:rPr lang="en-US" sz="5400"/>
+              <a:t>eXtreme</a:t>
+            </a:r>
+            <a:r>
+              <a:rPr lang="en-US" sz="5400" dirty="0"/>
+              <a:t> Gradient Boosting (</a:t>
+            </a:r>
+            <a:r>
+              <a:rPr lang="en-US" sz="5400"/>
+              <a:t>XGBoost</a:t>
+            </a:r>
+            <a:r>
+              <a:rPr lang="en-US" sz="5400" dirty="0"/>
+              <a:t>)</a:t>
+            </a:r>
+          </a:p>
+        </p:txBody>
+      </p:sp>
+      <p:sp>
+        <p:nvSpPr>
+          <p:cNvPr id="13" name="sketch line">
+            <a:extLst>
+              <a:ext uri="{FF2B5EF4-FFF2-40B4-BE49-F238E27FC236}">
+                <a16:creationId xmlns:a16="http://schemas.microsoft.com/office/drawing/2014/main" id="{DB17E863-922E-4C26-BD64-E8FD41D28661}"/>
+              </a:ext>
+              <a:ext uri="{C183D7F6-B498-43B3-948B-1728B52AA6E4}">
+                <adec:decorative xmlns:adec="http://schemas.microsoft.com/office/drawing/2017/decorative" val="1"/>
+              </a:ext>
+            </a:extLst>
+          </p:cNvPr>
+          <p:cNvSpPr>
+            <a:spLocks noGrp="1" noRot="1" noChangeAspect="1" noMove="1" noResize="1" noEditPoints="1" noAdjustHandles="1" noChangeArrowheads="1" noChangeShapeType="1" noTextEdit="1"/>
+          </p:cNvSpPr>
+          <p:nvPr>
+            <p:extLst>
+              <p:ext uri="{386F3935-93C4-4BCD-93E2-E3B085C9AB24}">
+                <p16:designElem xmlns:p16="http://schemas.microsoft.com/office/powerpoint/2015/main" val="1"/>
+              </p:ext>
+            </p:extLst>
+          </p:nvPr>
+        </p:nvSpPr>
+        <p:spPr>
+          <a:xfrm>
+            <a:off x="669036" y="1677373"/>
+            <a:ext cx="10853928" cy="18288"/>
+          </a:xfrm>
+          <a:custGeom>
+            <a:avLst/>
+            <a:gdLst>
+              <a:gd name="connsiteX0" fmla="*/ 0 w 10853928"/>
+              <a:gd name="connsiteY0" fmla="*/ 0 h 18288"/>
+              <a:gd name="connsiteX1" fmla="*/ 461292 w 10853928"/>
+              <a:gd name="connsiteY1" fmla="*/ 0 h 18288"/>
+              <a:gd name="connsiteX2" fmla="*/ 1139662 w 10853928"/>
+              <a:gd name="connsiteY2" fmla="*/ 0 h 18288"/>
+              <a:gd name="connsiteX3" fmla="*/ 1926572 w 10853928"/>
+              <a:gd name="connsiteY3" fmla="*/ 0 h 18288"/>
+              <a:gd name="connsiteX4" fmla="*/ 2279325 w 10853928"/>
+              <a:gd name="connsiteY4" fmla="*/ 0 h 18288"/>
+              <a:gd name="connsiteX5" fmla="*/ 2632078 w 10853928"/>
+              <a:gd name="connsiteY5" fmla="*/ 0 h 18288"/>
+              <a:gd name="connsiteX6" fmla="*/ 3527527 w 10853928"/>
+              <a:gd name="connsiteY6" fmla="*/ 0 h 18288"/>
+              <a:gd name="connsiteX7" fmla="*/ 4205897 w 10853928"/>
+              <a:gd name="connsiteY7" fmla="*/ 0 h 18288"/>
+              <a:gd name="connsiteX8" fmla="*/ 4558650 w 10853928"/>
+              <a:gd name="connsiteY8" fmla="*/ 0 h 18288"/>
+              <a:gd name="connsiteX9" fmla="*/ 5237020 w 10853928"/>
+              <a:gd name="connsiteY9" fmla="*/ 0 h 18288"/>
+              <a:gd name="connsiteX10" fmla="*/ 6132469 w 10853928"/>
+              <a:gd name="connsiteY10" fmla="*/ 0 h 18288"/>
+              <a:gd name="connsiteX11" fmla="*/ 6702301 w 10853928"/>
+              <a:gd name="connsiteY11" fmla="*/ 0 h 18288"/>
+              <a:gd name="connsiteX12" fmla="*/ 7272132 w 10853928"/>
+              <a:gd name="connsiteY12" fmla="*/ 0 h 18288"/>
+              <a:gd name="connsiteX13" fmla="*/ 7950502 w 10853928"/>
+              <a:gd name="connsiteY13" fmla="*/ 0 h 18288"/>
+              <a:gd name="connsiteX14" fmla="*/ 8737412 w 10853928"/>
+              <a:gd name="connsiteY14" fmla="*/ 0 h 18288"/>
+              <a:gd name="connsiteX15" fmla="*/ 9524322 w 10853928"/>
+              <a:gd name="connsiteY15" fmla="*/ 0 h 18288"/>
+              <a:gd name="connsiteX16" fmla="*/ 10853928 w 10853928"/>
+              <a:gd name="connsiteY16" fmla="*/ 0 h 18288"/>
+              <a:gd name="connsiteX17" fmla="*/ 10853928 w 10853928"/>
+              <a:gd name="connsiteY17" fmla="*/ 18288 h 18288"/>
+              <a:gd name="connsiteX18" fmla="*/ 10392636 w 10853928"/>
+              <a:gd name="connsiteY18" fmla="*/ 18288 h 18288"/>
+              <a:gd name="connsiteX19" fmla="*/ 9497187 w 10853928"/>
+              <a:gd name="connsiteY19" fmla="*/ 18288 h 18288"/>
+              <a:gd name="connsiteX20" fmla="*/ 8818817 w 10853928"/>
+              <a:gd name="connsiteY20" fmla="*/ 18288 h 18288"/>
+              <a:gd name="connsiteX21" fmla="*/ 8466064 w 10853928"/>
+              <a:gd name="connsiteY21" fmla="*/ 18288 h 18288"/>
+              <a:gd name="connsiteX22" fmla="*/ 7787693 w 10853928"/>
+              <a:gd name="connsiteY22" fmla="*/ 18288 h 18288"/>
+              <a:gd name="connsiteX23" fmla="*/ 7217862 w 10853928"/>
+              <a:gd name="connsiteY23" fmla="*/ 18288 h 18288"/>
+              <a:gd name="connsiteX24" fmla="*/ 6648031 w 10853928"/>
+              <a:gd name="connsiteY24" fmla="*/ 18288 h 18288"/>
+              <a:gd name="connsiteX25" fmla="*/ 6078200 w 10853928"/>
+              <a:gd name="connsiteY25" fmla="*/ 18288 h 18288"/>
+              <a:gd name="connsiteX26" fmla="*/ 5508368 w 10853928"/>
+              <a:gd name="connsiteY26" fmla="*/ 18288 h 18288"/>
+              <a:gd name="connsiteX27" fmla="*/ 4721459 w 10853928"/>
+              <a:gd name="connsiteY27" fmla="*/ 18288 h 18288"/>
+              <a:gd name="connsiteX28" fmla="*/ 4043088 w 10853928"/>
+              <a:gd name="connsiteY28" fmla="*/ 18288 h 18288"/>
+              <a:gd name="connsiteX29" fmla="*/ 3690336 w 10853928"/>
+              <a:gd name="connsiteY29" fmla="*/ 18288 h 18288"/>
+              <a:gd name="connsiteX30" fmla="*/ 3120504 w 10853928"/>
+              <a:gd name="connsiteY30" fmla="*/ 18288 h 18288"/>
+              <a:gd name="connsiteX31" fmla="*/ 2333595 w 10853928"/>
+              <a:gd name="connsiteY31" fmla="*/ 18288 h 18288"/>
+              <a:gd name="connsiteX32" fmla="*/ 1872303 w 10853928"/>
+              <a:gd name="connsiteY32" fmla="*/ 18288 h 18288"/>
+              <a:gd name="connsiteX33" fmla="*/ 976854 w 10853928"/>
+              <a:gd name="connsiteY33" fmla="*/ 18288 h 18288"/>
+              <a:gd name="connsiteX34" fmla="*/ 0 w 10853928"/>
+              <a:gd name="connsiteY34" fmla="*/ 18288 h 18288"/>
+              <a:gd name="connsiteX35" fmla="*/ 0 w 10853928"/>
+              <a:gd name="connsiteY35" fmla="*/ 0 h 18288"/>
+            </a:gdLst>
+            <a:ahLst/>
+            <a:cxnLst>
+              <a:cxn ang="0">
+                <a:pos x="connsiteX0" y="connsiteY0"/>
+              </a:cxn>
+              <a:cxn ang="0">
+                <a:pos x="connsiteX1" y="connsiteY1"/>
+              </a:cxn>
+              <a:cxn ang="0">
+                <a:pos x="connsiteX2" y="connsiteY2"/>
+              </a:cxn>
+              <a:cxn ang="0">
+                <a:pos x="connsiteX3" y="connsiteY3"/>
+              </a:cxn>
+              <a:cxn ang="0">
+                <a:pos x="connsiteX4" y="connsiteY4"/>
+              </a:cxn>
+              <a:cxn ang="0">
+                <a:pos x="connsiteX5" y="connsiteY5"/>
+              </a:cxn>
+              <a:cxn ang="0">
+                <a:pos x="connsiteX6" y="connsiteY6"/>
+              </a:cxn>
+              <a:cxn ang="0">
+                <a:pos x="connsiteX7" y="connsiteY7"/>
+              </a:cxn>
+              <a:cxn ang="0">
+                <a:pos x="connsiteX8" y="connsiteY8"/>
+              </a:cxn>
+              <a:cxn ang="0">
+                <a:pos x="connsiteX9" y="connsiteY9"/>
+              </a:cxn>
+              <a:cxn ang="0">
+                <a:pos x="connsiteX10" y="connsiteY10"/>
+              </a:cxn>
+              <a:cxn ang="0">
+                <a:pos x="connsiteX11" y="connsiteY11"/>
+              </a:cxn>
+              <a:cxn ang="0">
+                <a:pos x="connsiteX12" y="connsiteY12"/>
+              </a:cxn>
+              <a:cxn ang="0">
+                <a:pos x="connsiteX13" y="connsiteY13"/>
+              </a:cxn>
+              <a:cxn ang="0">
+                <a:pos x="connsiteX14" y="connsiteY14"/>
+              </a:cxn>
+              <a:cxn ang="0">
+                <a:pos x="connsiteX15" y="connsiteY15"/>
+              </a:cxn>
+              <a:cxn ang="0">
+                <a:pos x="connsiteX16" y="connsiteY16"/>
+              </a:cxn>
+              <a:cxn ang="0">
+                <a:pos x="connsiteX17" y="connsiteY17"/>
+              </a:cxn>
+              <a:cxn ang="0">
+                <a:pos x="connsiteX18" y="connsiteY18"/>
+              </a:cxn>
+              <a:cxn ang="0">
+                <a:pos x="connsiteX19" y="connsiteY19"/>
+              </a:cxn>
+              <a:cxn ang="0">
+                <a:pos x="connsiteX20" y="connsiteY20"/>
+              </a:cxn>
+              <a:cxn ang="0">
+                <a:pos x="connsiteX21" y="connsiteY21"/>
+              </a:cxn>
+              <a:cxn ang="0">
+                <a:pos x="connsiteX22" y="connsiteY22"/>
+              </a:cxn>
+              <a:cxn ang="0">
+                <a:pos x="connsiteX23" y="connsiteY23"/>
+              </a:cxn>
+              <a:cxn ang="0">
+                <a:pos x="connsiteX24" y="connsiteY24"/>
+              </a:cxn>
+              <a:cxn ang="0">
+                <a:pos x="connsiteX25" y="connsiteY25"/>
+              </a:cxn>
+              <a:cxn ang="0">
+                <a:pos x="connsiteX26" y="connsiteY26"/>
+              </a:cxn>
+              <a:cxn ang="0">
+                <a:pos x="connsiteX27" y="connsiteY27"/>
+              </a:cxn>
+              <a:cxn ang="0">
+                <a:pos x="connsiteX28" y="connsiteY28"/>
+              </a:cxn>
+              <a:cxn ang="0">
+                <a:pos x="connsiteX29" y="connsiteY29"/>
+              </a:cxn>
+              <a:cxn ang="0">
+                <a:pos x="connsiteX30" y="connsiteY30"/>
+              </a:cxn>
+              <a:cxn ang="0">
+                <a:pos x="connsiteX31" y="connsiteY31"/>
+              </a:cxn>
+              <a:cxn ang="0">
+                <a:pos x="connsiteX32" y="connsiteY32"/>
+              </a:cxn>
+              <a:cxn ang="0">
+                <a:pos x="connsiteX33" y="connsiteY33"/>
+              </a:cxn>
+              <a:cxn ang="0">
+                <a:pos x="connsiteX34" y="connsiteY34"/>
+              </a:cxn>
+              <a:cxn ang="0">
+                <a:pos x="connsiteX35" y="connsiteY35"/>
+              </a:cxn>
+            </a:cxnLst>
+            <a:rect l="l" t="t" r="r" b="b"/>
+            <a:pathLst>
+              <a:path w="10853928" h="18288" fill="none" extrusionOk="0">
+                <a:moveTo>
+                  <a:pt x="0" y="0"/>
+                </a:moveTo>
+                <a:cubicBezTo>
+                  <a:pt x="146993" y="-19076"/>
+                  <a:pt x="347684" y="-4790"/>
+                  <a:pt x="461292" y="0"/>
+                </a:cubicBezTo>
+                <a:cubicBezTo>
+                  <a:pt x="574900" y="4790"/>
+                  <a:pt x="808367" y="19821"/>
+                  <a:pt x="1139662" y="0"/>
+                </a:cubicBezTo>
+                <a:cubicBezTo>
+                  <a:pt x="1470957" y="-19821"/>
+                  <a:pt x="1627405" y="5721"/>
+                  <a:pt x="1926572" y="0"/>
+                </a:cubicBezTo>
+                <a:cubicBezTo>
+                  <a:pt x="2225739" y="-5721"/>
+                  <a:pt x="2137730" y="-3235"/>
+                  <a:pt x="2279325" y="0"/>
+                </a:cubicBezTo>
+                <a:cubicBezTo>
+                  <a:pt x="2420920" y="3235"/>
+                  <a:pt x="2456518" y="9685"/>
+                  <a:pt x="2632078" y="0"/>
+                </a:cubicBezTo>
+                <a:cubicBezTo>
+                  <a:pt x="2807638" y="-9685"/>
+                  <a:pt x="3211516" y="-43007"/>
+                  <a:pt x="3527527" y="0"/>
+                </a:cubicBezTo>
+                <a:cubicBezTo>
+                  <a:pt x="3843538" y="43007"/>
+                  <a:pt x="4058833" y="22042"/>
+                  <a:pt x="4205897" y="0"/>
+                </a:cubicBezTo>
+                <a:cubicBezTo>
+                  <a:pt x="4352961" y="-22042"/>
+                  <a:pt x="4474805" y="-11846"/>
+                  <a:pt x="4558650" y="0"/>
+                </a:cubicBezTo>
+                <a:cubicBezTo>
+                  <a:pt x="4642495" y="11846"/>
+                  <a:pt x="5041928" y="-6069"/>
+                  <a:pt x="5237020" y="0"/>
+                </a:cubicBezTo>
+                <a:cubicBezTo>
+                  <a:pt x="5432112" y="6069"/>
+                  <a:pt x="5943266" y="-17479"/>
+                  <a:pt x="6132469" y="0"/>
+                </a:cubicBezTo>
+                <a:cubicBezTo>
+                  <a:pt x="6321672" y="17479"/>
+                  <a:pt x="6483872" y="26234"/>
+                  <a:pt x="6702301" y="0"/>
+                </a:cubicBezTo>
+                <a:cubicBezTo>
+                  <a:pt x="6920730" y="-26234"/>
+                  <a:pt x="6991194" y="-15156"/>
+                  <a:pt x="7272132" y="0"/>
+                </a:cubicBezTo>
+                <a:cubicBezTo>
+                  <a:pt x="7553070" y="15156"/>
+                  <a:pt x="7684444" y="-32961"/>
+                  <a:pt x="7950502" y="0"/>
+                </a:cubicBezTo>
+                <a:cubicBezTo>
+                  <a:pt x="8216560" y="32961"/>
+                  <a:pt x="8493290" y="-10491"/>
+                  <a:pt x="8737412" y="0"/>
+                </a:cubicBezTo>
+                <a:cubicBezTo>
+                  <a:pt x="8981534" y="10491"/>
+                  <a:pt x="9191586" y="-13899"/>
+                  <a:pt x="9524322" y="0"/>
+                </a:cubicBezTo>
+                <a:cubicBezTo>
+                  <a:pt x="9857058" y="13899"/>
+                  <a:pt x="10297509" y="7485"/>
+                  <a:pt x="10853928" y="0"/>
+                </a:cubicBezTo>
+                <a:cubicBezTo>
+                  <a:pt x="10854574" y="4451"/>
+                  <a:pt x="10854418" y="9226"/>
+                  <a:pt x="10853928" y="18288"/>
+                </a:cubicBezTo>
+                <a:cubicBezTo>
+                  <a:pt x="10691638" y="28522"/>
+                  <a:pt x="10574319" y="29578"/>
+                  <a:pt x="10392636" y="18288"/>
+                </a:cubicBezTo>
+                <a:cubicBezTo>
+                  <a:pt x="10210953" y="6998"/>
+                  <a:pt x="9836277" y="-16742"/>
+                  <a:pt x="9497187" y="18288"/>
+                </a:cubicBezTo>
+                <a:cubicBezTo>
+                  <a:pt x="9158097" y="53318"/>
+                  <a:pt x="9119479" y="30714"/>
+                  <a:pt x="8818817" y="18288"/>
+                </a:cubicBezTo>
+                <a:cubicBezTo>
+                  <a:pt x="8518155" y="5863"/>
+                  <a:pt x="8640037" y="6483"/>
+                  <a:pt x="8466064" y="18288"/>
+                </a:cubicBezTo>
+                <a:cubicBezTo>
+                  <a:pt x="8292091" y="30093"/>
+                  <a:pt x="7997656" y="18914"/>
+                  <a:pt x="7787693" y="18288"/>
+                </a:cubicBezTo>
+                <a:cubicBezTo>
+                  <a:pt x="7577730" y="17662"/>
+                  <a:pt x="7412468" y="21416"/>
+                  <a:pt x="7217862" y="18288"/>
+                </a:cubicBezTo>
+                <a:cubicBezTo>
+                  <a:pt x="7023256" y="15160"/>
+                  <a:pt x="6898018" y="14824"/>
+                  <a:pt x="6648031" y="18288"/>
+                </a:cubicBezTo>
+                <a:cubicBezTo>
+                  <a:pt x="6398044" y="21752"/>
+                  <a:pt x="6254402" y="38625"/>
+                  <a:pt x="6078200" y="18288"/>
+                </a:cubicBezTo>
+                <a:cubicBezTo>
+                  <a:pt x="5901998" y="-2049"/>
+                  <a:pt x="5622886" y="3213"/>
+                  <a:pt x="5508368" y="18288"/>
+                </a:cubicBezTo>
+                <a:cubicBezTo>
+                  <a:pt x="5393850" y="33363"/>
+                  <a:pt x="5036260" y="26830"/>
+                  <a:pt x="4721459" y="18288"/>
+                </a:cubicBezTo>
+                <a:cubicBezTo>
+                  <a:pt x="4406658" y="9746"/>
+                  <a:pt x="4239221" y="41551"/>
+                  <a:pt x="4043088" y="18288"/>
+                </a:cubicBezTo>
+                <a:cubicBezTo>
+                  <a:pt x="3846955" y="-4975"/>
+                  <a:pt x="3818802" y="34658"/>
+                  <a:pt x="3690336" y="18288"/>
+                </a:cubicBezTo>
+                <a:cubicBezTo>
+                  <a:pt x="3561870" y="1918"/>
+                  <a:pt x="3265491" y="42194"/>
+                  <a:pt x="3120504" y="18288"/>
+                </a:cubicBezTo>
+                <a:cubicBezTo>
+                  <a:pt x="2975517" y="-5618"/>
+                  <a:pt x="2720254" y="36673"/>
+                  <a:pt x="2333595" y="18288"/>
+                </a:cubicBezTo>
+                <a:cubicBezTo>
+                  <a:pt x="1946936" y="-97"/>
+                  <a:pt x="2097241" y="5776"/>
+                  <a:pt x="1872303" y="18288"/>
+                </a:cubicBezTo>
+                <a:cubicBezTo>
+                  <a:pt x="1647365" y="30800"/>
+                  <a:pt x="1282708" y="45380"/>
+                  <a:pt x="976854" y="18288"/>
+                </a:cubicBezTo>
+                <a:cubicBezTo>
+                  <a:pt x="671000" y="-8804"/>
+                  <a:pt x="408401" y="-12775"/>
+                  <a:pt x="0" y="18288"/>
+                </a:cubicBezTo>
+                <a:cubicBezTo>
+                  <a:pt x="-213" y="9468"/>
+                  <a:pt x="187" y="4459"/>
+                  <a:pt x="0" y="0"/>
+                </a:cubicBezTo>
+                <a:close/>
+              </a:path>
+              <a:path w="10853928" h="18288" stroke="0" extrusionOk="0">
+                <a:moveTo>
+                  <a:pt x="0" y="0"/>
+                </a:moveTo>
+                <a:cubicBezTo>
+                  <a:pt x="267322" y="15284"/>
+                  <a:pt x="415388" y="-21048"/>
+                  <a:pt x="569831" y="0"/>
+                </a:cubicBezTo>
+                <a:cubicBezTo>
+                  <a:pt x="724274" y="21048"/>
+                  <a:pt x="769333" y="-2353"/>
+                  <a:pt x="922584" y="0"/>
+                </a:cubicBezTo>
+                <a:cubicBezTo>
+                  <a:pt x="1075835" y="2353"/>
+                  <a:pt x="1399490" y="-145"/>
+                  <a:pt x="1818033" y="0"/>
+                </a:cubicBezTo>
+                <a:cubicBezTo>
+                  <a:pt x="2236576" y="145"/>
+                  <a:pt x="2145330" y="5482"/>
+                  <a:pt x="2387864" y="0"/>
+                </a:cubicBezTo>
+                <a:cubicBezTo>
+                  <a:pt x="2630398" y="-5482"/>
+                  <a:pt x="2793207" y="18487"/>
+                  <a:pt x="2957695" y="0"/>
+                </a:cubicBezTo>
+                <a:cubicBezTo>
+                  <a:pt x="3122183" y="-18487"/>
+                  <a:pt x="3579141" y="19003"/>
+                  <a:pt x="3853144" y="0"/>
+                </a:cubicBezTo>
+                <a:cubicBezTo>
+                  <a:pt x="4127147" y="-19003"/>
+                  <a:pt x="4209857" y="12211"/>
+                  <a:pt x="4314436" y="0"/>
+                </a:cubicBezTo>
+                <a:cubicBezTo>
+                  <a:pt x="4419015" y="-12211"/>
+                  <a:pt x="4762459" y="-17220"/>
+                  <a:pt x="5209885" y="0"/>
+                </a:cubicBezTo>
+                <a:cubicBezTo>
+                  <a:pt x="5657311" y="17220"/>
+                  <a:pt x="5692663" y="-3290"/>
+                  <a:pt x="6105335" y="0"/>
+                </a:cubicBezTo>
+                <a:cubicBezTo>
+                  <a:pt x="6518007" y="3290"/>
+                  <a:pt x="6455516" y="-5124"/>
+                  <a:pt x="6783705" y="0"/>
+                </a:cubicBezTo>
+                <a:cubicBezTo>
+                  <a:pt x="7111894" y="5124"/>
+                  <a:pt x="7441941" y="-17829"/>
+                  <a:pt x="7679154" y="0"/>
+                </a:cubicBezTo>
+                <a:cubicBezTo>
+                  <a:pt x="7916367" y="17829"/>
+                  <a:pt x="8102967" y="-24363"/>
+                  <a:pt x="8248985" y="0"/>
+                </a:cubicBezTo>
+                <a:cubicBezTo>
+                  <a:pt x="8395003" y="24363"/>
+                  <a:pt x="8552393" y="25505"/>
+                  <a:pt x="8818817" y="0"/>
+                </a:cubicBezTo>
+                <a:cubicBezTo>
+                  <a:pt x="9085241" y="-25505"/>
+                  <a:pt x="9411308" y="38000"/>
+                  <a:pt x="9605726" y="0"/>
+                </a:cubicBezTo>
+                <a:cubicBezTo>
+                  <a:pt x="9800144" y="-38000"/>
+                  <a:pt x="10006468" y="-25741"/>
+                  <a:pt x="10175558" y="0"/>
+                </a:cubicBezTo>
+                <a:cubicBezTo>
+                  <a:pt x="10344648" y="25741"/>
+                  <a:pt x="10696282" y="695"/>
+                  <a:pt x="10853928" y="0"/>
+                </a:cubicBezTo>
+                <a:cubicBezTo>
+                  <a:pt x="10853521" y="8690"/>
+                  <a:pt x="10853774" y="14141"/>
+                  <a:pt x="10853928" y="18288"/>
+                </a:cubicBezTo>
+                <a:cubicBezTo>
+                  <a:pt x="10608124" y="24255"/>
+                  <a:pt x="10343415" y="22307"/>
+                  <a:pt x="10067018" y="18288"/>
+                </a:cubicBezTo>
+                <a:cubicBezTo>
+                  <a:pt x="9790621" y="14270"/>
+                  <a:pt x="9843266" y="3564"/>
+                  <a:pt x="9714266" y="18288"/>
+                </a:cubicBezTo>
+                <a:cubicBezTo>
+                  <a:pt x="9585266" y="33012"/>
+                  <a:pt x="9379484" y="1875"/>
+                  <a:pt x="9252974" y="18288"/>
+                </a:cubicBezTo>
+                <a:cubicBezTo>
+                  <a:pt x="9126464" y="34701"/>
+                  <a:pt x="8580678" y="-4904"/>
+                  <a:pt x="8357525" y="18288"/>
+                </a:cubicBezTo>
+                <a:cubicBezTo>
+                  <a:pt x="8134372" y="41480"/>
+                  <a:pt x="7903199" y="26458"/>
+                  <a:pt x="7679154" y="18288"/>
+                </a:cubicBezTo>
+                <a:cubicBezTo>
+                  <a:pt x="7455109" y="10118"/>
+                  <a:pt x="7435944" y="27109"/>
+                  <a:pt x="7217862" y="18288"/>
+                </a:cubicBezTo>
+                <a:cubicBezTo>
+                  <a:pt x="6999780" y="9467"/>
+                  <a:pt x="6680409" y="18985"/>
+                  <a:pt x="6539492" y="18288"/>
+                </a:cubicBezTo>
+                <a:cubicBezTo>
+                  <a:pt x="6398575" y="17592"/>
+                  <a:pt x="6312077" y="33018"/>
+                  <a:pt x="6186739" y="18288"/>
+                </a:cubicBezTo>
+                <a:cubicBezTo>
+                  <a:pt x="6061401" y="3558"/>
+                  <a:pt x="5947033" y="12075"/>
+                  <a:pt x="5833986" y="18288"/>
+                </a:cubicBezTo>
+                <a:cubicBezTo>
+                  <a:pt x="5720939" y="24501"/>
+                  <a:pt x="5482226" y="8586"/>
+                  <a:pt x="5155616" y="18288"/>
+                </a:cubicBezTo>
+                <a:cubicBezTo>
+                  <a:pt x="4829006" y="27991"/>
+                  <a:pt x="4841274" y="29316"/>
+                  <a:pt x="4694324" y="18288"/>
+                </a:cubicBezTo>
+                <a:cubicBezTo>
+                  <a:pt x="4547374" y="7260"/>
+                  <a:pt x="4077675" y="7013"/>
+                  <a:pt x="3907414" y="18288"/>
+                </a:cubicBezTo>
+                <a:cubicBezTo>
+                  <a:pt x="3737153" y="29564"/>
+                  <a:pt x="3538393" y="21630"/>
+                  <a:pt x="3446122" y="18288"/>
+                </a:cubicBezTo>
+                <a:cubicBezTo>
+                  <a:pt x="3353851" y="14946"/>
+                  <a:pt x="2990320" y="-8091"/>
+                  <a:pt x="2659212" y="18288"/>
+                </a:cubicBezTo>
+                <a:cubicBezTo>
+                  <a:pt x="2328104" y="44667"/>
+                  <a:pt x="2427653" y="9607"/>
+                  <a:pt x="2306460" y="18288"/>
+                </a:cubicBezTo>
+                <a:cubicBezTo>
+                  <a:pt x="2185267" y="26969"/>
+                  <a:pt x="1719763" y="3717"/>
+                  <a:pt x="1519550" y="18288"/>
+                </a:cubicBezTo>
+                <a:cubicBezTo>
+                  <a:pt x="1319337" y="32860"/>
+                  <a:pt x="1167371" y="17040"/>
+                  <a:pt x="1058258" y="18288"/>
+                </a:cubicBezTo>
+                <a:cubicBezTo>
+                  <a:pt x="949145" y="19536"/>
+                  <a:pt x="780234" y="31447"/>
+                  <a:pt x="705505" y="18288"/>
+                </a:cubicBezTo>
+                <a:cubicBezTo>
+                  <a:pt x="630776" y="5129"/>
+                  <a:pt x="215796" y="30056"/>
+                  <a:pt x="0" y="18288"/>
+                </a:cubicBezTo>
+                <a:cubicBezTo>
+                  <a:pt x="-53" y="11301"/>
+                  <a:pt x="-649" y="7756"/>
+                  <a:pt x="0" y="0"/>
+                </a:cubicBezTo>
+                <a:close/>
+              </a:path>
+            </a:pathLst>
+          </a:custGeom>
+          <a:solidFill>
+            <a:schemeClr val="accent2"/>
+          </a:solidFill>
+          <a:ln w="41275" cap="rnd">
+            <a:solidFill>
+              <a:schemeClr val="accent2"/>
+            </a:solidFill>
+            <a:round/>
+            <a:extLst>
+              <a:ext uri="{C807C97D-BFC1-408E-A445-0C87EB9F89A2}">
+                <ask:lineSketchStyleProps xmlns:ask="http://schemas.microsoft.com/office/drawing/2018/sketchyshapes" sd="1219033472">
+                  <a:prstGeom prst="rect">
+                    <a:avLst/>
+                  </a:prstGeom>
+                  <ask:type>
+                    <ask:lineSketchFreehand/>
+                  </ask:type>
+                </ask:lineSketchStyleProps>
+              </a:ext>
+            </a:extLst>
+          </a:ln>
+        </p:spPr>
+        <p:style>
+          <a:lnRef idx="2">
+            <a:schemeClr val="accent1">
+              <a:shade val="50000"/>
+            </a:schemeClr>
+          </a:lnRef>
+          <a:fillRef idx="1">
+            <a:schemeClr val="accent1"/>
+          </a:fillRef>
+          <a:effectRef idx="0">
+            <a:schemeClr val="accent1"/>
+          </a:effectRef>
+          <a:fontRef idx="minor">
+            <a:schemeClr val="lt1"/>
+          </a:fontRef>
+        </p:style>
+        <p:txBody>
+          <a:bodyPr rtlCol="0" anchor="ctr"/>
+          <a:lstStyle/>
+          <a:p>
+            <a:pPr algn="ctr"/>
+            <a:endParaRPr lang="en-US"/>
+          </a:p>
+        </p:txBody>
+      </p:sp>
+      <p:sp>
+        <p:nvSpPr>
+          <p:cNvPr id="3" name="Content Placeholder 2">
+            <a:extLst>
+              <a:ext uri="{FF2B5EF4-FFF2-40B4-BE49-F238E27FC236}">
                 <a16:creationId xmlns:a16="http://schemas.microsoft.com/office/drawing/2014/main" id="{D7815D9D-E40C-4413-A7F9-D929523D8BF6}"/>
               </a:ext>
             </a:extLst>
@@ -9584,188 +14840,127 @@
           </a:bodyPr>
           <a:lstStyle/>
           <a:p>
-            <a:endParaRPr lang="en-US" sz="2200"/>
+            <a:r>
+              <a:rPr lang="en-US" sz="1900" b="1" dirty="0" err="1">
+                <a:latin typeface="Abadi Extra Light" panose="020B0204020104020204" pitchFamily="34" charset="0"/>
+              </a:rPr>
+              <a:t>xgboost</a:t>
+            </a:r>
+            <a:r>
+              <a:rPr lang="en-US" sz="1900" b="1" dirty="0"/>
+              <a:t> </a:t>
+            </a:r>
+            <a:r>
+              <a:rPr lang="en-US" sz="1900" dirty="0"/>
+              <a:t>package [Chen et al., 2021]. </a:t>
+            </a:r>
+          </a:p>
+          <a:p>
+            <a:pPr lvl="1"/>
+            <a:r>
+              <a:rPr lang="en-US" sz="1900" dirty="0"/>
+              <a:t>Objective Function: multiclass classification using the </a:t>
+            </a:r>
+            <a:r>
+              <a:rPr lang="en-US" sz="1900" dirty="0" err="1"/>
+              <a:t>softmax</a:t>
+            </a:r>
+            <a:r>
+              <a:rPr lang="en-US" sz="1900" dirty="0"/>
+              <a:t> objective function with three classes (low, normal, high quality)</a:t>
+            </a:r>
+          </a:p>
+          <a:p>
+            <a:pPr lvl="1"/>
+            <a:r>
+              <a:rPr lang="en-US" sz="1900" dirty="0"/>
+              <a:t>Evaluation Metric: minimizes multiclass </a:t>
+            </a:r>
+            <a:r>
+              <a:rPr lang="en-US" sz="1900" dirty="0" err="1"/>
+              <a:t>misclassfication</a:t>
+            </a:r>
+            <a:r>
+              <a:rPr lang="en-US" sz="1900" dirty="0"/>
+              <a:t> error</a:t>
+            </a:r>
+          </a:p>
+          <a:p>
+            <a:r>
+              <a:rPr lang="en-US" sz="1900" dirty="0"/>
+              <a:t>Combines the tree-based model approach by implementing recursive partitioning and the boosting algorithm which repeatedly optimizes classification methods on the training set. </a:t>
+            </a:r>
+          </a:p>
+          <a:p>
+            <a:r>
+              <a:rPr lang="en-US" sz="1900" dirty="0"/>
+              <a:t>This process is repeated for a final boosted classifier given by the weighted sum of our weak classifiers. </a:t>
+            </a:r>
+          </a:p>
+          <a:p>
+            <a:r>
+              <a:rPr lang="en-US" sz="1900" dirty="0"/>
+              <a:t>Hyperparameter grid search</a:t>
+            </a:r>
+          </a:p>
+          <a:p>
+            <a:pPr lvl="1"/>
+            <a:r>
+              <a:rPr lang="en-US" sz="1900" dirty="0"/>
+              <a:t>maximum tree depth (</a:t>
+            </a:r>
+            <a:r>
+              <a:rPr lang="en-US" sz="1900" dirty="0" err="1"/>
+              <a:t>ntrees</a:t>
+            </a:r>
+            <a:r>
+              <a:rPr lang="en-US" sz="1900" dirty="0"/>
+              <a:t>: 200 – 800 by 200)</a:t>
+            </a:r>
+          </a:p>
+          <a:p>
+            <a:pPr lvl="1"/>
+            <a:r>
+              <a:rPr lang="en-US" sz="1900" dirty="0"/>
+              <a:t>step size shrinkage to prevent overfitting (eta: 0.05, 0.1, 0.25, 0.5, 0.75, 0.9, 0.95)</a:t>
+            </a:r>
+          </a:p>
+          <a:p>
+            <a:pPr lvl="1"/>
+            <a:r>
+              <a:rPr lang="en-US" sz="1900" dirty="0"/>
+              <a:t>maximum number of boosting iterations (</a:t>
+            </a:r>
+            <a:r>
+              <a:rPr lang="en-US" sz="1900" dirty="0" err="1"/>
+              <a:t>nround</a:t>
+            </a:r>
+            <a:r>
+              <a:rPr lang="en-US" sz="1900" dirty="0"/>
+              <a:t>: 2 – 12 by 2)</a:t>
+            </a:r>
+          </a:p>
+          <a:p>
+            <a:pPr lvl="1"/>
+            <a:r>
+              <a:rPr lang="en-US" sz="1900" dirty="0"/>
+              <a:t>number of threads used for parallel computing (</a:t>
+            </a:r>
+            <a:r>
+              <a:rPr lang="en-US" sz="1900" dirty="0" err="1"/>
+              <a:t>nthread</a:t>
+            </a:r>
+            <a:r>
+              <a:rPr lang="en-US" sz="1900" dirty="0"/>
+              <a:t>: 2 – 12 by 2)</a:t>
+            </a:r>
           </a:p>
         </p:txBody>
       </p:sp>
     </p:spTree>
     <p:extLst>
       <p:ext uri="{BB962C8B-B14F-4D97-AF65-F5344CB8AC3E}">
-        <p14:creationId xmlns:p14="http://schemas.microsoft.com/office/powerpoint/2010/main" val="496717477"/>
-      </p:ext>
-    </p:extLst>
-  </p:cSld>
-  <p:clrMapOvr>
-    <a:masterClrMapping/>
-  </p:clrMapOvr>
-</p:sld>
-</file>
-
-<file path=ppt/slides/slide7.xml><?xml version="1.0" encoding="utf-8"?>
-<p:sld xmlns:a="http://schemas.openxmlformats.org/drawingml/2006/main" xmlns:r="http://schemas.openxmlformats.org/officeDocument/2006/relationships" xmlns:p="http://schemas.openxmlformats.org/presentationml/2006/main">
-  <p:cSld>
-    <p:spTree>
-      <p:nvGrpSpPr>
-        <p:cNvPr id="1" name=""/>
-        <p:cNvGrpSpPr/>
-        <p:nvPr/>
-      </p:nvGrpSpPr>
-      <p:grpSpPr>
-        <a:xfrm>
-          <a:off x="0" y="0"/>
-          <a:ext cx="0" cy="0"/>
-          <a:chOff x="0" y="0"/>
-          <a:chExt cx="0" cy="0"/>
-        </a:xfrm>
-      </p:grpSpPr>
-      <p:sp>
-        <p:nvSpPr>
-          <p:cNvPr id="2" name="Title 1">
-            <a:extLst>
-              <a:ext uri="{FF2B5EF4-FFF2-40B4-BE49-F238E27FC236}">
-                <a16:creationId xmlns:a16="http://schemas.microsoft.com/office/drawing/2014/main" id="{398FDB74-7664-4E05-8C76-A40DFFC6537C}"/>
-              </a:ext>
-            </a:extLst>
-          </p:cNvPr>
-          <p:cNvSpPr>
-            <a:spLocks noGrp="1"/>
-          </p:cNvSpPr>
-          <p:nvPr>
-            <p:ph type="title"/>
-          </p:nvPr>
-        </p:nvSpPr>
-        <p:spPr/>
-        <p:txBody>
-          <a:bodyPr/>
-          <a:lstStyle/>
-          <a:p>
-            <a:r>
-              <a:rPr lang="en-US" dirty="0"/>
-              <a:t>Methodology: Random Forest (Emily)</a:t>
-            </a:r>
-          </a:p>
-        </p:txBody>
-      </p:sp>
-      <p:sp>
-        <p:nvSpPr>
-          <p:cNvPr id="3" name="Content Placeholder 2">
-            <a:extLst>
-              <a:ext uri="{FF2B5EF4-FFF2-40B4-BE49-F238E27FC236}">
-                <a16:creationId xmlns:a16="http://schemas.microsoft.com/office/drawing/2014/main" id="{D92525E3-7382-4B87-A88E-C5FF91C69EB3}"/>
-              </a:ext>
-            </a:extLst>
-          </p:cNvPr>
-          <p:cNvSpPr>
-            <a:spLocks noGrp="1"/>
-          </p:cNvSpPr>
-          <p:nvPr>
-            <p:ph idx="1"/>
-          </p:nvPr>
-        </p:nvSpPr>
-        <p:spPr/>
-        <p:txBody>
-          <a:bodyPr/>
-          <a:lstStyle/>
-          <a:p>
-            <a:endParaRPr lang="en-US"/>
-          </a:p>
-        </p:txBody>
-      </p:sp>
-    </p:spTree>
-    <p:extLst>
-      <p:ext uri="{BB962C8B-B14F-4D97-AF65-F5344CB8AC3E}">
-        <p14:creationId xmlns:p14="http://schemas.microsoft.com/office/powerpoint/2010/main" val="3557540284"/>
-      </p:ext>
-    </p:extLst>
-  </p:cSld>
-  <p:clrMapOvr>
-    <a:masterClrMapping/>
-  </p:clrMapOvr>
-</p:sld>
-</file>
-
-<file path=ppt/slides/slide8.xml><?xml version="1.0" encoding="utf-8"?>
-<p:sld xmlns:a="http://schemas.openxmlformats.org/drawingml/2006/main" xmlns:r="http://schemas.openxmlformats.org/officeDocument/2006/relationships" xmlns:p="http://schemas.openxmlformats.org/presentationml/2006/main">
-  <p:cSld>
-    <p:spTree>
-      <p:nvGrpSpPr>
-        <p:cNvPr id="1" name=""/>
-        <p:cNvGrpSpPr/>
-        <p:nvPr/>
-      </p:nvGrpSpPr>
-      <p:grpSpPr>
-        <a:xfrm>
-          <a:off x="0" y="0"/>
-          <a:ext cx="0" cy="0"/>
-          <a:chOff x="0" y="0"/>
-          <a:chExt cx="0" cy="0"/>
-        </a:xfrm>
-      </p:grpSpPr>
-      <p:sp>
-        <p:nvSpPr>
-          <p:cNvPr id="2" name="Title 1">
-            <a:extLst>
-              <a:ext uri="{FF2B5EF4-FFF2-40B4-BE49-F238E27FC236}">
-                <a16:creationId xmlns:a16="http://schemas.microsoft.com/office/drawing/2014/main" id="{BC11F3E9-DDE4-4C7C-8979-F4583826ABF0}"/>
-              </a:ext>
-            </a:extLst>
-          </p:cNvPr>
-          <p:cNvSpPr>
-            <a:spLocks noGrp="1"/>
-          </p:cNvSpPr>
-          <p:nvPr>
-            <p:ph type="title"/>
-          </p:nvPr>
-        </p:nvSpPr>
-        <p:spPr/>
-        <p:txBody>
-          <a:bodyPr/>
-          <a:lstStyle/>
-          <a:p>
-            <a:r>
-              <a:rPr lang="en-US" dirty="0"/>
-              <a:t>Methodology: </a:t>
-            </a:r>
-            <a:r>
-              <a:rPr lang="en-US" dirty="0" err="1"/>
-              <a:t>XGBoost</a:t>
-            </a:r>
-            <a:r>
-              <a:rPr lang="en-US" dirty="0"/>
-              <a:t> (Emily)</a:t>
-            </a:r>
-          </a:p>
-        </p:txBody>
-      </p:sp>
-      <p:sp>
-        <p:nvSpPr>
-          <p:cNvPr id="3" name="Content Placeholder 2">
-            <a:extLst>
-              <a:ext uri="{FF2B5EF4-FFF2-40B4-BE49-F238E27FC236}">
-                <a16:creationId xmlns:a16="http://schemas.microsoft.com/office/drawing/2014/main" id="{AD8D74C1-4BD4-4EB9-ACB0-769400DA2867}"/>
-              </a:ext>
-            </a:extLst>
-          </p:cNvPr>
-          <p:cNvSpPr>
-            <a:spLocks noGrp="1"/>
-          </p:cNvSpPr>
-          <p:nvPr>
-            <p:ph idx="1"/>
-          </p:nvPr>
-        </p:nvSpPr>
-        <p:spPr/>
-        <p:txBody>
-          <a:bodyPr/>
-          <a:lstStyle/>
-          <a:p>
-            <a:endParaRPr lang="en-US"/>
-          </a:p>
-        </p:txBody>
-      </p:sp>
-    </p:spTree>
-    <p:extLst>
-      <p:ext uri="{BB962C8B-B14F-4D97-AF65-F5344CB8AC3E}">
-        <p14:creationId xmlns:p14="http://schemas.microsoft.com/office/powerpoint/2010/main" val="3235232816"/>
+        <p14:creationId xmlns:p14="http://schemas.microsoft.com/office/powerpoint/2010/main" val="2439084018"/>
       </p:ext>
     </p:extLst>
   </p:cSld>

--- a/presentation/final-presentation.pptx
+++ b/presentation/final-presentation.pptx
@@ -5,7 +5,7 @@
     <p:sldMasterId id="2147483648" r:id="rId1"/>
   </p:sldMasterIdLst>
   <p:notesMasterIdLst>
-    <p:notesMasterId r:id="rId14"/>
+    <p:notesMasterId r:id="rId15"/>
   </p:notesMasterIdLst>
   <p:sldIdLst>
     <p:sldId id="256" r:id="rId2"/>
@@ -16,10 +16,11 @@
     <p:sldId id="262" r:id="rId7"/>
     <p:sldId id="261" r:id="rId8"/>
     <p:sldId id="267" r:id="rId9"/>
-    <p:sldId id="264" r:id="rId10"/>
-    <p:sldId id="265" r:id="rId11"/>
-    <p:sldId id="266" r:id="rId12"/>
-    <p:sldId id="269" r:id="rId13"/>
+    <p:sldId id="270" r:id="rId10"/>
+    <p:sldId id="271" r:id="rId11"/>
+    <p:sldId id="272" r:id="rId12"/>
+    <p:sldId id="266" r:id="rId13"/>
+    <p:sldId id="269" r:id="rId14"/>
   </p:sldIdLst>
   <p:sldSz cx="12192000" cy="6858000"/>
   <p:notesSz cx="6858000" cy="9144000"/>
@@ -2452,6 +2453,289 @@
     <p:extLst>
       <p:ext uri="{BB962C8B-B14F-4D97-AF65-F5344CB8AC3E}">
         <p14:creationId xmlns:p14="http://schemas.microsoft.com/office/powerpoint/2010/main" val="3174983462"/>
+      </p:ext>
+    </p:extLst>
+  </p:cSld>
+  <p:clrMapOvr>
+    <a:masterClrMapping/>
+  </p:clrMapOvr>
+</p:notes>
+</file>
+
+<file path=ppt/notesSlides/notesSlide3.xml><?xml version="1.0" encoding="utf-8"?>
+<p:notes xmlns:a="http://schemas.openxmlformats.org/drawingml/2006/main" xmlns:r="http://schemas.openxmlformats.org/officeDocument/2006/relationships" xmlns:p="http://schemas.openxmlformats.org/presentationml/2006/main">
+  <p:cSld>
+    <p:spTree>
+      <p:nvGrpSpPr>
+        <p:cNvPr id="1" name=""/>
+        <p:cNvGrpSpPr/>
+        <p:nvPr/>
+      </p:nvGrpSpPr>
+      <p:grpSpPr>
+        <a:xfrm>
+          <a:off x="0" y="0"/>
+          <a:ext cx="0" cy="0"/>
+          <a:chOff x="0" y="0"/>
+          <a:chExt cx="0" cy="0"/>
+        </a:xfrm>
+      </p:grpSpPr>
+      <p:sp>
+        <p:nvSpPr>
+          <p:cNvPr id="2" name="Slide Image Placeholder 1"/>
+          <p:cNvSpPr>
+            <a:spLocks noGrp="1" noRot="1" noChangeAspect="1"/>
+          </p:cNvSpPr>
+          <p:nvPr>
+            <p:ph type="sldImg"/>
+          </p:nvPr>
+        </p:nvSpPr>
+        <p:spPr/>
+      </p:sp>
+      <p:sp>
+        <p:nvSpPr>
+          <p:cNvPr id="3" name="Notes Placeholder 2"/>
+          <p:cNvSpPr>
+            <a:spLocks noGrp="1"/>
+          </p:cNvSpPr>
+          <p:nvPr>
+            <p:ph type="body" idx="1"/>
+          </p:nvPr>
+        </p:nvSpPr>
+        <p:spPr/>
+        <p:txBody>
+          <a:bodyPr/>
+          <a:lstStyle/>
+          <a:p>
+            <a:endParaRPr lang="en-US" dirty="0"/>
+          </a:p>
+        </p:txBody>
+      </p:sp>
+      <p:sp>
+        <p:nvSpPr>
+          <p:cNvPr id="4" name="Slide Number Placeholder 3"/>
+          <p:cNvSpPr>
+            <a:spLocks noGrp="1"/>
+          </p:cNvSpPr>
+          <p:nvPr>
+            <p:ph type="sldNum" sz="quarter" idx="5"/>
+          </p:nvPr>
+        </p:nvSpPr>
+        <p:spPr/>
+        <p:txBody>
+          <a:bodyPr/>
+          <a:lstStyle/>
+          <a:p>
+            <a:fld id="{EED578F8-5C61-4F2D-A9E3-FDA016A0ABC4}" type="slidenum">
+              <a:rPr lang="en-US" smtClean="0"/>
+              <a:t>9</a:t>
+            </a:fld>
+            <a:endParaRPr lang="en-US"/>
+          </a:p>
+        </p:txBody>
+      </p:sp>
+    </p:spTree>
+    <p:extLst>
+      <p:ext uri="{BB962C8B-B14F-4D97-AF65-F5344CB8AC3E}">
+        <p14:creationId xmlns:p14="http://schemas.microsoft.com/office/powerpoint/2010/main" val="257430941"/>
+      </p:ext>
+    </p:extLst>
+  </p:cSld>
+  <p:clrMapOvr>
+    <a:masterClrMapping/>
+  </p:clrMapOvr>
+</p:notes>
+</file>
+
+<file path=ppt/notesSlides/notesSlide4.xml><?xml version="1.0" encoding="utf-8"?>
+<p:notes xmlns:a="http://schemas.openxmlformats.org/drawingml/2006/main" xmlns:r="http://schemas.openxmlformats.org/officeDocument/2006/relationships" xmlns:p="http://schemas.openxmlformats.org/presentationml/2006/main">
+  <p:cSld>
+    <p:spTree>
+      <p:nvGrpSpPr>
+        <p:cNvPr id="1" name=""/>
+        <p:cNvGrpSpPr/>
+        <p:nvPr/>
+      </p:nvGrpSpPr>
+      <p:grpSpPr>
+        <a:xfrm>
+          <a:off x="0" y="0"/>
+          <a:ext cx="0" cy="0"/>
+          <a:chOff x="0" y="0"/>
+          <a:chExt cx="0" cy="0"/>
+        </a:xfrm>
+      </p:grpSpPr>
+      <p:sp>
+        <p:nvSpPr>
+          <p:cNvPr id="2" name="Slide Image Placeholder 1"/>
+          <p:cNvSpPr>
+            <a:spLocks noGrp="1" noRot="1" noChangeAspect="1"/>
+          </p:cNvSpPr>
+          <p:nvPr>
+            <p:ph type="sldImg"/>
+          </p:nvPr>
+        </p:nvSpPr>
+        <p:spPr/>
+      </p:sp>
+      <p:sp>
+        <p:nvSpPr>
+          <p:cNvPr id="3" name="Notes Placeholder 2"/>
+          <p:cNvSpPr>
+            <a:spLocks noGrp="1"/>
+          </p:cNvSpPr>
+          <p:nvPr>
+            <p:ph type="body" idx="1"/>
+          </p:nvPr>
+        </p:nvSpPr>
+        <p:spPr/>
+        <p:txBody>
+          <a:bodyPr/>
+          <a:lstStyle/>
+          <a:p>
+            <a:r>
+              <a:rPr lang="en-US" sz="1200" dirty="0"/>
+              <a:t>Hyperparameter Grid Search of tuning parameters. </a:t>
+            </a:r>
+            <a:r>
+              <a:rPr lang="en-US" dirty="0"/>
+              <a:t>We saw consistent results of 100% classification rates for oversampling in RFs and XGB for all combination of terms in grid search via MCMC methods (B=50). The two figures represent the ranking of best results from grid search for RF and XGB </a:t>
+            </a:r>
+            <a:r>
+              <a:rPr lang="en-US" dirty="0" err="1"/>
+              <a:t>undersampling</a:t>
+            </a:r>
+            <a:r>
+              <a:rPr lang="en-US" dirty="0"/>
+              <a:t>. RF had a maximal number of trees and small number of variables that were randomly selected. For XGB, the max depth was minimal and </a:t>
+            </a:r>
+            <a:r>
+              <a:rPr lang="en-US" dirty="0" err="1"/>
+              <a:t>nround</a:t>
+            </a:r>
+            <a:r>
+              <a:rPr lang="en-US" dirty="0"/>
+              <a:t> and </a:t>
+            </a:r>
+            <a:r>
+              <a:rPr lang="en-US" dirty="0" err="1"/>
+              <a:t>nthread</a:t>
+            </a:r>
+            <a:r>
+              <a:rPr lang="en-US" dirty="0"/>
+              <a:t> were maximal.</a:t>
+            </a:r>
+          </a:p>
+        </p:txBody>
+      </p:sp>
+      <p:sp>
+        <p:nvSpPr>
+          <p:cNvPr id="4" name="Slide Number Placeholder 3"/>
+          <p:cNvSpPr>
+            <a:spLocks noGrp="1"/>
+          </p:cNvSpPr>
+          <p:nvPr>
+            <p:ph type="sldNum" sz="quarter" idx="5"/>
+          </p:nvPr>
+        </p:nvSpPr>
+        <p:spPr/>
+        <p:txBody>
+          <a:bodyPr/>
+          <a:lstStyle/>
+          <a:p>
+            <a:fld id="{EED578F8-5C61-4F2D-A9E3-FDA016A0ABC4}" type="slidenum">
+              <a:rPr lang="en-US" smtClean="0"/>
+              <a:t>10</a:t>
+            </a:fld>
+            <a:endParaRPr lang="en-US"/>
+          </a:p>
+        </p:txBody>
+      </p:sp>
+    </p:spTree>
+    <p:extLst>
+      <p:ext uri="{BB962C8B-B14F-4D97-AF65-F5344CB8AC3E}">
+        <p14:creationId xmlns:p14="http://schemas.microsoft.com/office/powerpoint/2010/main" val="3289922974"/>
+      </p:ext>
+    </p:extLst>
+  </p:cSld>
+  <p:clrMapOvr>
+    <a:masterClrMapping/>
+  </p:clrMapOvr>
+</p:notes>
+</file>
+
+<file path=ppt/notesSlides/notesSlide5.xml><?xml version="1.0" encoding="utf-8"?>
+<p:notes xmlns:a="http://schemas.openxmlformats.org/drawingml/2006/main" xmlns:r="http://schemas.openxmlformats.org/officeDocument/2006/relationships" xmlns:p="http://schemas.openxmlformats.org/presentationml/2006/main">
+  <p:cSld>
+    <p:spTree>
+      <p:nvGrpSpPr>
+        <p:cNvPr id="1" name=""/>
+        <p:cNvGrpSpPr/>
+        <p:nvPr/>
+      </p:nvGrpSpPr>
+      <p:grpSpPr>
+        <a:xfrm>
+          <a:off x="0" y="0"/>
+          <a:ext cx="0" cy="0"/>
+          <a:chOff x="0" y="0"/>
+          <a:chExt cx="0" cy="0"/>
+        </a:xfrm>
+      </p:grpSpPr>
+      <p:sp>
+        <p:nvSpPr>
+          <p:cNvPr id="2" name="Slide Image Placeholder 1"/>
+          <p:cNvSpPr>
+            <a:spLocks noGrp="1" noRot="1" noChangeAspect="1"/>
+          </p:cNvSpPr>
+          <p:nvPr>
+            <p:ph type="sldImg"/>
+          </p:nvPr>
+        </p:nvSpPr>
+        <p:spPr/>
+      </p:sp>
+      <p:sp>
+        <p:nvSpPr>
+          <p:cNvPr id="3" name="Notes Placeholder 2"/>
+          <p:cNvSpPr>
+            <a:spLocks noGrp="1"/>
+          </p:cNvSpPr>
+          <p:nvPr>
+            <p:ph type="body" idx="1"/>
+          </p:nvPr>
+        </p:nvSpPr>
+        <p:spPr/>
+        <p:txBody>
+          <a:bodyPr/>
+          <a:lstStyle/>
+          <a:p>
+            <a:endParaRPr lang="en-US" dirty="0"/>
+          </a:p>
+        </p:txBody>
+      </p:sp>
+      <p:sp>
+        <p:nvSpPr>
+          <p:cNvPr id="4" name="Slide Number Placeholder 3"/>
+          <p:cNvSpPr>
+            <a:spLocks noGrp="1"/>
+          </p:cNvSpPr>
+          <p:nvPr>
+            <p:ph type="sldNum" sz="quarter" idx="5"/>
+          </p:nvPr>
+        </p:nvSpPr>
+        <p:spPr/>
+        <p:txBody>
+          <a:bodyPr/>
+          <a:lstStyle/>
+          <a:p>
+            <a:fld id="{EED578F8-5C61-4F2D-A9E3-FDA016A0ABC4}" type="slidenum">
+              <a:rPr lang="en-US" smtClean="0"/>
+              <a:t>11</a:t>
+            </a:fld>
+            <a:endParaRPr lang="en-US"/>
+          </a:p>
+        </p:txBody>
+      </p:sp>
+    </p:spTree>
+    <p:extLst>
+      <p:ext uri="{BB962C8B-B14F-4D97-AF65-F5344CB8AC3E}">
+        <p14:creationId xmlns:p14="http://schemas.microsoft.com/office/powerpoint/2010/main" val="448844499"/>
       </p:ext>
     </p:extLst>
   </p:cSld>
@@ -6823,6 +7107,14 @@
 <file path=ppt/slides/slide10.xml><?xml version="1.0" encoding="utf-8"?>
 <p:sld xmlns:a="http://schemas.openxmlformats.org/drawingml/2006/main" xmlns:r="http://schemas.openxmlformats.org/officeDocument/2006/relationships" xmlns:p="http://schemas.openxmlformats.org/presentationml/2006/main">
   <p:cSld>
+    <p:bg>
+      <p:bgPr>
+        <a:solidFill>
+          <a:schemeClr val="bg1"/>
+        </a:solidFill>
+        <a:effectLst/>
+      </p:bgPr>
+    </p:bg>
     <p:spTree>
       <p:nvGrpSpPr>
         <p:cNvPr id="1" name=""/>
@@ -6837,12 +7129,72 @@
           <a:chExt cx="0" cy="0"/>
         </a:xfrm>
       </p:grpSpPr>
+      <p:sp useBgFill="1">
+        <p:nvSpPr>
+          <p:cNvPr id="11" name="Rectangle 10">
+            <a:extLst>
+              <a:ext uri="{FF2B5EF4-FFF2-40B4-BE49-F238E27FC236}">
+                <a16:creationId xmlns:a16="http://schemas.microsoft.com/office/drawing/2014/main" id="{100EDD19-6802-4EC3-95CE-CFFAB042CFD6}"/>
+              </a:ext>
+              <a:ext uri="{C183D7F6-B498-43B3-948B-1728B52AA6E4}">
+                <adec:decorative xmlns:adec="http://schemas.microsoft.com/office/drawing/2017/decorative" val="1"/>
+              </a:ext>
+            </a:extLst>
+          </p:cNvPr>
+          <p:cNvSpPr>
+            <a:spLocks noGrp="1" noRot="1" noChangeAspect="1" noMove="1" noResize="1" noEditPoints="1" noAdjustHandles="1" noChangeArrowheads="1" noChangeShapeType="1" noTextEdit="1"/>
+          </p:cNvSpPr>
+          <p:nvPr>
+            <p:extLst>
+              <p:ext uri="{386F3935-93C4-4BCD-93E2-E3B085C9AB24}">
+                <p16:designElem xmlns:p16="http://schemas.microsoft.com/office/powerpoint/2015/main" val="1"/>
+              </p:ext>
+            </p:extLst>
+          </p:nvPr>
+        </p:nvSpPr>
+        <p:spPr>
+          <a:xfrm>
+            <a:off x="0" y="0"/>
+            <a:ext cx="12188952" cy="6858000"/>
+          </a:xfrm>
+          <a:prstGeom prst="rect">
+            <a:avLst/>
+          </a:prstGeom>
+          <a:ln>
+            <a:noFill/>
+          </a:ln>
+        </p:spPr>
+        <p:style>
+          <a:lnRef idx="2">
+            <a:schemeClr val="accent1">
+              <a:shade val="50000"/>
+            </a:schemeClr>
+          </a:lnRef>
+          <a:fillRef idx="1">
+            <a:schemeClr val="accent1"/>
+          </a:fillRef>
+          <a:effectRef idx="0">
+            <a:schemeClr val="accent1"/>
+          </a:effectRef>
+          <a:fontRef idx="minor">
+            <a:schemeClr val="lt1"/>
+          </a:fontRef>
+        </p:style>
+        <p:txBody>
+          <a:bodyPr rtlCol="0" anchor="ctr"/>
+          <a:lstStyle/>
+          <a:p>
+            <a:pPr algn="ctr"/>
+            <a:endParaRPr lang="en-US"/>
+          </a:p>
+        </p:txBody>
+      </p:sp>
       <p:sp>
         <p:nvSpPr>
           <p:cNvPr id="2" name="Title 1">
             <a:extLst>
               <a:ext uri="{FF2B5EF4-FFF2-40B4-BE49-F238E27FC236}">
-                <a16:creationId xmlns:a16="http://schemas.microsoft.com/office/drawing/2014/main" id="{D1CE59EB-9C7B-4817-8847-548C7EF9C039}"/>
+                <a16:creationId xmlns:a16="http://schemas.microsoft.com/office/drawing/2014/main" id="{EABAB166-3C39-43D1-8F8B-9DB2DEE2352F}"/>
               </a:ext>
             </a:extLst>
           </p:cNvPr>
@@ -6853,24 +7205,1500 @@
             <p:ph type="title"/>
           </p:nvPr>
         </p:nvSpPr>
-        <p:spPr/>
+        <p:spPr>
+          <a:xfrm>
+            <a:off x="838200" y="365125"/>
+            <a:ext cx="11099104" cy="1325563"/>
+          </a:xfrm>
+        </p:spPr>
         <p:txBody>
-          <a:bodyPr/>
+          <a:bodyPr>
+            <a:normAutofit/>
+          </a:bodyPr>
           <a:lstStyle/>
           <a:p>
             <a:r>
-              <a:rPr lang="en-US" dirty="0"/>
-              <a:t>Conclusion/Discussion (Sarah)</a:t>
+              <a:rPr lang="en-US" sz="5400" dirty="0"/>
+              <a:t>Results: Tuning Parameters</a:t>
             </a:r>
           </a:p>
         </p:txBody>
       </p:sp>
       <p:sp>
         <p:nvSpPr>
-          <p:cNvPr id="3" name="Content Placeholder 2">
+          <p:cNvPr id="13" name="sketch line">
             <a:extLst>
               <a:ext uri="{FF2B5EF4-FFF2-40B4-BE49-F238E27FC236}">
-                <a16:creationId xmlns:a16="http://schemas.microsoft.com/office/drawing/2014/main" id="{E3786C67-994A-4589-ADDB-56AAF1D98ED0}"/>
+                <a16:creationId xmlns:a16="http://schemas.microsoft.com/office/drawing/2014/main" id="{DB17E863-922E-4C26-BD64-E8FD41D28661}"/>
+              </a:ext>
+              <a:ext uri="{C183D7F6-B498-43B3-948B-1728B52AA6E4}">
+                <adec:decorative xmlns:adec="http://schemas.microsoft.com/office/drawing/2017/decorative" val="1"/>
+              </a:ext>
+            </a:extLst>
+          </p:cNvPr>
+          <p:cNvSpPr>
+            <a:spLocks noGrp="1" noRot="1" noChangeAspect="1" noMove="1" noResize="1" noEditPoints="1" noAdjustHandles="1" noChangeArrowheads="1" noChangeShapeType="1" noTextEdit="1"/>
+          </p:cNvSpPr>
+          <p:nvPr>
+            <p:extLst>
+              <p:ext uri="{386F3935-93C4-4BCD-93E2-E3B085C9AB24}">
+                <p16:designElem xmlns:p16="http://schemas.microsoft.com/office/powerpoint/2015/main" val="1"/>
+              </p:ext>
+            </p:extLst>
+          </p:nvPr>
+        </p:nvSpPr>
+        <p:spPr>
+          <a:xfrm>
+            <a:off x="669036" y="1677373"/>
+            <a:ext cx="10853928" cy="18288"/>
+          </a:xfrm>
+          <a:custGeom>
+            <a:avLst/>
+            <a:gdLst>
+              <a:gd name="connsiteX0" fmla="*/ 0 w 10853928"/>
+              <a:gd name="connsiteY0" fmla="*/ 0 h 18288"/>
+              <a:gd name="connsiteX1" fmla="*/ 461292 w 10853928"/>
+              <a:gd name="connsiteY1" fmla="*/ 0 h 18288"/>
+              <a:gd name="connsiteX2" fmla="*/ 1139662 w 10853928"/>
+              <a:gd name="connsiteY2" fmla="*/ 0 h 18288"/>
+              <a:gd name="connsiteX3" fmla="*/ 1926572 w 10853928"/>
+              <a:gd name="connsiteY3" fmla="*/ 0 h 18288"/>
+              <a:gd name="connsiteX4" fmla="*/ 2279325 w 10853928"/>
+              <a:gd name="connsiteY4" fmla="*/ 0 h 18288"/>
+              <a:gd name="connsiteX5" fmla="*/ 2632078 w 10853928"/>
+              <a:gd name="connsiteY5" fmla="*/ 0 h 18288"/>
+              <a:gd name="connsiteX6" fmla="*/ 3527527 w 10853928"/>
+              <a:gd name="connsiteY6" fmla="*/ 0 h 18288"/>
+              <a:gd name="connsiteX7" fmla="*/ 4205897 w 10853928"/>
+              <a:gd name="connsiteY7" fmla="*/ 0 h 18288"/>
+              <a:gd name="connsiteX8" fmla="*/ 4558650 w 10853928"/>
+              <a:gd name="connsiteY8" fmla="*/ 0 h 18288"/>
+              <a:gd name="connsiteX9" fmla="*/ 5237020 w 10853928"/>
+              <a:gd name="connsiteY9" fmla="*/ 0 h 18288"/>
+              <a:gd name="connsiteX10" fmla="*/ 6132469 w 10853928"/>
+              <a:gd name="connsiteY10" fmla="*/ 0 h 18288"/>
+              <a:gd name="connsiteX11" fmla="*/ 6702301 w 10853928"/>
+              <a:gd name="connsiteY11" fmla="*/ 0 h 18288"/>
+              <a:gd name="connsiteX12" fmla="*/ 7272132 w 10853928"/>
+              <a:gd name="connsiteY12" fmla="*/ 0 h 18288"/>
+              <a:gd name="connsiteX13" fmla="*/ 7950502 w 10853928"/>
+              <a:gd name="connsiteY13" fmla="*/ 0 h 18288"/>
+              <a:gd name="connsiteX14" fmla="*/ 8737412 w 10853928"/>
+              <a:gd name="connsiteY14" fmla="*/ 0 h 18288"/>
+              <a:gd name="connsiteX15" fmla="*/ 9524322 w 10853928"/>
+              <a:gd name="connsiteY15" fmla="*/ 0 h 18288"/>
+              <a:gd name="connsiteX16" fmla="*/ 10853928 w 10853928"/>
+              <a:gd name="connsiteY16" fmla="*/ 0 h 18288"/>
+              <a:gd name="connsiteX17" fmla="*/ 10853928 w 10853928"/>
+              <a:gd name="connsiteY17" fmla="*/ 18288 h 18288"/>
+              <a:gd name="connsiteX18" fmla="*/ 10392636 w 10853928"/>
+              <a:gd name="connsiteY18" fmla="*/ 18288 h 18288"/>
+              <a:gd name="connsiteX19" fmla="*/ 9497187 w 10853928"/>
+              <a:gd name="connsiteY19" fmla="*/ 18288 h 18288"/>
+              <a:gd name="connsiteX20" fmla="*/ 8818817 w 10853928"/>
+              <a:gd name="connsiteY20" fmla="*/ 18288 h 18288"/>
+              <a:gd name="connsiteX21" fmla="*/ 8466064 w 10853928"/>
+              <a:gd name="connsiteY21" fmla="*/ 18288 h 18288"/>
+              <a:gd name="connsiteX22" fmla="*/ 7787693 w 10853928"/>
+              <a:gd name="connsiteY22" fmla="*/ 18288 h 18288"/>
+              <a:gd name="connsiteX23" fmla="*/ 7217862 w 10853928"/>
+              <a:gd name="connsiteY23" fmla="*/ 18288 h 18288"/>
+              <a:gd name="connsiteX24" fmla="*/ 6648031 w 10853928"/>
+              <a:gd name="connsiteY24" fmla="*/ 18288 h 18288"/>
+              <a:gd name="connsiteX25" fmla="*/ 6078200 w 10853928"/>
+              <a:gd name="connsiteY25" fmla="*/ 18288 h 18288"/>
+              <a:gd name="connsiteX26" fmla="*/ 5508368 w 10853928"/>
+              <a:gd name="connsiteY26" fmla="*/ 18288 h 18288"/>
+              <a:gd name="connsiteX27" fmla="*/ 4721459 w 10853928"/>
+              <a:gd name="connsiteY27" fmla="*/ 18288 h 18288"/>
+              <a:gd name="connsiteX28" fmla="*/ 4043088 w 10853928"/>
+              <a:gd name="connsiteY28" fmla="*/ 18288 h 18288"/>
+              <a:gd name="connsiteX29" fmla="*/ 3690336 w 10853928"/>
+              <a:gd name="connsiteY29" fmla="*/ 18288 h 18288"/>
+              <a:gd name="connsiteX30" fmla="*/ 3120504 w 10853928"/>
+              <a:gd name="connsiteY30" fmla="*/ 18288 h 18288"/>
+              <a:gd name="connsiteX31" fmla="*/ 2333595 w 10853928"/>
+              <a:gd name="connsiteY31" fmla="*/ 18288 h 18288"/>
+              <a:gd name="connsiteX32" fmla="*/ 1872303 w 10853928"/>
+              <a:gd name="connsiteY32" fmla="*/ 18288 h 18288"/>
+              <a:gd name="connsiteX33" fmla="*/ 976854 w 10853928"/>
+              <a:gd name="connsiteY33" fmla="*/ 18288 h 18288"/>
+              <a:gd name="connsiteX34" fmla="*/ 0 w 10853928"/>
+              <a:gd name="connsiteY34" fmla="*/ 18288 h 18288"/>
+              <a:gd name="connsiteX35" fmla="*/ 0 w 10853928"/>
+              <a:gd name="connsiteY35" fmla="*/ 0 h 18288"/>
+            </a:gdLst>
+            <a:ahLst/>
+            <a:cxnLst>
+              <a:cxn ang="0">
+                <a:pos x="connsiteX0" y="connsiteY0"/>
+              </a:cxn>
+              <a:cxn ang="0">
+                <a:pos x="connsiteX1" y="connsiteY1"/>
+              </a:cxn>
+              <a:cxn ang="0">
+                <a:pos x="connsiteX2" y="connsiteY2"/>
+              </a:cxn>
+              <a:cxn ang="0">
+                <a:pos x="connsiteX3" y="connsiteY3"/>
+              </a:cxn>
+              <a:cxn ang="0">
+                <a:pos x="connsiteX4" y="connsiteY4"/>
+              </a:cxn>
+              <a:cxn ang="0">
+                <a:pos x="connsiteX5" y="connsiteY5"/>
+              </a:cxn>
+              <a:cxn ang="0">
+                <a:pos x="connsiteX6" y="connsiteY6"/>
+              </a:cxn>
+              <a:cxn ang="0">
+                <a:pos x="connsiteX7" y="connsiteY7"/>
+              </a:cxn>
+              <a:cxn ang="0">
+                <a:pos x="connsiteX8" y="connsiteY8"/>
+              </a:cxn>
+              <a:cxn ang="0">
+                <a:pos x="connsiteX9" y="connsiteY9"/>
+              </a:cxn>
+              <a:cxn ang="0">
+                <a:pos x="connsiteX10" y="connsiteY10"/>
+              </a:cxn>
+              <a:cxn ang="0">
+                <a:pos x="connsiteX11" y="connsiteY11"/>
+              </a:cxn>
+              <a:cxn ang="0">
+                <a:pos x="connsiteX12" y="connsiteY12"/>
+              </a:cxn>
+              <a:cxn ang="0">
+                <a:pos x="connsiteX13" y="connsiteY13"/>
+              </a:cxn>
+              <a:cxn ang="0">
+                <a:pos x="connsiteX14" y="connsiteY14"/>
+              </a:cxn>
+              <a:cxn ang="0">
+                <a:pos x="connsiteX15" y="connsiteY15"/>
+              </a:cxn>
+              <a:cxn ang="0">
+                <a:pos x="connsiteX16" y="connsiteY16"/>
+              </a:cxn>
+              <a:cxn ang="0">
+                <a:pos x="connsiteX17" y="connsiteY17"/>
+              </a:cxn>
+              <a:cxn ang="0">
+                <a:pos x="connsiteX18" y="connsiteY18"/>
+              </a:cxn>
+              <a:cxn ang="0">
+                <a:pos x="connsiteX19" y="connsiteY19"/>
+              </a:cxn>
+              <a:cxn ang="0">
+                <a:pos x="connsiteX20" y="connsiteY20"/>
+              </a:cxn>
+              <a:cxn ang="0">
+                <a:pos x="connsiteX21" y="connsiteY21"/>
+              </a:cxn>
+              <a:cxn ang="0">
+                <a:pos x="connsiteX22" y="connsiteY22"/>
+              </a:cxn>
+              <a:cxn ang="0">
+                <a:pos x="connsiteX23" y="connsiteY23"/>
+              </a:cxn>
+              <a:cxn ang="0">
+                <a:pos x="connsiteX24" y="connsiteY24"/>
+              </a:cxn>
+              <a:cxn ang="0">
+                <a:pos x="connsiteX25" y="connsiteY25"/>
+              </a:cxn>
+              <a:cxn ang="0">
+                <a:pos x="connsiteX26" y="connsiteY26"/>
+              </a:cxn>
+              <a:cxn ang="0">
+                <a:pos x="connsiteX27" y="connsiteY27"/>
+              </a:cxn>
+              <a:cxn ang="0">
+                <a:pos x="connsiteX28" y="connsiteY28"/>
+              </a:cxn>
+              <a:cxn ang="0">
+                <a:pos x="connsiteX29" y="connsiteY29"/>
+              </a:cxn>
+              <a:cxn ang="0">
+                <a:pos x="connsiteX30" y="connsiteY30"/>
+              </a:cxn>
+              <a:cxn ang="0">
+                <a:pos x="connsiteX31" y="connsiteY31"/>
+              </a:cxn>
+              <a:cxn ang="0">
+                <a:pos x="connsiteX32" y="connsiteY32"/>
+              </a:cxn>
+              <a:cxn ang="0">
+                <a:pos x="connsiteX33" y="connsiteY33"/>
+              </a:cxn>
+              <a:cxn ang="0">
+                <a:pos x="connsiteX34" y="connsiteY34"/>
+              </a:cxn>
+              <a:cxn ang="0">
+                <a:pos x="connsiteX35" y="connsiteY35"/>
+              </a:cxn>
+            </a:cxnLst>
+            <a:rect l="l" t="t" r="r" b="b"/>
+            <a:pathLst>
+              <a:path w="10853928" h="18288" fill="none" extrusionOk="0">
+                <a:moveTo>
+                  <a:pt x="0" y="0"/>
+                </a:moveTo>
+                <a:cubicBezTo>
+                  <a:pt x="146993" y="-19076"/>
+                  <a:pt x="347684" y="-4790"/>
+                  <a:pt x="461292" y="0"/>
+                </a:cubicBezTo>
+                <a:cubicBezTo>
+                  <a:pt x="574900" y="4790"/>
+                  <a:pt x="808367" y="19821"/>
+                  <a:pt x="1139662" y="0"/>
+                </a:cubicBezTo>
+                <a:cubicBezTo>
+                  <a:pt x="1470957" y="-19821"/>
+                  <a:pt x="1627405" y="5721"/>
+                  <a:pt x="1926572" y="0"/>
+                </a:cubicBezTo>
+                <a:cubicBezTo>
+                  <a:pt x="2225739" y="-5721"/>
+                  <a:pt x="2137730" y="-3235"/>
+                  <a:pt x="2279325" y="0"/>
+                </a:cubicBezTo>
+                <a:cubicBezTo>
+                  <a:pt x="2420920" y="3235"/>
+                  <a:pt x="2456518" y="9685"/>
+                  <a:pt x="2632078" y="0"/>
+                </a:cubicBezTo>
+                <a:cubicBezTo>
+                  <a:pt x="2807638" y="-9685"/>
+                  <a:pt x="3211516" y="-43007"/>
+                  <a:pt x="3527527" y="0"/>
+                </a:cubicBezTo>
+                <a:cubicBezTo>
+                  <a:pt x="3843538" y="43007"/>
+                  <a:pt x="4058833" y="22042"/>
+                  <a:pt x="4205897" y="0"/>
+                </a:cubicBezTo>
+                <a:cubicBezTo>
+                  <a:pt x="4352961" y="-22042"/>
+                  <a:pt x="4474805" y="-11846"/>
+                  <a:pt x="4558650" y="0"/>
+                </a:cubicBezTo>
+                <a:cubicBezTo>
+                  <a:pt x="4642495" y="11846"/>
+                  <a:pt x="5041928" y="-6069"/>
+                  <a:pt x="5237020" y="0"/>
+                </a:cubicBezTo>
+                <a:cubicBezTo>
+                  <a:pt x="5432112" y="6069"/>
+                  <a:pt x="5943266" y="-17479"/>
+                  <a:pt x="6132469" y="0"/>
+                </a:cubicBezTo>
+                <a:cubicBezTo>
+                  <a:pt x="6321672" y="17479"/>
+                  <a:pt x="6483872" y="26234"/>
+                  <a:pt x="6702301" y="0"/>
+                </a:cubicBezTo>
+                <a:cubicBezTo>
+                  <a:pt x="6920730" y="-26234"/>
+                  <a:pt x="6991194" y="-15156"/>
+                  <a:pt x="7272132" y="0"/>
+                </a:cubicBezTo>
+                <a:cubicBezTo>
+                  <a:pt x="7553070" y="15156"/>
+                  <a:pt x="7684444" y="-32961"/>
+                  <a:pt x="7950502" y="0"/>
+                </a:cubicBezTo>
+                <a:cubicBezTo>
+                  <a:pt x="8216560" y="32961"/>
+                  <a:pt x="8493290" y="-10491"/>
+                  <a:pt x="8737412" y="0"/>
+                </a:cubicBezTo>
+                <a:cubicBezTo>
+                  <a:pt x="8981534" y="10491"/>
+                  <a:pt x="9191586" y="-13899"/>
+                  <a:pt x="9524322" y="0"/>
+                </a:cubicBezTo>
+                <a:cubicBezTo>
+                  <a:pt x="9857058" y="13899"/>
+                  <a:pt x="10297509" y="7485"/>
+                  <a:pt x="10853928" y="0"/>
+                </a:cubicBezTo>
+                <a:cubicBezTo>
+                  <a:pt x="10854574" y="4451"/>
+                  <a:pt x="10854418" y="9226"/>
+                  <a:pt x="10853928" y="18288"/>
+                </a:cubicBezTo>
+                <a:cubicBezTo>
+                  <a:pt x="10691638" y="28522"/>
+                  <a:pt x="10574319" y="29578"/>
+                  <a:pt x="10392636" y="18288"/>
+                </a:cubicBezTo>
+                <a:cubicBezTo>
+                  <a:pt x="10210953" y="6998"/>
+                  <a:pt x="9836277" y="-16742"/>
+                  <a:pt x="9497187" y="18288"/>
+                </a:cubicBezTo>
+                <a:cubicBezTo>
+                  <a:pt x="9158097" y="53318"/>
+                  <a:pt x="9119479" y="30714"/>
+                  <a:pt x="8818817" y="18288"/>
+                </a:cubicBezTo>
+                <a:cubicBezTo>
+                  <a:pt x="8518155" y="5863"/>
+                  <a:pt x="8640037" y="6483"/>
+                  <a:pt x="8466064" y="18288"/>
+                </a:cubicBezTo>
+                <a:cubicBezTo>
+                  <a:pt x="8292091" y="30093"/>
+                  <a:pt x="7997656" y="18914"/>
+                  <a:pt x="7787693" y="18288"/>
+                </a:cubicBezTo>
+                <a:cubicBezTo>
+                  <a:pt x="7577730" y="17662"/>
+                  <a:pt x="7412468" y="21416"/>
+                  <a:pt x="7217862" y="18288"/>
+                </a:cubicBezTo>
+                <a:cubicBezTo>
+                  <a:pt x="7023256" y="15160"/>
+                  <a:pt x="6898018" y="14824"/>
+                  <a:pt x="6648031" y="18288"/>
+                </a:cubicBezTo>
+                <a:cubicBezTo>
+                  <a:pt x="6398044" y="21752"/>
+                  <a:pt x="6254402" y="38625"/>
+                  <a:pt x="6078200" y="18288"/>
+                </a:cubicBezTo>
+                <a:cubicBezTo>
+                  <a:pt x="5901998" y="-2049"/>
+                  <a:pt x="5622886" y="3213"/>
+                  <a:pt x="5508368" y="18288"/>
+                </a:cubicBezTo>
+                <a:cubicBezTo>
+                  <a:pt x="5393850" y="33363"/>
+                  <a:pt x="5036260" y="26830"/>
+                  <a:pt x="4721459" y="18288"/>
+                </a:cubicBezTo>
+                <a:cubicBezTo>
+                  <a:pt x="4406658" y="9746"/>
+                  <a:pt x="4239221" y="41551"/>
+                  <a:pt x="4043088" y="18288"/>
+                </a:cubicBezTo>
+                <a:cubicBezTo>
+                  <a:pt x="3846955" y="-4975"/>
+                  <a:pt x="3818802" y="34658"/>
+                  <a:pt x="3690336" y="18288"/>
+                </a:cubicBezTo>
+                <a:cubicBezTo>
+                  <a:pt x="3561870" y="1918"/>
+                  <a:pt x="3265491" y="42194"/>
+                  <a:pt x="3120504" y="18288"/>
+                </a:cubicBezTo>
+                <a:cubicBezTo>
+                  <a:pt x="2975517" y="-5618"/>
+                  <a:pt x="2720254" y="36673"/>
+                  <a:pt x="2333595" y="18288"/>
+                </a:cubicBezTo>
+                <a:cubicBezTo>
+                  <a:pt x="1946936" y="-97"/>
+                  <a:pt x="2097241" y="5776"/>
+                  <a:pt x="1872303" y="18288"/>
+                </a:cubicBezTo>
+                <a:cubicBezTo>
+                  <a:pt x="1647365" y="30800"/>
+                  <a:pt x="1282708" y="45380"/>
+                  <a:pt x="976854" y="18288"/>
+                </a:cubicBezTo>
+                <a:cubicBezTo>
+                  <a:pt x="671000" y="-8804"/>
+                  <a:pt x="408401" y="-12775"/>
+                  <a:pt x="0" y="18288"/>
+                </a:cubicBezTo>
+                <a:cubicBezTo>
+                  <a:pt x="-213" y="9468"/>
+                  <a:pt x="187" y="4459"/>
+                  <a:pt x="0" y="0"/>
+                </a:cubicBezTo>
+                <a:close/>
+              </a:path>
+              <a:path w="10853928" h="18288" stroke="0" extrusionOk="0">
+                <a:moveTo>
+                  <a:pt x="0" y="0"/>
+                </a:moveTo>
+                <a:cubicBezTo>
+                  <a:pt x="267322" y="15284"/>
+                  <a:pt x="415388" y="-21048"/>
+                  <a:pt x="569831" y="0"/>
+                </a:cubicBezTo>
+                <a:cubicBezTo>
+                  <a:pt x="724274" y="21048"/>
+                  <a:pt x="769333" y="-2353"/>
+                  <a:pt x="922584" y="0"/>
+                </a:cubicBezTo>
+                <a:cubicBezTo>
+                  <a:pt x="1075835" y="2353"/>
+                  <a:pt x="1399490" y="-145"/>
+                  <a:pt x="1818033" y="0"/>
+                </a:cubicBezTo>
+                <a:cubicBezTo>
+                  <a:pt x="2236576" y="145"/>
+                  <a:pt x="2145330" y="5482"/>
+                  <a:pt x="2387864" y="0"/>
+                </a:cubicBezTo>
+                <a:cubicBezTo>
+                  <a:pt x="2630398" y="-5482"/>
+                  <a:pt x="2793207" y="18487"/>
+                  <a:pt x="2957695" y="0"/>
+                </a:cubicBezTo>
+                <a:cubicBezTo>
+                  <a:pt x="3122183" y="-18487"/>
+                  <a:pt x="3579141" y="19003"/>
+                  <a:pt x="3853144" y="0"/>
+                </a:cubicBezTo>
+                <a:cubicBezTo>
+                  <a:pt x="4127147" y="-19003"/>
+                  <a:pt x="4209857" y="12211"/>
+                  <a:pt x="4314436" y="0"/>
+                </a:cubicBezTo>
+                <a:cubicBezTo>
+                  <a:pt x="4419015" y="-12211"/>
+                  <a:pt x="4762459" y="-17220"/>
+                  <a:pt x="5209885" y="0"/>
+                </a:cubicBezTo>
+                <a:cubicBezTo>
+                  <a:pt x="5657311" y="17220"/>
+                  <a:pt x="5692663" y="-3290"/>
+                  <a:pt x="6105335" y="0"/>
+                </a:cubicBezTo>
+                <a:cubicBezTo>
+                  <a:pt x="6518007" y="3290"/>
+                  <a:pt x="6455516" y="-5124"/>
+                  <a:pt x="6783705" y="0"/>
+                </a:cubicBezTo>
+                <a:cubicBezTo>
+                  <a:pt x="7111894" y="5124"/>
+                  <a:pt x="7441941" y="-17829"/>
+                  <a:pt x="7679154" y="0"/>
+                </a:cubicBezTo>
+                <a:cubicBezTo>
+                  <a:pt x="7916367" y="17829"/>
+                  <a:pt x="8102967" y="-24363"/>
+                  <a:pt x="8248985" y="0"/>
+                </a:cubicBezTo>
+                <a:cubicBezTo>
+                  <a:pt x="8395003" y="24363"/>
+                  <a:pt x="8552393" y="25505"/>
+                  <a:pt x="8818817" y="0"/>
+                </a:cubicBezTo>
+                <a:cubicBezTo>
+                  <a:pt x="9085241" y="-25505"/>
+                  <a:pt x="9411308" y="38000"/>
+                  <a:pt x="9605726" y="0"/>
+                </a:cubicBezTo>
+                <a:cubicBezTo>
+                  <a:pt x="9800144" y="-38000"/>
+                  <a:pt x="10006468" y="-25741"/>
+                  <a:pt x="10175558" y="0"/>
+                </a:cubicBezTo>
+                <a:cubicBezTo>
+                  <a:pt x="10344648" y="25741"/>
+                  <a:pt x="10696282" y="695"/>
+                  <a:pt x="10853928" y="0"/>
+                </a:cubicBezTo>
+                <a:cubicBezTo>
+                  <a:pt x="10853521" y="8690"/>
+                  <a:pt x="10853774" y="14141"/>
+                  <a:pt x="10853928" y="18288"/>
+                </a:cubicBezTo>
+                <a:cubicBezTo>
+                  <a:pt x="10608124" y="24255"/>
+                  <a:pt x="10343415" y="22307"/>
+                  <a:pt x="10067018" y="18288"/>
+                </a:cubicBezTo>
+                <a:cubicBezTo>
+                  <a:pt x="9790621" y="14270"/>
+                  <a:pt x="9843266" y="3564"/>
+                  <a:pt x="9714266" y="18288"/>
+                </a:cubicBezTo>
+                <a:cubicBezTo>
+                  <a:pt x="9585266" y="33012"/>
+                  <a:pt x="9379484" y="1875"/>
+                  <a:pt x="9252974" y="18288"/>
+                </a:cubicBezTo>
+                <a:cubicBezTo>
+                  <a:pt x="9126464" y="34701"/>
+                  <a:pt x="8580678" y="-4904"/>
+                  <a:pt x="8357525" y="18288"/>
+                </a:cubicBezTo>
+                <a:cubicBezTo>
+                  <a:pt x="8134372" y="41480"/>
+                  <a:pt x="7903199" y="26458"/>
+                  <a:pt x="7679154" y="18288"/>
+                </a:cubicBezTo>
+                <a:cubicBezTo>
+                  <a:pt x="7455109" y="10118"/>
+                  <a:pt x="7435944" y="27109"/>
+                  <a:pt x="7217862" y="18288"/>
+                </a:cubicBezTo>
+                <a:cubicBezTo>
+                  <a:pt x="6999780" y="9467"/>
+                  <a:pt x="6680409" y="18985"/>
+                  <a:pt x="6539492" y="18288"/>
+                </a:cubicBezTo>
+                <a:cubicBezTo>
+                  <a:pt x="6398575" y="17592"/>
+                  <a:pt x="6312077" y="33018"/>
+                  <a:pt x="6186739" y="18288"/>
+                </a:cubicBezTo>
+                <a:cubicBezTo>
+                  <a:pt x="6061401" y="3558"/>
+                  <a:pt x="5947033" y="12075"/>
+                  <a:pt x="5833986" y="18288"/>
+                </a:cubicBezTo>
+                <a:cubicBezTo>
+                  <a:pt x="5720939" y="24501"/>
+                  <a:pt x="5482226" y="8586"/>
+                  <a:pt x="5155616" y="18288"/>
+                </a:cubicBezTo>
+                <a:cubicBezTo>
+                  <a:pt x="4829006" y="27991"/>
+                  <a:pt x="4841274" y="29316"/>
+                  <a:pt x="4694324" y="18288"/>
+                </a:cubicBezTo>
+                <a:cubicBezTo>
+                  <a:pt x="4547374" y="7260"/>
+                  <a:pt x="4077675" y="7013"/>
+                  <a:pt x="3907414" y="18288"/>
+                </a:cubicBezTo>
+                <a:cubicBezTo>
+                  <a:pt x="3737153" y="29564"/>
+                  <a:pt x="3538393" y="21630"/>
+                  <a:pt x="3446122" y="18288"/>
+                </a:cubicBezTo>
+                <a:cubicBezTo>
+                  <a:pt x="3353851" y="14946"/>
+                  <a:pt x="2990320" y="-8091"/>
+                  <a:pt x="2659212" y="18288"/>
+                </a:cubicBezTo>
+                <a:cubicBezTo>
+                  <a:pt x="2328104" y="44667"/>
+                  <a:pt x="2427653" y="9607"/>
+                  <a:pt x="2306460" y="18288"/>
+                </a:cubicBezTo>
+                <a:cubicBezTo>
+                  <a:pt x="2185267" y="26969"/>
+                  <a:pt x="1719763" y="3717"/>
+                  <a:pt x="1519550" y="18288"/>
+                </a:cubicBezTo>
+                <a:cubicBezTo>
+                  <a:pt x="1319337" y="32860"/>
+                  <a:pt x="1167371" y="17040"/>
+                  <a:pt x="1058258" y="18288"/>
+                </a:cubicBezTo>
+                <a:cubicBezTo>
+                  <a:pt x="949145" y="19536"/>
+                  <a:pt x="780234" y="31447"/>
+                  <a:pt x="705505" y="18288"/>
+                </a:cubicBezTo>
+                <a:cubicBezTo>
+                  <a:pt x="630776" y="5129"/>
+                  <a:pt x="215796" y="30056"/>
+                  <a:pt x="0" y="18288"/>
+                </a:cubicBezTo>
+                <a:cubicBezTo>
+                  <a:pt x="-53" y="11301"/>
+                  <a:pt x="-649" y="7756"/>
+                  <a:pt x="0" y="0"/>
+                </a:cubicBezTo>
+                <a:close/>
+              </a:path>
+            </a:pathLst>
+          </a:custGeom>
+          <a:solidFill>
+            <a:schemeClr val="accent2"/>
+          </a:solidFill>
+          <a:ln w="41275" cap="rnd">
+            <a:solidFill>
+              <a:schemeClr val="accent2"/>
+            </a:solidFill>
+            <a:round/>
+            <a:extLst>
+              <a:ext uri="{C807C97D-BFC1-408E-A445-0C87EB9F89A2}">
+                <ask:lineSketchStyleProps xmlns:ask="http://schemas.microsoft.com/office/drawing/2018/sketchyshapes" sd="1219033472">
+                  <a:prstGeom prst="rect">
+                    <a:avLst/>
+                  </a:prstGeom>
+                  <ask:type>
+                    <ask:lineSketchFreehand/>
+                  </ask:type>
+                </ask:lineSketchStyleProps>
+              </a:ext>
+            </a:extLst>
+          </a:ln>
+        </p:spPr>
+        <p:style>
+          <a:lnRef idx="2">
+            <a:schemeClr val="accent1">
+              <a:shade val="50000"/>
+            </a:schemeClr>
+          </a:lnRef>
+          <a:fillRef idx="1">
+            <a:schemeClr val="accent1"/>
+          </a:fillRef>
+          <a:effectRef idx="0">
+            <a:schemeClr val="accent1"/>
+          </a:effectRef>
+          <a:fontRef idx="minor">
+            <a:schemeClr val="lt1"/>
+          </a:fontRef>
+        </p:style>
+        <p:txBody>
+          <a:bodyPr rtlCol="0" anchor="ctr"/>
+          <a:lstStyle/>
+          <a:p>
+            <a:pPr algn="ctr"/>
+            <a:endParaRPr lang="en-US"/>
+          </a:p>
+        </p:txBody>
+      </p:sp>
+      <p:pic>
+        <p:nvPicPr>
+          <p:cNvPr id="7" name="Picture 6">
+            <a:extLst>
+              <a:ext uri="{FF2B5EF4-FFF2-40B4-BE49-F238E27FC236}">
+                <a16:creationId xmlns:a16="http://schemas.microsoft.com/office/drawing/2014/main" id="{FB3E44ED-3298-4163-8692-B08E68381CEC}"/>
+              </a:ext>
+            </a:extLst>
+          </p:cNvPr>
+          <p:cNvPicPr>
+            <a:picLocks noChangeAspect="1"/>
+          </p:cNvPicPr>
+          <p:nvPr/>
+        </p:nvPicPr>
+        <p:blipFill>
+          <a:blip r:embed="rId3"/>
+          <a:stretch>
+            <a:fillRect/>
+          </a:stretch>
+        </p:blipFill>
+        <p:spPr>
+          <a:xfrm>
+            <a:off x="2886076" y="1812226"/>
+            <a:ext cx="7524750" cy="2272967"/>
+          </a:xfrm>
+          <a:prstGeom prst="rect">
+            <a:avLst/>
+          </a:prstGeom>
+        </p:spPr>
+      </p:pic>
+      <p:pic>
+        <p:nvPicPr>
+          <p:cNvPr id="14" name="Picture 13">
+            <a:extLst>
+              <a:ext uri="{FF2B5EF4-FFF2-40B4-BE49-F238E27FC236}">
+                <a16:creationId xmlns:a16="http://schemas.microsoft.com/office/drawing/2014/main" id="{729517C9-E12B-4FDD-B8E5-671D9AE8ACF7}"/>
+              </a:ext>
+            </a:extLst>
+          </p:cNvPr>
+          <p:cNvPicPr>
+            <a:picLocks noChangeAspect="1"/>
+          </p:cNvPicPr>
+          <p:nvPr/>
+        </p:nvPicPr>
+        <p:blipFill>
+          <a:blip r:embed="rId4"/>
+          <a:stretch>
+            <a:fillRect/>
+          </a:stretch>
+        </p:blipFill>
+        <p:spPr>
+          <a:xfrm>
+            <a:off x="2403539" y="4334225"/>
+            <a:ext cx="8245412" cy="2374405"/>
+          </a:xfrm>
+          <a:prstGeom prst="rect">
+            <a:avLst/>
+          </a:prstGeom>
+        </p:spPr>
+      </p:pic>
+    </p:spTree>
+    <p:extLst>
+      <p:ext uri="{BB962C8B-B14F-4D97-AF65-F5344CB8AC3E}">
+        <p14:creationId xmlns:p14="http://schemas.microsoft.com/office/powerpoint/2010/main" val="3198314860"/>
+      </p:ext>
+    </p:extLst>
+  </p:cSld>
+  <p:clrMapOvr>
+    <a:masterClrMapping/>
+  </p:clrMapOvr>
+</p:sld>
+</file>
+
+<file path=ppt/slides/slide11.xml><?xml version="1.0" encoding="utf-8"?>
+<p:sld xmlns:a="http://schemas.openxmlformats.org/drawingml/2006/main" xmlns:r="http://schemas.openxmlformats.org/officeDocument/2006/relationships" xmlns:p="http://schemas.openxmlformats.org/presentationml/2006/main">
+  <p:cSld>
+    <p:bg>
+      <p:bgPr>
+        <a:solidFill>
+          <a:schemeClr val="bg1"/>
+        </a:solidFill>
+        <a:effectLst/>
+      </p:bgPr>
+    </p:bg>
+    <p:spTree>
+      <p:nvGrpSpPr>
+        <p:cNvPr id="1" name=""/>
+        <p:cNvGrpSpPr/>
+        <p:nvPr/>
+      </p:nvGrpSpPr>
+      <p:grpSpPr>
+        <a:xfrm>
+          <a:off x="0" y="0"/>
+          <a:ext cx="0" cy="0"/>
+          <a:chOff x="0" y="0"/>
+          <a:chExt cx="0" cy="0"/>
+        </a:xfrm>
+      </p:grpSpPr>
+      <p:sp useBgFill="1">
+        <p:nvSpPr>
+          <p:cNvPr id="11" name="Rectangle 10">
+            <a:extLst>
+              <a:ext uri="{FF2B5EF4-FFF2-40B4-BE49-F238E27FC236}">
+                <a16:creationId xmlns:a16="http://schemas.microsoft.com/office/drawing/2014/main" id="{100EDD19-6802-4EC3-95CE-CFFAB042CFD6}"/>
+              </a:ext>
+              <a:ext uri="{C183D7F6-B498-43B3-948B-1728B52AA6E4}">
+                <adec:decorative xmlns:adec="http://schemas.microsoft.com/office/drawing/2017/decorative" val="1"/>
+              </a:ext>
+            </a:extLst>
+          </p:cNvPr>
+          <p:cNvSpPr>
+            <a:spLocks noGrp="1" noRot="1" noChangeAspect="1" noMove="1" noResize="1" noEditPoints="1" noAdjustHandles="1" noChangeArrowheads="1" noChangeShapeType="1" noTextEdit="1"/>
+          </p:cNvSpPr>
+          <p:nvPr>
+            <p:extLst>
+              <p:ext uri="{386F3935-93C4-4BCD-93E2-E3B085C9AB24}">
+                <p16:designElem xmlns:p16="http://schemas.microsoft.com/office/powerpoint/2015/main" val="1"/>
+              </p:ext>
+            </p:extLst>
+          </p:nvPr>
+        </p:nvSpPr>
+        <p:spPr>
+          <a:xfrm>
+            <a:off x="0" y="0"/>
+            <a:ext cx="12188952" cy="6858000"/>
+          </a:xfrm>
+          <a:prstGeom prst="rect">
+            <a:avLst/>
+          </a:prstGeom>
+          <a:ln>
+            <a:noFill/>
+          </a:ln>
+        </p:spPr>
+        <p:style>
+          <a:lnRef idx="2">
+            <a:schemeClr val="accent1">
+              <a:shade val="50000"/>
+            </a:schemeClr>
+          </a:lnRef>
+          <a:fillRef idx="1">
+            <a:schemeClr val="accent1"/>
+          </a:fillRef>
+          <a:effectRef idx="0">
+            <a:schemeClr val="accent1"/>
+          </a:effectRef>
+          <a:fontRef idx="minor">
+            <a:schemeClr val="lt1"/>
+          </a:fontRef>
+        </p:style>
+        <p:txBody>
+          <a:bodyPr rtlCol="0" anchor="ctr"/>
+          <a:lstStyle/>
+          <a:p>
+            <a:pPr algn="ctr"/>
+            <a:endParaRPr lang="en-US"/>
+          </a:p>
+        </p:txBody>
+      </p:sp>
+      <p:sp>
+        <p:nvSpPr>
+          <p:cNvPr id="2" name="Title 1">
+            <a:extLst>
+              <a:ext uri="{FF2B5EF4-FFF2-40B4-BE49-F238E27FC236}">
+                <a16:creationId xmlns:a16="http://schemas.microsoft.com/office/drawing/2014/main" id="{EABAB166-3C39-43D1-8F8B-9DB2DEE2352F}"/>
+              </a:ext>
+            </a:extLst>
+          </p:cNvPr>
+          <p:cNvSpPr>
+            <a:spLocks noGrp="1"/>
+          </p:cNvSpPr>
+          <p:nvPr>
+            <p:ph type="title"/>
+          </p:nvPr>
+        </p:nvSpPr>
+        <p:spPr>
+          <a:xfrm>
+            <a:off x="838200" y="365125"/>
+            <a:ext cx="10515600" cy="1325563"/>
+          </a:xfrm>
+        </p:spPr>
+        <p:txBody>
+          <a:bodyPr>
+            <a:normAutofit/>
+          </a:bodyPr>
+          <a:lstStyle/>
+          <a:p>
+            <a:r>
+              <a:rPr lang="en-US" sz="5400" dirty="0"/>
+              <a:t>Discussion and Conclusion</a:t>
+            </a:r>
+          </a:p>
+        </p:txBody>
+      </p:sp>
+      <p:sp>
+        <p:nvSpPr>
+          <p:cNvPr id="13" name="sketch line">
+            <a:extLst>
+              <a:ext uri="{FF2B5EF4-FFF2-40B4-BE49-F238E27FC236}">
+                <a16:creationId xmlns:a16="http://schemas.microsoft.com/office/drawing/2014/main" id="{DB17E863-922E-4C26-BD64-E8FD41D28661}"/>
+              </a:ext>
+              <a:ext uri="{C183D7F6-B498-43B3-948B-1728B52AA6E4}">
+                <adec:decorative xmlns:adec="http://schemas.microsoft.com/office/drawing/2017/decorative" val="1"/>
+              </a:ext>
+            </a:extLst>
+          </p:cNvPr>
+          <p:cNvSpPr>
+            <a:spLocks noGrp="1" noRot="1" noChangeAspect="1" noMove="1" noResize="1" noEditPoints="1" noAdjustHandles="1" noChangeArrowheads="1" noChangeShapeType="1" noTextEdit="1"/>
+          </p:cNvSpPr>
+          <p:nvPr>
+            <p:extLst>
+              <p:ext uri="{386F3935-93C4-4BCD-93E2-E3B085C9AB24}">
+                <p16:designElem xmlns:p16="http://schemas.microsoft.com/office/powerpoint/2015/main" val="1"/>
+              </p:ext>
+            </p:extLst>
+          </p:nvPr>
+        </p:nvSpPr>
+        <p:spPr>
+          <a:xfrm>
+            <a:off x="669036" y="1677373"/>
+            <a:ext cx="10853928" cy="18288"/>
+          </a:xfrm>
+          <a:custGeom>
+            <a:avLst/>
+            <a:gdLst>
+              <a:gd name="connsiteX0" fmla="*/ 0 w 10853928"/>
+              <a:gd name="connsiteY0" fmla="*/ 0 h 18288"/>
+              <a:gd name="connsiteX1" fmla="*/ 461292 w 10853928"/>
+              <a:gd name="connsiteY1" fmla="*/ 0 h 18288"/>
+              <a:gd name="connsiteX2" fmla="*/ 1139662 w 10853928"/>
+              <a:gd name="connsiteY2" fmla="*/ 0 h 18288"/>
+              <a:gd name="connsiteX3" fmla="*/ 1926572 w 10853928"/>
+              <a:gd name="connsiteY3" fmla="*/ 0 h 18288"/>
+              <a:gd name="connsiteX4" fmla="*/ 2279325 w 10853928"/>
+              <a:gd name="connsiteY4" fmla="*/ 0 h 18288"/>
+              <a:gd name="connsiteX5" fmla="*/ 2632078 w 10853928"/>
+              <a:gd name="connsiteY5" fmla="*/ 0 h 18288"/>
+              <a:gd name="connsiteX6" fmla="*/ 3527527 w 10853928"/>
+              <a:gd name="connsiteY6" fmla="*/ 0 h 18288"/>
+              <a:gd name="connsiteX7" fmla="*/ 4205897 w 10853928"/>
+              <a:gd name="connsiteY7" fmla="*/ 0 h 18288"/>
+              <a:gd name="connsiteX8" fmla="*/ 4558650 w 10853928"/>
+              <a:gd name="connsiteY8" fmla="*/ 0 h 18288"/>
+              <a:gd name="connsiteX9" fmla="*/ 5237020 w 10853928"/>
+              <a:gd name="connsiteY9" fmla="*/ 0 h 18288"/>
+              <a:gd name="connsiteX10" fmla="*/ 6132469 w 10853928"/>
+              <a:gd name="connsiteY10" fmla="*/ 0 h 18288"/>
+              <a:gd name="connsiteX11" fmla="*/ 6702301 w 10853928"/>
+              <a:gd name="connsiteY11" fmla="*/ 0 h 18288"/>
+              <a:gd name="connsiteX12" fmla="*/ 7272132 w 10853928"/>
+              <a:gd name="connsiteY12" fmla="*/ 0 h 18288"/>
+              <a:gd name="connsiteX13" fmla="*/ 7950502 w 10853928"/>
+              <a:gd name="connsiteY13" fmla="*/ 0 h 18288"/>
+              <a:gd name="connsiteX14" fmla="*/ 8737412 w 10853928"/>
+              <a:gd name="connsiteY14" fmla="*/ 0 h 18288"/>
+              <a:gd name="connsiteX15" fmla="*/ 9524322 w 10853928"/>
+              <a:gd name="connsiteY15" fmla="*/ 0 h 18288"/>
+              <a:gd name="connsiteX16" fmla="*/ 10853928 w 10853928"/>
+              <a:gd name="connsiteY16" fmla="*/ 0 h 18288"/>
+              <a:gd name="connsiteX17" fmla="*/ 10853928 w 10853928"/>
+              <a:gd name="connsiteY17" fmla="*/ 18288 h 18288"/>
+              <a:gd name="connsiteX18" fmla="*/ 10392636 w 10853928"/>
+              <a:gd name="connsiteY18" fmla="*/ 18288 h 18288"/>
+              <a:gd name="connsiteX19" fmla="*/ 9497187 w 10853928"/>
+              <a:gd name="connsiteY19" fmla="*/ 18288 h 18288"/>
+              <a:gd name="connsiteX20" fmla="*/ 8818817 w 10853928"/>
+              <a:gd name="connsiteY20" fmla="*/ 18288 h 18288"/>
+              <a:gd name="connsiteX21" fmla="*/ 8466064 w 10853928"/>
+              <a:gd name="connsiteY21" fmla="*/ 18288 h 18288"/>
+              <a:gd name="connsiteX22" fmla="*/ 7787693 w 10853928"/>
+              <a:gd name="connsiteY22" fmla="*/ 18288 h 18288"/>
+              <a:gd name="connsiteX23" fmla="*/ 7217862 w 10853928"/>
+              <a:gd name="connsiteY23" fmla="*/ 18288 h 18288"/>
+              <a:gd name="connsiteX24" fmla="*/ 6648031 w 10853928"/>
+              <a:gd name="connsiteY24" fmla="*/ 18288 h 18288"/>
+              <a:gd name="connsiteX25" fmla="*/ 6078200 w 10853928"/>
+              <a:gd name="connsiteY25" fmla="*/ 18288 h 18288"/>
+              <a:gd name="connsiteX26" fmla="*/ 5508368 w 10853928"/>
+              <a:gd name="connsiteY26" fmla="*/ 18288 h 18288"/>
+              <a:gd name="connsiteX27" fmla="*/ 4721459 w 10853928"/>
+              <a:gd name="connsiteY27" fmla="*/ 18288 h 18288"/>
+              <a:gd name="connsiteX28" fmla="*/ 4043088 w 10853928"/>
+              <a:gd name="connsiteY28" fmla="*/ 18288 h 18288"/>
+              <a:gd name="connsiteX29" fmla="*/ 3690336 w 10853928"/>
+              <a:gd name="connsiteY29" fmla="*/ 18288 h 18288"/>
+              <a:gd name="connsiteX30" fmla="*/ 3120504 w 10853928"/>
+              <a:gd name="connsiteY30" fmla="*/ 18288 h 18288"/>
+              <a:gd name="connsiteX31" fmla="*/ 2333595 w 10853928"/>
+              <a:gd name="connsiteY31" fmla="*/ 18288 h 18288"/>
+              <a:gd name="connsiteX32" fmla="*/ 1872303 w 10853928"/>
+              <a:gd name="connsiteY32" fmla="*/ 18288 h 18288"/>
+              <a:gd name="connsiteX33" fmla="*/ 976854 w 10853928"/>
+              <a:gd name="connsiteY33" fmla="*/ 18288 h 18288"/>
+              <a:gd name="connsiteX34" fmla="*/ 0 w 10853928"/>
+              <a:gd name="connsiteY34" fmla="*/ 18288 h 18288"/>
+              <a:gd name="connsiteX35" fmla="*/ 0 w 10853928"/>
+              <a:gd name="connsiteY35" fmla="*/ 0 h 18288"/>
+            </a:gdLst>
+            <a:ahLst/>
+            <a:cxnLst>
+              <a:cxn ang="0">
+                <a:pos x="connsiteX0" y="connsiteY0"/>
+              </a:cxn>
+              <a:cxn ang="0">
+                <a:pos x="connsiteX1" y="connsiteY1"/>
+              </a:cxn>
+              <a:cxn ang="0">
+                <a:pos x="connsiteX2" y="connsiteY2"/>
+              </a:cxn>
+              <a:cxn ang="0">
+                <a:pos x="connsiteX3" y="connsiteY3"/>
+              </a:cxn>
+              <a:cxn ang="0">
+                <a:pos x="connsiteX4" y="connsiteY4"/>
+              </a:cxn>
+              <a:cxn ang="0">
+                <a:pos x="connsiteX5" y="connsiteY5"/>
+              </a:cxn>
+              <a:cxn ang="0">
+                <a:pos x="connsiteX6" y="connsiteY6"/>
+              </a:cxn>
+              <a:cxn ang="0">
+                <a:pos x="connsiteX7" y="connsiteY7"/>
+              </a:cxn>
+              <a:cxn ang="0">
+                <a:pos x="connsiteX8" y="connsiteY8"/>
+              </a:cxn>
+              <a:cxn ang="0">
+                <a:pos x="connsiteX9" y="connsiteY9"/>
+              </a:cxn>
+              <a:cxn ang="0">
+                <a:pos x="connsiteX10" y="connsiteY10"/>
+              </a:cxn>
+              <a:cxn ang="0">
+                <a:pos x="connsiteX11" y="connsiteY11"/>
+              </a:cxn>
+              <a:cxn ang="0">
+                <a:pos x="connsiteX12" y="connsiteY12"/>
+              </a:cxn>
+              <a:cxn ang="0">
+                <a:pos x="connsiteX13" y="connsiteY13"/>
+              </a:cxn>
+              <a:cxn ang="0">
+                <a:pos x="connsiteX14" y="connsiteY14"/>
+              </a:cxn>
+              <a:cxn ang="0">
+                <a:pos x="connsiteX15" y="connsiteY15"/>
+              </a:cxn>
+              <a:cxn ang="0">
+                <a:pos x="connsiteX16" y="connsiteY16"/>
+              </a:cxn>
+              <a:cxn ang="0">
+                <a:pos x="connsiteX17" y="connsiteY17"/>
+              </a:cxn>
+              <a:cxn ang="0">
+                <a:pos x="connsiteX18" y="connsiteY18"/>
+              </a:cxn>
+              <a:cxn ang="0">
+                <a:pos x="connsiteX19" y="connsiteY19"/>
+              </a:cxn>
+              <a:cxn ang="0">
+                <a:pos x="connsiteX20" y="connsiteY20"/>
+              </a:cxn>
+              <a:cxn ang="0">
+                <a:pos x="connsiteX21" y="connsiteY21"/>
+              </a:cxn>
+              <a:cxn ang="0">
+                <a:pos x="connsiteX22" y="connsiteY22"/>
+              </a:cxn>
+              <a:cxn ang="0">
+                <a:pos x="connsiteX23" y="connsiteY23"/>
+              </a:cxn>
+              <a:cxn ang="0">
+                <a:pos x="connsiteX24" y="connsiteY24"/>
+              </a:cxn>
+              <a:cxn ang="0">
+                <a:pos x="connsiteX25" y="connsiteY25"/>
+              </a:cxn>
+              <a:cxn ang="0">
+                <a:pos x="connsiteX26" y="connsiteY26"/>
+              </a:cxn>
+              <a:cxn ang="0">
+                <a:pos x="connsiteX27" y="connsiteY27"/>
+              </a:cxn>
+              <a:cxn ang="0">
+                <a:pos x="connsiteX28" y="connsiteY28"/>
+              </a:cxn>
+              <a:cxn ang="0">
+                <a:pos x="connsiteX29" y="connsiteY29"/>
+              </a:cxn>
+              <a:cxn ang="0">
+                <a:pos x="connsiteX30" y="connsiteY30"/>
+              </a:cxn>
+              <a:cxn ang="0">
+                <a:pos x="connsiteX31" y="connsiteY31"/>
+              </a:cxn>
+              <a:cxn ang="0">
+                <a:pos x="connsiteX32" y="connsiteY32"/>
+              </a:cxn>
+              <a:cxn ang="0">
+                <a:pos x="connsiteX33" y="connsiteY33"/>
+              </a:cxn>
+              <a:cxn ang="0">
+                <a:pos x="connsiteX34" y="connsiteY34"/>
+              </a:cxn>
+              <a:cxn ang="0">
+                <a:pos x="connsiteX35" y="connsiteY35"/>
+              </a:cxn>
+            </a:cxnLst>
+            <a:rect l="l" t="t" r="r" b="b"/>
+            <a:pathLst>
+              <a:path w="10853928" h="18288" fill="none" extrusionOk="0">
+                <a:moveTo>
+                  <a:pt x="0" y="0"/>
+                </a:moveTo>
+                <a:cubicBezTo>
+                  <a:pt x="146993" y="-19076"/>
+                  <a:pt x="347684" y="-4790"/>
+                  <a:pt x="461292" y="0"/>
+                </a:cubicBezTo>
+                <a:cubicBezTo>
+                  <a:pt x="574900" y="4790"/>
+                  <a:pt x="808367" y="19821"/>
+                  <a:pt x="1139662" y="0"/>
+                </a:cubicBezTo>
+                <a:cubicBezTo>
+                  <a:pt x="1470957" y="-19821"/>
+                  <a:pt x="1627405" y="5721"/>
+                  <a:pt x="1926572" y="0"/>
+                </a:cubicBezTo>
+                <a:cubicBezTo>
+                  <a:pt x="2225739" y="-5721"/>
+                  <a:pt x="2137730" y="-3235"/>
+                  <a:pt x="2279325" y="0"/>
+                </a:cubicBezTo>
+                <a:cubicBezTo>
+                  <a:pt x="2420920" y="3235"/>
+                  <a:pt x="2456518" y="9685"/>
+                  <a:pt x="2632078" y="0"/>
+                </a:cubicBezTo>
+                <a:cubicBezTo>
+                  <a:pt x="2807638" y="-9685"/>
+                  <a:pt x="3211516" y="-43007"/>
+                  <a:pt x="3527527" y="0"/>
+                </a:cubicBezTo>
+                <a:cubicBezTo>
+                  <a:pt x="3843538" y="43007"/>
+                  <a:pt x="4058833" y="22042"/>
+                  <a:pt x="4205897" y="0"/>
+                </a:cubicBezTo>
+                <a:cubicBezTo>
+                  <a:pt x="4352961" y="-22042"/>
+                  <a:pt x="4474805" y="-11846"/>
+                  <a:pt x="4558650" y="0"/>
+                </a:cubicBezTo>
+                <a:cubicBezTo>
+                  <a:pt x="4642495" y="11846"/>
+                  <a:pt x="5041928" y="-6069"/>
+                  <a:pt x="5237020" y="0"/>
+                </a:cubicBezTo>
+                <a:cubicBezTo>
+                  <a:pt x="5432112" y="6069"/>
+                  <a:pt x="5943266" y="-17479"/>
+                  <a:pt x="6132469" y="0"/>
+                </a:cubicBezTo>
+                <a:cubicBezTo>
+                  <a:pt x="6321672" y="17479"/>
+                  <a:pt x="6483872" y="26234"/>
+                  <a:pt x="6702301" y="0"/>
+                </a:cubicBezTo>
+                <a:cubicBezTo>
+                  <a:pt x="6920730" y="-26234"/>
+                  <a:pt x="6991194" y="-15156"/>
+                  <a:pt x="7272132" y="0"/>
+                </a:cubicBezTo>
+                <a:cubicBezTo>
+                  <a:pt x="7553070" y="15156"/>
+                  <a:pt x="7684444" y="-32961"/>
+                  <a:pt x="7950502" y="0"/>
+                </a:cubicBezTo>
+                <a:cubicBezTo>
+                  <a:pt x="8216560" y="32961"/>
+                  <a:pt x="8493290" y="-10491"/>
+                  <a:pt x="8737412" y="0"/>
+                </a:cubicBezTo>
+                <a:cubicBezTo>
+                  <a:pt x="8981534" y="10491"/>
+                  <a:pt x="9191586" y="-13899"/>
+                  <a:pt x="9524322" y="0"/>
+                </a:cubicBezTo>
+                <a:cubicBezTo>
+                  <a:pt x="9857058" y="13899"/>
+                  <a:pt x="10297509" y="7485"/>
+                  <a:pt x="10853928" y="0"/>
+                </a:cubicBezTo>
+                <a:cubicBezTo>
+                  <a:pt x="10854574" y="4451"/>
+                  <a:pt x="10854418" y="9226"/>
+                  <a:pt x="10853928" y="18288"/>
+                </a:cubicBezTo>
+                <a:cubicBezTo>
+                  <a:pt x="10691638" y="28522"/>
+                  <a:pt x="10574319" y="29578"/>
+                  <a:pt x="10392636" y="18288"/>
+                </a:cubicBezTo>
+                <a:cubicBezTo>
+                  <a:pt x="10210953" y="6998"/>
+                  <a:pt x="9836277" y="-16742"/>
+                  <a:pt x="9497187" y="18288"/>
+                </a:cubicBezTo>
+                <a:cubicBezTo>
+                  <a:pt x="9158097" y="53318"/>
+                  <a:pt x="9119479" y="30714"/>
+                  <a:pt x="8818817" y="18288"/>
+                </a:cubicBezTo>
+                <a:cubicBezTo>
+                  <a:pt x="8518155" y="5863"/>
+                  <a:pt x="8640037" y="6483"/>
+                  <a:pt x="8466064" y="18288"/>
+                </a:cubicBezTo>
+                <a:cubicBezTo>
+                  <a:pt x="8292091" y="30093"/>
+                  <a:pt x="7997656" y="18914"/>
+                  <a:pt x="7787693" y="18288"/>
+                </a:cubicBezTo>
+                <a:cubicBezTo>
+                  <a:pt x="7577730" y="17662"/>
+                  <a:pt x="7412468" y="21416"/>
+                  <a:pt x="7217862" y="18288"/>
+                </a:cubicBezTo>
+                <a:cubicBezTo>
+                  <a:pt x="7023256" y="15160"/>
+                  <a:pt x="6898018" y="14824"/>
+                  <a:pt x="6648031" y="18288"/>
+                </a:cubicBezTo>
+                <a:cubicBezTo>
+                  <a:pt x="6398044" y="21752"/>
+                  <a:pt x="6254402" y="38625"/>
+                  <a:pt x="6078200" y="18288"/>
+                </a:cubicBezTo>
+                <a:cubicBezTo>
+                  <a:pt x="5901998" y="-2049"/>
+                  <a:pt x="5622886" y="3213"/>
+                  <a:pt x="5508368" y="18288"/>
+                </a:cubicBezTo>
+                <a:cubicBezTo>
+                  <a:pt x="5393850" y="33363"/>
+                  <a:pt x="5036260" y="26830"/>
+                  <a:pt x="4721459" y="18288"/>
+                </a:cubicBezTo>
+                <a:cubicBezTo>
+                  <a:pt x="4406658" y="9746"/>
+                  <a:pt x="4239221" y="41551"/>
+                  <a:pt x="4043088" y="18288"/>
+                </a:cubicBezTo>
+                <a:cubicBezTo>
+                  <a:pt x="3846955" y="-4975"/>
+                  <a:pt x="3818802" y="34658"/>
+                  <a:pt x="3690336" y="18288"/>
+                </a:cubicBezTo>
+                <a:cubicBezTo>
+                  <a:pt x="3561870" y="1918"/>
+                  <a:pt x="3265491" y="42194"/>
+                  <a:pt x="3120504" y="18288"/>
+                </a:cubicBezTo>
+                <a:cubicBezTo>
+                  <a:pt x="2975517" y="-5618"/>
+                  <a:pt x="2720254" y="36673"/>
+                  <a:pt x="2333595" y="18288"/>
+                </a:cubicBezTo>
+                <a:cubicBezTo>
+                  <a:pt x="1946936" y="-97"/>
+                  <a:pt x="2097241" y="5776"/>
+                  <a:pt x="1872303" y="18288"/>
+                </a:cubicBezTo>
+                <a:cubicBezTo>
+                  <a:pt x="1647365" y="30800"/>
+                  <a:pt x="1282708" y="45380"/>
+                  <a:pt x="976854" y="18288"/>
+                </a:cubicBezTo>
+                <a:cubicBezTo>
+                  <a:pt x="671000" y="-8804"/>
+                  <a:pt x="408401" y="-12775"/>
+                  <a:pt x="0" y="18288"/>
+                </a:cubicBezTo>
+                <a:cubicBezTo>
+                  <a:pt x="-213" y="9468"/>
+                  <a:pt x="187" y="4459"/>
+                  <a:pt x="0" y="0"/>
+                </a:cubicBezTo>
+                <a:close/>
+              </a:path>
+              <a:path w="10853928" h="18288" stroke="0" extrusionOk="0">
+                <a:moveTo>
+                  <a:pt x="0" y="0"/>
+                </a:moveTo>
+                <a:cubicBezTo>
+                  <a:pt x="267322" y="15284"/>
+                  <a:pt x="415388" y="-21048"/>
+                  <a:pt x="569831" y="0"/>
+                </a:cubicBezTo>
+                <a:cubicBezTo>
+                  <a:pt x="724274" y="21048"/>
+                  <a:pt x="769333" y="-2353"/>
+                  <a:pt x="922584" y="0"/>
+                </a:cubicBezTo>
+                <a:cubicBezTo>
+                  <a:pt x="1075835" y="2353"/>
+                  <a:pt x="1399490" y="-145"/>
+                  <a:pt x="1818033" y="0"/>
+                </a:cubicBezTo>
+                <a:cubicBezTo>
+                  <a:pt x="2236576" y="145"/>
+                  <a:pt x="2145330" y="5482"/>
+                  <a:pt x="2387864" y="0"/>
+                </a:cubicBezTo>
+                <a:cubicBezTo>
+                  <a:pt x="2630398" y="-5482"/>
+                  <a:pt x="2793207" y="18487"/>
+                  <a:pt x="2957695" y="0"/>
+                </a:cubicBezTo>
+                <a:cubicBezTo>
+                  <a:pt x="3122183" y="-18487"/>
+                  <a:pt x="3579141" y="19003"/>
+                  <a:pt x="3853144" y="0"/>
+                </a:cubicBezTo>
+                <a:cubicBezTo>
+                  <a:pt x="4127147" y="-19003"/>
+                  <a:pt x="4209857" y="12211"/>
+                  <a:pt x="4314436" y="0"/>
+                </a:cubicBezTo>
+                <a:cubicBezTo>
+                  <a:pt x="4419015" y="-12211"/>
+                  <a:pt x="4762459" y="-17220"/>
+                  <a:pt x="5209885" y="0"/>
+                </a:cubicBezTo>
+                <a:cubicBezTo>
+                  <a:pt x="5657311" y="17220"/>
+                  <a:pt x="5692663" y="-3290"/>
+                  <a:pt x="6105335" y="0"/>
+                </a:cubicBezTo>
+                <a:cubicBezTo>
+                  <a:pt x="6518007" y="3290"/>
+                  <a:pt x="6455516" y="-5124"/>
+                  <a:pt x="6783705" y="0"/>
+                </a:cubicBezTo>
+                <a:cubicBezTo>
+                  <a:pt x="7111894" y="5124"/>
+                  <a:pt x="7441941" y="-17829"/>
+                  <a:pt x="7679154" y="0"/>
+                </a:cubicBezTo>
+                <a:cubicBezTo>
+                  <a:pt x="7916367" y="17829"/>
+                  <a:pt x="8102967" y="-24363"/>
+                  <a:pt x="8248985" y="0"/>
+                </a:cubicBezTo>
+                <a:cubicBezTo>
+                  <a:pt x="8395003" y="24363"/>
+                  <a:pt x="8552393" y="25505"/>
+                  <a:pt x="8818817" y="0"/>
+                </a:cubicBezTo>
+                <a:cubicBezTo>
+                  <a:pt x="9085241" y="-25505"/>
+                  <a:pt x="9411308" y="38000"/>
+                  <a:pt x="9605726" y="0"/>
+                </a:cubicBezTo>
+                <a:cubicBezTo>
+                  <a:pt x="9800144" y="-38000"/>
+                  <a:pt x="10006468" y="-25741"/>
+                  <a:pt x="10175558" y="0"/>
+                </a:cubicBezTo>
+                <a:cubicBezTo>
+                  <a:pt x="10344648" y="25741"/>
+                  <a:pt x="10696282" y="695"/>
+                  <a:pt x="10853928" y="0"/>
+                </a:cubicBezTo>
+                <a:cubicBezTo>
+                  <a:pt x="10853521" y="8690"/>
+                  <a:pt x="10853774" y="14141"/>
+                  <a:pt x="10853928" y="18288"/>
+                </a:cubicBezTo>
+                <a:cubicBezTo>
+                  <a:pt x="10608124" y="24255"/>
+                  <a:pt x="10343415" y="22307"/>
+                  <a:pt x="10067018" y="18288"/>
+                </a:cubicBezTo>
+                <a:cubicBezTo>
+                  <a:pt x="9790621" y="14270"/>
+                  <a:pt x="9843266" y="3564"/>
+                  <a:pt x="9714266" y="18288"/>
+                </a:cubicBezTo>
+                <a:cubicBezTo>
+                  <a:pt x="9585266" y="33012"/>
+                  <a:pt x="9379484" y="1875"/>
+                  <a:pt x="9252974" y="18288"/>
+                </a:cubicBezTo>
+                <a:cubicBezTo>
+                  <a:pt x="9126464" y="34701"/>
+                  <a:pt x="8580678" y="-4904"/>
+                  <a:pt x="8357525" y="18288"/>
+                </a:cubicBezTo>
+                <a:cubicBezTo>
+                  <a:pt x="8134372" y="41480"/>
+                  <a:pt x="7903199" y="26458"/>
+                  <a:pt x="7679154" y="18288"/>
+                </a:cubicBezTo>
+                <a:cubicBezTo>
+                  <a:pt x="7455109" y="10118"/>
+                  <a:pt x="7435944" y="27109"/>
+                  <a:pt x="7217862" y="18288"/>
+                </a:cubicBezTo>
+                <a:cubicBezTo>
+                  <a:pt x="6999780" y="9467"/>
+                  <a:pt x="6680409" y="18985"/>
+                  <a:pt x="6539492" y="18288"/>
+                </a:cubicBezTo>
+                <a:cubicBezTo>
+                  <a:pt x="6398575" y="17592"/>
+                  <a:pt x="6312077" y="33018"/>
+                  <a:pt x="6186739" y="18288"/>
+                </a:cubicBezTo>
+                <a:cubicBezTo>
+                  <a:pt x="6061401" y="3558"/>
+                  <a:pt x="5947033" y="12075"/>
+                  <a:pt x="5833986" y="18288"/>
+                </a:cubicBezTo>
+                <a:cubicBezTo>
+                  <a:pt x="5720939" y="24501"/>
+                  <a:pt x="5482226" y="8586"/>
+                  <a:pt x="5155616" y="18288"/>
+                </a:cubicBezTo>
+                <a:cubicBezTo>
+                  <a:pt x="4829006" y="27991"/>
+                  <a:pt x="4841274" y="29316"/>
+                  <a:pt x="4694324" y="18288"/>
+                </a:cubicBezTo>
+                <a:cubicBezTo>
+                  <a:pt x="4547374" y="7260"/>
+                  <a:pt x="4077675" y="7013"/>
+                  <a:pt x="3907414" y="18288"/>
+                </a:cubicBezTo>
+                <a:cubicBezTo>
+                  <a:pt x="3737153" y="29564"/>
+                  <a:pt x="3538393" y="21630"/>
+                  <a:pt x="3446122" y="18288"/>
+                </a:cubicBezTo>
+                <a:cubicBezTo>
+                  <a:pt x="3353851" y="14946"/>
+                  <a:pt x="2990320" y="-8091"/>
+                  <a:pt x="2659212" y="18288"/>
+                </a:cubicBezTo>
+                <a:cubicBezTo>
+                  <a:pt x="2328104" y="44667"/>
+                  <a:pt x="2427653" y="9607"/>
+                  <a:pt x="2306460" y="18288"/>
+                </a:cubicBezTo>
+                <a:cubicBezTo>
+                  <a:pt x="2185267" y="26969"/>
+                  <a:pt x="1719763" y="3717"/>
+                  <a:pt x="1519550" y="18288"/>
+                </a:cubicBezTo>
+                <a:cubicBezTo>
+                  <a:pt x="1319337" y="32860"/>
+                  <a:pt x="1167371" y="17040"/>
+                  <a:pt x="1058258" y="18288"/>
+                </a:cubicBezTo>
+                <a:cubicBezTo>
+                  <a:pt x="949145" y="19536"/>
+                  <a:pt x="780234" y="31447"/>
+                  <a:pt x="705505" y="18288"/>
+                </a:cubicBezTo>
+                <a:cubicBezTo>
+                  <a:pt x="630776" y="5129"/>
+                  <a:pt x="215796" y="30056"/>
+                  <a:pt x="0" y="18288"/>
+                </a:cubicBezTo>
+                <a:cubicBezTo>
+                  <a:pt x="-53" y="11301"/>
+                  <a:pt x="-649" y="7756"/>
+                  <a:pt x="0" y="0"/>
+                </a:cubicBezTo>
+                <a:close/>
+              </a:path>
+            </a:pathLst>
+          </a:custGeom>
+          <a:solidFill>
+            <a:schemeClr val="accent2"/>
+          </a:solidFill>
+          <a:ln w="41275" cap="rnd">
+            <a:solidFill>
+              <a:schemeClr val="accent2"/>
+            </a:solidFill>
+            <a:round/>
+            <a:extLst>
+              <a:ext uri="{C807C97D-BFC1-408E-A445-0C87EB9F89A2}">
+                <ask:lineSketchStyleProps xmlns:ask="http://schemas.microsoft.com/office/drawing/2018/sketchyshapes" sd="1219033472">
+                  <a:prstGeom prst="rect">
+                    <a:avLst/>
+                  </a:prstGeom>
+                  <ask:type>
+                    <ask:lineSketchFreehand/>
+                  </ask:type>
+                </ask:lineSketchStyleProps>
+              </a:ext>
+            </a:extLst>
+          </a:ln>
+        </p:spPr>
+        <p:style>
+          <a:lnRef idx="2">
+            <a:schemeClr val="accent1">
+              <a:shade val="50000"/>
+            </a:schemeClr>
+          </a:lnRef>
+          <a:fillRef idx="1">
+            <a:schemeClr val="accent1"/>
+          </a:fillRef>
+          <a:effectRef idx="0">
+            <a:schemeClr val="accent1"/>
+          </a:effectRef>
+          <a:fontRef idx="minor">
+            <a:schemeClr val="lt1"/>
+          </a:fontRef>
+        </p:style>
+        <p:txBody>
+          <a:bodyPr rtlCol="0" anchor="ctr"/>
+          <a:lstStyle/>
+          <a:p>
+            <a:pPr algn="ctr"/>
+            <a:endParaRPr lang="en-US"/>
+          </a:p>
+        </p:txBody>
+      </p:sp>
+      <p:sp>
+        <p:nvSpPr>
+          <p:cNvPr id="8" name="Content Placeholder 2">
+            <a:extLst>
+              <a:ext uri="{FF2B5EF4-FFF2-40B4-BE49-F238E27FC236}">
+                <a16:creationId xmlns:a16="http://schemas.microsoft.com/office/drawing/2014/main" id="{DAACDFF4-BC0E-42D7-BBD0-7647D0FBA059}"/>
               </a:ext>
             </a:extLst>
           </p:cNvPr>
@@ -6881,19 +8709,79 @@
             <p:ph idx="1"/>
           </p:nvPr>
         </p:nvSpPr>
-        <p:spPr/>
+        <p:spPr>
+          <a:xfrm>
+            <a:off x="838200" y="1929384"/>
+            <a:ext cx="10515600" cy="4251960"/>
+          </a:xfrm>
+        </p:spPr>
         <p:txBody>
-          <a:bodyPr/>
+          <a:bodyPr>
+            <a:normAutofit/>
+          </a:bodyPr>
           <a:lstStyle/>
           <a:p>
-            <a:endParaRPr lang="en-US"/>
+            <a:r>
+              <a:rPr lang="en-US" sz="2200" dirty="0"/>
+              <a:t>Given the imbalanced nature of these data, we saw disparate accuracies when comparing the normal quality category to the rare (low, high) quality categories.</a:t>
+            </a:r>
+          </a:p>
+          <a:p>
+            <a:r>
+              <a:rPr lang="en-US" sz="2200" dirty="0"/>
+              <a:t>The SMOTE algorithm provided a methodology for </a:t>
+            </a:r>
+            <a:r>
+              <a:rPr lang="en-US" sz="2200" dirty="0" err="1"/>
+              <a:t>undersampling</a:t>
+            </a:r>
+            <a:r>
+              <a:rPr lang="en-US" sz="2200" dirty="0"/>
+              <a:t> and oversampling, which showed small improvement with </a:t>
+            </a:r>
+            <a:r>
+              <a:rPr lang="en-US" sz="2200" dirty="0" err="1"/>
+              <a:t>undersampling</a:t>
+            </a:r>
+            <a:r>
+              <a:rPr lang="en-US" sz="2200" dirty="0"/>
+              <a:t> and excellent improvement with oversampling</a:t>
+            </a:r>
+          </a:p>
+          <a:p>
+            <a:r>
+              <a:rPr lang="en-US" sz="2200" dirty="0"/>
+              <a:t>There was a small trade-off regarding accuracy of the normal quality wine with the improvement we saw in oversampling of the rare quality categories</a:t>
+            </a:r>
+          </a:p>
+          <a:p>
+            <a:r>
+              <a:rPr lang="en-US" sz="2200" dirty="0"/>
+              <a:t>Grid search of tuning parameters revealed the optimal combination </a:t>
+            </a:r>
+            <a:r>
+              <a:rPr lang="en-US" sz="2200"/>
+              <a:t>of parameters</a:t>
+            </a:r>
+            <a:endParaRPr lang="en-US" sz="2200" dirty="0"/>
+          </a:p>
+          <a:p>
+            <a:r>
+              <a:rPr lang="en-US" sz="2200" dirty="0"/>
+              <a:t>Future work consists of pursuing additional methodologies to improve the relative lack of performance with </a:t>
+            </a:r>
+            <a:r>
+              <a:rPr lang="en-US" sz="2200" dirty="0" err="1"/>
+              <a:t>undersampling</a:t>
+            </a:r>
+            <a:endParaRPr lang="en-US" sz="2200" dirty="0"/>
           </a:p>
         </p:txBody>
       </p:sp>
     </p:spTree>
     <p:extLst>
       <p:ext uri="{BB962C8B-B14F-4D97-AF65-F5344CB8AC3E}">
-        <p14:creationId xmlns:p14="http://schemas.microsoft.com/office/powerpoint/2010/main" val="1214429102"/>
+        <p14:creationId xmlns:p14="http://schemas.microsoft.com/office/powerpoint/2010/main" val="1432276014"/>
       </p:ext>
     </p:extLst>
   </p:cSld>
@@ -6903,7 +8791,7 @@
 </p:sld>
 </file>
 
-<file path=ppt/slides/slide11.xml><?xml version="1.0" encoding="utf-8"?>
+<file path=ppt/slides/slide12.xml><?xml version="1.0" encoding="utf-8"?>
 <p:sld xmlns:a="http://schemas.openxmlformats.org/drawingml/2006/main" xmlns:r="http://schemas.openxmlformats.org/officeDocument/2006/relationships" xmlns:p="http://schemas.openxmlformats.org/presentationml/2006/main">
   <p:cSld>
     <p:spTree>
@@ -7166,7 +9054,7 @@
 </p:sld>
 </file>
 
-<file path=ppt/slides/slide12.xml><?xml version="1.0" encoding="utf-8"?>
+<file path=ppt/slides/slide13.xml><?xml version="1.0" encoding="utf-8"?>
 <p:sld xmlns:a="http://schemas.openxmlformats.org/drawingml/2006/main" xmlns:r="http://schemas.openxmlformats.org/officeDocument/2006/relationships" xmlns:p="http://schemas.openxmlformats.org/presentationml/2006/main">
   <p:cSld>
     <p:bg>
@@ -9918,7 +11806,7 @@
           <a:p>
             <a:r>
               <a:rPr lang="en-US" sz="2200" dirty="0"/>
-              <a:t>Marketing campaigns are linked to the communication of quality, so the measurement of this quality is essential</a:t>
+              <a:t>Marketing campaigns and sales of wine are linked to quality attributes, and the measurement of such is essential</a:t>
             </a:r>
           </a:p>
           <a:p>
@@ -14973,6 +16861,14 @@
 <file path=ppt/slides/slide9.xml><?xml version="1.0" encoding="utf-8"?>
 <p:sld xmlns:a="http://schemas.openxmlformats.org/drawingml/2006/main" xmlns:r="http://schemas.openxmlformats.org/officeDocument/2006/relationships" xmlns:p="http://schemas.openxmlformats.org/presentationml/2006/main">
   <p:cSld>
+    <p:bg>
+      <p:bgPr>
+        <a:solidFill>
+          <a:schemeClr val="bg1"/>
+        </a:solidFill>
+        <a:effectLst/>
+      </p:bgPr>
+    </p:bg>
     <p:spTree>
       <p:nvGrpSpPr>
         <p:cNvPr id="1" name=""/>
@@ -14987,12 +16883,72 @@
           <a:chExt cx="0" cy="0"/>
         </a:xfrm>
       </p:grpSpPr>
+      <p:sp useBgFill="1">
+        <p:nvSpPr>
+          <p:cNvPr id="11" name="Rectangle 10">
+            <a:extLst>
+              <a:ext uri="{FF2B5EF4-FFF2-40B4-BE49-F238E27FC236}">
+                <a16:creationId xmlns:a16="http://schemas.microsoft.com/office/drawing/2014/main" id="{100EDD19-6802-4EC3-95CE-CFFAB042CFD6}"/>
+              </a:ext>
+              <a:ext uri="{C183D7F6-B498-43B3-948B-1728B52AA6E4}">
+                <adec:decorative xmlns:adec="http://schemas.microsoft.com/office/drawing/2017/decorative" val="1"/>
+              </a:ext>
+            </a:extLst>
+          </p:cNvPr>
+          <p:cNvSpPr>
+            <a:spLocks noGrp="1" noRot="1" noChangeAspect="1" noMove="1" noResize="1" noEditPoints="1" noAdjustHandles="1" noChangeArrowheads="1" noChangeShapeType="1" noTextEdit="1"/>
+          </p:cNvSpPr>
+          <p:nvPr>
+            <p:extLst>
+              <p:ext uri="{386F3935-93C4-4BCD-93E2-E3B085C9AB24}">
+                <p16:designElem xmlns:p16="http://schemas.microsoft.com/office/powerpoint/2015/main" val="1"/>
+              </p:ext>
+            </p:extLst>
+          </p:nvPr>
+        </p:nvSpPr>
+        <p:spPr>
+          <a:xfrm>
+            <a:off x="0" y="0"/>
+            <a:ext cx="12188952" cy="6858000"/>
+          </a:xfrm>
+          <a:prstGeom prst="rect">
+            <a:avLst/>
+          </a:prstGeom>
+          <a:ln>
+            <a:noFill/>
+          </a:ln>
+        </p:spPr>
+        <p:style>
+          <a:lnRef idx="2">
+            <a:schemeClr val="accent1">
+              <a:shade val="50000"/>
+            </a:schemeClr>
+          </a:lnRef>
+          <a:fillRef idx="1">
+            <a:schemeClr val="accent1"/>
+          </a:fillRef>
+          <a:effectRef idx="0">
+            <a:schemeClr val="accent1"/>
+          </a:effectRef>
+          <a:fontRef idx="minor">
+            <a:schemeClr val="lt1"/>
+          </a:fontRef>
+        </p:style>
+        <p:txBody>
+          <a:bodyPr rtlCol="0" anchor="ctr"/>
+          <a:lstStyle/>
+          <a:p>
+            <a:pPr algn="ctr"/>
+            <a:endParaRPr lang="en-US"/>
+          </a:p>
+        </p:txBody>
+      </p:sp>
       <p:sp>
         <p:nvSpPr>
           <p:cNvPr id="2" name="Title 1">
             <a:extLst>
               <a:ext uri="{FF2B5EF4-FFF2-40B4-BE49-F238E27FC236}">
-                <a16:creationId xmlns:a16="http://schemas.microsoft.com/office/drawing/2014/main" id="{779B7007-97E4-40FB-87E6-22E3166854F1}"/>
+                <a16:creationId xmlns:a16="http://schemas.microsoft.com/office/drawing/2014/main" id="{EABAB166-3C39-43D1-8F8B-9DB2DEE2352F}"/>
               </a:ext>
             </a:extLst>
           </p:cNvPr>
@@ -15003,24 +16959,699 @@
             <p:ph type="title"/>
           </p:nvPr>
         </p:nvSpPr>
-        <p:spPr/>
+        <p:spPr>
+          <a:xfrm>
+            <a:off x="838200" y="365125"/>
+            <a:ext cx="10515600" cy="1325563"/>
+          </a:xfrm>
+        </p:spPr>
         <p:txBody>
-          <a:bodyPr/>
+          <a:bodyPr>
+            <a:normAutofit/>
+          </a:bodyPr>
           <a:lstStyle/>
           <a:p>
             <a:r>
-              <a:rPr lang="en-US" dirty="0"/>
-              <a:t>Results (Sarah)</a:t>
+              <a:rPr lang="en-US" sz="5400" dirty="0"/>
+              <a:t>Results: Accuracy</a:t>
             </a:r>
           </a:p>
         </p:txBody>
       </p:sp>
       <p:sp>
         <p:nvSpPr>
-          <p:cNvPr id="3" name="Content Placeholder 2">
+          <p:cNvPr id="13" name="sketch line">
             <a:extLst>
               <a:ext uri="{FF2B5EF4-FFF2-40B4-BE49-F238E27FC236}">
-                <a16:creationId xmlns:a16="http://schemas.microsoft.com/office/drawing/2014/main" id="{1F15F299-8ABB-4484-B018-9D2F77E28183}"/>
+                <a16:creationId xmlns:a16="http://schemas.microsoft.com/office/drawing/2014/main" id="{DB17E863-922E-4C26-BD64-E8FD41D28661}"/>
+              </a:ext>
+              <a:ext uri="{C183D7F6-B498-43B3-948B-1728B52AA6E4}">
+                <adec:decorative xmlns:adec="http://schemas.microsoft.com/office/drawing/2017/decorative" val="1"/>
+              </a:ext>
+            </a:extLst>
+          </p:cNvPr>
+          <p:cNvSpPr>
+            <a:spLocks noGrp="1" noRot="1" noChangeAspect="1" noMove="1" noResize="1" noEditPoints="1" noAdjustHandles="1" noChangeArrowheads="1" noChangeShapeType="1" noTextEdit="1"/>
+          </p:cNvSpPr>
+          <p:nvPr>
+            <p:extLst>
+              <p:ext uri="{386F3935-93C4-4BCD-93E2-E3B085C9AB24}">
+                <p16:designElem xmlns:p16="http://schemas.microsoft.com/office/powerpoint/2015/main" val="1"/>
+              </p:ext>
+            </p:extLst>
+          </p:nvPr>
+        </p:nvSpPr>
+        <p:spPr>
+          <a:xfrm>
+            <a:off x="669036" y="1677373"/>
+            <a:ext cx="10853928" cy="18288"/>
+          </a:xfrm>
+          <a:custGeom>
+            <a:avLst/>
+            <a:gdLst>
+              <a:gd name="connsiteX0" fmla="*/ 0 w 10853928"/>
+              <a:gd name="connsiteY0" fmla="*/ 0 h 18288"/>
+              <a:gd name="connsiteX1" fmla="*/ 461292 w 10853928"/>
+              <a:gd name="connsiteY1" fmla="*/ 0 h 18288"/>
+              <a:gd name="connsiteX2" fmla="*/ 1139662 w 10853928"/>
+              <a:gd name="connsiteY2" fmla="*/ 0 h 18288"/>
+              <a:gd name="connsiteX3" fmla="*/ 1926572 w 10853928"/>
+              <a:gd name="connsiteY3" fmla="*/ 0 h 18288"/>
+              <a:gd name="connsiteX4" fmla="*/ 2279325 w 10853928"/>
+              <a:gd name="connsiteY4" fmla="*/ 0 h 18288"/>
+              <a:gd name="connsiteX5" fmla="*/ 2632078 w 10853928"/>
+              <a:gd name="connsiteY5" fmla="*/ 0 h 18288"/>
+              <a:gd name="connsiteX6" fmla="*/ 3527527 w 10853928"/>
+              <a:gd name="connsiteY6" fmla="*/ 0 h 18288"/>
+              <a:gd name="connsiteX7" fmla="*/ 4205897 w 10853928"/>
+              <a:gd name="connsiteY7" fmla="*/ 0 h 18288"/>
+              <a:gd name="connsiteX8" fmla="*/ 4558650 w 10853928"/>
+              <a:gd name="connsiteY8" fmla="*/ 0 h 18288"/>
+              <a:gd name="connsiteX9" fmla="*/ 5237020 w 10853928"/>
+              <a:gd name="connsiteY9" fmla="*/ 0 h 18288"/>
+              <a:gd name="connsiteX10" fmla="*/ 6132469 w 10853928"/>
+              <a:gd name="connsiteY10" fmla="*/ 0 h 18288"/>
+              <a:gd name="connsiteX11" fmla="*/ 6702301 w 10853928"/>
+              <a:gd name="connsiteY11" fmla="*/ 0 h 18288"/>
+              <a:gd name="connsiteX12" fmla="*/ 7272132 w 10853928"/>
+              <a:gd name="connsiteY12" fmla="*/ 0 h 18288"/>
+              <a:gd name="connsiteX13" fmla="*/ 7950502 w 10853928"/>
+              <a:gd name="connsiteY13" fmla="*/ 0 h 18288"/>
+              <a:gd name="connsiteX14" fmla="*/ 8737412 w 10853928"/>
+              <a:gd name="connsiteY14" fmla="*/ 0 h 18288"/>
+              <a:gd name="connsiteX15" fmla="*/ 9524322 w 10853928"/>
+              <a:gd name="connsiteY15" fmla="*/ 0 h 18288"/>
+              <a:gd name="connsiteX16" fmla="*/ 10853928 w 10853928"/>
+              <a:gd name="connsiteY16" fmla="*/ 0 h 18288"/>
+              <a:gd name="connsiteX17" fmla="*/ 10853928 w 10853928"/>
+              <a:gd name="connsiteY17" fmla="*/ 18288 h 18288"/>
+              <a:gd name="connsiteX18" fmla="*/ 10392636 w 10853928"/>
+              <a:gd name="connsiteY18" fmla="*/ 18288 h 18288"/>
+              <a:gd name="connsiteX19" fmla="*/ 9497187 w 10853928"/>
+              <a:gd name="connsiteY19" fmla="*/ 18288 h 18288"/>
+              <a:gd name="connsiteX20" fmla="*/ 8818817 w 10853928"/>
+              <a:gd name="connsiteY20" fmla="*/ 18288 h 18288"/>
+              <a:gd name="connsiteX21" fmla="*/ 8466064 w 10853928"/>
+              <a:gd name="connsiteY21" fmla="*/ 18288 h 18288"/>
+              <a:gd name="connsiteX22" fmla="*/ 7787693 w 10853928"/>
+              <a:gd name="connsiteY22" fmla="*/ 18288 h 18288"/>
+              <a:gd name="connsiteX23" fmla="*/ 7217862 w 10853928"/>
+              <a:gd name="connsiteY23" fmla="*/ 18288 h 18288"/>
+              <a:gd name="connsiteX24" fmla="*/ 6648031 w 10853928"/>
+              <a:gd name="connsiteY24" fmla="*/ 18288 h 18288"/>
+              <a:gd name="connsiteX25" fmla="*/ 6078200 w 10853928"/>
+              <a:gd name="connsiteY25" fmla="*/ 18288 h 18288"/>
+              <a:gd name="connsiteX26" fmla="*/ 5508368 w 10853928"/>
+              <a:gd name="connsiteY26" fmla="*/ 18288 h 18288"/>
+              <a:gd name="connsiteX27" fmla="*/ 4721459 w 10853928"/>
+              <a:gd name="connsiteY27" fmla="*/ 18288 h 18288"/>
+              <a:gd name="connsiteX28" fmla="*/ 4043088 w 10853928"/>
+              <a:gd name="connsiteY28" fmla="*/ 18288 h 18288"/>
+              <a:gd name="connsiteX29" fmla="*/ 3690336 w 10853928"/>
+              <a:gd name="connsiteY29" fmla="*/ 18288 h 18288"/>
+              <a:gd name="connsiteX30" fmla="*/ 3120504 w 10853928"/>
+              <a:gd name="connsiteY30" fmla="*/ 18288 h 18288"/>
+              <a:gd name="connsiteX31" fmla="*/ 2333595 w 10853928"/>
+              <a:gd name="connsiteY31" fmla="*/ 18288 h 18288"/>
+              <a:gd name="connsiteX32" fmla="*/ 1872303 w 10853928"/>
+              <a:gd name="connsiteY32" fmla="*/ 18288 h 18288"/>
+              <a:gd name="connsiteX33" fmla="*/ 976854 w 10853928"/>
+              <a:gd name="connsiteY33" fmla="*/ 18288 h 18288"/>
+              <a:gd name="connsiteX34" fmla="*/ 0 w 10853928"/>
+              <a:gd name="connsiteY34" fmla="*/ 18288 h 18288"/>
+              <a:gd name="connsiteX35" fmla="*/ 0 w 10853928"/>
+              <a:gd name="connsiteY35" fmla="*/ 0 h 18288"/>
+            </a:gdLst>
+            <a:ahLst/>
+            <a:cxnLst>
+              <a:cxn ang="0">
+                <a:pos x="connsiteX0" y="connsiteY0"/>
+              </a:cxn>
+              <a:cxn ang="0">
+                <a:pos x="connsiteX1" y="connsiteY1"/>
+              </a:cxn>
+              <a:cxn ang="0">
+                <a:pos x="connsiteX2" y="connsiteY2"/>
+              </a:cxn>
+              <a:cxn ang="0">
+                <a:pos x="connsiteX3" y="connsiteY3"/>
+              </a:cxn>
+              <a:cxn ang="0">
+                <a:pos x="connsiteX4" y="connsiteY4"/>
+              </a:cxn>
+              <a:cxn ang="0">
+                <a:pos x="connsiteX5" y="connsiteY5"/>
+              </a:cxn>
+              <a:cxn ang="0">
+                <a:pos x="connsiteX6" y="connsiteY6"/>
+              </a:cxn>
+              <a:cxn ang="0">
+                <a:pos x="connsiteX7" y="connsiteY7"/>
+              </a:cxn>
+              <a:cxn ang="0">
+                <a:pos x="connsiteX8" y="connsiteY8"/>
+              </a:cxn>
+              <a:cxn ang="0">
+                <a:pos x="connsiteX9" y="connsiteY9"/>
+              </a:cxn>
+              <a:cxn ang="0">
+                <a:pos x="connsiteX10" y="connsiteY10"/>
+              </a:cxn>
+              <a:cxn ang="0">
+                <a:pos x="connsiteX11" y="connsiteY11"/>
+              </a:cxn>
+              <a:cxn ang="0">
+                <a:pos x="connsiteX12" y="connsiteY12"/>
+              </a:cxn>
+              <a:cxn ang="0">
+                <a:pos x="connsiteX13" y="connsiteY13"/>
+              </a:cxn>
+              <a:cxn ang="0">
+                <a:pos x="connsiteX14" y="connsiteY14"/>
+              </a:cxn>
+              <a:cxn ang="0">
+                <a:pos x="connsiteX15" y="connsiteY15"/>
+              </a:cxn>
+              <a:cxn ang="0">
+                <a:pos x="connsiteX16" y="connsiteY16"/>
+              </a:cxn>
+              <a:cxn ang="0">
+                <a:pos x="connsiteX17" y="connsiteY17"/>
+              </a:cxn>
+              <a:cxn ang="0">
+                <a:pos x="connsiteX18" y="connsiteY18"/>
+              </a:cxn>
+              <a:cxn ang="0">
+                <a:pos x="connsiteX19" y="connsiteY19"/>
+              </a:cxn>
+              <a:cxn ang="0">
+                <a:pos x="connsiteX20" y="connsiteY20"/>
+              </a:cxn>
+              <a:cxn ang="0">
+                <a:pos x="connsiteX21" y="connsiteY21"/>
+              </a:cxn>
+              <a:cxn ang="0">
+                <a:pos x="connsiteX22" y="connsiteY22"/>
+              </a:cxn>
+              <a:cxn ang="0">
+                <a:pos x="connsiteX23" y="connsiteY23"/>
+              </a:cxn>
+              <a:cxn ang="0">
+                <a:pos x="connsiteX24" y="connsiteY24"/>
+              </a:cxn>
+              <a:cxn ang="0">
+                <a:pos x="connsiteX25" y="connsiteY25"/>
+              </a:cxn>
+              <a:cxn ang="0">
+                <a:pos x="connsiteX26" y="connsiteY26"/>
+              </a:cxn>
+              <a:cxn ang="0">
+                <a:pos x="connsiteX27" y="connsiteY27"/>
+              </a:cxn>
+              <a:cxn ang="0">
+                <a:pos x="connsiteX28" y="connsiteY28"/>
+              </a:cxn>
+              <a:cxn ang="0">
+                <a:pos x="connsiteX29" y="connsiteY29"/>
+              </a:cxn>
+              <a:cxn ang="0">
+                <a:pos x="connsiteX30" y="connsiteY30"/>
+              </a:cxn>
+              <a:cxn ang="0">
+                <a:pos x="connsiteX31" y="connsiteY31"/>
+              </a:cxn>
+              <a:cxn ang="0">
+                <a:pos x="connsiteX32" y="connsiteY32"/>
+              </a:cxn>
+              <a:cxn ang="0">
+                <a:pos x="connsiteX33" y="connsiteY33"/>
+              </a:cxn>
+              <a:cxn ang="0">
+                <a:pos x="connsiteX34" y="connsiteY34"/>
+              </a:cxn>
+              <a:cxn ang="0">
+                <a:pos x="connsiteX35" y="connsiteY35"/>
+              </a:cxn>
+            </a:cxnLst>
+            <a:rect l="l" t="t" r="r" b="b"/>
+            <a:pathLst>
+              <a:path w="10853928" h="18288" fill="none" extrusionOk="0">
+                <a:moveTo>
+                  <a:pt x="0" y="0"/>
+                </a:moveTo>
+                <a:cubicBezTo>
+                  <a:pt x="146993" y="-19076"/>
+                  <a:pt x="347684" y="-4790"/>
+                  <a:pt x="461292" y="0"/>
+                </a:cubicBezTo>
+                <a:cubicBezTo>
+                  <a:pt x="574900" y="4790"/>
+                  <a:pt x="808367" y="19821"/>
+                  <a:pt x="1139662" y="0"/>
+                </a:cubicBezTo>
+                <a:cubicBezTo>
+                  <a:pt x="1470957" y="-19821"/>
+                  <a:pt x="1627405" y="5721"/>
+                  <a:pt x="1926572" y="0"/>
+                </a:cubicBezTo>
+                <a:cubicBezTo>
+                  <a:pt x="2225739" y="-5721"/>
+                  <a:pt x="2137730" y="-3235"/>
+                  <a:pt x="2279325" y="0"/>
+                </a:cubicBezTo>
+                <a:cubicBezTo>
+                  <a:pt x="2420920" y="3235"/>
+                  <a:pt x="2456518" y="9685"/>
+                  <a:pt x="2632078" y="0"/>
+                </a:cubicBezTo>
+                <a:cubicBezTo>
+                  <a:pt x="2807638" y="-9685"/>
+                  <a:pt x="3211516" y="-43007"/>
+                  <a:pt x="3527527" y="0"/>
+                </a:cubicBezTo>
+                <a:cubicBezTo>
+                  <a:pt x="3843538" y="43007"/>
+                  <a:pt x="4058833" y="22042"/>
+                  <a:pt x="4205897" y="0"/>
+                </a:cubicBezTo>
+                <a:cubicBezTo>
+                  <a:pt x="4352961" y="-22042"/>
+                  <a:pt x="4474805" y="-11846"/>
+                  <a:pt x="4558650" y="0"/>
+                </a:cubicBezTo>
+                <a:cubicBezTo>
+                  <a:pt x="4642495" y="11846"/>
+                  <a:pt x="5041928" y="-6069"/>
+                  <a:pt x="5237020" y="0"/>
+                </a:cubicBezTo>
+                <a:cubicBezTo>
+                  <a:pt x="5432112" y="6069"/>
+                  <a:pt x="5943266" y="-17479"/>
+                  <a:pt x="6132469" y="0"/>
+                </a:cubicBezTo>
+                <a:cubicBezTo>
+                  <a:pt x="6321672" y="17479"/>
+                  <a:pt x="6483872" y="26234"/>
+                  <a:pt x="6702301" y="0"/>
+                </a:cubicBezTo>
+                <a:cubicBezTo>
+                  <a:pt x="6920730" y="-26234"/>
+                  <a:pt x="6991194" y="-15156"/>
+                  <a:pt x="7272132" y="0"/>
+                </a:cubicBezTo>
+                <a:cubicBezTo>
+                  <a:pt x="7553070" y="15156"/>
+                  <a:pt x="7684444" y="-32961"/>
+                  <a:pt x="7950502" y="0"/>
+                </a:cubicBezTo>
+                <a:cubicBezTo>
+                  <a:pt x="8216560" y="32961"/>
+                  <a:pt x="8493290" y="-10491"/>
+                  <a:pt x="8737412" y="0"/>
+                </a:cubicBezTo>
+                <a:cubicBezTo>
+                  <a:pt x="8981534" y="10491"/>
+                  <a:pt x="9191586" y="-13899"/>
+                  <a:pt x="9524322" y="0"/>
+                </a:cubicBezTo>
+                <a:cubicBezTo>
+                  <a:pt x="9857058" y="13899"/>
+                  <a:pt x="10297509" y="7485"/>
+                  <a:pt x="10853928" y="0"/>
+                </a:cubicBezTo>
+                <a:cubicBezTo>
+                  <a:pt x="10854574" y="4451"/>
+                  <a:pt x="10854418" y="9226"/>
+                  <a:pt x="10853928" y="18288"/>
+                </a:cubicBezTo>
+                <a:cubicBezTo>
+                  <a:pt x="10691638" y="28522"/>
+                  <a:pt x="10574319" y="29578"/>
+                  <a:pt x="10392636" y="18288"/>
+                </a:cubicBezTo>
+                <a:cubicBezTo>
+                  <a:pt x="10210953" y="6998"/>
+                  <a:pt x="9836277" y="-16742"/>
+                  <a:pt x="9497187" y="18288"/>
+                </a:cubicBezTo>
+                <a:cubicBezTo>
+                  <a:pt x="9158097" y="53318"/>
+                  <a:pt x="9119479" y="30714"/>
+                  <a:pt x="8818817" y="18288"/>
+                </a:cubicBezTo>
+                <a:cubicBezTo>
+                  <a:pt x="8518155" y="5863"/>
+                  <a:pt x="8640037" y="6483"/>
+                  <a:pt x="8466064" y="18288"/>
+                </a:cubicBezTo>
+                <a:cubicBezTo>
+                  <a:pt x="8292091" y="30093"/>
+                  <a:pt x="7997656" y="18914"/>
+                  <a:pt x="7787693" y="18288"/>
+                </a:cubicBezTo>
+                <a:cubicBezTo>
+                  <a:pt x="7577730" y="17662"/>
+                  <a:pt x="7412468" y="21416"/>
+                  <a:pt x="7217862" y="18288"/>
+                </a:cubicBezTo>
+                <a:cubicBezTo>
+                  <a:pt x="7023256" y="15160"/>
+                  <a:pt x="6898018" y="14824"/>
+                  <a:pt x="6648031" y="18288"/>
+                </a:cubicBezTo>
+                <a:cubicBezTo>
+                  <a:pt x="6398044" y="21752"/>
+                  <a:pt x="6254402" y="38625"/>
+                  <a:pt x="6078200" y="18288"/>
+                </a:cubicBezTo>
+                <a:cubicBezTo>
+                  <a:pt x="5901998" y="-2049"/>
+                  <a:pt x="5622886" y="3213"/>
+                  <a:pt x="5508368" y="18288"/>
+                </a:cubicBezTo>
+                <a:cubicBezTo>
+                  <a:pt x="5393850" y="33363"/>
+                  <a:pt x="5036260" y="26830"/>
+                  <a:pt x="4721459" y="18288"/>
+                </a:cubicBezTo>
+                <a:cubicBezTo>
+                  <a:pt x="4406658" y="9746"/>
+                  <a:pt x="4239221" y="41551"/>
+                  <a:pt x="4043088" y="18288"/>
+                </a:cubicBezTo>
+                <a:cubicBezTo>
+                  <a:pt x="3846955" y="-4975"/>
+                  <a:pt x="3818802" y="34658"/>
+                  <a:pt x="3690336" y="18288"/>
+                </a:cubicBezTo>
+                <a:cubicBezTo>
+                  <a:pt x="3561870" y="1918"/>
+                  <a:pt x="3265491" y="42194"/>
+                  <a:pt x="3120504" y="18288"/>
+                </a:cubicBezTo>
+                <a:cubicBezTo>
+                  <a:pt x="2975517" y="-5618"/>
+                  <a:pt x="2720254" y="36673"/>
+                  <a:pt x="2333595" y="18288"/>
+                </a:cubicBezTo>
+                <a:cubicBezTo>
+                  <a:pt x="1946936" y="-97"/>
+                  <a:pt x="2097241" y="5776"/>
+                  <a:pt x="1872303" y="18288"/>
+                </a:cubicBezTo>
+                <a:cubicBezTo>
+                  <a:pt x="1647365" y="30800"/>
+                  <a:pt x="1282708" y="45380"/>
+                  <a:pt x="976854" y="18288"/>
+                </a:cubicBezTo>
+                <a:cubicBezTo>
+                  <a:pt x="671000" y="-8804"/>
+                  <a:pt x="408401" y="-12775"/>
+                  <a:pt x="0" y="18288"/>
+                </a:cubicBezTo>
+                <a:cubicBezTo>
+                  <a:pt x="-213" y="9468"/>
+                  <a:pt x="187" y="4459"/>
+                  <a:pt x="0" y="0"/>
+                </a:cubicBezTo>
+                <a:close/>
+              </a:path>
+              <a:path w="10853928" h="18288" stroke="0" extrusionOk="0">
+                <a:moveTo>
+                  <a:pt x="0" y="0"/>
+                </a:moveTo>
+                <a:cubicBezTo>
+                  <a:pt x="267322" y="15284"/>
+                  <a:pt x="415388" y="-21048"/>
+                  <a:pt x="569831" y="0"/>
+                </a:cubicBezTo>
+                <a:cubicBezTo>
+                  <a:pt x="724274" y="21048"/>
+                  <a:pt x="769333" y="-2353"/>
+                  <a:pt x="922584" y="0"/>
+                </a:cubicBezTo>
+                <a:cubicBezTo>
+                  <a:pt x="1075835" y="2353"/>
+                  <a:pt x="1399490" y="-145"/>
+                  <a:pt x="1818033" y="0"/>
+                </a:cubicBezTo>
+                <a:cubicBezTo>
+                  <a:pt x="2236576" y="145"/>
+                  <a:pt x="2145330" y="5482"/>
+                  <a:pt x="2387864" y="0"/>
+                </a:cubicBezTo>
+                <a:cubicBezTo>
+                  <a:pt x="2630398" y="-5482"/>
+                  <a:pt x="2793207" y="18487"/>
+                  <a:pt x="2957695" y="0"/>
+                </a:cubicBezTo>
+                <a:cubicBezTo>
+                  <a:pt x="3122183" y="-18487"/>
+                  <a:pt x="3579141" y="19003"/>
+                  <a:pt x="3853144" y="0"/>
+                </a:cubicBezTo>
+                <a:cubicBezTo>
+                  <a:pt x="4127147" y="-19003"/>
+                  <a:pt x="4209857" y="12211"/>
+                  <a:pt x="4314436" y="0"/>
+                </a:cubicBezTo>
+                <a:cubicBezTo>
+                  <a:pt x="4419015" y="-12211"/>
+                  <a:pt x="4762459" y="-17220"/>
+                  <a:pt x="5209885" y="0"/>
+                </a:cubicBezTo>
+                <a:cubicBezTo>
+                  <a:pt x="5657311" y="17220"/>
+                  <a:pt x="5692663" y="-3290"/>
+                  <a:pt x="6105335" y="0"/>
+                </a:cubicBezTo>
+                <a:cubicBezTo>
+                  <a:pt x="6518007" y="3290"/>
+                  <a:pt x="6455516" y="-5124"/>
+                  <a:pt x="6783705" y="0"/>
+                </a:cubicBezTo>
+                <a:cubicBezTo>
+                  <a:pt x="7111894" y="5124"/>
+                  <a:pt x="7441941" y="-17829"/>
+                  <a:pt x="7679154" y="0"/>
+                </a:cubicBezTo>
+                <a:cubicBezTo>
+                  <a:pt x="7916367" y="17829"/>
+                  <a:pt x="8102967" y="-24363"/>
+                  <a:pt x="8248985" y="0"/>
+                </a:cubicBezTo>
+                <a:cubicBezTo>
+                  <a:pt x="8395003" y="24363"/>
+                  <a:pt x="8552393" y="25505"/>
+                  <a:pt x="8818817" y="0"/>
+                </a:cubicBezTo>
+                <a:cubicBezTo>
+                  <a:pt x="9085241" y="-25505"/>
+                  <a:pt x="9411308" y="38000"/>
+                  <a:pt x="9605726" y="0"/>
+                </a:cubicBezTo>
+                <a:cubicBezTo>
+                  <a:pt x="9800144" y="-38000"/>
+                  <a:pt x="10006468" y="-25741"/>
+                  <a:pt x="10175558" y="0"/>
+                </a:cubicBezTo>
+                <a:cubicBezTo>
+                  <a:pt x="10344648" y="25741"/>
+                  <a:pt x="10696282" y="695"/>
+                  <a:pt x="10853928" y="0"/>
+                </a:cubicBezTo>
+                <a:cubicBezTo>
+                  <a:pt x="10853521" y="8690"/>
+                  <a:pt x="10853774" y="14141"/>
+                  <a:pt x="10853928" y="18288"/>
+                </a:cubicBezTo>
+                <a:cubicBezTo>
+                  <a:pt x="10608124" y="24255"/>
+                  <a:pt x="10343415" y="22307"/>
+                  <a:pt x="10067018" y="18288"/>
+                </a:cubicBezTo>
+                <a:cubicBezTo>
+                  <a:pt x="9790621" y="14270"/>
+                  <a:pt x="9843266" y="3564"/>
+                  <a:pt x="9714266" y="18288"/>
+                </a:cubicBezTo>
+                <a:cubicBezTo>
+                  <a:pt x="9585266" y="33012"/>
+                  <a:pt x="9379484" y="1875"/>
+                  <a:pt x="9252974" y="18288"/>
+                </a:cubicBezTo>
+                <a:cubicBezTo>
+                  <a:pt x="9126464" y="34701"/>
+                  <a:pt x="8580678" y="-4904"/>
+                  <a:pt x="8357525" y="18288"/>
+                </a:cubicBezTo>
+                <a:cubicBezTo>
+                  <a:pt x="8134372" y="41480"/>
+                  <a:pt x="7903199" y="26458"/>
+                  <a:pt x="7679154" y="18288"/>
+                </a:cubicBezTo>
+                <a:cubicBezTo>
+                  <a:pt x="7455109" y="10118"/>
+                  <a:pt x="7435944" y="27109"/>
+                  <a:pt x="7217862" y="18288"/>
+                </a:cubicBezTo>
+                <a:cubicBezTo>
+                  <a:pt x="6999780" y="9467"/>
+                  <a:pt x="6680409" y="18985"/>
+                  <a:pt x="6539492" y="18288"/>
+                </a:cubicBezTo>
+                <a:cubicBezTo>
+                  <a:pt x="6398575" y="17592"/>
+                  <a:pt x="6312077" y="33018"/>
+                  <a:pt x="6186739" y="18288"/>
+                </a:cubicBezTo>
+                <a:cubicBezTo>
+                  <a:pt x="6061401" y="3558"/>
+                  <a:pt x="5947033" y="12075"/>
+                  <a:pt x="5833986" y="18288"/>
+                </a:cubicBezTo>
+                <a:cubicBezTo>
+                  <a:pt x="5720939" y="24501"/>
+                  <a:pt x="5482226" y="8586"/>
+                  <a:pt x="5155616" y="18288"/>
+                </a:cubicBezTo>
+                <a:cubicBezTo>
+                  <a:pt x="4829006" y="27991"/>
+                  <a:pt x="4841274" y="29316"/>
+                  <a:pt x="4694324" y="18288"/>
+                </a:cubicBezTo>
+                <a:cubicBezTo>
+                  <a:pt x="4547374" y="7260"/>
+                  <a:pt x="4077675" y="7013"/>
+                  <a:pt x="3907414" y="18288"/>
+                </a:cubicBezTo>
+                <a:cubicBezTo>
+                  <a:pt x="3737153" y="29564"/>
+                  <a:pt x="3538393" y="21630"/>
+                  <a:pt x="3446122" y="18288"/>
+                </a:cubicBezTo>
+                <a:cubicBezTo>
+                  <a:pt x="3353851" y="14946"/>
+                  <a:pt x="2990320" y="-8091"/>
+                  <a:pt x="2659212" y="18288"/>
+                </a:cubicBezTo>
+                <a:cubicBezTo>
+                  <a:pt x="2328104" y="44667"/>
+                  <a:pt x="2427653" y="9607"/>
+                  <a:pt x="2306460" y="18288"/>
+                </a:cubicBezTo>
+                <a:cubicBezTo>
+                  <a:pt x="2185267" y="26969"/>
+                  <a:pt x="1719763" y="3717"/>
+                  <a:pt x="1519550" y="18288"/>
+                </a:cubicBezTo>
+                <a:cubicBezTo>
+                  <a:pt x="1319337" y="32860"/>
+                  <a:pt x="1167371" y="17040"/>
+                  <a:pt x="1058258" y="18288"/>
+                </a:cubicBezTo>
+                <a:cubicBezTo>
+                  <a:pt x="949145" y="19536"/>
+                  <a:pt x="780234" y="31447"/>
+                  <a:pt x="705505" y="18288"/>
+                </a:cubicBezTo>
+                <a:cubicBezTo>
+                  <a:pt x="630776" y="5129"/>
+                  <a:pt x="215796" y="30056"/>
+                  <a:pt x="0" y="18288"/>
+                </a:cubicBezTo>
+                <a:cubicBezTo>
+                  <a:pt x="-53" y="11301"/>
+                  <a:pt x="-649" y="7756"/>
+                  <a:pt x="0" y="0"/>
+                </a:cubicBezTo>
+                <a:close/>
+              </a:path>
+            </a:pathLst>
+          </a:custGeom>
+          <a:solidFill>
+            <a:schemeClr val="accent2"/>
+          </a:solidFill>
+          <a:ln w="41275" cap="rnd">
+            <a:solidFill>
+              <a:schemeClr val="accent2"/>
+            </a:solidFill>
+            <a:round/>
+            <a:extLst>
+              <a:ext uri="{C807C97D-BFC1-408E-A445-0C87EB9F89A2}">
+                <ask:lineSketchStyleProps xmlns:ask="http://schemas.microsoft.com/office/drawing/2018/sketchyshapes" sd="1219033472">
+                  <a:prstGeom prst="rect">
+                    <a:avLst/>
+                  </a:prstGeom>
+                  <ask:type>
+                    <ask:lineSketchFreehand/>
+                  </ask:type>
+                </ask:lineSketchStyleProps>
+              </a:ext>
+            </a:extLst>
+          </a:ln>
+        </p:spPr>
+        <p:style>
+          <a:lnRef idx="2">
+            <a:schemeClr val="accent1">
+              <a:shade val="50000"/>
+            </a:schemeClr>
+          </a:lnRef>
+          <a:fillRef idx="1">
+            <a:schemeClr val="accent1"/>
+          </a:fillRef>
+          <a:effectRef idx="0">
+            <a:schemeClr val="accent1"/>
+          </a:effectRef>
+          <a:fontRef idx="minor">
+            <a:schemeClr val="lt1"/>
+          </a:fontRef>
+        </p:style>
+        <p:txBody>
+          <a:bodyPr rtlCol="0" anchor="ctr"/>
+          <a:lstStyle/>
+          <a:p>
+            <a:pPr algn="ctr"/>
+            <a:endParaRPr lang="en-US"/>
+          </a:p>
+        </p:txBody>
+      </p:sp>
+      <p:pic>
+        <p:nvPicPr>
+          <p:cNvPr id="6" name="Picture 5">
+            <a:extLst>
+              <a:ext uri="{FF2B5EF4-FFF2-40B4-BE49-F238E27FC236}">
+                <a16:creationId xmlns:a16="http://schemas.microsoft.com/office/drawing/2014/main" id="{05A44FFB-595E-4484-81FA-6F32B7C8D0EF}"/>
+              </a:ext>
+            </a:extLst>
+          </p:cNvPr>
+          <p:cNvPicPr>
+            <a:picLocks noChangeAspect="1"/>
+          </p:cNvPicPr>
+          <p:nvPr/>
+        </p:nvPicPr>
+        <p:blipFill>
+          <a:blip r:embed="rId3"/>
+          <a:stretch>
+            <a:fillRect/>
+          </a:stretch>
+        </p:blipFill>
+        <p:spPr>
+          <a:xfrm>
+            <a:off x="5271720" y="1886439"/>
+            <a:ext cx="6251244" cy="4974048"/>
+          </a:xfrm>
+          <a:prstGeom prst="rect">
+            <a:avLst/>
+          </a:prstGeom>
+        </p:spPr>
+      </p:pic>
+      <p:sp>
+        <p:nvSpPr>
+          <p:cNvPr id="9" name="Content Placeholder 2">
+            <a:extLst>
+              <a:ext uri="{FF2B5EF4-FFF2-40B4-BE49-F238E27FC236}">
+                <a16:creationId xmlns:a16="http://schemas.microsoft.com/office/drawing/2014/main" id="{CAE6F437-A269-472C-A5CA-AF18F6D7D634}"/>
               </a:ext>
             </a:extLst>
           </p:cNvPr>
@@ -15033,58 +17664,69 @@
         </p:nvSpPr>
         <p:spPr>
           <a:xfrm>
-            <a:off x="838200" y="1825625"/>
-            <a:ext cx="2924175" cy="4351338"/>
+            <a:off x="844767" y="2055813"/>
+            <a:ext cx="4265851" cy="4351338"/>
           </a:xfrm>
         </p:spPr>
         <p:txBody>
           <a:bodyPr/>
           <a:lstStyle/>
           <a:p>
-            <a:endParaRPr lang="en-US" dirty="0"/>
+            <a:r>
+              <a:rPr lang="en-US" sz="2200" dirty="0"/>
+              <a:t>For the </a:t>
+            </a:r>
+            <a:r>
+              <a:rPr lang="en-US" sz="2200" b="1" dirty="0"/>
+              <a:t>overall data:</a:t>
+            </a:r>
+            <a:r>
+              <a:rPr lang="en-US" sz="2200" dirty="0"/>
+              <a:t> all methods performed relatively well; oversampling had excellent results whereas </a:t>
+            </a:r>
+            <a:r>
+              <a:rPr lang="en-US" sz="2200" dirty="0" err="1"/>
+              <a:t>undersampling</a:t>
+            </a:r>
+            <a:r>
+              <a:rPr lang="en-US" sz="2200" dirty="0"/>
+              <a:t> did not</a:t>
+            </a:r>
+          </a:p>
+          <a:p>
+            <a:r>
+              <a:rPr lang="en-US" sz="2200" dirty="0"/>
+              <a:t>Per </a:t>
+            </a:r>
+            <a:r>
+              <a:rPr lang="en-US" sz="2200" b="1" dirty="0"/>
+              <a:t>category of quality:</a:t>
+            </a:r>
+            <a:r>
+              <a:rPr lang="en-US" sz="2200" dirty="0"/>
+              <a:t> low baseline rates of the rare classifications (low and high quality); </a:t>
+            </a:r>
+            <a:r>
+              <a:rPr lang="en-US" sz="2200" dirty="0" err="1"/>
+              <a:t>undersampling</a:t>
+            </a:r>
+            <a:r>
+              <a:rPr lang="en-US" sz="2200" dirty="0"/>
+              <a:t> had minimal improvement while oversampling had substantive improvement with small losses in normal category</a:t>
+            </a:r>
+          </a:p>
+          <a:p>
+            <a:pPr marL="0" indent="0">
+              <a:buNone/>
+            </a:pPr>
+            <a:endParaRPr lang="en-US" sz="1900" dirty="0"/>
           </a:p>
         </p:txBody>
       </p:sp>
-      <p:pic>
-        <p:nvPicPr>
-          <p:cNvPr id="9" name="Picture 8" descr="Graphical user interface, table&#10;&#10;Description automatically generated with medium confidence">
-            <a:extLst>
-              <a:ext uri="{FF2B5EF4-FFF2-40B4-BE49-F238E27FC236}">
-                <a16:creationId xmlns:a16="http://schemas.microsoft.com/office/drawing/2014/main" id="{7B2C2ABD-90EA-4599-8D56-1F74BB9E0F77}"/>
-              </a:ext>
-            </a:extLst>
-          </p:cNvPr>
-          <p:cNvPicPr>
-            <a:picLocks noChangeAspect="1"/>
-          </p:cNvPicPr>
-          <p:nvPr/>
-        </p:nvPicPr>
-        <p:blipFill>
-          <a:blip r:embed="rId2">
-            <a:extLst>
-              <a:ext uri="{28A0092B-C50C-407E-A947-70E740481C1C}">
-                <a14:useLocalDpi xmlns:a14="http://schemas.microsoft.com/office/drawing/2010/main" val="0"/>
-              </a:ext>
-            </a:extLst>
-          </a:blip>
-          <a:stretch>
-            <a:fillRect/>
-          </a:stretch>
-        </p:blipFill>
-        <p:spPr>
-          <a:xfrm>
-            <a:off x="5085885" y="532996"/>
-            <a:ext cx="6687483" cy="5792008"/>
-          </a:xfrm>
-          <a:prstGeom prst="rect">
-            <a:avLst/>
-          </a:prstGeom>
-        </p:spPr>
-      </p:pic>
     </p:spTree>
     <p:extLst>
       <p:ext uri="{BB962C8B-B14F-4D97-AF65-F5344CB8AC3E}">
-        <p14:creationId xmlns:p14="http://schemas.microsoft.com/office/powerpoint/2010/main" val="4072117366"/>
+        <p14:creationId xmlns:p14="http://schemas.microsoft.com/office/powerpoint/2010/main" val="3304124175"/>
       </p:ext>
     </p:extLst>
   </p:cSld>

--- a/presentation/final-presentation.pptx
+++ b/presentation/final-presentation.pptx
@@ -16,11 +16,11 @@
     <p:sldId id="262" r:id="rId7"/>
     <p:sldId id="261" r:id="rId8"/>
     <p:sldId id="267" r:id="rId9"/>
-    <p:sldId id="270" r:id="rId10"/>
-    <p:sldId id="271" r:id="rId11"/>
-    <p:sldId id="272" r:id="rId12"/>
-    <p:sldId id="266" r:id="rId13"/>
-    <p:sldId id="269" r:id="rId14"/>
+    <p:sldId id="271" r:id="rId10"/>
+    <p:sldId id="269" r:id="rId11"/>
+    <p:sldId id="270" r:id="rId12"/>
+    <p:sldId id="272" r:id="rId13"/>
+    <p:sldId id="266" r:id="rId14"/>
   </p:sldIdLst>
   <p:sldSz cx="12192000" cy="6858000"/>
   <p:notesSz cx="6858000" cy="9144000"/>
@@ -131,7 +131,6 @@
 <p1510:revInfo xmlns:a="http://schemas.openxmlformats.org/drawingml/2006/main" xmlns:r="http://schemas.openxmlformats.org/officeDocument/2006/relationships" xmlns:p1510="http://schemas.microsoft.com/office/powerpoint/2015/10/main">
   <p1510:revLst>
     <p1510:client id="{98C76723-AA43-4380-8E4D-B8026509F880}" v="14" dt="2021-04-21T18:47:20.938"/>
-    <p1510:client id="{D5C3F0AF-4CDB-4F83-B89A-4FCD27EF4FE5}" v="8" dt="2021-04-20T20:01:00.694"/>
   </p1510:revLst>
 </p1510:revInfo>
 </file>
@@ -140,34 +139,183 @@
 <pc:chgInfo xmlns:a="http://schemas.openxmlformats.org/drawingml/2006/main" xmlns:r="http://schemas.openxmlformats.org/officeDocument/2006/relationships" xmlns:ac="http://schemas.microsoft.com/office/drawing/2013/main/command" xmlns:pc="http://schemas.microsoft.com/office/powerpoint/2013/main/command">
   <pc:docChgLst>
     <pc:chgData name="Emily Robinson" userId="a9fcd774-4f33-423d-80dd-0db627157868" providerId="ADAL" clId="{98C76723-AA43-4380-8E4D-B8026509F880}"/>
-    <pc:docChg chg="undo custSel addSld delSld modSld">
-      <pc:chgData name="Emily Robinson" userId="a9fcd774-4f33-423d-80dd-0db627157868" providerId="ADAL" clId="{98C76723-AA43-4380-8E4D-B8026509F880}" dt="2021-04-21T18:54:26.359" v="1738" actId="26606"/>
+    <pc:docChg chg="undo custSel addSld delSld modSld sldOrd">
+      <pc:chgData name="Emily Robinson" userId="a9fcd774-4f33-423d-80dd-0db627157868" providerId="ADAL" clId="{98C76723-AA43-4380-8E4D-B8026509F880}" dt="2021-04-23T15:34:33.547" v="1852"/>
       <pc:docMkLst>
         <pc:docMk/>
       </pc:docMkLst>
       <pc:sldChg chg="modSp mod">
-        <pc:chgData name="Emily Robinson" userId="a9fcd774-4f33-423d-80dd-0db627157868" providerId="ADAL" clId="{98C76723-AA43-4380-8E4D-B8026509F880}" dt="2021-04-21T18:46:15.516" v="1393" actId="255"/>
+        <pc:chgData name="Emily Robinson" userId="a9fcd774-4f33-423d-80dd-0db627157868" providerId="ADAL" clId="{98C76723-AA43-4380-8E4D-B8026509F880}" dt="2021-04-23T15:33:23.938" v="1838" actId="20577"/>
+        <pc:sldMkLst>
+          <pc:docMk/>
+          <pc:sldMk cId="3581702329" sldId="257"/>
+        </pc:sldMkLst>
+        <pc:spChg chg="mod">
+          <ac:chgData name="Emily Robinson" userId="a9fcd774-4f33-423d-80dd-0db627157868" providerId="ADAL" clId="{98C76723-AA43-4380-8E4D-B8026509F880}" dt="2021-04-23T15:30:10.066" v="1790" actId="20577"/>
+          <ac:spMkLst>
+            <pc:docMk/>
+            <pc:sldMk cId="3581702329" sldId="257"/>
+            <ac:spMk id="2" creationId="{B3510F56-085F-4CA2-BE5A-B1943A6F31A4}"/>
+          </ac:spMkLst>
+        </pc:spChg>
+        <pc:spChg chg="mod">
+          <ac:chgData name="Emily Robinson" userId="a9fcd774-4f33-423d-80dd-0db627157868" providerId="ADAL" clId="{98C76723-AA43-4380-8E4D-B8026509F880}" dt="2021-04-23T15:33:23.938" v="1838" actId="20577"/>
+          <ac:spMkLst>
+            <pc:docMk/>
+            <pc:sldMk cId="3581702329" sldId="257"/>
+            <ac:spMk id="3" creationId="{1480425F-5ADD-42BD-A8E6-730F5E080DD7}"/>
+          </ac:spMkLst>
+        </pc:spChg>
+      </pc:sldChg>
+      <pc:sldChg chg="modSp mod">
+        <pc:chgData name="Emily Robinson" userId="a9fcd774-4f33-423d-80dd-0db627157868" providerId="ADAL" clId="{98C76723-AA43-4380-8E4D-B8026509F880}" dt="2021-04-23T15:33:47.991" v="1848" actId="20577"/>
+        <pc:sldMkLst>
+          <pc:docMk/>
+          <pc:sldMk cId="3724156524" sldId="258"/>
+        </pc:sldMkLst>
+        <pc:spChg chg="mod">
+          <ac:chgData name="Emily Robinson" userId="a9fcd774-4f33-423d-80dd-0db627157868" providerId="ADAL" clId="{98C76723-AA43-4380-8E4D-B8026509F880}" dt="2021-04-23T15:29:32.327" v="1764" actId="20577"/>
+          <ac:spMkLst>
+            <pc:docMk/>
+            <pc:sldMk cId="3724156524" sldId="258"/>
+            <ac:spMk id="2" creationId="{D0B5DB17-1A39-4AB5-9E1C-C0AAF30CFF19}"/>
+          </ac:spMkLst>
+        </pc:spChg>
+        <pc:spChg chg="mod">
+          <ac:chgData name="Emily Robinson" userId="a9fcd774-4f33-423d-80dd-0db627157868" providerId="ADAL" clId="{98C76723-AA43-4380-8E4D-B8026509F880}" dt="2021-04-23T15:33:47.991" v="1848" actId="20577"/>
+          <ac:spMkLst>
+            <pc:docMk/>
+            <pc:sldMk cId="3724156524" sldId="258"/>
+            <ac:spMk id="4" creationId="{F8EF7BAF-2C73-49D5-9A95-EC13B95EAE9E}"/>
+          </ac:spMkLst>
+        </pc:spChg>
+      </pc:sldChg>
+      <pc:sldChg chg="addSp delSp modSp mod">
+        <pc:chgData name="Emily Robinson" userId="a9fcd774-4f33-423d-80dd-0db627157868" providerId="ADAL" clId="{98C76723-AA43-4380-8E4D-B8026509F880}" dt="2021-04-23T15:31:04.796" v="1797" actId="403"/>
+        <pc:sldMkLst>
+          <pc:docMk/>
+          <pc:sldMk cId="1939212565" sldId="259"/>
+        </pc:sldMkLst>
+        <pc:spChg chg="mod">
+          <ac:chgData name="Emily Robinson" userId="a9fcd774-4f33-423d-80dd-0db627157868" providerId="ADAL" clId="{98C76723-AA43-4380-8E4D-B8026509F880}" dt="2021-04-23T15:31:04.796" v="1797" actId="403"/>
+          <ac:spMkLst>
+            <pc:docMk/>
+            <pc:sldMk cId="1939212565" sldId="259"/>
+            <ac:spMk id="2" creationId="{5732BCC7-82D5-423F-9704-69CCF2DEEF0A}"/>
+          </ac:spMkLst>
+        </pc:spChg>
+        <pc:spChg chg="add del mod">
+          <ac:chgData name="Emily Robinson" userId="a9fcd774-4f33-423d-80dd-0db627157868" providerId="ADAL" clId="{98C76723-AA43-4380-8E4D-B8026509F880}" dt="2021-04-23T15:30:55.196" v="1796" actId="26606"/>
+          <ac:spMkLst>
+            <pc:docMk/>
+            <pc:sldMk cId="1939212565" sldId="259"/>
+            <ac:spMk id="3" creationId="{4B299CBA-9011-4FA0-AC76-4145A240B644}"/>
+          </ac:spMkLst>
+        </pc:spChg>
+        <pc:spChg chg="add del">
+          <ac:chgData name="Emily Robinson" userId="a9fcd774-4f33-423d-80dd-0db627157868" providerId="ADAL" clId="{98C76723-AA43-4380-8E4D-B8026509F880}" dt="2021-04-23T15:30:43.903" v="1794" actId="26606"/>
+          <ac:spMkLst>
+            <pc:docMk/>
+            <pc:sldMk cId="1939212565" sldId="259"/>
+            <ac:spMk id="9" creationId="{743AA782-23D1-4521-8CAD-47662984AA08}"/>
+          </ac:spMkLst>
+        </pc:spChg>
+        <pc:spChg chg="add del">
+          <ac:chgData name="Emily Robinson" userId="a9fcd774-4f33-423d-80dd-0db627157868" providerId="ADAL" clId="{98C76723-AA43-4380-8E4D-B8026509F880}" dt="2021-04-23T15:30:43.903" v="1794" actId="26606"/>
+          <ac:spMkLst>
+            <pc:docMk/>
+            <pc:sldMk cId="1939212565" sldId="259"/>
+            <ac:spMk id="11" creationId="{71877DBC-BB60-40F0-AC93-2ACDBAAE60CE}"/>
+          </ac:spMkLst>
+        </pc:spChg>
+        <pc:spChg chg="add del">
+          <ac:chgData name="Emily Robinson" userId="a9fcd774-4f33-423d-80dd-0db627157868" providerId="ADAL" clId="{98C76723-AA43-4380-8E4D-B8026509F880}" dt="2021-04-23T15:30:28.401" v="1792" actId="26606"/>
+          <ac:spMkLst>
+            <pc:docMk/>
+            <pc:sldMk cId="1939212565" sldId="259"/>
+            <ac:spMk id="16" creationId="{743AA782-23D1-4521-8CAD-47662984AA08}"/>
+          </ac:spMkLst>
+        </pc:spChg>
+        <pc:spChg chg="add del">
+          <ac:chgData name="Emily Robinson" userId="a9fcd774-4f33-423d-80dd-0db627157868" providerId="ADAL" clId="{98C76723-AA43-4380-8E4D-B8026509F880}" dt="2021-04-23T15:30:28.401" v="1792" actId="26606"/>
+          <ac:spMkLst>
+            <pc:docMk/>
+            <pc:sldMk cId="1939212565" sldId="259"/>
+            <ac:spMk id="18" creationId="{71877DBC-BB60-40F0-AC93-2ACDBAAE60CE}"/>
+          </ac:spMkLst>
+        </pc:spChg>
+        <pc:spChg chg="add del">
+          <ac:chgData name="Emily Robinson" userId="a9fcd774-4f33-423d-80dd-0db627157868" providerId="ADAL" clId="{98C76723-AA43-4380-8E4D-B8026509F880}" dt="2021-04-23T15:30:43.903" v="1794" actId="26606"/>
+          <ac:spMkLst>
+            <pc:docMk/>
+            <pc:sldMk cId="1939212565" sldId="259"/>
+            <ac:spMk id="20" creationId="{743AA782-23D1-4521-8CAD-47662984AA08}"/>
+          </ac:spMkLst>
+        </pc:spChg>
+        <pc:spChg chg="add del">
+          <ac:chgData name="Emily Robinson" userId="a9fcd774-4f33-423d-80dd-0db627157868" providerId="ADAL" clId="{98C76723-AA43-4380-8E4D-B8026509F880}" dt="2021-04-23T15:30:43.903" v="1794" actId="26606"/>
+          <ac:spMkLst>
+            <pc:docMk/>
+            <pc:sldMk cId="1939212565" sldId="259"/>
+            <ac:spMk id="21" creationId="{71877DBC-BB60-40F0-AC93-2ACDBAAE60CE}"/>
+          </ac:spMkLst>
+        </pc:spChg>
+        <pc:graphicFrameChg chg="add del">
+          <ac:chgData name="Emily Robinson" userId="a9fcd774-4f33-423d-80dd-0db627157868" providerId="ADAL" clId="{98C76723-AA43-4380-8E4D-B8026509F880}" dt="2021-04-23T15:30:43.903" v="1794" actId="26606"/>
+          <ac:graphicFrameMkLst>
+            <pc:docMk/>
+            <pc:sldMk cId="1939212565" sldId="259"/>
+            <ac:graphicFrameMk id="13" creationId="{781A98EF-BE2C-4C47-A5A8-5BA5C6B246FB}"/>
+          </ac:graphicFrameMkLst>
+        </pc:graphicFrameChg>
+        <pc:graphicFrameChg chg="add del">
+          <ac:chgData name="Emily Robinson" userId="a9fcd774-4f33-423d-80dd-0db627157868" providerId="ADAL" clId="{98C76723-AA43-4380-8E4D-B8026509F880}" dt="2021-04-23T15:30:55.196" v="1796" actId="26606"/>
+          <ac:graphicFrameMkLst>
+            <pc:docMk/>
+            <pc:sldMk cId="1939212565" sldId="259"/>
+            <ac:graphicFrameMk id="14" creationId="{A45766B1-89CD-4894-951B-ED581DC84F36}"/>
+          </ac:graphicFrameMkLst>
+        </pc:graphicFrameChg>
+        <pc:picChg chg="mod">
+          <ac:chgData name="Emily Robinson" userId="a9fcd774-4f33-423d-80dd-0db627157868" providerId="ADAL" clId="{98C76723-AA43-4380-8E4D-B8026509F880}" dt="2021-04-23T15:30:28.401" v="1792" actId="26606"/>
+          <ac:picMkLst>
+            <pc:docMk/>
+            <pc:sldMk cId="1939212565" sldId="259"/>
+            <ac:picMk id="6" creationId="{A9A7D9C5-63E1-49B0-A1C8-01873567F0C9}"/>
+          </ac:picMkLst>
+        </pc:picChg>
+      </pc:sldChg>
+      <pc:sldChg chg="modSp mod">
+        <pc:chgData name="Emily Robinson" userId="a9fcd774-4f33-423d-80dd-0db627157868" providerId="ADAL" clId="{98C76723-AA43-4380-8E4D-B8026509F880}" dt="2021-04-23T15:33:06.693" v="1836" actId="20577"/>
         <pc:sldMkLst>
           <pc:docMk/>
           <pc:sldMk cId="3830608638" sldId="260"/>
         </pc:sldMkLst>
         <pc:spChg chg="mod">
-          <ac:chgData name="Emily Robinson" userId="a9fcd774-4f33-423d-80dd-0db627157868" providerId="ADAL" clId="{98C76723-AA43-4380-8E4D-B8026509F880}" dt="2021-04-21T18:46:15.516" v="1393" actId="255"/>
+          <ac:chgData name="Emily Robinson" userId="a9fcd774-4f33-423d-80dd-0db627157868" providerId="ADAL" clId="{98C76723-AA43-4380-8E4D-B8026509F880}" dt="2021-04-23T15:31:30.154" v="1812" actId="20577"/>
           <ac:spMkLst>
             <pc:docMk/>
             <pc:sldMk cId="3830608638" sldId="260"/>
             <ac:spMk id="2" creationId="{CFEF8E2A-69F4-49FC-A538-64748356AC81}"/>
           </ac:spMkLst>
         </pc:spChg>
+        <pc:spChg chg="mod">
+          <ac:chgData name="Emily Robinson" userId="a9fcd774-4f33-423d-80dd-0db627157868" providerId="ADAL" clId="{98C76723-AA43-4380-8E4D-B8026509F880}" dt="2021-04-23T15:33:06.693" v="1836" actId="20577"/>
+          <ac:spMkLst>
+            <pc:docMk/>
+            <pc:sldMk cId="3830608638" sldId="260"/>
+            <ac:spMk id="3" creationId="{B70B73B9-D1AE-41E2-9605-8F8142D92E88}"/>
+          </ac:spMkLst>
+        </pc:spChg>
       </pc:sldChg>
       <pc:sldChg chg="addSp delSp modSp mod setBg">
-        <pc:chgData name="Emily Robinson" userId="a9fcd774-4f33-423d-80dd-0db627157868" providerId="ADAL" clId="{98C76723-AA43-4380-8E4D-B8026509F880}" dt="2021-04-21T18:53:50.849" v="1732" actId="26606"/>
+        <pc:chgData name="Emily Robinson" userId="a9fcd774-4f33-423d-80dd-0db627157868" providerId="ADAL" clId="{98C76723-AA43-4380-8E4D-B8026509F880}" dt="2021-04-23T15:32:41.510" v="1826" actId="20577"/>
         <pc:sldMkLst>
           <pc:docMk/>
           <pc:sldMk cId="3557540284" sldId="261"/>
         </pc:sldMkLst>
         <pc:spChg chg="mod">
-          <ac:chgData name="Emily Robinson" userId="a9fcd774-4f33-423d-80dd-0db627157868" providerId="ADAL" clId="{98C76723-AA43-4380-8E4D-B8026509F880}" dt="2021-04-21T18:53:50.849" v="1732" actId="26606"/>
+          <ac:chgData name="Emily Robinson" userId="a9fcd774-4f33-423d-80dd-0db627157868" providerId="ADAL" clId="{98C76723-AA43-4380-8E4D-B8026509F880}" dt="2021-04-23T15:29:11.603" v="1741" actId="20577"/>
           <ac:spMkLst>
             <pc:docMk/>
             <pc:sldMk cId="3557540284" sldId="261"/>
@@ -175,7 +323,7 @@
           </ac:spMkLst>
         </pc:spChg>
         <pc:spChg chg="mod">
-          <ac:chgData name="Emily Robinson" userId="a9fcd774-4f33-423d-80dd-0db627157868" providerId="ADAL" clId="{98C76723-AA43-4380-8E4D-B8026509F880}" dt="2021-04-21T18:53:50.849" v="1732" actId="26606"/>
+          <ac:chgData name="Emily Robinson" userId="a9fcd774-4f33-423d-80dd-0db627157868" providerId="ADAL" clId="{98C76723-AA43-4380-8E4D-B8026509F880}" dt="2021-04-23T15:32:41.510" v="1826" actId="20577"/>
           <ac:spMkLst>
             <pc:docMk/>
             <pc:sldMk cId="3557540284" sldId="261"/>
@@ -208,13 +356,13 @@
         </pc:graphicFrameChg>
       </pc:sldChg>
       <pc:sldChg chg="addSp delSp modSp mod">
-        <pc:chgData name="Emily Robinson" userId="a9fcd774-4f33-423d-80dd-0db627157868" providerId="ADAL" clId="{98C76723-AA43-4380-8E4D-B8026509F880}" dt="2021-04-21T18:54:26.359" v="1738" actId="26606"/>
+        <pc:chgData name="Emily Robinson" userId="a9fcd774-4f33-423d-80dd-0db627157868" providerId="ADAL" clId="{98C76723-AA43-4380-8E4D-B8026509F880}" dt="2021-04-23T15:32:57.988" v="1835" actId="20577"/>
         <pc:sldMkLst>
           <pc:docMk/>
           <pc:sldMk cId="496717477" sldId="262"/>
         </pc:sldMkLst>
         <pc:spChg chg="mod">
-          <ac:chgData name="Emily Robinson" userId="a9fcd774-4f33-423d-80dd-0db627157868" providerId="ADAL" clId="{98C76723-AA43-4380-8E4D-B8026509F880}" dt="2021-04-21T18:46:19.432" v="1394" actId="255"/>
+          <ac:chgData name="Emily Robinson" userId="a9fcd774-4f33-423d-80dd-0db627157868" providerId="ADAL" clId="{98C76723-AA43-4380-8E4D-B8026509F880}" dt="2021-04-23T15:31:23.275" v="1800"/>
           <ac:spMkLst>
             <pc:docMk/>
             <pc:sldMk cId="496717477" sldId="262"/>
@@ -222,7 +370,7 @@
           </ac:spMkLst>
         </pc:spChg>
         <pc:spChg chg="mod">
-          <ac:chgData name="Emily Robinson" userId="a9fcd774-4f33-423d-80dd-0db627157868" providerId="ADAL" clId="{98C76723-AA43-4380-8E4D-B8026509F880}" dt="2021-04-21T18:54:26.359" v="1738" actId="26606"/>
+          <ac:chgData name="Emily Robinson" userId="a9fcd774-4f33-423d-80dd-0db627157868" providerId="ADAL" clId="{98C76723-AA43-4380-8E4D-B8026509F880}" dt="2021-04-23T15:32:57.988" v="1835" actId="20577"/>
           <ac:spMkLst>
             <pc:docMk/>
             <pc:sldMk cId="496717477" sldId="262"/>
@@ -1140,7 +1288,7 @@
         </pc:spChg>
       </pc:sldChg>
       <pc:sldChg chg="addSp delSp modSp add mod setBg delDesignElem modNotesTx">
-        <pc:chgData name="Emily Robinson" userId="a9fcd774-4f33-423d-80dd-0db627157868" providerId="ADAL" clId="{98C76723-AA43-4380-8E4D-B8026509F880}" dt="2021-04-21T18:54:08.729" v="1733" actId="26606"/>
+        <pc:chgData name="Emily Robinson" userId="a9fcd774-4f33-423d-80dd-0db627157868" providerId="ADAL" clId="{98C76723-AA43-4380-8E4D-B8026509F880}" dt="2021-04-23T15:32:31.919" v="1824" actId="20577"/>
         <pc:sldMkLst>
           <pc:docMk/>
           <pc:sldMk cId="2439084018" sldId="267"/>
@@ -1154,7 +1302,7 @@
           </ac:spMkLst>
         </pc:spChg>
         <pc:spChg chg="mod">
-          <ac:chgData name="Emily Robinson" userId="a9fcd774-4f33-423d-80dd-0db627157868" providerId="ADAL" clId="{98C76723-AA43-4380-8E4D-B8026509F880}" dt="2021-04-21T18:54:08.729" v="1733" actId="26606"/>
+          <ac:chgData name="Emily Robinson" userId="a9fcd774-4f33-423d-80dd-0db627157868" providerId="ADAL" clId="{98C76723-AA43-4380-8E4D-B8026509F880}" dt="2021-04-23T15:32:31.919" v="1824" actId="20577"/>
           <ac:spMkLst>
             <pc:docMk/>
             <pc:sldMk cId="2439084018" sldId="267"/>
@@ -1401,8 +1549,8 @@
           </ac:cxnSpMkLst>
         </pc:cxnChg>
       </pc:sldChg>
-      <pc:sldChg chg="addSp delSp modSp add mod setBg delDesignElem">
-        <pc:chgData name="Emily Robinson" userId="a9fcd774-4f33-423d-80dd-0db627157868" providerId="ADAL" clId="{98C76723-AA43-4380-8E4D-B8026509F880}" dt="2021-04-21T18:32:29.054" v="973" actId="1035"/>
+      <pc:sldChg chg="addSp delSp modSp add mod ord setBg delDesignElem">
+        <pc:chgData name="Emily Robinson" userId="a9fcd774-4f33-423d-80dd-0db627157868" providerId="ADAL" clId="{98C76723-AA43-4380-8E4D-B8026509F880}" dt="2021-04-23T15:34:27.167" v="1850"/>
         <pc:sldMkLst>
           <pc:docMk/>
           <pc:sldMk cId="1805798837" sldId="269"/>
@@ -1503,6 +1651,36 @@
             <ac:graphicFrameMk id="14" creationId="{A309EB79-E944-4DAA-A8B7-DF0E5DE28952}"/>
           </ac:graphicFrameMkLst>
         </pc:graphicFrameChg>
+      </pc:sldChg>
+      <pc:sldChg chg="modSp mod ord">
+        <pc:chgData name="Emily Robinson" userId="a9fcd774-4f33-423d-80dd-0db627157868" providerId="ADAL" clId="{98C76723-AA43-4380-8E4D-B8026509F880}" dt="2021-04-23T15:34:33.547" v="1852"/>
+        <pc:sldMkLst>
+          <pc:docMk/>
+          <pc:sldMk cId="3304124175" sldId="270"/>
+        </pc:sldMkLst>
+        <pc:spChg chg="mod">
+          <ac:chgData name="Emily Robinson" userId="a9fcd774-4f33-423d-80dd-0db627157868" providerId="ADAL" clId="{98C76723-AA43-4380-8E4D-B8026509F880}" dt="2021-04-23T15:32:15.665" v="1818" actId="20577"/>
+          <ac:spMkLst>
+            <pc:docMk/>
+            <pc:sldMk cId="3304124175" sldId="270"/>
+            <ac:spMk id="9" creationId="{CAE6F437-A269-472C-A5CA-AF18F6D7D634}"/>
+          </ac:spMkLst>
+        </pc:spChg>
+      </pc:sldChg>
+      <pc:sldChg chg="modSp mod">
+        <pc:chgData name="Emily Robinson" userId="a9fcd774-4f33-423d-80dd-0db627157868" providerId="ADAL" clId="{98C76723-AA43-4380-8E4D-B8026509F880}" dt="2021-04-23T15:32:06.015" v="1816" actId="20577"/>
+        <pc:sldMkLst>
+          <pc:docMk/>
+          <pc:sldMk cId="1432276014" sldId="272"/>
+        </pc:sldMkLst>
+        <pc:spChg chg="mod">
+          <ac:chgData name="Emily Robinson" userId="a9fcd774-4f33-423d-80dd-0db627157868" providerId="ADAL" clId="{98C76723-AA43-4380-8E4D-B8026509F880}" dt="2021-04-23T15:32:06.015" v="1816" actId="20577"/>
+          <ac:spMkLst>
+            <pc:docMk/>
+            <pc:sldMk cId="1432276014" sldId="272"/>
+            <ac:spMk id="8" creationId="{DAACDFF4-BC0E-42D7-BBD0-7647D0FBA059}"/>
+          </ac:spMkLst>
+        </pc:spChg>
       </pc:sldChg>
     </pc:docChg>
   </pc:docChgLst>
@@ -2010,7 +2188,7 @@
           <a:p>
             <a:fld id="{045496D3-5D29-4587-BC4B-EFDC44CFD561}" type="datetimeFigureOut">
               <a:rPr lang="en-US" smtClean="0"/>
-              <a:t>4/21/2021</a:t>
+              <a:t>4/23/2021</a:t>
             </a:fld>
             <a:endParaRPr lang="en-US"/>
           </a:p>
@@ -2342,7 +2520,7 @@
           <a:p>
             <a:fld id="{EED578F8-5C61-4F2D-A9E3-FDA016A0ABC4}" type="slidenum">
               <a:rPr lang="en-US" smtClean="0"/>
-              <a:t>5</a:t>
+              <a:t>3</a:t>
             </a:fld>
             <a:endParaRPr lang="en-US"/>
           </a:p>
@@ -2351,7 +2529,7 @@
     </p:spTree>
     <p:extLst>
       <p:ext uri="{BB962C8B-B14F-4D97-AF65-F5344CB8AC3E}">
-        <p14:creationId xmlns:p14="http://schemas.microsoft.com/office/powerpoint/2010/main" val="2221788280"/>
+        <p14:creationId xmlns:p14="http://schemas.microsoft.com/office/powerpoint/2010/main" val="2467598755"/>
       </p:ext>
     </p:extLst>
   </p:cSld>
@@ -2405,24 +2583,7 @@
           <a:bodyPr/>
           <a:lstStyle/>
           <a:p>
-            <a:r>
-              <a:rPr lang="en-US" dirty="0"/>
-              <a:t>- In repeated optimization, a weak classifier is fit on the original data set with each observation having equal weight, the weight is then calculated for the current model based on the error rate and observations are assigned new weights used to fit the next weak classifier</a:t>
-            </a:r>
-          </a:p>
-          <a:p>
-            <a:r>
-              <a:rPr lang="en-US" dirty="0"/>
-              <a:t>- </a:t>
-            </a:r>
-            <a:r>
-              <a:rPr lang="en-US" dirty="0" err="1"/>
-              <a:t>XGBoost</a:t>
-            </a:r>
-            <a:r>
-              <a:rPr lang="en-US" dirty="0"/>
-              <a:t> allows for a variety of evaluation metrics providing a benefit over other boosting methods</a:t>
-            </a:r>
+            <a:endParaRPr lang="en-US" dirty="0"/>
           </a:p>
         </p:txBody>
       </p:sp>
@@ -2443,7 +2604,7 @@
           <a:p>
             <a:fld id="{EED578F8-5C61-4F2D-A9E3-FDA016A0ABC4}" type="slidenum">
               <a:rPr lang="en-US" smtClean="0"/>
-              <a:t>8</a:t>
+              <a:t>5</a:t>
             </a:fld>
             <a:endParaRPr lang="en-US"/>
           </a:p>
@@ -2452,7 +2613,7 @@
     </p:spTree>
     <p:extLst>
       <p:ext uri="{BB962C8B-B14F-4D97-AF65-F5344CB8AC3E}">
-        <p14:creationId xmlns:p14="http://schemas.microsoft.com/office/powerpoint/2010/main" val="3174983462"/>
+        <p14:creationId xmlns:p14="http://schemas.microsoft.com/office/powerpoint/2010/main" val="2221788280"/>
       </p:ext>
     </p:extLst>
   </p:cSld>
@@ -2506,7 +2667,24 @@
           <a:bodyPr/>
           <a:lstStyle/>
           <a:p>
-            <a:endParaRPr lang="en-US" dirty="0"/>
+            <a:r>
+              <a:rPr lang="en-US" dirty="0"/>
+              <a:t>- In repeated optimization, a weak classifier is fit on the original data set with each observation having equal weight, the weight is then calculated for the current model based on the error rate and observations are assigned new weights used to fit the next weak classifier</a:t>
+            </a:r>
+          </a:p>
+          <a:p>
+            <a:r>
+              <a:rPr lang="en-US" dirty="0"/>
+              <a:t>- </a:t>
+            </a:r>
+            <a:r>
+              <a:rPr lang="en-US" dirty="0" err="1"/>
+              <a:t>XGBoost</a:t>
+            </a:r>
+            <a:r>
+              <a:rPr lang="en-US" dirty="0"/>
+              <a:t> allows for a variety of evaluation metrics providing a benefit over other boosting methods</a:t>
+            </a:r>
           </a:p>
         </p:txBody>
       </p:sp>
@@ -2527,7 +2705,7 @@
           <a:p>
             <a:fld id="{EED578F8-5C61-4F2D-A9E3-FDA016A0ABC4}" type="slidenum">
               <a:rPr lang="en-US" smtClean="0"/>
-              <a:t>9</a:t>
+              <a:t>8</a:t>
             </a:fld>
             <a:endParaRPr lang="en-US"/>
           </a:p>
@@ -2536,7 +2714,7 @@
     </p:spTree>
     <p:extLst>
       <p:ext uri="{BB962C8B-B14F-4D97-AF65-F5344CB8AC3E}">
-        <p14:creationId xmlns:p14="http://schemas.microsoft.com/office/powerpoint/2010/main" val="257430941"/>
+        <p14:creationId xmlns:p14="http://schemas.microsoft.com/office/powerpoint/2010/main" val="3174983462"/>
       </p:ext>
     </p:extLst>
   </p:cSld>
@@ -2642,7 +2820,7 @@
           <a:p>
             <a:fld id="{EED578F8-5C61-4F2D-A9E3-FDA016A0ABC4}" type="slidenum">
               <a:rPr lang="en-US" smtClean="0"/>
-              <a:t>10</a:t>
+              <a:t>9</a:t>
             </a:fld>
             <a:endParaRPr lang="en-US"/>
           </a:p>
@@ -2727,6 +2905,90 @@
             <a:fld id="{EED578F8-5C61-4F2D-A9E3-FDA016A0ABC4}" type="slidenum">
               <a:rPr lang="en-US" smtClean="0"/>
               <a:t>11</a:t>
+            </a:fld>
+            <a:endParaRPr lang="en-US"/>
+          </a:p>
+        </p:txBody>
+      </p:sp>
+    </p:spTree>
+    <p:extLst>
+      <p:ext uri="{BB962C8B-B14F-4D97-AF65-F5344CB8AC3E}">
+        <p14:creationId xmlns:p14="http://schemas.microsoft.com/office/powerpoint/2010/main" val="257430941"/>
+      </p:ext>
+    </p:extLst>
+  </p:cSld>
+  <p:clrMapOvr>
+    <a:masterClrMapping/>
+  </p:clrMapOvr>
+</p:notes>
+</file>
+
+<file path=ppt/notesSlides/notesSlide6.xml><?xml version="1.0" encoding="utf-8"?>
+<p:notes xmlns:a="http://schemas.openxmlformats.org/drawingml/2006/main" xmlns:r="http://schemas.openxmlformats.org/officeDocument/2006/relationships" xmlns:p="http://schemas.openxmlformats.org/presentationml/2006/main">
+  <p:cSld>
+    <p:spTree>
+      <p:nvGrpSpPr>
+        <p:cNvPr id="1" name=""/>
+        <p:cNvGrpSpPr/>
+        <p:nvPr/>
+      </p:nvGrpSpPr>
+      <p:grpSpPr>
+        <a:xfrm>
+          <a:off x="0" y="0"/>
+          <a:ext cx="0" cy="0"/>
+          <a:chOff x="0" y="0"/>
+          <a:chExt cx="0" cy="0"/>
+        </a:xfrm>
+      </p:grpSpPr>
+      <p:sp>
+        <p:nvSpPr>
+          <p:cNvPr id="2" name="Slide Image Placeholder 1"/>
+          <p:cNvSpPr>
+            <a:spLocks noGrp="1" noRot="1" noChangeAspect="1"/>
+          </p:cNvSpPr>
+          <p:nvPr>
+            <p:ph type="sldImg"/>
+          </p:nvPr>
+        </p:nvSpPr>
+        <p:spPr/>
+      </p:sp>
+      <p:sp>
+        <p:nvSpPr>
+          <p:cNvPr id="3" name="Notes Placeholder 2"/>
+          <p:cNvSpPr>
+            <a:spLocks noGrp="1"/>
+          </p:cNvSpPr>
+          <p:nvPr>
+            <p:ph type="body" idx="1"/>
+          </p:nvPr>
+        </p:nvSpPr>
+        <p:spPr/>
+        <p:txBody>
+          <a:bodyPr/>
+          <a:lstStyle/>
+          <a:p>
+            <a:endParaRPr lang="en-US" dirty="0"/>
+          </a:p>
+        </p:txBody>
+      </p:sp>
+      <p:sp>
+        <p:nvSpPr>
+          <p:cNvPr id="4" name="Slide Number Placeholder 3"/>
+          <p:cNvSpPr>
+            <a:spLocks noGrp="1"/>
+          </p:cNvSpPr>
+          <p:nvPr>
+            <p:ph type="sldNum" sz="quarter" idx="5"/>
+          </p:nvPr>
+        </p:nvSpPr>
+        <p:spPr/>
+        <p:txBody>
+          <a:bodyPr/>
+          <a:lstStyle/>
+          <a:p>
+            <a:fld id="{EED578F8-5C61-4F2D-A9E3-FDA016A0ABC4}" type="slidenum">
+              <a:rPr lang="en-US" smtClean="0"/>
+              <a:t>12</a:t>
             </a:fld>
             <a:endParaRPr lang="en-US"/>
           </a:p>
@@ -2892,7 +3154,7 @@
           <a:p>
             <a:fld id="{BE28CA74-5754-4493-A5C1-EEAF0C566310}" type="datetimeFigureOut">
               <a:rPr lang="en-US" smtClean="0"/>
-              <a:t>4/21/2021</a:t>
+              <a:t>4/23/2021</a:t>
             </a:fld>
             <a:endParaRPr lang="en-US"/>
           </a:p>
@@ -3090,7 +3352,7 @@
           <a:p>
             <a:fld id="{BE28CA74-5754-4493-A5C1-EEAF0C566310}" type="datetimeFigureOut">
               <a:rPr lang="en-US" smtClean="0"/>
-              <a:t>4/21/2021</a:t>
+              <a:t>4/23/2021</a:t>
             </a:fld>
             <a:endParaRPr lang="en-US"/>
           </a:p>
@@ -3298,7 +3560,7 @@
           <a:p>
             <a:fld id="{BE28CA74-5754-4493-A5C1-EEAF0C566310}" type="datetimeFigureOut">
               <a:rPr lang="en-US" smtClean="0"/>
-              <a:t>4/21/2021</a:t>
+              <a:t>4/23/2021</a:t>
             </a:fld>
             <a:endParaRPr lang="en-US"/>
           </a:p>
@@ -3496,7 +3758,7 @@
           <a:p>
             <a:fld id="{BE28CA74-5754-4493-A5C1-EEAF0C566310}" type="datetimeFigureOut">
               <a:rPr lang="en-US" smtClean="0"/>
-              <a:t>4/21/2021</a:t>
+              <a:t>4/23/2021</a:t>
             </a:fld>
             <a:endParaRPr lang="en-US"/>
           </a:p>
@@ -3771,7 +4033,7 @@
           <a:p>
             <a:fld id="{BE28CA74-5754-4493-A5C1-EEAF0C566310}" type="datetimeFigureOut">
               <a:rPr lang="en-US" smtClean="0"/>
-              <a:t>4/21/2021</a:t>
+              <a:t>4/23/2021</a:t>
             </a:fld>
             <a:endParaRPr lang="en-US"/>
           </a:p>
@@ -4036,7 +4298,7 @@
           <a:p>
             <a:fld id="{BE28CA74-5754-4493-A5C1-EEAF0C566310}" type="datetimeFigureOut">
               <a:rPr lang="en-US" smtClean="0"/>
-              <a:t>4/21/2021</a:t>
+              <a:t>4/23/2021</a:t>
             </a:fld>
             <a:endParaRPr lang="en-US"/>
           </a:p>
@@ -4448,7 +4710,7 @@
           <a:p>
             <a:fld id="{BE28CA74-5754-4493-A5C1-EEAF0C566310}" type="datetimeFigureOut">
               <a:rPr lang="en-US" smtClean="0"/>
-              <a:t>4/21/2021</a:t>
+              <a:t>4/23/2021</a:t>
             </a:fld>
             <a:endParaRPr lang="en-US"/>
           </a:p>
@@ -4589,7 +4851,7 @@
           <a:p>
             <a:fld id="{BE28CA74-5754-4493-A5C1-EEAF0C566310}" type="datetimeFigureOut">
               <a:rPr lang="en-US" smtClean="0"/>
-              <a:t>4/21/2021</a:t>
+              <a:t>4/23/2021</a:t>
             </a:fld>
             <a:endParaRPr lang="en-US"/>
           </a:p>
@@ -4702,7 +4964,7 @@
           <a:p>
             <a:fld id="{BE28CA74-5754-4493-A5C1-EEAF0C566310}" type="datetimeFigureOut">
               <a:rPr lang="en-US" smtClean="0"/>
-              <a:t>4/21/2021</a:t>
+              <a:t>4/23/2021</a:t>
             </a:fld>
             <a:endParaRPr lang="en-US"/>
           </a:p>
@@ -5013,7 +5275,7 @@
           <a:p>
             <a:fld id="{BE28CA74-5754-4493-A5C1-EEAF0C566310}" type="datetimeFigureOut">
               <a:rPr lang="en-US" smtClean="0"/>
-              <a:t>4/21/2021</a:t>
+              <a:t>4/23/2021</a:t>
             </a:fld>
             <a:endParaRPr lang="en-US"/>
           </a:p>
@@ -5301,7 +5563,7 @@
           <a:p>
             <a:fld id="{BE28CA74-5754-4493-A5C1-EEAF0C566310}" type="datetimeFigureOut">
               <a:rPr lang="en-US" smtClean="0"/>
-              <a:t>4/21/2021</a:t>
+              <a:t>4/23/2021</a:t>
             </a:fld>
             <a:endParaRPr lang="en-US"/>
           </a:p>
@@ -5542,7 +5804,7 @@
           <a:p>
             <a:fld id="{BE28CA74-5754-4493-A5C1-EEAF0C566310}" type="datetimeFigureOut">
               <a:rPr lang="en-US" smtClean="0"/>
-              <a:t>4/21/2021</a:t>
+              <a:t>4/23/2021</a:t>
             </a:fld>
             <a:endParaRPr lang="en-US"/>
           </a:p>
@@ -7105,1956 +7367,6 @@
 </file>
 
 <file path=ppt/slides/slide10.xml><?xml version="1.0" encoding="utf-8"?>
-<p:sld xmlns:a="http://schemas.openxmlformats.org/drawingml/2006/main" xmlns:r="http://schemas.openxmlformats.org/officeDocument/2006/relationships" xmlns:p="http://schemas.openxmlformats.org/presentationml/2006/main">
-  <p:cSld>
-    <p:bg>
-      <p:bgPr>
-        <a:solidFill>
-          <a:schemeClr val="bg1"/>
-        </a:solidFill>
-        <a:effectLst/>
-      </p:bgPr>
-    </p:bg>
-    <p:spTree>
-      <p:nvGrpSpPr>
-        <p:cNvPr id="1" name=""/>
-        <p:cNvGrpSpPr/>
-        <p:nvPr/>
-      </p:nvGrpSpPr>
-      <p:grpSpPr>
-        <a:xfrm>
-          <a:off x="0" y="0"/>
-          <a:ext cx="0" cy="0"/>
-          <a:chOff x="0" y="0"/>
-          <a:chExt cx="0" cy="0"/>
-        </a:xfrm>
-      </p:grpSpPr>
-      <p:sp useBgFill="1">
-        <p:nvSpPr>
-          <p:cNvPr id="11" name="Rectangle 10">
-            <a:extLst>
-              <a:ext uri="{FF2B5EF4-FFF2-40B4-BE49-F238E27FC236}">
-                <a16:creationId xmlns:a16="http://schemas.microsoft.com/office/drawing/2014/main" id="{100EDD19-6802-4EC3-95CE-CFFAB042CFD6}"/>
-              </a:ext>
-              <a:ext uri="{C183D7F6-B498-43B3-948B-1728B52AA6E4}">
-                <adec:decorative xmlns:adec="http://schemas.microsoft.com/office/drawing/2017/decorative" val="1"/>
-              </a:ext>
-            </a:extLst>
-          </p:cNvPr>
-          <p:cNvSpPr>
-            <a:spLocks noGrp="1" noRot="1" noChangeAspect="1" noMove="1" noResize="1" noEditPoints="1" noAdjustHandles="1" noChangeArrowheads="1" noChangeShapeType="1" noTextEdit="1"/>
-          </p:cNvSpPr>
-          <p:nvPr>
-            <p:extLst>
-              <p:ext uri="{386F3935-93C4-4BCD-93E2-E3B085C9AB24}">
-                <p16:designElem xmlns:p16="http://schemas.microsoft.com/office/powerpoint/2015/main" val="1"/>
-              </p:ext>
-            </p:extLst>
-          </p:nvPr>
-        </p:nvSpPr>
-        <p:spPr>
-          <a:xfrm>
-            <a:off x="0" y="0"/>
-            <a:ext cx="12188952" cy="6858000"/>
-          </a:xfrm>
-          <a:prstGeom prst="rect">
-            <a:avLst/>
-          </a:prstGeom>
-          <a:ln>
-            <a:noFill/>
-          </a:ln>
-        </p:spPr>
-        <p:style>
-          <a:lnRef idx="2">
-            <a:schemeClr val="accent1">
-              <a:shade val="50000"/>
-            </a:schemeClr>
-          </a:lnRef>
-          <a:fillRef idx="1">
-            <a:schemeClr val="accent1"/>
-          </a:fillRef>
-          <a:effectRef idx="0">
-            <a:schemeClr val="accent1"/>
-          </a:effectRef>
-          <a:fontRef idx="minor">
-            <a:schemeClr val="lt1"/>
-          </a:fontRef>
-        </p:style>
-        <p:txBody>
-          <a:bodyPr rtlCol="0" anchor="ctr"/>
-          <a:lstStyle/>
-          <a:p>
-            <a:pPr algn="ctr"/>
-            <a:endParaRPr lang="en-US"/>
-          </a:p>
-        </p:txBody>
-      </p:sp>
-      <p:sp>
-        <p:nvSpPr>
-          <p:cNvPr id="2" name="Title 1">
-            <a:extLst>
-              <a:ext uri="{FF2B5EF4-FFF2-40B4-BE49-F238E27FC236}">
-                <a16:creationId xmlns:a16="http://schemas.microsoft.com/office/drawing/2014/main" id="{EABAB166-3C39-43D1-8F8B-9DB2DEE2352F}"/>
-              </a:ext>
-            </a:extLst>
-          </p:cNvPr>
-          <p:cNvSpPr>
-            <a:spLocks noGrp="1"/>
-          </p:cNvSpPr>
-          <p:nvPr>
-            <p:ph type="title"/>
-          </p:nvPr>
-        </p:nvSpPr>
-        <p:spPr>
-          <a:xfrm>
-            <a:off x="838200" y="365125"/>
-            <a:ext cx="11099104" cy="1325563"/>
-          </a:xfrm>
-        </p:spPr>
-        <p:txBody>
-          <a:bodyPr>
-            <a:normAutofit/>
-          </a:bodyPr>
-          <a:lstStyle/>
-          <a:p>
-            <a:r>
-              <a:rPr lang="en-US" sz="5400" dirty="0"/>
-              <a:t>Results: Tuning Parameters</a:t>
-            </a:r>
-          </a:p>
-        </p:txBody>
-      </p:sp>
-      <p:sp>
-        <p:nvSpPr>
-          <p:cNvPr id="13" name="sketch line">
-            <a:extLst>
-              <a:ext uri="{FF2B5EF4-FFF2-40B4-BE49-F238E27FC236}">
-                <a16:creationId xmlns:a16="http://schemas.microsoft.com/office/drawing/2014/main" id="{DB17E863-922E-4C26-BD64-E8FD41D28661}"/>
-              </a:ext>
-              <a:ext uri="{C183D7F6-B498-43B3-948B-1728B52AA6E4}">
-                <adec:decorative xmlns:adec="http://schemas.microsoft.com/office/drawing/2017/decorative" val="1"/>
-              </a:ext>
-            </a:extLst>
-          </p:cNvPr>
-          <p:cNvSpPr>
-            <a:spLocks noGrp="1" noRot="1" noChangeAspect="1" noMove="1" noResize="1" noEditPoints="1" noAdjustHandles="1" noChangeArrowheads="1" noChangeShapeType="1" noTextEdit="1"/>
-          </p:cNvSpPr>
-          <p:nvPr>
-            <p:extLst>
-              <p:ext uri="{386F3935-93C4-4BCD-93E2-E3B085C9AB24}">
-                <p16:designElem xmlns:p16="http://schemas.microsoft.com/office/powerpoint/2015/main" val="1"/>
-              </p:ext>
-            </p:extLst>
-          </p:nvPr>
-        </p:nvSpPr>
-        <p:spPr>
-          <a:xfrm>
-            <a:off x="669036" y="1677373"/>
-            <a:ext cx="10853928" cy="18288"/>
-          </a:xfrm>
-          <a:custGeom>
-            <a:avLst/>
-            <a:gdLst>
-              <a:gd name="connsiteX0" fmla="*/ 0 w 10853928"/>
-              <a:gd name="connsiteY0" fmla="*/ 0 h 18288"/>
-              <a:gd name="connsiteX1" fmla="*/ 461292 w 10853928"/>
-              <a:gd name="connsiteY1" fmla="*/ 0 h 18288"/>
-              <a:gd name="connsiteX2" fmla="*/ 1139662 w 10853928"/>
-              <a:gd name="connsiteY2" fmla="*/ 0 h 18288"/>
-              <a:gd name="connsiteX3" fmla="*/ 1926572 w 10853928"/>
-              <a:gd name="connsiteY3" fmla="*/ 0 h 18288"/>
-              <a:gd name="connsiteX4" fmla="*/ 2279325 w 10853928"/>
-              <a:gd name="connsiteY4" fmla="*/ 0 h 18288"/>
-              <a:gd name="connsiteX5" fmla="*/ 2632078 w 10853928"/>
-              <a:gd name="connsiteY5" fmla="*/ 0 h 18288"/>
-              <a:gd name="connsiteX6" fmla="*/ 3527527 w 10853928"/>
-              <a:gd name="connsiteY6" fmla="*/ 0 h 18288"/>
-              <a:gd name="connsiteX7" fmla="*/ 4205897 w 10853928"/>
-              <a:gd name="connsiteY7" fmla="*/ 0 h 18288"/>
-              <a:gd name="connsiteX8" fmla="*/ 4558650 w 10853928"/>
-              <a:gd name="connsiteY8" fmla="*/ 0 h 18288"/>
-              <a:gd name="connsiteX9" fmla="*/ 5237020 w 10853928"/>
-              <a:gd name="connsiteY9" fmla="*/ 0 h 18288"/>
-              <a:gd name="connsiteX10" fmla="*/ 6132469 w 10853928"/>
-              <a:gd name="connsiteY10" fmla="*/ 0 h 18288"/>
-              <a:gd name="connsiteX11" fmla="*/ 6702301 w 10853928"/>
-              <a:gd name="connsiteY11" fmla="*/ 0 h 18288"/>
-              <a:gd name="connsiteX12" fmla="*/ 7272132 w 10853928"/>
-              <a:gd name="connsiteY12" fmla="*/ 0 h 18288"/>
-              <a:gd name="connsiteX13" fmla="*/ 7950502 w 10853928"/>
-              <a:gd name="connsiteY13" fmla="*/ 0 h 18288"/>
-              <a:gd name="connsiteX14" fmla="*/ 8737412 w 10853928"/>
-              <a:gd name="connsiteY14" fmla="*/ 0 h 18288"/>
-              <a:gd name="connsiteX15" fmla="*/ 9524322 w 10853928"/>
-              <a:gd name="connsiteY15" fmla="*/ 0 h 18288"/>
-              <a:gd name="connsiteX16" fmla="*/ 10853928 w 10853928"/>
-              <a:gd name="connsiteY16" fmla="*/ 0 h 18288"/>
-              <a:gd name="connsiteX17" fmla="*/ 10853928 w 10853928"/>
-              <a:gd name="connsiteY17" fmla="*/ 18288 h 18288"/>
-              <a:gd name="connsiteX18" fmla="*/ 10392636 w 10853928"/>
-              <a:gd name="connsiteY18" fmla="*/ 18288 h 18288"/>
-              <a:gd name="connsiteX19" fmla="*/ 9497187 w 10853928"/>
-              <a:gd name="connsiteY19" fmla="*/ 18288 h 18288"/>
-              <a:gd name="connsiteX20" fmla="*/ 8818817 w 10853928"/>
-              <a:gd name="connsiteY20" fmla="*/ 18288 h 18288"/>
-              <a:gd name="connsiteX21" fmla="*/ 8466064 w 10853928"/>
-              <a:gd name="connsiteY21" fmla="*/ 18288 h 18288"/>
-              <a:gd name="connsiteX22" fmla="*/ 7787693 w 10853928"/>
-              <a:gd name="connsiteY22" fmla="*/ 18288 h 18288"/>
-              <a:gd name="connsiteX23" fmla="*/ 7217862 w 10853928"/>
-              <a:gd name="connsiteY23" fmla="*/ 18288 h 18288"/>
-              <a:gd name="connsiteX24" fmla="*/ 6648031 w 10853928"/>
-              <a:gd name="connsiteY24" fmla="*/ 18288 h 18288"/>
-              <a:gd name="connsiteX25" fmla="*/ 6078200 w 10853928"/>
-              <a:gd name="connsiteY25" fmla="*/ 18288 h 18288"/>
-              <a:gd name="connsiteX26" fmla="*/ 5508368 w 10853928"/>
-              <a:gd name="connsiteY26" fmla="*/ 18288 h 18288"/>
-              <a:gd name="connsiteX27" fmla="*/ 4721459 w 10853928"/>
-              <a:gd name="connsiteY27" fmla="*/ 18288 h 18288"/>
-              <a:gd name="connsiteX28" fmla="*/ 4043088 w 10853928"/>
-              <a:gd name="connsiteY28" fmla="*/ 18288 h 18288"/>
-              <a:gd name="connsiteX29" fmla="*/ 3690336 w 10853928"/>
-              <a:gd name="connsiteY29" fmla="*/ 18288 h 18288"/>
-              <a:gd name="connsiteX30" fmla="*/ 3120504 w 10853928"/>
-              <a:gd name="connsiteY30" fmla="*/ 18288 h 18288"/>
-              <a:gd name="connsiteX31" fmla="*/ 2333595 w 10853928"/>
-              <a:gd name="connsiteY31" fmla="*/ 18288 h 18288"/>
-              <a:gd name="connsiteX32" fmla="*/ 1872303 w 10853928"/>
-              <a:gd name="connsiteY32" fmla="*/ 18288 h 18288"/>
-              <a:gd name="connsiteX33" fmla="*/ 976854 w 10853928"/>
-              <a:gd name="connsiteY33" fmla="*/ 18288 h 18288"/>
-              <a:gd name="connsiteX34" fmla="*/ 0 w 10853928"/>
-              <a:gd name="connsiteY34" fmla="*/ 18288 h 18288"/>
-              <a:gd name="connsiteX35" fmla="*/ 0 w 10853928"/>
-              <a:gd name="connsiteY35" fmla="*/ 0 h 18288"/>
-            </a:gdLst>
-            <a:ahLst/>
-            <a:cxnLst>
-              <a:cxn ang="0">
-                <a:pos x="connsiteX0" y="connsiteY0"/>
-              </a:cxn>
-              <a:cxn ang="0">
-                <a:pos x="connsiteX1" y="connsiteY1"/>
-              </a:cxn>
-              <a:cxn ang="0">
-                <a:pos x="connsiteX2" y="connsiteY2"/>
-              </a:cxn>
-              <a:cxn ang="0">
-                <a:pos x="connsiteX3" y="connsiteY3"/>
-              </a:cxn>
-              <a:cxn ang="0">
-                <a:pos x="connsiteX4" y="connsiteY4"/>
-              </a:cxn>
-              <a:cxn ang="0">
-                <a:pos x="connsiteX5" y="connsiteY5"/>
-              </a:cxn>
-              <a:cxn ang="0">
-                <a:pos x="connsiteX6" y="connsiteY6"/>
-              </a:cxn>
-              <a:cxn ang="0">
-                <a:pos x="connsiteX7" y="connsiteY7"/>
-              </a:cxn>
-              <a:cxn ang="0">
-                <a:pos x="connsiteX8" y="connsiteY8"/>
-              </a:cxn>
-              <a:cxn ang="0">
-                <a:pos x="connsiteX9" y="connsiteY9"/>
-              </a:cxn>
-              <a:cxn ang="0">
-                <a:pos x="connsiteX10" y="connsiteY10"/>
-              </a:cxn>
-              <a:cxn ang="0">
-                <a:pos x="connsiteX11" y="connsiteY11"/>
-              </a:cxn>
-              <a:cxn ang="0">
-                <a:pos x="connsiteX12" y="connsiteY12"/>
-              </a:cxn>
-              <a:cxn ang="0">
-                <a:pos x="connsiteX13" y="connsiteY13"/>
-              </a:cxn>
-              <a:cxn ang="0">
-                <a:pos x="connsiteX14" y="connsiteY14"/>
-              </a:cxn>
-              <a:cxn ang="0">
-                <a:pos x="connsiteX15" y="connsiteY15"/>
-              </a:cxn>
-              <a:cxn ang="0">
-                <a:pos x="connsiteX16" y="connsiteY16"/>
-              </a:cxn>
-              <a:cxn ang="0">
-                <a:pos x="connsiteX17" y="connsiteY17"/>
-              </a:cxn>
-              <a:cxn ang="0">
-                <a:pos x="connsiteX18" y="connsiteY18"/>
-              </a:cxn>
-              <a:cxn ang="0">
-                <a:pos x="connsiteX19" y="connsiteY19"/>
-              </a:cxn>
-              <a:cxn ang="0">
-                <a:pos x="connsiteX20" y="connsiteY20"/>
-              </a:cxn>
-              <a:cxn ang="0">
-                <a:pos x="connsiteX21" y="connsiteY21"/>
-              </a:cxn>
-              <a:cxn ang="0">
-                <a:pos x="connsiteX22" y="connsiteY22"/>
-              </a:cxn>
-              <a:cxn ang="0">
-                <a:pos x="connsiteX23" y="connsiteY23"/>
-              </a:cxn>
-              <a:cxn ang="0">
-                <a:pos x="connsiteX24" y="connsiteY24"/>
-              </a:cxn>
-              <a:cxn ang="0">
-                <a:pos x="connsiteX25" y="connsiteY25"/>
-              </a:cxn>
-              <a:cxn ang="0">
-                <a:pos x="connsiteX26" y="connsiteY26"/>
-              </a:cxn>
-              <a:cxn ang="0">
-                <a:pos x="connsiteX27" y="connsiteY27"/>
-              </a:cxn>
-              <a:cxn ang="0">
-                <a:pos x="connsiteX28" y="connsiteY28"/>
-              </a:cxn>
-              <a:cxn ang="0">
-                <a:pos x="connsiteX29" y="connsiteY29"/>
-              </a:cxn>
-              <a:cxn ang="0">
-                <a:pos x="connsiteX30" y="connsiteY30"/>
-              </a:cxn>
-              <a:cxn ang="0">
-                <a:pos x="connsiteX31" y="connsiteY31"/>
-              </a:cxn>
-              <a:cxn ang="0">
-                <a:pos x="connsiteX32" y="connsiteY32"/>
-              </a:cxn>
-              <a:cxn ang="0">
-                <a:pos x="connsiteX33" y="connsiteY33"/>
-              </a:cxn>
-              <a:cxn ang="0">
-                <a:pos x="connsiteX34" y="connsiteY34"/>
-              </a:cxn>
-              <a:cxn ang="0">
-                <a:pos x="connsiteX35" y="connsiteY35"/>
-              </a:cxn>
-            </a:cxnLst>
-            <a:rect l="l" t="t" r="r" b="b"/>
-            <a:pathLst>
-              <a:path w="10853928" h="18288" fill="none" extrusionOk="0">
-                <a:moveTo>
-                  <a:pt x="0" y="0"/>
-                </a:moveTo>
-                <a:cubicBezTo>
-                  <a:pt x="146993" y="-19076"/>
-                  <a:pt x="347684" y="-4790"/>
-                  <a:pt x="461292" y="0"/>
-                </a:cubicBezTo>
-                <a:cubicBezTo>
-                  <a:pt x="574900" y="4790"/>
-                  <a:pt x="808367" y="19821"/>
-                  <a:pt x="1139662" y="0"/>
-                </a:cubicBezTo>
-                <a:cubicBezTo>
-                  <a:pt x="1470957" y="-19821"/>
-                  <a:pt x="1627405" y="5721"/>
-                  <a:pt x="1926572" y="0"/>
-                </a:cubicBezTo>
-                <a:cubicBezTo>
-                  <a:pt x="2225739" y="-5721"/>
-                  <a:pt x="2137730" y="-3235"/>
-                  <a:pt x="2279325" y="0"/>
-                </a:cubicBezTo>
-                <a:cubicBezTo>
-                  <a:pt x="2420920" y="3235"/>
-                  <a:pt x="2456518" y="9685"/>
-                  <a:pt x="2632078" y="0"/>
-                </a:cubicBezTo>
-                <a:cubicBezTo>
-                  <a:pt x="2807638" y="-9685"/>
-                  <a:pt x="3211516" y="-43007"/>
-                  <a:pt x="3527527" y="0"/>
-                </a:cubicBezTo>
-                <a:cubicBezTo>
-                  <a:pt x="3843538" y="43007"/>
-                  <a:pt x="4058833" y="22042"/>
-                  <a:pt x="4205897" y="0"/>
-                </a:cubicBezTo>
-                <a:cubicBezTo>
-                  <a:pt x="4352961" y="-22042"/>
-                  <a:pt x="4474805" y="-11846"/>
-                  <a:pt x="4558650" y="0"/>
-                </a:cubicBezTo>
-                <a:cubicBezTo>
-                  <a:pt x="4642495" y="11846"/>
-                  <a:pt x="5041928" y="-6069"/>
-                  <a:pt x="5237020" y="0"/>
-                </a:cubicBezTo>
-                <a:cubicBezTo>
-                  <a:pt x="5432112" y="6069"/>
-                  <a:pt x="5943266" y="-17479"/>
-                  <a:pt x="6132469" y="0"/>
-                </a:cubicBezTo>
-                <a:cubicBezTo>
-                  <a:pt x="6321672" y="17479"/>
-                  <a:pt x="6483872" y="26234"/>
-                  <a:pt x="6702301" y="0"/>
-                </a:cubicBezTo>
-                <a:cubicBezTo>
-                  <a:pt x="6920730" y="-26234"/>
-                  <a:pt x="6991194" y="-15156"/>
-                  <a:pt x="7272132" y="0"/>
-                </a:cubicBezTo>
-                <a:cubicBezTo>
-                  <a:pt x="7553070" y="15156"/>
-                  <a:pt x="7684444" y="-32961"/>
-                  <a:pt x="7950502" y="0"/>
-                </a:cubicBezTo>
-                <a:cubicBezTo>
-                  <a:pt x="8216560" y="32961"/>
-                  <a:pt x="8493290" y="-10491"/>
-                  <a:pt x="8737412" y="0"/>
-                </a:cubicBezTo>
-                <a:cubicBezTo>
-                  <a:pt x="8981534" y="10491"/>
-                  <a:pt x="9191586" y="-13899"/>
-                  <a:pt x="9524322" y="0"/>
-                </a:cubicBezTo>
-                <a:cubicBezTo>
-                  <a:pt x="9857058" y="13899"/>
-                  <a:pt x="10297509" y="7485"/>
-                  <a:pt x="10853928" y="0"/>
-                </a:cubicBezTo>
-                <a:cubicBezTo>
-                  <a:pt x="10854574" y="4451"/>
-                  <a:pt x="10854418" y="9226"/>
-                  <a:pt x="10853928" y="18288"/>
-                </a:cubicBezTo>
-                <a:cubicBezTo>
-                  <a:pt x="10691638" y="28522"/>
-                  <a:pt x="10574319" y="29578"/>
-                  <a:pt x="10392636" y="18288"/>
-                </a:cubicBezTo>
-                <a:cubicBezTo>
-                  <a:pt x="10210953" y="6998"/>
-                  <a:pt x="9836277" y="-16742"/>
-                  <a:pt x="9497187" y="18288"/>
-                </a:cubicBezTo>
-                <a:cubicBezTo>
-                  <a:pt x="9158097" y="53318"/>
-                  <a:pt x="9119479" y="30714"/>
-                  <a:pt x="8818817" y="18288"/>
-                </a:cubicBezTo>
-                <a:cubicBezTo>
-                  <a:pt x="8518155" y="5863"/>
-                  <a:pt x="8640037" y="6483"/>
-                  <a:pt x="8466064" y="18288"/>
-                </a:cubicBezTo>
-                <a:cubicBezTo>
-                  <a:pt x="8292091" y="30093"/>
-                  <a:pt x="7997656" y="18914"/>
-                  <a:pt x="7787693" y="18288"/>
-                </a:cubicBezTo>
-                <a:cubicBezTo>
-                  <a:pt x="7577730" y="17662"/>
-                  <a:pt x="7412468" y="21416"/>
-                  <a:pt x="7217862" y="18288"/>
-                </a:cubicBezTo>
-                <a:cubicBezTo>
-                  <a:pt x="7023256" y="15160"/>
-                  <a:pt x="6898018" y="14824"/>
-                  <a:pt x="6648031" y="18288"/>
-                </a:cubicBezTo>
-                <a:cubicBezTo>
-                  <a:pt x="6398044" y="21752"/>
-                  <a:pt x="6254402" y="38625"/>
-                  <a:pt x="6078200" y="18288"/>
-                </a:cubicBezTo>
-                <a:cubicBezTo>
-                  <a:pt x="5901998" y="-2049"/>
-                  <a:pt x="5622886" y="3213"/>
-                  <a:pt x="5508368" y="18288"/>
-                </a:cubicBezTo>
-                <a:cubicBezTo>
-                  <a:pt x="5393850" y="33363"/>
-                  <a:pt x="5036260" y="26830"/>
-                  <a:pt x="4721459" y="18288"/>
-                </a:cubicBezTo>
-                <a:cubicBezTo>
-                  <a:pt x="4406658" y="9746"/>
-                  <a:pt x="4239221" y="41551"/>
-                  <a:pt x="4043088" y="18288"/>
-                </a:cubicBezTo>
-                <a:cubicBezTo>
-                  <a:pt x="3846955" y="-4975"/>
-                  <a:pt x="3818802" y="34658"/>
-                  <a:pt x="3690336" y="18288"/>
-                </a:cubicBezTo>
-                <a:cubicBezTo>
-                  <a:pt x="3561870" y="1918"/>
-                  <a:pt x="3265491" y="42194"/>
-                  <a:pt x="3120504" y="18288"/>
-                </a:cubicBezTo>
-                <a:cubicBezTo>
-                  <a:pt x="2975517" y="-5618"/>
-                  <a:pt x="2720254" y="36673"/>
-                  <a:pt x="2333595" y="18288"/>
-                </a:cubicBezTo>
-                <a:cubicBezTo>
-                  <a:pt x="1946936" y="-97"/>
-                  <a:pt x="2097241" y="5776"/>
-                  <a:pt x="1872303" y="18288"/>
-                </a:cubicBezTo>
-                <a:cubicBezTo>
-                  <a:pt x="1647365" y="30800"/>
-                  <a:pt x="1282708" y="45380"/>
-                  <a:pt x="976854" y="18288"/>
-                </a:cubicBezTo>
-                <a:cubicBezTo>
-                  <a:pt x="671000" y="-8804"/>
-                  <a:pt x="408401" y="-12775"/>
-                  <a:pt x="0" y="18288"/>
-                </a:cubicBezTo>
-                <a:cubicBezTo>
-                  <a:pt x="-213" y="9468"/>
-                  <a:pt x="187" y="4459"/>
-                  <a:pt x="0" y="0"/>
-                </a:cubicBezTo>
-                <a:close/>
-              </a:path>
-              <a:path w="10853928" h="18288" stroke="0" extrusionOk="0">
-                <a:moveTo>
-                  <a:pt x="0" y="0"/>
-                </a:moveTo>
-                <a:cubicBezTo>
-                  <a:pt x="267322" y="15284"/>
-                  <a:pt x="415388" y="-21048"/>
-                  <a:pt x="569831" y="0"/>
-                </a:cubicBezTo>
-                <a:cubicBezTo>
-                  <a:pt x="724274" y="21048"/>
-                  <a:pt x="769333" y="-2353"/>
-                  <a:pt x="922584" y="0"/>
-                </a:cubicBezTo>
-                <a:cubicBezTo>
-                  <a:pt x="1075835" y="2353"/>
-                  <a:pt x="1399490" y="-145"/>
-                  <a:pt x="1818033" y="0"/>
-                </a:cubicBezTo>
-                <a:cubicBezTo>
-                  <a:pt x="2236576" y="145"/>
-                  <a:pt x="2145330" y="5482"/>
-                  <a:pt x="2387864" y="0"/>
-                </a:cubicBezTo>
-                <a:cubicBezTo>
-                  <a:pt x="2630398" y="-5482"/>
-                  <a:pt x="2793207" y="18487"/>
-                  <a:pt x="2957695" y="0"/>
-                </a:cubicBezTo>
-                <a:cubicBezTo>
-                  <a:pt x="3122183" y="-18487"/>
-                  <a:pt x="3579141" y="19003"/>
-                  <a:pt x="3853144" y="0"/>
-                </a:cubicBezTo>
-                <a:cubicBezTo>
-                  <a:pt x="4127147" y="-19003"/>
-                  <a:pt x="4209857" y="12211"/>
-                  <a:pt x="4314436" y="0"/>
-                </a:cubicBezTo>
-                <a:cubicBezTo>
-                  <a:pt x="4419015" y="-12211"/>
-                  <a:pt x="4762459" y="-17220"/>
-                  <a:pt x="5209885" y="0"/>
-                </a:cubicBezTo>
-                <a:cubicBezTo>
-                  <a:pt x="5657311" y="17220"/>
-                  <a:pt x="5692663" y="-3290"/>
-                  <a:pt x="6105335" y="0"/>
-                </a:cubicBezTo>
-                <a:cubicBezTo>
-                  <a:pt x="6518007" y="3290"/>
-                  <a:pt x="6455516" y="-5124"/>
-                  <a:pt x="6783705" y="0"/>
-                </a:cubicBezTo>
-                <a:cubicBezTo>
-                  <a:pt x="7111894" y="5124"/>
-                  <a:pt x="7441941" y="-17829"/>
-                  <a:pt x="7679154" y="0"/>
-                </a:cubicBezTo>
-                <a:cubicBezTo>
-                  <a:pt x="7916367" y="17829"/>
-                  <a:pt x="8102967" y="-24363"/>
-                  <a:pt x="8248985" y="0"/>
-                </a:cubicBezTo>
-                <a:cubicBezTo>
-                  <a:pt x="8395003" y="24363"/>
-                  <a:pt x="8552393" y="25505"/>
-                  <a:pt x="8818817" y="0"/>
-                </a:cubicBezTo>
-                <a:cubicBezTo>
-                  <a:pt x="9085241" y="-25505"/>
-                  <a:pt x="9411308" y="38000"/>
-                  <a:pt x="9605726" y="0"/>
-                </a:cubicBezTo>
-                <a:cubicBezTo>
-                  <a:pt x="9800144" y="-38000"/>
-                  <a:pt x="10006468" y="-25741"/>
-                  <a:pt x="10175558" y="0"/>
-                </a:cubicBezTo>
-                <a:cubicBezTo>
-                  <a:pt x="10344648" y="25741"/>
-                  <a:pt x="10696282" y="695"/>
-                  <a:pt x="10853928" y="0"/>
-                </a:cubicBezTo>
-                <a:cubicBezTo>
-                  <a:pt x="10853521" y="8690"/>
-                  <a:pt x="10853774" y="14141"/>
-                  <a:pt x="10853928" y="18288"/>
-                </a:cubicBezTo>
-                <a:cubicBezTo>
-                  <a:pt x="10608124" y="24255"/>
-                  <a:pt x="10343415" y="22307"/>
-                  <a:pt x="10067018" y="18288"/>
-                </a:cubicBezTo>
-                <a:cubicBezTo>
-                  <a:pt x="9790621" y="14270"/>
-                  <a:pt x="9843266" y="3564"/>
-                  <a:pt x="9714266" y="18288"/>
-                </a:cubicBezTo>
-                <a:cubicBezTo>
-                  <a:pt x="9585266" y="33012"/>
-                  <a:pt x="9379484" y="1875"/>
-                  <a:pt x="9252974" y="18288"/>
-                </a:cubicBezTo>
-                <a:cubicBezTo>
-                  <a:pt x="9126464" y="34701"/>
-                  <a:pt x="8580678" y="-4904"/>
-                  <a:pt x="8357525" y="18288"/>
-                </a:cubicBezTo>
-                <a:cubicBezTo>
-                  <a:pt x="8134372" y="41480"/>
-                  <a:pt x="7903199" y="26458"/>
-                  <a:pt x="7679154" y="18288"/>
-                </a:cubicBezTo>
-                <a:cubicBezTo>
-                  <a:pt x="7455109" y="10118"/>
-                  <a:pt x="7435944" y="27109"/>
-                  <a:pt x="7217862" y="18288"/>
-                </a:cubicBezTo>
-                <a:cubicBezTo>
-                  <a:pt x="6999780" y="9467"/>
-                  <a:pt x="6680409" y="18985"/>
-                  <a:pt x="6539492" y="18288"/>
-                </a:cubicBezTo>
-                <a:cubicBezTo>
-                  <a:pt x="6398575" y="17592"/>
-                  <a:pt x="6312077" y="33018"/>
-                  <a:pt x="6186739" y="18288"/>
-                </a:cubicBezTo>
-                <a:cubicBezTo>
-                  <a:pt x="6061401" y="3558"/>
-                  <a:pt x="5947033" y="12075"/>
-                  <a:pt x="5833986" y="18288"/>
-                </a:cubicBezTo>
-                <a:cubicBezTo>
-                  <a:pt x="5720939" y="24501"/>
-                  <a:pt x="5482226" y="8586"/>
-                  <a:pt x="5155616" y="18288"/>
-                </a:cubicBezTo>
-                <a:cubicBezTo>
-                  <a:pt x="4829006" y="27991"/>
-                  <a:pt x="4841274" y="29316"/>
-                  <a:pt x="4694324" y="18288"/>
-                </a:cubicBezTo>
-                <a:cubicBezTo>
-                  <a:pt x="4547374" y="7260"/>
-                  <a:pt x="4077675" y="7013"/>
-                  <a:pt x="3907414" y="18288"/>
-                </a:cubicBezTo>
-                <a:cubicBezTo>
-                  <a:pt x="3737153" y="29564"/>
-                  <a:pt x="3538393" y="21630"/>
-                  <a:pt x="3446122" y="18288"/>
-                </a:cubicBezTo>
-                <a:cubicBezTo>
-                  <a:pt x="3353851" y="14946"/>
-                  <a:pt x="2990320" y="-8091"/>
-                  <a:pt x="2659212" y="18288"/>
-                </a:cubicBezTo>
-                <a:cubicBezTo>
-                  <a:pt x="2328104" y="44667"/>
-                  <a:pt x="2427653" y="9607"/>
-                  <a:pt x="2306460" y="18288"/>
-                </a:cubicBezTo>
-                <a:cubicBezTo>
-                  <a:pt x="2185267" y="26969"/>
-                  <a:pt x="1719763" y="3717"/>
-                  <a:pt x="1519550" y="18288"/>
-                </a:cubicBezTo>
-                <a:cubicBezTo>
-                  <a:pt x="1319337" y="32860"/>
-                  <a:pt x="1167371" y="17040"/>
-                  <a:pt x="1058258" y="18288"/>
-                </a:cubicBezTo>
-                <a:cubicBezTo>
-                  <a:pt x="949145" y="19536"/>
-                  <a:pt x="780234" y="31447"/>
-                  <a:pt x="705505" y="18288"/>
-                </a:cubicBezTo>
-                <a:cubicBezTo>
-                  <a:pt x="630776" y="5129"/>
-                  <a:pt x="215796" y="30056"/>
-                  <a:pt x="0" y="18288"/>
-                </a:cubicBezTo>
-                <a:cubicBezTo>
-                  <a:pt x="-53" y="11301"/>
-                  <a:pt x="-649" y="7756"/>
-                  <a:pt x="0" y="0"/>
-                </a:cubicBezTo>
-                <a:close/>
-              </a:path>
-            </a:pathLst>
-          </a:custGeom>
-          <a:solidFill>
-            <a:schemeClr val="accent2"/>
-          </a:solidFill>
-          <a:ln w="41275" cap="rnd">
-            <a:solidFill>
-              <a:schemeClr val="accent2"/>
-            </a:solidFill>
-            <a:round/>
-            <a:extLst>
-              <a:ext uri="{C807C97D-BFC1-408E-A445-0C87EB9F89A2}">
-                <ask:lineSketchStyleProps xmlns:ask="http://schemas.microsoft.com/office/drawing/2018/sketchyshapes" sd="1219033472">
-                  <a:prstGeom prst="rect">
-                    <a:avLst/>
-                  </a:prstGeom>
-                  <ask:type>
-                    <ask:lineSketchFreehand/>
-                  </ask:type>
-                </ask:lineSketchStyleProps>
-              </a:ext>
-            </a:extLst>
-          </a:ln>
-        </p:spPr>
-        <p:style>
-          <a:lnRef idx="2">
-            <a:schemeClr val="accent1">
-              <a:shade val="50000"/>
-            </a:schemeClr>
-          </a:lnRef>
-          <a:fillRef idx="1">
-            <a:schemeClr val="accent1"/>
-          </a:fillRef>
-          <a:effectRef idx="0">
-            <a:schemeClr val="accent1"/>
-          </a:effectRef>
-          <a:fontRef idx="minor">
-            <a:schemeClr val="lt1"/>
-          </a:fontRef>
-        </p:style>
-        <p:txBody>
-          <a:bodyPr rtlCol="0" anchor="ctr"/>
-          <a:lstStyle/>
-          <a:p>
-            <a:pPr algn="ctr"/>
-            <a:endParaRPr lang="en-US"/>
-          </a:p>
-        </p:txBody>
-      </p:sp>
-      <p:pic>
-        <p:nvPicPr>
-          <p:cNvPr id="7" name="Picture 6">
-            <a:extLst>
-              <a:ext uri="{FF2B5EF4-FFF2-40B4-BE49-F238E27FC236}">
-                <a16:creationId xmlns:a16="http://schemas.microsoft.com/office/drawing/2014/main" id="{FB3E44ED-3298-4163-8692-B08E68381CEC}"/>
-              </a:ext>
-            </a:extLst>
-          </p:cNvPr>
-          <p:cNvPicPr>
-            <a:picLocks noChangeAspect="1"/>
-          </p:cNvPicPr>
-          <p:nvPr/>
-        </p:nvPicPr>
-        <p:blipFill>
-          <a:blip r:embed="rId3"/>
-          <a:stretch>
-            <a:fillRect/>
-          </a:stretch>
-        </p:blipFill>
-        <p:spPr>
-          <a:xfrm>
-            <a:off x="2886076" y="1812226"/>
-            <a:ext cx="7524750" cy="2272967"/>
-          </a:xfrm>
-          <a:prstGeom prst="rect">
-            <a:avLst/>
-          </a:prstGeom>
-        </p:spPr>
-      </p:pic>
-      <p:pic>
-        <p:nvPicPr>
-          <p:cNvPr id="14" name="Picture 13">
-            <a:extLst>
-              <a:ext uri="{FF2B5EF4-FFF2-40B4-BE49-F238E27FC236}">
-                <a16:creationId xmlns:a16="http://schemas.microsoft.com/office/drawing/2014/main" id="{729517C9-E12B-4FDD-B8E5-671D9AE8ACF7}"/>
-              </a:ext>
-            </a:extLst>
-          </p:cNvPr>
-          <p:cNvPicPr>
-            <a:picLocks noChangeAspect="1"/>
-          </p:cNvPicPr>
-          <p:nvPr/>
-        </p:nvPicPr>
-        <p:blipFill>
-          <a:blip r:embed="rId4"/>
-          <a:stretch>
-            <a:fillRect/>
-          </a:stretch>
-        </p:blipFill>
-        <p:spPr>
-          <a:xfrm>
-            <a:off x="2403539" y="4334225"/>
-            <a:ext cx="8245412" cy="2374405"/>
-          </a:xfrm>
-          <a:prstGeom prst="rect">
-            <a:avLst/>
-          </a:prstGeom>
-        </p:spPr>
-      </p:pic>
-    </p:spTree>
-    <p:extLst>
-      <p:ext uri="{BB962C8B-B14F-4D97-AF65-F5344CB8AC3E}">
-        <p14:creationId xmlns:p14="http://schemas.microsoft.com/office/powerpoint/2010/main" val="3198314860"/>
-      </p:ext>
-    </p:extLst>
-  </p:cSld>
-  <p:clrMapOvr>
-    <a:masterClrMapping/>
-  </p:clrMapOvr>
-</p:sld>
-</file>
-
-<file path=ppt/slides/slide11.xml><?xml version="1.0" encoding="utf-8"?>
-<p:sld xmlns:a="http://schemas.openxmlformats.org/drawingml/2006/main" xmlns:r="http://schemas.openxmlformats.org/officeDocument/2006/relationships" xmlns:p="http://schemas.openxmlformats.org/presentationml/2006/main">
-  <p:cSld>
-    <p:bg>
-      <p:bgPr>
-        <a:solidFill>
-          <a:schemeClr val="bg1"/>
-        </a:solidFill>
-        <a:effectLst/>
-      </p:bgPr>
-    </p:bg>
-    <p:spTree>
-      <p:nvGrpSpPr>
-        <p:cNvPr id="1" name=""/>
-        <p:cNvGrpSpPr/>
-        <p:nvPr/>
-      </p:nvGrpSpPr>
-      <p:grpSpPr>
-        <a:xfrm>
-          <a:off x="0" y="0"/>
-          <a:ext cx="0" cy="0"/>
-          <a:chOff x="0" y="0"/>
-          <a:chExt cx="0" cy="0"/>
-        </a:xfrm>
-      </p:grpSpPr>
-      <p:sp useBgFill="1">
-        <p:nvSpPr>
-          <p:cNvPr id="11" name="Rectangle 10">
-            <a:extLst>
-              <a:ext uri="{FF2B5EF4-FFF2-40B4-BE49-F238E27FC236}">
-                <a16:creationId xmlns:a16="http://schemas.microsoft.com/office/drawing/2014/main" id="{100EDD19-6802-4EC3-95CE-CFFAB042CFD6}"/>
-              </a:ext>
-              <a:ext uri="{C183D7F6-B498-43B3-948B-1728B52AA6E4}">
-                <adec:decorative xmlns:adec="http://schemas.microsoft.com/office/drawing/2017/decorative" val="1"/>
-              </a:ext>
-            </a:extLst>
-          </p:cNvPr>
-          <p:cNvSpPr>
-            <a:spLocks noGrp="1" noRot="1" noChangeAspect="1" noMove="1" noResize="1" noEditPoints="1" noAdjustHandles="1" noChangeArrowheads="1" noChangeShapeType="1" noTextEdit="1"/>
-          </p:cNvSpPr>
-          <p:nvPr>
-            <p:extLst>
-              <p:ext uri="{386F3935-93C4-4BCD-93E2-E3B085C9AB24}">
-                <p16:designElem xmlns:p16="http://schemas.microsoft.com/office/powerpoint/2015/main" val="1"/>
-              </p:ext>
-            </p:extLst>
-          </p:nvPr>
-        </p:nvSpPr>
-        <p:spPr>
-          <a:xfrm>
-            <a:off x="0" y="0"/>
-            <a:ext cx="12188952" cy="6858000"/>
-          </a:xfrm>
-          <a:prstGeom prst="rect">
-            <a:avLst/>
-          </a:prstGeom>
-          <a:ln>
-            <a:noFill/>
-          </a:ln>
-        </p:spPr>
-        <p:style>
-          <a:lnRef idx="2">
-            <a:schemeClr val="accent1">
-              <a:shade val="50000"/>
-            </a:schemeClr>
-          </a:lnRef>
-          <a:fillRef idx="1">
-            <a:schemeClr val="accent1"/>
-          </a:fillRef>
-          <a:effectRef idx="0">
-            <a:schemeClr val="accent1"/>
-          </a:effectRef>
-          <a:fontRef idx="minor">
-            <a:schemeClr val="lt1"/>
-          </a:fontRef>
-        </p:style>
-        <p:txBody>
-          <a:bodyPr rtlCol="0" anchor="ctr"/>
-          <a:lstStyle/>
-          <a:p>
-            <a:pPr algn="ctr"/>
-            <a:endParaRPr lang="en-US"/>
-          </a:p>
-        </p:txBody>
-      </p:sp>
-      <p:sp>
-        <p:nvSpPr>
-          <p:cNvPr id="2" name="Title 1">
-            <a:extLst>
-              <a:ext uri="{FF2B5EF4-FFF2-40B4-BE49-F238E27FC236}">
-                <a16:creationId xmlns:a16="http://schemas.microsoft.com/office/drawing/2014/main" id="{EABAB166-3C39-43D1-8F8B-9DB2DEE2352F}"/>
-              </a:ext>
-            </a:extLst>
-          </p:cNvPr>
-          <p:cNvSpPr>
-            <a:spLocks noGrp="1"/>
-          </p:cNvSpPr>
-          <p:nvPr>
-            <p:ph type="title"/>
-          </p:nvPr>
-        </p:nvSpPr>
-        <p:spPr>
-          <a:xfrm>
-            <a:off x="838200" y="365125"/>
-            <a:ext cx="10515600" cy="1325563"/>
-          </a:xfrm>
-        </p:spPr>
-        <p:txBody>
-          <a:bodyPr>
-            <a:normAutofit/>
-          </a:bodyPr>
-          <a:lstStyle/>
-          <a:p>
-            <a:r>
-              <a:rPr lang="en-US" sz="5400" dirty="0"/>
-              <a:t>Discussion and Conclusion</a:t>
-            </a:r>
-          </a:p>
-        </p:txBody>
-      </p:sp>
-      <p:sp>
-        <p:nvSpPr>
-          <p:cNvPr id="13" name="sketch line">
-            <a:extLst>
-              <a:ext uri="{FF2B5EF4-FFF2-40B4-BE49-F238E27FC236}">
-                <a16:creationId xmlns:a16="http://schemas.microsoft.com/office/drawing/2014/main" id="{DB17E863-922E-4C26-BD64-E8FD41D28661}"/>
-              </a:ext>
-              <a:ext uri="{C183D7F6-B498-43B3-948B-1728B52AA6E4}">
-                <adec:decorative xmlns:adec="http://schemas.microsoft.com/office/drawing/2017/decorative" val="1"/>
-              </a:ext>
-            </a:extLst>
-          </p:cNvPr>
-          <p:cNvSpPr>
-            <a:spLocks noGrp="1" noRot="1" noChangeAspect="1" noMove="1" noResize="1" noEditPoints="1" noAdjustHandles="1" noChangeArrowheads="1" noChangeShapeType="1" noTextEdit="1"/>
-          </p:cNvSpPr>
-          <p:nvPr>
-            <p:extLst>
-              <p:ext uri="{386F3935-93C4-4BCD-93E2-E3B085C9AB24}">
-                <p16:designElem xmlns:p16="http://schemas.microsoft.com/office/powerpoint/2015/main" val="1"/>
-              </p:ext>
-            </p:extLst>
-          </p:nvPr>
-        </p:nvSpPr>
-        <p:spPr>
-          <a:xfrm>
-            <a:off x="669036" y="1677373"/>
-            <a:ext cx="10853928" cy="18288"/>
-          </a:xfrm>
-          <a:custGeom>
-            <a:avLst/>
-            <a:gdLst>
-              <a:gd name="connsiteX0" fmla="*/ 0 w 10853928"/>
-              <a:gd name="connsiteY0" fmla="*/ 0 h 18288"/>
-              <a:gd name="connsiteX1" fmla="*/ 461292 w 10853928"/>
-              <a:gd name="connsiteY1" fmla="*/ 0 h 18288"/>
-              <a:gd name="connsiteX2" fmla="*/ 1139662 w 10853928"/>
-              <a:gd name="connsiteY2" fmla="*/ 0 h 18288"/>
-              <a:gd name="connsiteX3" fmla="*/ 1926572 w 10853928"/>
-              <a:gd name="connsiteY3" fmla="*/ 0 h 18288"/>
-              <a:gd name="connsiteX4" fmla="*/ 2279325 w 10853928"/>
-              <a:gd name="connsiteY4" fmla="*/ 0 h 18288"/>
-              <a:gd name="connsiteX5" fmla="*/ 2632078 w 10853928"/>
-              <a:gd name="connsiteY5" fmla="*/ 0 h 18288"/>
-              <a:gd name="connsiteX6" fmla="*/ 3527527 w 10853928"/>
-              <a:gd name="connsiteY6" fmla="*/ 0 h 18288"/>
-              <a:gd name="connsiteX7" fmla="*/ 4205897 w 10853928"/>
-              <a:gd name="connsiteY7" fmla="*/ 0 h 18288"/>
-              <a:gd name="connsiteX8" fmla="*/ 4558650 w 10853928"/>
-              <a:gd name="connsiteY8" fmla="*/ 0 h 18288"/>
-              <a:gd name="connsiteX9" fmla="*/ 5237020 w 10853928"/>
-              <a:gd name="connsiteY9" fmla="*/ 0 h 18288"/>
-              <a:gd name="connsiteX10" fmla="*/ 6132469 w 10853928"/>
-              <a:gd name="connsiteY10" fmla="*/ 0 h 18288"/>
-              <a:gd name="connsiteX11" fmla="*/ 6702301 w 10853928"/>
-              <a:gd name="connsiteY11" fmla="*/ 0 h 18288"/>
-              <a:gd name="connsiteX12" fmla="*/ 7272132 w 10853928"/>
-              <a:gd name="connsiteY12" fmla="*/ 0 h 18288"/>
-              <a:gd name="connsiteX13" fmla="*/ 7950502 w 10853928"/>
-              <a:gd name="connsiteY13" fmla="*/ 0 h 18288"/>
-              <a:gd name="connsiteX14" fmla="*/ 8737412 w 10853928"/>
-              <a:gd name="connsiteY14" fmla="*/ 0 h 18288"/>
-              <a:gd name="connsiteX15" fmla="*/ 9524322 w 10853928"/>
-              <a:gd name="connsiteY15" fmla="*/ 0 h 18288"/>
-              <a:gd name="connsiteX16" fmla="*/ 10853928 w 10853928"/>
-              <a:gd name="connsiteY16" fmla="*/ 0 h 18288"/>
-              <a:gd name="connsiteX17" fmla="*/ 10853928 w 10853928"/>
-              <a:gd name="connsiteY17" fmla="*/ 18288 h 18288"/>
-              <a:gd name="connsiteX18" fmla="*/ 10392636 w 10853928"/>
-              <a:gd name="connsiteY18" fmla="*/ 18288 h 18288"/>
-              <a:gd name="connsiteX19" fmla="*/ 9497187 w 10853928"/>
-              <a:gd name="connsiteY19" fmla="*/ 18288 h 18288"/>
-              <a:gd name="connsiteX20" fmla="*/ 8818817 w 10853928"/>
-              <a:gd name="connsiteY20" fmla="*/ 18288 h 18288"/>
-              <a:gd name="connsiteX21" fmla="*/ 8466064 w 10853928"/>
-              <a:gd name="connsiteY21" fmla="*/ 18288 h 18288"/>
-              <a:gd name="connsiteX22" fmla="*/ 7787693 w 10853928"/>
-              <a:gd name="connsiteY22" fmla="*/ 18288 h 18288"/>
-              <a:gd name="connsiteX23" fmla="*/ 7217862 w 10853928"/>
-              <a:gd name="connsiteY23" fmla="*/ 18288 h 18288"/>
-              <a:gd name="connsiteX24" fmla="*/ 6648031 w 10853928"/>
-              <a:gd name="connsiteY24" fmla="*/ 18288 h 18288"/>
-              <a:gd name="connsiteX25" fmla="*/ 6078200 w 10853928"/>
-              <a:gd name="connsiteY25" fmla="*/ 18288 h 18288"/>
-              <a:gd name="connsiteX26" fmla="*/ 5508368 w 10853928"/>
-              <a:gd name="connsiteY26" fmla="*/ 18288 h 18288"/>
-              <a:gd name="connsiteX27" fmla="*/ 4721459 w 10853928"/>
-              <a:gd name="connsiteY27" fmla="*/ 18288 h 18288"/>
-              <a:gd name="connsiteX28" fmla="*/ 4043088 w 10853928"/>
-              <a:gd name="connsiteY28" fmla="*/ 18288 h 18288"/>
-              <a:gd name="connsiteX29" fmla="*/ 3690336 w 10853928"/>
-              <a:gd name="connsiteY29" fmla="*/ 18288 h 18288"/>
-              <a:gd name="connsiteX30" fmla="*/ 3120504 w 10853928"/>
-              <a:gd name="connsiteY30" fmla="*/ 18288 h 18288"/>
-              <a:gd name="connsiteX31" fmla="*/ 2333595 w 10853928"/>
-              <a:gd name="connsiteY31" fmla="*/ 18288 h 18288"/>
-              <a:gd name="connsiteX32" fmla="*/ 1872303 w 10853928"/>
-              <a:gd name="connsiteY32" fmla="*/ 18288 h 18288"/>
-              <a:gd name="connsiteX33" fmla="*/ 976854 w 10853928"/>
-              <a:gd name="connsiteY33" fmla="*/ 18288 h 18288"/>
-              <a:gd name="connsiteX34" fmla="*/ 0 w 10853928"/>
-              <a:gd name="connsiteY34" fmla="*/ 18288 h 18288"/>
-              <a:gd name="connsiteX35" fmla="*/ 0 w 10853928"/>
-              <a:gd name="connsiteY35" fmla="*/ 0 h 18288"/>
-            </a:gdLst>
-            <a:ahLst/>
-            <a:cxnLst>
-              <a:cxn ang="0">
-                <a:pos x="connsiteX0" y="connsiteY0"/>
-              </a:cxn>
-              <a:cxn ang="0">
-                <a:pos x="connsiteX1" y="connsiteY1"/>
-              </a:cxn>
-              <a:cxn ang="0">
-                <a:pos x="connsiteX2" y="connsiteY2"/>
-              </a:cxn>
-              <a:cxn ang="0">
-                <a:pos x="connsiteX3" y="connsiteY3"/>
-              </a:cxn>
-              <a:cxn ang="0">
-                <a:pos x="connsiteX4" y="connsiteY4"/>
-              </a:cxn>
-              <a:cxn ang="0">
-                <a:pos x="connsiteX5" y="connsiteY5"/>
-              </a:cxn>
-              <a:cxn ang="0">
-                <a:pos x="connsiteX6" y="connsiteY6"/>
-              </a:cxn>
-              <a:cxn ang="0">
-                <a:pos x="connsiteX7" y="connsiteY7"/>
-              </a:cxn>
-              <a:cxn ang="0">
-                <a:pos x="connsiteX8" y="connsiteY8"/>
-              </a:cxn>
-              <a:cxn ang="0">
-                <a:pos x="connsiteX9" y="connsiteY9"/>
-              </a:cxn>
-              <a:cxn ang="0">
-                <a:pos x="connsiteX10" y="connsiteY10"/>
-              </a:cxn>
-              <a:cxn ang="0">
-                <a:pos x="connsiteX11" y="connsiteY11"/>
-              </a:cxn>
-              <a:cxn ang="0">
-                <a:pos x="connsiteX12" y="connsiteY12"/>
-              </a:cxn>
-              <a:cxn ang="0">
-                <a:pos x="connsiteX13" y="connsiteY13"/>
-              </a:cxn>
-              <a:cxn ang="0">
-                <a:pos x="connsiteX14" y="connsiteY14"/>
-              </a:cxn>
-              <a:cxn ang="0">
-                <a:pos x="connsiteX15" y="connsiteY15"/>
-              </a:cxn>
-              <a:cxn ang="0">
-                <a:pos x="connsiteX16" y="connsiteY16"/>
-              </a:cxn>
-              <a:cxn ang="0">
-                <a:pos x="connsiteX17" y="connsiteY17"/>
-              </a:cxn>
-              <a:cxn ang="0">
-                <a:pos x="connsiteX18" y="connsiteY18"/>
-              </a:cxn>
-              <a:cxn ang="0">
-                <a:pos x="connsiteX19" y="connsiteY19"/>
-              </a:cxn>
-              <a:cxn ang="0">
-                <a:pos x="connsiteX20" y="connsiteY20"/>
-              </a:cxn>
-              <a:cxn ang="0">
-                <a:pos x="connsiteX21" y="connsiteY21"/>
-              </a:cxn>
-              <a:cxn ang="0">
-                <a:pos x="connsiteX22" y="connsiteY22"/>
-              </a:cxn>
-              <a:cxn ang="0">
-                <a:pos x="connsiteX23" y="connsiteY23"/>
-              </a:cxn>
-              <a:cxn ang="0">
-                <a:pos x="connsiteX24" y="connsiteY24"/>
-              </a:cxn>
-              <a:cxn ang="0">
-                <a:pos x="connsiteX25" y="connsiteY25"/>
-              </a:cxn>
-              <a:cxn ang="0">
-                <a:pos x="connsiteX26" y="connsiteY26"/>
-              </a:cxn>
-              <a:cxn ang="0">
-                <a:pos x="connsiteX27" y="connsiteY27"/>
-              </a:cxn>
-              <a:cxn ang="0">
-                <a:pos x="connsiteX28" y="connsiteY28"/>
-              </a:cxn>
-              <a:cxn ang="0">
-                <a:pos x="connsiteX29" y="connsiteY29"/>
-              </a:cxn>
-              <a:cxn ang="0">
-                <a:pos x="connsiteX30" y="connsiteY30"/>
-              </a:cxn>
-              <a:cxn ang="0">
-                <a:pos x="connsiteX31" y="connsiteY31"/>
-              </a:cxn>
-              <a:cxn ang="0">
-                <a:pos x="connsiteX32" y="connsiteY32"/>
-              </a:cxn>
-              <a:cxn ang="0">
-                <a:pos x="connsiteX33" y="connsiteY33"/>
-              </a:cxn>
-              <a:cxn ang="0">
-                <a:pos x="connsiteX34" y="connsiteY34"/>
-              </a:cxn>
-              <a:cxn ang="0">
-                <a:pos x="connsiteX35" y="connsiteY35"/>
-              </a:cxn>
-            </a:cxnLst>
-            <a:rect l="l" t="t" r="r" b="b"/>
-            <a:pathLst>
-              <a:path w="10853928" h="18288" fill="none" extrusionOk="0">
-                <a:moveTo>
-                  <a:pt x="0" y="0"/>
-                </a:moveTo>
-                <a:cubicBezTo>
-                  <a:pt x="146993" y="-19076"/>
-                  <a:pt x="347684" y="-4790"/>
-                  <a:pt x="461292" y="0"/>
-                </a:cubicBezTo>
-                <a:cubicBezTo>
-                  <a:pt x="574900" y="4790"/>
-                  <a:pt x="808367" y="19821"/>
-                  <a:pt x="1139662" y="0"/>
-                </a:cubicBezTo>
-                <a:cubicBezTo>
-                  <a:pt x="1470957" y="-19821"/>
-                  <a:pt x="1627405" y="5721"/>
-                  <a:pt x="1926572" y="0"/>
-                </a:cubicBezTo>
-                <a:cubicBezTo>
-                  <a:pt x="2225739" y="-5721"/>
-                  <a:pt x="2137730" y="-3235"/>
-                  <a:pt x="2279325" y="0"/>
-                </a:cubicBezTo>
-                <a:cubicBezTo>
-                  <a:pt x="2420920" y="3235"/>
-                  <a:pt x="2456518" y="9685"/>
-                  <a:pt x="2632078" y="0"/>
-                </a:cubicBezTo>
-                <a:cubicBezTo>
-                  <a:pt x="2807638" y="-9685"/>
-                  <a:pt x="3211516" y="-43007"/>
-                  <a:pt x="3527527" y="0"/>
-                </a:cubicBezTo>
-                <a:cubicBezTo>
-                  <a:pt x="3843538" y="43007"/>
-                  <a:pt x="4058833" y="22042"/>
-                  <a:pt x="4205897" y="0"/>
-                </a:cubicBezTo>
-                <a:cubicBezTo>
-                  <a:pt x="4352961" y="-22042"/>
-                  <a:pt x="4474805" y="-11846"/>
-                  <a:pt x="4558650" y="0"/>
-                </a:cubicBezTo>
-                <a:cubicBezTo>
-                  <a:pt x="4642495" y="11846"/>
-                  <a:pt x="5041928" y="-6069"/>
-                  <a:pt x="5237020" y="0"/>
-                </a:cubicBezTo>
-                <a:cubicBezTo>
-                  <a:pt x="5432112" y="6069"/>
-                  <a:pt x="5943266" y="-17479"/>
-                  <a:pt x="6132469" y="0"/>
-                </a:cubicBezTo>
-                <a:cubicBezTo>
-                  <a:pt x="6321672" y="17479"/>
-                  <a:pt x="6483872" y="26234"/>
-                  <a:pt x="6702301" y="0"/>
-                </a:cubicBezTo>
-                <a:cubicBezTo>
-                  <a:pt x="6920730" y="-26234"/>
-                  <a:pt x="6991194" y="-15156"/>
-                  <a:pt x="7272132" y="0"/>
-                </a:cubicBezTo>
-                <a:cubicBezTo>
-                  <a:pt x="7553070" y="15156"/>
-                  <a:pt x="7684444" y="-32961"/>
-                  <a:pt x="7950502" y="0"/>
-                </a:cubicBezTo>
-                <a:cubicBezTo>
-                  <a:pt x="8216560" y="32961"/>
-                  <a:pt x="8493290" y="-10491"/>
-                  <a:pt x="8737412" y="0"/>
-                </a:cubicBezTo>
-                <a:cubicBezTo>
-                  <a:pt x="8981534" y="10491"/>
-                  <a:pt x="9191586" y="-13899"/>
-                  <a:pt x="9524322" y="0"/>
-                </a:cubicBezTo>
-                <a:cubicBezTo>
-                  <a:pt x="9857058" y="13899"/>
-                  <a:pt x="10297509" y="7485"/>
-                  <a:pt x="10853928" y="0"/>
-                </a:cubicBezTo>
-                <a:cubicBezTo>
-                  <a:pt x="10854574" y="4451"/>
-                  <a:pt x="10854418" y="9226"/>
-                  <a:pt x="10853928" y="18288"/>
-                </a:cubicBezTo>
-                <a:cubicBezTo>
-                  <a:pt x="10691638" y="28522"/>
-                  <a:pt x="10574319" y="29578"/>
-                  <a:pt x="10392636" y="18288"/>
-                </a:cubicBezTo>
-                <a:cubicBezTo>
-                  <a:pt x="10210953" y="6998"/>
-                  <a:pt x="9836277" y="-16742"/>
-                  <a:pt x="9497187" y="18288"/>
-                </a:cubicBezTo>
-                <a:cubicBezTo>
-                  <a:pt x="9158097" y="53318"/>
-                  <a:pt x="9119479" y="30714"/>
-                  <a:pt x="8818817" y="18288"/>
-                </a:cubicBezTo>
-                <a:cubicBezTo>
-                  <a:pt x="8518155" y="5863"/>
-                  <a:pt x="8640037" y="6483"/>
-                  <a:pt x="8466064" y="18288"/>
-                </a:cubicBezTo>
-                <a:cubicBezTo>
-                  <a:pt x="8292091" y="30093"/>
-                  <a:pt x="7997656" y="18914"/>
-                  <a:pt x="7787693" y="18288"/>
-                </a:cubicBezTo>
-                <a:cubicBezTo>
-                  <a:pt x="7577730" y="17662"/>
-                  <a:pt x="7412468" y="21416"/>
-                  <a:pt x="7217862" y="18288"/>
-                </a:cubicBezTo>
-                <a:cubicBezTo>
-                  <a:pt x="7023256" y="15160"/>
-                  <a:pt x="6898018" y="14824"/>
-                  <a:pt x="6648031" y="18288"/>
-                </a:cubicBezTo>
-                <a:cubicBezTo>
-                  <a:pt x="6398044" y="21752"/>
-                  <a:pt x="6254402" y="38625"/>
-                  <a:pt x="6078200" y="18288"/>
-                </a:cubicBezTo>
-                <a:cubicBezTo>
-                  <a:pt x="5901998" y="-2049"/>
-                  <a:pt x="5622886" y="3213"/>
-                  <a:pt x="5508368" y="18288"/>
-                </a:cubicBezTo>
-                <a:cubicBezTo>
-                  <a:pt x="5393850" y="33363"/>
-                  <a:pt x="5036260" y="26830"/>
-                  <a:pt x="4721459" y="18288"/>
-                </a:cubicBezTo>
-                <a:cubicBezTo>
-                  <a:pt x="4406658" y="9746"/>
-                  <a:pt x="4239221" y="41551"/>
-                  <a:pt x="4043088" y="18288"/>
-                </a:cubicBezTo>
-                <a:cubicBezTo>
-                  <a:pt x="3846955" y="-4975"/>
-                  <a:pt x="3818802" y="34658"/>
-                  <a:pt x="3690336" y="18288"/>
-                </a:cubicBezTo>
-                <a:cubicBezTo>
-                  <a:pt x="3561870" y="1918"/>
-                  <a:pt x="3265491" y="42194"/>
-                  <a:pt x="3120504" y="18288"/>
-                </a:cubicBezTo>
-                <a:cubicBezTo>
-                  <a:pt x="2975517" y="-5618"/>
-                  <a:pt x="2720254" y="36673"/>
-                  <a:pt x="2333595" y="18288"/>
-                </a:cubicBezTo>
-                <a:cubicBezTo>
-                  <a:pt x="1946936" y="-97"/>
-                  <a:pt x="2097241" y="5776"/>
-                  <a:pt x="1872303" y="18288"/>
-                </a:cubicBezTo>
-                <a:cubicBezTo>
-                  <a:pt x="1647365" y="30800"/>
-                  <a:pt x="1282708" y="45380"/>
-                  <a:pt x="976854" y="18288"/>
-                </a:cubicBezTo>
-                <a:cubicBezTo>
-                  <a:pt x="671000" y="-8804"/>
-                  <a:pt x="408401" y="-12775"/>
-                  <a:pt x="0" y="18288"/>
-                </a:cubicBezTo>
-                <a:cubicBezTo>
-                  <a:pt x="-213" y="9468"/>
-                  <a:pt x="187" y="4459"/>
-                  <a:pt x="0" y="0"/>
-                </a:cubicBezTo>
-                <a:close/>
-              </a:path>
-              <a:path w="10853928" h="18288" stroke="0" extrusionOk="0">
-                <a:moveTo>
-                  <a:pt x="0" y="0"/>
-                </a:moveTo>
-                <a:cubicBezTo>
-                  <a:pt x="267322" y="15284"/>
-                  <a:pt x="415388" y="-21048"/>
-                  <a:pt x="569831" y="0"/>
-                </a:cubicBezTo>
-                <a:cubicBezTo>
-                  <a:pt x="724274" y="21048"/>
-                  <a:pt x="769333" y="-2353"/>
-                  <a:pt x="922584" y="0"/>
-                </a:cubicBezTo>
-                <a:cubicBezTo>
-                  <a:pt x="1075835" y="2353"/>
-                  <a:pt x="1399490" y="-145"/>
-                  <a:pt x="1818033" y="0"/>
-                </a:cubicBezTo>
-                <a:cubicBezTo>
-                  <a:pt x="2236576" y="145"/>
-                  <a:pt x="2145330" y="5482"/>
-                  <a:pt x="2387864" y="0"/>
-                </a:cubicBezTo>
-                <a:cubicBezTo>
-                  <a:pt x="2630398" y="-5482"/>
-                  <a:pt x="2793207" y="18487"/>
-                  <a:pt x="2957695" y="0"/>
-                </a:cubicBezTo>
-                <a:cubicBezTo>
-                  <a:pt x="3122183" y="-18487"/>
-                  <a:pt x="3579141" y="19003"/>
-                  <a:pt x="3853144" y="0"/>
-                </a:cubicBezTo>
-                <a:cubicBezTo>
-                  <a:pt x="4127147" y="-19003"/>
-                  <a:pt x="4209857" y="12211"/>
-                  <a:pt x="4314436" y="0"/>
-                </a:cubicBezTo>
-                <a:cubicBezTo>
-                  <a:pt x="4419015" y="-12211"/>
-                  <a:pt x="4762459" y="-17220"/>
-                  <a:pt x="5209885" y="0"/>
-                </a:cubicBezTo>
-                <a:cubicBezTo>
-                  <a:pt x="5657311" y="17220"/>
-                  <a:pt x="5692663" y="-3290"/>
-                  <a:pt x="6105335" y="0"/>
-                </a:cubicBezTo>
-                <a:cubicBezTo>
-                  <a:pt x="6518007" y="3290"/>
-                  <a:pt x="6455516" y="-5124"/>
-                  <a:pt x="6783705" y="0"/>
-                </a:cubicBezTo>
-                <a:cubicBezTo>
-                  <a:pt x="7111894" y="5124"/>
-                  <a:pt x="7441941" y="-17829"/>
-                  <a:pt x="7679154" y="0"/>
-                </a:cubicBezTo>
-                <a:cubicBezTo>
-                  <a:pt x="7916367" y="17829"/>
-                  <a:pt x="8102967" y="-24363"/>
-                  <a:pt x="8248985" y="0"/>
-                </a:cubicBezTo>
-                <a:cubicBezTo>
-                  <a:pt x="8395003" y="24363"/>
-                  <a:pt x="8552393" y="25505"/>
-                  <a:pt x="8818817" y="0"/>
-                </a:cubicBezTo>
-                <a:cubicBezTo>
-                  <a:pt x="9085241" y="-25505"/>
-                  <a:pt x="9411308" y="38000"/>
-                  <a:pt x="9605726" y="0"/>
-                </a:cubicBezTo>
-                <a:cubicBezTo>
-                  <a:pt x="9800144" y="-38000"/>
-                  <a:pt x="10006468" y="-25741"/>
-                  <a:pt x="10175558" y="0"/>
-                </a:cubicBezTo>
-                <a:cubicBezTo>
-                  <a:pt x="10344648" y="25741"/>
-                  <a:pt x="10696282" y="695"/>
-                  <a:pt x="10853928" y="0"/>
-                </a:cubicBezTo>
-                <a:cubicBezTo>
-                  <a:pt x="10853521" y="8690"/>
-                  <a:pt x="10853774" y="14141"/>
-                  <a:pt x="10853928" y="18288"/>
-                </a:cubicBezTo>
-                <a:cubicBezTo>
-                  <a:pt x="10608124" y="24255"/>
-                  <a:pt x="10343415" y="22307"/>
-                  <a:pt x="10067018" y="18288"/>
-                </a:cubicBezTo>
-                <a:cubicBezTo>
-                  <a:pt x="9790621" y="14270"/>
-                  <a:pt x="9843266" y="3564"/>
-                  <a:pt x="9714266" y="18288"/>
-                </a:cubicBezTo>
-                <a:cubicBezTo>
-                  <a:pt x="9585266" y="33012"/>
-                  <a:pt x="9379484" y="1875"/>
-                  <a:pt x="9252974" y="18288"/>
-                </a:cubicBezTo>
-                <a:cubicBezTo>
-                  <a:pt x="9126464" y="34701"/>
-                  <a:pt x="8580678" y="-4904"/>
-                  <a:pt x="8357525" y="18288"/>
-                </a:cubicBezTo>
-                <a:cubicBezTo>
-                  <a:pt x="8134372" y="41480"/>
-                  <a:pt x="7903199" y="26458"/>
-                  <a:pt x="7679154" y="18288"/>
-                </a:cubicBezTo>
-                <a:cubicBezTo>
-                  <a:pt x="7455109" y="10118"/>
-                  <a:pt x="7435944" y="27109"/>
-                  <a:pt x="7217862" y="18288"/>
-                </a:cubicBezTo>
-                <a:cubicBezTo>
-                  <a:pt x="6999780" y="9467"/>
-                  <a:pt x="6680409" y="18985"/>
-                  <a:pt x="6539492" y="18288"/>
-                </a:cubicBezTo>
-                <a:cubicBezTo>
-                  <a:pt x="6398575" y="17592"/>
-                  <a:pt x="6312077" y="33018"/>
-                  <a:pt x="6186739" y="18288"/>
-                </a:cubicBezTo>
-                <a:cubicBezTo>
-                  <a:pt x="6061401" y="3558"/>
-                  <a:pt x="5947033" y="12075"/>
-                  <a:pt x="5833986" y="18288"/>
-                </a:cubicBezTo>
-                <a:cubicBezTo>
-                  <a:pt x="5720939" y="24501"/>
-                  <a:pt x="5482226" y="8586"/>
-                  <a:pt x="5155616" y="18288"/>
-                </a:cubicBezTo>
-                <a:cubicBezTo>
-                  <a:pt x="4829006" y="27991"/>
-                  <a:pt x="4841274" y="29316"/>
-                  <a:pt x="4694324" y="18288"/>
-                </a:cubicBezTo>
-                <a:cubicBezTo>
-                  <a:pt x="4547374" y="7260"/>
-                  <a:pt x="4077675" y="7013"/>
-                  <a:pt x="3907414" y="18288"/>
-                </a:cubicBezTo>
-                <a:cubicBezTo>
-                  <a:pt x="3737153" y="29564"/>
-                  <a:pt x="3538393" y="21630"/>
-                  <a:pt x="3446122" y="18288"/>
-                </a:cubicBezTo>
-                <a:cubicBezTo>
-                  <a:pt x="3353851" y="14946"/>
-                  <a:pt x="2990320" y="-8091"/>
-                  <a:pt x="2659212" y="18288"/>
-                </a:cubicBezTo>
-                <a:cubicBezTo>
-                  <a:pt x="2328104" y="44667"/>
-                  <a:pt x="2427653" y="9607"/>
-                  <a:pt x="2306460" y="18288"/>
-                </a:cubicBezTo>
-                <a:cubicBezTo>
-                  <a:pt x="2185267" y="26969"/>
-                  <a:pt x="1719763" y="3717"/>
-                  <a:pt x="1519550" y="18288"/>
-                </a:cubicBezTo>
-                <a:cubicBezTo>
-                  <a:pt x="1319337" y="32860"/>
-                  <a:pt x="1167371" y="17040"/>
-                  <a:pt x="1058258" y="18288"/>
-                </a:cubicBezTo>
-                <a:cubicBezTo>
-                  <a:pt x="949145" y="19536"/>
-                  <a:pt x="780234" y="31447"/>
-                  <a:pt x="705505" y="18288"/>
-                </a:cubicBezTo>
-                <a:cubicBezTo>
-                  <a:pt x="630776" y="5129"/>
-                  <a:pt x="215796" y="30056"/>
-                  <a:pt x="0" y="18288"/>
-                </a:cubicBezTo>
-                <a:cubicBezTo>
-                  <a:pt x="-53" y="11301"/>
-                  <a:pt x="-649" y="7756"/>
-                  <a:pt x="0" y="0"/>
-                </a:cubicBezTo>
-                <a:close/>
-              </a:path>
-            </a:pathLst>
-          </a:custGeom>
-          <a:solidFill>
-            <a:schemeClr val="accent2"/>
-          </a:solidFill>
-          <a:ln w="41275" cap="rnd">
-            <a:solidFill>
-              <a:schemeClr val="accent2"/>
-            </a:solidFill>
-            <a:round/>
-            <a:extLst>
-              <a:ext uri="{C807C97D-BFC1-408E-A445-0C87EB9F89A2}">
-                <ask:lineSketchStyleProps xmlns:ask="http://schemas.microsoft.com/office/drawing/2018/sketchyshapes" sd="1219033472">
-                  <a:prstGeom prst="rect">
-                    <a:avLst/>
-                  </a:prstGeom>
-                  <ask:type>
-                    <ask:lineSketchFreehand/>
-                  </ask:type>
-                </ask:lineSketchStyleProps>
-              </a:ext>
-            </a:extLst>
-          </a:ln>
-        </p:spPr>
-        <p:style>
-          <a:lnRef idx="2">
-            <a:schemeClr val="accent1">
-              <a:shade val="50000"/>
-            </a:schemeClr>
-          </a:lnRef>
-          <a:fillRef idx="1">
-            <a:schemeClr val="accent1"/>
-          </a:fillRef>
-          <a:effectRef idx="0">
-            <a:schemeClr val="accent1"/>
-          </a:effectRef>
-          <a:fontRef idx="minor">
-            <a:schemeClr val="lt1"/>
-          </a:fontRef>
-        </p:style>
-        <p:txBody>
-          <a:bodyPr rtlCol="0" anchor="ctr"/>
-          <a:lstStyle/>
-          <a:p>
-            <a:pPr algn="ctr"/>
-            <a:endParaRPr lang="en-US"/>
-          </a:p>
-        </p:txBody>
-      </p:sp>
-      <p:sp>
-        <p:nvSpPr>
-          <p:cNvPr id="8" name="Content Placeholder 2">
-            <a:extLst>
-              <a:ext uri="{FF2B5EF4-FFF2-40B4-BE49-F238E27FC236}">
-                <a16:creationId xmlns:a16="http://schemas.microsoft.com/office/drawing/2014/main" id="{DAACDFF4-BC0E-42D7-BBD0-7647D0FBA059}"/>
-              </a:ext>
-            </a:extLst>
-          </p:cNvPr>
-          <p:cNvSpPr>
-            <a:spLocks noGrp="1"/>
-          </p:cNvSpPr>
-          <p:nvPr>
-            <p:ph idx="1"/>
-          </p:nvPr>
-        </p:nvSpPr>
-        <p:spPr>
-          <a:xfrm>
-            <a:off x="838200" y="1929384"/>
-            <a:ext cx="10515600" cy="4251960"/>
-          </a:xfrm>
-        </p:spPr>
-        <p:txBody>
-          <a:bodyPr>
-            <a:normAutofit/>
-          </a:bodyPr>
-          <a:lstStyle/>
-          <a:p>
-            <a:r>
-              <a:rPr lang="en-US" sz="2200" dirty="0"/>
-              <a:t>Given the imbalanced nature of these data, we saw disparate accuracies when comparing the normal quality category to the rare (low, high) quality categories.</a:t>
-            </a:r>
-          </a:p>
-          <a:p>
-            <a:r>
-              <a:rPr lang="en-US" sz="2200" dirty="0"/>
-              <a:t>The SMOTE algorithm provided a methodology for </a:t>
-            </a:r>
-            <a:r>
-              <a:rPr lang="en-US" sz="2200" dirty="0" err="1"/>
-              <a:t>undersampling</a:t>
-            </a:r>
-            <a:r>
-              <a:rPr lang="en-US" sz="2200" dirty="0"/>
-              <a:t> and oversampling, which showed small improvement with </a:t>
-            </a:r>
-            <a:r>
-              <a:rPr lang="en-US" sz="2200" dirty="0" err="1"/>
-              <a:t>undersampling</a:t>
-            </a:r>
-            <a:r>
-              <a:rPr lang="en-US" sz="2200" dirty="0"/>
-              <a:t> and excellent improvement with oversampling</a:t>
-            </a:r>
-          </a:p>
-          <a:p>
-            <a:r>
-              <a:rPr lang="en-US" sz="2200" dirty="0"/>
-              <a:t>There was a small trade-off regarding accuracy of the normal quality wine with the improvement we saw in oversampling of the rare quality categories</a:t>
-            </a:r>
-          </a:p>
-          <a:p>
-            <a:r>
-              <a:rPr lang="en-US" sz="2200" dirty="0"/>
-              <a:t>Grid search of tuning parameters revealed the optimal combination </a:t>
-            </a:r>
-            <a:r>
-              <a:rPr lang="en-US" sz="2200"/>
-              <a:t>of parameters</a:t>
-            </a:r>
-            <a:endParaRPr lang="en-US" sz="2200" dirty="0"/>
-          </a:p>
-          <a:p>
-            <a:r>
-              <a:rPr lang="en-US" sz="2200" dirty="0"/>
-              <a:t>Future work consists of pursuing additional methodologies to improve the relative lack of performance with </a:t>
-            </a:r>
-            <a:r>
-              <a:rPr lang="en-US" sz="2200" dirty="0" err="1"/>
-              <a:t>undersampling</a:t>
-            </a:r>
-            <a:endParaRPr lang="en-US" sz="2200" dirty="0"/>
-          </a:p>
-        </p:txBody>
-      </p:sp>
-    </p:spTree>
-    <p:extLst>
-      <p:ext uri="{BB962C8B-B14F-4D97-AF65-F5344CB8AC3E}">
-        <p14:creationId xmlns:p14="http://schemas.microsoft.com/office/powerpoint/2010/main" val="1432276014"/>
-      </p:ext>
-    </p:extLst>
-  </p:cSld>
-  <p:clrMapOvr>
-    <a:masterClrMapping/>
-  </p:clrMapOvr>
-</p:sld>
-</file>
-
-<file path=ppt/slides/slide12.xml><?xml version="1.0" encoding="utf-8"?>
-<p:sld xmlns:a="http://schemas.openxmlformats.org/drawingml/2006/main" xmlns:r="http://schemas.openxmlformats.org/officeDocument/2006/relationships" xmlns:p="http://schemas.openxmlformats.org/presentationml/2006/main">
-  <p:cSld>
-    <p:spTree>
-      <p:nvGrpSpPr>
-        <p:cNvPr id="1" name=""/>
-        <p:cNvGrpSpPr/>
-        <p:nvPr/>
-      </p:nvGrpSpPr>
-      <p:grpSpPr>
-        <a:xfrm>
-          <a:off x="0" y="0"/>
-          <a:ext cx="0" cy="0"/>
-          <a:chOff x="0" y="0"/>
-          <a:chExt cx="0" cy="0"/>
-        </a:xfrm>
-      </p:grpSpPr>
-      <p:sp>
-        <p:nvSpPr>
-          <p:cNvPr id="2" name="Title 1">
-            <a:extLst>
-              <a:ext uri="{FF2B5EF4-FFF2-40B4-BE49-F238E27FC236}">
-                <a16:creationId xmlns:a16="http://schemas.microsoft.com/office/drawing/2014/main" id="{9F1E1F66-FA04-4041-9DF8-43E6DA72392A}"/>
-              </a:ext>
-            </a:extLst>
-          </p:cNvPr>
-          <p:cNvSpPr>
-            <a:spLocks noGrp="1"/>
-          </p:cNvSpPr>
-          <p:nvPr>
-            <p:ph type="title"/>
-          </p:nvPr>
-        </p:nvSpPr>
-        <p:spPr/>
-        <p:txBody>
-          <a:bodyPr/>
-          <a:lstStyle/>
-          <a:p>
-            <a:r>
-              <a:rPr lang="en-US" dirty="0"/>
-              <a:t>References</a:t>
-            </a:r>
-          </a:p>
-        </p:txBody>
-      </p:sp>
-      <p:sp>
-        <p:nvSpPr>
-          <p:cNvPr id="3" name="Content Placeholder 2">
-            <a:extLst>
-              <a:ext uri="{FF2B5EF4-FFF2-40B4-BE49-F238E27FC236}">
-                <a16:creationId xmlns:a16="http://schemas.microsoft.com/office/drawing/2014/main" id="{E2B3C75C-9FE8-46E0-9054-7B159271A179}"/>
-              </a:ext>
-            </a:extLst>
-          </p:cNvPr>
-          <p:cNvSpPr>
-            <a:spLocks noGrp="1"/>
-          </p:cNvSpPr>
-          <p:nvPr>
-            <p:ph idx="1"/>
-          </p:nvPr>
-        </p:nvSpPr>
-        <p:spPr/>
-        <p:txBody>
-          <a:bodyPr>
-            <a:normAutofit fontScale="55000" lnSpcReduction="20000"/>
-          </a:bodyPr>
-          <a:lstStyle/>
-          <a:p>
-            <a:r>
-              <a:rPr lang="en-US" dirty="0" err="1"/>
-              <a:t>Uci</a:t>
-            </a:r>
-            <a:r>
-              <a:rPr lang="en-US" dirty="0"/>
-              <a:t> machine learning repository: Wine quality data set. URL https://archive.ics.uci.edu/ml/datasets/Wine+Qua </a:t>
-            </a:r>
-            <a:r>
-              <a:rPr lang="en-US" dirty="0" err="1"/>
-              <a:t>lity</a:t>
-            </a:r>
-            <a:endParaRPr lang="en-US" dirty="0"/>
-          </a:p>
-          <a:p>
-            <a:r>
-              <a:rPr lang="en-US" dirty="0"/>
-              <a:t>N. V. Chawla, K. W. Bowyer, L. O. Hall, and W. P. </a:t>
-            </a:r>
-            <a:r>
-              <a:rPr lang="en-US" dirty="0" err="1"/>
-              <a:t>Kegelmeyer</a:t>
-            </a:r>
-            <a:r>
-              <a:rPr lang="en-US" dirty="0"/>
-              <a:t>. Smote: synthetic minority over-sampling technique. Journal of artificial intelligence research, 16:321–357, 2002.</a:t>
-            </a:r>
-          </a:p>
-          <a:p>
-            <a:r>
-              <a:rPr lang="en-US" dirty="0"/>
-              <a:t>T. Chen, T. He, M. </a:t>
-            </a:r>
-            <a:r>
-              <a:rPr lang="en-US" dirty="0" err="1"/>
-              <a:t>Benesty</a:t>
-            </a:r>
-            <a:r>
-              <a:rPr lang="en-US" dirty="0"/>
-              <a:t>, V. </a:t>
-            </a:r>
-            <a:r>
-              <a:rPr lang="en-US" dirty="0" err="1"/>
-              <a:t>Khotilovich</a:t>
-            </a:r>
-            <a:r>
-              <a:rPr lang="en-US" dirty="0"/>
-              <a:t>, Y. Tang, H. Cho, K. Chen, R. Mitchell, I. Cano, T. Zhou, M. Li, J. </a:t>
-            </a:r>
-            <a:r>
-              <a:rPr lang="en-US" dirty="0" err="1"/>
-              <a:t>Xie</a:t>
-            </a:r>
-            <a:r>
-              <a:rPr lang="en-US" dirty="0"/>
-              <a:t>, M. Lin, Y. </a:t>
-            </a:r>
-            <a:r>
-              <a:rPr lang="en-US" dirty="0" err="1"/>
-              <a:t>Geng</a:t>
-            </a:r>
-            <a:r>
-              <a:rPr lang="en-US" dirty="0"/>
-              <a:t>, and Y. Li. </a:t>
-            </a:r>
-            <a:r>
-              <a:rPr lang="en-US" dirty="0" err="1"/>
-              <a:t>xgboost</a:t>
-            </a:r>
-            <a:r>
-              <a:rPr lang="en-US" dirty="0"/>
-              <a:t>: Extreme Gradient Boosting, 2021. URL https://CRAN.R-project.o </a:t>
-            </a:r>
-            <a:r>
-              <a:rPr lang="en-US" dirty="0" err="1"/>
-              <a:t>rg</a:t>
-            </a:r>
-            <a:r>
-              <a:rPr lang="en-US" dirty="0"/>
-              <a:t>/package=</a:t>
-            </a:r>
-            <a:r>
-              <a:rPr lang="en-US" dirty="0" err="1"/>
-              <a:t>xgboost</a:t>
-            </a:r>
-            <a:r>
-              <a:rPr lang="en-US" dirty="0"/>
-              <a:t>. R package version 1.3.2.1.</a:t>
-            </a:r>
-          </a:p>
-          <a:p>
-            <a:r>
-              <a:rPr lang="en-US" dirty="0"/>
-              <a:t>P. Cortez, J. Teixeira, A. </a:t>
-            </a:r>
-            <a:r>
-              <a:rPr lang="en-US" dirty="0" err="1"/>
-              <a:t>Cerdeira</a:t>
-            </a:r>
-            <a:r>
-              <a:rPr lang="en-US" dirty="0"/>
-              <a:t>, F. Almeida, T. Matos, and J. Reis. Using data mining for wine quality assessment. In International Conference on Discovery Science, pages 66–79. Springer, 2009. </a:t>
-            </a:r>
-          </a:p>
-          <a:p>
-            <a:r>
-              <a:rPr lang="en-US" dirty="0"/>
-              <a:t>Y. Gupta. Selection of important features and predicting wine quality using machine learning techniques. Procedia Computer Science, 125:305–312, 2018. </a:t>
-            </a:r>
-          </a:p>
-          <a:p>
-            <a:r>
-              <a:rPr lang="en-US" dirty="0"/>
-              <a:t>T. R. </a:t>
-            </a:r>
-            <a:r>
-              <a:rPr lang="en-US" dirty="0" err="1"/>
-              <a:t>Hoens</a:t>
-            </a:r>
-            <a:r>
-              <a:rPr lang="en-US" dirty="0"/>
-              <a:t> and N. V. Chawla. Imbalanced datasets: from sampling to classifiers. Imbalanced learning: Foundations, algorithms, and applications, pages 43–59, 2013. </a:t>
-            </a:r>
-          </a:p>
-          <a:p>
-            <a:r>
-              <a:rPr lang="en-US" dirty="0"/>
-              <a:t>G. Hu, T. Xi, F. Mohammed, and H. Miao. Classification of wine quality with imbalanced data. In 2016 IEEE International Conference on Industrial Technology (ICIT), pages 1712–1217. IEEE, 2016. 8A.</a:t>
-            </a:r>
-          </a:p>
-          <a:p>
-            <a:r>
-              <a:rPr lang="en-US" dirty="0"/>
-              <a:t>J. </a:t>
-            </a:r>
-            <a:r>
-              <a:rPr lang="en-US" dirty="0" err="1"/>
-              <a:t>Luengo</a:t>
-            </a:r>
-            <a:r>
-              <a:rPr lang="en-US" dirty="0"/>
-              <a:t>, A. Fernández, S. García, and F. Herrera. Addressing data complexity for imbalanced data sets: analysis of smote-based oversampling and evolutionary undersampling. Soft Computing, 15(10):1909–1936, 2011. </a:t>
-            </a:r>
-          </a:p>
-          <a:p>
-            <a:r>
-              <a:rPr lang="en-US" dirty="0"/>
-              <a:t>Y. Sun, A. K. Wong, and M. S. Kamel. Classification of imbalanced data: A review. International journal of pattern recognition and artificial intelligence, 23(04):687–719, 2009.</a:t>
-            </a:r>
-          </a:p>
-          <a:p>
-            <a:r>
-              <a:rPr lang="en-US" dirty="0"/>
-              <a:t>D. Vaughan and M. </a:t>
-            </a:r>
-            <a:r>
-              <a:rPr lang="en-US" dirty="0" err="1"/>
-              <a:t>Dancho</a:t>
-            </a:r>
-            <a:r>
-              <a:rPr lang="en-US" dirty="0"/>
-              <a:t>. </a:t>
-            </a:r>
-            <a:r>
-              <a:rPr lang="en-US" dirty="0" err="1"/>
-              <a:t>furrr</a:t>
-            </a:r>
-            <a:r>
-              <a:rPr lang="en-US" dirty="0"/>
-              <a:t>: Apply Mapping Functions in Parallel using Futures, 2021. URL https: //CRAN.R-project.org/package=</a:t>
-            </a:r>
-            <a:r>
-              <a:rPr lang="en-US" dirty="0" err="1"/>
-              <a:t>furrr</a:t>
-            </a:r>
-            <a:r>
-              <a:rPr lang="en-US" dirty="0"/>
-              <a:t>. R package version 0.2.2. </a:t>
-            </a:r>
-          </a:p>
-        </p:txBody>
-      </p:sp>
-    </p:spTree>
-    <p:extLst>
-      <p:ext uri="{BB962C8B-B14F-4D97-AF65-F5344CB8AC3E}">
-        <p14:creationId xmlns:p14="http://schemas.microsoft.com/office/powerpoint/2010/main" val="2060021222"/>
-      </p:ext>
-    </p:extLst>
-  </p:cSld>
-  <p:clrMapOvr>
-    <a:masterClrMapping/>
-  </p:clrMapOvr>
-</p:sld>
-</file>
-
-<file path=ppt/slides/slide13.xml><?xml version="1.0" encoding="utf-8"?>
 <p:sld xmlns:a="http://schemas.openxmlformats.org/drawingml/2006/main" xmlns:r="http://schemas.openxmlformats.org/officeDocument/2006/relationships" xmlns:p="http://schemas.openxmlformats.org/presentationml/2006/main">
   <p:cSld>
     <p:bg>
@@ -11018,6 +9330,2001 @@
 </p:sld>
 </file>
 
+<file path=ppt/slides/slide11.xml><?xml version="1.0" encoding="utf-8"?>
+<p:sld xmlns:a="http://schemas.openxmlformats.org/drawingml/2006/main" xmlns:r="http://schemas.openxmlformats.org/officeDocument/2006/relationships" xmlns:p="http://schemas.openxmlformats.org/presentationml/2006/main">
+  <p:cSld>
+    <p:bg>
+      <p:bgPr>
+        <a:solidFill>
+          <a:schemeClr val="bg1"/>
+        </a:solidFill>
+        <a:effectLst/>
+      </p:bgPr>
+    </p:bg>
+    <p:spTree>
+      <p:nvGrpSpPr>
+        <p:cNvPr id="1" name=""/>
+        <p:cNvGrpSpPr/>
+        <p:nvPr/>
+      </p:nvGrpSpPr>
+      <p:grpSpPr>
+        <a:xfrm>
+          <a:off x="0" y="0"/>
+          <a:ext cx="0" cy="0"/>
+          <a:chOff x="0" y="0"/>
+          <a:chExt cx="0" cy="0"/>
+        </a:xfrm>
+      </p:grpSpPr>
+      <p:sp useBgFill="1">
+        <p:nvSpPr>
+          <p:cNvPr id="11" name="Rectangle 10">
+            <a:extLst>
+              <a:ext uri="{FF2B5EF4-FFF2-40B4-BE49-F238E27FC236}">
+                <a16:creationId xmlns:a16="http://schemas.microsoft.com/office/drawing/2014/main" id="{100EDD19-6802-4EC3-95CE-CFFAB042CFD6}"/>
+              </a:ext>
+              <a:ext uri="{C183D7F6-B498-43B3-948B-1728B52AA6E4}">
+                <adec:decorative xmlns:adec="http://schemas.microsoft.com/office/drawing/2017/decorative" val="1"/>
+              </a:ext>
+            </a:extLst>
+          </p:cNvPr>
+          <p:cNvSpPr>
+            <a:spLocks noGrp="1" noRot="1" noChangeAspect="1" noMove="1" noResize="1" noEditPoints="1" noAdjustHandles="1" noChangeArrowheads="1" noChangeShapeType="1" noTextEdit="1"/>
+          </p:cNvSpPr>
+          <p:nvPr>
+            <p:extLst>
+              <p:ext uri="{386F3935-93C4-4BCD-93E2-E3B085C9AB24}">
+                <p16:designElem xmlns:p16="http://schemas.microsoft.com/office/powerpoint/2015/main" val="1"/>
+              </p:ext>
+            </p:extLst>
+          </p:nvPr>
+        </p:nvSpPr>
+        <p:spPr>
+          <a:xfrm>
+            <a:off x="0" y="0"/>
+            <a:ext cx="12188952" cy="6858000"/>
+          </a:xfrm>
+          <a:prstGeom prst="rect">
+            <a:avLst/>
+          </a:prstGeom>
+          <a:ln>
+            <a:noFill/>
+          </a:ln>
+        </p:spPr>
+        <p:style>
+          <a:lnRef idx="2">
+            <a:schemeClr val="accent1">
+              <a:shade val="50000"/>
+            </a:schemeClr>
+          </a:lnRef>
+          <a:fillRef idx="1">
+            <a:schemeClr val="accent1"/>
+          </a:fillRef>
+          <a:effectRef idx="0">
+            <a:schemeClr val="accent1"/>
+          </a:effectRef>
+          <a:fontRef idx="minor">
+            <a:schemeClr val="lt1"/>
+          </a:fontRef>
+        </p:style>
+        <p:txBody>
+          <a:bodyPr rtlCol="0" anchor="ctr"/>
+          <a:lstStyle/>
+          <a:p>
+            <a:pPr algn="ctr"/>
+            <a:endParaRPr lang="en-US"/>
+          </a:p>
+        </p:txBody>
+      </p:sp>
+      <p:sp>
+        <p:nvSpPr>
+          <p:cNvPr id="2" name="Title 1">
+            <a:extLst>
+              <a:ext uri="{FF2B5EF4-FFF2-40B4-BE49-F238E27FC236}">
+                <a16:creationId xmlns:a16="http://schemas.microsoft.com/office/drawing/2014/main" id="{EABAB166-3C39-43D1-8F8B-9DB2DEE2352F}"/>
+              </a:ext>
+            </a:extLst>
+          </p:cNvPr>
+          <p:cNvSpPr>
+            <a:spLocks noGrp="1"/>
+          </p:cNvSpPr>
+          <p:nvPr>
+            <p:ph type="title"/>
+          </p:nvPr>
+        </p:nvSpPr>
+        <p:spPr>
+          <a:xfrm>
+            <a:off x="838200" y="365125"/>
+            <a:ext cx="10515600" cy="1325563"/>
+          </a:xfrm>
+        </p:spPr>
+        <p:txBody>
+          <a:bodyPr>
+            <a:normAutofit/>
+          </a:bodyPr>
+          <a:lstStyle/>
+          <a:p>
+            <a:r>
+              <a:rPr lang="en-US" sz="5400" dirty="0"/>
+              <a:t>Results: Accuracy</a:t>
+            </a:r>
+          </a:p>
+        </p:txBody>
+      </p:sp>
+      <p:sp>
+        <p:nvSpPr>
+          <p:cNvPr id="13" name="sketch line">
+            <a:extLst>
+              <a:ext uri="{FF2B5EF4-FFF2-40B4-BE49-F238E27FC236}">
+                <a16:creationId xmlns:a16="http://schemas.microsoft.com/office/drawing/2014/main" id="{DB17E863-922E-4C26-BD64-E8FD41D28661}"/>
+              </a:ext>
+              <a:ext uri="{C183D7F6-B498-43B3-948B-1728B52AA6E4}">
+                <adec:decorative xmlns:adec="http://schemas.microsoft.com/office/drawing/2017/decorative" val="1"/>
+              </a:ext>
+            </a:extLst>
+          </p:cNvPr>
+          <p:cNvSpPr>
+            <a:spLocks noGrp="1" noRot="1" noChangeAspect="1" noMove="1" noResize="1" noEditPoints="1" noAdjustHandles="1" noChangeArrowheads="1" noChangeShapeType="1" noTextEdit="1"/>
+          </p:cNvSpPr>
+          <p:nvPr>
+            <p:extLst>
+              <p:ext uri="{386F3935-93C4-4BCD-93E2-E3B085C9AB24}">
+                <p16:designElem xmlns:p16="http://schemas.microsoft.com/office/powerpoint/2015/main" val="1"/>
+              </p:ext>
+            </p:extLst>
+          </p:nvPr>
+        </p:nvSpPr>
+        <p:spPr>
+          <a:xfrm>
+            <a:off x="669036" y="1677373"/>
+            <a:ext cx="10853928" cy="18288"/>
+          </a:xfrm>
+          <a:custGeom>
+            <a:avLst/>
+            <a:gdLst>
+              <a:gd name="connsiteX0" fmla="*/ 0 w 10853928"/>
+              <a:gd name="connsiteY0" fmla="*/ 0 h 18288"/>
+              <a:gd name="connsiteX1" fmla="*/ 461292 w 10853928"/>
+              <a:gd name="connsiteY1" fmla="*/ 0 h 18288"/>
+              <a:gd name="connsiteX2" fmla="*/ 1139662 w 10853928"/>
+              <a:gd name="connsiteY2" fmla="*/ 0 h 18288"/>
+              <a:gd name="connsiteX3" fmla="*/ 1926572 w 10853928"/>
+              <a:gd name="connsiteY3" fmla="*/ 0 h 18288"/>
+              <a:gd name="connsiteX4" fmla="*/ 2279325 w 10853928"/>
+              <a:gd name="connsiteY4" fmla="*/ 0 h 18288"/>
+              <a:gd name="connsiteX5" fmla="*/ 2632078 w 10853928"/>
+              <a:gd name="connsiteY5" fmla="*/ 0 h 18288"/>
+              <a:gd name="connsiteX6" fmla="*/ 3527527 w 10853928"/>
+              <a:gd name="connsiteY6" fmla="*/ 0 h 18288"/>
+              <a:gd name="connsiteX7" fmla="*/ 4205897 w 10853928"/>
+              <a:gd name="connsiteY7" fmla="*/ 0 h 18288"/>
+              <a:gd name="connsiteX8" fmla="*/ 4558650 w 10853928"/>
+              <a:gd name="connsiteY8" fmla="*/ 0 h 18288"/>
+              <a:gd name="connsiteX9" fmla="*/ 5237020 w 10853928"/>
+              <a:gd name="connsiteY9" fmla="*/ 0 h 18288"/>
+              <a:gd name="connsiteX10" fmla="*/ 6132469 w 10853928"/>
+              <a:gd name="connsiteY10" fmla="*/ 0 h 18288"/>
+              <a:gd name="connsiteX11" fmla="*/ 6702301 w 10853928"/>
+              <a:gd name="connsiteY11" fmla="*/ 0 h 18288"/>
+              <a:gd name="connsiteX12" fmla="*/ 7272132 w 10853928"/>
+              <a:gd name="connsiteY12" fmla="*/ 0 h 18288"/>
+              <a:gd name="connsiteX13" fmla="*/ 7950502 w 10853928"/>
+              <a:gd name="connsiteY13" fmla="*/ 0 h 18288"/>
+              <a:gd name="connsiteX14" fmla="*/ 8737412 w 10853928"/>
+              <a:gd name="connsiteY14" fmla="*/ 0 h 18288"/>
+              <a:gd name="connsiteX15" fmla="*/ 9524322 w 10853928"/>
+              <a:gd name="connsiteY15" fmla="*/ 0 h 18288"/>
+              <a:gd name="connsiteX16" fmla="*/ 10853928 w 10853928"/>
+              <a:gd name="connsiteY16" fmla="*/ 0 h 18288"/>
+              <a:gd name="connsiteX17" fmla="*/ 10853928 w 10853928"/>
+              <a:gd name="connsiteY17" fmla="*/ 18288 h 18288"/>
+              <a:gd name="connsiteX18" fmla="*/ 10392636 w 10853928"/>
+              <a:gd name="connsiteY18" fmla="*/ 18288 h 18288"/>
+              <a:gd name="connsiteX19" fmla="*/ 9497187 w 10853928"/>
+              <a:gd name="connsiteY19" fmla="*/ 18288 h 18288"/>
+              <a:gd name="connsiteX20" fmla="*/ 8818817 w 10853928"/>
+              <a:gd name="connsiteY20" fmla="*/ 18288 h 18288"/>
+              <a:gd name="connsiteX21" fmla="*/ 8466064 w 10853928"/>
+              <a:gd name="connsiteY21" fmla="*/ 18288 h 18288"/>
+              <a:gd name="connsiteX22" fmla="*/ 7787693 w 10853928"/>
+              <a:gd name="connsiteY22" fmla="*/ 18288 h 18288"/>
+              <a:gd name="connsiteX23" fmla="*/ 7217862 w 10853928"/>
+              <a:gd name="connsiteY23" fmla="*/ 18288 h 18288"/>
+              <a:gd name="connsiteX24" fmla="*/ 6648031 w 10853928"/>
+              <a:gd name="connsiteY24" fmla="*/ 18288 h 18288"/>
+              <a:gd name="connsiteX25" fmla="*/ 6078200 w 10853928"/>
+              <a:gd name="connsiteY25" fmla="*/ 18288 h 18288"/>
+              <a:gd name="connsiteX26" fmla="*/ 5508368 w 10853928"/>
+              <a:gd name="connsiteY26" fmla="*/ 18288 h 18288"/>
+              <a:gd name="connsiteX27" fmla="*/ 4721459 w 10853928"/>
+              <a:gd name="connsiteY27" fmla="*/ 18288 h 18288"/>
+              <a:gd name="connsiteX28" fmla="*/ 4043088 w 10853928"/>
+              <a:gd name="connsiteY28" fmla="*/ 18288 h 18288"/>
+              <a:gd name="connsiteX29" fmla="*/ 3690336 w 10853928"/>
+              <a:gd name="connsiteY29" fmla="*/ 18288 h 18288"/>
+              <a:gd name="connsiteX30" fmla="*/ 3120504 w 10853928"/>
+              <a:gd name="connsiteY30" fmla="*/ 18288 h 18288"/>
+              <a:gd name="connsiteX31" fmla="*/ 2333595 w 10853928"/>
+              <a:gd name="connsiteY31" fmla="*/ 18288 h 18288"/>
+              <a:gd name="connsiteX32" fmla="*/ 1872303 w 10853928"/>
+              <a:gd name="connsiteY32" fmla="*/ 18288 h 18288"/>
+              <a:gd name="connsiteX33" fmla="*/ 976854 w 10853928"/>
+              <a:gd name="connsiteY33" fmla="*/ 18288 h 18288"/>
+              <a:gd name="connsiteX34" fmla="*/ 0 w 10853928"/>
+              <a:gd name="connsiteY34" fmla="*/ 18288 h 18288"/>
+              <a:gd name="connsiteX35" fmla="*/ 0 w 10853928"/>
+              <a:gd name="connsiteY35" fmla="*/ 0 h 18288"/>
+            </a:gdLst>
+            <a:ahLst/>
+            <a:cxnLst>
+              <a:cxn ang="0">
+                <a:pos x="connsiteX0" y="connsiteY0"/>
+              </a:cxn>
+              <a:cxn ang="0">
+                <a:pos x="connsiteX1" y="connsiteY1"/>
+              </a:cxn>
+              <a:cxn ang="0">
+                <a:pos x="connsiteX2" y="connsiteY2"/>
+              </a:cxn>
+              <a:cxn ang="0">
+                <a:pos x="connsiteX3" y="connsiteY3"/>
+              </a:cxn>
+              <a:cxn ang="0">
+                <a:pos x="connsiteX4" y="connsiteY4"/>
+              </a:cxn>
+              <a:cxn ang="0">
+                <a:pos x="connsiteX5" y="connsiteY5"/>
+              </a:cxn>
+              <a:cxn ang="0">
+                <a:pos x="connsiteX6" y="connsiteY6"/>
+              </a:cxn>
+              <a:cxn ang="0">
+                <a:pos x="connsiteX7" y="connsiteY7"/>
+              </a:cxn>
+              <a:cxn ang="0">
+                <a:pos x="connsiteX8" y="connsiteY8"/>
+              </a:cxn>
+              <a:cxn ang="0">
+                <a:pos x="connsiteX9" y="connsiteY9"/>
+              </a:cxn>
+              <a:cxn ang="0">
+                <a:pos x="connsiteX10" y="connsiteY10"/>
+              </a:cxn>
+              <a:cxn ang="0">
+                <a:pos x="connsiteX11" y="connsiteY11"/>
+              </a:cxn>
+              <a:cxn ang="0">
+                <a:pos x="connsiteX12" y="connsiteY12"/>
+              </a:cxn>
+              <a:cxn ang="0">
+                <a:pos x="connsiteX13" y="connsiteY13"/>
+              </a:cxn>
+              <a:cxn ang="0">
+                <a:pos x="connsiteX14" y="connsiteY14"/>
+              </a:cxn>
+              <a:cxn ang="0">
+                <a:pos x="connsiteX15" y="connsiteY15"/>
+              </a:cxn>
+              <a:cxn ang="0">
+                <a:pos x="connsiteX16" y="connsiteY16"/>
+              </a:cxn>
+              <a:cxn ang="0">
+                <a:pos x="connsiteX17" y="connsiteY17"/>
+              </a:cxn>
+              <a:cxn ang="0">
+                <a:pos x="connsiteX18" y="connsiteY18"/>
+              </a:cxn>
+              <a:cxn ang="0">
+                <a:pos x="connsiteX19" y="connsiteY19"/>
+              </a:cxn>
+              <a:cxn ang="0">
+                <a:pos x="connsiteX20" y="connsiteY20"/>
+              </a:cxn>
+              <a:cxn ang="0">
+                <a:pos x="connsiteX21" y="connsiteY21"/>
+              </a:cxn>
+              <a:cxn ang="0">
+                <a:pos x="connsiteX22" y="connsiteY22"/>
+              </a:cxn>
+              <a:cxn ang="0">
+                <a:pos x="connsiteX23" y="connsiteY23"/>
+              </a:cxn>
+              <a:cxn ang="0">
+                <a:pos x="connsiteX24" y="connsiteY24"/>
+              </a:cxn>
+              <a:cxn ang="0">
+                <a:pos x="connsiteX25" y="connsiteY25"/>
+              </a:cxn>
+              <a:cxn ang="0">
+                <a:pos x="connsiteX26" y="connsiteY26"/>
+              </a:cxn>
+              <a:cxn ang="0">
+                <a:pos x="connsiteX27" y="connsiteY27"/>
+              </a:cxn>
+              <a:cxn ang="0">
+                <a:pos x="connsiteX28" y="connsiteY28"/>
+              </a:cxn>
+              <a:cxn ang="0">
+                <a:pos x="connsiteX29" y="connsiteY29"/>
+              </a:cxn>
+              <a:cxn ang="0">
+                <a:pos x="connsiteX30" y="connsiteY30"/>
+              </a:cxn>
+              <a:cxn ang="0">
+                <a:pos x="connsiteX31" y="connsiteY31"/>
+              </a:cxn>
+              <a:cxn ang="0">
+                <a:pos x="connsiteX32" y="connsiteY32"/>
+              </a:cxn>
+              <a:cxn ang="0">
+                <a:pos x="connsiteX33" y="connsiteY33"/>
+              </a:cxn>
+              <a:cxn ang="0">
+                <a:pos x="connsiteX34" y="connsiteY34"/>
+              </a:cxn>
+              <a:cxn ang="0">
+                <a:pos x="connsiteX35" y="connsiteY35"/>
+              </a:cxn>
+            </a:cxnLst>
+            <a:rect l="l" t="t" r="r" b="b"/>
+            <a:pathLst>
+              <a:path w="10853928" h="18288" fill="none" extrusionOk="0">
+                <a:moveTo>
+                  <a:pt x="0" y="0"/>
+                </a:moveTo>
+                <a:cubicBezTo>
+                  <a:pt x="146993" y="-19076"/>
+                  <a:pt x="347684" y="-4790"/>
+                  <a:pt x="461292" y="0"/>
+                </a:cubicBezTo>
+                <a:cubicBezTo>
+                  <a:pt x="574900" y="4790"/>
+                  <a:pt x="808367" y="19821"/>
+                  <a:pt x="1139662" y="0"/>
+                </a:cubicBezTo>
+                <a:cubicBezTo>
+                  <a:pt x="1470957" y="-19821"/>
+                  <a:pt x="1627405" y="5721"/>
+                  <a:pt x="1926572" y="0"/>
+                </a:cubicBezTo>
+                <a:cubicBezTo>
+                  <a:pt x="2225739" y="-5721"/>
+                  <a:pt x="2137730" y="-3235"/>
+                  <a:pt x="2279325" y="0"/>
+                </a:cubicBezTo>
+                <a:cubicBezTo>
+                  <a:pt x="2420920" y="3235"/>
+                  <a:pt x="2456518" y="9685"/>
+                  <a:pt x="2632078" y="0"/>
+                </a:cubicBezTo>
+                <a:cubicBezTo>
+                  <a:pt x="2807638" y="-9685"/>
+                  <a:pt x="3211516" y="-43007"/>
+                  <a:pt x="3527527" y="0"/>
+                </a:cubicBezTo>
+                <a:cubicBezTo>
+                  <a:pt x="3843538" y="43007"/>
+                  <a:pt x="4058833" y="22042"/>
+                  <a:pt x="4205897" y="0"/>
+                </a:cubicBezTo>
+                <a:cubicBezTo>
+                  <a:pt x="4352961" y="-22042"/>
+                  <a:pt x="4474805" y="-11846"/>
+                  <a:pt x="4558650" y="0"/>
+                </a:cubicBezTo>
+                <a:cubicBezTo>
+                  <a:pt x="4642495" y="11846"/>
+                  <a:pt x="5041928" y="-6069"/>
+                  <a:pt x="5237020" y="0"/>
+                </a:cubicBezTo>
+                <a:cubicBezTo>
+                  <a:pt x="5432112" y="6069"/>
+                  <a:pt x="5943266" y="-17479"/>
+                  <a:pt x="6132469" y="0"/>
+                </a:cubicBezTo>
+                <a:cubicBezTo>
+                  <a:pt x="6321672" y="17479"/>
+                  <a:pt x="6483872" y="26234"/>
+                  <a:pt x="6702301" y="0"/>
+                </a:cubicBezTo>
+                <a:cubicBezTo>
+                  <a:pt x="6920730" y="-26234"/>
+                  <a:pt x="6991194" y="-15156"/>
+                  <a:pt x="7272132" y="0"/>
+                </a:cubicBezTo>
+                <a:cubicBezTo>
+                  <a:pt x="7553070" y="15156"/>
+                  <a:pt x="7684444" y="-32961"/>
+                  <a:pt x="7950502" y="0"/>
+                </a:cubicBezTo>
+                <a:cubicBezTo>
+                  <a:pt x="8216560" y="32961"/>
+                  <a:pt x="8493290" y="-10491"/>
+                  <a:pt x="8737412" y="0"/>
+                </a:cubicBezTo>
+                <a:cubicBezTo>
+                  <a:pt x="8981534" y="10491"/>
+                  <a:pt x="9191586" y="-13899"/>
+                  <a:pt x="9524322" y="0"/>
+                </a:cubicBezTo>
+                <a:cubicBezTo>
+                  <a:pt x="9857058" y="13899"/>
+                  <a:pt x="10297509" y="7485"/>
+                  <a:pt x="10853928" y="0"/>
+                </a:cubicBezTo>
+                <a:cubicBezTo>
+                  <a:pt x="10854574" y="4451"/>
+                  <a:pt x="10854418" y="9226"/>
+                  <a:pt x="10853928" y="18288"/>
+                </a:cubicBezTo>
+                <a:cubicBezTo>
+                  <a:pt x="10691638" y="28522"/>
+                  <a:pt x="10574319" y="29578"/>
+                  <a:pt x="10392636" y="18288"/>
+                </a:cubicBezTo>
+                <a:cubicBezTo>
+                  <a:pt x="10210953" y="6998"/>
+                  <a:pt x="9836277" y="-16742"/>
+                  <a:pt x="9497187" y="18288"/>
+                </a:cubicBezTo>
+                <a:cubicBezTo>
+                  <a:pt x="9158097" y="53318"/>
+                  <a:pt x="9119479" y="30714"/>
+                  <a:pt x="8818817" y="18288"/>
+                </a:cubicBezTo>
+                <a:cubicBezTo>
+                  <a:pt x="8518155" y="5863"/>
+                  <a:pt x="8640037" y="6483"/>
+                  <a:pt x="8466064" y="18288"/>
+                </a:cubicBezTo>
+                <a:cubicBezTo>
+                  <a:pt x="8292091" y="30093"/>
+                  <a:pt x="7997656" y="18914"/>
+                  <a:pt x="7787693" y="18288"/>
+                </a:cubicBezTo>
+                <a:cubicBezTo>
+                  <a:pt x="7577730" y="17662"/>
+                  <a:pt x="7412468" y="21416"/>
+                  <a:pt x="7217862" y="18288"/>
+                </a:cubicBezTo>
+                <a:cubicBezTo>
+                  <a:pt x="7023256" y="15160"/>
+                  <a:pt x="6898018" y="14824"/>
+                  <a:pt x="6648031" y="18288"/>
+                </a:cubicBezTo>
+                <a:cubicBezTo>
+                  <a:pt x="6398044" y="21752"/>
+                  <a:pt x="6254402" y="38625"/>
+                  <a:pt x="6078200" y="18288"/>
+                </a:cubicBezTo>
+                <a:cubicBezTo>
+                  <a:pt x="5901998" y="-2049"/>
+                  <a:pt x="5622886" y="3213"/>
+                  <a:pt x="5508368" y="18288"/>
+                </a:cubicBezTo>
+                <a:cubicBezTo>
+                  <a:pt x="5393850" y="33363"/>
+                  <a:pt x="5036260" y="26830"/>
+                  <a:pt x="4721459" y="18288"/>
+                </a:cubicBezTo>
+                <a:cubicBezTo>
+                  <a:pt x="4406658" y="9746"/>
+                  <a:pt x="4239221" y="41551"/>
+                  <a:pt x="4043088" y="18288"/>
+                </a:cubicBezTo>
+                <a:cubicBezTo>
+                  <a:pt x="3846955" y="-4975"/>
+                  <a:pt x="3818802" y="34658"/>
+                  <a:pt x="3690336" y="18288"/>
+                </a:cubicBezTo>
+                <a:cubicBezTo>
+                  <a:pt x="3561870" y="1918"/>
+                  <a:pt x="3265491" y="42194"/>
+                  <a:pt x="3120504" y="18288"/>
+                </a:cubicBezTo>
+                <a:cubicBezTo>
+                  <a:pt x="2975517" y="-5618"/>
+                  <a:pt x="2720254" y="36673"/>
+                  <a:pt x="2333595" y="18288"/>
+                </a:cubicBezTo>
+                <a:cubicBezTo>
+                  <a:pt x="1946936" y="-97"/>
+                  <a:pt x="2097241" y="5776"/>
+                  <a:pt x="1872303" y="18288"/>
+                </a:cubicBezTo>
+                <a:cubicBezTo>
+                  <a:pt x="1647365" y="30800"/>
+                  <a:pt x="1282708" y="45380"/>
+                  <a:pt x="976854" y="18288"/>
+                </a:cubicBezTo>
+                <a:cubicBezTo>
+                  <a:pt x="671000" y="-8804"/>
+                  <a:pt x="408401" y="-12775"/>
+                  <a:pt x="0" y="18288"/>
+                </a:cubicBezTo>
+                <a:cubicBezTo>
+                  <a:pt x="-213" y="9468"/>
+                  <a:pt x="187" y="4459"/>
+                  <a:pt x="0" y="0"/>
+                </a:cubicBezTo>
+                <a:close/>
+              </a:path>
+              <a:path w="10853928" h="18288" stroke="0" extrusionOk="0">
+                <a:moveTo>
+                  <a:pt x="0" y="0"/>
+                </a:moveTo>
+                <a:cubicBezTo>
+                  <a:pt x="267322" y="15284"/>
+                  <a:pt x="415388" y="-21048"/>
+                  <a:pt x="569831" y="0"/>
+                </a:cubicBezTo>
+                <a:cubicBezTo>
+                  <a:pt x="724274" y="21048"/>
+                  <a:pt x="769333" y="-2353"/>
+                  <a:pt x="922584" y="0"/>
+                </a:cubicBezTo>
+                <a:cubicBezTo>
+                  <a:pt x="1075835" y="2353"/>
+                  <a:pt x="1399490" y="-145"/>
+                  <a:pt x="1818033" y="0"/>
+                </a:cubicBezTo>
+                <a:cubicBezTo>
+                  <a:pt x="2236576" y="145"/>
+                  <a:pt x="2145330" y="5482"/>
+                  <a:pt x="2387864" y="0"/>
+                </a:cubicBezTo>
+                <a:cubicBezTo>
+                  <a:pt x="2630398" y="-5482"/>
+                  <a:pt x="2793207" y="18487"/>
+                  <a:pt x="2957695" y="0"/>
+                </a:cubicBezTo>
+                <a:cubicBezTo>
+                  <a:pt x="3122183" y="-18487"/>
+                  <a:pt x="3579141" y="19003"/>
+                  <a:pt x="3853144" y="0"/>
+                </a:cubicBezTo>
+                <a:cubicBezTo>
+                  <a:pt x="4127147" y="-19003"/>
+                  <a:pt x="4209857" y="12211"/>
+                  <a:pt x="4314436" y="0"/>
+                </a:cubicBezTo>
+                <a:cubicBezTo>
+                  <a:pt x="4419015" y="-12211"/>
+                  <a:pt x="4762459" y="-17220"/>
+                  <a:pt x="5209885" y="0"/>
+                </a:cubicBezTo>
+                <a:cubicBezTo>
+                  <a:pt x="5657311" y="17220"/>
+                  <a:pt x="5692663" y="-3290"/>
+                  <a:pt x="6105335" y="0"/>
+                </a:cubicBezTo>
+                <a:cubicBezTo>
+                  <a:pt x="6518007" y="3290"/>
+                  <a:pt x="6455516" y="-5124"/>
+                  <a:pt x="6783705" y="0"/>
+                </a:cubicBezTo>
+                <a:cubicBezTo>
+                  <a:pt x="7111894" y="5124"/>
+                  <a:pt x="7441941" y="-17829"/>
+                  <a:pt x="7679154" y="0"/>
+                </a:cubicBezTo>
+                <a:cubicBezTo>
+                  <a:pt x="7916367" y="17829"/>
+                  <a:pt x="8102967" y="-24363"/>
+                  <a:pt x="8248985" y="0"/>
+                </a:cubicBezTo>
+                <a:cubicBezTo>
+                  <a:pt x="8395003" y="24363"/>
+                  <a:pt x="8552393" y="25505"/>
+                  <a:pt x="8818817" y="0"/>
+                </a:cubicBezTo>
+                <a:cubicBezTo>
+                  <a:pt x="9085241" y="-25505"/>
+                  <a:pt x="9411308" y="38000"/>
+                  <a:pt x="9605726" y="0"/>
+                </a:cubicBezTo>
+                <a:cubicBezTo>
+                  <a:pt x="9800144" y="-38000"/>
+                  <a:pt x="10006468" y="-25741"/>
+                  <a:pt x="10175558" y="0"/>
+                </a:cubicBezTo>
+                <a:cubicBezTo>
+                  <a:pt x="10344648" y="25741"/>
+                  <a:pt x="10696282" y="695"/>
+                  <a:pt x="10853928" y="0"/>
+                </a:cubicBezTo>
+                <a:cubicBezTo>
+                  <a:pt x="10853521" y="8690"/>
+                  <a:pt x="10853774" y="14141"/>
+                  <a:pt x="10853928" y="18288"/>
+                </a:cubicBezTo>
+                <a:cubicBezTo>
+                  <a:pt x="10608124" y="24255"/>
+                  <a:pt x="10343415" y="22307"/>
+                  <a:pt x="10067018" y="18288"/>
+                </a:cubicBezTo>
+                <a:cubicBezTo>
+                  <a:pt x="9790621" y="14270"/>
+                  <a:pt x="9843266" y="3564"/>
+                  <a:pt x="9714266" y="18288"/>
+                </a:cubicBezTo>
+                <a:cubicBezTo>
+                  <a:pt x="9585266" y="33012"/>
+                  <a:pt x="9379484" y="1875"/>
+                  <a:pt x="9252974" y="18288"/>
+                </a:cubicBezTo>
+                <a:cubicBezTo>
+                  <a:pt x="9126464" y="34701"/>
+                  <a:pt x="8580678" y="-4904"/>
+                  <a:pt x="8357525" y="18288"/>
+                </a:cubicBezTo>
+                <a:cubicBezTo>
+                  <a:pt x="8134372" y="41480"/>
+                  <a:pt x="7903199" y="26458"/>
+                  <a:pt x="7679154" y="18288"/>
+                </a:cubicBezTo>
+                <a:cubicBezTo>
+                  <a:pt x="7455109" y="10118"/>
+                  <a:pt x="7435944" y="27109"/>
+                  <a:pt x="7217862" y="18288"/>
+                </a:cubicBezTo>
+                <a:cubicBezTo>
+                  <a:pt x="6999780" y="9467"/>
+                  <a:pt x="6680409" y="18985"/>
+                  <a:pt x="6539492" y="18288"/>
+                </a:cubicBezTo>
+                <a:cubicBezTo>
+                  <a:pt x="6398575" y="17592"/>
+                  <a:pt x="6312077" y="33018"/>
+                  <a:pt x="6186739" y="18288"/>
+                </a:cubicBezTo>
+                <a:cubicBezTo>
+                  <a:pt x="6061401" y="3558"/>
+                  <a:pt x="5947033" y="12075"/>
+                  <a:pt x="5833986" y="18288"/>
+                </a:cubicBezTo>
+                <a:cubicBezTo>
+                  <a:pt x="5720939" y="24501"/>
+                  <a:pt x="5482226" y="8586"/>
+                  <a:pt x="5155616" y="18288"/>
+                </a:cubicBezTo>
+                <a:cubicBezTo>
+                  <a:pt x="4829006" y="27991"/>
+                  <a:pt x="4841274" y="29316"/>
+                  <a:pt x="4694324" y="18288"/>
+                </a:cubicBezTo>
+                <a:cubicBezTo>
+                  <a:pt x="4547374" y="7260"/>
+                  <a:pt x="4077675" y="7013"/>
+                  <a:pt x="3907414" y="18288"/>
+                </a:cubicBezTo>
+                <a:cubicBezTo>
+                  <a:pt x="3737153" y="29564"/>
+                  <a:pt x="3538393" y="21630"/>
+                  <a:pt x="3446122" y="18288"/>
+                </a:cubicBezTo>
+                <a:cubicBezTo>
+                  <a:pt x="3353851" y="14946"/>
+                  <a:pt x="2990320" y="-8091"/>
+                  <a:pt x="2659212" y="18288"/>
+                </a:cubicBezTo>
+                <a:cubicBezTo>
+                  <a:pt x="2328104" y="44667"/>
+                  <a:pt x="2427653" y="9607"/>
+                  <a:pt x="2306460" y="18288"/>
+                </a:cubicBezTo>
+                <a:cubicBezTo>
+                  <a:pt x="2185267" y="26969"/>
+                  <a:pt x="1719763" y="3717"/>
+                  <a:pt x="1519550" y="18288"/>
+                </a:cubicBezTo>
+                <a:cubicBezTo>
+                  <a:pt x="1319337" y="32860"/>
+                  <a:pt x="1167371" y="17040"/>
+                  <a:pt x="1058258" y="18288"/>
+                </a:cubicBezTo>
+                <a:cubicBezTo>
+                  <a:pt x="949145" y="19536"/>
+                  <a:pt x="780234" y="31447"/>
+                  <a:pt x="705505" y="18288"/>
+                </a:cubicBezTo>
+                <a:cubicBezTo>
+                  <a:pt x="630776" y="5129"/>
+                  <a:pt x="215796" y="30056"/>
+                  <a:pt x="0" y="18288"/>
+                </a:cubicBezTo>
+                <a:cubicBezTo>
+                  <a:pt x="-53" y="11301"/>
+                  <a:pt x="-649" y="7756"/>
+                  <a:pt x="0" y="0"/>
+                </a:cubicBezTo>
+                <a:close/>
+              </a:path>
+            </a:pathLst>
+          </a:custGeom>
+          <a:solidFill>
+            <a:schemeClr val="accent2"/>
+          </a:solidFill>
+          <a:ln w="41275" cap="rnd">
+            <a:solidFill>
+              <a:schemeClr val="accent2"/>
+            </a:solidFill>
+            <a:round/>
+            <a:extLst>
+              <a:ext uri="{C807C97D-BFC1-408E-A445-0C87EB9F89A2}">
+                <ask:lineSketchStyleProps xmlns:ask="http://schemas.microsoft.com/office/drawing/2018/sketchyshapes" sd="1219033472">
+                  <a:prstGeom prst="rect">
+                    <a:avLst/>
+                  </a:prstGeom>
+                  <ask:type>
+                    <ask:lineSketchFreehand/>
+                  </ask:type>
+                </ask:lineSketchStyleProps>
+              </a:ext>
+            </a:extLst>
+          </a:ln>
+        </p:spPr>
+        <p:style>
+          <a:lnRef idx="2">
+            <a:schemeClr val="accent1">
+              <a:shade val="50000"/>
+            </a:schemeClr>
+          </a:lnRef>
+          <a:fillRef idx="1">
+            <a:schemeClr val="accent1"/>
+          </a:fillRef>
+          <a:effectRef idx="0">
+            <a:schemeClr val="accent1"/>
+          </a:effectRef>
+          <a:fontRef idx="minor">
+            <a:schemeClr val="lt1"/>
+          </a:fontRef>
+        </p:style>
+        <p:txBody>
+          <a:bodyPr rtlCol="0" anchor="ctr"/>
+          <a:lstStyle/>
+          <a:p>
+            <a:pPr algn="ctr"/>
+            <a:endParaRPr lang="en-US"/>
+          </a:p>
+        </p:txBody>
+      </p:sp>
+      <p:pic>
+        <p:nvPicPr>
+          <p:cNvPr id="6" name="Picture 5">
+            <a:extLst>
+              <a:ext uri="{FF2B5EF4-FFF2-40B4-BE49-F238E27FC236}">
+                <a16:creationId xmlns:a16="http://schemas.microsoft.com/office/drawing/2014/main" id="{05A44FFB-595E-4484-81FA-6F32B7C8D0EF}"/>
+              </a:ext>
+            </a:extLst>
+          </p:cNvPr>
+          <p:cNvPicPr>
+            <a:picLocks noChangeAspect="1"/>
+          </p:cNvPicPr>
+          <p:nvPr/>
+        </p:nvPicPr>
+        <p:blipFill>
+          <a:blip r:embed="rId3"/>
+          <a:stretch>
+            <a:fillRect/>
+          </a:stretch>
+        </p:blipFill>
+        <p:spPr>
+          <a:xfrm>
+            <a:off x="5271720" y="1886439"/>
+            <a:ext cx="6251244" cy="4974048"/>
+          </a:xfrm>
+          <a:prstGeom prst="rect">
+            <a:avLst/>
+          </a:prstGeom>
+        </p:spPr>
+      </p:pic>
+      <p:sp>
+        <p:nvSpPr>
+          <p:cNvPr id="9" name="Content Placeholder 2">
+            <a:extLst>
+              <a:ext uri="{FF2B5EF4-FFF2-40B4-BE49-F238E27FC236}">
+                <a16:creationId xmlns:a16="http://schemas.microsoft.com/office/drawing/2014/main" id="{CAE6F437-A269-472C-A5CA-AF18F6D7D634}"/>
+              </a:ext>
+            </a:extLst>
+          </p:cNvPr>
+          <p:cNvSpPr>
+            <a:spLocks noGrp="1"/>
+          </p:cNvSpPr>
+          <p:nvPr>
+            <p:ph idx="1"/>
+          </p:nvPr>
+        </p:nvSpPr>
+        <p:spPr>
+          <a:xfrm>
+            <a:off x="844767" y="2055813"/>
+            <a:ext cx="4265851" cy="4351338"/>
+          </a:xfrm>
+        </p:spPr>
+        <p:txBody>
+          <a:bodyPr/>
+          <a:lstStyle/>
+          <a:p>
+            <a:r>
+              <a:rPr lang="en-US" sz="2200" dirty="0"/>
+              <a:t>For the </a:t>
+            </a:r>
+            <a:r>
+              <a:rPr lang="en-US" sz="2200" b="1" dirty="0"/>
+              <a:t>overall data:</a:t>
+            </a:r>
+            <a:r>
+              <a:rPr lang="en-US" sz="2200" dirty="0"/>
+              <a:t> all methods performed relatively well; oversampling had excellent results whereas </a:t>
+            </a:r>
+            <a:r>
+              <a:rPr lang="en-US" sz="2200" dirty="0" err="1"/>
+              <a:t>undersampling</a:t>
+            </a:r>
+            <a:r>
+              <a:rPr lang="en-US" sz="2200" dirty="0"/>
+              <a:t> did not.</a:t>
+            </a:r>
+          </a:p>
+          <a:p>
+            <a:r>
+              <a:rPr lang="en-US" sz="2200" dirty="0"/>
+              <a:t>Per </a:t>
+            </a:r>
+            <a:r>
+              <a:rPr lang="en-US" sz="2200" b="1" dirty="0"/>
+              <a:t>category of quality:</a:t>
+            </a:r>
+            <a:r>
+              <a:rPr lang="en-US" sz="2200" dirty="0"/>
+              <a:t> low baseline rates of the rare classifications (low and high quality); </a:t>
+            </a:r>
+            <a:r>
+              <a:rPr lang="en-US" sz="2200" dirty="0" err="1"/>
+              <a:t>undersampling</a:t>
+            </a:r>
+            <a:r>
+              <a:rPr lang="en-US" sz="2200" dirty="0"/>
+              <a:t> had minimal improvement while oversampling had substantive improvement with small losses in normal category.</a:t>
+            </a:r>
+          </a:p>
+          <a:p>
+            <a:pPr marL="0" indent="0">
+              <a:buNone/>
+            </a:pPr>
+            <a:endParaRPr lang="en-US" sz="1900" dirty="0"/>
+          </a:p>
+        </p:txBody>
+      </p:sp>
+    </p:spTree>
+    <p:extLst>
+      <p:ext uri="{BB962C8B-B14F-4D97-AF65-F5344CB8AC3E}">
+        <p14:creationId xmlns:p14="http://schemas.microsoft.com/office/powerpoint/2010/main" val="3304124175"/>
+      </p:ext>
+    </p:extLst>
+  </p:cSld>
+  <p:clrMapOvr>
+    <a:masterClrMapping/>
+  </p:clrMapOvr>
+</p:sld>
+</file>
+
+<file path=ppt/slides/slide12.xml><?xml version="1.0" encoding="utf-8"?>
+<p:sld xmlns:a="http://schemas.openxmlformats.org/drawingml/2006/main" xmlns:r="http://schemas.openxmlformats.org/officeDocument/2006/relationships" xmlns:p="http://schemas.openxmlformats.org/presentationml/2006/main">
+  <p:cSld>
+    <p:bg>
+      <p:bgPr>
+        <a:solidFill>
+          <a:schemeClr val="bg1"/>
+        </a:solidFill>
+        <a:effectLst/>
+      </p:bgPr>
+    </p:bg>
+    <p:spTree>
+      <p:nvGrpSpPr>
+        <p:cNvPr id="1" name=""/>
+        <p:cNvGrpSpPr/>
+        <p:nvPr/>
+      </p:nvGrpSpPr>
+      <p:grpSpPr>
+        <a:xfrm>
+          <a:off x="0" y="0"/>
+          <a:ext cx="0" cy="0"/>
+          <a:chOff x="0" y="0"/>
+          <a:chExt cx="0" cy="0"/>
+        </a:xfrm>
+      </p:grpSpPr>
+      <p:sp useBgFill="1">
+        <p:nvSpPr>
+          <p:cNvPr id="11" name="Rectangle 10">
+            <a:extLst>
+              <a:ext uri="{FF2B5EF4-FFF2-40B4-BE49-F238E27FC236}">
+                <a16:creationId xmlns:a16="http://schemas.microsoft.com/office/drawing/2014/main" id="{100EDD19-6802-4EC3-95CE-CFFAB042CFD6}"/>
+              </a:ext>
+              <a:ext uri="{C183D7F6-B498-43B3-948B-1728B52AA6E4}">
+                <adec:decorative xmlns:adec="http://schemas.microsoft.com/office/drawing/2017/decorative" val="1"/>
+              </a:ext>
+            </a:extLst>
+          </p:cNvPr>
+          <p:cNvSpPr>
+            <a:spLocks noGrp="1" noRot="1" noChangeAspect="1" noMove="1" noResize="1" noEditPoints="1" noAdjustHandles="1" noChangeArrowheads="1" noChangeShapeType="1" noTextEdit="1"/>
+          </p:cNvSpPr>
+          <p:nvPr>
+            <p:extLst>
+              <p:ext uri="{386F3935-93C4-4BCD-93E2-E3B085C9AB24}">
+                <p16:designElem xmlns:p16="http://schemas.microsoft.com/office/powerpoint/2015/main" val="1"/>
+              </p:ext>
+            </p:extLst>
+          </p:nvPr>
+        </p:nvSpPr>
+        <p:spPr>
+          <a:xfrm>
+            <a:off x="0" y="0"/>
+            <a:ext cx="12188952" cy="6858000"/>
+          </a:xfrm>
+          <a:prstGeom prst="rect">
+            <a:avLst/>
+          </a:prstGeom>
+          <a:ln>
+            <a:noFill/>
+          </a:ln>
+        </p:spPr>
+        <p:style>
+          <a:lnRef idx="2">
+            <a:schemeClr val="accent1">
+              <a:shade val="50000"/>
+            </a:schemeClr>
+          </a:lnRef>
+          <a:fillRef idx="1">
+            <a:schemeClr val="accent1"/>
+          </a:fillRef>
+          <a:effectRef idx="0">
+            <a:schemeClr val="accent1"/>
+          </a:effectRef>
+          <a:fontRef idx="minor">
+            <a:schemeClr val="lt1"/>
+          </a:fontRef>
+        </p:style>
+        <p:txBody>
+          <a:bodyPr rtlCol="0" anchor="ctr"/>
+          <a:lstStyle/>
+          <a:p>
+            <a:pPr algn="ctr"/>
+            <a:endParaRPr lang="en-US"/>
+          </a:p>
+        </p:txBody>
+      </p:sp>
+      <p:sp>
+        <p:nvSpPr>
+          <p:cNvPr id="2" name="Title 1">
+            <a:extLst>
+              <a:ext uri="{FF2B5EF4-FFF2-40B4-BE49-F238E27FC236}">
+                <a16:creationId xmlns:a16="http://schemas.microsoft.com/office/drawing/2014/main" id="{EABAB166-3C39-43D1-8F8B-9DB2DEE2352F}"/>
+              </a:ext>
+            </a:extLst>
+          </p:cNvPr>
+          <p:cNvSpPr>
+            <a:spLocks noGrp="1"/>
+          </p:cNvSpPr>
+          <p:nvPr>
+            <p:ph type="title"/>
+          </p:nvPr>
+        </p:nvSpPr>
+        <p:spPr>
+          <a:xfrm>
+            <a:off x="838200" y="365125"/>
+            <a:ext cx="10515600" cy="1325563"/>
+          </a:xfrm>
+        </p:spPr>
+        <p:txBody>
+          <a:bodyPr>
+            <a:normAutofit/>
+          </a:bodyPr>
+          <a:lstStyle/>
+          <a:p>
+            <a:r>
+              <a:rPr lang="en-US" sz="5400" dirty="0"/>
+              <a:t>Discussion and Conclusion</a:t>
+            </a:r>
+          </a:p>
+        </p:txBody>
+      </p:sp>
+      <p:sp>
+        <p:nvSpPr>
+          <p:cNvPr id="13" name="sketch line">
+            <a:extLst>
+              <a:ext uri="{FF2B5EF4-FFF2-40B4-BE49-F238E27FC236}">
+                <a16:creationId xmlns:a16="http://schemas.microsoft.com/office/drawing/2014/main" id="{DB17E863-922E-4C26-BD64-E8FD41D28661}"/>
+              </a:ext>
+              <a:ext uri="{C183D7F6-B498-43B3-948B-1728B52AA6E4}">
+                <adec:decorative xmlns:adec="http://schemas.microsoft.com/office/drawing/2017/decorative" val="1"/>
+              </a:ext>
+            </a:extLst>
+          </p:cNvPr>
+          <p:cNvSpPr>
+            <a:spLocks noGrp="1" noRot="1" noChangeAspect="1" noMove="1" noResize="1" noEditPoints="1" noAdjustHandles="1" noChangeArrowheads="1" noChangeShapeType="1" noTextEdit="1"/>
+          </p:cNvSpPr>
+          <p:nvPr>
+            <p:extLst>
+              <p:ext uri="{386F3935-93C4-4BCD-93E2-E3B085C9AB24}">
+                <p16:designElem xmlns:p16="http://schemas.microsoft.com/office/powerpoint/2015/main" val="1"/>
+              </p:ext>
+            </p:extLst>
+          </p:nvPr>
+        </p:nvSpPr>
+        <p:spPr>
+          <a:xfrm>
+            <a:off x="669036" y="1677373"/>
+            <a:ext cx="10853928" cy="18288"/>
+          </a:xfrm>
+          <a:custGeom>
+            <a:avLst/>
+            <a:gdLst>
+              <a:gd name="connsiteX0" fmla="*/ 0 w 10853928"/>
+              <a:gd name="connsiteY0" fmla="*/ 0 h 18288"/>
+              <a:gd name="connsiteX1" fmla="*/ 461292 w 10853928"/>
+              <a:gd name="connsiteY1" fmla="*/ 0 h 18288"/>
+              <a:gd name="connsiteX2" fmla="*/ 1139662 w 10853928"/>
+              <a:gd name="connsiteY2" fmla="*/ 0 h 18288"/>
+              <a:gd name="connsiteX3" fmla="*/ 1926572 w 10853928"/>
+              <a:gd name="connsiteY3" fmla="*/ 0 h 18288"/>
+              <a:gd name="connsiteX4" fmla="*/ 2279325 w 10853928"/>
+              <a:gd name="connsiteY4" fmla="*/ 0 h 18288"/>
+              <a:gd name="connsiteX5" fmla="*/ 2632078 w 10853928"/>
+              <a:gd name="connsiteY5" fmla="*/ 0 h 18288"/>
+              <a:gd name="connsiteX6" fmla="*/ 3527527 w 10853928"/>
+              <a:gd name="connsiteY6" fmla="*/ 0 h 18288"/>
+              <a:gd name="connsiteX7" fmla="*/ 4205897 w 10853928"/>
+              <a:gd name="connsiteY7" fmla="*/ 0 h 18288"/>
+              <a:gd name="connsiteX8" fmla="*/ 4558650 w 10853928"/>
+              <a:gd name="connsiteY8" fmla="*/ 0 h 18288"/>
+              <a:gd name="connsiteX9" fmla="*/ 5237020 w 10853928"/>
+              <a:gd name="connsiteY9" fmla="*/ 0 h 18288"/>
+              <a:gd name="connsiteX10" fmla="*/ 6132469 w 10853928"/>
+              <a:gd name="connsiteY10" fmla="*/ 0 h 18288"/>
+              <a:gd name="connsiteX11" fmla="*/ 6702301 w 10853928"/>
+              <a:gd name="connsiteY11" fmla="*/ 0 h 18288"/>
+              <a:gd name="connsiteX12" fmla="*/ 7272132 w 10853928"/>
+              <a:gd name="connsiteY12" fmla="*/ 0 h 18288"/>
+              <a:gd name="connsiteX13" fmla="*/ 7950502 w 10853928"/>
+              <a:gd name="connsiteY13" fmla="*/ 0 h 18288"/>
+              <a:gd name="connsiteX14" fmla="*/ 8737412 w 10853928"/>
+              <a:gd name="connsiteY14" fmla="*/ 0 h 18288"/>
+              <a:gd name="connsiteX15" fmla="*/ 9524322 w 10853928"/>
+              <a:gd name="connsiteY15" fmla="*/ 0 h 18288"/>
+              <a:gd name="connsiteX16" fmla="*/ 10853928 w 10853928"/>
+              <a:gd name="connsiteY16" fmla="*/ 0 h 18288"/>
+              <a:gd name="connsiteX17" fmla="*/ 10853928 w 10853928"/>
+              <a:gd name="connsiteY17" fmla="*/ 18288 h 18288"/>
+              <a:gd name="connsiteX18" fmla="*/ 10392636 w 10853928"/>
+              <a:gd name="connsiteY18" fmla="*/ 18288 h 18288"/>
+              <a:gd name="connsiteX19" fmla="*/ 9497187 w 10853928"/>
+              <a:gd name="connsiteY19" fmla="*/ 18288 h 18288"/>
+              <a:gd name="connsiteX20" fmla="*/ 8818817 w 10853928"/>
+              <a:gd name="connsiteY20" fmla="*/ 18288 h 18288"/>
+              <a:gd name="connsiteX21" fmla="*/ 8466064 w 10853928"/>
+              <a:gd name="connsiteY21" fmla="*/ 18288 h 18288"/>
+              <a:gd name="connsiteX22" fmla="*/ 7787693 w 10853928"/>
+              <a:gd name="connsiteY22" fmla="*/ 18288 h 18288"/>
+              <a:gd name="connsiteX23" fmla="*/ 7217862 w 10853928"/>
+              <a:gd name="connsiteY23" fmla="*/ 18288 h 18288"/>
+              <a:gd name="connsiteX24" fmla="*/ 6648031 w 10853928"/>
+              <a:gd name="connsiteY24" fmla="*/ 18288 h 18288"/>
+              <a:gd name="connsiteX25" fmla="*/ 6078200 w 10853928"/>
+              <a:gd name="connsiteY25" fmla="*/ 18288 h 18288"/>
+              <a:gd name="connsiteX26" fmla="*/ 5508368 w 10853928"/>
+              <a:gd name="connsiteY26" fmla="*/ 18288 h 18288"/>
+              <a:gd name="connsiteX27" fmla="*/ 4721459 w 10853928"/>
+              <a:gd name="connsiteY27" fmla="*/ 18288 h 18288"/>
+              <a:gd name="connsiteX28" fmla="*/ 4043088 w 10853928"/>
+              <a:gd name="connsiteY28" fmla="*/ 18288 h 18288"/>
+              <a:gd name="connsiteX29" fmla="*/ 3690336 w 10853928"/>
+              <a:gd name="connsiteY29" fmla="*/ 18288 h 18288"/>
+              <a:gd name="connsiteX30" fmla="*/ 3120504 w 10853928"/>
+              <a:gd name="connsiteY30" fmla="*/ 18288 h 18288"/>
+              <a:gd name="connsiteX31" fmla="*/ 2333595 w 10853928"/>
+              <a:gd name="connsiteY31" fmla="*/ 18288 h 18288"/>
+              <a:gd name="connsiteX32" fmla="*/ 1872303 w 10853928"/>
+              <a:gd name="connsiteY32" fmla="*/ 18288 h 18288"/>
+              <a:gd name="connsiteX33" fmla="*/ 976854 w 10853928"/>
+              <a:gd name="connsiteY33" fmla="*/ 18288 h 18288"/>
+              <a:gd name="connsiteX34" fmla="*/ 0 w 10853928"/>
+              <a:gd name="connsiteY34" fmla="*/ 18288 h 18288"/>
+              <a:gd name="connsiteX35" fmla="*/ 0 w 10853928"/>
+              <a:gd name="connsiteY35" fmla="*/ 0 h 18288"/>
+            </a:gdLst>
+            <a:ahLst/>
+            <a:cxnLst>
+              <a:cxn ang="0">
+                <a:pos x="connsiteX0" y="connsiteY0"/>
+              </a:cxn>
+              <a:cxn ang="0">
+                <a:pos x="connsiteX1" y="connsiteY1"/>
+              </a:cxn>
+              <a:cxn ang="0">
+                <a:pos x="connsiteX2" y="connsiteY2"/>
+              </a:cxn>
+              <a:cxn ang="0">
+                <a:pos x="connsiteX3" y="connsiteY3"/>
+              </a:cxn>
+              <a:cxn ang="0">
+                <a:pos x="connsiteX4" y="connsiteY4"/>
+              </a:cxn>
+              <a:cxn ang="0">
+                <a:pos x="connsiteX5" y="connsiteY5"/>
+              </a:cxn>
+              <a:cxn ang="0">
+                <a:pos x="connsiteX6" y="connsiteY6"/>
+              </a:cxn>
+              <a:cxn ang="0">
+                <a:pos x="connsiteX7" y="connsiteY7"/>
+              </a:cxn>
+              <a:cxn ang="0">
+                <a:pos x="connsiteX8" y="connsiteY8"/>
+              </a:cxn>
+              <a:cxn ang="0">
+                <a:pos x="connsiteX9" y="connsiteY9"/>
+              </a:cxn>
+              <a:cxn ang="0">
+                <a:pos x="connsiteX10" y="connsiteY10"/>
+              </a:cxn>
+              <a:cxn ang="0">
+                <a:pos x="connsiteX11" y="connsiteY11"/>
+              </a:cxn>
+              <a:cxn ang="0">
+                <a:pos x="connsiteX12" y="connsiteY12"/>
+              </a:cxn>
+              <a:cxn ang="0">
+                <a:pos x="connsiteX13" y="connsiteY13"/>
+              </a:cxn>
+              <a:cxn ang="0">
+                <a:pos x="connsiteX14" y="connsiteY14"/>
+              </a:cxn>
+              <a:cxn ang="0">
+                <a:pos x="connsiteX15" y="connsiteY15"/>
+              </a:cxn>
+              <a:cxn ang="0">
+                <a:pos x="connsiteX16" y="connsiteY16"/>
+              </a:cxn>
+              <a:cxn ang="0">
+                <a:pos x="connsiteX17" y="connsiteY17"/>
+              </a:cxn>
+              <a:cxn ang="0">
+                <a:pos x="connsiteX18" y="connsiteY18"/>
+              </a:cxn>
+              <a:cxn ang="0">
+                <a:pos x="connsiteX19" y="connsiteY19"/>
+              </a:cxn>
+              <a:cxn ang="0">
+                <a:pos x="connsiteX20" y="connsiteY20"/>
+              </a:cxn>
+              <a:cxn ang="0">
+                <a:pos x="connsiteX21" y="connsiteY21"/>
+              </a:cxn>
+              <a:cxn ang="0">
+                <a:pos x="connsiteX22" y="connsiteY22"/>
+              </a:cxn>
+              <a:cxn ang="0">
+                <a:pos x="connsiteX23" y="connsiteY23"/>
+              </a:cxn>
+              <a:cxn ang="0">
+                <a:pos x="connsiteX24" y="connsiteY24"/>
+              </a:cxn>
+              <a:cxn ang="0">
+                <a:pos x="connsiteX25" y="connsiteY25"/>
+              </a:cxn>
+              <a:cxn ang="0">
+                <a:pos x="connsiteX26" y="connsiteY26"/>
+              </a:cxn>
+              <a:cxn ang="0">
+                <a:pos x="connsiteX27" y="connsiteY27"/>
+              </a:cxn>
+              <a:cxn ang="0">
+                <a:pos x="connsiteX28" y="connsiteY28"/>
+              </a:cxn>
+              <a:cxn ang="0">
+                <a:pos x="connsiteX29" y="connsiteY29"/>
+              </a:cxn>
+              <a:cxn ang="0">
+                <a:pos x="connsiteX30" y="connsiteY30"/>
+              </a:cxn>
+              <a:cxn ang="0">
+                <a:pos x="connsiteX31" y="connsiteY31"/>
+              </a:cxn>
+              <a:cxn ang="0">
+                <a:pos x="connsiteX32" y="connsiteY32"/>
+              </a:cxn>
+              <a:cxn ang="0">
+                <a:pos x="connsiteX33" y="connsiteY33"/>
+              </a:cxn>
+              <a:cxn ang="0">
+                <a:pos x="connsiteX34" y="connsiteY34"/>
+              </a:cxn>
+              <a:cxn ang="0">
+                <a:pos x="connsiteX35" y="connsiteY35"/>
+              </a:cxn>
+            </a:cxnLst>
+            <a:rect l="l" t="t" r="r" b="b"/>
+            <a:pathLst>
+              <a:path w="10853928" h="18288" fill="none" extrusionOk="0">
+                <a:moveTo>
+                  <a:pt x="0" y="0"/>
+                </a:moveTo>
+                <a:cubicBezTo>
+                  <a:pt x="146993" y="-19076"/>
+                  <a:pt x="347684" y="-4790"/>
+                  <a:pt x="461292" y="0"/>
+                </a:cubicBezTo>
+                <a:cubicBezTo>
+                  <a:pt x="574900" y="4790"/>
+                  <a:pt x="808367" y="19821"/>
+                  <a:pt x="1139662" y="0"/>
+                </a:cubicBezTo>
+                <a:cubicBezTo>
+                  <a:pt x="1470957" y="-19821"/>
+                  <a:pt x="1627405" y="5721"/>
+                  <a:pt x="1926572" y="0"/>
+                </a:cubicBezTo>
+                <a:cubicBezTo>
+                  <a:pt x="2225739" y="-5721"/>
+                  <a:pt x="2137730" y="-3235"/>
+                  <a:pt x="2279325" y="0"/>
+                </a:cubicBezTo>
+                <a:cubicBezTo>
+                  <a:pt x="2420920" y="3235"/>
+                  <a:pt x="2456518" y="9685"/>
+                  <a:pt x="2632078" y="0"/>
+                </a:cubicBezTo>
+                <a:cubicBezTo>
+                  <a:pt x="2807638" y="-9685"/>
+                  <a:pt x="3211516" y="-43007"/>
+                  <a:pt x="3527527" y="0"/>
+                </a:cubicBezTo>
+                <a:cubicBezTo>
+                  <a:pt x="3843538" y="43007"/>
+                  <a:pt x="4058833" y="22042"/>
+                  <a:pt x="4205897" y="0"/>
+                </a:cubicBezTo>
+                <a:cubicBezTo>
+                  <a:pt x="4352961" y="-22042"/>
+                  <a:pt x="4474805" y="-11846"/>
+                  <a:pt x="4558650" y="0"/>
+                </a:cubicBezTo>
+                <a:cubicBezTo>
+                  <a:pt x="4642495" y="11846"/>
+                  <a:pt x="5041928" y="-6069"/>
+                  <a:pt x="5237020" y="0"/>
+                </a:cubicBezTo>
+                <a:cubicBezTo>
+                  <a:pt x="5432112" y="6069"/>
+                  <a:pt x="5943266" y="-17479"/>
+                  <a:pt x="6132469" y="0"/>
+                </a:cubicBezTo>
+                <a:cubicBezTo>
+                  <a:pt x="6321672" y="17479"/>
+                  <a:pt x="6483872" y="26234"/>
+                  <a:pt x="6702301" y="0"/>
+                </a:cubicBezTo>
+                <a:cubicBezTo>
+                  <a:pt x="6920730" y="-26234"/>
+                  <a:pt x="6991194" y="-15156"/>
+                  <a:pt x="7272132" y="0"/>
+                </a:cubicBezTo>
+                <a:cubicBezTo>
+                  <a:pt x="7553070" y="15156"/>
+                  <a:pt x="7684444" y="-32961"/>
+                  <a:pt x="7950502" y="0"/>
+                </a:cubicBezTo>
+                <a:cubicBezTo>
+                  <a:pt x="8216560" y="32961"/>
+                  <a:pt x="8493290" y="-10491"/>
+                  <a:pt x="8737412" y="0"/>
+                </a:cubicBezTo>
+                <a:cubicBezTo>
+                  <a:pt x="8981534" y="10491"/>
+                  <a:pt x="9191586" y="-13899"/>
+                  <a:pt x="9524322" y="0"/>
+                </a:cubicBezTo>
+                <a:cubicBezTo>
+                  <a:pt x="9857058" y="13899"/>
+                  <a:pt x="10297509" y="7485"/>
+                  <a:pt x="10853928" y="0"/>
+                </a:cubicBezTo>
+                <a:cubicBezTo>
+                  <a:pt x="10854574" y="4451"/>
+                  <a:pt x="10854418" y="9226"/>
+                  <a:pt x="10853928" y="18288"/>
+                </a:cubicBezTo>
+                <a:cubicBezTo>
+                  <a:pt x="10691638" y="28522"/>
+                  <a:pt x="10574319" y="29578"/>
+                  <a:pt x="10392636" y="18288"/>
+                </a:cubicBezTo>
+                <a:cubicBezTo>
+                  <a:pt x="10210953" y="6998"/>
+                  <a:pt x="9836277" y="-16742"/>
+                  <a:pt x="9497187" y="18288"/>
+                </a:cubicBezTo>
+                <a:cubicBezTo>
+                  <a:pt x="9158097" y="53318"/>
+                  <a:pt x="9119479" y="30714"/>
+                  <a:pt x="8818817" y="18288"/>
+                </a:cubicBezTo>
+                <a:cubicBezTo>
+                  <a:pt x="8518155" y="5863"/>
+                  <a:pt x="8640037" y="6483"/>
+                  <a:pt x="8466064" y="18288"/>
+                </a:cubicBezTo>
+                <a:cubicBezTo>
+                  <a:pt x="8292091" y="30093"/>
+                  <a:pt x="7997656" y="18914"/>
+                  <a:pt x="7787693" y="18288"/>
+                </a:cubicBezTo>
+                <a:cubicBezTo>
+                  <a:pt x="7577730" y="17662"/>
+                  <a:pt x="7412468" y="21416"/>
+                  <a:pt x="7217862" y="18288"/>
+                </a:cubicBezTo>
+                <a:cubicBezTo>
+                  <a:pt x="7023256" y="15160"/>
+                  <a:pt x="6898018" y="14824"/>
+                  <a:pt x="6648031" y="18288"/>
+                </a:cubicBezTo>
+                <a:cubicBezTo>
+                  <a:pt x="6398044" y="21752"/>
+                  <a:pt x="6254402" y="38625"/>
+                  <a:pt x="6078200" y="18288"/>
+                </a:cubicBezTo>
+                <a:cubicBezTo>
+                  <a:pt x="5901998" y="-2049"/>
+                  <a:pt x="5622886" y="3213"/>
+                  <a:pt x="5508368" y="18288"/>
+                </a:cubicBezTo>
+                <a:cubicBezTo>
+                  <a:pt x="5393850" y="33363"/>
+                  <a:pt x="5036260" y="26830"/>
+                  <a:pt x="4721459" y="18288"/>
+                </a:cubicBezTo>
+                <a:cubicBezTo>
+                  <a:pt x="4406658" y="9746"/>
+                  <a:pt x="4239221" y="41551"/>
+                  <a:pt x="4043088" y="18288"/>
+                </a:cubicBezTo>
+                <a:cubicBezTo>
+                  <a:pt x="3846955" y="-4975"/>
+                  <a:pt x="3818802" y="34658"/>
+                  <a:pt x="3690336" y="18288"/>
+                </a:cubicBezTo>
+                <a:cubicBezTo>
+                  <a:pt x="3561870" y="1918"/>
+                  <a:pt x="3265491" y="42194"/>
+                  <a:pt x="3120504" y="18288"/>
+                </a:cubicBezTo>
+                <a:cubicBezTo>
+                  <a:pt x="2975517" y="-5618"/>
+                  <a:pt x="2720254" y="36673"/>
+                  <a:pt x="2333595" y="18288"/>
+                </a:cubicBezTo>
+                <a:cubicBezTo>
+                  <a:pt x="1946936" y="-97"/>
+                  <a:pt x="2097241" y="5776"/>
+                  <a:pt x="1872303" y="18288"/>
+                </a:cubicBezTo>
+                <a:cubicBezTo>
+                  <a:pt x="1647365" y="30800"/>
+                  <a:pt x="1282708" y="45380"/>
+                  <a:pt x="976854" y="18288"/>
+                </a:cubicBezTo>
+                <a:cubicBezTo>
+                  <a:pt x="671000" y="-8804"/>
+                  <a:pt x="408401" y="-12775"/>
+                  <a:pt x="0" y="18288"/>
+                </a:cubicBezTo>
+                <a:cubicBezTo>
+                  <a:pt x="-213" y="9468"/>
+                  <a:pt x="187" y="4459"/>
+                  <a:pt x="0" y="0"/>
+                </a:cubicBezTo>
+                <a:close/>
+              </a:path>
+              <a:path w="10853928" h="18288" stroke="0" extrusionOk="0">
+                <a:moveTo>
+                  <a:pt x="0" y="0"/>
+                </a:moveTo>
+                <a:cubicBezTo>
+                  <a:pt x="267322" y="15284"/>
+                  <a:pt x="415388" y="-21048"/>
+                  <a:pt x="569831" y="0"/>
+                </a:cubicBezTo>
+                <a:cubicBezTo>
+                  <a:pt x="724274" y="21048"/>
+                  <a:pt x="769333" y="-2353"/>
+                  <a:pt x="922584" y="0"/>
+                </a:cubicBezTo>
+                <a:cubicBezTo>
+                  <a:pt x="1075835" y="2353"/>
+                  <a:pt x="1399490" y="-145"/>
+                  <a:pt x="1818033" y="0"/>
+                </a:cubicBezTo>
+                <a:cubicBezTo>
+                  <a:pt x="2236576" y="145"/>
+                  <a:pt x="2145330" y="5482"/>
+                  <a:pt x="2387864" y="0"/>
+                </a:cubicBezTo>
+                <a:cubicBezTo>
+                  <a:pt x="2630398" y="-5482"/>
+                  <a:pt x="2793207" y="18487"/>
+                  <a:pt x="2957695" y="0"/>
+                </a:cubicBezTo>
+                <a:cubicBezTo>
+                  <a:pt x="3122183" y="-18487"/>
+                  <a:pt x="3579141" y="19003"/>
+                  <a:pt x="3853144" y="0"/>
+                </a:cubicBezTo>
+                <a:cubicBezTo>
+                  <a:pt x="4127147" y="-19003"/>
+                  <a:pt x="4209857" y="12211"/>
+                  <a:pt x="4314436" y="0"/>
+                </a:cubicBezTo>
+                <a:cubicBezTo>
+                  <a:pt x="4419015" y="-12211"/>
+                  <a:pt x="4762459" y="-17220"/>
+                  <a:pt x="5209885" y="0"/>
+                </a:cubicBezTo>
+                <a:cubicBezTo>
+                  <a:pt x="5657311" y="17220"/>
+                  <a:pt x="5692663" y="-3290"/>
+                  <a:pt x="6105335" y="0"/>
+                </a:cubicBezTo>
+                <a:cubicBezTo>
+                  <a:pt x="6518007" y="3290"/>
+                  <a:pt x="6455516" y="-5124"/>
+                  <a:pt x="6783705" y="0"/>
+                </a:cubicBezTo>
+                <a:cubicBezTo>
+                  <a:pt x="7111894" y="5124"/>
+                  <a:pt x="7441941" y="-17829"/>
+                  <a:pt x="7679154" y="0"/>
+                </a:cubicBezTo>
+                <a:cubicBezTo>
+                  <a:pt x="7916367" y="17829"/>
+                  <a:pt x="8102967" y="-24363"/>
+                  <a:pt x="8248985" y="0"/>
+                </a:cubicBezTo>
+                <a:cubicBezTo>
+                  <a:pt x="8395003" y="24363"/>
+                  <a:pt x="8552393" y="25505"/>
+                  <a:pt x="8818817" y="0"/>
+                </a:cubicBezTo>
+                <a:cubicBezTo>
+                  <a:pt x="9085241" y="-25505"/>
+                  <a:pt x="9411308" y="38000"/>
+                  <a:pt x="9605726" y="0"/>
+                </a:cubicBezTo>
+                <a:cubicBezTo>
+                  <a:pt x="9800144" y="-38000"/>
+                  <a:pt x="10006468" y="-25741"/>
+                  <a:pt x="10175558" y="0"/>
+                </a:cubicBezTo>
+                <a:cubicBezTo>
+                  <a:pt x="10344648" y="25741"/>
+                  <a:pt x="10696282" y="695"/>
+                  <a:pt x="10853928" y="0"/>
+                </a:cubicBezTo>
+                <a:cubicBezTo>
+                  <a:pt x="10853521" y="8690"/>
+                  <a:pt x="10853774" y="14141"/>
+                  <a:pt x="10853928" y="18288"/>
+                </a:cubicBezTo>
+                <a:cubicBezTo>
+                  <a:pt x="10608124" y="24255"/>
+                  <a:pt x="10343415" y="22307"/>
+                  <a:pt x="10067018" y="18288"/>
+                </a:cubicBezTo>
+                <a:cubicBezTo>
+                  <a:pt x="9790621" y="14270"/>
+                  <a:pt x="9843266" y="3564"/>
+                  <a:pt x="9714266" y="18288"/>
+                </a:cubicBezTo>
+                <a:cubicBezTo>
+                  <a:pt x="9585266" y="33012"/>
+                  <a:pt x="9379484" y="1875"/>
+                  <a:pt x="9252974" y="18288"/>
+                </a:cubicBezTo>
+                <a:cubicBezTo>
+                  <a:pt x="9126464" y="34701"/>
+                  <a:pt x="8580678" y="-4904"/>
+                  <a:pt x="8357525" y="18288"/>
+                </a:cubicBezTo>
+                <a:cubicBezTo>
+                  <a:pt x="8134372" y="41480"/>
+                  <a:pt x="7903199" y="26458"/>
+                  <a:pt x="7679154" y="18288"/>
+                </a:cubicBezTo>
+                <a:cubicBezTo>
+                  <a:pt x="7455109" y="10118"/>
+                  <a:pt x="7435944" y="27109"/>
+                  <a:pt x="7217862" y="18288"/>
+                </a:cubicBezTo>
+                <a:cubicBezTo>
+                  <a:pt x="6999780" y="9467"/>
+                  <a:pt x="6680409" y="18985"/>
+                  <a:pt x="6539492" y="18288"/>
+                </a:cubicBezTo>
+                <a:cubicBezTo>
+                  <a:pt x="6398575" y="17592"/>
+                  <a:pt x="6312077" y="33018"/>
+                  <a:pt x="6186739" y="18288"/>
+                </a:cubicBezTo>
+                <a:cubicBezTo>
+                  <a:pt x="6061401" y="3558"/>
+                  <a:pt x="5947033" y="12075"/>
+                  <a:pt x="5833986" y="18288"/>
+                </a:cubicBezTo>
+                <a:cubicBezTo>
+                  <a:pt x="5720939" y="24501"/>
+                  <a:pt x="5482226" y="8586"/>
+                  <a:pt x="5155616" y="18288"/>
+                </a:cubicBezTo>
+                <a:cubicBezTo>
+                  <a:pt x="4829006" y="27991"/>
+                  <a:pt x="4841274" y="29316"/>
+                  <a:pt x="4694324" y="18288"/>
+                </a:cubicBezTo>
+                <a:cubicBezTo>
+                  <a:pt x="4547374" y="7260"/>
+                  <a:pt x="4077675" y="7013"/>
+                  <a:pt x="3907414" y="18288"/>
+                </a:cubicBezTo>
+                <a:cubicBezTo>
+                  <a:pt x="3737153" y="29564"/>
+                  <a:pt x="3538393" y="21630"/>
+                  <a:pt x="3446122" y="18288"/>
+                </a:cubicBezTo>
+                <a:cubicBezTo>
+                  <a:pt x="3353851" y="14946"/>
+                  <a:pt x="2990320" y="-8091"/>
+                  <a:pt x="2659212" y="18288"/>
+                </a:cubicBezTo>
+                <a:cubicBezTo>
+                  <a:pt x="2328104" y="44667"/>
+                  <a:pt x="2427653" y="9607"/>
+                  <a:pt x="2306460" y="18288"/>
+                </a:cubicBezTo>
+                <a:cubicBezTo>
+                  <a:pt x="2185267" y="26969"/>
+                  <a:pt x="1719763" y="3717"/>
+                  <a:pt x="1519550" y="18288"/>
+                </a:cubicBezTo>
+                <a:cubicBezTo>
+                  <a:pt x="1319337" y="32860"/>
+                  <a:pt x="1167371" y="17040"/>
+                  <a:pt x="1058258" y="18288"/>
+                </a:cubicBezTo>
+                <a:cubicBezTo>
+                  <a:pt x="949145" y="19536"/>
+                  <a:pt x="780234" y="31447"/>
+                  <a:pt x="705505" y="18288"/>
+                </a:cubicBezTo>
+                <a:cubicBezTo>
+                  <a:pt x="630776" y="5129"/>
+                  <a:pt x="215796" y="30056"/>
+                  <a:pt x="0" y="18288"/>
+                </a:cubicBezTo>
+                <a:cubicBezTo>
+                  <a:pt x="-53" y="11301"/>
+                  <a:pt x="-649" y="7756"/>
+                  <a:pt x="0" y="0"/>
+                </a:cubicBezTo>
+                <a:close/>
+              </a:path>
+            </a:pathLst>
+          </a:custGeom>
+          <a:solidFill>
+            <a:schemeClr val="accent2"/>
+          </a:solidFill>
+          <a:ln w="41275" cap="rnd">
+            <a:solidFill>
+              <a:schemeClr val="accent2"/>
+            </a:solidFill>
+            <a:round/>
+            <a:extLst>
+              <a:ext uri="{C807C97D-BFC1-408E-A445-0C87EB9F89A2}">
+                <ask:lineSketchStyleProps xmlns:ask="http://schemas.microsoft.com/office/drawing/2018/sketchyshapes" sd="1219033472">
+                  <a:prstGeom prst="rect">
+                    <a:avLst/>
+                  </a:prstGeom>
+                  <ask:type>
+                    <ask:lineSketchFreehand/>
+                  </ask:type>
+                </ask:lineSketchStyleProps>
+              </a:ext>
+            </a:extLst>
+          </a:ln>
+        </p:spPr>
+        <p:style>
+          <a:lnRef idx="2">
+            <a:schemeClr val="accent1">
+              <a:shade val="50000"/>
+            </a:schemeClr>
+          </a:lnRef>
+          <a:fillRef idx="1">
+            <a:schemeClr val="accent1"/>
+          </a:fillRef>
+          <a:effectRef idx="0">
+            <a:schemeClr val="accent1"/>
+          </a:effectRef>
+          <a:fontRef idx="minor">
+            <a:schemeClr val="lt1"/>
+          </a:fontRef>
+        </p:style>
+        <p:txBody>
+          <a:bodyPr rtlCol="0" anchor="ctr"/>
+          <a:lstStyle/>
+          <a:p>
+            <a:pPr algn="ctr"/>
+            <a:endParaRPr lang="en-US"/>
+          </a:p>
+        </p:txBody>
+      </p:sp>
+      <p:sp>
+        <p:nvSpPr>
+          <p:cNvPr id="8" name="Content Placeholder 2">
+            <a:extLst>
+              <a:ext uri="{FF2B5EF4-FFF2-40B4-BE49-F238E27FC236}">
+                <a16:creationId xmlns:a16="http://schemas.microsoft.com/office/drawing/2014/main" id="{DAACDFF4-BC0E-42D7-BBD0-7647D0FBA059}"/>
+              </a:ext>
+            </a:extLst>
+          </p:cNvPr>
+          <p:cNvSpPr>
+            <a:spLocks noGrp="1"/>
+          </p:cNvSpPr>
+          <p:nvPr>
+            <p:ph idx="1"/>
+          </p:nvPr>
+        </p:nvSpPr>
+        <p:spPr>
+          <a:xfrm>
+            <a:off x="838200" y="1929384"/>
+            <a:ext cx="10515600" cy="4251960"/>
+          </a:xfrm>
+        </p:spPr>
+        <p:txBody>
+          <a:bodyPr>
+            <a:normAutofit/>
+          </a:bodyPr>
+          <a:lstStyle/>
+          <a:p>
+            <a:r>
+              <a:rPr lang="en-US" sz="2200" dirty="0"/>
+              <a:t>Given the imbalanced nature of these data, we saw disparate accuracies when comparing the normal quality category to the rare (low, high) quality categories.</a:t>
+            </a:r>
+          </a:p>
+          <a:p>
+            <a:r>
+              <a:rPr lang="en-US" sz="2200" dirty="0"/>
+              <a:t>The SMOTE algorithm provided a methodology for </a:t>
+            </a:r>
+            <a:r>
+              <a:rPr lang="en-US" sz="2200" dirty="0" err="1"/>
+              <a:t>undersampling</a:t>
+            </a:r>
+            <a:r>
+              <a:rPr lang="en-US" sz="2200" dirty="0"/>
+              <a:t> and oversampling, which showed small improvement with </a:t>
+            </a:r>
+            <a:r>
+              <a:rPr lang="en-US" sz="2200" dirty="0" err="1"/>
+              <a:t>undersampling</a:t>
+            </a:r>
+            <a:r>
+              <a:rPr lang="en-US" sz="2200" dirty="0"/>
+              <a:t> and excellent improvement with oversampling.</a:t>
+            </a:r>
+          </a:p>
+          <a:p>
+            <a:r>
+              <a:rPr lang="en-US" sz="2200" dirty="0"/>
+              <a:t>There was a small trade-off regarding accuracy of the normal quality wine with the improvement we saw in oversampling of the rare quality categories.</a:t>
+            </a:r>
+          </a:p>
+          <a:p>
+            <a:r>
+              <a:rPr lang="en-US" sz="2200" dirty="0"/>
+              <a:t>Grid search of tuning parameters revealed the optimal combination of parameters.</a:t>
+            </a:r>
+          </a:p>
+          <a:p>
+            <a:r>
+              <a:rPr lang="en-US" sz="2200" dirty="0"/>
+              <a:t>Future work consists of pursuing additional methodologies to improve the relative lack of performance with </a:t>
+            </a:r>
+            <a:r>
+              <a:rPr lang="en-US" sz="2200" dirty="0" err="1"/>
+              <a:t>undersampling</a:t>
+            </a:r>
+            <a:r>
+              <a:rPr lang="en-US" sz="2200" dirty="0"/>
+              <a:t>.</a:t>
+            </a:r>
+          </a:p>
+        </p:txBody>
+      </p:sp>
+    </p:spTree>
+    <p:extLst>
+      <p:ext uri="{BB962C8B-B14F-4D97-AF65-F5344CB8AC3E}">
+        <p14:creationId xmlns:p14="http://schemas.microsoft.com/office/powerpoint/2010/main" val="1432276014"/>
+      </p:ext>
+    </p:extLst>
+  </p:cSld>
+  <p:clrMapOvr>
+    <a:masterClrMapping/>
+  </p:clrMapOvr>
+</p:sld>
+</file>
+
+<file path=ppt/slides/slide13.xml><?xml version="1.0" encoding="utf-8"?>
+<p:sld xmlns:a="http://schemas.openxmlformats.org/drawingml/2006/main" xmlns:r="http://schemas.openxmlformats.org/officeDocument/2006/relationships" xmlns:p="http://schemas.openxmlformats.org/presentationml/2006/main">
+  <p:cSld>
+    <p:spTree>
+      <p:nvGrpSpPr>
+        <p:cNvPr id="1" name=""/>
+        <p:cNvGrpSpPr/>
+        <p:nvPr/>
+      </p:nvGrpSpPr>
+      <p:grpSpPr>
+        <a:xfrm>
+          <a:off x="0" y="0"/>
+          <a:ext cx="0" cy="0"/>
+          <a:chOff x="0" y="0"/>
+          <a:chExt cx="0" cy="0"/>
+        </a:xfrm>
+      </p:grpSpPr>
+      <p:sp>
+        <p:nvSpPr>
+          <p:cNvPr id="2" name="Title 1">
+            <a:extLst>
+              <a:ext uri="{FF2B5EF4-FFF2-40B4-BE49-F238E27FC236}">
+                <a16:creationId xmlns:a16="http://schemas.microsoft.com/office/drawing/2014/main" id="{9F1E1F66-FA04-4041-9DF8-43E6DA72392A}"/>
+              </a:ext>
+            </a:extLst>
+          </p:cNvPr>
+          <p:cNvSpPr>
+            <a:spLocks noGrp="1"/>
+          </p:cNvSpPr>
+          <p:nvPr>
+            <p:ph type="title"/>
+          </p:nvPr>
+        </p:nvSpPr>
+        <p:spPr/>
+        <p:txBody>
+          <a:bodyPr/>
+          <a:lstStyle/>
+          <a:p>
+            <a:r>
+              <a:rPr lang="en-US" dirty="0"/>
+              <a:t>References</a:t>
+            </a:r>
+          </a:p>
+        </p:txBody>
+      </p:sp>
+      <p:sp>
+        <p:nvSpPr>
+          <p:cNvPr id="3" name="Content Placeholder 2">
+            <a:extLst>
+              <a:ext uri="{FF2B5EF4-FFF2-40B4-BE49-F238E27FC236}">
+                <a16:creationId xmlns:a16="http://schemas.microsoft.com/office/drawing/2014/main" id="{E2B3C75C-9FE8-46E0-9054-7B159271A179}"/>
+              </a:ext>
+            </a:extLst>
+          </p:cNvPr>
+          <p:cNvSpPr>
+            <a:spLocks noGrp="1"/>
+          </p:cNvSpPr>
+          <p:nvPr>
+            <p:ph idx="1"/>
+          </p:nvPr>
+        </p:nvSpPr>
+        <p:spPr/>
+        <p:txBody>
+          <a:bodyPr>
+            <a:normAutofit fontScale="55000" lnSpcReduction="20000"/>
+          </a:bodyPr>
+          <a:lstStyle/>
+          <a:p>
+            <a:r>
+              <a:rPr lang="en-US" dirty="0" err="1"/>
+              <a:t>Uci</a:t>
+            </a:r>
+            <a:r>
+              <a:rPr lang="en-US" dirty="0"/>
+              <a:t> machine learning repository: Wine quality data set. URL https://archive.ics.uci.edu/ml/datasets/Wine+Qua </a:t>
+            </a:r>
+            <a:r>
+              <a:rPr lang="en-US" dirty="0" err="1"/>
+              <a:t>lity</a:t>
+            </a:r>
+            <a:endParaRPr lang="en-US" dirty="0"/>
+          </a:p>
+          <a:p>
+            <a:r>
+              <a:rPr lang="en-US" dirty="0"/>
+              <a:t>N. V. Chawla, K. W. Bowyer, L. O. Hall, and W. P. </a:t>
+            </a:r>
+            <a:r>
+              <a:rPr lang="en-US" dirty="0" err="1"/>
+              <a:t>Kegelmeyer</a:t>
+            </a:r>
+            <a:r>
+              <a:rPr lang="en-US" dirty="0"/>
+              <a:t>. Smote: synthetic minority over-sampling technique. Journal of artificial intelligence research, 16:321–357, 2002.</a:t>
+            </a:r>
+          </a:p>
+          <a:p>
+            <a:r>
+              <a:rPr lang="en-US" dirty="0"/>
+              <a:t>T. Chen, T. He, M. </a:t>
+            </a:r>
+            <a:r>
+              <a:rPr lang="en-US" dirty="0" err="1"/>
+              <a:t>Benesty</a:t>
+            </a:r>
+            <a:r>
+              <a:rPr lang="en-US" dirty="0"/>
+              <a:t>, V. </a:t>
+            </a:r>
+            <a:r>
+              <a:rPr lang="en-US" dirty="0" err="1"/>
+              <a:t>Khotilovich</a:t>
+            </a:r>
+            <a:r>
+              <a:rPr lang="en-US" dirty="0"/>
+              <a:t>, Y. Tang, H. Cho, K. Chen, R. Mitchell, I. Cano, T. Zhou, M. Li, J. </a:t>
+            </a:r>
+            <a:r>
+              <a:rPr lang="en-US" dirty="0" err="1"/>
+              <a:t>Xie</a:t>
+            </a:r>
+            <a:r>
+              <a:rPr lang="en-US" dirty="0"/>
+              <a:t>, M. Lin, Y. </a:t>
+            </a:r>
+            <a:r>
+              <a:rPr lang="en-US" dirty="0" err="1"/>
+              <a:t>Geng</a:t>
+            </a:r>
+            <a:r>
+              <a:rPr lang="en-US" dirty="0"/>
+              <a:t>, and Y. Li. </a:t>
+            </a:r>
+            <a:r>
+              <a:rPr lang="en-US" dirty="0" err="1"/>
+              <a:t>xgboost</a:t>
+            </a:r>
+            <a:r>
+              <a:rPr lang="en-US" dirty="0"/>
+              <a:t>: Extreme Gradient Boosting, 2021. URL https://CRAN.R-project.o </a:t>
+            </a:r>
+            <a:r>
+              <a:rPr lang="en-US" dirty="0" err="1"/>
+              <a:t>rg</a:t>
+            </a:r>
+            <a:r>
+              <a:rPr lang="en-US" dirty="0"/>
+              <a:t>/package=</a:t>
+            </a:r>
+            <a:r>
+              <a:rPr lang="en-US" dirty="0" err="1"/>
+              <a:t>xgboost</a:t>
+            </a:r>
+            <a:r>
+              <a:rPr lang="en-US" dirty="0"/>
+              <a:t>. R package version 1.3.2.1.</a:t>
+            </a:r>
+          </a:p>
+          <a:p>
+            <a:r>
+              <a:rPr lang="en-US" dirty="0"/>
+              <a:t>P. Cortez, J. Teixeira, A. </a:t>
+            </a:r>
+            <a:r>
+              <a:rPr lang="en-US" dirty="0" err="1"/>
+              <a:t>Cerdeira</a:t>
+            </a:r>
+            <a:r>
+              <a:rPr lang="en-US" dirty="0"/>
+              <a:t>, F. Almeida, T. Matos, and J. Reis. Using data mining for wine quality assessment. In International Conference on Discovery Science, pages 66–79. Springer, 2009. </a:t>
+            </a:r>
+          </a:p>
+          <a:p>
+            <a:r>
+              <a:rPr lang="en-US" dirty="0"/>
+              <a:t>Y. Gupta. Selection of important features and predicting wine quality using machine learning techniques. Procedia Computer Science, 125:305–312, 2018. </a:t>
+            </a:r>
+          </a:p>
+          <a:p>
+            <a:r>
+              <a:rPr lang="en-US" dirty="0"/>
+              <a:t>T. R. </a:t>
+            </a:r>
+            <a:r>
+              <a:rPr lang="en-US" dirty="0" err="1"/>
+              <a:t>Hoens</a:t>
+            </a:r>
+            <a:r>
+              <a:rPr lang="en-US" dirty="0"/>
+              <a:t> and N. V. Chawla. Imbalanced datasets: from sampling to classifiers. Imbalanced learning: Foundations, algorithms, and applications, pages 43–59, 2013. </a:t>
+            </a:r>
+          </a:p>
+          <a:p>
+            <a:r>
+              <a:rPr lang="en-US" dirty="0"/>
+              <a:t>G. Hu, T. Xi, F. Mohammed, and H. Miao. Classification of wine quality with imbalanced data. In 2016 IEEE International Conference on Industrial Technology (ICIT), pages 1712–1217. IEEE, 2016. 8A.</a:t>
+            </a:r>
+          </a:p>
+          <a:p>
+            <a:r>
+              <a:rPr lang="en-US" dirty="0"/>
+              <a:t>J. </a:t>
+            </a:r>
+            <a:r>
+              <a:rPr lang="en-US" dirty="0" err="1"/>
+              <a:t>Luengo</a:t>
+            </a:r>
+            <a:r>
+              <a:rPr lang="en-US" dirty="0"/>
+              <a:t>, A. Fernández, S. García, and F. Herrera. Addressing data complexity for imbalanced data sets: analysis of smote-based oversampling and evolutionary undersampling. Soft Computing, 15(10):1909–1936, 2011. </a:t>
+            </a:r>
+          </a:p>
+          <a:p>
+            <a:r>
+              <a:rPr lang="en-US" dirty="0"/>
+              <a:t>Y. Sun, A. K. Wong, and M. S. Kamel. Classification of imbalanced data: A review. International journal of pattern recognition and artificial intelligence, 23(04):687–719, 2009.</a:t>
+            </a:r>
+          </a:p>
+          <a:p>
+            <a:r>
+              <a:rPr lang="en-US" dirty="0"/>
+              <a:t>D. Vaughan and M. </a:t>
+            </a:r>
+            <a:r>
+              <a:rPr lang="en-US" dirty="0" err="1"/>
+              <a:t>Dancho</a:t>
+            </a:r>
+            <a:r>
+              <a:rPr lang="en-US" dirty="0"/>
+              <a:t>. </a:t>
+            </a:r>
+            <a:r>
+              <a:rPr lang="en-US" dirty="0" err="1"/>
+              <a:t>furrr</a:t>
+            </a:r>
+            <a:r>
+              <a:rPr lang="en-US" dirty="0"/>
+              <a:t>: Apply Mapping Functions in Parallel using Futures, 2021. URL https: //CRAN.R-project.org/package=</a:t>
+            </a:r>
+            <a:r>
+              <a:rPr lang="en-US" dirty="0" err="1"/>
+              <a:t>furrr</a:t>
+            </a:r>
+            <a:r>
+              <a:rPr lang="en-US" dirty="0"/>
+              <a:t>. R package version 0.2.2. </a:t>
+            </a:r>
+          </a:p>
+        </p:txBody>
+      </p:sp>
+    </p:spTree>
+    <p:extLst>
+      <p:ext uri="{BB962C8B-B14F-4D97-AF65-F5344CB8AC3E}">
+        <p14:creationId xmlns:p14="http://schemas.microsoft.com/office/powerpoint/2010/main" val="2060021222"/>
+      </p:ext>
+    </p:extLst>
+  </p:cSld>
+  <p:clrMapOvr>
+    <a:masterClrMapping/>
+  </p:clrMapOvr>
+</p:sld>
+</file>
+
 <file path=ppt/slides/slide2.xml><?xml version="1.0" encoding="utf-8"?>
 <p:sld xmlns:a="http://schemas.openxmlformats.org/drawingml/2006/main" xmlns:r="http://schemas.openxmlformats.org/officeDocument/2006/relationships" xmlns:p="http://schemas.openxmlformats.org/presentationml/2006/main">
   <p:cSld>
@@ -11132,8 +11439,8 @@
           <a:lstStyle/>
           <a:p>
             <a:r>
-              <a:rPr lang="en-US" sz="5400"/>
-              <a:t>Introduction (Alison/Sarah?)</a:t>
+              <a:rPr lang="en-US" sz="5400" dirty="0"/>
+              <a:t>Introduction</a:t>
             </a:r>
           </a:p>
         </p:txBody>
@@ -11806,7 +12113,7 @@
           <a:p>
             <a:r>
               <a:rPr lang="en-US" sz="2200" dirty="0"/>
-              <a:t>Marketing campaigns and sales of wine are linked to quality attributes, and the measurement of such is essential</a:t>
+              <a:t>Marketing campaigns and sales of wine are linked to quality attributes, and the measurement of such is essential.</a:t>
             </a:r>
           </a:p>
           <a:p>
@@ -11827,7 +12134,10 @@
               </a:rPr>
               <a:t>[Hu et al., 2016]</a:t>
             </a:r>
-            <a:endParaRPr lang="en-US" sz="1800" dirty="0"/>
+            <a:r>
+              <a:rPr lang="en-US" sz="1800" dirty="0"/>
+              <a:t>.</a:t>
+            </a:r>
           </a:p>
           <a:p>
             <a:pPr lvl="1"/>
@@ -11977,9 +12287,10 @@
           <a:lstStyle/>
           <a:p>
             <a:r>
-              <a:rPr lang="en-US" sz="5000"/>
-              <a:t>Goals/Problem (Alison)</a:t>
-            </a:r>
+              <a:rPr lang="en-US" sz="5400"/>
+              <a:t>Objectives</a:t>
+            </a:r>
+            <a:endParaRPr lang="en-US" sz="5400" dirty="0"/>
           </a:p>
         </p:txBody>
       </p:sp>
@@ -12285,64 +12596,49 @@
           <a:lstStyle/>
           <a:p>
             <a:r>
-              <a:rPr lang="en-US" sz="1800" dirty="0"/>
+              <a:rPr lang="en-US" sz="1800"/>
               <a:t>Want to train a model that would work well to classify wines into three categories; low quality, normal quality and high quality.</a:t>
             </a:r>
           </a:p>
           <a:p>
             <a:r>
-              <a:rPr lang="en-US" sz="1800" dirty="0"/>
+              <a:rPr lang="en-US" sz="1800"/>
               <a:t>Classification techniques:</a:t>
             </a:r>
           </a:p>
           <a:p>
             <a:pPr lvl="1"/>
             <a:r>
-              <a:rPr lang="en-US" sz="1800" dirty="0"/>
-              <a:t> </a:t>
-            </a:r>
-            <a:r>
-              <a:rPr lang="en-US" sz="1800" dirty="0" err="1"/>
-              <a:t>eXtreme</a:t>
-            </a:r>
-            <a:r>
-              <a:rPr lang="en-US" sz="1800" dirty="0"/>
-              <a:t> Gradient Boosting (</a:t>
-            </a:r>
-            <a:r>
-              <a:rPr lang="en-US" sz="1800" dirty="0" err="1"/>
-              <a:t>XGBoost</a:t>
-            </a:r>
-            <a:r>
-              <a:rPr lang="en-US" sz="1800" dirty="0"/>
-              <a:t>) </a:t>
+              <a:rPr lang="en-US" sz="1800"/>
+              <a:t> eXtreme Gradient Boosting (XGBoost) </a:t>
             </a:r>
           </a:p>
           <a:p>
             <a:pPr lvl="1"/>
             <a:r>
-              <a:rPr lang="en-US" sz="1800" dirty="0"/>
+              <a:rPr lang="en-US" sz="1800"/>
               <a:t> Random Forest</a:t>
             </a:r>
           </a:p>
           <a:p>
             <a:r>
-              <a:rPr lang="en-US" sz="1800" dirty="0"/>
+              <a:rPr lang="en-US" sz="1800"/>
               <a:t>Additional challenge – Imbalanced Data Set</a:t>
             </a:r>
           </a:p>
           <a:p>
             <a:pPr lvl="1"/>
             <a:r>
-              <a:rPr lang="en-US" sz="1800" dirty="0"/>
+              <a:rPr lang="en-US" sz="1800"/>
               <a:t>Evaluated different resampling techniques to see if this improves performance and to see which method is best.</a:t>
             </a:r>
           </a:p>
           <a:p>
             <a:r>
-              <a:rPr lang="en-US" sz="1800" dirty="0"/>
+              <a:rPr lang="en-US" sz="1800"/>
               <a:t>Accuracy of each classification model applied in conjunction with each resampling method was compared. </a:t>
             </a:r>
+            <a:endParaRPr lang="en-US" sz="1800" dirty="0"/>
           </a:p>
         </p:txBody>
       </p:sp>
@@ -12361,7 +12657,7 @@
           <p:nvPr/>
         </p:nvPicPr>
         <p:blipFill>
-          <a:blip r:embed="rId2">
+          <a:blip r:embed="rId3">
             <a:extLst>
               <a:ext uri="{28A0092B-C50C-407E-A947-70E740481C1C}">
                 <a14:useLocalDpi xmlns:a14="http://schemas.microsoft.com/office/drawing/2010/main" val="0"/>
@@ -12510,7 +12806,7 @@
           <a:p>
             <a:r>
               <a:rPr lang="en-US" sz="5400" dirty="0"/>
-              <a:t>Data Exploration (Alison)</a:t>
+              <a:t>Data Exploration</a:t>
             </a:r>
           </a:p>
         </p:txBody>
@@ -13228,7 +13524,7 @@
           <a:p>
             <a:r>
               <a:rPr lang="en-US" sz="2000" dirty="0"/>
-              <a:t>For each of the wines in the dataset, 11 physiochemical measurements were taken on it</a:t>
+              <a:t>For each of the wines in the dataset, 11 physiochemical measurements were taken.</a:t>
             </a:r>
           </a:p>
           <a:p>
@@ -13258,7 +13554,7 @@
             </a:r>
             <a:r>
               <a:rPr lang="en-US" sz="2000" dirty="0"/>
-              <a:t>we separated the wine into three quality classes: Low Quality (≤ 4), Normal (5-7), and High quality (≥ 8)</a:t>
+              <a:t>we separated the wine into three quality classes: Low Quality (≤ 4), Normal (5-7), and High quality (≥ 8).</a:t>
             </a:r>
           </a:p>
         </p:txBody>
@@ -13428,7 +13724,7 @@
           <a:p>
             <a:r>
               <a:rPr lang="en-US" sz="5400" dirty="0"/>
-              <a:t>Methodology: Resampling (Alison)</a:t>
+              <a:t>Resampling Techniques</a:t>
             </a:r>
           </a:p>
         </p:txBody>
@@ -14116,7 +14412,10 @@
               </a:rPr>
               <a:t>[Sun et al., 2009]</a:t>
             </a:r>
-            <a:endParaRPr lang="en-US" sz="2200" dirty="0"/>
+            <a:r>
+              <a:rPr lang="en-US" sz="2200" dirty="0"/>
+              <a:t>.</a:t>
+            </a:r>
           </a:p>
           <a:p>
             <a:r>
@@ -14295,7 +14594,7 @@
           <a:p>
             <a:r>
               <a:rPr lang="en-US" sz="5400" dirty="0"/>
-              <a:t>Accuracy &amp; Cross-Validation (Emily)</a:t>
+              <a:t>Accuracy &amp; Cross-Validation</a:t>
             </a:r>
           </a:p>
         </p:txBody>
@@ -14967,82 +15266,90 @@
           <a:lstStyle/>
           <a:p>
             <a:r>
-              <a:rPr lang="en-US" sz="1900"/>
+              <a:rPr lang="en-US" sz="1900" dirty="0"/>
               <a:t>Accuracy metrics</a:t>
             </a:r>
           </a:p>
           <a:p>
             <a:pPr lvl="1"/>
             <a:r>
-              <a:rPr lang="en-US" sz="1900"/>
-              <a:t>Overall correct classification rate</a:t>
+              <a:rPr lang="en-US" sz="1900" dirty="0"/>
+              <a:t>Overall correct classification rate.</a:t>
             </a:r>
           </a:p>
           <a:p>
             <a:pPr lvl="1"/>
             <a:r>
-              <a:rPr lang="en-US" sz="1900"/>
-              <a:t>Individual group (low quality, normal quality, and high quality) correct classification rate</a:t>
-            </a:r>
-          </a:p>
-          <a:p>
-            <a:r>
-              <a:rPr lang="en-US" sz="1900"/>
+              <a:rPr lang="en-US" sz="1900" dirty="0"/>
+              <a:t>Individual group (low quality, normal quality, and high quality) correct classification rate.</a:t>
+            </a:r>
+          </a:p>
+          <a:p>
+            <a:r>
+              <a:rPr lang="en-US" sz="1900" dirty="0"/>
               <a:t>Monte Carlo Cross-Validation (MCMC) </a:t>
             </a:r>
           </a:p>
           <a:p>
             <a:pPr lvl="1"/>
             <a:r>
-              <a:rPr lang="en-US" sz="1900"/>
-              <a:t>B = 50 for model tuning; B = 100 for final model comparison</a:t>
+              <a:rPr lang="en-US" sz="1900" dirty="0"/>
+              <a:t>B = 50 for model tuning; B = 100 for final model comparison.</a:t>
             </a:r>
           </a:p>
           <a:p>
             <a:pPr lvl="1"/>
             <a:r>
-              <a:rPr lang="en-US" sz="1900"/>
-              <a:t>70% training; 30% testing </a:t>
+              <a:rPr lang="en-US" sz="1900" dirty="0"/>
+              <a:t>70% training; 30% testing.</a:t>
             </a:r>
           </a:p>
           <a:p>
             <a:pPr lvl="1"/>
             <a:r>
-              <a:rPr lang="en-US" sz="1900"/>
+              <a:rPr lang="en-US" sz="1900" dirty="0"/>
               <a:t>For each split, the final resampled training data set is used to build the model; then accuracy is evaluated on the corresponding testing data set. </a:t>
             </a:r>
           </a:p>
           <a:p>
             <a:pPr lvl="1"/>
             <a:r>
-              <a:rPr lang="en-US" sz="1900"/>
+              <a:rPr lang="en-US" sz="1900" dirty="0"/>
               <a:t>The mean, 5th-quantile, and 95th-quantile of the correct classification rates are used to evaluate performance over the B splits. </a:t>
             </a:r>
           </a:p>
           <a:p>
             <a:r>
-              <a:rPr lang="en-US" sz="1900"/>
+              <a:rPr lang="en-US" sz="1900" dirty="0"/>
               <a:t>Both classification methods were tuned by conducting a hyperparameter grid search with MCMC to minimize the overall accuracy. </a:t>
             </a:r>
           </a:p>
           <a:p>
             <a:r>
-              <a:rPr lang="en-US" sz="1900"/>
+              <a:rPr lang="en-US" sz="1900" dirty="0"/>
               <a:t>The </a:t>
             </a:r>
             <a:r>
-              <a:rPr lang="en-US" sz="1900" b="1">
+              <a:rPr lang="en-US" sz="1900" b="1" dirty="0" err="1">
                 <a:latin typeface="Abadi Extra Light" panose="020B0204020104020204" pitchFamily="34" charset="0"/>
               </a:rPr>
               <a:t>furrr</a:t>
             </a:r>
             <a:r>
-              <a:rPr lang="en-US" sz="1900"/>
-              <a:t> package was used to minimize computing time [Vaughan and Dancho, 2021].</a:t>
-            </a:r>
-          </a:p>
-          <a:p>
-            <a:endParaRPr lang="en-US" sz="1900"/>
+              <a:rPr lang="en-US" sz="1900" dirty="0"/>
+              <a:t> package was used to minimize computing time [Vaughan and </a:t>
+            </a:r>
+            <a:r>
+              <a:rPr lang="en-US" sz="1900" dirty="0" err="1"/>
+              <a:t>Dancho</a:t>
+            </a:r>
+            <a:r>
+              <a:rPr lang="en-US" sz="1900" dirty="0"/>
+              <a:t>, 2021].</a:t>
+            </a:r>
+          </a:p>
+          <a:p>
+            <a:endParaRPr lang="en-US" sz="1900" dirty="0"/>
           </a:p>
         </p:txBody>
       </p:sp>
@@ -15173,8 +15480,8 @@
           <a:lstStyle/>
           <a:p>
             <a:r>
-              <a:rPr lang="en-US" sz="5400"/>
-              <a:t>Random Forest (Emily)</a:t>
+              <a:rPr lang="en-US" sz="5400" dirty="0"/>
+              <a:t>Random Forest</a:t>
             </a:r>
           </a:p>
         </p:txBody>
@@ -15846,73 +16153,97 @@
           <a:lstStyle/>
           <a:p>
             <a:r>
-              <a:rPr lang="en-US" sz="1700" b="1">
+              <a:rPr lang="en-US" sz="1700" b="1" dirty="0" err="1">
                 <a:latin typeface="Abadi Extra Light" panose="020B0204020104020204" pitchFamily="34" charset="0"/>
               </a:rPr>
               <a:t>randomForest</a:t>
             </a:r>
             <a:r>
-              <a:rPr lang="en-US" sz="1700"/>
-              <a:t> package [Liaw and Wiener, 2002]</a:t>
-            </a:r>
-          </a:p>
-          <a:p>
-            <a:r>
-              <a:rPr lang="en-US" sz="1700"/>
+              <a:rPr lang="en-US" sz="1700" dirty="0"/>
+              <a:t> package [</a:t>
+            </a:r>
+            <a:r>
+              <a:rPr lang="en-US" sz="1700" dirty="0" err="1"/>
+              <a:t>Liaw</a:t>
+            </a:r>
+            <a:r>
+              <a:rPr lang="en-US" sz="1700" dirty="0"/>
+              <a:t> and Wiener, 2002]</a:t>
+            </a:r>
+          </a:p>
+          <a:p>
+            <a:r>
+              <a:rPr lang="en-US" sz="1700" dirty="0"/>
               <a:t>Generates many classification trees, which are each grown through recursive partitioning of independent variable space then aggregates the predictions made by each tree. </a:t>
             </a:r>
           </a:p>
           <a:p>
             <a:r>
-              <a:rPr lang="en-US" sz="1700"/>
+              <a:rPr lang="en-US" sz="1700" dirty="0"/>
               <a:t>Growth: </a:t>
             </a:r>
           </a:p>
           <a:p>
             <a:pPr lvl="1"/>
             <a:r>
-              <a:rPr lang="en-US" sz="1700"/>
+              <a:rPr lang="en-US" sz="1700" dirty="0"/>
               <a:t>Split points of variable space are investigated to maximize the reduction of heterogeneity, which is measured with the Gini impurity index.</a:t>
             </a:r>
           </a:p>
           <a:p>
             <a:pPr lvl="1"/>
             <a:r>
-              <a:rPr lang="en-US" sz="1700"/>
+              <a:rPr lang="en-US" sz="1700" dirty="0"/>
               <a:t>Grown to a phase where node(s) represent a delineation of data per split point of each variable, and leaves are the terminal points that represent the final classification of data.</a:t>
             </a:r>
           </a:p>
           <a:p>
             <a:r>
-              <a:rPr lang="en-US" sz="1700"/>
+              <a:rPr lang="en-US" sz="1700" dirty="0"/>
               <a:t>Pruning:</a:t>
             </a:r>
           </a:p>
           <a:p>
             <a:pPr lvl="1"/>
             <a:r>
-              <a:rPr lang="en-US" sz="1700"/>
+              <a:rPr lang="en-US" sz="1700" dirty="0"/>
               <a:t>A leaf is potentially pruned back to a node to maximize the trade-off between complexity and rate of misclassification. </a:t>
             </a:r>
           </a:p>
           <a:p>
             <a:r>
-              <a:rPr lang="en-US" sz="1700"/>
+              <a:rPr lang="en-US" sz="1700" dirty="0"/>
               <a:t>Hyperparameter grid search</a:t>
             </a:r>
           </a:p>
           <a:p>
             <a:pPr lvl="1"/>
             <a:r>
-              <a:rPr lang="en-US" sz="1700"/>
-              <a:t>Number of trees (ntrees: 200 – 800 by 200)</a:t>
+              <a:rPr lang="en-US" sz="1700" dirty="0"/>
+              <a:t>Number of trees (</a:t>
+            </a:r>
+            <a:r>
+              <a:rPr lang="en-US" sz="1700" dirty="0" err="1"/>
+              <a:t>ntrees</a:t>
+            </a:r>
+            <a:r>
+              <a:rPr lang="en-US" sz="1700" dirty="0"/>
+              <a:t>: 200 – 800 by 200).</a:t>
             </a:r>
           </a:p>
           <a:p>
             <a:pPr lvl="1"/>
             <a:r>
-              <a:rPr lang="en-US" sz="1700"/>
-              <a:t>Number of variables to be randomly sampled from to generate a split point at each node (mtry: 2 – 10 by 2)</a:t>
+              <a:rPr lang="en-US" sz="1700" dirty="0"/>
+              <a:t>Number of variables to be randomly sampled from to generate a split point at each node (</a:t>
+            </a:r>
+            <a:r>
+              <a:rPr lang="en-US" sz="1700" dirty="0" err="1"/>
+              <a:t>mtry</a:t>
+            </a:r>
+            <a:r>
+              <a:rPr lang="en-US" sz="1700" dirty="0"/>
+              <a:t>: 2 – 10 by 2).</a:t>
             </a:r>
           </a:p>
         </p:txBody>
@@ -16755,7 +17086,7 @@
             </a:r>
             <a:r>
               <a:rPr lang="en-US" sz="1900" dirty="0"/>
-              <a:t> objective function with three classes (low, normal, high quality)</a:t>
+              <a:t> objective function with three classes (low, normal, high quality).</a:t>
             </a:r>
           </a:p>
           <a:p>
@@ -16770,7 +17101,7 @@
             </a:r>
             <a:r>
               <a:rPr lang="en-US" sz="1900" dirty="0"/>
-              <a:t> error</a:t>
+              <a:t> error.</a:t>
             </a:r>
           </a:p>
           <a:p>
@@ -16803,14 +17134,14 @@
             </a:r>
             <a:r>
               <a:rPr lang="en-US" sz="1900" dirty="0"/>
-              <a:t>: 200 – 800 by 200)</a:t>
+              <a:t>: 200 – 800 by 200).</a:t>
             </a:r>
           </a:p>
           <a:p>
             <a:pPr lvl="1"/>
             <a:r>
               <a:rPr lang="en-US" sz="1900" dirty="0"/>
-              <a:t>step size shrinkage to prevent overfitting (eta: 0.05, 0.1, 0.25, 0.5, 0.75, 0.9, 0.95)</a:t>
+              <a:t>step size shrinkage to prevent overfitting (eta: 0.05, 0.1, 0.25, 0.5, 0.75, 0.9, 0.95).</a:t>
             </a:r>
           </a:p>
           <a:p>
@@ -16825,7 +17156,7 @@
             </a:r>
             <a:r>
               <a:rPr lang="en-US" sz="1900" dirty="0"/>
-              <a:t>: 2 – 12 by 2)</a:t>
+              <a:t>: 2 – 12 by 2).</a:t>
             </a:r>
           </a:p>
           <a:p>
@@ -16840,7 +17171,7 @@
             </a:r>
             <a:r>
               <a:rPr lang="en-US" sz="1900" dirty="0"/>
-              <a:t>: 2 – 12 by 2)</a:t>
+              <a:t>: 2 – 12 by 2).</a:t>
             </a:r>
           </a:p>
         </p:txBody>
@@ -16962,7 +17293,7 @@
         <p:spPr>
           <a:xfrm>
             <a:off x="838200" y="365125"/>
-            <a:ext cx="10515600" cy="1325563"/>
+            <a:ext cx="11099104" cy="1325563"/>
           </a:xfrm>
         </p:spPr>
         <p:txBody>
@@ -16973,7 +17304,7 @@
           <a:p>
             <a:r>
               <a:rPr lang="en-US" sz="5400" dirty="0"/>
-              <a:t>Results: Accuracy</a:t>
+              <a:t>Results: Tuning Parameters</a:t>
             </a:r>
           </a:p>
         </p:txBody>
@@ -17618,10 +17949,10 @@
       </p:sp>
       <p:pic>
         <p:nvPicPr>
-          <p:cNvPr id="6" name="Picture 5">
+          <p:cNvPr id="7" name="Picture 6">
             <a:extLst>
               <a:ext uri="{FF2B5EF4-FFF2-40B4-BE49-F238E27FC236}">
-                <a16:creationId xmlns:a16="http://schemas.microsoft.com/office/drawing/2014/main" id="{05A44FFB-595E-4484-81FA-6F32B7C8D0EF}"/>
+                <a16:creationId xmlns:a16="http://schemas.microsoft.com/office/drawing/2014/main" id="{FB3E44ED-3298-4163-8692-B08E68381CEC}"/>
               </a:ext>
             </a:extLst>
           </p:cNvPr>
@@ -17638,95 +17969,48 @@
         </p:blipFill>
         <p:spPr>
           <a:xfrm>
-            <a:off x="5271720" y="1886439"/>
-            <a:ext cx="6251244" cy="4974048"/>
+            <a:off x="2886076" y="1812226"/>
+            <a:ext cx="7524750" cy="2272967"/>
           </a:xfrm>
           <a:prstGeom prst="rect">
             <a:avLst/>
           </a:prstGeom>
         </p:spPr>
       </p:pic>
-      <p:sp>
-        <p:nvSpPr>
-          <p:cNvPr id="9" name="Content Placeholder 2">
+      <p:pic>
+        <p:nvPicPr>
+          <p:cNvPr id="14" name="Picture 13">
             <a:extLst>
               <a:ext uri="{FF2B5EF4-FFF2-40B4-BE49-F238E27FC236}">
-                <a16:creationId xmlns:a16="http://schemas.microsoft.com/office/drawing/2014/main" id="{CAE6F437-A269-472C-A5CA-AF18F6D7D634}"/>
+                <a16:creationId xmlns:a16="http://schemas.microsoft.com/office/drawing/2014/main" id="{729517C9-E12B-4FDD-B8E5-671D9AE8ACF7}"/>
               </a:ext>
             </a:extLst>
           </p:cNvPr>
-          <p:cNvSpPr>
-            <a:spLocks noGrp="1"/>
-          </p:cNvSpPr>
-          <p:nvPr>
-            <p:ph idx="1"/>
-          </p:nvPr>
-        </p:nvSpPr>
+          <p:cNvPicPr>
+            <a:picLocks noChangeAspect="1"/>
+          </p:cNvPicPr>
+          <p:nvPr/>
+        </p:nvPicPr>
+        <p:blipFill>
+          <a:blip r:embed="rId4"/>
+          <a:stretch>
+            <a:fillRect/>
+          </a:stretch>
+        </p:blipFill>
         <p:spPr>
           <a:xfrm>
-            <a:off x="844767" y="2055813"/>
-            <a:ext cx="4265851" cy="4351338"/>
+            <a:off x="2403539" y="4334225"/>
+            <a:ext cx="8245412" cy="2374405"/>
           </a:xfrm>
+          <a:prstGeom prst="rect">
+            <a:avLst/>
+          </a:prstGeom>
         </p:spPr>
-        <p:txBody>
-          <a:bodyPr/>
-          <a:lstStyle/>
-          <a:p>
-            <a:r>
-              <a:rPr lang="en-US" sz="2200" dirty="0"/>
-              <a:t>For the </a:t>
-            </a:r>
-            <a:r>
-              <a:rPr lang="en-US" sz="2200" b="1" dirty="0"/>
-              <a:t>overall data:</a:t>
-            </a:r>
-            <a:r>
-              <a:rPr lang="en-US" sz="2200" dirty="0"/>
-              <a:t> all methods performed relatively well; oversampling had excellent results whereas </a:t>
-            </a:r>
-            <a:r>
-              <a:rPr lang="en-US" sz="2200" dirty="0" err="1"/>
-              <a:t>undersampling</a:t>
-            </a:r>
-            <a:r>
-              <a:rPr lang="en-US" sz="2200" dirty="0"/>
-              <a:t> did not</a:t>
-            </a:r>
-          </a:p>
-          <a:p>
-            <a:r>
-              <a:rPr lang="en-US" sz="2200" dirty="0"/>
-              <a:t>Per </a:t>
-            </a:r>
-            <a:r>
-              <a:rPr lang="en-US" sz="2200" b="1" dirty="0"/>
-              <a:t>category of quality:</a:t>
-            </a:r>
-            <a:r>
-              <a:rPr lang="en-US" sz="2200" dirty="0"/>
-              <a:t> low baseline rates of the rare classifications (low and high quality); </a:t>
-            </a:r>
-            <a:r>
-              <a:rPr lang="en-US" sz="2200" dirty="0" err="1"/>
-              <a:t>undersampling</a:t>
-            </a:r>
-            <a:r>
-              <a:rPr lang="en-US" sz="2200" dirty="0"/>
-              <a:t> had minimal improvement while oversampling had substantive improvement with small losses in normal category</a:t>
-            </a:r>
-          </a:p>
-          <a:p>
-            <a:pPr marL="0" indent="0">
-              <a:buNone/>
-            </a:pPr>
-            <a:endParaRPr lang="en-US" sz="1900" dirty="0"/>
-          </a:p>
-        </p:txBody>
-      </p:sp>
+      </p:pic>
     </p:spTree>
     <p:extLst>
       <p:ext uri="{BB962C8B-B14F-4D97-AF65-F5344CB8AC3E}">
-        <p14:creationId xmlns:p14="http://schemas.microsoft.com/office/powerpoint/2010/main" val="3304124175"/>
+        <p14:creationId xmlns:p14="http://schemas.microsoft.com/office/powerpoint/2010/main" val="3198314860"/>
       </p:ext>
     </p:extLst>
   </p:cSld>

--- a/presentation/final-presentation.pptx
+++ b/presentation/final-presentation.pptx
@@ -14461,7 +14461,7 @@
             <a:pPr lvl="1"/>
             <a:r>
               <a:rPr lang="en-US" sz="2200" dirty="0"/>
-              <a:t>SMOTE (Synthetic Minority Oversampling Technique</a:t>
+              <a:t>SMOTE (Synthetic Minority Oversampling Technique)</a:t>
             </a:r>
           </a:p>
         </p:txBody>
